--- a/0 발표용 파워포인트/project06 - 파워포인트 종합 - 형준.pptx
+++ b/0 발표용 파워포인트/project06 - 파워포인트 종합 - 형준.pptx
@@ -5,10 +5,11 @@
     <p:sldMasterId id="2147483648" r:id="rId1"/>
   </p:sldMasterIdLst>
   <p:notesMasterIdLst>
-    <p:notesMasterId r:id="rId3"/>
+    <p:notesMasterId r:id="rId4"/>
   </p:notesMasterIdLst>
   <p:sldIdLst>
     <p:sldId id="256" r:id="rId2"/>
+    <p:sldId id="257" r:id="rId3"/>
   </p:sldIdLst>
   <p:sldSz cx="12192000" cy="6858000"/>
   <p:notesSz cx="6858000" cy="9144000"/>
@@ -3450,6 +3451,78 @@
       </p:par>
     </p:tnLst>
   </p:timing>
+</p:sld>
+</file>
+
+<file path=ppt/slides/slide2.xml><?xml version="1.0" encoding="utf-8"?>
+<p:sld xmlns:a="http://schemas.openxmlformats.org/drawingml/2006/main" xmlns:r="http://schemas.openxmlformats.org/officeDocument/2006/relationships" xmlns:p="http://schemas.openxmlformats.org/presentationml/2006/main">
+  <p:cSld>
+    <p:spTree>
+      <p:nvGrpSpPr>
+        <p:cNvPr id="1" name=""/>
+        <p:cNvGrpSpPr/>
+        <p:nvPr/>
+      </p:nvGrpSpPr>
+      <p:grpSpPr>
+        <a:xfrm>
+          <a:off x="0" y="0"/>
+          <a:ext cx="0" cy="0"/>
+          <a:chOff x="0" y="0"/>
+          <a:chExt cx="0" cy="0"/>
+        </a:xfrm>
+      </p:grpSpPr>
+      <p:sp>
+        <p:nvSpPr>
+          <p:cNvPr id="2" name="제목 1"/>
+          <p:cNvSpPr>
+            <a:spLocks noGrp="1"/>
+          </p:cNvSpPr>
+          <p:nvPr>
+            <p:ph type="title"/>
+          </p:nvPr>
+        </p:nvSpPr>
+        <p:spPr/>
+        <p:txBody>
+          <a:bodyPr/>
+          <a:lstStyle/>
+          <a:p>
+            <a:r>
+              <a:rPr lang="ko-KR" altLang="en-US" smtClean="0"/>
+              <a:t>ㅇㄴㅁㅇ</a:t>
+            </a:r>
+            <a:endParaRPr lang="ko-KR" altLang="en-US"/>
+          </a:p>
+        </p:txBody>
+      </p:sp>
+      <p:sp>
+        <p:nvSpPr>
+          <p:cNvPr id="3" name="내용 개체 틀 2"/>
+          <p:cNvSpPr>
+            <a:spLocks noGrp="1"/>
+          </p:cNvSpPr>
+          <p:nvPr>
+            <p:ph idx="1"/>
+          </p:nvPr>
+        </p:nvSpPr>
+        <p:spPr/>
+        <p:txBody>
+          <a:bodyPr/>
+          <a:lstStyle/>
+          <a:p>
+            <a:endParaRPr lang="ko-KR" altLang="en-US"/>
+          </a:p>
+        </p:txBody>
+      </p:sp>
+    </p:spTree>
+    <p:extLst>
+      <p:ext uri="{BB962C8B-B14F-4D97-AF65-F5344CB8AC3E}">
+        <p14:creationId xmlns:p14="http://schemas.microsoft.com/office/powerpoint/2010/main" val="636874503"/>
+      </p:ext>
+    </p:extLst>
+  </p:cSld>
+  <p:clrMapOvr>
+    <a:masterClrMapping/>
+  </p:clrMapOvr>
 </p:sld>
 </file>
 

--- a/0 발표용 파워포인트/project06 - 파워포인트 종합 - 형준.pptx
+++ b/0 발표용 파워포인트/project06 - 파워포인트 종합 - 형준.pptx
@@ -3457,6 +3457,14 @@
 <file path=ppt/slides/slide2.xml><?xml version="1.0" encoding="utf-8"?>
 <p:sld xmlns:a="http://schemas.openxmlformats.org/drawingml/2006/main" xmlns:r="http://schemas.openxmlformats.org/officeDocument/2006/relationships" xmlns:p="http://schemas.openxmlformats.org/presentationml/2006/main">
   <p:cSld>
+    <p:bg>
+      <p:bgPr>
+        <a:solidFill>
+          <a:srgbClr val="FF9E00"/>
+        </a:solidFill>
+        <a:effectLst/>
+      </p:bgPr>
+    </p:bg>
     <p:spTree>
       <p:nvGrpSpPr>
         <p:cNvPr id="1" name=""/>
@@ -3473,56 +3481,1505 @@
       </p:grpSpPr>
       <p:sp>
         <p:nvSpPr>
-          <p:cNvPr id="2" name="제목 1"/>
-          <p:cNvSpPr>
-            <a:spLocks noGrp="1"/>
-          </p:cNvSpPr>
-          <p:nvPr>
-            <p:ph type="title"/>
-          </p:nvPr>
-        </p:nvSpPr>
-        <p:spPr/>
-        <p:txBody>
-          <a:bodyPr/>
+          <p:cNvPr id="18" name="직사각형 17"/>
+          <p:cNvSpPr/>
+          <p:nvPr/>
+        </p:nvSpPr>
+        <p:spPr>
+          <a:xfrm rot="21409477">
+            <a:off x="832974" y="128931"/>
+            <a:ext cx="9282799" cy="6218171"/>
+          </a:xfrm>
+          <a:prstGeom prst="rect">
+            <a:avLst/>
+          </a:prstGeom>
+          <a:solidFill>
+            <a:schemeClr val="bg1">
+              <a:lumMod val="95000"/>
+            </a:schemeClr>
+          </a:solidFill>
+          <a:ln>
+            <a:noFill/>
+          </a:ln>
+        </p:spPr>
+        <p:style>
+          <a:lnRef idx="2">
+            <a:schemeClr val="accent1">
+              <a:shade val="50000"/>
+            </a:schemeClr>
+          </a:lnRef>
+          <a:fillRef idx="1">
+            <a:schemeClr val="accent1"/>
+          </a:fillRef>
+          <a:effectRef idx="0">
+            <a:schemeClr val="accent1"/>
+          </a:effectRef>
+          <a:fontRef idx="minor">
+            <a:schemeClr val="lt1"/>
+          </a:fontRef>
+        </p:style>
+        <p:txBody>
+          <a:bodyPr lIns="91440" tIns="45720" rIns="91440" bIns="45720" rtlCol="0" anchor="ctr"/>
           <a:lstStyle/>
           <a:p>
-            <a:r>
-              <a:rPr lang="ko-KR" altLang="en-US" smtClean="0"/>
-              <a:t>ㅇㄴㅁㅇ</a:t>
-            </a:r>
-            <a:endParaRPr lang="ko-KR" altLang="en-US"/>
-          </a:p>
-        </p:txBody>
-      </p:sp>
-      <p:sp>
-        <p:nvSpPr>
-          <p:cNvPr id="3" name="내용 개체 틀 2"/>
-          <p:cNvSpPr>
-            <a:spLocks noGrp="1"/>
-          </p:cNvSpPr>
-          <p:nvPr>
-            <p:ph idx="1"/>
-          </p:nvPr>
-        </p:nvSpPr>
-        <p:spPr/>
-        <p:txBody>
-          <a:bodyPr/>
+            <a:pPr algn="ctr"/>
+            <a:endParaRPr lang="ko-KR" altLang="en-US" sz="2400"/>
+          </a:p>
+        </p:txBody>
+      </p:sp>
+      <p:sp>
+        <p:nvSpPr>
+          <p:cNvPr id="5" name="직사각형 4"/>
+          <p:cNvSpPr/>
+          <p:nvPr/>
+        </p:nvSpPr>
+        <p:spPr>
+          <a:xfrm>
+            <a:off x="526742" y="260649"/>
+            <a:ext cx="11425909" cy="6392929"/>
+          </a:xfrm>
+          <a:prstGeom prst="rect">
+            <a:avLst/>
+          </a:prstGeom>
+          <a:gradFill flip="none" rotWithShape="1">
+            <a:gsLst>
+              <a:gs pos="100000">
+                <a:schemeClr val="bg1">
+                  <a:shade val="67500"/>
+                  <a:satMod val="115000"/>
+                </a:schemeClr>
+              </a:gs>
+              <a:gs pos="64000">
+                <a:schemeClr val="bg1">
+                  <a:shade val="100000"/>
+                  <a:satMod val="115000"/>
+                </a:schemeClr>
+              </a:gs>
+            </a:gsLst>
+            <a:lin ang="10800000" scaled="1"/>
+            <a:tileRect/>
+          </a:gradFill>
+          <a:ln>
+            <a:noFill/>
+          </a:ln>
+          <a:effectLst>
+            <a:outerShdw blurRad="228600" dist="76200" dir="16200000" rotWithShape="0">
+              <a:prstClr val="black">
+                <a:alpha val="40000"/>
+              </a:prstClr>
+            </a:outerShdw>
+          </a:effectLst>
+        </p:spPr>
+        <p:style>
+          <a:lnRef idx="2">
+            <a:schemeClr val="accent1">
+              <a:shade val="50000"/>
+            </a:schemeClr>
+          </a:lnRef>
+          <a:fillRef idx="1">
+            <a:schemeClr val="accent1"/>
+          </a:fillRef>
+          <a:effectRef idx="0">
+            <a:schemeClr val="accent1"/>
+          </a:effectRef>
+          <a:fontRef idx="minor">
+            <a:schemeClr val="lt1"/>
+          </a:fontRef>
+        </p:style>
+        <p:txBody>
+          <a:bodyPr lIns="91440" tIns="45720" rIns="91440" bIns="45720" rtlCol="0" anchor="ctr"/>
           <a:lstStyle/>
           <a:p>
-            <a:endParaRPr lang="ko-KR" altLang="en-US"/>
-          </a:p>
-        </p:txBody>
-      </p:sp>
+            <a:pPr algn="ctr"/>
+            <a:endParaRPr lang="ko-KR" altLang="en-US" sz="2400"/>
+          </a:p>
+        </p:txBody>
+      </p:sp>
+      <p:grpSp>
+        <p:nvGrpSpPr>
+          <p:cNvPr id="2" name="그룹 1"/>
+          <p:cNvGrpSpPr/>
+          <p:nvPr/>
+        </p:nvGrpSpPr>
+        <p:grpSpPr>
+          <a:xfrm>
+            <a:off x="143104" y="68627"/>
+            <a:ext cx="768321" cy="6704028"/>
+            <a:chOff x="586490" y="739768"/>
+            <a:chExt cx="1017302" cy="5420168"/>
+          </a:xfrm>
+        </p:grpSpPr>
+        <p:sp>
+          <p:nvSpPr>
+            <p:cNvPr id="39" name="자유형 38"/>
+            <p:cNvSpPr/>
+            <p:nvPr/>
+          </p:nvSpPr>
+          <p:spPr>
+            <a:xfrm rot="10800000">
+              <a:off x="586490" y="1041378"/>
+              <a:ext cx="1017302" cy="4991063"/>
+            </a:xfrm>
+            <a:custGeom>
+              <a:avLst/>
+              <a:gdLst>
+                <a:gd name="connsiteX0" fmla="*/ 194310 w 388620"/>
+                <a:gd name="connsiteY0" fmla="*/ 0 h 2927235"/>
+                <a:gd name="connsiteX1" fmla="*/ 388620 w 388620"/>
+                <a:gd name="connsiteY1" fmla="*/ 194310 h 2927235"/>
+                <a:gd name="connsiteX2" fmla="*/ 388620 w 388620"/>
+                <a:gd name="connsiteY2" fmla="*/ 2927235 h 2927235"/>
+                <a:gd name="connsiteX3" fmla="*/ 379599 w 388620"/>
+                <a:gd name="connsiteY3" fmla="*/ 2898175 h 2927235"/>
+                <a:gd name="connsiteX4" fmla="*/ 194310 w 388620"/>
+                <a:gd name="connsiteY4" fmla="*/ 2775357 h 2927235"/>
+                <a:gd name="connsiteX5" fmla="*/ 9021 w 388620"/>
+                <a:gd name="connsiteY5" fmla="*/ 2898175 h 2927235"/>
+                <a:gd name="connsiteX6" fmla="*/ 0 w 388620"/>
+                <a:gd name="connsiteY6" fmla="*/ 2927235 h 2927235"/>
+                <a:gd name="connsiteX7" fmla="*/ 0 w 388620"/>
+                <a:gd name="connsiteY7" fmla="*/ 194310 h 2927235"/>
+                <a:gd name="connsiteX8" fmla="*/ 194310 w 388620"/>
+                <a:gd name="connsiteY8" fmla="*/ 0 h 2927235"/>
+              </a:gdLst>
+              <a:ahLst/>
+              <a:cxnLst>
+                <a:cxn ang="0">
+                  <a:pos x="connsiteX0" y="connsiteY0"/>
+                </a:cxn>
+                <a:cxn ang="0">
+                  <a:pos x="connsiteX1" y="connsiteY1"/>
+                </a:cxn>
+                <a:cxn ang="0">
+                  <a:pos x="connsiteX2" y="connsiteY2"/>
+                </a:cxn>
+                <a:cxn ang="0">
+                  <a:pos x="connsiteX3" y="connsiteY3"/>
+                </a:cxn>
+                <a:cxn ang="0">
+                  <a:pos x="connsiteX4" y="connsiteY4"/>
+                </a:cxn>
+                <a:cxn ang="0">
+                  <a:pos x="connsiteX5" y="connsiteY5"/>
+                </a:cxn>
+                <a:cxn ang="0">
+                  <a:pos x="connsiteX6" y="connsiteY6"/>
+                </a:cxn>
+                <a:cxn ang="0">
+                  <a:pos x="connsiteX7" y="connsiteY7"/>
+                </a:cxn>
+                <a:cxn ang="0">
+                  <a:pos x="connsiteX8" y="connsiteY8"/>
+                </a:cxn>
+              </a:cxnLst>
+              <a:rect l="l" t="t" r="r" b="b"/>
+              <a:pathLst>
+                <a:path w="388620" h="2927235">
+                  <a:moveTo>
+                    <a:pt x="194310" y="0"/>
+                  </a:moveTo>
+                  <a:cubicBezTo>
+                    <a:pt x="301624" y="0"/>
+                    <a:pt x="388620" y="86996"/>
+                    <a:pt x="388620" y="194310"/>
+                  </a:cubicBezTo>
+                  <a:lnTo>
+                    <a:pt x="388620" y="2927235"/>
+                  </a:lnTo>
+                  <a:lnTo>
+                    <a:pt x="379599" y="2898175"/>
+                  </a:lnTo>
+                  <a:cubicBezTo>
+                    <a:pt x="349072" y="2826000"/>
+                    <a:pt x="277605" y="2775357"/>
+                    <a:pt x="194310" y="2775357"/>
+                  </a:cubicBezTo>
+                  <a:cubicBezTo>
+                    <a:pt x="111015" y="2775357"/>
+                    <a:pt x="39548" y="2826000"/>
+                    <a:pt x="9021" y="2898175"/>
+                  </a:cubicBezTo>
+                  <a:lnTo>
+                    <a:pt x="0" y="2927235"/>
+                  </a:lnTo>
+                  <a:lnTo>
+                    <a:pt x="0" y="194310"/>
+                  </a:lnTo>
+                  <a:cubicBezTo>
+                    <a:pt x="0" y="86996"/>
+                    <a:pt x="86996" y="0"/>
+                    <a:pt x="194310" y="0"/>
+                  </a:cubicBezTo>
+                  <a:close/>
+                </a:path>
+              </a:pathLst>
+            </a:custGeom>
+            <a:gradFill flip="none" rotWithShape="1">
+              <a:gsLst>
+                <a:gs pos="0">
+                  <a:schemeClr val="bg1">
+                    <a:shade val="67500"/>
+                    <a:satMod val="115000"/>
+                  </a:schemeClr>
+                </a:gs>
+                <a:gs pos="100000">
+                  <a:schemeClr val="bg1">
+                    <a:shade val="100000"/>
+                    <a:satMod val="115000"/>
+                  </a:schemeClr>
+                </a:gs>
+              </a:gsLst>
+              <a:lin ang="10800000" scaled="1"/>
+              <a:tileRect/>
+            </a:gradFill>
+            <a:ln>
+              <a:noFill/>
+            </a:ln>
+            <a:effectLst>
+              <a:outerShdw blurRad="88900" dist="139700" dir="5400000" sx="98000" sy="98000" algn="t" rotWithShape="0">
+                <a:prstClr val="black">
+                  <a:alpha val="40000"/>
+                </a:prstClr>
+              </a:outerShdw>
+            </a:effectLst>
+          </p:spPr>
+          <p:style>
+            <a:lnRef idx="2">
+              <a:schemeClr val="accent1">
+                <a:shade val="50000"/>
+              </a:schemeClr>
+            </a:lnRef>
+            <a:fillRef idx="1">
+              <a:schemeClr val="accent1"/>
+            </a:fillRef>
+            <a:effectRef idx="0">
+              <a:schemeClr val="accent1"/>
+            </a:effectRef>
+            <a:fontRef idx="minor">
+              <a:schemeClr val="lt1"/>
+            </a:fontRef>
+          </p:style>
+          <p:txBody>
+            <a:bodyPr rtlCol="0" anchor="ctr"/>
+            <a:lstStyle/>
+            <a:p>
+              <a:pPr algn="ctr"/>
+              <a:endParaRPr lang="ko-KR" altLang="en-US" sz="2400"/>
+            </a:p>
+          </p:txBody>
+        </p:sp>
+        <p:sp>
+          <p:nvSpPr>
+            <p:cNvPr id="40" name="자유형 39"/>
+            <p:cNvSpPr/>
+            <p:nvPr/>
+          </p:nvSpPr>
+          <p:spPr>
+            <a:xfrm rot="10800000">
+              <a:off x="754421" y="2816677"/>
+              <a:ext cx="681439" cy="3343259"/>
+            </a:xfrm>
+            <a:custGeom>
+              <a:avLst/>
+              <a:gdLst>
+                <a:gd name="connsiteX0" fmla="*/ 194310 w 388620"/>
+                <a:gd name="connsiteY0" fmla="*/ 0 h 2927235"/>
+                <a:gd name="connsiteX1" fmla="*/ 388620 w 388620"/>
+                <a:gd name="connsiteY1" fmla="*/ 194310 h 2927235"/>
+                <a:gd name="connsiteX2" fmla="*/ 388620 w 388620"/>
+                <a:gd name="connsiteY2" fmla="*/ 2927235 h 2927235"/>
+                <a:gd name="connsiteX3" fmla="*/ 379599 w 388620"/>
+                <a:gd name="connsiteY3" fmla="*/ 2898175 h 2927235"/>
+                <a:gd name="connsiteX4" fmla="*/ 194310 w 388620"/>
+                <a:gd name="connsiteY4" fmla="*/ 2775357 h 2927235"/>
+                <a:gd name="connsiteX5" fmla="*/ 9021 w 388620"/>
+                <a:gd name="connsiteY5" fmla="*/ 2898175 h 2927235"/>
+                <a:gd name="connsiteX6" fmla="*/ 0 w 388620"/>
+                <a:gd name="connsiteY6" fmla="*/ 2927235 h 2927235"/>
+                <a:gd name="connsiteX7" fmla="*/ 0 w 388620"/>
+                <a:gd name="connsiteY7" fmla="*/ 194310 h 2927235"/>
+                <a:gd name="connsiteX8" fmla="*/ 194310 w 388620"/>
+                <a:gd name="connsiteY8" fmla="*/ 0 h 2927235"/>
+              </a:gdLst>
+              <a:ahLst/>
+              <a:cxnLst>
+                <a:cxn ang="0">
+                  <a:pos x="connsiteX0" y="connsiteY0"/>
+                </a:cxn>
+                <a:cxn ang="0">
+                  <a:pos x="connsiteX1" y="connsiteY1"/>
+                </a:cxn>
+                <a:cxn ang="0">
+                  <a:pos x="connsiteX2" y="connsiteY2"/>
+                </a:cxn>
+                <a:cxn ang="0">
+                  <a:pos x="connsiteX3" y="connsiteY3"/>
+                </a:cxn>
+                <a:cxn ang="0">
+                  <a:pos x="connsiteX4" y="connsiteY4"/>
+                </a:cxn>
+                <a:cxn ang="0">
+                  <a:pos x="connsiteX5" y="connsiteY5"/>
+                </a:cxn>
+                <a:cxn ang="0">
+                  <a:pos x="connsiteX6" y="connsiteY6"/>
+                </a:cxn>
+                <a:cxn ang="0">
+                  <a:pos x="connsiteX7" y="connsiteY7"/>
+                </a:cxn>
+                <a:cxn ang="0">
+                  <a:pos x="connsiteX8" y="connsiteY8"/>
+                </a:cxn>
+              </a:cxnLst>
+              <a:rect l="l" t="t" r="r" b="b"/>
+              <a:pathLst>
+                <a:path w="388620" h="2927235">
+                  <a:moveTo>
+                    <a:pt x="194310" y="0"/>
+                  </a:moveTo>
+                  <a:cubicBezTo>
+                    <a:pt x="301624" y="0"/>
+                    <a:pt x="388620" y="86996"/>
+                    <a:pt x="388620" y="194310"/>
+                  </a:cubicBezTo>
+                  <a:lnTo>
+                    <a:pt x="388620" y="2927235"/>
+                  </a:lnTo>
+                  <a:lnTo>
+                    <a:pt x="379599" y="2898175"/>
+                  </a:lnTo>
+                  <a:cubicBezTo>
+                    <a:pt x="349072" y="2826000"/>
+                    <a:pt x="277605" y="2775357"/>
+                    <a:pt x="194310" y="2775357"/>
+                  </a:cubicBezTo>
+                  <a:cubicBezTo>
+                    <a:pt x="111015" y="2775357"/>
+                    <a:pt x="39548" y="2826000"/>
+                    <a:pt x="9021" y="2898175"/>
+                  </a:cubicBezTo>
+                  <a:lnTo>
+                    <a:pt x="0" y="2927235"/>
+                  </a:lnTo>
+                  <a:lnTo>
+                    <a:pt x="0" y="194310"/>
+                  </a:lnTo>
+                  <a:cubicBezTo>
+                    <a:pt x="0" y="86996"/>
+                    <a:pt x="86996" y="0"/>
+                    <a:pt x="194310" y="0"/>
+                  </a:cubicBezTo>
+                  <a:close/>
+                </a:path>
+              </a:pathLst>
+            </a:custGeom>
+            <a:gradFill flip="none" rotWithShape="1">
+              <a:gsLst>
+                <a:gs pos="0">
+                  <a:schemeClr val="bg1">
+                    <a:shade val="67500"/>
+                    <a:satMod val="115000"/>
+                  </a:schemeClr>
+                </a:gs>
+                <a:gs pos="100000">
+                  <a:schemeClr val="bg1">
+                    <a:shade val="100000"/>
+                    <a:satMod val="115000"/>
+                  </a:schemeClr>
+                </a:gs>
+              </a:gsLst>
+              <a:lin ang="10800000" scaled="1"/>
+              <a:tileRect/>
+            </a:gradFill>
+            <a:ln>
+              <a:noFill/>
+            </a:ln>
+            <a:effectLst>
+              <a:outerShdw blurRad="88900" dist="139700" dir="5400000" sx="98000" sy="98000" algn="t" rotWithShape="0">
+                <a:prstClr val="black">
+                  <a:alpha val="40000"/>
+                </a:prstClr>
+              </a:outerShdw>
+            </a:effectLst>
+          </p:spPr>
+          <p:style>
+            <a:lnRef idx="2">
+              <a:schemeClr val="accent1">
+                <a:shade val="50000"/>
+              </a:schemeClr>
+            </a:lnRef>
+            <a:fillRef idx="1">
+              <a:schemeClr val="accent1"/>
+            </a:fillRef>
+            <a:effectRef idx="0">
+              <a:schemeClr val="accent1"/>
+            </a:effectRef>
+            <a:fontRef idx="minor">
+              <a:schemeClr val="lt1"/>
+            </a:fontRef>
+          </p:style>
+          <p:txBody>
+            <a:bodyPr rtlCol="0" anchor="ctr"/>
+            <a:lstStyle/>
+            <a:p>
+              <a:pPr algn="ctr"/>
+              <a:endParaRPr lang="ko-KR" altLang="en-US" sz="2400"/>
+            </a:p>
+          </p:txBody>
+        </p:sp>
+        <p:sp>
+          <p:nvSpPr>
+            <p:cNvPr id="41" name="자유형 40"/>
+            <p:cNvSpPr/>
+            <p:nvPr/>
+          </p:nvSpPr>
+          <p:spPr>
+            <a:xfrm>
+              <a:off x="754421" y="2614644"/>
+              <a:ext cx="681439" cy="3343259"/>
+            </a:xfrm>
+            <a:custGeom>
+              <a:avLst/>
+              <a:gdLst>
+                <a:gd name="connsiteX0" fmla="*/ 194310 w 388620"/>
+                <a:gd name="connsiteY0" fmla="*/ 0 h 2927235"/>
+                <a:gd name="connsiteX1" fmla="*/ 388620 w 388620"/>
+                <a:gd name="connsiteY1" fmla="*/ 194310 h 2927235"/>
+                <a:gd name="connsiteX2" fmla="*/ 388620 w 388620"/>
+                <a:gd name="connsiteY2" fmla="*/ 2927235 h 2927235"/>
+                <a:gd name="connsiteX3" fmla="*/ 379599 w 388620"/>
+                <a:gd name="connsiteY3" fmla="*/ 2898175 h 2927235"/>
+                <a:gd name="connsiteX4" fmla="*/ 194310 w 388620"/>
+                <a:gd name="connsiteY4" fmla="*/ 2775357 h 2927235"/>
+                <a:gd name="connsiteX5" fmla="*/ 9021 w 388620"/>
+                <a:gd name="connsiteY5" fmla="*/ 2898175 h 2927235"/>
+                <a:gd name="connsiteX6" fmla="*/ 0 w 388620"/>
+                <a:gd name="connsiteY6" fmla="*/ 2927235 h 2927235"/>
+                <a:gd name="connsiteX7" fmla="*/ 0 w 388620"/>
+                <a:gd name="connsiteY7" fmla="*/ 194310 h 2927235"/>
+                <a:gd name="connsiteX8" fmla="*/ 194310 w 388620"/>
+                <a:gd name="connsiteY8" fmla="*/ 0 h 2927235"/>
+              </a:gdLst>
+              <a:ahLst/>
+              <a:cxnLst>
+                <a:cxn ang="0">
+                  <a:pos x="connsiteX0" y="connsiteY0"/>
+                </a:cxn>
+                <a:cxn ang="0">
+                  <a:pos x="connsiteX1" y="connsiteY1"/>
+                </a:cxn>
+                <a:cxn ang="0">
+                  <a:pos x="connsiteX2" y="connsiteY2"/>
+                </a:cxn>
+                <a:cxn ang="0">
+                  <a:pos x="connsiteX3" y="connsiteY3"/>
+                </a:cxn>
+                <a:cxn ang="0">
+                  <a:pos x="connsiteX4" y="connsiteY4"/>
+                </a:cxn>
+                <a:cxn ang="0">
+                  <a:pos x="connsiteX5" y="connsiteY5"/>
+                </a:cxn>
+                <a:cxn ang="0">
+                  <a:pos x="connsiteX6" y="connsiteY6"/>
+                </a:cxn>
+                <a:cxn ang="0">
+                  <a:pos x="connsiteX7" y="connsiteY7"/>
+                </a:cxn>
+                <a:cxn ang="0">
+                  <a:pos x="connsiteX8" y="connsiteY8"/>
+                </a:cxn>
+              </a:cxnLst>
+              <a:rect l="l" t="t" r="r" b="b"/>
+              <a:pathLst>
+                <a:path w="388620" h="2927235">
+                  <a:moveTo>
+                    <a:pt x="194310" y="0"/>
+                  </a:moveTo>
+                  <a:cubicBezTo>
+                    <a:pt x="301624" y="0"/>
+                    <a:pt x="388620" y="86996"/>
+                    <a:pt x="388620" y="194310"/>
+                  </a:cubicBezTo>
+                  <a:lnTo>
+                    <a:pt x="388620" y="2927235"/>
+                  </a:lnTo>
+                  <a:lnTo>
+                    <a:pt x="379599" y="2898175"/>
+                  </a:lnTo>
+                  <a:cubicBezTo>
+                    <a:pt x="349072" y="2826000"/>
+                    <a:pt x="277605" y="2775357"/>
+                    <a:pt x="194310" y="2775357"/>
+                  </a:cubicBezTo>
+                  <a:cubicBezTo>
+                    <a:pt x="111015" y="2775357"/>
+                    <a:pt x="39548" y="2826000"/>
+                    <a:pt x="9021" y="2898175"/>
+                  </a:cubicBezTo>
+                  <a:lnTo>
+                    <a:pt x="0" y="2927235"/>
+                  </a:lnTo>
+                  <a:lnTo>
+                    <a:pt x="0" y="194310"/>
+                  </a:lnTo>
+                  <a:cubicBezTo>
+                    <a:pt x="0" y="86996"/>
+                    <a:pt x="86996" y="0"/>
+                    <a:pt x="194310" y="0"/>
+                  </a:cubicBezTo>
+                  <a:close/>
+                </a:path>
+              </a:pathLst>
+            </a:custGeom>
+            <a:gradFill flip="none" rotWithShape="1">
+              <a:gsLst>
+                <a:gs pos="0">
+                  <a:schemeClr val="bg1">
+                    <a:shade val="67500"/>
+                    <a:satMod val="115000"/>
+                  </a:schemeClr>
+                </a:gs>
+                <a:gs pos="100000">
+                  <a:schemeClr val="bg1">
+                    <a:shade val="100000"/>
+                    <a:satMod val="115000"/>
+                  </a:schemeClr>
+                </a:gs>
+              </a:gsLst>
+              <a:lin ang="10800000" scaled="1"/>
+              <a:tileRect/>
+            </a:gradFill>
+            <a:ln>
+              <a:noFill/>
+            </a:ln>
+            <a:effectLst>
+              <a:outerShdw blurRad="88900" dist="139700" dir="5400000" sx="98000" sy="98000" algn="t" rotWithShape="0">
+                <a:prstClr val="black">
+                  <a:alpha val="40000"/>
+                </a:prstClr>
+              </a:outerShdw>
+            </a:effectLst>
+          </p:spPr>
+          <p:style>
+            <a:lnRef idx="2">
+              <a:schemeClr val="accent1">
+                <a:shade val="50000"/>
+              </a:schemeClr>
+            </a:lnRef>
+            <a:fillRef idx="1">
+              <a:schemeClr val="accent1"/>
+            </a:fillRef>
+            <a:effectRef idx="0">
+              <a:schemeClr val="accent1"/>
+            </a:effectRef>
+            <a:fontRef idx="minor">
+              <a:schemeClr val="lt1"/>
+            </a:fontRef>
+          </p:style>
+          <p:txBody>
+            <a:bodyPr rtlCol="0" anchor="ctr"/>
+            <a:lstStyle/>
+            <a:p>
+              <a:pPr algn="ctr"/>
+              <a:endParaRPr lang="ko-KR" altLang="en-US" sz="2400"/>
+            </a:p>
+          </p:txBody>
+        </p:sp>
+        <p:sp>
+          <p:nvSpPr>
+            <p:cNvPr id="42" name="자유형 41"/>
+            <p:cNvSpPr/>
+            <p:nvPr/>
+          </p:nvSpPr>
+          <p:spPr>
+            <a:xfrm>
+              <a:off x="586490" y="739768"/>
+              <a:ext cx="1017302" cy="4991063"/>
+            </a:xfrm>
+            <a:custGeom>
+              <a:avLst/>
+              <a:gdLst>
+                <a:gd name="connsiteX0" fmla="*/ 194310 w 388620"/>
+                <a:gd name="connsiteY0" fmla="*/ 0 h 2927235"/>
+                <a:gd name="connsiteX1" fmla="*/ 388620 w 388620"/>
+                <a:gd name="connsiteY1" fmla="*/ 194310 h 2927235"/>
+                <a:gd name="connsiteX2" fmla="*/ 388620 w 388620"/>
+                <a:gd name="connsiteY2" fmla="*/ 2927235 h 2927235"/>
+                <a:gd name="connsiteX3" fmla="*/ 379599 w 388620"/>
+                <a:gd name="connsiteY3" fmla="*/ 2898175 h 2927235"/>
+                <a:gd name="connsiteX4" fmla="*/ 194310 w 388620"/>
+                <a:gd name="connsiteY4" fmla="*/ 2775357 h 2927235"/>
+                <a:gd name="connsiteX5" fmla="*/ 9021 w 388620"/>
+                <a:gd name="connsiteY5" fmla="*/ 2898175 h 2927235"/>
+                <a:gd name="connsiteX6" fmla="*/ 0 w 388620"/>
+                <a:gd name="connsiteY6" fmla="*/ 2927235 h 2927235"/>
+                <a:gd name="connsiteX7" fmla="*/ 0 w 388620"/>
+                <a:gd name="connsiteY7" fmla="*/ 194310 h 2927235"/>
+                <a:gd name="connsiteX8" fmla="*/ 194310 w 388620"/>
+                <a:gd name="connsiteY8" fmla="*/ 0 h 2927235"/>
+              </a:gdLst>
+              <a:ahLst/>
+              <a:cxnLst>
+                <a:cxn ang="0">
+                  <a:pos x="connsiteX0" y="connsiteY0"/>
+                </a:cxn>
+                <a:cxn ang="0">
+                  <a:pos x="connsiteX1" y="connsiteY1"/>
+                </a:cxn>
+                <a:cxn ang="0">
+                  <a:pos x="connsiteX2" y="connsiteY2"/>
+                </a:cxn>
+                <a:cxn ang="0">
+                  <a:pos x="connsiteX3" y="connsiteY3"/>
+                </a:cxn>
+                <a:cxn ang="0">
+                  <a:pos x="connsiteX4" y="connsiteY4"/>
+                </a:cxn>
+                <a:cxn ang="0">
+                  <a:pos x="connsiteX5" y="connsiteY5"/>
+                </a:cxn>
+                <a:cxn ang="0">
+                  <a:pos x="connsiteX6" y="connsiteY6"/>
+                </a:cxn>
+                <a:cxn ang="0">
+                  <a:pos x="connsiteX7" y="connsiteY7"/>
+                </a:cxn>
+                <a:cxn ang="0">
+                  <a:pos x="connsiteX8" y="connsiteY8"/>
+                </a:cxn>
+              </a:cxnLst>
+              <a:rect l="l" t="t" r="r" b="b"/>
+              <a:pathLst>
+                <a:path w="388620" h="2927235">
+                  <a:moveTo>
+                    <a:pt x="194310" y="0"/>
+                  </a:moveTo>
+                  <a:cubicBezTo>
+                    <a:pt x="301624" y="0"/>
+                    <a:pt x="388620" y="86996"/>
+                    <a:pt x="388620" y="194310"/>
+                  </a:cubicBezTo>
+                  <a:lnTo>
+                    <a:pt x="388620" y="2927235"/>
+                  </a:lnTo>
+                  <a:lnTo>
+                    <a:pt x="379599" y="2898175"/>
+                  </a:lnTo>
+                  <a:cubicBezTo>
+                    <a:pt x="349072" y="2826000"/>
+                    <a:pt x="277605" y="2775357"/>
+                    <a:pt x="194310" y="2775357"/>
+                  </a:cubicBezTo>
+                  <a:cubicBezTo>
+                    <a:pt x="111015" y="2775357"/>
+                    <a:pt x="39548" y="2826000"/>
+                    <a:pt x="9021" y="2898175"/>
+                  </a:cubicBezTo>
+                  <a:lnTo>
+                    <a:pt x="0" y="2927235"/>
+                  </a:lnTo>
+                  <a:lnTo>
+                    <a:pt x="0" y="194310"/>
+                  </a:lnTo>
+                  <a:cubicBezTo>
+                    <a:pt x="0" y="86996"/>
+                    <a:pt x="86996" y="0"/>
+                    <a:pt x="194310" y="0"/>
+                  </a:cubicBezTo>
+                  <a:close/>
+                </a:path>
+              </a:pathLst>
+            </a:custGeom>
+            <a:gradFill flip="none" rotWithShape="1">
+              <a:gsLst>
+                <a:gs pos="0">
+                  <a:schemeClr val="bg1">
+                    <a:shade val="67500"/>
+                    <a:satMod val="115000"/>
+                  </a:schemeClr>
+                </a:gs>
+                <a:gs pos="100000">
+                  <a:schemeClr val="bg1">
+                    <a:shade val="100000"/>
+                    <a:satMod val="115000"/>
+                  </a:schemeClr>
+                </a:gs>
+              </a:gsLst>
+              <a:lin ang="10800000" scaled="1"/>
+              <a:tileRect/>
+            </a:gradFill>
+            <a:ln>
+              <a:noFill/>
+            </a:ln>
+            <a:effectLst>
+              <a:outerShdw blurRad="88900" dist="139700" dir="5400000" sx="98000" sy="98000" algn="t" rotWithShape="0">
+                <a:prstClr val="black">
+                  <a:alpha val="40000"/>
+                </a:prstClr>
+              </a:outerShdw>
+            </a:effectLst>
+          </p:spPr>
+          <p:style>
+            <a:lnRef idx="2">
+              <a:schemeClr val="accent1">
+                <a:shade val="50000"/>
+              </a:schemeClr>
+            </a:lnRef>
+            <a:fillRef idx="1">
+              <a:schemeClr val="accent1"/>
+            </a:fillRef>
+            <a:effectRef idx="0">
+              <a:schemeClr val="accent1"/>
+            </a:effectRef>
+            <a:fontRef idx="minor">
+              <a:schemeClr val="lt1"/>
+            </a:fontRef>
+          </p:style>
+          <p:txBody>
+            <a:bodyPr rtlCol="0" anchor="ctr"/>
+            <a:lstStyle/>
+            <a:p>
+              <a:pPr algn="ctr"/>
+              <a:endParaRPr lang="ko-KR" altLang="en-US" sz="2400"/>
+            </a:p>
+          </p:txBody>
+        </p:sp>
+      </p:grpSp>
+      <p:sp>
+        <p:nvSpPr>
+          <p:cNvPr id="43" name="직사각형 42"/>
+          <p:cNvSpPr/>
+          <p:nvPr/>
+        </p:nvSpPr>
+        <p:spPr>
+          <a:xfrm>
+            <a:off x="1121067" y="522708"/>
+            <a:ext cx="8789911" cy="646331"/>
+          </a:xfrm>
+          <a:prstGeom prst="rect">
+            <a:avLst/>
+          </a:prstGeom>
+        </p:spPr>
+        <p:txBody>
+          <a:bodyPr wrap="square" lIns="91440" tIns="45720" rIns="91440" bIns="45720">
+            <a:spAutoFit/>
+          </a:bodyPr>
+          <a:lstStyle/>
+          <a:p>
+            <a:pPr>
+              <a:lnSpc>
+                <a:spcPct val="150000"/>
+              </a:lnSpc>
+            </a:pPr>
+            <a:r>
+              <a:rPr lang="en-US" altLang="ko-KR" sz="2400" b="1" dirty="0">
+                <a:solidFill>
+                  <a:schemeClr val="tx1">
+                    <a:lumMod val="75000"/>
+                    <a:lumOff val="25000"/>
+                  </a:schemeClr>
+                </a:solidFill>
+                <a:latin typeface="+mj-ea"/>
+                <a:ea typeface="+mj-ea"/>
+              </a:rPr>
+              <a:t>[ </a:t>
+            </a:r>
+            <a:r>
+              <a:rPr lang="ko-KR" altLang="en-US" sz="2400" b="1" dirty="0">
+                <a:solidFill>
+                  <a:schemeClr val="tx1">
+                    <a:lumMod val="75000"/>
+                    <a:lumOff val="25000"/>
+                  </a:schemeClr>
+                </a:solidFill>
+                <a:latin typeface="+mj-ea"/>
+                <a:ea typeface="+mj-ea"/>
+              </a:rPr>
+              <a:t>화면설계 </a:t>
+            </a:r>
+            <a:r>
+              <a:rPr lang="en-US" altLang="ko-KR" sz="2400" b="1" dirty="0">
+                <a:solidFill>
+                  <a:schemeClr val="tx1">
+                    <a:lumMod val="75000"/>
+                    <a:lumOff val="25000"/>
+                  </a:schemeClr>
+                </a:solidFill>
+                <a:latin typeface="+mj-ea"/>
+                <a:ea typeface="+mj-ea"/>
+              </a:rPr>
+              <a:t>] </a:t>
+            </a:r>
+            <a:r>
+              <a:rPr lang="ko-KR" altLang="en-US" sz="2400" b="1" dirty="0">
+                <a:solidFill>
+                  <a:schemeClr val="tx1">
+                    <a:lumMod val="75000"/>
+                    <a:lumOff val="25000"/>
+                  </a:schemeClr>
+                </a:solidFill>
+                <a:latin typeface="+mj-ea"/>
+                <a:ea typeface="+mj-ea"/>
+              </a:rPr>
+              <a:t>사용자 </a:t>
+            </a:r>
+            <a:r>
+              <a:rPr lang="en-US" altLang="ko-KR" sz="2400" b="1" dirty="0">
+                <a:solidFill>
+                  <a:schemeClr val="tx1">
+                    <a:lumMod val="75000"/>
+                    <a:lumOff val="25000"/>
+                  </a:schemeClr>
+                </a:solidFill>
+                <a:latin typeface="+mj-ea"/>
+                <a:ea typeface="+mj-ea"/>
+              </a:rPr>
+              <a:t>- </a:t>
+            </a:r>
+            <a:r>
+              <a:rPr lang="ko-KR" altLang="en-US" sz="2400" b="1" dirty="0">
+                <a:solidFill>
+                  <a:schemeClr val="tx1">
+                    <a:lumMod val="75000"/>
+                    <a:lumOff val="25000"/>
+                  </a:schemeClr>
+                </a:solidFill>
+                <a:latin typeface="+mj-ea"/>
+                <a:ea typeface="+mj-ea"/>
+              </a:rPr>
+              <a:t>웹 </a:t>
+            </a:r>
+            <a:r>
+              <a:rPr lang="en-US" altLang="ko-KR" sz="2400" b="1" dirty="0">
+                <a:solidFill>
+                  <a:schemeClr val="tx1">
+                    <a:lumMod val="75000"/>
+                    <a:lumOff val="25000"/>
+                  </a:schemeClr>
+                </a:solidFill>
+                <a:latin typeface="+mj-ea"/>
+                <a:ea typeface="+mj-ea"/>
+              </a:rPr>
+              <a:t>- </a:t>
+            </a:r>
+            <a:r>
+              <a:rPr lang="ko-KR" altLang="en-US" sz="2400" b="1" dirty="0">
+                <a:solidFill>
+                  <a:schemeClr val="tx1">
+                    <a:lumMod val="75000"/>
+                    <a:lumOff val="25000"/>
+                  </a:schemeClr>
+                </a:solidFill>
+                <a:latin typeface="+mj-ea"/>
+                <a:ea typeface="+mj-ea"/>
+              </a:rPr>
+              <a:t>세미나 </a:t>
+            </a:r>
+            <a:r>
+              <a:rPr lang="ko-KR" altLang="en-US" sz="2400" b="1" dirty="0">
+                <a:solidFill>
+                  <a:schemeClr val="tx1">
+                    <a:lumMod val="75000"/>
+                    <a:lumOff val="25000"/>
+                  </a:schemeClr>
+                </a:solidFill>
+                <a:latin typeface="+mj-ea"/>
+                <a:ea typeface="+mj-ea"/>
+              </a:rPr>
+              <a:t>상세페이지</a:t>
+            </a:r>
+            <a:endParaRPr lang="ko-KR" altLang="en-US" sz="2400" b="1" dirty="0">
+              <a:solidFill>
+                <a:schemeClr val="tx1">
+                  <a:lumMod val="75000"/>
+                  <a:lumOff val="25000"/>
+                </a:schemeClr>
+              </a:solidFill>
+              <a:latin typeface="+mj-ea"/>
+              <a:ea typeface="+mj-ea"/>
+            </a:endParaRPr>
+          </a:p>
+        </p:txBody>
+      </p:sp>
+      <p:graphicFrame>
+        <p:nvGraphicFramePr>
+          <p:cNvPr id="4" name="표 3"/>
+          <p:cNvGraphicFramePr>
+            <a:graphicFrameLocks noGrp="1"/>
+          </p:cNvGraphicFramePr>
+          <p:nvPr>
+            <p:extLst/>
+          </p:nvPr>
+        </p:nvGraphicFramePr>
+        <p:xfrm>
+          <a:off x="9168341" y="1433634"/>
+          <a:ext cx="2688299" cy="915066"/>
+        </p:xfrm>
+        <a:graphic>
+          <a:graphicData uri="http://schemas.openxmlformats.org/drawingml/2006/table">
+            <a:tbl>
+              <a:tblPr firstRow="1" bandRow="1"/>
+              <a:tblGrid>
+                <a:gridCol w="2688299"/>
+              </a:tblGrid>
+              <a:tr h="424495">
+                <a:tc>
+                  <a:txBody>
+                    <a:bodyPr/>
+                    <a:lstStyle/>
+                    <a:p>
+                      <a:pPr algn="ctr" latinLnBrk="1"/>
+                      <a:r>
+                        <a:rPr lang="ko-KR" altLang="en-US" sz="1200" b="1" dirty="0" smtClean="0">
+                          <a:solidFill>
+                            <a:schemeClr val="tx1"/>
+                          </a:solidFill>
+                          <a:latin typeface="+mj-ea"/>
+                          <a:ea typeface="+mj-ea"/>
+                        </a:rPr>
+                        <a:t>화면코드</a:t>
+                      </a:r>
+                      <a:endParaRPr lang="ko-KR" altLang="en-US" sz="1200" b="1" dirty="0">
+                        <a:solidFill>
+                          <a:schemeClr val="tx1"/>
+                        </a:solidFill>
+                        <a:latin typeface="+mj-ea"/>
+                        <a:ea typeface="+mj-ea"/>
+                      </a:endParaRPr>
+                    </a:p>
+                  </a:txBody>
+                  <a:tcPr marL="121920" marR="121920" marT="60960" marB="60960" anchor="ctr">
+                    <a:solidFill>
+                      <a:srgbClr val="FF9E00"/>
+                    </a:solidFill>
+                  </a:tcPr>
+                </a:tc>
+              </a:tr>
+              <a:tr h="490571">
+                <a:tc>
+                  <a:txBody>
+                    <a:bodyPr/>
+                    <a:lstStyle/>
+                    <a:p>
+                      <a:pPr algn="ctr" latinLnBrk="1"/>
+                      <a:r>
+                        <a:rPr lang="en-US" altLang="ko-KR" sz="1500" dirty="0" err="1" smtClean="0">
+                          <a:latin typeface="+mj-ea"/>
+                          <a:ea typeface="+mj-ea"/>
+                        </a:rPr>
+                        <a:t>sh_user_w_semiDetail</a:t>
+                      </a:r>
+                      <a:endParaRPr lang="ko-KR" altLang="en-US" sz="1500" dirty="0">
+                        <a:latin typeface="+mj-ea"/>
+                        <a:ea typeface="+mj-ea"/>
+                      </a:endParaRPr>
+                    </a:p>
+                  </a:txBody>
+                  <a:tcPr marL="121920" marR="121920" marT="60960" marB="60960" anchor="ctr"/>
+                </a:tc>
+              </a:tr>
+            </a:tbl>
+          </a:graphicData>
+        </a:graphic>
+      </p:graphicFrame>
+      <p:sp>
+        <p:nvSpPr>
+          <p:cNvPr id="19" name="직사각형 18"/>
+          <p:cNvSpPr/>
+          <p:nvPr/>
+        </p:nvSpPr>
+        <p:spPr>
+          <a:xfrm>
+            <a:off x="1081171" y="1433634"/>
+            <a:ext cx="7895148" cy="4875687"/>
+          </a:xfrm>
+          <a:prstGeom prst="rect">
+            <a:avLst/>
+          </a:prstGeom>
+          <a:noFill/>
+          <a:ln w="9525">
+            <a:solidFill>
+              <a:schemeClr val="tx1"/>
+            </a:solidFill>
+          </a:ln>
+        </p:spPr>
+        <p:style>
+          <a:lnRef idx="2">
+            <a:schemeClr val="accent1">
+              <a:shade val="50000"/>
+            </a:schemeClr>
+          </a:lnRef>
+          <a:fillRef idx="1">
+            <a:schemeClr val="accent1"/>
+          </a:fillRef>
+          <a:effectRef idx="0">
+            <a:schemeClr val="accent1"/>
+          </a:effectRef>
+          <a:fontRef idx="minor">
+            <a:schemeClr val="lt1"/>
+          </a:fontRef>
+        </p:style>
+        <p:txBody>
+          <a:bodyPr rtlCol="0" anchor="ctr"/>
+          <a:lstStyle/>
+          <a:p>
+            <a:pPr algn="ctr"/>
+            <a:endParaRPr lang="ko-KR" altLang="en-US" sz="2400">
+              <a:noFill/>
+            </a:endParaRPr>
+          </a:p>
+        </p:txBody>
+      </p:sp>
+      <p:graphicFrame>
+        <p:nvGraphicFramePr>
+          <p:cNvPr id="6" name="표 5"/>
+          <p:cNvGraphicFramePr>
+            <a:graphicFrameLocks noGrp="1"/>
+          </p:cNvGraphicFramePr>
+          <p:nvPr>
+            <p:extLst/>
+          </p:nvPr>
+        </p:nvGraphicFramePr>
+        <p:xfrm>
+          <a:off x="9168341" y="2479152"/>
+          <a:ext cx="2688299" cy="3570331"/>
+        </p:xfrm>
+        <a:graphic>
+          <a:graphicData uri="http://schemas.openxmlformats.org/drawingml/2006/table">
+            <a:tbl>
+              <a:tblPr firstRow="1" bandRow="1"/>
+              <a:tblGrid>
+                <a:gridCol w="280507"/>
+                <a:gridCol w="2407792"/>
+              </a:tblGrid>
+              <a:tr h="469796">
+                <a:tc>
+                  <a:txBody>
+                    <a:bodyPr/>
+                    <a:lstStyle/>
+                    <a:p>
+                      <a:pPr algn="ctr" latinLnBrk="1"/>
+                      <a:r>
+                        <a:rPr lang="en-US" altLang="ko-KR" sz="1200" b="1" dirty="0" smtClean="0">
+                          <a:latin typeface="+mj-ea"/>
+                          <a:ea typeface="+mj-ea"/>
+                        </a:rPr>
+                        <a:t>#</a:t>
+                      </a:r>
+                      <a:endParaRPr lang="ko-KR" altLang="en-US" sz="1200" b="1" dirty="0">
+                        <a:latin typeface="+mj-ea"/>
+                        <a:ea typeface="+mj-ea"/>
+                      </a:endParaRPr>
+                    </a:p>
+                  </a:txBody>
+                  <a:tcPr marL="121920" marR="121920" marT="60960" marB="60960" anchor="ctr">
+                    <a:solidFill>
+                      <a:srgbClr val="FF9E00"/>
+                    </a:solidFill>
+                  </a:tcPr>
+                </a:tc>
+                <a:tc>
+                  <a:txBody>
+                    <a:bodyPr/>
+                    <a:lstStyle/>
+                    <a:p>
+                      <a:pPr algn="ctr" latinLnBrk="1"/>
+                      <a:r>
+                        <a:rPr lang="ko-KR" altLang="en-US" sz="1200" b="1" dirty="0" smtClean="0">
+                          <a:latin typeface="+mj-ea"/>
+                          <a:ea typeface="+mj-ea"/>
+                        </a:rPr>
+                        <a:t>기능</a:t>
+                      </a:r>
+                      <a:endParaRPr lang="ko-KR" altLang="en-US" sz="1200" b="1" dirty="0">
+                        <a:latin typeface="+mj-ea"/>
+                        <a:ea typeface="+mj-ea"/>
+                      </a:endParaRPr>
+                    </a:p>
+                  </a:txBody>
+                  <a:tcPr marL="121920" marR="121920" marT="60960" marB="60960" anchor="ctr">
+                    <a:solidFill>
+                      <a:srgbClr val="FF9E00"/>
+                    </a:solidFill>
+                  </a:tcPr>
+                </a:tc>
+              </a:tr>
+              <a:tr h="620107">
+                <a:tc>
+                  <a:txBody>
+                    <a:bodyPr/>
+                    <a:lstStyle/>
+                    <a:p>
+                      <a:pPr algn="ctr" latinLnBrk="1"/>
+                      <a:r>
+                        <a:rPr lang="en-US" altLang="ko-KR" sz="1300" dirty="0" smtClean="0">
+                          <a:latin typeface="+mj-ea"/>
+                          <a:ea typeface="+mj-ea"/>
+                        </a:rPr>
+                        <a:t>1</a:t>
+                      </a:r>
+                      <a:endParaRPr lang="ko-KR" altLang="en-US" sz="1300" dirty="0">
+                        <a:latin typeface="+mj-ea"/>
+                        <a:ea typeface="+mj-ea"/>
+                      </a:endParaRPr>
+                    </a:p>
+                  </a:txBody>
+                  <a:tcPr marL="121920" marR="121920" marT="60960" marB="60960" anchor="ctr"/>
+                </a:tc>
+                <a:tc>
+                  <a:txBody>
+                    <a:bodyPr/>
+                    <a:lstStyle/>
+                    <a:p>
+                      <a:pPr algn="l" latinLnBrk="1">
+                        <a:lnSpc>
+                          <a:spcPts val="1300"/>
+                        </a:lnSpc>
+                      </a:pPr>
+                      <a:r>
+                        <a:rPr lang="ko-KR" altLang="en-US" sz="1200" b="1" dirty="0" err="1" smtClean="0">
+                          <a:latin typeface="+mj-ea"/>
+                          <a:ea typeface="+mj-ea"/>
+                        </a:rPr>
+                        <a:t>컨텐츠</a:t>
+                      </a:r>
+                      <a:endParaRPr lang="en-US" altLang="ko-KR" sz="1200" b="1" dirty="0" smtClean="0">
+                        <a:latin typeface="+mj-ea"/>
+                        <a:ea typeface="+mj-ea"/>
+                      </a:endParaRPr>
+                    </a:p>
+                    <a:p>
+                      <a:pPr algn="l" latinLnBrk="1">
+                        <a:lnSpc>
+                          <a:spcPts val="1300"/>
+                        </a:lnSpc>
+                      </a:pPr>
+                      <a:r>
+                        <a:rPr lang="en-US" altLang="ko-KR" sz="1200" dirty="0" smtClean="0">
+                          <a:latin typeface="+mj-ea"/>
+                          <a:ea typeface="+mj-ea"/>
+                        </a:rPr>
+                        <a:t>- </a:t>
+                      </a:r>
+                      <a:r>
+                        <a:rPr lang="ko-KR" altLang="en-US" sz="1200" dirty="0" smtClean="0">
+                          <a:latin typeface="+mj-ea"/>
+                          <a:ea typeface="+mj-ea"/>
+                        </a:rPr>
+                        <a:t>세미나를 소개하는 페이지</a:t>
+                      </a:r>
+                      <a:endParaRPr lang="ko-KR" altLang="en-US" sz="1200" dirty="0">
+                        <a:latin typeface="+mj-ea"/>
+                        <a:ea typeface="+mj-ea"/>
+                      </a:endParaRPr>
+                    </a:p>
+                  </a:txBody>
+                  <a:tcPr marL="121920" marR="121920" marT="60960" marB="60960"/>
+                </a:tc>
+              </a:tr>
+              <a:tr h="620107">
+                <a:tc>
+                  <a:txBody>
+                    <a:bodyPr/>
+                    <a:lstStyle/>
+                    <a:p>
+                      <a:pPr algn="ctr" latinLnBrk="1"/>
+                      <a:r>
+                        <a:rPr lang="en-US" altLang="ko-KR" sz="1300" dirty="0" smtClean="0">
+                          <a:latin typeface="+mj-ea"/>
+                          <a:ea typeface="+mj-ea"/>
+                        </a:rPr>
+                        <a:t>2</a:t>
+                      </a:r>
+                      <a:endParaRPr lang="ko-KR" altLang="en-US" sz="1300" dirty="0">
+                        <a:latin typeface="+mj-ea"/>
+                        <a:ea typeface="+mj-ea"/>
+                      </a:endParaRPr>
+                    </a:p>
+                  </a:txBody>
+                  <a:tcPr marL="121920" marR="121920" marT="60960" marB="60960" anchor="ctr"/>
+                </a:tc>
+                <a:tc>
+                  <a:txBody>
+                    <a:bodyPr/>
+                    <a:lstStyle/>
+                    <a:p>
+                      <a:pPr algn="l" latinLnBrk="1">
+                        <a:lnSpc>
+                          <a:spcPts val="1300"/>
+                        </a:lnSpc>
+                      </a:pPr>
+                      <a:r>
+                        <a:rPr lang="ko-KR" altLang="en-US" sz="1200" b="1" i="0" u="none" strike="noStrike" cap="none" dirty="0" smtClean="0">
+                          <a:solidFill>
+                            <a:srgbClr val="000000"/>
+                          </a:solidFill>
+                          <a:latin typeface="+mj-ea"/>
+                          <a:ea typeface="Arial"/>
+                          <a:cs typeface="Arial"/>
+                          <a:sym typeface="Arial"/>
+                        </a:rPr>
+                        <a:t>세미나 정보</a:t>
+                      </a:r>
+                      <a:endParaRPr lang="en-US" altLang="ko-KR" sz="1200" b="1" i="0" u="none" strike="noStrike" cap="none" dirty="0" smtClean="0">
+                        <a:solidFill>
+                          <a:srgbClr val="000000"/>
+                        </a:solidFill>
+                        <a:latin typeface="+mj-ea"/>
+                        <a:ea typeface="Arial"/>
+                        <a:cs typeface="Arial"/>
+                        <a:sym typeface="Arial"/>
+                      </a:endParaRPr>
+                    </a:p>
+                    <a:p>
+                      <a:pPr algn="l" latinLnBrk="1">
+                        <a:lnSpc>
+                          <a:spcPts val="1300"/>
+                        </a:lnSpc>
+                      </a:pPr>
+                      <a:r>
+                        <a:rPr lang="en-US" altLang="ko-KR" sz="1200" b="0" i="0" u="none" strike="noStrike" cap="none" dirty="0" smtClean="0">
+                          <a:solidFill>
+                            <a:srgbClr val="000000"/>
+                          </a:solidFill>
+                          <a:latin typeface="+mj-ea"/>
+                          <a:ea typeface="Arial"/>
+                          <a:cs typeface="Arial"/>
+                          <a:sym typeface="Arial"/>
+                        </a:rPr>
+                        <a:t>- </a:t>
+                      </a:r>
+                      <a:r>
+                        <a:rPr lang="ko-KR" altLang="en-US" sz="1200" b="0" i="0" u="none" strike="noStrike" cap="none" dirty="0" smtClean="0">
+                          <a:solidFill>
+                            <a:srgbClr val="000000"/>
+                          </a:solidFill>
+                          <a:latin typeface="+mj-ea"/>
+                          <a:ea typeface="Arial"/>
+                          <a:cs typeface="Arial"/>
+                          <a:sym typeface="Arial"/>
+                        </a:rPr>
+                        <a:t>주최자</a:t>
+                      </a:r>
+                      <a:r>
+                        <a:rPr lang="en-US" altLang="ko-KR" sz="1200" b="0" i="0" u="none" strike="noStrike" cap="none" dirty="0" smtClean="0">
+                          <a:solidFill>
+                            <a:srgbClr val="000000"/>
+                          </a:solidFill>
+                          <a:latin typeface="+mj-ea"/>
+                          <a:ea typeface="Arial"/>
+                          <a:cs typeface="Arial"/>
+                          <a:sym typeface="Arial"/>
+                        </a:rPr>
+                        <a:t>,</a:t>
+                      </a:r>
+                      <a:r>
+                        <a:rPr lang="en-US" altLang="ko-KR" sz="1200" b="0" i="0" u="none" strike="noStrike" cap="none" baseline="0" dirty="0" smtClean="0">
+                          <a:solidFill>
+                            <a:srgbClr val="000000"/>
+                          </a:solidFill>
+                          <a:latin typeface="+mj-ea"/>
+                          <a:ea typeface="Arial"/>
+                          <a:cs typeface="Arial"/>
+                          <a:sym typeface="Arial"/>
+                        </a:rPr>
+                        <a:t> </a:t>
+                      </a:r>
+                      <a:r>
+                        <a:rPr lang="ko-KR" altLang="en-US" sz="1200" b="0" i="0" u="none" strike="noStrike" cap="none" baseline="0" dirty="0" smtClean="0">
+                          <a:solidFill>
+                            <a:srgbClr val="000000"/>
+                          </a:solidFill>
+                          <a:latin typeface="+mj-ea"/>
+                          <a:ea typeface="Arial"/>
+                          <a:cs typeface="Arial"/>
+                          <a:sym typeface="Arial"/>
+                        </a:rPr>
+                        <a:t>인원</a:t>
+                      </a:r>
+                      <a:r>
+                        <a:rPr lang="en-US" altLang="ko-KR" sz="1200" b="0" i="0" u="none" strike="noStrike" cap="none" baseline="0" dirty="0" smtClean="0">
+                          <a:solidFill>
+                            <a:srgbClr val="000000"/>
+                          </a:solidFill>
+                          <a:latin typeface="+mj-ea"/>
+                          <a:ea typeface="Arial"/>
+                          <a:cs typeface="Arial"/>
+                          <a:sym typeface="Arial"/>
+                        </a:rPr>
+                        <a:t>, </a:t>
+                      </a:r>
+                      <a:r>
+                        <a:rPr lang="ko-KR" altLang="en-US" sz="1200" b="0" i="0" u="none" strike="noStrike" cap="none" baseline="0" dirty="0" smtClean="0">
+                          <a:solidFill>
+                            <a:srgbClr val="000000"/>
+                          </a:solidFill>
+                          <a:latin typeface="+mj-ea"/>
+                          <a:ea typeface="Arial"/>
+                          <a:cs typeface="Arial"/>
+                          <a:sym typeface="Arial"/>
+                        </a:rPr>
+                        <a:t>카테고리 표시</a:t>
+                      </a:r>
+                      <a:endParaRPr lang="ko-KR" altLang="en-US" sz="1200" b="0" i="0" u="none" strike="noStrike" cap="none" dirty="0" smtClean="0">
+                        <a:solidFill>
+                          <a:srgbClr val="000000"/>
+                        </a:solidFill>
+                        <a:latin typeface="+mj-ea"/>
+                        <a:ea typeface="Arial"/>
+                        <a:cs typeface="Arial"/>
+                        <a:sym typeface="Arial"/>
+                      </a:endParaRPr>
+                    </a:p>
+                  </a:txBody>
+                  <a:tcPr marL="121920" marR="121920" marT="60960" marB="60960"/>
+                </a:tc>
+              </a:tr>
+              <a:tr h="620107">
+                <a:tc>
+                  <a:txBody>
+                    <a:bodyPr/>
+                    <a:lstStyle/>
+                    <a:p>
+                      <a:pPr algn="ctr" latinLnBrk="1"/>
+                      <a:r>
+                        <a:rPr lang="en-US" altLang="ko-KR" sz="1300" dirty="0" smtClean="0">
+                          <a:latin typeface="+mj-ea"/>
+                          <a:ea typeface="+mj-ea"/>
+                        </a:rPr>
+                        <a:t>3</a:t>
+                      </a:r>
+                      <a:endParaRPr lang="ko-KR" altLang="en-US" sz="1300" dirty="0">
+                        <a:latin typeface="+mj-ea"/>
+                        <a:ea typeface="+mj-ea"/>
+                      </a:endParaRPr>
+                    </a:p>
+                  </a:txBody>
+                  <a:tcPr marL="121920" marR="121920" marT="60960" marB="60960" anchor="ctr"/>
+                </a:tc>
+                <a:tc>
+                  <a:txBody>
+                    <a:bodyPr/>
+                    <a:lstStyle/>
+                    <a:p>
+                      <a:pPr algn="l" latinLnBrk="1">
+                        <a:lnSpc>
+                          <a:spcPts val="1300"/>
+                        </a:lnSpc>
+                      </a:pPr>
+                      <a:endParaRPr lang="ko-KR" altLang="en-US" sz="1200" dirty="0">
+                        <a:latin typeface="+mj-ea"/>
+                        <a:ea typeface="+mj-ea"/>
+                      </a:endParaRPr>
+                    </a:p>
+                  </a:txBody>
+                  <a:tcPr marL="121920" marR="121920" marT="60960" marB="60960"/>
+                </a:tc>
+              </a:tr>
+              <a:tr h="620107">
+                <a:tc>
+                  <a:txBody>
+                    <a:bodyPr/>
+                    <a:lstStyle/>
+                    <a:p>
+                      <a:pPr algn="ctr" latinLnBrk="1"/>
+                      <a:r>
+                        <a:rPr lang="en-US" altLang="ko-KR" sz="1300" dirty="0" smtClean="0">
+                          <a:latin typeface="+mj-ea"/>
+                          <a:ea typeface="+mj-ea"/>
+                        </a:rPr>
+                        <a:t>4</a:t>
+                      </a:r>
+                      <a:endParaRPr lang="ko-KR" altLang="en-US" sz="1300" dirty="0">
+                        <a:latin typeface="+mj-ea"/>
+                        <a:ea typeface="+mj-ea"/>
+                      </a:endParaRPr>
+                    </a:p>
+                  </a:txBody>
+                  <a:tcPr marL="121920" marR="121920" marT="60960" marB="60960" anchor="ctr"/>
+                </a:tc>
+                <a:tc>
+                  <a:txBody>
+                    <a:bodyPr/>
+                    <a:lstStyle/>
+                    <a:p>
+                      <a:pPr algn="l" latinLnBrk="1">
+                        <a:lnSpc>
+                          <a:spcPts val="1300"/>
+                        </a:lnSpc>
+                      </a:pPr>
+                      <a:endParaRPr lang="ko-KR" altLang="en-US" sz="1200" dirty="0">
+                        <a:latin typeface="+mj-ea"/>
+                        <a:ea typeface="+mj-ea"/>
+                      </a:endParaRPr>
+                    </a:p>
+                  </a:txBody>
+                  <a:tcPr marL="121920" marR="121920" marT="60960" marB="60960"/>
+                </a:tc>
+              </a:tr>
+              <a:tr h="620107">
+                <a:tc>
+                  <a:txBody>
+                    <a:bodyPr/>
+                    <a:lstStyle/>
+                    <a:p>
+                      <a:pPr algn="ctr" latinLnBrk="1"/>
+                      <a:r>
+                        <a:rPr lang="en-US" altLang="ko-KR" sz="1300" dirty="0" smtClean="0">
+                          <a:latin typeface="+mj-ea"/>
+                          <a:ea typeface="+mj-ea"/>
+                        </a:rPr>
+                        <a:t>5</a:t>
+                      </a:r>
+                      <a:endParaRPr lang="ko-KR" altLang="en-US" sz="1300" dirty="0">
+                        <a:latin typeface="+mj-ea"/>
+                        <a:ea typeface="+mj-ea"/>
+                      </a:endParaRPr>
+                    </a:p>
+                  </a:txBody>
+                  <a:tcPr marL="121920" marR="121920" marT="60960" marB="60960" anchor="ctr"/>
+                </a:tc>
+                <a:tc>
+                  <a:txBody>
+                    <a:bodyPr/>
+                    <a:lstStyle/>
+                    <a:p>
+                      <a:pPr algn="l" latinLnBrk="1">
+                        <a:lnSpc>
+                          <a:spcPts val="1300"/>
+                        </a:lnSpc>
+                      </a:pPr>
+                      <a:endParaRPr lang="ko-KR" altLang="en-US" sz="1200" dirty="0">
+                        <a:latin typeface="+mj-ea"/>
+                        <a:ea typeface="+mj-ea"/>
+                      </a:endParaRPr>
+                    </a:p>
+                  </a:txBody>
+                  <a:tcPr marL="121920" marR="121920" marT="60960" marB="60960"/>
+                </a:tc>
+              </a:tr>
+            </a:tbl>
+          </a:graphicData>
+        </a:graphic>
+      </p:graphicFrame>
     </p:spTree>
     <p:extLst>
       <p:ext uri="{BB962C8B-B14F-4D97-AF65-F5344CB8AC3E}">
-        <p14:creationId xmlns:p14="http://schemas.microsoft.com/office/powerpoint/2010/main" val="636874503"/>
+        <p14:creationId xmlns:p14="http://schemas.microsoft.com/office/powerpoint/2010/main" val="1777142894"/>
       </p:ext>
     </p:extLst>
   </p:cSld>
   <p:clrMapOvr>
     <a:masterClrMapping/>
   </p:clrMapOvr>
+  <p:timing>
+    <p:tnLst>
+      <p:par>
+        <p:cTn id="1" dur="indefinite" restart="never" nodeType="tmRoot"/>
+      </p:par>
+    </p:tnLst>
+  </p:timing>
 </p:sld>
 </file>
 

--- a/0 발표용 파워포인트/project06 - 파워포인트 종합 - 형준.pptx
+++ b/0 발표용 파워포인트/project06 - 파워포인트 종합 - 형준.pptx
@@ -5,11 +5,13 @@
     <p:sldMasterId id="2147483648" r:id="rId1"/>
   </p:sldMasterIdLst>
   <p:notesMasterIdLst>
-    <p:notesMasterId r:id="rId4"/>
+    <p:notesMasterId r:id="rId6"/>
   </p:notesMasterIdLst>
   <p:sldIdLst>
     <p:sldId id="256" r:id="rId2"/>
     <p:sldId id="257" r:id="rId3"/>
+    <p:sldId id="259" r:id="rId4"/>
+    <p:sldId id="258" r:id="rId5"/>
   </p:sldIdLst>
   <p:sldSz cx="12192000" cy="6858000"/>
   <p:notesSz cx="6858000" cy="9144000"/>
@@ -210,7 +212,7 @@
             <a:fld id="{EFE7F2A0-C7D9-4DBD-AE3B-C1A712DCE501}" type="datetimeFigureOut">
               <a:rPr lang="ko-KR" altLang="en-US" smtClean="0"/>
               <a:pPr/>
-              <a:t>2020-05-04</a:t>
+              <a:t>2020-05-06</a:t>
             </a:fld>
             <a:endParaRPr lang="ko-KR" altLang="en-US"/>
           </a:p>
@@ -274,38 +276,37 @@
           <a:p>
             <a:pPr lvl="0"/>
             <a:r>
-              <a:rPr lang="ko-KR" altLang="en-US" smtClean="0"/>
+              <a:rPr lang="ko-KR" altLang="en-US"/>
               <a:t>마스터 텍스트 스타일을 편집합니다</a:t>
             </a:r>
           </a:p>
           <a:p>
             <a:pPr lvl="1"/>
             <a:r>
-              <a:rPr lang="ko-KR" altLang="en-US" smtClean="0"/>
+              <a:rPr lang="ko-KR" altLang="en-US"/>
               <a:t>둘째 수준</a:t>
             </a:r>
           </a:p>
           <a:p>
             <a:pPr lvl="2"/>
             <a:r>
-              <a:rPr lang="ko-KR" altLang="en-US" smtClean="0"/>
+              <a:rPr lang="ko-KR" altLang="en-US"/>
               <a:t>셋째 수준</a:t>
             </a:r>
           </a:p>
           <a:p>
             <a:pPr lvl="3"/>
             <a:r>
-              <a:rPr lang="ko-KR" altLang="en-US" smtClean="0"/>
+              <a:rPr lang="ko-KR" altLang="en-US"/>
               <a:t>넷째 수준</a:t>
             </a:r>
           </a:p>
           <a:p>
             <a:pPr lvl="4"/>
             <a:r>
-              <a:rPr lang="ko-KR" altLang="en-US" smtClean="0"/>
+              <a:rPr lang="ko-KR" altLang="en-US"/>
               <a:t>다섯째 수준</a:t>
             </a:r>
-            <a:endParaRPr lang="ko-KR" altLang="en-US"/>
           </a:p>
         </p:txBody>
       </p:sp>
@@ -521,10 +522,9 @@
           </a:lstStyle>
           <a:p>
             <a:r>
-              <a:rPr lang="ko-KR" altLang="en-US" smtClean="0"/>
+              <a:rPr lang="ko-KR" altLang="en-US"/>
               <a:t>마스터 제목 스타일 편집</a:t>
             </a:r>
-            <a:endParaRPr lang="ko-KR" altLang="en-US"/>
           </a:p>
         </p:txBody>
       </p:sp>
@@ -586,10 +586,9 @@
           </a:lstStyle>
           <a:p>
             <a:r>
-              <a:rPr lang="ko-KR" altLang="en-US" smtClean="0"/>
+              <a:rPr lang="ko-KR" altLang="en-US"/>
               <a:t>마스터 부제목 스타일 편집</a:t>
             </a:r>
-            <a:endParaRPr lang="ko-KR" altLang="en-US"/>
           </a:p>
         </p:txBody>
       </p:sp>
@@ -611,7 +610,7 @@
             <a:fld id="{272C3D53-FEDF-49EC-8F65-FFFC138B637E}" type="datetimeFigureOut">
               <a:rPr lang="ko-KR" altLang="en-US" smtClean="0"/>
               <a:pPr/>
-              <a:t>2020-05-04</a:t>
+              <a:t>2020-05-06</a:t>
             </a:fld>
             <a:endParaRPr lang="ko-KR" altLang="en-US"/>
           </a:p>
@@ -706,10 +705,9 @@
           <a:lstStyle/>
           <a:p>
             <a:r>
-              <a:rPr lang="ko-KR" altLang="en-US" smtClean="0"/>
+              <a:rPr lang="ko-KR" altLang="en-US"/>
               <a:t>마스터 제목 스타일 편집</a:t>
             </a:r>
-            <a:endParaRPr lang="ko-KR" altLang="en-US"/>
           </a:p>
         </p:txBody>
       </p:sp>
@@ -730,38 +728,37 @@
           <a:p>
             <a:pPr lvl="0"/>
             <a:r>
-              <a:rPr lang="ko-KR" altLang="en-US" smtClean="0"/>
+              <a:rPr lang="ko-KR" altLang="en-US"/>
               <a:t>마스터 텍스트 스타일을 편집합니다</a:t>
             </a:r>
           </a:p>
           <a:p>
             <a:pPr lvl="1"/>
             <a:r>
-              <a:rPr lang="ko-KR" altLang="en-US" smtClean="0"/>
+              <a:rPr lang="ko-KR" altLang="en-US"/>
               <a:t>둘째 수준</a:t>
             </a:r>
           </a:p>
           <a:p>
             <a:pPr lvl="2"/>
             <a:r>
-              <a:rPr lang="ko-KR" altLang="en-US" smtClean="0"/>
+              <a:rPr lang="ko-KR" altLang="en-US"/>
               <a:t>셋째 수준</a:t>
             </a:r>
           </a:p>
           <a:p>
             <a:pPr lvl="3"/>
             <a:r>
-              <a:rPr lang="ko-KR" altLang="en-US" smtClean="0"/>
+              <a:rPr lang="ko-KR" altLang="en-US"/>
               <a:t>넷째 수준</a:t>
             </a:r>
           </a:p>
           <a:p>
             <a:pPr lvl="4"/>
             <a:r>
-              <a:rPr lang="ko-KR" altLang="en-US" smtClean="0"/>
+              <a:rPr lang="ko-KR" altLang="en-US"/>
               <a:t>다섯째 수준</a:t>
             </a:r>
-            <a:endParaRPr lang="ko-KR" altLang="en-US"/>
           </a:p>
         </p:txBody>
       </p:sp>
@@ -783,7 +780,7 @@
             <a:fld id="{272C3D53-FEDF-49EC-8F65-FFFC138B637E}" type="datetimeFigureOut">
               <a:rPr lang="ko-KR" altLang="en-US" smtClean="0"/>
               <a:pPr/>
-              <a:t>2020-05-04</a:t>
+              <a:t>2020-05-06</a:t>
             </a:fld>
             <a:endParaRPr lang="ko-KR" altLang="en-US"/>
           </a:p>
@@ -883,10 +880,9 @@
           <a:lstStyle/>
           <a:p>
             <a:r>
-              <a:rPr lang="ko-KR" altLang="en-US" smtClean="0"/>
+              <a:rPr lang="ko-KR" altLang="en-US"/>
               <a:t>마스터 제목 스타일 편집</a:t>
             </a:r>
-            <a:endParaRPr lang="ko-KR" altLang="en-US"/>
           </a:p>
         </p:txBody>
       </p:sp>
@@ -912,38 +908,37 @@
           <a:p>
             <a:pPr lvl="0"/>
             <a:r>
-              <a:rPr lang="ko-KR" altLang="en-US" smtClean="0"/>
+              <a:rPr lang="ko-KR" altLang="en-US"/>
               <a:t>마스터 텍스트 스타일을 편집합니다</a:t>
             </a:r>
           </a:p>
           <a:p>
             <a:pPr lvl="1"/>
             <a:r>
-              <a:rPr lang="ko-KR" altLang="en-US" smtClean="0"/>
+              <a:rPr lang="ko-KR" altLang="en-US"/>
               <a:t>둘째 수준</a:t>
             </a:r>
           </a:p>
           <a:p>
             <a:pPr lvl="2"/>
             <a:r>
-              <a:rPr lang="ko-KR" altLang="en-US" smtClean="0"/>
+              <a:rPr lang="ko-KR" altLang="en-US"/>
               <a:t>셋째 수준</a:t>
             </a:r>
           </a:p>
           <a:p>
             <a:pPr lvl="3"/>
             <a:r>
-              <a:rPr lang="ko-KR" altLang="en-US" smtClean="0"/>
+              <a:rPr lang="ko-KR" altLang="en-US"/>
               <a:t>넷째 수준</a:t>
             </a:r>
           </a:p>
           <a:p>
             <a:pPr lvl="4"/>
             <a:r>
-              <a:rPr lang="ko-KR" altLang="en-US" smtClean="0"/>
+              <a:rPr lang="ko-KR" altLang="en-US"/>
               <a:t>다섯째 수준</a:t>
             </a:r>
-            <a:endParaRPr lang="ko-KR" altLang="en-US"/>
           </a:p>
         </p:txBody>
       </p:sp>
@@ -965,7 +960,7 @@
             <a:fld id="{272C3D53-FEDF-49EC-8F65-FFFC138B637E}" type="datetimeFigureOut">
               <a:rPr lang="ko-KR" altLang="en-US" smtClean="0"/>
               <a:pPr/>
-              <a:t>2020-05-04</a:t>
+              <a:t>2020-05-06</a:t>
             </a:fld>
             <a:endParaRPr lang="ko-KR" altLang="en-US"/>
           </a:p>
@@ -1060,10 +1055,9 @@
           <a:lstStyle/>
           <a:p>
             <a:r>
-              <a:rPr lang="ko-KR" altLang="en-US" smtClean="0"/>
+              <a:rPr lang="ko-KR" altLang="en-US"/>
               <a:t>마스터 제목 스타일 편집</a:t>
             </a:r>
-            <a:endParaRPr lang="ko-KR" altLang="en-US"/>
           </a:p>
         </p:txBody>
       </p:sp>
@@ -1084,38 +1078,37 @@
           <a:p>
             <a:pPr lvl="0"/>
             <a:r>
-              <a:rPr lang="ko-KR" altLang="en-US" smtClean="0"/>
+              <a:rPr lang="ko-KR" altLang="en-US"/>
               <a:t>마스터 텍스트 스타일을 편집합니다</a:t>
             </a:r>
           </a:p>
           <a:p>
             <a:pPr lvl="1"/>
             <a:r>
-              <a:rPr lang="ko-KR" altLang="en-US" smtClean="0"/>
+              <a:rPr lang="ko-KR" altLang="en-US"/>
               <a:t>둘째 수준</a:t>
             </a:r>
           </a:p>
           <a:p>
             <a:pPr lvl="2"/>
             <a:r>
-              <a:rPr lang="ko-KR" altLang="en-US" smtClean="0"/>
+              <a:rPr lang="ko-KR" altLang="en-US"/>
               <a:t>셋째 수준</a:t>
             </a:r>
           </a:p>
           <a:p>
             <a:pPr lvl="3"/>
             <a:r>
-              <a:rPr lang="ko-KR" altLang="en-US" smtClean="0"/>
+              <a:rPr lang="ko-KR" altLang="en-US"/>
               <a:t>넷째 수준</a:t>
             </a:r>
           </a:p>
           <a:p>
             <a:pPr lvl="4"/>
             <a:r>
-              <a:rPr lang="ko-KR" altLang="en-US" smtClean="0"/>
+              <a:rPr lang="ko-KR" altLang="en-US"/>
               <a:t>다섯째 수준</a:t>
             </a:r>
-            <a:endParaRPr lang="ko-KR" altLang="en-US"/>
           </a:p>
         </p:txBody>
       </p:sp>
@@ -1137,7 +1130,7 @@
             <a:fld id="{272C3D53-FEDF-49EC-8F65-FFFC138B637E}" type="datetimeFigureOut">
               <a:rPr lang="ko-KR" altLang="en-US" smtClean="0"/>
               <a:pPr/>
-              <a:t>2020-05-04</a:t>
+              <a:t>2020-05-06</a:t>
             </a:fld>
             <a:endParaRPr lang="ko-KR" altLang="en-US"/>
           </a:p>
@@ -1241,10 +1234,9 @@
           </a:lstStyle>
           <a:p>
             <a:r>
-              <a:rPr lang="ko-KR" altLang="en-US" smtClean="0"/>
+              <a:rPr lang="ko-KR" altLang="en-US"/>
               <a:t>마스터 제목 스타일 편집</a:t>
             </a:r>
-            <a:endParaRPr lang="ko-KR" altLang="en-US"/>
           </a:p>
         </p:txBody>
       </p:sp>
@@ -1361,7 +1353,7 @@
           <a:p>
             <a:pPr lvl="0"/>
             <a:r>
-              <a:rPr lang="ko-KR" altLang="en-US" smtClean="0"/>
+              <a:rPr lang="ko-KR" altLang="en-US"/>
               <a:t>마스터 텍스트 스타일을 편집합니다</a:t>
             </a:r>
           </a:p>
@@ -1385,7 +1377,7 @@
             <a:fld id="{272C3D53-FEDF-49EC-8F65-FFFC138B637E}" type="datetimeFigureOut">
               <a:rPr lang="ko-KR" altLang="en-US" smtClean="0"/>
               <a:pPr/>
-              <a:t>2020-05-04</a:t>
+              <a:t>2020-05-06</a:t>
             </a:fld>
             <a:endParaRPr lang="ko-KR" altLang="en-US"/>
           </a:p>
@@ -1480,10 +1472,9 @@
           <a:lstStyle/>
           <a:p>
             <a:r>
-              <a:rPr lang="ko-KR" altLang="en-US" smtClean="0"/>
+              <a:rPr lang="ko-KR" altLang="en-US"/>
               <a:t>마스터 제목 스타일 편집</a:t>
             </a:r>
-            <a:endParaRPr lang="ko-KR" altLang="en-US"/>
           </a:p>
         </p:txBody>
       </p:sp>
@@ -1509,38 +1500,37 @@
           <a:p>
             <a:pPr lvl="0"/>
             <a:r>
-              <a:rPr lang="ko-KR" altLang="en-US" smtClean="0"/>
+              <a:rPr lang="ko-KR" altLang="en-US"/>
               <a:t>마스터 텍스트 스타일을 편집합니다</a:t>
             </a:r>
           </a:p>
           <a:p>
             <a:pPr lvl="1"/>
             <a:r>
-              <a:rPr lang="ko-KR" altLang="en-US" smtClean="0"/>
+              <a:rPr lang="ko-KR" altLang="en-US"/>
               <a:t>둘째 수준</a:t>
             </a:r>
           </a:p>
           <a:p>
             <a:pPr lvl="2"/>
             <a:r>
-              <a:rPr lang="ko-KR" altLang="en-US" smtClean="0"/>
+              <a:rPr lang="ko-KR" altLang="en-US"/>
               <a:t>셋째 수준</a:t>
             </a:r>
           </a:p>
           <a:p>
             <a:pPr lvl="3"/>
             <a:r>
-              <a:rPr lang="ko-KR" altLang="en-US" smtClean="0"/>
+              <a:rPr lang="ko-KR" altLang="en-US"/>
               <a:t>넷째 수준</a:t>
             </a:r>
           </a:p>
           <a:p>
             <a:pPr lvl="4"/>
             <a:r>
-              <a:rPr lang="ko-KR" altLang="en-US" smtClean="0"/>
+              <a:rPr lang="ko-KR" altLang="en-US"/>
               <a:t>다섯째 수준</a:t>
             </a:r>
-            <a:endParaRPr lang="ko-KR" altLang="en-US"/>
           </a:p>
         </p:txBody>
       </p:sp>
@@ -1566,38 +1556,37 @@
           <a:p>
             <a:pPr lvl="0"/>
             <a:r>
-              <a:rPr lang="ko-KR" altLang="en-US" smtClean="0"/>
+              <a:rPr lang="ko-KR" altLang="en-US"/>
               <a:t>마스터 텍스트 스타일을 편집합니다</a:t>
             </a:r>
           </a:p>
           <a:p>
             <a:pPr lvl="1"/>
             <a:r>
-              <a:rPr lang="ko-KR" altLang="en-US" smtClean="0"/>
+              <a:rPr lang="ko-KR" altLang="en-US"/>
               <a:t>둘째 수준</a:t>
             </a:r>
           </a:p>
           <a:p>
             <a:pPr lvl="2"/>
             <a:r>
-              <a:rPr lang="ko-KR" altLang="en-US" smtClean="0"/>
+              <a:rPr lang="ko-KR" altLang="en-US"/>
               <a:t>셋째 수준</a:t>
             </a:r>
           </a:p>
           <a:p>
             <a:pPr lvl="3"/>
             <a:r>
-              <a:rPr lang="ko-KR" altLang="en-US" smtClean="0"/>
+              <a:rPr lang="ko-KR" altLang="en-US"/>
               <a:t>넷째 수준</a:t>
             </a:r>
           </a:p>
           <a:p>
             <a:pPr lvl="4"/>
             <a:r>
-              <a:rPr lang="ko-KR" altLang="en-US" smtClean="0"/>
+              <a:rPr lang="ko-KR" altLang="en-US"/>
               <a:t>다섯째 수준</a:t>
             </a:r>
-            <a:endParaRPr lang="ko-KR" altLang="en-US"/>
           </a:p>
         </p:txBody>
       </p:sp>
@@ -1619,7 +1608,7 @@
             <a:fld id="{272C3D53-FEDF-49EC-8F65-FFFC138B637E}" type="datetimeFigureOut">
               <a:rPr lang="ko-KR" altLang="en-US" smtClean="0"/>
               <a:pPr/>
-              <a:t>2020-05-04</a:t>
+              <a:t>2020-05-06</a:t>
             </a:fld>
             <a:endParaRPr lang="ko-KR" altLang="en-US"/>
           </a:p>
@@ -1719,10 +1708,9 @@
           <a:lstStyle/>
           <a:p>
             <a:r>
-              <a:rPr lang="ko-KR" altLang="en-US" smtClean="0"/>
+              <a:rPr lang="ko-KR" altLang="en-US"/>
               <a:t>마스터 제목 스타일 편집</a:t>
             </a:r>
-            <a:endParaRPr lang="ko-KR" altLang="en-US"/>
           </a:p>
         </p:txBody>
       </p:sp>
@@ -1785,7 +1773,7 @@
           <a:p>
             <a:pPr lvl="0"/>
             <a:r>
-              <a:rPr lang="ko-KR" altLang="en-US" smtClean="0"/>
+              <a:rPr lang="ko-KR" altLang="en-US"/>
               <a:t>마스터 텍스트 스타일을 편집합니다</a:t>
             </a:r>
           </a:p>
@@ -1813,38 +1801,37 @@
           <a:p>
             <a:pPr lvl="0"/>
             <a:r>
-              <a:rPr lang="ko-KR" altLang="en-US" smtClean="0"/>
+              <a:rPr lang="ko-KR" altLang="en-US"/>
               <a:t>마스터 텍스트 스타일을 편집합니다</a:t>
             </a:r>
           </a:p>
           <a:p>
             <a:pPr lvl="1"/>
             <a:r>
-              <a:rPr lang="ko-KR" altLang="en-US" smtClean="0"/>
+              <a:rPr lang="ko-KR" altLang="en-US"/>
               <a:t>둘째 수준</a:t>
             </a:r>
           </a:p>
           <a:p>
             <a:pPr lvl="2"/>
             <a:r>
-              <a:rPr lang="ko-KR" altLang="en-US" smtClean="0"/>
+              <a:rPr lang="ko-KR" altLang="en-US"/>
               <a:t>셋째 수준</a:t>
             </a:r>
           </a:p>
           <a:p>
             <a:pPr lvl="3"/>
             <a:r>
-              <a:rPr lang="ko-KR" altLang="en-US" smtClean="0"/>
+              <a:rPr lang="ko-KR" altLang="en-US"/>
               <a:t>넷째 수준</a:t>
             </a:r>
           </a:p>
           <a:p>
             <a:pPr lvl="4"/>
             <a:r>
-              <a:rPr lang="ko-KR" altLang="en-US" smtClean="0"/>
+              <a:rPr lang="ko-KR" altLang="en-US"/>
               <a:t>다섯째 수준</a:t>
             </a:r>
-            <a:endParaRPr lang="ko-KR" altLang="en-US"/>
           </a:p>
         </p:txBody>
       </p:sp>
@@ -1907,7 +1894,7 @@
           <a:p>
             <a:pPr lvl="0"/>
             <a:r>
-              <a:rPr lang="ko-KR" altLang="en-US" smtClean="0"/>
+              <a:rPr lang="ko-KR" altLang="en-US"/>
               <a:t>마스터 텍스트 스타일을 편집합니다</a:t>
             </a:r>
           </a:p>
@@ -1935,38 +1922,37 @@
           <a:p>
             <a:pPr lvl="0"/>
             <a:r>
-              <a:rPr lang="ko-KR" altLang="en-US" smtClean="0"/>
+              <a:rPr lang="ko-KR" altLang="en-US"/>
               <a:t>마스터 텍스트 스타일을 편집합니다</a:t>
             </a:r>
           </a:p>
           <a:p>
             <a:pPr lvl="1"/>
             <a:r>
-              <a:rPr lang="ko-KR" altLang="en-US" smtClean="0"/>
+              <a:rPr lang="ko-KR" altLang="en-US"/>
               <a:t>둘째 수준</a:t>
             </a:r>
           </a:p>
           <a:p>
             <a:pPr lvl="2"/>
             <a:r>
-              <a:rPr lang="ko-KR" altLang="en-US" smtClean="0"/>
+              <a:rPr lang="ko-KR" altLang="en-US"/>
               <a:t>셋째 수준</a:t>
             </a:r>
           </a:p>
           <a:p>
             <a:pPr lvl="3"/>
             <a:r>
-              <a:rPr lang="ko-KR" altLang="en-US" smtClean="0"/>
+              <a:rPr lang="ko-KR" altLang="en-US"/>
               <a:t>넷째 수준</a:t>
             </a:r>
           </a:p>
           <a:p>
             <a:pPr lvl="4"/>
             <a:r>
-              <a:rPr lang="ko-KR" altLang="en-US" smtClean="0"/>
+              <a:rPr lang="ko-KR" altLang="en-US"/>
               <a:t>다섯째 수준</a:t>
             </a:r>
-            <a:endParaRPr lang="ko-KR" altLang="en-US"/>
           </a:p>
         </p:txBody>
       </p:sp>
@@ -1988,7 +1974,7 @@
             <a:fld id="{272C3D53-FEDF-49EC-8F65-FFFC138B637E}" type="datetimeFigureOut">
               <a:rPr lang="ko-KR" altLang="en-US" smtClean="0"/>
               <a:pPr/>
-              <a:t>2020-05-04</a:t>
+              <a:t>2020-05-06</a:t>
             </a:fld>
             <a:endParaRPr lang="ko-KR" altLang="en-US"/>
           </a:p>
@@ -2083,10 +2069,9 @@
           <a:lstStyle/>
           <a:p>
             <a:r>
-              <a:rPr lang="ko-KR" altLang="en-US" smtClean="0"/>
+              <a:rPr lang="ko-KR" altLang="en-US"/>
               <a:t>마스터 제목 스타일 편집</a:t>
             </a:r>
-            <a:endParaRPr lang="ko-KR" altLang="en-US"/>
           </a:p>
         </p:txBody>
       </p:sp>
@@ -2108,7 +2093,7 @@
             <a:fld id="{272C3D53-FEDF-49EC-8F65-FFFC138B637E}" type="datetimeFigureOut">
               <a:rPr lang="ko-KR" altLang="en-US" smtClean="0"/>
               <a:pPr/>
-              <a:t>2020-05-04</a:t>
+              <a:t>2020-05-06</a:t>
             </a:fld>
             <a:endParaRPr lang="ko-KR" altLang="en-US"/>
           </a:p>
@@ -2205,7 +2190,7 @@
             <a:fld id="{272C3D53-FEDF-49EC-8F65-FFFC138B637E}" type="datetimeFigureOut">
               <a:rPr lang="ko-KR" altLang="en-US" smtClean="0"/>
               <a:pPr/>
-              <a:t>2020-05-04</a:t>
+              <a:t>2020-05-06</a:t>
             </a:fld>
             <a:endParaRPr lang="ko-KR" altLang="en-US"/>
           </a:p>
@@ -2309,10 +2294,9 @@
           </a:lstStyle>
           <a:p>
             <a:r>
-              <a:rPr lang="ko-KR" altLang="en-US" smtClean="0"/>
+              <a:rPr lang="ko-KR" altLang="en-US"/>
               <a:t>마스터 제목 스타일 편집</a:t>
             </a:r>
-            <a:endParaRPr lang="ko-KR" altLang="en-US"/>
           </a:p>
         </p:txBody>
       </p:sp>
@@ -2366,38 +2350,37 @@
           <a:p>
             <a:pPr lvl="0"/>
             <a:r>
-              <a:rPr lang="ko-KR" altLang="en-US" smtClean="0"/>
+              <a:rPr lang="ko-KR" altLang="en-US"/>
               <a:t>마스터 텍스트 스타일을 편집합니다</a:t>
             </a:r>
           </a:p>
           <a:p>
             <a:pPr lvl="1"/>
             <a:r>
-              <a:rPr lang="ko-KR" altLang="en-US" smtClean="0"/>
+              <a:rPr lang="ko-KR" altLang="en-US"/>
               <a:t>둘째 수준</a:t>
             </a:r>
           </a:p>
           <a:p>
             <a:pPr lvl="2"/>
             <a:r>
-              <a:rPr lang="ko-KR" altLang="en-US" smtClean="0"/>
+              <a:rPr lang="ko-KR" altLang="en-US"/>
               <a:t>셋째 수준</a:t>
             </a:r>
           </a:p>
           <a:p>
             <a:pPr lvl="3"/>
             <a:r>
-              <a:rPr lang="ko-KR" altLang="en-US" smtClean="0"/>
+              <a:rPr lang="ko-KR" altLang="en-US"/>
               <a:t>넷째 수준</a:t>
             </a:r>
           </a:p>
           <a:p>
             <a:pPr lvl="4"/>
             <a:r>
-              <a:rPr lang="ko-KR" altLang="en-US" smtClean="0"/>
+              <a:rPr lang="ko-KR" altLang="en-US"/>
               <a:t>다섯째 수준</a:t>
             </a:r>
-            <a:endParaRPr lang="ko-KR" altLang="en-US"/>
           </a:p>
         </p:txBody>
       </p:sp>
@@ -2460,7 +2443,7 @@
           <a:p>
             <a:pPr lvl="0"/>
             <a:r>
-              <a:rPr lang="ko-KR" altLang="en-US" smtClean="0"/>
+              <a:rPr lang="ko-KR" altLang="en-US"/>
               <a:t>마스터 텍스트 스타일을 편집합니다</a:t>
             </a:r>
           </a:p>
@@ -2484,7 +2467,7 @@
             <a:fld id="{272C3D53-FEDF-49EC-8F65-FFFC138B637E}" type="datetimeFigureOut">
               <a:rPr lang="ko-KR" altLang="en-US" smtClean="0"/>
               <a:pPr/>
-              <a:t>2020-05-04</a:t>
+              <a:t>2020-05-06</a:t>
             </a:fld>
             <a:endParaRPr lang="ko-KR" altLang="en-US"/>
           </a:p>
@@ -2588,10 +2571,9 @@
           </a:lstStyle>
           <a:p>
             <a:r>
-              <a:rPr lang="ko-KR" altLang="en-US" smtClean="0"/>
+              <a:rPr lang="ko-KR" altLang="en-US"/>
               <a:t>마스터 제목 스타일 편집</a:t>
             </a:r>
-            <a:endParaRPr lang="ko-KR" altLang="en-US"/>
           </a:p>
         </p:txBody>
       </p:sp>
@@ -2715,7 +2697,7 @@
           <a:p>
             <a:pPr lvl="0"/>
             <a:r>
-              <a:rPr lang="ko-KR" altLang="en-US" smtClean="0"/>
+              <a:rPr lang="ko-KR" altLang="en-US"/>
               <a:t>마스터 텍스트 스타일을 편집합니다</a:t>
             </a:r>
           </a:p>
@@ -2739,7 +2721,7 @@
             <a:fld id="{272C3D53-FEDF-49EC-8F65-FFFC138B637E}" type="datetimeFigureOut">
               <a:rPr lang="ko-KR" altLang="en-US" smtClean="0"/>
               <a:pPr/>
-              <a:t>2020-05-04</a:t>
+              <a:t>2020-05-06</a:t>
             </a:fld>
             <a:endParaRPr lang="ko-KR" altLang="en-US"/>
           </a:p>
@@ -2805,9 +2787,12 @@
 <p:sldMaster xmlns:a="http://schemas.openxmlformats.org/drawingml/2006/main" xmlns:r="http://schemas.openxmlformats.org/officeDocument/2006/relationships" xmlns:p="http://schemas.openxmlformats.org/presentationml/2006/main">
   <p:cSld>
     <p:bg>
-      <p:bgRef idx="1001">
-        <a:schemeClr val="bg1"/>
-      </p:bgRef>
+      <p:bgPr>
+        <a:solidFill>
+          <a:srgbClr val="FF9E00"/>
+        </a:solidFill>
+        <a:effectLst/>
+      </p:bgPr>
     </p:bg>
     <p:spTree>
       <p:nvGrpSpPr>
@@ -2849,10 +2834,9 @@
           <a:lstStyle/>
           <a:p>
             <a:r>
-              <a:rPr lang="ko-KR" altLang="en-US" smtClean="0"/>
+              <a:rPr lang="ko-KR" altLang="en-US"/>
               <a:t>마스터 제목 스타일 편집</a:t>
             </a:r>
-            <a:endParaRPr lang="ko-KR" altLang="en-US"/>
           </a:p>
         </p:txBody>
       </p:sp>
@@ -2883,38 +2867,37 @@
           <a:p>
             <a:pPr lvl="0"/>
             <a:r>
-              <a:rPr lang="ko-KR" altLang="en-US" smtClean="0"/>
+              <a:rPr lang="ko-KR" altLang="en-US"/>
               <a:t>마스터 텍스트 스타일을 편집합니다</a:t>
             </a:r>
           </a:p>
           <a:p>
             <a:pPr lvl="1"/>
             <a:r>
-              <a:rPr lang="ko-KR" altLang="en-US" smtClean="0"/>
+              <a:rPr lang="ko-KR" altLang="en-US"/>
               <a:t>둘째 수준</a:t>
             </a:r>
           </a:p>
           <a:p>
             <a:pPr lvl="2"/>
             <a:r>
-              <a:rPr lang="ko-KR" altLang="en-US" smtClean="0"/>
+              <a:rPr lang="ko-KR" altLang="en-US"/>
               <a:t>셋째 수준</a:t>
             </a:r>
           </a:p>
           <a:p>
             <a:pPr lvl="3"/>
             <a:r>
-              <a:rPr lang="ko-KR" altLang="en-US" smtClean="0"/>
+              <a:rPr lang="ko-KR" altLang="en-US"/>
               <a:t>넷째 수준</a:t>
             </a:r>
           </a:p>
           <a:p>
             <a:pPr lvl="4"/>
             <a:r>
-              <a:rPr lang="ko-KR" altLang="en-US" smtClean="0"/>
+              <a:rPr lang="ko-KR" altLang="en-US"/>
               <a:t>다섯째 수준</a:t>
             </a:r>
-            <a:endParaRPr lang="ko-KR" altLang="en-US"/>
           </a:p>
         </p:txBody>
       </p:sp>
@@ -2954,7 +2937,7 @@
             <a:fld id="{272C3D53-FEDF-49EC-8F65-FFFC138B637E}" type="datetimeFigureOut">
               <a:rPr lang="ko-KR" altLang="en-US" smtClean="0"/>
               <a:pPr/>
-              <a:t>2020-05-04</a:t>
+              <a:t>2020-05-06</a:t>
             </a:fld>
             <a:endParaRPr lang="ko-KR" altLang="en-US"/>
           </a:p>
@@ -3376,11 +3359,11 @@
           <a:lstStyle/>
           <a:p>
             <a:r>
-              <a:rPr lang="ko-KR" altLang="en-US" dirty="0" smtClean="0"/>
+              <a:rPr lang="ko-KR" altLang="en-US" dirty="0"/>
               <a:t>화면 설계서</a:t>
             </a:r>
             <a:r>
-              <a:rPr lang="en-US" altLang="ko-KR" dirty="0" smtClean="0"/>
+              <a:rPr lang="en-US" altLang="ko-KR" dirty="0"/>
               <a:t>!!!!</a:t>
             </a:r>
             <a:endParaRPr lang="ko-KR" altLang="en-US" dirty="0"/>
@@ -3405,21 +3388,21 @@
           <a:lstStyle/>
           <a:p>
             <a:r>
-              <a:rPr lang="ko-KR" altLang="en-US" smtClean="0"/>
+              <a:rPr lang="ko-KR" altLang="en-US"/>
               <a:t>프로젝트</a:t>
             </a:r>
             <a:r>
-              <a:rPr lang="en-US" altLang="ko-KR" smtClean="0"/>
+              <a:rPr lang="en-US" altLang="ko-KR"/>
               <a:t>5</a:t>
             </a:r>
-            <a:endParaRPr lang="en-US" altLang="ko-KR" dirty="0" smtClean="0"/>
-          </a:p>
-          <a:p>
-            <a:r>
-              <a:rPr lang="ko-KR" altLang="en-US" dirty="0" err="1" smtClean="0"/>
+            <a:endParaRPr lang="en-US" altLang="ko-KR" dirty="0"/>
+          </a:p>
+          <a:p>
+            <a:r>
+              <a:rPr lang="ko-KR" altLang="en-US" dirty="0" err="1"/>
               <a:t>이조오오오오오오온</a:t>
             </a:r>
-            <a:endParaRPr lang="en-US" altLang="ko-KR" dirty="0" smtClean="0"/>
+            <a:endParaRPr lang="en-US" altLang="ko-KR" dirty="0"/>
           </a:p>
           <a:p>
             <a:r>
@@ -3427,7 +3410,7 @@
               <a:t>2</a:t>
             </a:r>
             <a:r>
-              <a:rPr lang="ko-KR" altLang="en-US" dirty="0" err="1" smtClean="0"/>
+              <a:rPr lang="ko-KR" altLang="en-US" dirty="0" err="1"/>
               <a:t>조오오오오오으아아으아으아으아ㅡ아으ㅏ으아</a:t>
             </a:r>
             <a:endParaRPr lang="ko-KR" altLang="en-US" dirty="0"/>
@@ -3444,27 +3427,12 @@
   <p:clrMapOvr>
     <a:masterClrMapping/>
   </p:clrMapOvr>
-  <p:timing>
-    <p:tnLst>
-      <p:par>
-        <p:cTn id="1" dur="indefinite" restart="never" nodeType="tmRoot"/>
-      </p:par>
-    </p:tnLst>
-  </p:timing>
 </p:sld>
 </file>
 
 <file path=ppt/slides/slide2.xml><?xml version="1.0" encoding="utf-8"?>
 <p:sld xmlns:a="http://schemas.openxmlformats.org/drawingml/2006/main" xmlns:r="http://schemas.openxmlformats.org/officeDocument/2006/relationships" xmlns:p="http://schemas.openxmlformats.org/presentationml/2006/main">
   <p:cSld>
-    <p:bg>
-      <p:bgPr>
-        <a:solidFill>
-          <a:srgbClr val="FF9E00"/>
-        </a:solidFill>
-        <a:effectLst/>
-      </p:bgPr>
-    </p:bg>
     <p:spTree>
       <p:nvGrpSpPr>
         <p:cNvPr id="1" name=""/>
@@ -3591,7 +3559,7 @@
           <a:lstStyle/>
           <a:p>
             <a:pPr algn="ctr"/>
-            <a:endParaRPr lang="ko-KR" altLang="en-US" sz="2400"/>
+            <a:endParaRPr lang="ko-KR" altLang="en-US" sz="2400" dirty="0"/>
           </a:p>
         </p:txBody>
       </p:sp>
@@ -4255,7 +4223,7 @@
         <p:spPr>
           <a:xfrm>
             <a:off x="1121067" y="522708"/>
-            <a:ext cx="8789911" cy="646331"/>
+            <a:ext cx="8789911" cy="574966"/>
           </a:xfrm>
           <a:prstGeom prst="rect">
             <a:avLst/>
@@ -4364,7 +4332,7 @@
               <a:t>- </a:t>
             </a:r>
             <a:r>
-              <a:rPr lang="ko-KR" altLang="en-US" sz="2400" b="1" dirty="0">
+              <a:rPr lang="ko-KR" altLang="en-US" sz="2400" b="1" dirty="0" err="1">
                 <a:solidFill>
                   <a:schemeClr val="tx1">
                     <a:lumMod val="75000"/>
@@ -4374,20 +4342,7 @@
                 <a:latin typeface="+mj-ea"/>
                 <a:ea typeface="+mj-ea"/>
               </a:rPr>
-              <a:t>세미나 </a:t>
-            </a:r>
-            <a:r>
-              <a:rPr lang="ko-KR" altLang="en-US" sz="2400" b="1" dirty="0">
-                <a:solidFill>
-                  <a:schemeClr val="tx1">
-                    <a:lumMod val="75000"/>
-                    <a:lumOff val="25000"/>
-                  </a:schemeClr>
-                </a:solidFill>
-                <a:latin typeface="+mj-ea"/>
-                <a:ea typeface="+mj-ea"/>
-              </a:rPr>
-              <a:t>상세페이지</a:t>
+              <a:t>메인페이지</a:t>
             </a:r>
             <a:endParaRPr lang="ko-KR" altLang="en-US" sz="2400" b="1" dirty="0">
               <a:solidFill>
@@ -4409,7 +4364,11 @@
             <a:graphicFrameLocks noGrp="1"/>
           </p:cNvGraphicFramePr>
           <p:nvPr>
-            <p:extLst/>
+            <p:extLst>
+              <p:ext uri="{D42A27DB-BD31-4B8C-83A1-F6EECF244321}">
+                <p14:modId xmlns:p14="http://schemas.microsoft.com/office/powerpoint/2010/main" val="3199042430"/>
+              </p:ext>
+            </p:extLst>
           </p:nvPr>
         </p:nvGraphicFramePr>
         <p:xfrm>
@@ -4421,7 +4380,13 @@
             <a:tbl>
               <a:tblPr firstRow="1" bandRow="1"/>
               <a:tblGrid>
-                <a:gridCol w="2688299"/>
+                <a:gridCol w="2688299">
+                  <a:extLst>
+                    <a:ext uri="{9D8B030D-6E8A-4147-A177-3AD203B41FA5}">
+                      <a16:colId xmlns:a16="http://schemas.microsoft.com/office/drawing/2014/main" val="20000"/>
+                    </a:ext>
+                  </a:extLst>
+                </a:gridCol>
               </a:tblGrid>
               <a:tr h="424495">
                 <a:tc>
@@ -4431,7 +4396,7 @@
                     <a:p>
                       <a:pPr algn="ctr" latinLnBrk="1"/>
                       <a:r>
-                        <a:rPr lang="ko-KR" altLang="en-US" sz="1200" b="1" dirty="0" smtClean="0">
+                        <a:rPr lang="ko-KR" altLang="en-US" sz="1200" b="1" dirty="0">
                           <a:solidFill>
                             <a:schemeClr val="tx1"/>
                           </a:solidFill>
@@ -4440,13 +4405,6 @@
                         </a:rPr>
                         <a:t>화면코드</a:t>
                       </a:r>
-                      <a:endParaRPr lang="ko-KR" altLang="en-US" sz="1200" b="1" dirty="0">
-                        <a:solidFill>
-                          <a:schemeClr val="tx1"/>
-                        </a:solidFill>
-                        <a:latin typeface="+mj-ea"/>
-                        <a:ea typeface="+mj-ea"/>
-                      </a:endParaRPr>
                     </a:p>
                   </a:txBody>
                   <a:tcPr marL="121920" marR="121920" marT="60960" marB="60960" anchor="ctr">
@@ -4455,6 +4413,11 @@
                     </a:solidFill>
                   </a:tcPr>
                 </a:tc>
+                <a:extLst>
+                  <a:ext uri="{0D108BD9-81ED-4DB2-BD59-A6C34878D82A}">
+                    <a16:rowId xmlns:a16="http://schemas.microsoft.com/office/drawing/2014/main" val="10000"/>
+                  </a:ext>
+                </a:extLst>
               </a:tr>
               <a:tr h="490571">
                 <a:tc>
@@ -4463,13 +4426,6 @@
                     <a:lstStyle/>
                     <a:p>
                       <a:pPr algn="ctr" latinLnBrk="1"/>
-                      <a:r>
-                        <a:rPr lang="en-US" altLang="ko-KR" sz="1500" dirty="0" err="1" smtClean="0">
-                          <a:latin typeface="+mj-ea"/>
-                          <a:ea typeface="+mj-ea"/>
-                        </a:rPr>
-                        <a:t>sh_user_w_semiDetail</a:t>
-                      </a:r>
                       <a:endParaRPr lang="ko-KR" altLang="en-US" sz="1500" dirty="0">
                         <a:latin typeface="+mj-ea"/>
                         <a:ea typeface="+mj-ea"/>
@@ -4478,6 +4434,11 @@
                   </a:txBody>
                   <a:tcPr marL="121920" marR="121920" marT="60960" marB="60960" anchor="ctr"/>
                 </a:tc>
+                <a:extLst>
+                  <a:ext uri="{0D108BD9-81ED-4DB2-BD59-A6C34878D82A}">
+                    <a16:rowId xmlns:a16="http://schemas.microsoft.com/office/drawing/2014/main" val="10001"/>
+                  </a:ext>
+                </a:extLst>
               </a:tr>
             </a:tbl>
           </a:graphicData>
@@ -4538,20 +4499,36 @@
             <a:graphicFrameLocks noGrp="1"/>
           </p:cNvGraphicFramePr>
           <p:nvPr>
-            <p:extLst/>
+            <p:extLst>
+              <p:ext uri="{D42A27DB-BD31-4B8C-83A1-F6EECF244321}">
+                <p14:modId xmlns:p14="http://schemas.microsoft.com/office/powerpoint/2010/main" val="1431294867"/>
+              </p:ext>
+            </p:extLst>
           </p:nvPr>
         </p:nvGraphicFramePr>
         <p:xfrm>
           <a:off x="9168341" y="2479152"/>
-          <a:ext cx="2688299" cy="3570331"/>
+          <a:ext cx="2688299" cy="4059857"/>
         </p:xfrm>
         <a:graphic>
           <a:graphicData uri="http://schemas.openxmlformats.org/drawingml/2006/table">
             <a:tbl>
               <a:tblPr firstRow="1" bandRow="1"/>
               <a:tblGrid>
-                <a:gridCol w="280507"/>
-                <a:gridCol w="2407792"/>
+                <a:gridCol w="280507">
+                  <a:extLst>
+                    <a:ext uri="{9D8B030D-6E8A-4147-A177-3AD203B41FA5}">
+                      <a16:colId xmlns:a16="http://schemas.microsoft.com/office/drawing/2014/main" val="20000"/>
+                    </a:ext>
+                  </a:extLst>
+                </a:gridCol>
+                <a:gridCol w="2407792">
+                  <a:extLst>
+                    <a:ext uri="{9D8B030D-6E8A-4147-A177-3AD203B41FA5}">
+                      <a16:colId xmlns:a16="http://schemas.microsoft.com/office/drawing/2014/main" val="20001"/>
+                    </a:ext>
+                  </a:extLst>
+                </a:gridCol>
               </a:tblGrid>
               <a:tr h="469796">
                 <a:tc>
@@ -4561,7 +4538,7 @@
                     <a:p>
                       <a:pPr algn="ctr" latinLnBrk="1"/>
                       <a:r>
-                        <a:rPr lang="en-US" altLang="ko-KR" sz="1200" b="1" dirty="0" smtClean="0">
+                        <a:rPr lang="en-US" altLang="ko-KR" sz="1200" b="1" dirty="0">
                           <a:latin typeface="+mj-ea"/>
                           <a:ea typeface="+mj-ea"/>
                         </a:rPr>
@@ -4586,16 +4563,12 @@
                     <a:p>
                       <a:pPr algn="ctr" latinLnBrk="1"/>
                       <a:r>
-                        <a:rPr lang="ko-KR" altLang="en-US" sz="1200" b="1" dirty="0" smtClean="0">
+                        <a:rPr lang="ko-KR" altLang="en-US" sz="1200" b="1" dirty="0">
                           <a:latin typeface="+mj-ea"/>
                           <a:ea typeface="+mj-ea"/>
                         </a:rPr>
                         <a:t>기능</a:t>
                       </a:r>
-                      <a:endParaRPr lang="ko-KR" altLang="en-US" sz="1200" b="1" dirty="0">
-                        <a:latin typeface="+mj-ea"/>
-                        <a:ea typeface="+mj-ea"/>
-                      </a:endParaRPr>
                     </a:p>
                   </a:txBody>
                   <a:tcPr marL="121920" marR="121920" marT="60960" marB="60960" anchor="ctr">
@@ -4604,6 +4577,11 @@
                     </a:solidFill>
                   </a:tcPr>
                 </a:tc>
+                <a:extLst>
+                  <a:ext uri="{0D108BD9-81ED-4DB2-BD59-A6C34878D82A}">
+                    <a16:rowId xmlns:a16="http://schemas.microsoft.com/office/drawing/2014/main" val="10000"/>
+                  </a:ext>
+                </a:extLst>
               </a:tr>
               <a:tr h="620107">
                 <a:tc>
@@ -4613,7 +4591,7 @@
                     <a:p>
                       <a:pPr algn="ctr" latinLnBrk="1"/>
                       <a:r>
-                        <a:rPr lang="en-US" altLang="ko-KR" sz="1300" dirty="0" smtClean="0">
+                        <a:rPr lang="en-US" altLang="ko-KR" sz="1300" dirty="0">
                           <a:latin typeface="+mj-ea"/>
                           <a:ea typeface="+mj-ea"/>
                         </a:rPr>
@@ -4638,13 +4616,13 @@
                         </a:lnSpc>
                       </a:pPr>
                       <a:r>
-                        <a:rPr lang="ko-KR" altLang="en-US" sz="1200" b="1" dirty="0" err="1" smtClean="0">
+                        <a:rPr lang="ko-KR" altLang="en-US" sz="1200" b="1" dirty="0">
                           <a:latin typeface="+mj-ea"/>
                           <a:ea typeface="+mj-ea"/>
                         </a:rPr>
-                        <a:t>컨텐츠</a:t>
+                        <a:t>네비게이션 바</a:t>
                       </a:r>
-                      <a:endParaRPr lang="en-US" altLang="ko-KR" sz="1200" b="1" dirty="0" smtClean="0">
+                      <a:endParaRPr lang="en-US" altLang="ko-KR" sz="1200" b="1" dirty="0">
                         <a:latin typeface="+mj-ea"/>
                         <a:ea typeface="+mj-ea"/>
                       </a:endParaRPr>
@@ -4656,18 +4634,148 @@
                         </a:lnSpc>
                       </a:pPr>
                       <a:r>
-                        <a:rPr lang="en-US" altLang="ko-KR" sz="1200" dirty="0" smtClean="0">
+                        <a:rPr lang="en-US" altLang="ko-KR" sz="1200" b="0" i="0" u="none" strike="noStrike" cap="none" dirty="0">
+                          <a:solidFill>
+                            <a:srgbClr val="000000"/>
+                          </a:solidFill>
                           <a:latin typeface="+mj-ea"/>
-                          <a:ea typeface="+mj-ea"/>
+                          <a:ea typeface="Arial"/>
+                          <a:cs typeface="Arial"/>
+                          <a:sym typeface="Arial"/>
                         </a:rPr>
                         <a:t>- </a:t>
                       </a:r>
                       <a:r>
-                        <a:rPr lang="ko-KR" altLang="en-US" sz="1200" dirty="0" smtClean="0">
+                        <a:rPr lang="ko-KR" altLang="en-US" sz="1200" b="0" i="0" u="none" strike="noStrike" cap="none" dirty="0">
+                          <a:solidFill>
+                            <a:srgbClr val="000000"/>
+                          </a:solidFill>
                           <a:latin typeface="+mj-ea"/>
-                          <a:ea typeface="+mj-ea"/>
+                          <a:ea typeface="Arial"/>
+                          <a:cs typeface="Arial"/>
+                          <a:sym typeface="Arial"/>
                         </a:rPr>
-                        <a:t>세미나를 소개하는 페이지</a:t>
+                        <a:t>로고</a:t>
+                      </a:r>
+                      <a:r>
+                        <a:rPr lang="en-US" altLang="ko-KR" sz="1200" b="0" i="0" u="none" strike="noStrike" cap="none" dirty="0">
+                          <a:solidFill>
+                            <a:srgbClr val="000000"/>
+                          </a:solidFill>
+                          <a:latin typeface="+mj-ea"/>
+                          <a:ea typeface="Arial"/>
+                          <a:cs typeface="Arial"/>
+                          <a:sym typeface="Arial"/>
+                        </a:rPr>
+                        <a:t>, </a:t>
+                      </a:r>
+                      <a:r>
+                        <a:rPr lang="ko-KR" altLang="en-US" sz="1200" b="0" i="0" u="none" strike="noStrike" cap="none" dirty="0">
+                          <a:solidFill>
+                            <a:srgbClr val="000000"/>
+                          </a:solidFill>
+                          <a:latin typeface="+mj-ea"/>
+                          <a:ea typeface="Arial"/>
+                          <a:cs typeface="Arial"/>
+                          <a:sym typeface="Arial"/>
+                        </a:rPr>
+                        <a:t>프로젝트 오픈 신청</a:t>
+                      </a:r>
+                      <a:r>
+                        <a:rPr lang="en-US" altLang="ko-KR" sz="1200" b="0" i="0" u="none" strike="noStrike" cap="none" dirty="0">
+                          <a:solidFill>
+                            <a:srgbClr val="000000"/>
+                          </a:solidFill>
+                          <a:latin typeface="+mj-ea"/>
+                          <a:ea typeface="Arial"/>
+                          <a:cs typeface="Arial"/>
+                          <a:sym typeface="Arial"/>
+                        </a:rPr>
+                        <a:t>, </a:t>
+                      </a:r>
+                      <a:r>
+                        <a:rPr lang="ko-KR" altLang="en-US" sz="1200" b="0" i="0" u="none" strike="noStrike" cap="none" dirty="0" err="1">
+                          <a:solidFill>
+                            <a:srgbClr val="000000"/>
+                          </a:solidFill>
+                          <a:latin typeface="+mj-ea"/>
+                          <a:ea typeface="Arial"/>
+                          <a:cs typeface="Arial"/>
+                          <a:sym typeface="Arial"/>
+                        </a:rPr>
+                        <a:t>펀딩</a:t>
+                      </a:r>
+                      <a:r>
+                        <a:rPr lang="en-US" altLang="ko-KR" sz="1200" b="0" i="0" u="none" strike="noStrike" cap="none" dirty="0">
+                          <a:solidFill>
+                            <a:srgbClr val="000000"/>
+                          </a:solidFill>
+                          <a:latin typeface="+mj-ea"/>
+                          <a:ea typeface="Arial"/>
+                          <a:cs typeface="Arial"/>
+                          <a:sym typeface="Arial"/>
+                        </a:rPr>
+                        <a:t>, </a:t>
+                      </a:r>
+                      <a:r>
+                        <a:rPr lang="ko-KR" altLang="en-US" sz="1200" b="0" i="0" u="none" strike="noStrike" cap="none" dirty="0">
+                          <a:solidFill>
+                            <a:srgbClr val="000000"/>
+                          </a:solidFill>
+                          <a:latin typeface="+mj-ea"/>
+                          <a:ea typeface="Arial"/>
+                          <a:cs typeface="Arial"/>
+                          <a:sym typeface="Arial"/>
+                        </a:rPr>
+                        <a:t>스토어 이동을 위한 드롭다운 메뉴</a:t>
+                      </a:r>
+                      <a:r>
+                        <a:rPr lang="en-US" altLang="ko-KR" sz="1200" b="0" i="0" u="none" strike="noStrike" cap="none" dirty="0">
+                          <a:solidFill>
+                            <a:srgbClr val="000000"/>
+                          </a:solidFill>
+                          <a:latin typeface="+mj-ea"/>
+                          <a:ea typeface="Arial"/>
+                          <a:cs typeface="Arial"/>
+                          <a:sym typeface="Arial"/>
+                        </a:rPr>
+                        <a:t>, </a:t>
+                      </a:r>
+                      <a:r>
+                        <a:rPr lang="ko-KR" altLang="en-US" sz="1200" b="0" i="0" u="none" strike="noStrike" cap="none" dirty="0">
+                          <a:solidFill>
+                            <a:srgbClr val="000000"/>
+                          </a:solidFill>
+                          <a:latin typeface="+mj-ea"/>
+                          <a:ea typeface="Arial"/>
+                          <a:cs typeface="Arial"/>
+                          <a:sym typeface="Arial"/>
+                        </a:rPr>
+                        <a:t>회원가입</a:t>
+                      </a:r>
+                      <a:r>
+                        <a:rPr lang="en-US" altLang="ko-KR" sz="1200" b="0" i="0" u="none" strike="noStrike" cap="none" dirty="0">
+                          <a:solidFill>
+                            <a:srgbClr val="000000"/>
+                          </a:solidFill>
+                          <a:latin typeface="+mj-ea"/>
+                          <a:ea typeface="Arial"/>
+                          <a:cs typeface="Arial"/>
+                          <a:sym typeface="Arial"/>
+                        </a:rPr>
+                        <a:t>, </a:t>
+                      </a:r>
+                      <a:r>
+                        <a:rPr lang="ko-KR" altLang="en-US" sz="1200" b="0" i="0" u="none" strike="noStrike" cap="none" dirty="0">
+                          <a:solidFill>
+                            <a:srgbClr val="000000"/>
+                          </a:solidFill>
+                          <a:latin typeface="+mj-ea"/>
+                          <a:ea typeface="Arial"/>
+                          <a:cs typeface="Arial"/>
+                          <a:sym typeface="Arial"/>
+                        </a:rPr>
+                        <a:t>로그인 버튼</a:t>
                       </a:r>
                       <a:endParaRPr lang="ko-KR" altLang="en-US" sz="1200" dirty="0">
                         <a:latin typeface="+mj-ea"/>
@@ -4677,6 +4785,11 @@
                   </a:txBody>
                   <a:tcPr marL="121920" marR="121920" marT="60960" marB="60960"/>
                 </a:tc>
+                <a:extLst>
+                  <a:ext uri="{0D108BD9-81ED-4DB2-BD59-A6C34878D82A}">
+                    <a16:rowId xmlns:a16="http://schemas.microsoft.com/office/drawing/2014/main" val="10001"/>
+                  </a:ext>
+                </a:extLst>
               </a:tr>
               <a:tr h="620107">
                 <a:tc>
@@ -4686,7 +4799,7 @@
                     <a:p>
                       <a:pPr algn="ctr" latinLnBrk="1"/>
                       <a:r>
-                        <a:rPr lang="en-US" altLang="ko-KR" sz="1300" dirty="0" smtClean="0">
+                        <a:rPr lang="en-US" altLang="ko-KR" sz="1300" dirty="0">
                           <a:latin typeface="+mj-ea"/>
                           <a:ea typeface="+mj-ea"/>
                         </a:rPr>
@@ -4711,7 +4824,7 @@
                         </a:lnSpc>
                       </a:pPr>
                       <a:r>
-                        <a:rPr lang="ko-KR" altLang="en-US" sz="1200" b="1" i="0" u="none" strike="noStrike" cap="none" dirty="0" smtClean="0">
+                        <a:rPr lang="ko-KR" altLang="en-US" sz="1200" b="1" i="0" u="none" strike="noStrike" cap="none" dirty="0" err="1">
                           <a:solidFill>
                             <a:srgbClr val="000000"/>
                           </a:solidFill>
@@ -4720,9 +4833,21 @@
                           <a:cs typeface="Arial"/>
                           <a:sym typeface="Arial"/>
                         </a:rPr>
-                        <a:t>세미나 정보</a:t>
+                        <a:t>캐러셀</a:t>
                       </a:r>
-                      <a:endParaRPr lang="en-US" altLang="ko-KR" sz="1200" b="1" i="0" u="none" strike="noStrike" cap="none" dirty="0" smtClean="0">
+                      <a:r>
+                        <a:rPr lang="ko-KR" altLang="en-US" sz="1200" b="1" i="0" u="none" strike="noStrike" cap="none" dirty="0">
+                          <a:solidFill>
+                            <a:srgbClr val="000000"/>
+                          </a:solidFill>
+                          <a:latin typeface="+mj-ea"/>
+                          <a:ea typeface="Arial"/>
+                          <a:cs typeface="Arial"/>
+                          <a:sym typeface="Arial"/>
+                        </a:rPr>
+                        <a:t> 형식 배너</a:t>
+                      </a:r>
+                      <a:endParaRPr lang="en-US" altLang="ko-KR" sz="1200" b="1" i="0" u="none" strike="noStrike" cap="none" dirty="0">
                         <a:solidFill>
                           <a:srgbClr val="000000"/>
                         </a:solidFill>
@@ -4739,7 +4864,7 @@
                         </a:lnSpc>
                       </a:pPr>
                       <a:r>
-                        <a:rPr lang="en-US" altLang="ko-KR" sz="1200" b="0" i="0" u="none" strike="noStrike" cap="none" dirty="0" smtClean="0">
+                        <a:rPr lang="en-US" altLang="ko-KR" sz="1200" b="0" i="0" u="none" strike="noStrike" cap="none" dirty="0">
                           <a:solidFill>
                             <a:srgbClr val="000000"/>
                           </a:solidFill>
@@ -4751,7 +4876,7 @@
                         <a:t>- </a:t>
                       </a:r>
                       <a:r>
-                        <a:rPr lang="ko-KR" altLang="en-US" sz="1200" b="0" i="0" u="none" strike="noStrike" cap="none" dirty="0" smtClean="0">
+                        <a:rPr lang="ko-KR" altLang="en-US" sz="1200" b="0" i="0" u="none" strike="noStrike" cap="none" dirty="0">
                           <a:solidFill>
                             <a:srgbClr val="000000"/>
                           </a:solidFill>
@@ -4760,10 +4885,10 @@
                           <a:cs typeface="Arial"/>
                           <a:sym typeface="Arial"/>
                         </a:rPr>
-                        <a:t>주최자</a:t>
+                        <a:t>광고형식</a:t>
                       </a:r>
                       <a:r>
-                        <a:rPr lang="en-US" altLang="ko-KR" sz="1200" b="0" i="0" u="none" strike="noStrike" cap="none" dirty="0" smtClean="0">
+                        <a:rPr lang="en-US" altLang="ko-KR" sz="1200" b="0" i="0" u="none" strike="noStrike" cap="none" dirty="0">
                           <a:solidFill>
                             <a:srgbClr val="000000"/>
                           </a:solidFill>
@@ -4772,10 +4897,164 @@
                           <a:cs typeface="Arial"/>
                           <a:sym typeface="Arial"/>
                         </a:rPr>
-                        <a:t>,</a:t>
+                        <a:t>, </a:t>
                       </a:r>
                       <a:r>
-                        <a:rPr lang="en-US" altLang="ko-KR" sz="1200" b="0" i="0" u="none" strike="noStrike" cap="none" baseline="0" dirty="0" smtClean="0">
+                        <a:rPr lang="ko-KR" altLang="en-US" sz="1200" b="0" i="0" u="none" strike="noStrike" cap="none" dirty="0">
+                          <a:solidFill>
+                            <a:srgbClr val="000000"/>
+                          </a:solidFill>
+                          <a:latin typeface="+mj-ea"/>
+                          <a:ea typeface="Arial"/>
+                          <a:cs typeface="Arial"/>
+                          <a:sym typeface="Arial"/>
+                        </a:rPr>
+                        <a:t>관리자가 등록</a:t>
+                      </a:r>
+                    </a:p>
+                  </a:txBody>
+                  <a:tcPr marL="121920" marR="121920" marT="60960" marB="60960"/>
+                </a:tc>
+                <a:extLst>
+                  <a:ext uri="{0D108BD9-81ED-4DB2-BD59-A6C34878D82A}">
+                    <a16:rowId xmlns:a16="http://schemas.microsoft.com/office/drawing/2014/main" val="10002"/>
+                  </a:ext>
+                </a:extLst>
+              </a:tr>
+              <a:tr h="620107">
+                <a:tc>
+                  <a:txBody>
+                    <a:bodyPr/>
+                    <a:lstStyle/>
+                    <a:p>
+                      <a:pPr algn="ctr" latinLnBrk="1"/>
+                      <a:r>
+                        <a:rPr lang="en-US" altLang="ko-KR" sz="1300" dirty="0">
+                          <a:latin typeface="+mj-ea"/>
+                          <a:ea typeface="+mj-ea"/>
+                        </a:rPr>
+                        <a:t>3</a:t>
+                      </a:r>
+                      <a:endParaRPr lang="ko-KR" altLang="en-US" sz="1300" dirty="0">
+                        <a:latin typeface="+mj-ea"/>
+                        <a:ea typeface="+mj-ea"/>
+                      </a:endParaRPr>
+                    </a:p>
+                  </a:txBody>
+                  <a:tcPr marL="121920" marR="121920" marT="60960" marB="60960" anchor="ctr"/>
+                </a:tc>
+                <a:tc>
+                  <a:txBody>
+                    <a:bodyPr/>
+                    <a:lstStyle/>
+                    <a:p>
+                      <a:pPr algn="l" latinLnBrk="1">
+                        <a:lnSpc>
+                          <a:spcPts val="1300"/>
+                        </a:lnSpc>
+                      </a:pPr>
+                      <a:r>
+                        <a:rPr lang="ko-KR" altLang="en-US" sz="1200" b="1" i="0" u="none" strike="noStrike" cap="none" dirty="0">
+                          <a:solidFill>
+                            <a:srgbClr val="000000"/>
+                          </a:solidFill>
+                          <a:latin typeface="+mj-ea"/>
+                          <a:ea typeface="Arial"/>
+                          <a:cs typeface="Arial"/>
+                          <a:sym typeface="Arial"/>
+                        </a:rPr>
+                        <a:t>추천 프로젝트 리스트</a:t>
+                      </a:r>
+                      <a:endParaRPr lang="en-US" altLang="ko-KR" sz="1200" b="1" i="0" u="none" strike="noStrike" cap="none" dirty="0">
+                        <a:solidFill>
+                          <a:srgbClr val="000000"/>
+                        </a:solidFill>
+                        <a:latin typeface="+mj-ea"/>
+                        <a:ea typeface="Arial"/>
+                        <a:cs typeface="Arial"/>
+                        <a:sym typeface="Arial"/>
+                      </a:endParaRPr>
+                    </a:p>
+                    <a:p>
+                      <a:pPr algn="l" latinLnBrk="1">
+                        <a:lnSpc>
+                          <a:spcPts val="1300"/>
+                        </a:lnSpc>
+                      </a:pPr>
+                      <a:r>
+                        <a:rPr lang="en-US" altLang="ko-KR" sz="1200" b="0" i="0" u="none" strike="noStrike" cap="none" dirty="0">
+                          <a:solidFill>
+                            <a:srgbClr val="000000"/>
+                          </a:solidFill>
+                          <a:latin typeface="+mj-ea"/>
+                          <a:ea typeface="Arial"/>
+                          <a:cs typeface="Arial"/>
+                          <a:sym typeface="Arial"/>
+                        </a:rPr>
+                        <a:t>- </a:t>
+                      </a:r>
+                      <a:r>
+                        <a:rPr lang="ko-KR" altLang="en-US" sz="1200" b="0" i="0" u="none" strike="noStrike" cap="none" dirty="0">
+                          <a:solidFill>
+                            <a:srgbClr val="000000"/>
+                          </a:solidFill>
+                          <a:latin typeface="+mj-ea"/>
+                          <a:ea typeface="Arial"/>
+                          <a:cs typeface="Arial"/>
+                          <a:sym typeface="Arial"/>
+                        </a:rPr>
+                        <a:t>관리자가 선택한 프로젝트</a:t>
+                      </a:r>
+                      <a:r>
+                        <a:rPr lang="en-US" altLang="ko-KR" sz="1200" b="0" i="0" u="none" strike="noStrike" cap="none" dirty="0">
+                          <a:solidFill>
+                            <a:srgbClr val="000000"/>
+                          </a:solidFill>
+                          <a:latin typeface="+mj-ea"/>
+                          <a:ea typeface="Arial"/>
+                          <a:cs typeface="Arial"/>
+                          <a:sym typeface="Arial"/>
+                        </a:rPr>
+                        <a:t>, </a:t>
+                      </a:r>
+                      <a:r>
+                        <a:rPr lang="ko-KR" altLang="en-US" sz="1200" b="0" i="0" u="none" strike="noStrike" cap="none" dirty="0">
+                          <a:solidFill>
+                            <a:srgbClr val="000000"/>
+                          </a:solidFill>
+                          <a:latin typeface="+mj-ea"/>
+                          <a:ea typeface="Arial"/>
+                          <a:cs typeface="Arial"/>
+                          <a:sym typeface="Arial"/>
+                        </a:rPr>
+                        <a:t>마감 직전 프로젝트</a:t>
+                      </a:r>
+                      <a:r>
+                        <a:rPr lang="en-US" altLang="ko-KR" sz="1200" b="0" i="0" u="none" strike="noStrike" cap="none" dirty="0">
+                          <a:solidFill>
+                            <a:srgbClr val="000000"/>
+                          </a:solidFill>
+                          <a:latin typeface="+mj-ea"/>
+                          <a:ea typeface="Arial"/>
+                          <a:cs typeface="Arial"/>
+                          <a:sym typeface="Arial"/>
+                        </a:rPr>
+                        <a:t>, </a:t>
+                      </a:r>
+                      <a:r>
+                        <a:rPr lang="ko-KR" altLang="en-US" sz="1200" b="0" i="0" u="none" strike="noStrike" cap="none" dirty="0">
+                          <a:solidFill>
+                            <a:srgbClr val="000000"/>
+                          </a:solidFill>
+                          <a:latin typeface="+mj-ea"/>
+                          <a:ea typeface="Arial"/>
+                          <a:cs typeface="Arial"/>
+                          <a:sym typeface="Arial"/>
+                        </a:rPr>
+                        <a:t>리워드</a:t>
+                      </a:r>
+                      <a:r>
+                        <a:rPr lang="en-US" altLang="ko-KR" sz="1200" b="0" i="0" u="none" strike="noStrike" cap="none" dirty="0">
                           <a:solidFill>
                             <a:srgbClr val="000000"/>
                           </a:solidFill>
@@ -4787,7 +5066,7 @@
                         <a:t> </a:t>
                       </a:r>
                       <a:r>
-                        <a:rPr lang="ko-KR" altLang="en-US" sz="1200" b="0" i="0" u="none" strike="noStrike" cap="none" baseline="0" dirty="0" smtClean="0">
+                        <a:rPr lang="ko-KR" altLang="en-US" sz="1200" b="0" i="0" u="none" strike="noStrike" cap="none" dirty="0">
                           <a:solidFill>
                             <a:srgbClr val="000000"/>
                           </a:solidFill>
@@ -4796,10 +5075,1632 @@
                           <a:cs typeface="Arial"/>
                           <a:sym typeface="Arial"/>
                         </a:rPr>
-                        <a:t>인원</a:t>
+                        <a:t>또는 </a:t>
                       </a:r>
                       <a:r>
-                        <a:rPr lang="en-US" altLang="ko-KR" sz="1200" b="0" i="0" u="none" strike="noStrike" cap="none" baseline="0" dirty="0" smtClean="0">
+                        <a:rPr lang="ko-KR" altLang="en-US" sz="1200" b="0" i="0" u="none" strike="noStrike" cap="none" dirty="0" err="1">
+                          <a:solidFill>
+                            <a:srgbClr val="000000"/>
+                          </a:solidFill>
+                          <a:latin typeface="+mj-ea"/>
+                          <a:ea typeface="Arial"/>
+                          <a:cs typeface="Arial"/>
+                          <a:sym typeface="Arial"/>
+                        </a:rPr>
+                        <a:t>펀딩</a:t>
+                      </a:r>
+                      <a:r>
+                        <a:rPr lang="ko-KR" altLang="en-US" sz="1200" b="0" i="0" u="none" strike="noStrike" cap="none" dirty="0">
+                          <a:solidFill>
+                            <a:srgbClr val="000000"/>
+                          </a:solidFill>
+                          <a:latin typeface="+mj-ea"/>
+                          <a:ea typeface="Arial"/>
+                          <a:cs typeface="Arial"/>
+                          <a:sym typeface="Arial"/>
+                        </a:rPr>
+                        <a:t> 성공 상품</a:t>
+                      </a:r>
+                    </a:p>
+                    <a:p>
+                      <a:pPr algn="l" latinLnBrk="1">
+                        <a:lnSpc>
+                          <a:spcPts val="1300"/>
+                        </a:lnSpc>
+                      </a:pPr>
+                      <a:endParaRPr lang="ko-KR" altLang="en-US" sz="1200" dirty="0">
+                        <a:latin typeface="+mj-ea"/>
+                        <a:ea typeface="+mj-ea"/>
+                      </a:endParaRPr>
+                    </a:p>
+                  </a:txBody>
+                  <a:tcPr marL="121920" marR="121920" marT="60960" marB="60960"/>
+                </a:tc>
+                <a:extLst>
+                  <a:ext uri="{0D108BD9-81ED-4DB2-BD59-A6C34878D82A}">
+                    <a16:rowId xmlns:a16="http://schemas.microsoft.com/office/drawing/2014/main" val="10003"/>
+                  </a:ext>
+                </a:extLst>
+              </a:tr>
+              <a:tr h="620107">
+                <a:tc>
+                  <a:txBody>
+                    <a:bodyPr/>
+                    <a:lstStyle/>
+                    <a:p>
+                      <a:pPr algn="ctr" latinLnBrk="1"/>
+                      <a:r>
+                        <a:rPr lang="en-US" altLang="ko-KR" sz="1300" dirty="0">
+                          <a:latin typeface="+mj-ea"/>
+                          <a:ea typeface="+mj-ea"/>
+                        </a:rPr>
+                        <a:t>4</a:t>
+                      </a:r>
+                      <a:endParaRPr lang="ko-KR" altLang="en-US" sz="1300" dirty="0">
+                        <a:latin typeface="+mj-ea"/>
+                        <a:ea typeface="+mj-ea"/>
+                      </a:endParaRPr>
+                    </a:p>
+                  </a:txBody>
+                  <a:tcPr marL="121920" marR="121920" marT="60960" marB="60960" anchor="ctr"/>
+                </a:tc>
+                <a:tc>
+                  <a:txBody>
+                    <a:bodyPr/>
+                    <a:lstStyle/>
+                    <a:p>
+                      <a:pPr algn="l" latinLnBrk="1">
+                        <a:lnSpc>
+                          <a:spcPts val="1300"/>
+                        </a:lnSpc>
+                      </a:pPr>
+                      <a:endParaRPr lang="ko-KR" altLang="en-US" sz="1200" dirty="0">
+                        <a:latin typeface="+mj-ea"/>
+                        <a:ea typeface="+mj-ea"/>
+                      </a:endParaRPr>
+                    </a:p>
+                  </a:txBody>
+                  <a:tcPr marL="121920" marR="121920" marT="60960" marB="60960"/>
+                </a:tc>
+                <a:extLst>
+                  <a:ext uri="{0D108BD9-81ED-4DB2-BD59-A6C34878D82A}">
+                    <a16:rowId xmlns:a16="http://schemas.microsoft.com/office/drawing/2014/main" val="10004"/>
+                  </a:ext>
+                </a:extLst>
+              </a:tr>
+              <a:tr h="620107">
+                <a:tc>
+                  <a:txBody>
+                    <a:bodyPr/>
+                    <a:lstStyle/>
+                    <a:p>
+                      <a:pPr algn="ctr" latinLnBrk="1"/>
+                      <a:r>
+                        <a:rPr lang="en-US" altLang="ko-KR" sz="1300" dirty="0">
+                          <a:latin typeface="+mj-ea"/>
+                          <a:ea typeface="+mj-ea"/>
+                        </a:rPr>
+                        <a:t>5</a:t>
+                      </a:r>
+                      <a:endParaRPr lang="ko-KR" altLang="en-US" sz="1300" dirty="0">
+                        <a:latin typeface="+mj-ea"/>
+                        <a:ea typeface="+mj-ea"/>
+                      </a:endParaRPr>
+                    </a:p>
+                  </a:txBody>
+                  <a:tcPr marL="121920" marR="121920" marT="60960" marB="60960" anchor="ctr"/>
+                </a:tc>
+                <a:tc>
+                  <a:txBody>
+                    <a:bodyPr/>
+                    <a:lstStyle/>
+                    <a:p>
+                      <a:pPr algn="l" latinLnBrk="1">
+                        <a:lnSpc>
+                          <a:spcPts val="1300"/>
+                        </a:lnSpc>
+                      </a:pPr>
+                      <a:endParaRPr lang="ko-KR" altLang="en-US" sz="1200" dirty="0">
+                        <a:latin typeface="+mj-ea"/>
+                        <a:ea typeface="+mj-ea"/>
+                      </a:endParaRPr>
+                    </a:p>
+                  </a:txBody>
+                  <a:tcPr marL="121920" marR="121920" marT="60960" marB="60960"/>
+                </a:tc>
+                <a:extLst>
+                  <a:ext uri="{0D108BD9-81ED-4DB2-BD59-A6C34878D82A}">
+                    <a16:rowId xmlns:a16="http://schemas.microsoft.com/office/drawing/2014/main" val="10005"/>
+                  </a:ext>
+                </a:extLst>
+              </a:tr>
+            </a:tbl>
+          </a:graphicData>
+        </a:graphic>
+      </p:graphicFrame>
+      <p:sp>
+        <p:nvSpPr>
+          <p:cNvPr id="3" name="직사각형 2">
+            <a:extLst>
+              <a:ext uri="{FF2B5EF4-FFF2-40B4-BE49-F238E27FC236}">
+                <a16:creationId xmlns:a16="http://schemas.microsoft.com/office/drawing/2014/main" id="{7C9E9366-B86C-4147-AAEA-0E8C98D7DA95}"/>
+              </a:ext>
+            </a:extLst>
+          </p:cNvPr>
+          <p:cNvSpPr/>
+          <p:nvPr/>
+        </p:nvSpPr>
+        <p:spPr>
+          <a:xfrm>
+            <a:off x="1497106" y="1649506"/>
+            <a:ext cx="6831106" cy="4399977"/>
+          </a:xfrm>
+          <a:prstGeom prst="rect">
+            <a:avLst/>
+          </a:prstGeom>
+          <a:noFill/>
+          <a:ln>
+            <a:solidFill>
+              <a:schemeClr val="tx1"/>
+            </a:solidFill>
+          </a:ln>
+        </p:spPr>
+        <p:style>
+          <a:lnRef idx="2">
+            <a:schemeClr val="accent1">
+              <a:shade val="50000"/>
+            </a:schemeClr>
+          </a:lnRef>
+          <a:fillRef idx="1">
+            <a:schemeClr val="accent1"/>
+          </a:fillRef>
+          <a:effectRef idx="0">
+            <a:schemeClr val="accent1"/>
+          </a:effectRef>
+          <a:fontRef idx="minor">
+            <a:schemeClr val="lt1"/>
+          </a:fontRef>
+        </p:style>
+        <p:txBody>
+          <a:bodyPr rtlCol="0" anchor="ctr"/>
+          <a:lstStyle/>
+          <a:p>
+            <a:pPr algn="ctr"/>
+            <a:endParaRPr lang="ko-KR" altLang="en-US"/>
+          </a:p>
+        </p:txBody>
+      </p:sp>
+      <p:sp>
+        <p:nvSpPr>
+          <p:cNvPr id="7" name="직사각형 6">
+            <a:extLst>
+              <a:ext uri="{FF2B5EF4-FFF2-40B4-BE49-F238E27FC236}">
+                <a16:creationId xmlns:a16="http://schemas.microsoft.com/office/drawing/2014/main" id="{DA06AE45-F21F-4390-88D7-43E648964D4B}"/>
+              </a:ext>
+            </a:extLst>
+          </p:cNvPr>
+          <p:cNvSpPr/>
+          <p:nvPr/>
+        </p:nvSpPr>
+        <p:spPr>
+          <a:xfrm>
+            <a:off x="1695118" y="1749982"/>
+            <a:ext cx="6408976" cy="446371"/>
+          </a:xfrm>
+          <a:prstGeom prst="rect">
+            <a:avLst/>
+          </a:prstGeom>
+          <a:noFill/>
+          <a:ln>
+            <a:solidFill>
+              <a:schemeClr val="tx1"/>
+            </a:solidFill>
+          </a:ln>
+        </p:spPr>
+        <p:style>
+          <a:lnRef idx="2">
+            <a:schemeClr val="accent1">
+              <a:shade val="50000"/>
+            </a:schemeClr>
+          </a:lnRef>
+          <a:fillRef idx="1">
+            <a:schemeClr val="accent1"/>
+          </a:fillRef>
+          <a:effectRef idx="0">
+            <a:schemeClr val="accent1"/>
+          </a:effectRef>
+          <a:fontRef idx="minor">
+            <a:schemeClr val="lt1"/>
+          </a:fontRef>
+        </p:style>
+        <p:txBody>
+          <a:bodyPr rtlCol="0" anchor="ctr"/>
+          <a:lstStyle/>
+          <a:p>
+            <a:pPr algn="ctr"/>
+            <a:r>
+              <a:rPr lang="en-US" altLang="ko-KR" dirty="0">
+                <a:solidFill>
+                  <a:schemeClr val="tx1"/>
+                </a:solidFill>
+              </a:rPr>
+              <a:t>1. </a:t>
+            </a:r>
+            <a:r>
+              <a:rPr lang="ko-KR" altLang="en-US" dirty="0">
+                <a:solidFill>
+                  <a:schemeClr val="tx1"/>
+                </a:solidFill>
+              </a:rPr>
+              <a:t>네비게이션 바</a:t>
+            </a:r>
+          </a:p>
+        </p:txBody>
+      </p:sp>
+      <p:sp>
+        <p:nvSpPr>
+          <p:cNvPr id="8" name="직사각형 7">
+            <a:extLst>
+              <a:ext uri="{FF2B5EF4-FFF2-40B4-BE49-F238E27FC236}">
+                <a16:creationId xmlns:a16="http://schemas.microsoft.com/office/drawing/2014/main" id="{5680EFB1-35EB-44AB-BD93-A7F972038C3F}"/>
+              </a:ext>
+            </a:extLst>
+          </p:cNvPr>
+          <p:cNvSpPr/>
+          <p:nvPr/>
+        </p:nvSpPr>
+        <p:spPr>
+          <a:xfrm>
+            <a:off x="1695118" y="2377197"/>
+            <a:ext cx="6408976" cy="1264961"/>
+          </a:xfrm>
+          <a:prstGeom prst="rect">
+            <a:avLst/>
+          </a:prstGeom>
+          <a:noFill/>
+        </p:spPr>
+        <p:style>
+          <a:lnRef idx="2">
+            <a:schemeClr val="accent1">
+              <a:shade val="50000"/>
+            </a:schemeClr>
+          </a:lnRef>
+          <a:fillRef idx="1">
+            <a:schemeClr val="accent1"/>
+          </a:fillRef>
+          <a:effectRef idx="0">
+            <a:schemeClr val="accent1"/>
+          </a:effectRef>
+          <a:fontRef idx="minor">
+            <a:schemeClr val="lt1"/>
+          </a:fontRef>
+        </p:style>
+        <p:txBody>
+          <a:bodyPr rtlCol="0" anchor="ctr"/>
+          <a:lstStyle/>
+          <a:p>
+            <a:pPr algn="ctr"/>
+            <a:r>
+              <a:rPr lang="en-US" altLang="ko-KR" dirty="0">
+                <a:solidFill>
+                  <a:schemeClr val="tx1"/>
+                </a:solidFill>
+              </a:rPr>
+              <a:t>2. </a:t>
+            </a:r>
+            <a:r>
+              <a:rPr lang="ko-KR" altLang="en-US" dirty="0" err="1">
+                <a:solidFill>
+                  <a:schemeClr val="tx1"/>
+                </a:solidFill>
+              </a:rPr>
+              <a:t>캐러셀</a:t>
+            </a:r>
+            <a:r>
+              <a:rPr lang="ko-KR" altLang="en-US" dirty="0">
+                <a:solidFill>
+                  <a:schemeClr val="tx1"/>
+                </a:solidFill>
+              </a:rPr>
+              <a:t> 형식 배너</a:t>
+            </a:r>
+          </a:p>
+        </p:txBody>
+      </p:sp>
+      <p:sp>
+        <p:nvSpPr>
+          <p:cNvPr id="16" name="직사각형 15">
+            <a:extLst>
+              <a:ext uri="{FF2B5EF4-FFF2-40B4-BE49-F238E27FC236}">
+                <a16:creationId xmlns:a16="http://schemas.microsoft.com/office/drawing/2014/main" id="{029E53B2-7F53-473E-AF6D-1A4175F70FEE}"/>
+              </a:ext>
+            </a:extLst>
+          </p:cNvPr>
+          <p:cNvSpPr/>
+          <p:nvPr/>
+        </p:nvSpPr>
+        <p:spPr>
+          <a:xfrm>
+            <a:off x="1708171" y="3816530"/>
+            <a:ext cx="6408976" cy="1264961"/>
+          </a:xfrm>
+          <a:prstGeom prst="rect">
+            <a:avLst/>
+          </a:prstGeom>
+          <a:noFill/>
+        </p:spPr>
+        <p:style>
+          <a:lnRef idx="2">
+            <a:schemeClr val="accent1">
+              <a:shade val="50000"/>
+            </a:schemeClr>
+          </a:lnRef>
+          <a:fillRef idx="1">
+            <a:schemeClr val="accent1"/>
+          </a:fillRef>
+          <a:effectRef idx="0">
+            <a:schemeClr val="accent1"/>
+          </a:effectRef>
+          <a:fontRef idx="minor">
+            <a:schemeClr val="lt1"/>
+          </a:fontRef>
+        </p:style>
+        <p:txBody>
+          <a:bodyPr rtlCol="0" anchor="ctr"/>
+          <a:lstStyle/>
+          <a:p>
+            <a:pPr algn="ctr"/>
+            <a:r>
+              <a:rPr lang="en-US" altLang="ko-KR" dirty="0">
+                <a:solidFill>
+                  <a:schemeClr val="tx1"/>
+                </a:solidFill>
+              </a:rPr>
+              <a:t>3. </a:t>
+            </a:r>
+            <a:r>
+              <a:rPr lang="ko-KR" altLang="en-US" dirty="0">
+                <a:solidFill>
+                  <a:schemeClr val="tx1"/>
+                </a:solidFill>
+              </a:rPr>
+              <a:t>추천 프로젝트 리스트</a:t>
+            </a:r>
+          </a:p>
+        </p:txBody>
+      </p:sp>
+    </p:spTree>
+    <p:extLst>
+      <p:ext uri="{BB962C8B-B14F-4D97-AF65-F5344CB8AC3E}">
+        <p14:creationId xmlns:p14="http://schemas.microsoft.com/office/powerpoint/2010/main" val="1777142894"/>
+      </p:ext>
+    </p:extLst>
+  </p:cSld>
+  <p:clrMapOvr>
+    <a:masterClrMapping/>
+  </p:clrMapOvr>
+</p:sld>
+</file>
+
+<file path=ppt/slides/slide3.xml><?xml version="1.0" encoding="utf-8"?>
+<p:sld xmlns:a="http://schemas.openxmlformats.org/drawingml/2006/main" xmlns:r="http://schemas.openxmlformats.org/officeDocument/2006/relationships" xmlns:p="http://schemas.openxmlformats.org/presentationml/2006/main">
+  <p:cSld>
+    <p:spTree>
+      <p:nvGrpSpPr>
+        <p:cNvPr id="1" name=""/>
+        <p:cNvGrpSpPr/>
+        <p:nvPr/>
+      </p:nvGrpSpPr>
+      <p:grpSpPr>
+        <a:xfrm>
+          <a:off x="0" y="0"/>
+          <a:ext cx="0" cy="0"/>
+          <a:chOff x="0" y="0"/>
+          <a:chExt cx="0" cy="0"/>
+        </a:xfrm>
+      </p:grpSpPr>
+      <p:sp>
+        <p:nvSpPr>
+          <p:cNvPr id="18" name="직사각형 17"/>
+          <p:cNvSpPr/>
+          <p:nvPr/>
+        </p:nvSpPr>
+        <p:spPr>
+          <a:xfrm rot="21409477">
+            <a:off x="832974" y="128931"/>
+            <a:ext cx="9282799" cy="6218171"/>
+          </a:xfrm>
+          <a:prstGeom prst="rect">
+            <a:avLst/>
+          </a:prstGeom>
+          <a:solidFill>
+            <a:schemeClr val="bg1">
+              <a:lumMod val="95000"/>
+            </a:schemeClr>
+          </a:solidFill>
+          <a:ln>
+            <a:noFill/>
+          </a:ln>
+        </p:spPr>
+        <p:style>
+          <a:lnRef idx="2">
+            <a:schemeClr val="accent1">
+              <a:shade val="50000"/>
+            </a:schemeClr>
+          </a:lnRef>
+          <a:fillRef idx="1">
+            <a:schemeClr val="accent1"/>
+          </a:fillRef>
+          <a:effectRef idx="0">
+            <a:schemeClr val="accent1"/>
+          </a:effectRef>
+          <a:fontRef idx="minor">
+            <a:schemeClr val="lt1"/>
+          </a:fontRef>
+        </p:style>
+        <p:txBody>
+          <a:bodyPr lIns="91440" tIns="45720" rIns="91440" bIns="45720" rtlCol="0" anchor="ctr"/>
+          <a:lstStyle/>
+          <a:p>
+            <a:pPr algn="ctr"/>
+            <a:endParaRPr lang="ko-KR" altLang="en-US" sz="2400"/>
+          </a:p>
+        </p:txBody>
+      </p:sp>
+      <p:sp>
+        <p:nvSpPr>
+          <p:cNvPr id="5" name="직사각형 4"/>
+          <p:cNvSpPr/>
+          <p:nvPr/>
+        </p:nvSpPr>
+        <p:spPr>
+          <a:xfrm>
+            <a:off x="526742" y="260649"/>
+            <a:ext cx="11425909" cy="6392929"/>
+          </a:xfrm>
+          <a:prstGeom prst="rect">
+            <a:avLst/>
+          </a:prstGeom>
+          <a:gradFill flip="none" rotWithShape="1">
+            <a:gsLst>
+              <a:gs pos="100000">
+                <a:schemeClr val="bg1">
+                  <a:shade val="67500"/>
+                  <a:satMod val="115000"/>
+                </a:schemeClr>
+              </a:gs>
+              <a:gs pos="64000">
+                <a:schemeClr val="bg1">
+                  <a:shade val="100000"/>
+                  <a:satMod val="115000"/>
+                </a:schemeClr>
+              </a:gs>
+            </a:gsLst>
+            <a:lin ang="10800000" scaled="1"/>
+            <a:tileRect/>
+          </a:gradFill>
+          <a:ln>
+            <a:noFill/>
+          </a:ln>
+          <a:effectLst>
+            <a:outerShdw blurRad="228600" dist="76200" dir="16200000" rotWithShape="0">
+              <a:prstClr val="black">
+                <a:alpha val="40000"/>
+              </a:prstClr>
+            </a:outerShdw>
+          </a:effectLst>
+        </p:spPr>
+        <p:style>
+          <a:lnRef idx="2">
+            <a:schemeClr val="accent1">
+              <a:shade val="50000"/>
+            </a:schemeClr>
+          </a:lnRef>
+          <a:fillRef idx="1">
+            <a:schemeClr val="accent1"/>
+          </a:fillRef>
+          <a:effectRef idx="0">
+            <a:schemeClr val="accent1"/>
+          </a:effectRef>
+          <a:fontRef idx="minor">
+            <a:schemeClr val="lt1"/>
+          </a:fontRef>
+        </p:style>
+        <p:txBody>
+          <a:bodyPr lIns="91440" tIns="45720" rIns="91440" bIns="45720" rtlCol="0" anchor="ctr"/>
+          <a:lstStyle/>
+          <a:p>
+            <a:pPr algn="ctr"/>
+            <a:endParaRPr lang="ko-KR" altLang="en-US" sz="2400" dirty="0"/>
+          </a:p>
+        </p:txBody>
+      </p:sp>
+      <p:grpSp>
+        <p:nvGrpSpPr>
+          <p:cNvPr id="2" name="그룹 1"/>
+          <p:cNvGrpSpPr/>
+          <p:nvPr/>
+        </p:nvGrpSpPr>
+        <p:grpSpPr>
+          <a:xfrm>
+            <a:off x="143104" y="68627"/>
+            <a:ext cx="768321" cy="6704028"/>
+            <a:chOff x="586490" y="739768"/>
+            <a:chExt cx="1017302" cy="5420168"/>
+          </a:xfrm>
+        </p:grpSpPr>
+        <p:sp>
+          <p:nvSpPr>
+            <p:cNvPr id="39" name="자유형 38"/>
+            <p:cNvSpPr/>
+            <p:nvPr/>
+          </p:nvSpPr>
+          <p:spPr>
+            <a:xfrm rot="10800000">
+              <a:off x="586490" y="1041378"/>
+              <a:ext cx="1017302" cy="4991063"/>
+            </a:xfrm>
+            <a:custGeom>
+              <a:avLst/>
+              <a:gdLst>
+                <a:gd name="connsiteX0" fmla="*/ 194310 w 388620"/>
+                <a:gd name="connsiteY0" fmla="*/ 0 h 2927235"/>
+                <a:gd name="connsiteX1" fmla="*/ 388620 w 388620"/>
+                <a:gd name="connsiteY1" fmla="*/ 194310 h 2927235"/>
+                <a:gd name="connsiteX2" fmla="*/ 388620 w 388620"/>
+                <a:gd name="connsiteY2" fmla="*/ 2927235 h 2927235"/>
+                <a:gd name="connsiteX3" fmla="*/ 379599 w 388620"/>
+                <a:gd name="connsiteY3" fmla="*/ 2898175 h 2927235"/>
+                <a:gd name="connsiteX4" fmla="*/ 194310 w 388620"/>
+                <a:gd name="connsiteY4" fmla="*/ 2775357 h 2927235"/>
+                <a:gd name="connsiteX5" fmla="*/ 9021 w 388620"/>
+                <a:gd name="connsiteY5" fmla="*/ 2898175 h 2927235"/>
+                <a:gd name="connsiteX6" fmla="*/ 0 w 388620"/>
+                <a:gd name="connsiteY6" fmla="*/ 2927235 h 2927235"/>
+                <a:gd name="connsiteX7" fmla="*/ 0 w 388620"/>
+                <a:gd name="connsiteY7" fmla="*/ 194310 h 2927235"/>
+                <a:gd name="connsiteX8" fmla="*/ 194310 w 388620"/>
+                <a:gd name="connsiteY8" fmla="*/ 0 h 2927235"/>
+              </a:gdLst>
+              <a:ahLst/>
+              <a:cxnLst>
+                <a:cxn ang="0">
+                  <a:pos x="connsiteX0" y="connsiteY0"/>
+                </a:cxn>
+                <a:cxn ang="0">
+                  <a:pos x="connsiteX1" y="connsiteY1"/>
+                </a:cxn>
+                <a:cxn ang="0">
+                  <a:pos x="connsiteX2" y="connsiteY2"/>
+                </a:cxn>
+                <a:cxn ang="0">
+                  <a:pos x="connsiteX3" y="connsiteY3"/>
+                </a:cxn>
+                <a:cxn ang="0">
+                  <a:pos x="connsiteX4" y="connsiteY4"/>
+                </a:cxn>
+                <a:cxn ang="0">
+                  <a:pos x="connsiteX5" y="connsiteY5"/>
+                </a:cxn>
+                <a:cxn ang="0">
+                  <a:pos x="connsiteX6" y="connsiteY6"/>
+                </a:cxn>
+                <a:cxn ang="0">
+                  <a:pos x="connsiteX7" y="connsiteY7"/>
+                </a:cxn>
+                <a:cxn ang="0">
+                  <a:pos x="connsiteX8" y="connsiteY8"/>
+                </a:cxn>
+              </a:cxnLst>
+              <a:rect l="l" t="t" r="r" b="b"/>
+              <a:pathLst>
+                <a:path w="388620" h="2927235">
+                  <a:moveTo>
+                    <a:pt x="194310" y="0"/>
+                  </a:moveTo>
+                  <a:cubicBezTo>
+                    <a:pt x="301624" y="0"/>
+                    <a:pt x="388620" y="86996"/>
+                    <a:pt x="388620" y="194310"/>
+                  </a:cubicBezTo>
+                  <a:lnTo>
+                    <a:pt x="388620" y="2927235"/>
+                  </a:lnTo>
+                  <a:lnTo>
+                    <a:pt x="379599" y="2898175"/>
+                  </a:lnTo>
+                  <a:cubicBezTo>
+                    <a:pt x="349072" y="2826000"/>
+                    <a:pt x="277605" y="2775357"/>
+                    <a:pt x="194310" y="2775357"/>
+                  </a:cubicBezTo>
+                  <a:cubicBezTo>
+                    <a:pt x="111015" y="2775357"/>
+                    <a:pt x="39548" y="2826000"/>
+                    <a:pt x="9021" y="2898175"/>
+                  </a:cubicBezTo>
+                  <a:lnTo>
+                    <a:pt x="0" y="2927235"/>
+                  </a:lnTo>
+                  <a:lnTo>
+                    <a:pt x="0" y="194310"/>
+                  </a:lnTo>
+                  <a:cubicBezTo>
+                    <a:pt x="0" y="86996"/>
+                    <a:pt x="86996" y="0"/>
+                    <a:pt x="194310" y="0"/>
+                  </a:cubicBezTo>
+                  <a:close/>
+                </a:path>
+              </a:pathLst>
+            </a:custGeom>
+            <a:gradFill flip="none" rotWithShape="1">
+              <a:gsLst>
+                <a:gs pos="0">
+                  <a:schemeClr val="bg1">
+                    <a:shade val="67500"/>
+                    <a:satMod val="115000"/>
+                  </a:schemeClr>
+                </a:gs>
+                <a:gs pos="100000">
+                  <a:schemeClr val="bg1">
+                    <a:shade val="100000"/>
+                    <a:satMod val="115000"/>
+                  </a:schemeClr>
+                </a:gs>
+              </a:gsLst>
+              <a:lin ang="10800000" scaled="1"/>
+              <a:tileRect/>
+            </a:gradFill>
+            <a:ln>
+              <a:noFill/>
+            </a:ln>
+            <a:effectLst>
+              <a:outerShdw blurRad="88900" dist="139700" dir="5400000" sx="98000" sy="98000" algn="t" rotWithShape="0">
+                <a:prstClr val="black">
+                  <a:alpha val="40000"/>
+                </a:prstClr>
+              </a:outerShdw>
+            </a:effectLst>
+          </p:spPr>
+          <p:style>
+            <a:lnRef idx="2">
+              <a:schemeClr val="accent1">
+                <a:shade val="50000"/>
+              </a:schemeClr>
+            </a:lnRef>
+            <a:fillRef idx="1">
+              <a:schemeClr val="accent1"/>
+            </a:fillRef>
+            <a:effectRef idx="0">
+              <a:schemeClr val="accent1"/>
+            </a:effectRef>
+            <a:fontRef idx="minor">
+              <a:schemeClr val="lt1"/>
+            </a:fontRef>
+          </p:style>
+          <p:txBody>
+            <a:bodyPr rtlCol="0" anchor="ctr"/>
+            <a:lstStyle/>
+            <a:p>
+              <a:pPr algn="ctr"/>
+              <a:endParaRPr lang="ko-KR" altLang="en-US" sz="2400"/>
+            </a:p>
+          </p:txBody>
+        </p:sp>
+        <p:sp>
+          <p:nvSpPr>
+            <p:cNvPr id="40" name="자유형 39"/>
+            <p:cNvSpPr/>
+            <p:nvPr/>
+          </p:nvSpPr>
+          <p:spPr>
+            <a:xfrm rot="10800000">
+              <a:off x="754421" y="2816677"/>
+              <a:ext cx="681439" cy="3343259"/>
+            </a:xfrm>
+            <a:custGeom>
+              <a:avLst/>
+              <a:gdLst>
+                <a:gd name="connsiteX0" fmla="*/ 194310 w 388620"/>
+                <a:gd name="connsiteY0" fmla="*/ 0 h 2927235"/>
+                <a:gd name="connsiteX1" fmla="*/ 388620 w 388620"/>
+                <a:gd name="connsiteY1" fmla="*/ 194310 h 2927235"/>
+                <a:gd name="connsiteX2" fmla="*/ 388620 w 388620"/>
+                <a:gd name="connsiteY2" fmla="*/ 2927235 h 2927235"/>
+                <a:gd name="connsiteX3" fmla="*/ 379599 w 388620"/>
+                <a:gd name="connsiteY3" fmla="*/ 2898175 h 2927235"/>
+                <a:gd name="connsiteX4" fmla="*/ 194310 w 388620"/>
+                <a:gd name="connsiteY4" fmla="*/ 2775357 h 2927235"/>
+                <a:gd name="connsiteX5" fmla="*/ 9021 w 388620"/>
+                <a:gd name="connsiteY5" fmla="*/ 2898175 h 2927235"/>
+                <a:gd name="connsiteX6" fmla="*/ 0 w 388620"/>
+                <a:gd name="connsiteY6" fmla="*/ 2927235 h 2927235"/>
+                <a:gd name="connsiteX7" fmla="*/ 0 w 388620"/>
+                <a:gd name="connsiteY7" fmla="*/ 194310 h 2927235"/>
+                <a:gd name="connsiteX8" fmla="*/ 194310 w 388620"/>
+                <a:gd name="connsiteY8" fmla="*/ 0 h 2927235"/>
+              </a:gdLst>
+              <a:ahLst/>
+              <a:cxnLst>
+                <a:cxn ang="0">
+                  <a:pos x="connsiteX0" y="connsiteY0"/>
+                </a:cxn>
+                <a:cxn ang="0">
+                  <a:pos x="connsiteX1" y="connsiteY1"/>
+                </a:cxn>
+                <a:cxn ang="0">
+                  <a:pos x="connsiteX2" y="connsiteY2"/>
+                </a:cxn>
+                <a:cxn ang="0">
+                  <a:pos x="connsiteX3" y="connsiteY3"/>
+                </a:cxn>
+                <a:cxn ang="0">
+                  <a:pos x="connsiteX4" y="connsiteY4"/>
+                </a:cxn>
+                <a:cxn ang="0">
+                  <a:pos x="connsiteX5" y="connsiteY5"/>
+                </a:cxn>
+                <a:cxn ang="0">
+                  <a:pos x="connsiteX6" y="connsiteY6"/>
+                </a:cxn>
+                <a:cxn ang="0">
+                  <a:pos x="connsiteX7" y="connsiteY7"/>
+                </a:cxn>
+                <a:cxn ang="0">
+                  <a:pos x="connsiteX8" y="connsiteY8"/>
+                </a:cxn>
+              </a:cxnLst>
+              <a:rect l="l" t="t" r="r" b="b"/>
+              <a:pathLst>
+                <a:path w="388620" h="2927235">
+                  <a:moveTo>
+                    <a:pt x="194310" y="0"/>
+                  </a:moveTo>
+                  <a:cubicBezTo>
+                    <a:pt x="301624" y="0"/>
+                    <a:pt x="388620" y="86996"/>
+                    <a:pt x="388620" y="194310"/>
+                  </a:cubicBezTo>
+                  <a:lnTo>
+                    <a:pt x="388620" y="2927235"/>
+                  </a:lnTo>
+                  <a:lnTo>
+                    <a:pt x="379599" y="2898175"/>
+                  </a:lnTo>
+                  <a:cubicBezTo>
+                    <a:pt x="349072" y="2826000"/>
+                    <a:pt x="277605" y="2775357"/>
+                    <a:pt x="194310" y="2775357"/>
+                  </a:cubicBezTo>
+                  <a:cubicBezTo>
+                    <a:pt x="111015" y="2775357"/>
+                    <a:pt x="39548" y="2826000"/>
+                    <a:pt x="9021" y="2898175"/>
+                  </a:cubicBezTo>
+                  <a:lnTo>
+                    <a:pt x="0" y="2927235"/>
+                  </a:lnTo>
+                  <a:lnTo>
+                    <a:pt x="0" y="194310"/>
+                  </a:lnTo>
+                  <a:cubicBezTo>
+                    <a:pt x="0" y="86996"/>
+                    <a:pt x="86996" y="0"/>
+                    <a:pt x="194310" y="0"/>
+                  </a:cubicBezTo>
+                  <a:close/>
+                </a:path>
+              </a:pathLst>
+            </a:custGeom>
+            <a:gradFill flip="none" rotWithShape="1">
+              <a:gsLst>
+                <a:gs pos="0">
+                  <a:schemeClr val="bg1">
+                    <a:shade val="67500"/>
+                    <a:satMod val="115000"/>
+                  </a:schemeClr>
+                </a:gs>
+                <a:gs pos="100000">
+                  <a:schemeClr val="bg1">
+                    <a:shade val="100000"/>
+                    <a:satMod val="115000"/>
+                  </a:schemeClr>
+                </a:gs>
+              </a:gsLst>
+              <a:lin ang="10800000" scaled="1"/>
+              <a:tileRect/>
+            </a:gradFill>
+            <a:ln>
+              <a:noFill/>
+            </a:ln>
+            <a:effectLst>
+              <a:outerShdw blurRad="88900" dist="139700" dir="5400000" sx="98000" sy="98000" algn="t" rotWithShape="0">
+                <a:prstClr val="black">
+                  <a:alpha val="40000"/>
+                </a:prstClr>
+              </a:outerShdw>
+            </a:effectLst>
+          </p:spPr>
+          <p:style>
+            <a:lnRef idx="2">
+              <a:schemeClr val="accent1">
+                <a:shade val="50000"/>
+              </a:schemeClr>
+            </a:lnRef>
+            <a:fillRef idx="1">
+              <a:schemeClr val="accent1"/>
+            </a:fillRef>
+            <a:effectRef idx="0">
+              <a:schemeClr val="accent1"/>
+            </a:effectRef>
+            <a:fontRef idx="minor">
+              <a:schemeClr val="lt1"/>
+            </a:fontRef>
+          </p:style>
+          <p:txBody>
+            <a:bodyPr rtlCol="0" anchor="ctr"/>
+            <a:lstStyle/>
+            <a:p>
+              <a:pPr algn="ctr"/>
+              <a:endParaRPr lang="ko-KR" altLang="en-US" sz="2400"/>
+            </a:p>
+          </p:txBody>
+        </p:sp>
+        <p:sp>
+          <p:nvSpPr>
+            <p:cNvPr id="41" name="자유형 40"/>
+            <p:cNvSpPr/>
+            <p:nvPr/>
+          </p:nvSpPr>
+          <p:spPr>
+            <a:xfrm>
+              <a:off x="754421" y="2614644"/>
+              <a:ext cx="681439" cy="3343259"/>
+            </a:xfrm>
+            <a:custGeom>
+              <a:avLst/>
+              <a:gdLst>
+                <a:gd name="connsiteX0" fmla="*/ 194310 w 388620"/>
+                <a:gd name="connsiteY0" fmla="*/ 0 h 2927235"/>
+                <a:gd name="connsiteX1" fmla="*/ 388620 w 388620"/>
+                <a:gd name="connsiteY1" fmla="*/ 194310 h 2927235"/>
+                <a:gd name="connsiteX2" fmla="*/ 388620 w 388620"/>
+                <a:gd name="connsiteY2" fmla="*/ 2927235 h 2927235"/>
+                <a:gd name="connsiteX3" fmla="*/ 379599 w 388620"/>
+                <a:gd name="connsiteY3" fmla="*/ 2898175 h 2927235"/>
+                <a:gd name="connsiteX4" fmla="*/ 194310 w 388620"/>
+                <a:gd name="connsiteY4" fmla="*/ 2775357 h 2927235"/>
+                <a:gd name="connsiteX5" fmla="*/ 9021 w 388620"/>
+                <a:gd name="connsiteY5" fmla="*/ 2898175 h 2927235"/>
+                <a:gd name="connsiteX6" fmla="*/ 0 w 388620"/>
+                <a:gd name="connsiteY6" fmla="*/ 2927235 h 2927235"/>
+                <a:gd name="connsiteX7" fmla="*/ 0 w 388620"/>
+                <a:gd name="connsiteY7" fmla="*/ 194310 h 2927235"/>
+                <a:gd name="connsiteX8" fmla="*/ 194310 w 388620"/>
+                <a:gd name="connsiteY8" fmla="*/ 0 h 2927235"/>
+              </a:gdLst>
+              <a:ahLst/>
+              <a:cxnLst>
+                <a:cxn ang="0">
+                  <a:pos x="connsiteX0" y="connsiteY0"/>
+                </a:cxn>
+                <a:cxn ang="0">
+                  <a:pos x="connsiteX1" y="connsiteY1"/>
+                </a:cxn>
+                <a:cxn ang="0">
+                  <a:pos x="connsiteX2" y="connsiteY2"/>
+                </a:cxn>
+                <a:cxn ang="0">
+                  <a:pos x="connsiteX3" y="connsiteY3"/>
+                </a:cxn>
+                <a:cxn ang="0">
+                  <a:pos x="connsiteX4" y="connsiteY4"/>
+                </a:cxn>
+                <a:cxn ang="0">
+                  <a:pos x="connsiteX5" y="connsiteY5"/>
+                </a:cxn>
+                <a:cxn ang="0">
+                  <a:pos x="connsiteX6" y="connsiteY6"/>
+                </a:cxn>
+                <a:cxn ang="0">
+                  <a:pos x="connsiteX7" y="connsiteY7"/>
+                </a:cxn>
+                <a:cxn ang="0">
+                  <a:pos x="connsiteX8" y="connsiteY8"/>
+                </a:cxn>
+              </a:cxnLst>
+              <a:rect l="l" t="t" r="r" b="b"/>
+              <a:pathLst>
+                <a:path w="388620" h="2927235">
+                  <a:moveTo>
+                    <a:pt x="194310" y="0"/>
+                  </a:moveTo>
+                  <a:cubicBezTo>
+                    <a:pt x="301624" y="0"/>
+                    <a:pt x="388620" y="86996"/>
+                    <a:pt x="388620" y="194310"/>
+                  </a:cubicBezTo>
+                  <a:lnTo>
+                    <a:pt x="388620" y="2927235"/>
+                  </a:lnTo>
+                  <a:lnTo>
+                    <a:pt x="379599" y="2898175"/>
+                  </a:lnTo>
+                  <a:cubicBezTo>
+                    <a:pt x="349072" y="2826000"/>
+                    <a:pt x="277605" y="2775357"/>
+                    <a:pt x="194310" y="2775357"/>
+                  </a:cubicBezTo>
+                  <a:cubicBezTo>
+                    <a:pt x="111015" y="2775357"/>
+                    <a:pt x="39548" y="2826000"/>
+                    <a:pt x="9021" y="2898175"/>
+                  </a:cubicBezTo>
+                  <a:lnTo>
+                    <a:pt x="0" y="2927235"/>
+                  </a:lnTo>
+                  <a:lnTo>
+                    <a:pt x="0" y="194310"/>
+                  </a:lnTo>
+                  <a:cubicBezTo>
+                    <a:pt x="0" y="86996"/>
+                    <a:pt x="86996" y="0"/>
+                    <a:pt x="194310" y="0"/>
+                  </a:cubicBezTo>
+                  <a:close/>
+                </a:path>
+              </a:pathLst>
+            </a:custGeom>
+            <a:gradFill flip="none" rotWithShape="1">
+              <a:gsLst>
+                <a:gs pos="0">
+                  <a:schemeClr val="bg1">
+                    <a:shade val="67500"/>
+                    <a:satMod val="115000"/>
+                  </a:schemeClr>
+                </a:gs>
+                <a:gs pos="100000">
+                  <a:schemeClr val="bg1">
+                    <a:shade val="100000"/>
+                    <a:satMod val="115000"/>
+                  </a:schemeClr>
+                </a:gs>
+              </a:gsLst>
+              <a:lin ang="10800000" scaled="1"/>
+              <a:tileRect/>
+            </a:gradFill>
+            <a:ln>
+              <a:noFill/>
+            </a:ln>
+            <a:effectLst>
+              <a:outerShdw blurRad="88900" dist="139700" dir="5400000" sx="98000" sy="98000" algn="t" rotWithShape="0">
+                <a:prstClr val="black">
+                  <a:alpha val="40000"/>
+                </a:prstClr>
+              </a:outerShdw>
+            </a:effectLst>
+          </p:spPr>
+          <p:style>
+            <a:lnRef idx="2">
+              <a:schemeClr val="accent1">
+                <a:shade val="50000"/>
+              </a:schemeClr>
+            </a:lnRef>
+            <a:fillRef idx="1">
+              <a:schemeClr val="accent1"/>
+            </a:fillRef>
+            <a:effectRef idx="0">
+              <a:schemeClr val="accent1"/>
+            </a:effectRef>
+            <a:fontRef idx="minor">
+              <a:schemeClr val="lt1"/>
+            </a:fontRef>
+          </p:style>
+          <p:txBody>
+            <a:bodyPr rtlCol="0" anchor="ctr"/>
+            <a:lstStyle/>
+            <a:p>
+              <a:pPr algn="ctr"/>
+              <a:endParaRPr lang="ko-KR" altLang="en-US" sz="2400"/>
+            </a:p>
+          </p:txBody>
+        </p:sp>
+        <p:sp>
+          <p:nvSpPr>
+            <p:cNvPr id="42" name="자유형 41"/>
+            <p:cNvSpPr/>
+            <p:nvPr/>
+          </p:nvSpPr>
+          <p:spPr>
+            <a:xfrm>
+              <a:off x="586490" y="739768"/>
+              <a:ext cx="1017302" cy="4991063"/>
+            </a:xfrm>
+            <a:custGeom>
+              <a:avLst/>
+              <a:gdLst>
+                <a:gd name="connsiteX0" fmla="*/ 194310 w 388620"/>
+                <a:gd name="connsiteY0" fmla="*/ 0 h 2927235"/>
+                <a:gd name="connsiteX1" fmla="*/ 388620 w 388620"/>
+                <a:gd name="connsiteY1" fmla="*/ 194310 h 2927235"/>
+                <a:gd name="connsiteX2" fmla="*/ 388620 w 388620"/>
+                <a:gd name="connsiteY2" fmla="*/ 2927235 h 2927235"/>
+                <a:gd name="connsiteX3" fmla="*/ 379599 w 388620"/>
+                <a:gd name="connsiteY3" fmla="*/ 2898175 h 2927235"/>
+                <a:gd name="connsiteX4" fmla="*/ 194310 w 388620"/>
+                <a:gd name="connsiteY4" fmla="*/ 2775357 h 2927235"/>
+                <a:gd name="connsiteX5" fmla="*/ 9021 w 388620"/>
+                <a:gd name="connsiteY5" fmla="*/ 2898175 h 2927235"/>
+                <a:gd name="connsiteX6" fmla="*/ 0 w 388620"/>
+                <a:gd name="connsiteY6" fmla="*/ 2927235 h 2927235"/>
+                <a:gd name="connsiteX7" fmla="*/ 0 w 388620"/>
+                <a:gd name="connsiteY7" fmla="*/ 194310 h 2927235"/>
+                <a:gd name="connsiteX8" fmla="*/ 194310 w 388620"/>
+                <a:gd name="connsiteY8" fmla="*/ 0 h 2927235"/>
+              </a:gdLst>
+              <a:ahLst/>
+              <a:cxnLst>
+                <a:cxn ang="0">
+                  <a:pos x="connsiteX0" y="connsiteY0"/>
+                </a:cxn>
+                <a:cxn ang="0">
+                  <a:pos x="connsiteX1" y="connsiteY1"/>
+                </a:cxn>
+                <a:cxn ang="0">
+                  <a:pos x="connsiteX2" y="connsiteY2"/>
+                </a:cxn>
+                <a:cxn ang="0">
+                  <a:pos x="connsiteX3" y="connsiteY3"/>
+                </a:cxn>
+                <a:cxn ang="0">
+                  <a:pos x="connsiteX4" y="connsiteY4"/>
+                </a:cxn>
+                <a:cxn ang="0">
+                  <a:pos x="connsiteX5" y="connsiteY5"/>
+                </a:cxn>
+                <a:cxn ang="0">
+                  <a:pos x="connsiteX6" y="connsiteY6"/>
+                </a:cxn>
+                <a:cxn ang="0">
+                  <a:pos x="connsiteX7" y="connsiteY7"/>
+                </a:cxn>
+                <a:cxn ang="0">
+                  <a:pos x="connsiteX8" y="connsiteY8"/>
+                </a:cxn>
+              </a:cxnLst>
+              <a:rect l="l" t="t" r="r" b="b"/>
+              <a:pathLst>
+                <a:path w="388620" h="2927235">
+                  <a:moveTo>
+                    <a:pt x="194310" y="0"/>
+                  </a:moveTo>
+                  <a:cubicBezTo>
+                    <a:pt x="301624" y="0"/>
+                    <a:pt x="388620" y="86996"/>
+                    <a:pt x="388620" y="194310"/>
+                  </a:cubicBezTo>
+                  <a:lnTo>
+                    <a:pt x="388620" y="2927235"/>
+                  </a:lnTo>
+                  <a:lnTo>
+                    <a:pt x="379599" y="2898175"/>
+                  </a:lnTo>
+                  <a:cubicBezTo>
+                    <a:pt x="349072" y="2826000"/>
+                    <a:pt x="277605" y="2775357"/>
+                    <a:pt x="194310" y="2775357"/>
+                  </a:cubicBezTo>
+                  <a:cubicBezTo>
+                    <a:pt x="111015" y="2775357"/>
+                    <a:pt x="39548" y="2826000"/>
+                    <a:pt x="9021" y="2898175"/>
+                  </a:cubicBezTo>
+                  <a:lnTo>
+                    <a:pt x="0" y="2927235"/>
+                  </a:lnTo>
+                  <a:lnTo>
+                    <a:pt x="0" y="194310"/>
+                  </a:lnTo>
+                  <a:cubicBezTo>
+                    <a:pt x="0" y="86996"/>
+                    <a:pt x="86996" y="0"/>
+                    <a:pt x="194310" y="0"/>
+                  </a:cubicBezTo>
+                  <a:close/>
+                </a:path>
+              </a:pathLst>
+            </a:custGeom>
+            <a:gradFill flip="none" rotWithShape="1">
+              <a:gsLst>
+                <a:gs pos="0">
+                  <a:schemeClr val="bg1">
+                    <a:shade val="67500"/>
+                    <a:satMod val="115000"/>
+                  </a:schemeClr>
+                </a:gs>
+                <a:gs pos="100000">
+                  <a:schemeClr val="bg1">
+                    <a:shade val="100000"/>
+                    <a:satMod val="115000"/>
+                  </a:schemeClr>
+                </a:gs>
+              </a:gsLst>
+              <a:lin ang="10800000" scaled="1"/>
+              <a:tileRect/>
+            </a:gradFill>
+            <a:ln>
+              <a:noFill/>
+            </a:ln>
+            <a:effectLst>
+              <a:outerShdw blurRad="88900" dist="139700" dir="5400000" sx="98000" sy="98000" algn="t" rotWithShape="0">
+                <a:prstClr val="black">
+                  <a:alpha val="40000"/>
+                </a:prstClr>
+              </a:outerShdw>
+            </a:effectLst>
+          </p:spPr>
+          <p:style>
+            <a:lnRef idx="2">
+              <a:schemeClr val="accent1">
+                <a:shade val="50000"/>
+              </a:schemeClr>
+            </a:lnRef>
+            <a:fillRef idx="1">
+              <a:schemeClr val="accent1"/>
+            </a:fillRef>
+            <a:effectRef idx="0">
+              <a:schemeClr val="accent1"/>
+            </a:effectRef>
+            <a:fontRef idx="minor">
+              <a:schemeClr val="lt1"/>
+            </a:fontRef>
+          </p:style>
+          <p:txBody>
+            <a:bodyPr rtlCol="0" anchor="ctr"/>
+            <a:lstStyle/>
+            <a:p>
+              <a:pPr algn="ctr"/>
+              <a:endParaRPr lang="ko-KR" altLang="en-US" sz="2400"/>
+            </a:p>
+          </p:txBody>
+        </p:sp>
+      </p:grpSp>
+      <p:sp>
+        <p:nvSpPr>
+          <p:cNvPr id="43" name="직사각형 42"/>
+          <p:cNvSpPr/>
+          <p:nvPr/>
+        </p:nvSpPr>
+        <p:spPr>
+          <a:xfrm>
+            <a:off x="1121067" y="522708"/>
+            <a:ext cx="8789911" cy="574966"/>
+          </a:xfrm>
+          <a:prstGeom prst="rect">
+            <a:avLst/>
+          </a:prstGeom>
+        </p:spPr>
+        <p:txBody>
+          <a:bodyPr wrap="square" lIns="91440" tIns="45720" rIns="91440" bIns="45720">
+            <a:spAutoFit/>
+          </a:bodyPr>
+          <a:lstStyle/>
+          <a:p>
+            <a:pPr>
+              <a:lnSpc>
+                <a:spcPct val="150000"/>
+              </a:lnSpc>
+            </a:pPr>
+            <a:r>
+              <a:rPr lang="en-US" altLang="ko-KR" sz="2400" b="1" dirty="0">
+                <a:solidFill>
+                  <a:schemeClr val="tx1">
+                    <a:lumMod val="75000"/>
+                    <a:lumOff val="25000"/>
+                  </a:schemeClr>
+                </a:solidFill>
+                <a:latin typeface="+mj-ea"/>
+                <a:ea typeface="+mj-ea"/>
+              </a:rPr>
+              <a:t>[ </a:t>
+            </a:r>
+            <a:r>
+              <a:rPr lang="ko-KR" altLang="en-US" sz="2400" b="1" dirty="0">
+                <a:solidFill>
+                  <a:schemeClr val="tx1">
+                    <a:lumMod val="75000"/>
+                    <a:lumOff val="25000"/>
+                  </a:schemeClr>
+                </a:solidFill>
+                <a:latin typeface="+mj-ea"/>
+                <a:ea typeface="+mj-ea"/>
+              </a:rPr>
+              <a:t>화면설계 </a:t>
+            </a:r>
+            <a:r>
+              <a:rPr lang="en-US" altLang="ko-KR" sz="2400" b="1" dirty="0">
+                <a:solidFill>
+                  <a:schemeClr val="tx1">
+                    <a:lumMod val="75000"/>
+                    <a:lumOff val="25000"/>
+                  </a:schemeClr>
+                </a:solidFill>
+                <a:latin typeface="+mj-ea"/>
+                <a:ea typeface="+mj-ea"/>
+              </a:rPr>
+              <a:t>] </a:t>
+            </a:r>
+            <a:r>
+              <a:rPr lang="ko-KR" altLang="en-US" sz="2400" b="1" dirty="0">
+                <a:solidFill>
+                  <a:schemeClr val="tx1">
+                    <a:lumMod val="75000"/>
+                    <a:lumOff val="25000"/>
+                  </a:schemeClr>
+                </a:solidFill>
+                <a:latin typeface="+mj-ea"/>
+                <a:ea typeface="+mj-ea"/>
+              </a:rPr>
+              <a:t>사용자 </a:t>
+            </a:r>
+            <a:r>
+              <a:rPr lang="en-US" altLang="ko-KR" sz="2400" b="1" dirty="0">
+                <a:solidFill>
+                  <a:schemeClr val="tx1">
+                    <a:lumMod val="75000"/>
+                    <a:lumOff val="25000"/>
+                  </a:schemeClr>
+                </a:solidFill>
+                <a:latin typeface="+mj-ea"/>
+                <a:ea typeface="+mj-ea"/>
+              </a:rPr>
+              <a:t>- </a:t>
+            </a:r>
+            <a:r>
+              <a:rPr lang="ko-KR" altLang="en-US" sz="2400" b="1" dirty="0">
+                <a:solidFill>
+                  <a:schemeClr val="tx1">
+                    <a:lumMod val="75000"/>
+                    <a:lumOff val="25000"/>
+                  </a:schemeClr>
+                </a:solidFill>
+                <a:latin typeface="+mj-ea"/>
+                <a:ea typeface="+mj-ea"/>
+              </a:rPr>
+              <a:t>웹 </a:t>
+            </a:r>
+            <a:r>
+              <a:rPr lang="en-US" altLang="ko-KR" sz="2400" b="1" dirty="0">
+                <a:solidFill>
+                  <a:schemeClr val="tx1">
+                    <a:lumMod val="75000"/>
+                    <a:lumOff val="25000"/>
+                  </a:schemeClr>
+                </a:solidFill>
+                <a:latin typeface="+mj-ea"/>
+                <a:ea typeface="+mj-ea"/>
+              </a:rPr>
+              <a:t>– </a:t>
+            </a:r>
+            <a:r>
+              <a:rPr lang="ko-KR" altLang="en-US" sz="2400" b="1" dirty="0">
+                <a:solidFill>
+                  <a:schemeClr val="tx1">
+                    <a:lumMod val="75000"/>
+                    <a:lumOff val="25000"/>
+                  </a:schemeClr>
+                </a:solidFill>
+                <a:latin typeface="+mj-ea"/>
+                <a:ea typeface="+mj-ea"/>
+              </a:rPr>
+              <a:t>회원가입 페이지</a:t>
+            </a:r>
+          </a:p>
+        </p:txBody>
+      </p:sp>
+      <p:graphicFrame>
+        <p:nvGraphicFramePr>
+          <p:cNvPr id="4" name="표 3"/>
+          <p:cNvGraphicFramePr>
+            <a:graphicFrameLocks noGrp="1"/>
+          </p:cNvGraphicFramePr>
+          <p:nvPr>
+            <p:extLst>
+              <p:ext uri="{D42A27DB-BD31-4B8C-83A1-F6EECF244321}">
+                <p14:modId xmlns:p14="http://schemas.microsoft.com/office/powerpoint/2010/main" val="1586607401"/>
+              </p:ext>
+            </p:extLst>
+          </p:nvPr>
+        </p:nvGraphicFramePr>
+        <p:xfrm>
+          <a:off x="9168341" y="1433634"/>
+          <a:ext cx="2688299" cy="915066"/>
+        </p:xfrm>
+        <a:graphic>
+          <a:graphicData uri="http://schemas.openxmlformats.org/drawingml/2006/table">
+            <a:tbl>
+              <a:tblPr firstRow="1" bandRow="1"/>
+              <a:tblGrid>
+                <a:gridCol w="2688299">
+                  <a:extLst>
+                    <a:ext uri="{9D8B030D-6E8A-4147-A177-3AD203B41FA5}">
+                      <a16:colId xmlns:a16="http://schemas.microsoft.com/office/drawing/2014/main" val="20000"/>
+                    </a:ext>
+                  </a:extLst>
+                </a:gridCol>
+              </a:tblGrid>
+              <a:tr h="424495">
+                <a:tc>
+                  <a:txBody>
+                    <a:bodyPr/>
+                    <a:lstStyle/>
+                    <a:p>
+                      <a:pPr algn="ctr" latinLnBrk="1"/>
+                      <a:r>
+                        <a:rPr lang="ko-KR" altLang="en-US" sz="1200" b="1" dirty="0">
+                          <a:solidFill>
+                            <a:schemeClr val="tx1"/>
+                          </a:solidFill>
+                          <a:latin typeface="+mj-ea"/>
+                          <a:ea typeface="+mj-ea"/>
+                        </a:rPr>
+                        <a:t>화면코드</a:t>
+                      </a:r>
+                    </a:p>
+                  </a:txBody>
+                  <a:tcPr marL="121920" marR="121920" marT="60960" marB="60960" anchor="ctr">
+                    <a:solidFill>
+                      <a:srgbClr val="FF9E00"/>
+                    </a:solidFill>
+                  </a:tcPr>
+                </a:tc>
+                <a:extLst>
+                  <a:ext uri="{0D108BD9-81ED-4DB2-BD59-A6C34878D82A}">
+                    <a16:rowId xmlns:a16="http://schemas.microsoft.com/office/drawing/2014/main" val="10000"/>
+                  </a:ext>
+                </a:extLst>
+              </a:tr>
+              <a:tr h="490571">
+                <a:tc>
+                  <a:txBody>
+                    <a:bodyPr/>
+                    <a:lstStyle/>
+                    <a:p>
+                      <a:pPr algn="ctr" latinLnBrk="1"/>
+                      <a:endParaRPr lang="ko-KR" altLang="en-US" sz="1500" dirty="0">
+                        <a:latin typeface="+mj-ea"/>
+                        <a:ea typeface="+mj-ea"/>
+                      </a:endParaRPr>
+                    </a:p>
+                  </a:txBody>
+                  <a:tcPr marL="121920" marR="121920" marT="60960" marB="60960" anchor="ctr"/>
+                </a:tc>
+                <a:extLst>
+                  <a:ext uri="{0D108BD9-81ED-4DB2-BD59-A6C34878D82A}">
+                    <a16:rowId xmlns:a16="http://schemas.microsoft.com/office/drawing/2014/main" val="10001"/>
+                  </a:ext>
+                </a:extLst>
+              </a:tr>
+            </a:tbl>
+          </a:graphicData>
+        </a:graphic>
+      </p:graphicFrame>
+      <p:sp>
+        <p:nvSpPr>
+          <p:cNvPr id="19" name="직사각형 18"/>
+          <p:cNvSpPr/>
+          <p:nvPr/>
+        </p:nvSpPr>
+        <p:spPr>
+          <a:xfrm>
+            <a:off x="1081171" y="1433634"/>
+            <a:ext cx="7895148" cy="4875687"/>
+          </a:xfrm>
+          <a:prstGeom prst="rect">
+            <a:avLst/>
+          </a:prstGeom>
+          <a:noFill/>
+          <a:ln w="9525">
+            <a:solidFill>
+              <a:schemeClr val="tx1"/>
+            </a:solidFill>
+          </a:ln>
+        </p:spPr>
+        <p:style>
+          <a:lnRef idx="2">
+            <a:schemeClr val="accent1">
+              <a:shade val="50000"/>
+            </a:schemeClr>
+          </a:lnRef>
+          <a:fillRef idx="1">
+            <a:schemeClr val="accent1"/>
+          </a:fillRef>
+          <a:effectRef idx="0">
+            <a:schemeClr val="accent1"/>
+          </a:effectRef>
+          <a:fontRef idx="minor">
+            <a:schemeClr val="lt1"/>
+          </a:fontRef>
+        </p:style>
+        <p:txBody>
+          <a:bodyPr rtlCol="0" anchor="ctr"/>
+          <a:lstStyle/>
+          <a:p>
+            <a:pPr algn="ctr"/>
+            <a:endParaRPr lang="ko-KR" altLang="en-US" sz="2400">
+              <a:noFill/>
+            </a:endParaRPr>
+          </a:p>
+        </p:txBody>
+      </p:sp>
+      <p:graphicFrame>
+        <p:nvGraphicFramePr>
+          <p:cNvPr id="6" name="표 5"/>
+          <p:cNvGraphicFramePr>
+            <a:graphicFrameLocks noGrp="1"/>
+          </p:cNvGraphicFramePr>
+          <p:nvPr>
+            <p:extLst>
+              <p:ext uri="{D42A27DB-BD31-4B8C-83A1-F6EECF244321}">
+                <p14:modId xmlns:p14="http://schemas.microsoft.com/office/powerpoint/2010/main" val="171815181"/>
+              </p:ext>
+            </p:extLst>
+          </p:nvPr>
+        </p:nvGraphicFramePr>
+        <p:xfrm>
+          <a:off x="9168341" y="2479152"/>
+          <a:ext cx="2688299" cy="3570331"/>
+        </p:xfrm>
+        <a:graphic>
+          <a:graphicData uri="http://schemas.openxmlformats.org/drawingml/2006/table">
+            <a:tbl>
+              <a:tblPr firstRow="1" bandRow="1"/>
+              <a:tblGrid>
+                <a:gridCol w="280507">
+                  <a:extLst>
+                    <a:ext uri="{9D8B030D-6E8A-4147-A177-3AD203B41FA5}">
+                      <a16:colId xmlns:a16="http://schemas.microsoft.com/office/drawing/2014/main" val="20000"/>
+                    </a:ext>
+                  </a:extLst>
+                </a:gridCol>
+                <a:gridCol w="2407792">
+                  <a:extLst>
+                    <a:ext uri="{9D8B030D-6E8A-4147-A177-3AD203B41FA5}">
+                      <a16:colId xmlns:a16="http://schemas.microsoft.com/office/drawing/2014/main" val="20001"/>
+                    </a:ext>
+                  </a:extLst>
+                </a:gridCol>
+              </a:tblGrid>
+              <a:tr h="469796">
+                <a:tc>
+                  <a:txBody>
+                    <a:bodyPr/>
+                    <a:lstStyle/>
+                    <a:p>
+                      <a:pPr algn="ctr" latinLnBrk="1"/>
+                      <a:r>
+                        <a:rPr lang="en-US" altLang="ko-KR" sz="1200" b="1" dirty="0">
+                          <a:latin typeface="+mj-ea"/>
+                          <a:ea typeface="+mj-ea"/>
+                        </a:rPr>
+                        <a:t>#</a:t>
+                      </a:r>
+                      <a:endParaRPr lang="ko-KR" altLang="en-US" sz="1200" b="1" dirty="0">
+                        <a:latin typeface="+mj-ea"/>
+                        <a:ea typeface="+mj-ea"/>
+                      </a:endParaRPr>
+                    </a:p>
+                  </a:txBody>
+                  <a:tcPr marL="121920" marR="121920" marT="60960" marB="60960" anchor="ctr">
+                    <a:solidFill>
+                      <a:srgbClr val="FF9E00"/>
+                    </a:solidFill>
+                  </a:tcPr>
+                </a:tc>
+                <a:tc>
+                  <a:txBody>
+                    <a:bodyPr/>
+                    <a:lstStyle/>
+                    <a:p>
+                      <a:pPr algn="ctr" latinLnBrk="1"/>
+                      <a:r>
+                        <a:rPr lang="ko-KR" altLang="en-US" sz="1200" b="1" dirty="0">
+                          <a:latin typeface="+mj-ea"/>
+                          <a:ea typeface="+mj-ea"/>
+                        </a:rPr>
+                        <a:t>기능</a:t>
+                      </a:r>
+                    </a:p>
+                  </a:txBody>
+                  <a:tcPr marL="121920" marR="121920" marT="60960" marB="60960" anchor="ctr">
+                    <a:solidFill>
+                      <a:srgbClr val="FF9E00"/>
+                    </a:solidFill>
+                  </a:tcPr>
+                </a:tc>
+                <a:extLst>
+                  <a:ext uri="{0D108BD9-81ED-4DB2-BD59-A6C34878D82A}">
+                    <a16:rowId xmlns:a16="http://schemas.microsoft.com/office/drawing/2014/main" val="10000"/>
+                  </a:ext>
+                </a:extLst>
+              </a:tr>
+              <a:tr h="620107">
+                <a:tc>
+                  <a:txBody>
+                    <a:bodyPr/>
+                    <a:lstStyle/>
+                    <a:p>
+                      <a:pPr algn="ctr" latinLnBrk="1"/>
+                      <a:r>
+                        <a:rPr lang="en-US" altLang="ko-KR" sz="1300" dirty="0">
+                          <a:latin typeface="+mj-ea"/>
+                          <a:ea typeface="+mj-ea"/>
+                        </a:rPr>
+                        <a:t>1</a:t>
+                      </a:r>
+                      <a:endParaRPr lang="ko-KR" altLang="en-US" sz="1300" dirty="0">
+                        <a:latin typeface="+mj-ea"/>
+                        <a:ea typeface="+mj-ea"/>
+                      </a:endParaRPr>
+                    </a:p>
+                  </a:txBody>
+                  <a:tcPr marL="121920" marR="121920" marT="60960" marB="60960" anchor="ctr"/>
+                </a:tc>
+                <a:tc>
+                  <a:txBody>
+                    <a:bodyPr/>
+                    <a:lstStyle/>
+                    <a:p>
+                      <a:pPr algn="l" latinLnBrk="1">
+                        <a:lnSpc>
+                          <a:spcPts val="1300"/>
+                        </a:lnSpc>
+                      </a:pPr>
+                      <a:r>
+                        <a:rPr lang="ko-KR" altLang="en-US" sz="1200" b="1" dirty="0">
+                          <a:latin typeface="+mj-ea"/>
+                          <a:ea typeface="+mj-ea"/>
+                        </a:rPr>
+                        <a:t>회원가입 폼</a:t>
+                      </a:r>
+                      <a:endParaRPr lang="en-US" altLang="ko-KR" sz="1200" b="1" dirty="0">
+                        <a:latin typeface="+mj-ea"/>
+                        <a:ea typeface="+mj-ea"/>
+                      </a:endParaRPr>
+                    </a:p>
+                    <a:p>
+                      <a:pPr algn="l" latinLnBrk="1">
+                        <a:lnSpc>
+                          <a:spcPts val="1300"/>
+                        </a:lnSpc>
+                      </a:pPr>
+                      <a:r>
+                        <a:rPr lang="en-US" altLang="ko-KR" sz="1200" b="0" i="0" u="none" strike="noStrike" cap="none" dirty="0">
+                          <a:solidFill>
+                            <a:srgbClr val="000000"/>
+                          </a:solidFill>
+                          <a:latin typeface="+mj-ea"/>
+                          <a:ea typeface="Arial"/>
+                          <a:cs typeface="Arial"/>
+                          <a:sym typeface="Arial"/>
+                        </a:rPr>
+                        <a:t>- </a:t>
+                      </a:r>
+                      <a:r>
+                        <a:rPr lang="ko-KR" altLang="en-US" sz="1200" b="0" i="0" u="none" strike="noStrike" cap="none" dirty="0">
+                          <a:solidFill>
+                            <a:srgbClr val="000000"/>
+                          </a:solidFill>
+                          <a:latin typeface="+mj-ea"/>
+                          <a:ea typeface="Arial"/>
+                          <a:cs typeface="Arial"/>
+                          <a:sym typeface="Arial"/>
+                        </a:rPr>
+                        <a:t>이메일</a:t>
+                      </a:r>
+                      <a:r>
+                        <a:rPr lang="en-US" altLang="ko-KR" sz="1200" b="0" i="0" u="none" strike="noStrike" cap="none" dirty="0">
                           <a:solidFill>
                             <a:srgbClr val="000000"/>
                           </a:solidFill>
@@ -4811,7 +6712,7 @@
                         <a:t>, </a:t>
                       </a:r>
                       <a:r>
-                        <a:rPr lang="ko-KR" altLang="en-US" sz="1200" b="0" i="0" u="none" strike="noStrike" cap="none" baseline="0" dirty="0" smtClean="0">
+                        <a:rPr lang="ko-KR" altLang="en-US" sz="1200" b="0" i="0" u="none" strike="noStrike" cap="none" dirty="0">
                           <a:solidFill>
                             <a:srgbClr val="000000"/>
                           </a:solidFill>
@@ -4820,9 +6721,115 @@
                           <a:cs typeface="Arial"/>
                           <a:sym typeface="Arial"/>
                         </a:rPr>
-                        <a:t>카테고리 표시</a:t>
+                        <a:t>이름</a:t>
                       </a:r>
-                      <a:endParaRPr lang="ko-KR" altLang="en-US" sz="1200" b="0" i="0" u="none" strike="noStrike" cap="none" dirty="0" smtClean="0">
+                      <a:r>
+                        <a:rPr lang="en-US" altLang="ko-KR" sz="1200" b="0" i="0" u="none" strike="noStrike" cap="none" dirty="0">
+                          <a:solidFill>
+                            <a:srgbClr val="000000"/>
+                          </a:solidFill>
+                          <a:latin typeface="+mj-ea"/>
+                          <a:ea typeface="Arial"/>
+                          <a:cs typeface="Arial"/>
+                          <a:sym typeface="Arial"/>
+                        </a:rPr>
+                        <a:t>, </a:t>
+                      </a:r>
+                      <a:r>
+                        <a:rPr lang="ko-KR" altLang="en-US" sz="1200" b="0" i="0" u="none" strike="noStrike" cap="none" dirty="0">
+                          <a:solidFill>
+                            <a:srgbClr val="000000"/>
+                          </a:solidFill>
+                          <a:latin typeface="+mj-ea"/>
+                          <a:ea typeface="Arial"/>
+                          <a:cs typeface="Arial"/>
+                          <a:sym typeface="Arial"/>
+                        </a:rPr>
+                        <a:t>비밀번호</a:t>
+                      </a:r>
+                      <a:r>
+                        <a:rPr lang="en-US" altLang="ko-KR" sz="1200" b="0" i="0" u="none" strike="noStrike" cap="none" dirty="0">
+                          <a:solidFill>
+                            <a:srgbClr val="000000"/>
+                          </a:solidFill>
+                          <a:latin typeface="+mj-ea"/>
+                          <a:ea typeface="Arial"/>
+                          <a:cs typeface="Arial"/>
+                          <a:sym typeface="Arial"/>
+                        </a:rPr>
+                        <a:t>, </a:t>
+                      </a:r>
+                      <a:r>
+                        <a:rPr lang="ko-KR" altLang="en-US" sz="1200" b="0" i="0" u="none" strike="noStrike" cap="none" dirty="0">
+                          <a:solidFill>
+                            <a:srgbClr val="000000"/>
+                          </a:solidFill>
+                          <a:latin typeface="+mj-ea"/>
+                          <a:ea typeface="Arial"/>
+                          <a:cs typeface="Arial"/>
+                          <a:sym typeface="Arial"/>
+                        </a:rPr>
+                        <a:t>관심 카테고리를 입력하여 회원 가입</a:t>
+                      </a:r>
+                      <a:r>
+                        <a:rPr lang="en-US" altLang="ko-KR" sz="1200" b="0" i="0" u="none" strike="noStrike" cap="none" dirty="0">
+                          <a:solidFill>
+                            <a:srgbClr val="000000"/>
+                          </a:solidFill>
+                          <a:latin typeface="+mj-ea"/>
+                          <a:ea typeface="Arial"/>
+                          <a:cs typeface="Arial"/>
+                          <a:sym typeface="Arial"/>
+                        </a:rPr>
+                        <a:t>.</a:t>
+                      </a:r>
+                      <a:endParaRPr lang="ko-KR" altLang="en-US" sz="1200" dirty="0">
+                        <a:latin typeface="+mj-ea"/>
+                        <a:ea typeface="+mj-ea"/>
+                      </a:endParaRPr>
+                    </a:p>
+                  </a:txBody>
+                  <a:tcPr marL="121920" marR="121920" marT="60960" marB="60960"/>
+                </a:tc>
+                <a:extLst>
+                  <a:ext uri="{0D108BD9-81ED-4DB2-BD59-A6C34878D82A}">
+                    <a16:rowId xmlns:a16="http://schemas.microsoft.com/office/drawing/2014/main" val="10001"/>
+                  </a:ext>
+                </a:extLst>
+              </a:tr>
+              <a:tr h="620107">
+                <a:tc>
+                  <a:txBody>
+                    <a:bodyPr/>
+                    <a:lstStyle/>
+                    <a:p>
+                      <a:pPr algn="ctr" latinLnBrk="1"/>
+                      <a:r>
+                        <a:rPr lang="en-US" altLang="ko-KR" sz="1300" dirty="0">
+                          <a:latin typeface="+mj-ea"/>
+                          <a:ea typeface="+mj-ea"/>
+                        </a:rPr>
+                        <a:t>2</a:t>
+                      </a:r>
+                      <a:endParaRPr lang="ko-KR" altLang="en-US" sz="1300" dirty="0">
+                        <a:latin typeface="+mj-ea"/>
+                        <a:ea typeface="+mj-ea"/>
+                      </a:endParaRPr>
+                    </a:p>
+                  </a:txBody>
+                  <a:tcPr marL="121920" marR="121920" marT="60960" marB="60960" anchor="ctr"/>
+                </a:tc>
+                <a:tc>
+                  <a:txBody>
+                    <a:bodyPr/>
+                    <a:lstStyle/>
+                    <a:p>
+                      <a:pPr algn="l" latinLnBrk="1">
+                        <a:lnSpc>
+                          <a:spcPts val="1300"/>
+                        </a:lnSpc>
+                      </a:pPr>
+                      <a:endParaRPr lang="ko-KR" altLang="en-US" sz="1200" b="0" i="0" u="none" strike="noStrike" cap="none" dirty="0">
                         <a:solidFill>
                           <a:srgbClr val="000000"/>
                         </a:solidFill>
@@ -4835,6 +6842,11 @@
                   </a:txBody>
                   <a:tcPr marL="121920" marR="121920" marT="60960" marB="60960"/>
                 </a:tc>
+                <a:extLst>
+                  <a:ext uri="{0D108BD9-81ED-4DB2-BD59-A6C34878D82A}">
+                    <a16:rowId xmlns:a16="http://schemas.microsoft.com/office/drawing/2014/main" val="10002"/>
+                  </a:ext>
+                </a:extLst>
               </a:tr>
               <a:tr h="620107">
                 <a:tc>
@@ -4844,7 +6856,7 @@
                     <a:p>
                       <a:pPr algn="ctr" latinLnBrk="1"/>
                       <a:r>
-                        <a:rPr lang="en-US" altLang="ko-KR" sz="1300" dirty="0" smtClean="0">
+                        <a:rPr lang="en-US" altLang="ko-KR" sz="1300" dirty="0">
                           <a:latin typeface="+mj-ea"/>
                           <a:ea typeface="+mj-ea"/>
                         </a:rPr>
@@ -4876,6 +6888,11 @@
                   </a:txBody>
                   <a:tcPr marL="121920" marR="121920" marT="60960" marB="60960"/>
                 </a:tc>
+                <a:extLst>
+                  <a:ext uri="{0D108BD9-81ED-4DB2-BD59-A6C34878D82A}">
+                    <a16:rowId xmlns:a16="http://schemas.microsoft.com/office/drawing/2014/main" val="10003"/>
+                  </a:ext>
+                </a:extLst>
               </a:tr>
               <a:tr h="620107">
                 <a:tc>
@@ -4885,7 +6902,7 @@
                     <a:p>
                       <a:pPr algn="ctr" latinLnBrk="1"/>
                       <a:r>
-                        <a:rPr lang="en-US" altLang="ko-KR" sz="1300" dirty="0" smtClean="0">
+                        <a:rPr lang="en-US" altLang="ko-KR" sz="1300" dirty="0">
                           <a:latin typeface="+mj-ea"/>
                           <a:ea typeface="+mj-ea"/>
                         </a:rPr>
@@ -4917,6 +6934,11 @@
                   </a:txBody>
                   <a:tcPr marL="121920" marR="121920" marT="60960" marB="60960"/>
                 </a:tc>
+                <a:extLst>
+                  <a:ext uri="{0D108BD9-81ED-4DB2-BD59-A6C34878D82A}">
+                    <a16:rowId xmlns:a16="http://schemas.microsoft.com/office/drawing/2014/main" val="10004"/>
+                  </a:ext>
+                </a:extLst>
               </a:tr>
               <a:tr h="620107">
                 <a:tc>
@@ -4926,7 +6948,7 @@
                     <a:p>
                       <a:pPr algn="ctr" latinLnBrk="1"/>
                       <a:r>
-                        <a:rPr lang="en-US" altLang="ko-KR" sz="1300" dirty="0" smtClean="0">
+                        <a:rPr lang="en-US" altLang="ko-KR" sz="1300" dirty="0">
                           <a:latin typeface="+mj-ea"/>
                           <a:ea typeface="+mj-ea"/>
                         </a:rPr>
@@ -4958,28 +6980,2442 @@
                   </a:txBody>
                   <a:tcPr marL="121920" marR="121920" marT="60960" marB="60960"/>
                 </a:tc>
+                <a:extLst>
+                  <a:ext uri="{0D108BD9-81ED-4DB2-BD59-A6C34878D82A}">
+                    <a16:rowId xmlns:a16="http://schemas.microsoft.com/office/drawing/2014/main" val="10005"/>
+                  </a:ext>
+                </a:extLst>
               </a:tr>
             </a:tbl>
           </a:graphicData>
         </a:graphic>
       </p:graphicFrame>
+      <p:sp>
+        <p:nvSpPr>
+          <p:cNvPr id="3" name="직사각형 2">
+            <a:extLst>
+              <a:ext uri="{FF2B5EF4-FFF2-40B4-BE49-F238E27FC236}">
+                <a16:creationId xmlns:a16="http://schemas.microsoft.com/office/drawing/2014/main" id="{7C9E9366-B86C-4147-AAEA-0E8C98D7DA95}"/>
+              </a:ext>
+            </a:extLst>
+          </p:cNvPr>
+          <p:cNvSpPr/>
+          <p:nvPr/>
+        </p:nvSpPr>
+        <p:spPr>
+          <a:xfrm>
+            <a:off x="1497106" y="1649506"/>
+            <a:ext cx="6831106" cy="4399977"/>
+          </a:xfrm>
+          <a:prstGeom prst="rect">
+            <a:avLst/>
+          </a:prstGeom>
+          <a:noFill/>
+          <a:ln>
+            <a:solidFill>
+              <a:schemeClr val="tx1"/>
+            </a:solidFill>
+          </a:ln>
+        </p:spPr>
+        <p:style>
+          <a:lnRef idx="2">
+            <a:schemeClr val="accent1">
+              <a:shade val="50000"/>
+            </a:schemeClr>
+          </a:lnRef>
+          <a:fillRef idx="1">
+            <a:schemeClr val="accent1"/>
+          </a:fillRef>
+          <a:effectRef idx="0">
+            <a:schemeClr val="accent1"/>
+          </a:effectRef>
+          <a:fontRef idx="minor">
+            <a:schemeClr val="lt1"/>
+          </a:fontRef>
+        </p:style>
+        <p:txBody>
+          <a:bodyPr rtlCol="0" anchor="ctr"/>
+          <a:lstStyle/>
+          <a:p>
+            <a:pPr algn="ctr"/>
+            <a:endParaRPr lang="ko-KR" altLang="en-US"/>
+          </a:p>
+        </p:txBody>
+      </p:sp>
+      <p:sp>
+        <p:nvSpPr>
+          <p:cNvPr id="7" name="직사각형 6">
+            <a:extLst>
+              <a:ext uri="{FF2B5EF4-FFF2-40B4-BE49-F238E27FC236}">
+                <a16:creationId xmlns:a16="http://schemas.microsoft.com/office/drawing/2014/main" id="{DA06AE45-F21F-4390-88D7-43E648964D4B}"/>
+              </a:ext>
+            </a:extLst>
+          </p:cNvPr>
+          <p:cNvSpPr/>
+          <p:nvPr/>
+        </p:nvSpPr>
+        <p:spPr>
+          <a:xfrm>
+            <a:off x="1695118" y="1749982"/>
+            <a:ext cx="6408976" cy="4166724"/>
+          </a:xfrm>
+          <a:prstGeom prst="rect">
+            <a:avLst/>
+          </a:prstGeom>
+          <a:noFill/>
+          <a:ln>
+            <a:solidFill>
+              <a:schemeClr val="tx1"/>
+            </a:solidFill>
+          </a:ln>
+        </p:spPr>
+        <p:style>
+          <a:lnRef idx="2">
+            <a:schemeClr val="accent1">
+              <a:shade val="50000"/>
+            </a:schemeClr>
+          </a:lnRef>
+          <a:fillRef idx="1">
+            <a:schemeClr val="accent1"/>
+          </a:fillRef>
+          <a:effectRef idx="0">
+            <a:schemeClr val="accent1"/>
+          </a:effectRef>
+          <a:fontRef idx="minor">
+            <a:schemeClr val="lt1"/>
+          </a:fontRef>
+        </p:style>
+        <p:txBody>
+          <a:bodyPr rtlCol="0" anchor="ctr"/>
+          <a:lstStyle/>
+          <a:p>
+            <a:pPr marL="342900" indent="-342900" algn="ctr">
+              <a:buAutoNum type="arabicPeriod"/>
+            </a:pPr>
+            <a:r>
+              <a:rPr lang="ko-KR" altLang="en-US" dirty="0">
+                <a:solidFill>
+                  <a:schemeClr val="tx1"/>
+                </a:solidFill>
+              </a:rPr>
+              <a:t>회원가입 폼</a:t>
+            </a:r>
+            <a:endParaRPr lang="en-US" altLang="ko-KR" dirty="0">
+              <a:solidFill>
+                <a:schemeClr val="tx1"/>
+              </a:solidFill>
+            </a:endParaRPr>
+          </a:p>
+          <a:p>
+            <a:pPr marL="342900" indent="-342900" algn="ctr">
+              <a:buAutoNum type="arabicPeriod"/>
+            </a:pPr>
+            <a:endParaRPr lang="en-US" altLang="ko-KR" dirty="0">
+              <a:solidFill>
+                <a:schemeClr val="tx1"/>
+              </a:solidFill>
+            </a:endParaRPr>
+          </a:p>
+          <a:p>
+            <a:r>
+              <a:rPr lang="ko-KR" altLang="en-US" dirty="0">
+                <a:solidFill>
+                  <a:schemeClr val="tx1"/>
+                </a:solidFill>
+              </a:rPr>
+              <a:t>이메일 입력 </a:t>
+            </a:r>
+            <a:r>
+              <a:rPr lang="en-US" altLang="ko-KR" dirty="0">
+                <a:solidFill>
+                  <a:schemeClr val="tx1"/>
+                </a:solidFill>
+              </a:rPr>
+              <a:t>[                        ]</a:t>
+            </a:r>
+          </a:p>
+          <a:p>
+            <a:pPr marL="342900" indent="-342900">
+              <a:buAutoNum type="arabicPeriod"/>
+            </a:pPr>
+            <a:endParaRPr lang="en-US" altLang="ko-KR" dirty="0">
+              <a:solidFill>
+                <a:schemeClr val="tx1"/>
+              </a:solidFill>
+            </a:endParaRPr>
+          </a:p>
+          <a:p>
+            <a:r>
+              <a:rPr lang="ko-KR" altLang="en-US" dirty="0">
+                <a:solidFill>
+                  <a:schemeClr val="tx1"/>
+                </a:solidFill>
+              </a:rPr>
+              <a:t>이름 입력 </a:t>
+            </a:r>
+            <a:r>
+              <a:rPr lang="en-US" altLang="ko-KR" dirty="0">
+                <a:solidFill>
+                  <a:schemeClr val="tx1"/>
+                </a:solidFill>
+              </a:rPr>
+              <a:t>[               ]</a:t>
+            </a:r>
+          </a:p>
+          <a:p>
+            <a:pPr algn="ctr"/>
+            <a:endParaRPr lang="en-US" altLang="ko-KR" dirty="0">
+              <a:solidFill>
+                <a:schemeClr val="tx1"/>
+              </a:solidFill>
+            </a:endParaRPr>
+          </a:p>
+          <a:p>
+            <a:r>
+              <a:rPr lang="ko-KR" altLang="en-US" dirty="0">
+                <a:solidFill>
+                  <a:schemeClr val="tx1"/>
+                </a:solidFill>
+              </a:rPr>
+              <a:t>비밀번호 입력 </a:t>
+            </a:r>
+            <a:r>
+              <a:rPr lang="en-US" altLang="ko-KR" dirty="0">
+                <a:solidFill>
+                  <a:schemeClr val="tx1"/>
+                </a:solidFill>
+              </a:rPr>
+              <a:t>[                  ]</a:t>
+            </a:r>
+          </a:p>
+          <a:p>
+            <a:endParaRPr lang="en-US" altLang="ko-KR" dirty="0">
+              <a:solidFill>
+                <a:schemeClr val="tx1"/>
+              </a:solidFill>
+            </a:endParaRPr>
+          </a:p>
+          <a:p>
+            <a:r>
+              <a:rPr lang="ko-KR" altLang="en-US" dirty="0">
+                <a:solidFill>
+                  <a:schemeClr val="tx1"/>
+                </a:solidFill>
+              </a:rPr>
+              <a:t>비밀번호 확인 </a:t>
+            </a:r>
+            <a:r>
+              <a:rPr lang="en-US" altLang="ko-KR" dirty="0">
+                <a:solidFill>
+                  <a:schemeClr val="tx1"/>
+                </a:solidFill>
+              </a:rPr>
+              <a:t>[		    ]</a:t>
+            </a:r>
+          </a:p>
+          <a:p>
+            <a:pPr marL="342900" indent="-342900" algn="ctr">
+              <a:buAutoNum type="arabicPeriod"/>
+            </a:pPr>
+            <a:endParaRPr lang="en-US" altLang="ko-KR" dirty="0">
+              <a:solidFill>
+                <a:schemeClr val="tx1"/>
+              </a:solidFill>
+            </a:endParaRPr>
+          </a:p>
+          <a:p>
+            <a:r>
+              <a:rPr lang="ko-KR" altLang="en-US" dirty="0">
+                <a:solidFill>
+                  <a:schemeClr val="tx1"/>
+                </a:solidFill>
+              </a:rPr>
+              <a:t>관심 카테고리 설정 </a:t>
+            </a:r>
+            <a:r>
+              <a:rPr lang="en-US" altLang="ko-KR" dirty="0">
+                <a:solidFill>
+                  <a:schemeClr val="tx1"/>
+                </a:solidFill>
+              </a:rPr>
+              <a:t>[               ]</a:t>
+            </a:r>
+          </a:p>
+          <a:p>
+            <a:pPr marL="342900" indent="-342900" algn="ctr">
+              <a:buAutoNum type="arabicPeriod"/>
+            </a:pPr>
+            <a:endParaRPr lang="en-US" altLang="ko-KR" dirty="0">
+              <a:solidFill>
+                <a:schemeClr val="tx1"/>
+              </a:solidFill>
+            </a:endParaRPr>
+          </a:p>
+          <a:p>
+            <a:pPr marL="342900" indent="-342900" algn="ctr">
+              <a:buAutoNum type="arabicPeriod"/>
+            </a:pPr>
+            <a:endParaRPr lang="en-US" altLang="ko-KR" dirty="0">
+              <a:solidFill>
+                <a:schemeClr val="tx1"/>
+              </a:solidFill>
+            </a:endParaRPr>
+          </a:p>
+          <a:p>
+            <a:pPr marL="342900" indent="-342900" algn="ctr">
+              <a:buAutoNum type="arabicPeriod"/>
+            </a:pPr>
+            <a:endParaRPr lang="en-US" altLang="ko-KR" dirty="0">
+              <a:solidFill>
+                <a:schemeClr val="tx1"/>
+              </a:solidFill>
+            </a:endParaRPr>
+          </a:p>
+          <a:p>
+            <a:pPr algn="ctr"/>
+            <a:r>
+              <a:rPr lang="en-US" altLang="ko-KR" dirty="0">
+                <a:solidFill>
+                  <a:schemeClr val="tx1"/>
+                </a:solidFill>
+              </a:rPr>
+              <a:t>[</a:t>
+            </a:r>
+            <a:r>
+              <a:rPr lang="ko-KR" altLang="en-US" dirty="0">
+                <a:solidFill>
+                  <a:schemeClr val="tx1"/>
+                </a:solidFill>
+              </a:rPr>
+              <a:t>회원 가입</a:t>
+            </a:r>
+            <a:r>
+              <a:rPr lang="en-US" altLang="ko-KR" dirty="0">
+                <a:solidFill>
+                  <a:schemeClr val="tx1"/>
+                </a:solidFill>
+              </a:rPr>
+              <a:t>]</a:t>
+            </a:r>
+            <a:endParaRPr lang="ko-KR" altLang="en-US" dirty="0">
+              <a:solidFill>
+                <a:schemeClr val="tx1"/>
+              </a:solidFill>
+            </a:endParaRPr>
+          </a:p>
+        </p:txBody>
+      </p:sp>
     </p:spTree>
     <p:extLst>
       <p:ext uri="{BB962C8B-B14F-4D97-AF65-F5344CB8AC3E}">
-        <p14:creationId xmlns:p14="http://schemas.microsoft.com/office/powerpoint/2010/main" val="1777142894"/>
+        <p14:creationId xmlns:p14="http://schemas.microsoft.com/office/powerpoint/2010/main" val="4176130689"/>
       </p:ext>
     </p:extLst>
   </p:cSld>
   <p:clrMapOvr>
     <a:masterClrMapping/>
   </p:clrMapOvr>
-  <p:timing>
-    <p:tnLst>
-      <p:par>
-        <p:cTn id="1" dur="indefinite" restart="never" nodeType="tmRoot"/>
-      </p:par>
-    </p:tnLst>
-  </p:timing>
+</p:sld>
+</file>
+
+<file path=ppt/slides/slide4.xml><?xml version="1.0" encoding="utf-8"?>
+<p:sld xmlns:a="http://schemas.openxmlformats.org/drawingml/2006/main" xmlns:r="http://schemas.openxmlformats.org/officeDocument/2006/relationships" xmlns:p="http://schemas.openxmlformats.org/presentationml/2006/main">
+  <p:cSld>
+    <p:spTree>
+      <p:nvGrpSpPr>
+        <p:cNvPr id="1" name=""/>
+        <p:cNvGrpSpPr/>
+        <p:nvPr/>
+      </p:nvGrpSpPr>
+      <p:grpSpPr>
+        <a:xfrm>
+          <a:off x="0" y="0"/>
+          <a:ext cx="0" cy="0"/>
+          <a:chOff x="0" y="0"/>
+          <a:chExt cx="0" cy="0"/>
+        </a:xfrm>
+      </p:grpSpPr>
+      <p:sp>
+        <p:nvSpPr>
+          <p:cNvPr id="18" name="직사각형 17"/>
+          <p:cNvSpPr/>
+          <p:nvPr/>
+        </p:nvSpPr>
+        <p:spPr>
+          <a:xfrm rot="21409477">
+            <a:off x="832974" y="128931"/>
+            <a:ext cx="9282799" cy="6218171"/>
+          </a:xfrm>
+          <a:prstGeom prst="rect">
+            <a:avLst/>
+          </a:prstGeom>
+          <a:solidFill>
+            <a:schemeClr val="bg1">
+              <a:lumMod val="95000"/>
+            </a:schemeClr>
+          </a:solidFill>
+          <a:ln>
+            <a:noFill/>
+          </a:ln>
+        </p:spPr>
+        <p:style>
+          <a:lnRef idx="2">
+            <a:schemeClr val="accent1">
+              <a:shade val="50000"/>
+            </a:schemeClr>
+          </a:lnRef>
+          <a:fillRef idx="1">
+            <a:schemeClr val="accent1"/>
+          </a:fillRef>
+          <a:effectRef idx="0">
+            <a:schemeClr val="accent1"/>
+          </a:effectRef>
+          <a:fontRef idx="minor">
+            <a:schemeClr val="lt1"/>
+          </a:fontRef>
+        </p:style>
+        <p:txBody>
+          <a:bodyPr lIns="91440" tIns="45720" rIns="91440" bIns="45720" rtlCol="0" anchor="ctr"/>
+          <a:lstStyle/>
+          <a:p>
+            <a:pPr algn="ctr"/>
+            <a:endParaRPr lang="ko-KR" altLang="en-US" sz="2400"/>
+          </a:p>
+        </p:txBody>
+      </p:sp>
+      <p:sp>
+        <p:nvSpPr>
+          <p:cNvPr id="5" name="직사각형 4"/>
+          <p:cNvSpPr/>
+          <p:nvPr/>
+        </p:nvSpPr>
+        <p:spPr>
+          <a:xfrm>
+            <a:off x="526742" y="260649"/>
+            <a:ext cx="11425909" cy="6392929"/>
+          </a:xfrm>
+          <a:prstGeom prst="rect">
+            <a:avLst/>
+          </a:prstGeom>
+          <a:gradFill flip="none" rotWithShape="1">
+            <a:gsLst>
+              <a:gs pos="100000">
+                <a:schemeClr val="bg1">
+                  <a:shade val="67500"/>
+                  <a:satMod val="115000"/>
+                </a:schemeClr>
+              </a:gs>
+              <a:gs pos="64000">
+                <a:schemeClr val="bg1">
+                  <a:shade val="100000"/>
+                  <a:satMod val="115000"/>
+                </a:schemeClr>
+              </a:gs>
+            </a:gsLst>
+            <a:lin ang="10800000" scaled="1"/>
+            <a:tileRect/>
+          </a:gradFill>
+          <a:ln>
+            <a:noFill/>
+          </a:ln>
+          <a:effectLst>
+            <a:outerShdw blurRad="228600" dist="76200" dir="16200000" rotWithShape="0">
+              <a:prstClr val="black">
+                <a:alpha val="40000"/>
+              </a:prstClr>
+            </a:outerShdw>
+          </a:effectLst>
+        </p:spPr>
+        <p:style>
+          <a:lnRef idx="2">
+            <a:schemeClr val="accent1">
+              <a:shade val="50000"/>
+            </a:schemeClr>
+          </a:lnRef>
+          <a:fillRef idx="1">
+            <a:schemeClr val="accent1"/>
+          </a:fillRef>
+          <a:effectRef idx="0">
+            <a:schemeClr val="accent1"/>
+          </a:effectRef>
+          <a:fontRef idx="minor">
+            <a:schemeClr val="lt1"/>
+          </a:fontRef>
+        </p:style>
+        <p:txBody>
+          <a:bodyPr lIns="91440" tIns="45720" rIns="91440" bIns="45720" rtlCol="0" anchor="ctr"/>
+          <a:lstStyle/>
+          <a:p>
+            <a:pPr algn="ctr"/>
+            <a:endParaRPr lang="ko-KR" altLang="en-US" sz="2400" dirty="0"/>
+          </a:p>
+        </p:txBody>
+      </p:sp>
+      <p:grpSp>
+        <p:nvGrpSpPr>
+          <p:cNvPr id="2" name="그룹 1"/>
+          <p:cNvGrpSpPr/>
+          <p:nvPr/>
+        </p:nvGrpSpPr>
+        <p:grpSpPr>
+          <a:xfrm>
+            <a:off x="143104" y="68627"/>
+            <a:ext cx="768321" cy="6704028"/>
+            <a:chOff x="586490" y="739768"/>
+            <a:chExt cx="1017302" cy="5420168"/>
+          </a:xfrm>
+        </p:grpSpPr>
+        <p:sp>
+          <p:nvSpPr>
+            <p:cNvPr id="39" name="자유형 38"/>
+            <p:cNvSpPr/>
+            <p:nvPr/>
+          </p:nvSpPr>
+          <p:spPr>
+            <a:xfrm rot="10800000">
+              <a:off x="586490" y="1041378"/>
+              <a:ext cx="1017302" cy="4991063"/>
+            </a:xfrm>
+            <a:custGeom>
+              <a:avLst/>
+              <a:gdLst>
+                <a:gd name="connsiteX0" fmla="*/ 194310 w 388620"/>
+                <a:gd name="connsiteY0" fmla="*/ 0 h 2927235"/>
+                <a:gd name="connsiteX1" fmla="*/ 388620 w 388620"/>
+                <a:gd name="connsiteY1" fmla="*/ 194310 h 2927235"/>
+                <a:gd name="connsiteX2" fmla="*/ 388620 w 388620"/>
+                <a:gd name="connsiteY2" fmla="*/ 2927235 h 2927235"/>
+                <a:gd name="connsiteX3" fmla="*/ 379599 w 388620"/>
+                <a:gd name="connsiteY3" fmla="*/ 2898175 h 2927235"/>
+                <a:gd name="connsiteX4" fmla="*/ 194310 w 388620"/>
+                <a:gd name="connsiteY4" fmla="*/ 2775357 h 2927235"/>
+                <a:gd name="connsiteX5" fmla="*/ 9021 w 388620"/>
+                <a:gd name="connsiteY5" fmla="*/ 2898175 h 2927235"/>
+                <a:gd name="connsiteX6" fmla="*/ 0 w 388620"/>
+                <a:gd name="connsiteY6" fmla="*/ 2927235 h 2927235"/>
+                <a:gd name="connsiteX7" fmla="*/ 0 w 388620"/>
+                <a:gd name="connsiteY7" fmla="*/ 194310 h 2927235"/>
+                <a:gd name="connsiteX8" fmla="*/ 194310 w 388620"/>
+                <a:gd name="connsiteY8" fmla="*/ 0 h 2927235"/>
+              </a:gdLst>
+              <a:ahLst/>
+              <a:cxnLst>
+                <a:cxn ang="0">
+                  <a:pos x="connsiteX0" y="connsiteY0"/>
+                </a:cxn>
+                <a:cxn ang="0">
+                  <a:pos x="connsiteX1" y="connsiteY1"/>
+                </a:cxn>
+                <a:cxn ang="0">
+                  <a:pos x="connsiteX2" y="connsiteY2"/>
+                </a:cxn>
+                <a:cxn ang="0">
+                  <a:pos x="connsiteX3" y="connsiteY3"/>
+                </a:cxn>
+                <a:cxn ang="0">
+                  <a:pos x="connsiteX4" y="connsiteY4"/>
+                </a:cxn>
+                <a:cxn ang="0">
+                  <a:pos x="connsiteX5" y="connsiteY5"/>
+                </a:cxn>
+                <a:cxn ang="0">
+                  <a:pos x="connsiteX6" y="connsiteY6"/>
+                </a:cxn>
+                <a:cxn ang="0">
+                  <a:pos x="connsiteX7" y="connsiteY7"/>
+                </a:cxn>
+                <a:cxn ang="0">
+                  <a:pos x="connsiteX8" y="connsiteY8"/>
+                </a:cxn>
+              </a:cxnLst>
+              <a:rect l="l" t="t" r="r" b="b"/>
+              <a:pathLst>
+                <a:path w="388620" h="2927235">
+                  <a:moveTo>
+                    <a:pt x="194310" y="0"/>
+                  </a:moveTo>
+                  <a:cubicBezTo>
+                    <a:pt x="301624" y="0"/>
+                    <a:pt x="388620" y="86996"/>
+                    <a:pt x="388620" y="194310"/>
+                  </a:cubicBezTo>
+                  <a:lnTo>
+                    <a:pt x="388620" y="2927235"/>
+                  </a:lnTo>
+                  <a:lnTo>
+                    <a:pt x="379599" y="2898175"/>
+                  </a:lnTo>
+                  <a:cubicBezTo>
+                    <a:pt x="349072" y="2826000"/>
+                    <a:pt x="277605" y="2775357"/>
+                    <a:pt x="194310" y="2775357"/>
+                  </a:cubicBezTo>
+                  <a:cubicBezTo>
+                    <a:pt x="111015" y="2775357"/>
+                    <a:pt x="39548" y="2826000"/>
+                    <a:pt x="9021" y="2898175"/>
+                  </a:cubicBezTo>
+                  <a:lnTo>
+                    <a:pt x="0" y="2927235"/>
+                  </a:lnTo>
+                  <a:lnTo>
+                    <a:pt x="0" y="194310"/>
+                  </a:lnTo>
+                  <a:cubicBezTo>
+                    <a:pt x="0" y="86996"/>
+                    <a:pt x="86996" y="0"/>
+                    <a:pt x="194310" y="0"/>
+                  </a:cubicBezTo>
+                  <a:close/>
+                </a:path>
+              </a:pathLst>
+            </a:custGeom>
+            <a:gradFill flip="none" rotWithShape="1">
+              <a:gsLst>
+                <a:gs pos="0">
+                  <a:schemeClr val="bg1">
+                    <a:shade val="67500"/>
+                    <a:satMod val="115000"/>
+                  </a:schemeClr>
+                </a:gs>
+                <a:gs pos="100000">
+                  <a:schemeClr val="bg1">
+                    <a:shade val="100000"/>
+                    <a:satMod val="115000"/>
+                  </a:schemeClr>
+                </a:gs>
+              </a:gsLst>
+              <a:lin ang="10800000" scaled="1"/>
+              <a:tileRect/>
+            </a:gradFill>
+            <a:ln>
+              <a:noFill/>
+            </a:ln>
+            <a:effectLst>
+              <a:outerShdw blurRad="88900" dist="139700" dir="5400000" sx="98000" sy="98000" algn="t" rotWithShape="0">
+                <a:prstClr val="black">
+                  <a:alpha val="40000"/>
+                </a:prstClr>
+              </a:outerShdw>
+            </a:effectLst>
+          </p:spPr>
+          <p:style>
+            <a:lnRef idx="2">
+              <a:schemeClr val="accent1">
+                <a:shade val="50000"/>
+              </a:schemeClr>
+            </a:lnRef>
+            <a:fillRef idx="1">
+              <a:schemeClr val="accent1"/>
+            </a:fillRef>
+            <a:effectRef idx="0">
+              <a:schemeClr val="accent1"/>
+            </a:effectRef>
+            <a:fontRef idx="minor">
+              <a:schemeClr val="lt1"/>
+            </a:fontRef>
+          </p:style>
+          <p:txBody>
+            <a:bodyPr rtlCol="0" anchor="ctr"/>
+            <a:lstStyle/>
+            <a:p>
+              <a:pPr algn="ctr"/>
+              <a:endParaRPr lang="ko-KR" altLang="en-US" sz="2400"/>
+            </a:p>
+          </p:txBody>
+        </p:sp>
+        <p:sp>
+          <p:nvSpPr>
+            <p:cNvPr id="40" name="자유형 39"/>
+            <p:cNvSpPr/>
+            <p:nvPr/>
+          </p:nvSpPr>
+          <p:spPr>
+            <a:xfrm rot="10800000">
+              <a:off x="754421" y="2816677"/>
+              <a:ext cx="681439" cy="3343259"/>
+            </a:xfrm>
+            <a:custGeom>
+              <a:avLst/>
+              <a:gdLst>
+                <a:gd name="connsiteX0" fmla="*/ 194310 w 388620"/>
+                <a:gd name="connsiteY0" fmla="*/ 0 h 2927235"/>
+                <a:gd name="connsiteX1" fmla="*/ 388620 w 388620"/>
+                <a:gd name="connsiteY1" fmla="*/ 194310 h 2927235"/>
+                <a:gd name="connsiteX2" fmla="*/ 388620 w 388620"/>
+                <a:gd name="connsiteY2" fmla="*/ 2927235 h 2927235"/>
+                <a:gd name="connsiteX3" fmla="*/ 379599 w 388620"/>
+                <a:gd name="connsiteY3" fmla="*/ 2898175 h 2927235"/>
+                <a:gd name="connsiteX4" fmla="*/ 194310 w 388620"/>
+                <a:gd name="connsiteY4" fmla="*/ 2775357 h 2927235"/>
+                <a:gd name="connsiteX5" fmla="*/ 9021 w 388620"/>
+                <a:gd name="connsiteY5" fmla="*/ 2898175 h 2927235"/>
+                <a:gd name="connsiteX6" fmla="*/ 0 w 388620"/>
+                <a:gd name="connsiteY6" fmla="*/ 2927235 h 2927235"/>
+                <a:gd name="connsiteX7" fmla="*/ 0 w 388620"/>
+                <a:gd name="connsiteY7" fmla="*/ 194310 h 2927235"/>
+                <a:gd name="connsiteX8" fmla="*/ 194310 w 388620"/>
+                <a:gd name="connsiteY8" fmla="*/ 0 h 2927235"/>
+              </a:gdLst>
+              <a:ahLst/>
+              <a:cxnLst>
+                <a:cxn ang="0">
+                  <a:pos x="connsiteX0" y="connsiteY0"/>
+                </a:cxn>
+                <a:cxn ang="0">
+                  <a:pos x="connsiteX1" y="connsiteY1"/>
+                </a:cxn>
+                <a:cxn ang="0">
+                  <a:pos x="connsiteX2" y="connsiteY2"/>
+                </a:cxn>
+                <a:cxn ang="0">
+                  <a:pos x="connsiteX3" y="connsiteY3"/>
+                </a:cxn>
+                <a:cxn ang="0">
+                  <a:pos x="connsiteX4" y="connsiteY4"/>
+                </a:cxn>
+                <a:cxn ang="0">
+                  <a:pos x="connsiteX5" y="connsiteY5"/>
+                </a:cxn>
+                <a:cxn ang="0">
+                  <a:pos x="connsiteX6" y="connsiteY6"/>
+                </a:cxn>
+                <a:cxn ang="0">
+                  <a:pos x="connsiteX7" y="connsiteY7"/>
+                </a:cxn>
+                <a:cxn ang="0">
+                  <a:pos x="connsiteX8" y="connsiteY8"/>
+                </a:cxn>
+              </a:cxnLst>
+              <a:rect l="l" t="t" r="r" b="b"/>
+              <a:pathLst>
+                <a:path w="388620" h="2927235">
+                  <a:moveTo>
+                    <a:pt x="194310" y="0"/>
+                  </a:moveTo>
+                  <a:cubicBezTo>
+                    <a:pt x="301624" y="0"/>
+                    <a:pt x="388620" y="86996"/>
+                    <a:pt x="388620" y="194310"/>
+                  </a:cubicBezTo>
+                  <a:lnTo>
+                    <a:pt x="388620" y="2927235"/>
+                  </a:lnTo>
+                  <a:lnTo>
+                    <a:pt x="379599" y="2898175"/>
+                  </a:lnTo>
+                  <a:cubicBezTo>
+                    <a:pt x="349072" y="2826000"/>
+                    <a:pt x="277605" y="2775357"/>
+                    <a:pt x="194310" y="2775357"/>
+                  </a:cubicBezTo>
+                  <a:cubicBezTo>
+                    <a:pt x="111015" y="2775357"/>
+                    <a:pt x="39548" y="2826000"/>
+                    <a:pt x="9021" y="2898175"/>
+                  </a:cubicBezTo>
+                  <a:lnTo>
+                    <a:pt x="0" y="2927235"/>
+                  </a:lnTo>
+                  <a:lnTo>
+                    <a:pt x="0" y="194310"/>
+                  </a:lnTo>
+                  <a:cubicBezTo>
+                    <a:pt x="0" y="86996"/>
+                    <a:pt x="86996" y="0"/>
+                    <a:pt x="194310" y="0"/>
+                  </a:cubicBezTo>
+                  <a:close/>
+                </a:path>
+              </a:pathLst>
+            </a:custGeom>
+            <a:gradFill flip="none" rotWithShape="1">
+              <a:gsLst>
+                <a:gs pos="0">
+                  <a:schemeClr val="bg1">
+                    <a:shade val="67500"/>
+                    <a:satMod val="115000"/>
+                  </a:schemeClr>
+                </a:gs>
+                <a:gs pos="100000">
+                  <a:schemeClr val="bg1">
+                    <a:shade val="100000"/>
+                    <a:satMod val="115000"/>
+                  </a:schemeClr>
+                </a:gs>
+              </a:gsLst>
+              <a:lin ang="10800000" scaled="1"/>
+              <a:tileRect/>
+            </a:gradFill>
+            <a:ln>
+              <a:noFill/>
+            </a:ln>
+            <a:effectLst>
+              <a:outerShdw blurRad="88900" dist="139700" dir="5400000" sx="98000" sy="98000" algn="t" rotWithShape="0">
+                <a:prstClr val="black">
+                  <a:alpha val="40000"/>
+                </a:prstClr>
+              </a:outerShdw>
+            </a:effectLst>
+          </p:spPr>
+          <p:style>
+            <a:lnRef idx="2">
+              <a:schemeClr val="accent1">
+                <a:shade val="50000"/>
+              </a:schemeClr>
+            </a:lnRef>
+            <a:fillRef idx="1">
+              <a:schemeClr val="accent1"/>
+            </a:fillRef>
+            <a:effectRef idx="0">
+              <a:schemeClr val="accent1"/>
+            </a:effectRef>
+            <a:fontRef idx="minor">
+              <a:schemeClr val="lt1"/>
+            </a:fontRef>
+          </p:style>
+          <p:txBody>
+            <a:bodyPr rtlCol="0" anchor="ctr"/>
+            <a:lstStyle/>
+            <a:p>
+              <a:pPr algn="ctr"/>
+              <a:endParaRPr lang="ko-KR" altLang="en-US" sz="2400"/>
+            </a:p>
+          </p:txBody>
+        </p:sp>
+        <p:sp>
+          <p:nvSpPr>
+            <p:cNvPr id="41" name="자유형 40"/>
+            <p:cNvSpPr/>
+            <p:nvPr/>
+          </p:nvSpPr>
+          <p:spPr>
+            <a:xfrm>
+              <a:off x="754421" y="2614644"/>
+              <a:ext cx="681439" cy="3343259"/>
+            </a:xfrm>
+            <a:custGeom>
+              <a:avLst/>
+              <a:gdLst>
+                <a:gd name="connsiteX0" fmla="*/ 194310 w 388620"/>
+                <a:gd name="connsiteY0" fmla="*/ 0 h 2927235"/>
+                <a:gd name="connsiteX1" fmla="*/ 388620 w 388620"/>
+                <a:gd name="connsiteY1" fmla="*/ 194310 h 2927235"/>
+                <a:gd name="connsiteX2" fmla="*/ 388620 w 388620"/>
+                <a:gd name="connsiteY2" fmla="*/ 2927235 h 2927235"/>
+                <a:gd name="connsiteX3" fmla="*/ 379599 w 388620"/>
+                <a:gd name="connsiteY3" fmla="*/ 2898175 h 2927235"/>
+                <a:gd name="connsiteX4" fmla="*/ 194310 w 388620"/>
+                <a:gd name="connsiteY4" fmla="*/ 2775357 h 2927235"/>
+                <a:gd name="connsiteX5" fmla="*/ 9021 w 388620"/>
+                <a:gd name="connsiteY5" fmla="*/ 2898175 h 2927235"/>
+                <a:gd name="connsiteX6" fmla="*/ 0 w 388620"/>
+                <a:gd name="connsiteY6" fmla="*/ 2927235 h 2927235"/>
+                <a:gd name="connsiteX7" fmla="*/ 0 w 388620"/>
+                <a:gd name="connsiteY7" fmla="*/ 194310 h 2927235"/>
+                <a:gd name="connsiteX8" fmla="*/ 194310 w 388620"/>
+                <a:gd name="connsiteY8" fmla="*/ 0 h 2927235"/>
+              </a:gdLst>
+              <a:ahLst/>
+              <a:cxnLst>
+                <a:cxn ang="0">
+                  <a:pos x="connsiteX0" y="connsiteY0"/>
+                </a:cxn>
+                <a:cxn ang="0">
+                  <a:pos x="connsiteX1" y="connsiteY1"/>
+                </a:cxn>
+                <a:cxn ang="0">
+                  <a:pos x="connsiteX2" y="connsiteY2"/>
+                </a:cxn>
+                <a:cxn ang="0">
+                  <a:pos x="connsiteX3" y="connsiteY3"/>
+                </a:cxn>
+                <a:cxn ang="0">
+                  <a:pos x="connsiteX4" y="connsiteY4"/>
+                </a:cxn>
+                <a:cxn ang="0">
+                  <a:pos x="connsiteX5" y="connsiteY5"/>
+                </a:cxn>
+                <a:cxn ang="0">
+                  <a:pos x="connsiteX6" y="connsiteY6"/>
+                </a:cxn>
+                <a:cxn ang="0">
+                  <a:pos x="connsiteX7" y="connsiteY7"/>
+                </a:cxn>
+                <a:cxn ang="0">
+                  <a:pos x="connsiteX8" y="connsiteY8"/>
+                </a:cxn>
+              </a:cxnLst>
+              <a:rect l="l" t="t" r="r" b="b"/>
+              <a:pathLst>
+                <a:path w="388620" h="2927235">
+                  <a:moveTo>
+                    <a:pt x="194310" y="0"/>
+                  </a:moveTo>
+                  <a:cubicBezTo>
+                    <a:pt x="301624" y="0"/>
+                    <a:pt x="388620" y="86996"/>
+                    <a:pt x="388620" y="194310"/>
+                  </a:cubicBezTo>
+                  <a:lnTo>
+                    <a:pt x="388620" y="2927235"/>
+                  </a:lnTo>
+                  <a:lnTo>
+                    <a:pt x="379599" y="2898175"/>
+                  </a:lnTo>
+                  <a:cubicBezTo>
+                    <a:pt x="349072" y="2826000"/>
+                    <a:pt x="277605" y="2775357"/>
+                    <a:pt x="194310" y="2775357"/>
+                  </a:cubicBezTo>
+                  <a:cubicBezTo>
+                    <a:pt x="111015" y="2775357"/>
+                    <a:pt x="39548" y="2826000"/>
+                    <a:pt x="9021" y="2898175"/>
+                  </a:cubicBezTo>
+                  <a:lnTo>
+                    <a:pt x="0" y="2927235"/>
+                  </a:lnTo>
+                  <a:lnTo>
+                    <a:pt x="0" y="194310"/>
+                  </a:lnTo>
+                  <a:cubicBezTo>
+                    <a:pt x="0" y="86996"/>
+                    <a:pt x="86996" y="0"/>
+                    <a:pt x="194310" y="0"/>
+                  </a:cubicBezTo>
+                  <a:close/>
+                </a:path>
+              </a:pathLst>
+            </a:custGeom>
+            <a:gradFill flip="none" rotWithShape="1">
+              <a:gsLst>
+                <a:gs pos="0">
+                  <a:schemeClr val="bg1">
+                    <a:shade val="67500"/>
+                    <a:satMod val="115000"/>
+                  </a:schemeClr>
+                </a:gs>
+                <a:gs pos="100000">
+                  <a:schemeClr val="bg1">
+                    <a:shade val="100000"/>
+                    <a:satMod val="115000"/>
+                  </a:schemeClr>
+                </a:gs>
+              </a:gsLst>
+              <a:lin ang="10800000" scaled="1"/>
+              <a:tileRect/>
+            </a:gradFill>
+            <a:ln>
+              <a:noFill/>
+            </a:ln>
+            <a:effectLst>
+              <a:outerShdw blurRad="88900" dist="139700" dir="5400000" sx="98000" sy="98000" algn="t" rotWithShape="0">
+                <a:prstClr val="black">
+                  <a:alpha val="40000"/>
+                </a:prstClr>
+              </a:outerShdw>
+            </a:effectLst>
+          </p:spPr>
+          <p:style>
+            <a:lnRef idx="2">
+              <a:schemeClr val="accent1">
+                <a:shade val="50000"/>
+              </a:schemeClr>
+            </a:lnRef>
+            <a:fillRef idx="1">
+              <a:schemeClr val="accent1"/>
+            </a:fillRef>
+            <a:effectRef idx="0">
+              <a:schemeClr val="accent1"/>
+            </a:effectRef>
+            <a:fontRef idx="minor">
+              <a:schemeClr val="lt1"/>
+            </a:fontRef>
+          </p:style>
+          <p:txBody>
+            <a:bodyPr rtlCol="0" anchor="ctr"/>
+            <a:lstStyle/>
+            <a:p>
+              <a:pPr algn="ctr"/>
+              <a:endParaRPr lang="ko-KR" altLang="en-US" sz="2400"/>
+            </a:p>
+          </p:txBody>
+        </p:sp>
+        <p:sp>
+          <p:nvSpPr>
+            <p:cNvPr id="42" name="자유형 41"/>
+            <p:cNvSpPr/>
+            <p:nvPr/>
+          </p:nvSpPr>
+          <p:spPr>
+            <a:xfrm>
+              <a:off x="586490" y="739768"/>
+              <a:ext cx="1017302" cy="4991063"/>
+            </a:xfrm>
+            <a:custGeom>
+              <a:avLst/>
+              <a:gdLst>
+                <a:gd name="connsiteX0" fmla="*/ 194310 w 388620"/>
+                <a:gd name="connsiteY0" fmla="*/ 0 h 2927235"/>
+                <a:gd name="connsiteX1" fmla="*/ 388620 w 388620"/>
+                <a:gd name="connsiteY1" fmla="*/ 194310 h 2927235"/>
+                <a:gd name="connsiteX2" fmla="*/ 388620 w 388620"/>
+                <a:gd name="connsiteY2" fmla="*/ 2927235 h 2927235"/>
+                <a:gd name="connsiteX3" fmla="*/ 379599 w 388620"/>
+                <a:gd name="connsiteY3" fmla="*/ 2898175 h 2927235"/>
+                <a:gd name="connsiteX4" fmla="*/ 194310 w 388620"/>
+                <a:gd name="connsiteY4" fmla="*/ 2775357 h 2927235"/>
+                <a:gd name="connsiteX5" fmla="*/ 9021 w 388620"/>
+                <a:gd name="connsiteY5" fmla="*/ 2898175 h 2927235"/>
+                <a:gd name="connsiteX6" fmla="*/ 0 w 388620"/>
+                <a:gd name="connsiteY6" fmla="*/ 2927235 h 2927235"/>
+                <a:gd name="connsiteX7" fmla="*/ 0 w 388620"/>
+                <a:gd name="connsiteY7" fmla="*/ 194310 h 2927235"/>
+                <a:gd name="connsiteX8" fmla="*/ 194310 w 388620"/>
+                <a:gd name="connsiteY8" fmla="*/ 0 h 2927235"/>
+              </a:gdLst>
+              <a:ahLst/>
+              <a:cxnLst>
+                <a:cxn ang="0">
+                  <a:pos x="connsiteX0" y="connsiteY0"/>
+                </a:cxn>
+                <a:cxn ang="0">
+                  <a:pos x="connsiteX1" y="connsiteY1"/>
+                </a:cxn>
+                <a:cxn ang="0">
+                  <a:pos x="connsiteX2" y="connsiteY2"/>
+                </a:cxn>
+                <a:cxn ang="0">
+                  <a:pos x="connsiteX3" y="connsiteY3"/>
+                </a:cxn>
+                <a:cxn ang="0">
+                  <a:pos x="connsiteX4" y="connsiteY4"/>
+                </a:cxn>
+                <a:cxn ang="0">
+                  <a:pos x="connsiteX5" y="connsiteY5"/>
+                </a:cxn>
+                <a:cxn ang="0">
+                  <a:pos x="connsiteX6" y="connsiteY6"/>
+                </a:cxn>
+                <a:cxn ang="0">
+                  <a:pos x="connsiteX7" y="connsiteY7"/>
+                </a:cxn>
+                <a:cxn ang="0">
+                  <a:pos x="connsiteX8" y="connsiteY8"/>
+                </a:cxn>
+              </a:cxnLst>
+              <a:rect l="l" t="t" r="r" b="b"/>
+              <a:pathLst>
+                <a:path w="388620" h="2927235">
+                  <a:moveTo>
+                    <a:pt x="194310" y="0"/>
+                  </a:moveTo>
+                  <a:cubicBezTo>
+                    <a:pt x="301624" y="0"/>
+                    <a:pt x="388620" y="86996"/>
+                    <a:pt x="388620" y="194310"/>
+                  </a:cubicBezTo>
+                  <a:lnTo>
+                    <a:pt x="388620" y="2927235"/>
+                  </a:lnTo>
+                  <a:lnTo>
+                    <a:pt x="379599" y="2898175"/>
+                  </a:lnTo>
+                  <a:cubicBezTo>
+                    <a:pt x="349072" y="2826000"/>
+                    <a:pt x="277605" y="2775357"/>
+                    <a:pt x="194310" y="2775357"/>
+                  </a:cubicBezTo>
+                  <a:cubicBezTo>
+                    <a:pt x="111015" y="2775357"/>
+                    <a:pt x="39548" y="2826000"/>
+                    <a:pt x="9021" y="2898175"/>
+                  </a:cubicBezTo>
+                  <a:lnTo>
+                    <a:pt x="0" y="2927235"/>
+                  </a:lnTo>
+                  <a:lnTo>
+                    <a:pt x="0" y="194310"/>
+                  </a:lnTo>
+                  <a:cubicBezTo>
+                    <a:pt x="0" y="86996"/>
+                    <a:pt x="86996" y="0"/>
+                    <a:pt x="194310" y="0"/>
+                  </a:cubicBezTo>
+                  <a:close/>
+                </a:path>
+              </a:pathLst>
+            </a:custGeom>
+            <a:gradFill flip="none" rotWithShape="1">
+              <a:gsLst>
+                <a:gs pos="0">
+                  <a:schemeClr val="bg1">
+                    <a:shade val="67500"/>
+                    <a:satMod val="115000"/>
+                  </a:schemeClr>
+                </a:gs>
+                <a:gs pos="100000">
+                  <a:schemeClr val="bg1">
+                    <a:shade val="100000"/>
+                    <a:satMod val="115000"/>
+                  </a:schemeClr>
+                </a:gs>
+              </a:gsLst>
+              <a:lin ang="10800000" scaled="1"/>
+              <a:tileRect/>
+            </a:gradFill>
+            <a:ln>
+              <a:noFill/>
+            </a:ln>
+            <a:effectLst>
+              <a:outerShdw blurRad="88900" dist="139700" dir="5400000" sx="98000" sy="98000" algn="t" rotWithShape="0">
+                <a:prstClr val="black">
+                  <a:alpha val="40000"/>
+                </a:prstClr>
+              </a:outerShdw>
+            </a:effectLst>
+          </p:spPr>
+          <p:style>
+            <a:lnRef idx="2">
+              <a:schemeClr val="accent1">
+                <a:shade val="50000"/>
+              </a:schemeClr>
+            </a:lnRef>
+            <a:fillRef idx="1">
+              <a:schemeClr val="accent1"/>
+            </a:fillRef>
+            <a:effectRef idx="0">
+              <a:schemeClr val="accent1"/>
+            </a:effectRef>
+            <a:fontRef idx="minor">
+              <a:schemeClr val="lt1"/>
+            </a:fontRef>
+          </p:style>
+          <p:txBody>
+            <a:bodyPr rtlCol="0" anchor="ctr"/>
+            <a:lstStyle/>
+            <a:p>
+              <a:pPr algn="ctr"/>
+              <a:endParaRPr lang="ko-KR" altLang="en-US" sz="2400"/>
+            </a:p>
+          </p:txBody>
+        </p:sp>
+      </p:grpSp>
+      <p:sp>
+        <p:nvSpPr>
+          <p:cNvPr id="43" name="직사각형 42"/>
+          <p:cNvSpPr/>
+          <p:nvPr/>
+        </p:nvSpPr>
+        <p:spPr>
+          <a:xfrm>
+            <a:off x="1121067" y="522708"/>
+            <a:ext cx="8789911" cy="574966"/>
+          </a:xfrm>
+          <a:prstGeom prst="rect">
+            <a:avLst/>
+          </a:prstGeom>
+        </p:spPr>
+        <p:txBody>
+          <a:bodyPr wrap="square" lIns="91440" tIns="45720" rIns="91440" bIns="45720">
+            <a:spAutoFit/>
+          </a:bodyPr>
+          <a:lstStyle/>
+          <a:p>
+            <a:pPr>
+              <a:lnSpc>
+                <a:spcPct val="150000"/>
+              </a:lnSpc>
+            </a:pPr>
+            <a:r>
+              <a:rPr lang="en-US" altLang="ko-KR" sz="2400" b="1" dirty="0">
+                <a:solidFill>
+                  <a:schemeClr val="tx1">
+                    <a:lumMod val="75000"/>
+                    <a:lumOff val="25000"/>
+                  </a:schemeClr>
+                </a:solidFill>
+                <a:latin typeface="+mj-ea"/>
+                <a:ea typeface="+mj-ea"/>
+              </a:rPr>
+              <a:t>[ </a:t>
+            </a:r>
+            <a:r>
+              <a:rPr lang="ko-KR" altLang="en-US" sz="2400" b="1" dirty="0">
+                <a:solidFill>
+                  <a:schemeClr val="tx1">
+                    <a:lumMod val="75000"/>
+                    <a:lumOff val="25000"/>
+                  </a:schemeClr>
+                </a:solidFill>
+                <a:latin typeface="+mj-ea"/>
+                <a:ea typeface="+mj-ea"/>
+              </a:rPr>
+              <a:t>화면설계 </a:t>
+            </a:r>
+            <a:r>
+              <a:rPr lang="en-US" altLang="ko-KR" sz="2400" b="1" dirty="0">
+                <a:solidFill>
+                  <a:schemeClr val="tx1">
+                    <a:lumMod val="75000"/>
+                    <a:lumOff val="25000"/>
+                  </a:schemeClr>
+                </a:solidFill>
+                <a:latin typeface="+mj-ea"/>
+                <a:ea typeface="+mj-ea"/>
+              </a:rPr>
+              <a:t>] </a:t>
+            </a:r>
+            <a:r>
+              <a:rPr lang="ko-KR" altLang="en-US" sz="2400" b="1" dirty="0">
+                <a:solidFill>
+                  <a:schemeClr val="tx1">
+                    <a:lumMod val="75000"/>
+                    <a:lumOff val="25000"/>
+                  </a:schemeClr>
+                </a:solidFill>
+                <a:latin typeface="+mj-ea"/>
+                <a:ea typeface="+mj-ea"/>
+              </a:rPr>
+              <a:t>사용자 </a:t>
+            </a:r>
+            <a:r>
+              <a:rPr lang="en-US" altLang="ko-KR" sz="2400" b="1" dirty="0">
+                <a:solidFill>
+                  <a:schemeClr val="tx1">
+                    <a:lumMod val="75000"/>
+                    <a:lumOff val="25000"/>
+                  </a:schemeClr>
+                </a:solidFill>
+                <a:latin typeface="+mj-ea"/>
+                <a:ea typeface="+mj-ea"/>
+              </a:rPr>
+              <a:t>- </a:t>
+            </a:r>
+            <a:r>
+              <a:rPr lang="ko-KR" altLang="en-US" sz="2400" b="1" dirty="0">
+                <a:solidFill>
+                  <a:schemeClr val="tx1">
+                    <a:lumMod val="75000"/>
+                    <a:lumOff val="25000"/>
+                  </a:schemeClr>
+                </a:solidFill>
+                <a:latin typeface="+mj-ea"/>
+                <a:ea typeface="+mj-ea"/>
+              </a:rPr>
+              <a:t>웹 </a:t>
+            </a:r>
+            <a:r>
+              <a:rPr lang="en-US" altLang="ko-KR" sz="2400" b="1" dirty="0">
+                <a:solidFill>
+                  <a:schemeClr val="tx1">
+                    <a:lumMod val="75000"/>
+                    <a:lumOff val="25000"/>
+                  </a:schemeClr>
+                </a:solidFill>
+                <a:latin typeface="+mj-ea"/>
+                <a:ea typeface="+mj-ea"/>
+              </a:rPr>
+              <a:t>– </a:t>
+            </a:r>
+            <a:r>
+              <a:rPr lang="ko-KR" altLang="en-US" sz="2400" b="1" dirty="0">
+                <a:solidFill>
+                  <a:schemeClr val="tx1">
+                    <a:lumMod val="75000"/>
+                    <a:lumOff val="25000"/>
+                  </a:schemeClr>
+                </a:solidFill>
+                <a:latin typeface="+mj-ea"/>
+                <a:ea typeface="+mj-ea"/>
+              </a:rPr>
+              <a:t>회원가입 페이지</a:t>
+            </a:r>
+          </a:p>
+        </p:txBody>
+      </p:sp>
+      <p:graphicFrame>
+        <p:nvGraphicFramePr>
+          <p:cNvPr id="4" name="표 3"/>
+          <p:cNvGraphicFramePr>
+            <a:graphicFrameLocks noGrp="1"/>
+          </p:cNvGraphicFramePr>
+          <p:nvPr/>
+        </p:nvGraphicFramePr>
+        <p:xfrm>
+          <a:off x="9168341" y="1433634"/>
+          <a:ext cx="2688299" cy="915066"/>
+        </p:xfrm>
+        <a:graphic>
+          <a:graphicData uri="http://schemas.openxmlformats.org/drawingml/2006/table">
+            <a:tbl>
+              <a:tblPr firstRow="1" bandRow="1"/>
+              <a:tblGrid>
+                <a:gridCol w="2688299">
+                  <a:extLst>
+                    <a:ext uri="{9D8B030D-6E8A-4147-A177-3AD203B41FA5}">
+                      <a16:colId xmlns:a16="http://schemas.microsoft.com/office/drawing/2014/main" val="20000"/>
+                    </a:ext>
+                  </a:extLst>
+                </a:gridCol>
+              </a:tblGrid>
+              <a:tr h="424495">
+                <a:tc>
+                  <a:txBody>
+                    <a:bodyPr/>
+                    <a:lstStyle/>
+                    <a:p>
+                      <a:pPr algn="ctr" latinLnBrk="1"/>
+                      <a:r>
+                        <a:rPr lang="ko-KR" altLang="en-US" sz="1200" b="1" dirty="0">
+                          <a:solidFill>
+                            <a:schemeClr val="tx1"/>
+                          </a:solidFill>
+                          <a:latin typeface="+mj-ea"/>
+                          <a:ea typeface="+mj-ea"/>
+                        </a:rPr>
+                        <a:t>화면코드</a:t>
+                      </a:r>
+                    </a:p>
+                  </a:txBody>
+                  <a:tcPr marL="121920" marR="121920" marT="60960" marB="60960" anchor="ctr">
+                    <a:solidFill>
+                      <a:srgbClr val="FF9E00"/>
+                    </a:solidFill>
+                  </a:tcPr>
+                </a:tc>
+                <a:extLst>
+                  <a:ext uri="{0D108BD9-81ED-4DB2-BD59-A6C34878D82A}">
+                    <a16:rowId xmlns:a16="http://schemas.microsoft.com/office/drawing/2014/main" val="10000"/>
+                  </a:ext>
+                </a:extLst>
+              </a:tr>
+              <a:tr h="490571">
+                <a:tc>
+                  <a:txBody>
+                    <a:bodyPr/>
+                    <a:lstStyle/>
+                    <a:p>
+                      <a:pPr algn="ctr" latinLnBrk="1"/>
+                      <a:r>
+                        <a:rPr lang="en-US" altLang="ko-KR" sz="1500" dirty="0" err="1">
+                          <a:latin typeface="+mj-ea"/>
+                          <a:ea typeface="+mj-ea"/>
+                        </a:rPr>
+                        <a:t>sh_user_w_semiDetail</a:t>
+                      </a:r>
+                      <a:endParaRPr lang="ko-KR" altLang="en-US" sz="1500" dirty="0">
+                        <a:latin typeface="+mj-ea"/>
+                        <a:ea typeface="+mj-ea"/>
+                      </a:endParaRPr>
+                    </a:p>
+                  </a:txBody>
+                  <a:tcPr marL="121920" marR="121920" marT="60960" marB="60960" anchor="ctr"/>
+                </a:tc>
+                <a:extLst>
+                  <a:ext uri="{0D108BD9-81ED-4DB2-BD59-A6C34878D82A}">
+                    <a16:rowId xmlns:a16="http://schemas.microsoft.com/office/drawing/2014/main" val="10001"/>
+                  </a:ext>
+                </a:extLst>
+              </a:tr>
+            </a:tbl>
+          </a:graphicData>
+        </a:graphic>
+      </p:graphicFrame>
+      <p:sp>
+        <p:nvSpPr>
+          <p:cNvPr id="19" name="직사각형 18"/>
+          <p:cNvSpPr/>
+          <p:nvPr/>
+        </p:nvSpPr>
+        <p:spPr>
+          <a:xfrm>
+            <a:off x="1081171" y="1433634"/>
+            <a:ext cx="7895148" cy="4875687"/>
+          </a:xfrm>
+          <a:prstGeom prst="rect">
+            <a:avLst/>
+          </a:prstGeom>
+          <a:noFill/>
+          <a:ln w="9525">
+            <a:solidFill>
+              <a:schemeClr val="tx1"/>
+            </a:solidFill>
+          </a:ln>
+        </p:spPr>
+        <p:style>
+          <a:lnRef idx="2">
+            <a:schemeClr val="accent1">
+              <a:shade val="50000"/>
+            </a:schemeClr>
+          </a:lnRef>
+          <a:fillRef idx="1">
+            <a:schemeClr val="accent1"/>
+          </a:fillRef>
+          <a:effectRef idx="0">
+            <a:schemeClr val="accent1"/>
+          </a:effectRef>
+          <a:fontRef idx="minor">
+            <a:schemeClr val="lt1"/>
+          </a:fontRef>
+        </p:style>
+        <p:txBody>
+          <a:bodyPr rtlCol="0" anchor="ctr"/>
+          <a:lstStyle/>
+          <a:p>
+            <a:pPr algn="ctr"/>
+            <a:endParaRPr lang="ko-KR" altLang="en-US" sz="2400">
+              <a:noFill/>
+            </a:endParaRPr>
+          </a:p>
+        </p:txBody>
+      </p:sp>
+      <p:graphicFrame>
+        <p:nvGraphicFramePr>
+          <p:cNvPr id="6" name="표 5"/>
+          <p:cNvGraphicFramePr>
+            <a:graphicFrameLocks noGrp="1"/>
+          </p:cNvGraphicFramePr>
+          <p:nvPr/>
+        </p:nvGraphicFramePr>
+        <p:xfrm>
+          <a:off x="9168341" y="2479152"/>
+          <a:ext cx="2688299" cy="4059857"/>
+        </p:xfrm>
+        <a:graphic>
+          <a:graphicData uri="http://schemas.openxmlformats.org/drawingml/2006/table">
+            <a:tbl>
+              <a:tblPr firstRow="1" bandRow="1"/>
+              <a:tblGrid>
+                <a:gridCol w="280507">
+                  <a:extLst>
+                    <a:ext uri="{9D8B030D-6E8A-4147-A177-3AD203B41FA5}">
+                      <a16:colId xmlns:a16="http://schemas.microsoft.com/office/drawing/2014/main" val="20000"/>
+                    </a:ext>
+                  </a:extLst>
+                </a:gridCol>
+                <a:gridCol w="2407792">
+                  <a:extLst>
+                    <a:ext uri="{9D8B030D-6E8A-4147-A177-3AD203B41FA5}">
+                      <a16:colId xmlns:a16="http://schemas.microsoft.com/office/drawing/2014/main" val="20001"/>
+                    </a:ext>
+                  </a:extLst>
+                </a:gridCol>
+              </a:tblGrid>
+              <a:tr h="469796">
+                <a:tc>
+                  <a:txBody>
+                    <a:bodyPr/>
+                    <a:lstStyle/>
+                    <a:p>
+                      <a:pPr algn="ctr" latinLnBrk="1"/>
+                      <a:r>
+                        <a:rPr lang="en-US" altLang="ko-KR" sz="1200" b="1" dirty="0">
+                          <a:latin typeface="+mj-ea"/>
+                          <a:ea typeface="+mj-ea"/>
+                        </a:rPr>
+                        <a:t>#</a:t>
+                      </a:r>
+                      <a:endParaRPr lang="ko-KR" altLang="en-US" sz="1200" b="1" dirty="0">
+                        <a:latin typeface="+mj-ea"/>
+                        <a:ea typeface="+mj-ea"/>
+                      </a:endParaRPr>
+                    </a:p>
+                  </a:txBody>
+                  <a:tcPr marL="121920" marR="121920" marT="60960" marB="60960" anchor="ctr">
+                    <a:solidFill>
+                      <a:srgbClr val="FF9E00"/>
+                    </a:solidFill>
+                  </a:tcPr>
+                </a:tc>
+                <a:tc>
+                  <a:txBody>
+                    <a:bodyPr/>
+                    <a:lstStyle/>
+                    <a:p>
+                      <a:pPr algn="ctr" latinLnBrk="1"/>
+                      <a:r>
+                        <a:rPr lang="ko-KR" altLang="en-US" sz="1200" b="1" dirty="0">
+                          <a:latin typeface="+mj-ea"/>
+                          <a:ea typeface="+mj-ea"/>
+                        </a:rPr>
+                        <a:t>기능</a:t>
+                      </a:r>
+                    </a:p>
+                  </a:txBody>
+                  <a:tcPr marL="121920" marR="121920" marT="60960" marB="60960" anchor="ctr">
+                    <a:solidFill>
+                      <a:srgbClr val="FF9E00"/>
+                    </a:solidFill>
+                  </a:tcPr>
+                </a:tc>
+                <a:extLst>
+                  <a:ext uri="{0D108BD9-81ED-4DB2-BD59-A6C34878D82A}">
+                    <a16:rowId xmlns:a16="http://schemas.microsoft.com/office/drawing/2014/main" val="10000"/>
+                  </a:ext>
+                </a:extLst>
+              </a:tr>
+              <a:tr h="620107">
+                <a:tc>
+                  <a:txBody>
+                    <a:bodyPr/>
+                    <a:lstStyle/>
+                    <a:p>
+                      <a:pPr algn="ctr" latinLnBrk="1"/>
+                      <a:r>
+                        <a:rPr lang="en-US" altLang="ko-KR" sz="1300" dirty="0">
+                          <a:latin typeface="+mj-ea"/>
+                          <a:ea typeface="+mj-ea"/>
+                        </a:rPr>
+                        <a:t>1</a:t>
+                      </a:r>
+                      <a:endParaRPr lang="ko-KR" altLang="en-US" sz="1300" dirty="0">
+                        <a:latin typeface="+mj-ea"/>
+                        <a:ea typeface="+mj-ea"/>
+                      </a:endParaRPr>
+                    </a:p>
+                  </a:txBody>
+                  <a:tcPr marL="121920" marR="121920" marT="60960" marB="60960" anchor="ctr"/>
+                </a:tc>
+                <a:tc>
+                  <a:txBody>
+                    <a:bodyPr/>
+                    <a:lstStyle/>
+                    <a:p>
+                      <a:pPr algn="l" latinLnBrk="1">
+                        <a:lnSpc>
+                          <a:spcPts val="1300"/>
+                        </a:lnSpc>
+                      </a:pPr>
+                      <a:r>
+                        <a:rPr lang="ko-KR" altLang="en-US" sz="1200" b="1" dirty="0">
+                          <a:latin typeface="+mj-ea"/>
+                          <a:ea typeface="+mj-ea"/>
+                        </a:rPr>
+                        <a:t>네비게이션 바</a:t>
+                      </a:r>
+                      <a:endParaRPr lang="en-US" altLang="ko-KR" sz="1200" b="1" dirty="0">
+                        <a:latin typeface="+mj-ea"/>
+                        <a:ea typeface="+mj-ea"/>
+                      </a:endParaRPr>
+                    </a:p>
+                    <a:p>
+                      <a:pPr algn="l" latinLnBrk="1">
+                        <a:lnSpc>
+                          <a:spcPts val="1300"/>
+                        </a:lnSpc>
+                      </a:pPr>
+                      <a:r>
+                        <a:rPr lang="en-US" altLang="ko-KR" sz="1200" b="0" i="0" u="none" strike="noStrike" cap="none" dirty="0">
+                          <a:solidFill>
+                            <a:srgbClr val="000000"/>
+                          </a:solidFill>
+                          <a:latin typeface="+mj-ea"/>
+                          <a:ea typeface="Arial"/>
+                          <a:cs typeface="Arial"/>
+                          <a:sym typeface="Arial"/>
+                        </a:rPr>
+                        <a:t>- </a:t>
+                      </a:r>
+                      <a:r>
+                        <a:rPr lang="ko-KR" altLang="en-US" sz="1200" b="0" i="0" u="none" strike="noStrike" cap="none" dirty="0">
+                          <a:solidFill>
+                            <a:srgbClr val="000000"/>
+                          </a:solidFill>
+                          <a:latin typeface="+mj-ea"/>
+                          <a:ea typeface="Arial"/>
+                          <a:cs typeface="Arial"/>
+                          <a:sym typeface="Arial"/>
+                        </a:rPr>
+                        <a:t>로고</a:t>
+                      </a:r>
+                      <a:r>
+                        <a:rPr lang="en-US" altLang="ko-KR" sz="1200" b="0" i="0" u="none" strike="noStrike" cap="none" dirty="0">
+                          <a:solidFill>
+                            <a:srgbClr val="000000"/>
+                          </a:solidFill>
+                          <a:latin typeface="+mj-ea"/>
+                          <a:ea typeface="Arial"/>
+                          <a:cs typeface="Arial"/>
+                          <a:sym typeface="Arial"/>
+                        </a:rPr>
+                        <a:t>, </a:t>
+                      </a:r>
+                      <a:r>
+                        <a:rPr lang="ko-KR" altLang="en-US" sz="1200" b="0" i="0" u="none" strike="noStrike" cap="none" dirty="0">
+                          <a:solidFill>
+                            <a:srgbClr val="000000"/>
+                          </a:solidFill>
+                          <a:latin typeface="+mj-ea"/>
+                          <a:ea typeface="Arial"/>
+                          <a:cs typeface="Arial"/>
+                          <a:sym typeface="Arial"/>
+                        </a:rPr>
+                        <a:t>프로젝트 오픈 신청</a:t>
+                      </a:r>
+                      <a:r>
+                        <a:rPr lang="en-US" altLang="ko-KR" sz="1200" b="0" i="0" u="none" strike="noStrike" cap="none" dirty="0">
+                          <a:solidFill>
+                            <a:srgbClr val="000000"/>
+                          </a:solidFill>
+                          <a:latin typeface="+mj-ea"/>
+                          <a:ea typeface="Arial"/>
+                          <a:cs typeface="Arial"/>
+                          <a:sym typeface="Arial"/>
+                        </a:rPr>
+                        <a:t>, </a:t>
+                      </a:r>
+                      <a:r>
+                        <a:rPr lang="ko-KR" altLang="en-US" sz="1200" b="0" i="0" u="none" strike="noStrike" cap="none" dirty="0" err="1">
+                          <a:solidFill>
+                            <a:srgbClr val="000000"/>
+                          </a:solidFill>
+                          <a:latin typeface="+mj-ea"/>
+                          <a:ea typeface="Arial"/>
+                          <a:cs typeface="Arial"/>
+                          <a:sym typeface="Arial"/>
+                        </a:rPr>
+                        <a:t>펀딩</a:t>
+                      </a:r>
+                      <a:r>
+                        <a:rPr lang="en-US" altLang="ko-KR" sz="1200" b="0" i="0" u="none" strike="noStrike" cap="none" dirty="0">
+                          <a:solidFill>
+                            <a:srgbClr val="000000"/>
+                          </a:solidFill>
+                          <a:latin typeface="+mj-ea"/>
+                          <a:ea typeface="Arial"/>
+                          <a:cs typeface="Arial"/>
+                          <a:sym typeface="Arial"/>
+                        </a:rPr>
+                        <a:t>, </a:t>
+                      </a:r>
+                      <a:r>
+                        <a:rPr lang="ko-KR" altLang="en-US" sz="1200" b="0" i="0" u="none" strike="noStrike" cap="none" dirty="0">
+                          <a:solidFill>
+                            <a:srgbClr val="000000"/>
+                          </a:solidFill>
+                          <a:latin typeface="+mj-ea"/>
+                          <a:ea typeface="Arial"/>
+                          <a:cs typeface="Arial"/>
+                          <a:sym typeface="Arial"/>
+                        </a:rPr>
+                        <a:t>스토어 이동을 위한 드롭다운 메뉴</a:t>
+                      </a:r>
+                      <a:r>
+                        <a:rPr lang="en-US" altLang="ko-KR" sz="1200" b="0" i="0" u="none" strike="noStrike" cap="none" dirty="0">
+                          <a:solidFill>
+                            <a:srgbClr val="000000"/>
+                          </a:solidFill>
+                          <a:latin typeface="+mj-ea"/>
+                          <a:ea typeface="Arial"/>
+                          <a:cs typeface="Arial"/>
+                          <a:sym typeface="Arial"/>
+                        </a:rPr>
+                        <a:t>, </a:t>
+                      </a:r>
+                      <a:r>
+                        <a:rPr lang="ko-KR" altLang="en-US" sz="1200" b="0" i="0" u="none" strike="noStrike" cap="none" dirty="0">
+                          <a:solidFill>
+                            <a:srgbClr val="000000"/>
+                          </a:solidFill>
+                          <a:latin typeface="+mj-ea"/>
+                          <a:ea typeface="Arial"/>
+                          <a:cs typeface="Arial"/>
+                          <a:sym typeface="Arial"/>
+                        </a:rPr>
+                        <a:t>회원가입</a:t>
+                      </a:r>
+                      <a:r>
+                        <a:rPr lang="en-US" altLang="ko-KR" sz="1200" b="0" i="0" u="none" strike="noStrike" cap="none" dirty="0">
+                          <a:solidFill>
+                            <a:srgbClr val="000000"/>
+                          </a:solidFill>
+                          <a:latin typeface="+mj-ea"/>
+                          <a:ea typeface="Arial"/>
+                          <a:cs typeface="Arial"/>
+                          <a:sym typeface="Arial"/>
+                        </a:rPr>
+                        <a:t>, </a:t>
+                      </a:r>
+                      <a:r>
+                        <a:rPr lang="ko-KR" altLang="en-US" sz="1200" b="0" i="0" u="none" strike="noStrike" cap="none" dirty="0">
+                          <a:solidFill>
+                            <a:srgbClr val="000000"/>
+                          </a:solidFill>
+                          <a:latin typeface="+mj-ea"/>
+                          <a:ea typeface="Arial"/>
+                          <a:cs typeface="Arial"/>
+                          <a:sym typeface="Arial"/>
+                        </a:rPr>
+                        <a:t>로그인 버튼</a:t>
+                      </a:r>
+                      <a:endParaRPr lang="ko-KR" altLang="en-US" sz="1200" dirty="0">
+                        <a:latin typeface="+mj-ea"/>
+                        <a:ea typeface="+mj-ea"/>
+                      </a:endParaRPr>
+                    </a:p>
+                  </a:txBody>
+                  <a:tcPr marL="121920" marR="121920" marT="60960" marB="60960"/>
+                </a:tc>
+                <a:extLst>
+                  <a:ext uri="{0D108BD9-81ED-4DB2-BD59-A6C34878D82A}">
+                    <a16:rowId xmlns:a16="http://schemas.microsoft.com/office/drawing/2014/main" val="10001"/>
+                  </a:ext>
+                </a:extLst>
+              </a:tr>
+              <a:tr h="620107">
+                <a:tc>
+                  <a:txBody>
+                    <a:bodyPr/>
+                    <a:lstStyle/>
+                    <a:p>
+                      <a:pPr algn="ctr" latinLnBrk="1"/>
+                      <a:r>
+                        <a:rPr lang="en-US" altLang="ko-KR" sz="1300" dirty="0">
+                          <a:latin typeface="+mj-ea"/>
+                          <a:ea typeface="+mj-ea"/>
+                        </a:rPr>
+                        <a:t>2</a:t>
+                      </a:r>
+                      <a:endParaRPr lang="ko-KR" altLang="en-US" sz="1300" dirty="0">
+                        <a:latin typeface="+mj-ea"/>
+                        <a:ea typeface="+mj-ea"/>
+                      </a:endParaRPr>
+                    </a:p>
+                  </a:txBody>
+                  <a:tcPr marL="121920" marR="121920" marT="60960" marB="60960" anchor="ctr"/>
+                </a:tc>
+                <a:tc>
+                  <a:txBody>
+                    <a:bodyPr/>
+                    <a:lstStyle/>
+                    <a:p>
+                      <a:pPr algn="l" latinLnBrk="1">
+                        <a:lnSpc>
+                          <a:spcPts val="1300"/>
+                        </a:lnSpc>
+                      </a:pPr>
+                      <a:r>
+                        <a:rPr lang="ko-KR" altLang="en-US" sz="1200" b="1" i="0" u="none" strike="noStrike" cap="none" dirty="0" err="1">
+                          <a:solidFill>
+                            <a:srgbClr val="000000"/>
+                          </a:solidFill>
+                          <a:latin typeface="+mj-ea"/>
+                          <a:ea typeface="Arial"/>
+                          <a:cs typeface="Arial"/>
+                          <a:sym typeface="Arial"/>
+                        </a:rPr>
+                        <a:t>캐러셀</a:t>
+                      </a:r>
+                      <a:r>
+                        <a:rPr lang="ko-KR" altLang="en-US" sz="1200" b="1" i="0" u="none" strike="noStrike" cap="none" dirty="0">
+                          <a:solidFill>
+                            <a:srgbClr val="000000"/>
+                          </a:solidFill>
+                          <a:latin typeface="+mj-ea"/>
+                          <a:ea typeface="Arial"/>
+                          <a:cs typeface="Arial"/>
+                          <a:sym typeface="Arial"/>
+                        </a:rPr>
+                        <a:t> 형식 배너</a:t>
+                      </a:r>
+                      <a:endParaRPr lang="en-US" altLang="ko-KR" sz="1200" b="1" i="0" u="none" strike="noStrike" cap="none" dirty="0">
+                        <a:solidFill>
+                          <a:srgbClr val="000000"/>
+                        </a:solidFill>
+                        <a:latin typeface="+mj-ea"/>
+                        <a:ea typeface="Arial"/>
+                        <a:cs typeface="Arial"/>
+                        <a:sym typeface="Arial"/>
+                      </a:endParaRPr>
+                    </a:p>
+                    <a:p>
+                      <a:pPr algn="l" latinLnBrk="1">
+                        <a:lnSpc>
+                          <a:spcPts val="1300"/>
+                        </a:lnSpc>
+                      </a:pPr>
+                      <a:r>
+                        <a:rPr lang="en-US" altLang="ko-KR" sz="1200" b="0" i="0" u="none" strike="noStrike" cap="none" dirty="0">
+                          <a:solidFill>
+                            <a:srgbClr val="000000"/>
+                          </a:solidFill>
+                          <a:latin typeface="+mj-ea"/>
+                          <a:ea typeface="Arial"/>
+                          <a:cs typeface="Arial"/>
+                          <a:sym typeface="Arial"/>
+                        </a:rPr>
+                        <a:t>- </a:t>
+                      </a:r>
+                      <a:r>
+                        <a:rPr lang="ko-KR" altLang="en-US" sz="1200" b="0" i="0" u="none" strike="noStrike" cap="none" dirty="0">
+                          <a:solidFill>
+                            <a:srgbClr val="000000"/>
+                          </a:solidFill>
+                          <a:latin typeface="+mj-ea"/>
+                          <a:ea typeface="Arial"/>
+                          <a:cs typeface="Arial"/>
+                          <a:sym typeface="Arial"/>
+                        </a:rPr>
+                        <a:t>광고형식</a:t>
+                      </a:r>
+                      <a:r>
+                        <a:rPr lang="en-US" altLang="ko-KR" sz="1200" b="0" i="0" u="none" strike="noStrike" cap="none" dirty="0">
+                          <a:solidFill>
+                            <a:srgbClr val="000000"/>
+                          </a:solidFill>
+                          <a:latin typeface="+mj-ea"/>
+                          <a:ea typeface="Arial"/>
+                          <a:cs typeface="Arial"/>
+                          <a:sym typeface="Arial"/>
+                        </a:rPr>
+                        <a:t>, </a:t>
+                      </a:r>
+                      <a:r>
+                        <a:rPr lang="ko-KR" altLang="en-US" sz="1200" b="0" i="0" u="none" strike="noStrike" cap="none" dirty="0">
+                          <a:solidFill>
+                            <a:srgbClr val="000000"/>
+                          </a:solidFill>
+                          <a:latin typeface="+mj-ea"/>
+                          <a:ea typeface="Arial"/>
+                          <a:cs typeface="Arial"/>
+                          <a:sym typeface="Arial"/>
+                        </a:rPr>
+                        <a:t>관리자가 등록</a:t>
+                      </a:r>
+                    </a:p>
+                  </a:txBody>
+                  <a:tcPr marL="121920" marR="121920" marT="60960" marB="60960"/>
+                </a:tc>
+                <a:extLst>
+                  <a:ext uri="{0D108BD9-81ED-4DB2-BD59-A6C34878D82A}">
+                    <a16:rowId xmlns:a16="http://schemas.microsoft.com/office/drawing/2014/main" val="10002"/>
+                  </a:ext>
+                </a:extLst>
+              </a:tr>
+              <a:tr h="620107">
+                <a:tc>
+                  <a:txBody>
+                    <a:bodyPr/>
+                    <a:lstStyle/>
+                    <a:p>
+                      <a:pPr algn="ctr" latinLnBrk="1"/>
+                      <a:r>
+                        <a:rPr lang="en-US" altLang="ko-KR" sz="1300" dirty="0">
+                          <a:latin typeface="+mj-ea"/>
+                          <a:ea typeface="+mj-ea"/>
+                        </a:rPr>
+                        <a:t>3</a:t>
+                      </a:r>
+                      <a:endParaRPr lang="ko-KR" altLang="en-US" sz="1300" dirty="0">
+                        <a:latin typeface="+mj-ea"/>
+                        <a:ea typeface="+mj-ea"/>
+                      </a:endParaRPr>
+                    </a:p>
+                  </a:txBody>
+                  <a:tcPr marL="121920" marR="121920" marT="60960" marB="60960" anchor="ctr"/>
+                </a:tc>
+                <a:tc>
+                  <a:txBody>
+                    <a:bodyPr/>
+                    <a:lstStyle/>
+                    <a:p>
+                      <a:pPr algn="l" latinLnBrk="1">
+                        <a:lnSpc>
+                          <a:spcPts val="1300"/>
+                        </a:lnSpc>
+                      </a:pPr>
+                      <a:r>
+                        <a:rPr lang="ko-KR" altLang="en-US" sz="1200" b="1" i="0" u="none" strike="noStrike" cap="none" dirty="0">
+                          <a:solidFill>
+                            <a:srgbClr val="000000"/>
+                          </a:solidFill>
+                          <a:latin typeface="+mj-ea"/>
+                          <a:ea typeface="Arial"/>
+                          <a:cs typeface="Arial"/>
+                          <a:sym typeface="Arial"/>
+                        </a:rPr>
+                        <a:t>추천 프로젝트 리스트</a:t>
+                      </a:r>
+                      <a:endParaRPr lang="en-US" altLang="ko-KR" sz="1200" b="1" i="0" u="none" strike="noStrike" cap="none" dirty="0">
+                        <a:solidFill>
+                          <a:srgbClr val="000000"/>
+                        </a:solidFill>
+                        <a:latin typeface="+mj-ea"/>
+                        <a:ea typeface="Arial"/>
+                        <a:cs typeface="Arial"/>
+                        <a:sym typeface="Arial"/>
+                      </a:endParaRPr>
+                    </a:p>
+                    <a:p>
+                      <a:pPr algn="l" latinLnBrk="1">
+                        <a:lnSpc>
+                          <a:spcPts val="1300"/>
+                        </a:lnSpc>
+                      </a:pPr>
+                      <a:r>
+                        <a:rPr lang="en-US" altLang="ko-KR" sz="1200" b="0" i="0" u="none" strike="noStrike" cap="none" dirty="0">
+                          <a:solidFill>
+                            <a:srgbClr val="000000"/>
+                          </a:solidFill>
+                          <a:latin typeface="+mj-ea"/>
+                          <a:ea typeface="Arial"/>
+                          <a:cs typeface="Arial"/>
+                          <a:sym typeface="Arial"/>
+                        </a:rPr>
+                        <a:t>- </a:t>
+                      </a:r>
+                      <a:r>
+                        <a:rPr lang="ko-KR" altLang="en-US" sz="1200" b="0" i="0" u="none" strike="noStrike" cap="none" dirty="0">
+                          <a:solidFill>
+                            <a:srgbClr val="000000"/>
+                          </a:solidFill>
+                          <a:latin typeface="+mj-ea"/>
+                          <a:ea typeface="Arial"/>
+                          <a:cs typeface="Arial"/>
+                          <a:sym typeface="Arial"/>
+                        </a:rPr>
+                        <a:t>관리자가 선택한 프로젝트</a:t>
+                      </a:r>
+                      <a:r>
+                        <a:rPr lang="en-US" altLang="ko-KR" sz="1200" b="0" i="0" u="none" strike="noStrike" cap="none" dirty="0">
+                          <a:solidFill>
+                            <a:srgbClr val="000000"/>
+                          </a:solidFill>
+                          <a:latin typeface="+mj-ea"/>
+                          <a:ea typeface="Arial"/>
+                          <a:cs typeface="Arial"/>
+                          <a:sym typeface="Arial"/>
+                        </a:rPr>
+                        <a:t>, </a:t>
+                      </a:r>
+                      <a:r>
+                        <a:rPr lang="ko-KR" altLang="en-US" sz="1200" b="0" i="0" u="none" strike="noStrike" cap="none" dirty="0">
+                          <a:solidFill>
+                            <a:srgbClr val="000000"/>
+                          </a:solidFill>
+                          <a:latin typeface="+mj-ea"/>
+                          <a:ea typeface="Arial"/>
+                          <a:cs typeface="Arial"/>
+                          <a:sym typeface="Arial"/>
+                        </a:rPr>
+                        <a:t>마감 직전 프로젝트</a:t>
+                      </a:r>
+                      <a:r>
+                        <a:rPr lang="en-US" altLang="ko-KR" sz="1200" b="0" i="0" u="none" strike="noStrike" cap="none" dirty="0">
+                          <a:solidFill>
+                            <a:srgbClr val="000000"/>
+                          </a:solidFill>
+                          <a:latin typeface="+mj-ea"/>
+                          <a:ea typeface="Arial"/>
+                          <a:cs typeface="Arial"/>
+                          <a:sym typeface="Arial"/>
+                        </a:rPr>
+                        <a:t>, </a:t>
+                      </a:r>
+                      <a:r>
+                        <a:rPr lang="ko-KR" altLang="en-US" sz="1200" b="0" i="0" u="none" strike="noStrike" cap="none" dirty="0">
+                          <a:solidFill>
+                            <a:srgbClr val="000000"/>
+                          </a:solidFill>
+                          <a:latin typeface="+mj-ea"/>
+                          <a:ea typeface="Arial"/>
+                          <a:cs typeface="Arial"/>
+                          <a:sym typeface="Arial"/>
+                        </a:rPr>
+                        <a:t>리워드</a:t>
+                      </a:r>
+                      <a:r>
+                        <a:rPr lang="en-US" altLang="ko-KR" sz="1200" b="0" i="0" u="none" strike="noStrike" cap="none" dirty="0">
+                          <a:solidFill>
+                            <a:srgbClr val="000000"/>
+                          </a:solidFill>
+                          <a:latin typeface="+mj-ea"/>
+                          <a:ea typeface="Arial"/>
+                          <a:cs typeface="Arial"/>
+                          <a:sym typeface="Arial"/>
+                        </a:rPr>
+                        <a:t> </a:t>
+                      </a:r>
+                      <a:r>
+                        <a:rPr lang="ko-KR" altLang="en-US" sz="1200" b="0" i="0" u="none" strike="noStrike" cap="none" dirty="0">
+                          <a:solidFill>
+                            <a:srgbClr val="000000"/>
+                          </a:solidFill>
+                          <a:latin typeface="+mj-ea"/>
+                          <a:ea typeface="Arial"/>
+                          <a:cs typeface="Arial"/>
+                          <a:sym typeface="Arial"/>
+                        </a:rPr>
+                        <a:t>또는 </a:t>
+                      </a:r>
+                      <a:r>
+                        <a:rPr lang="ko-KR" altLang="en-US" sz="1200" b="0" i="0" u="none" strike="noStrike" cap="none" dirty="0" err="1">
+                          <a:solidFill>
+                            <a:srgbClr val="000000"/>
+                          </a:solidFill>
+                          <a:latin typeface="+mj-ea"/>
+                          <a:ea typeface="Arial"/>
+                          <a:cs typeface="Arial"/>
+                          <a:sym typeface="Arial"/>
+                        </a:rPr>
+                        <a:t>펀딩</a:t>
+                      </a:r>
+                      <a:r>
+                        <a:rPr lang="ko-KR" altLang="en-US" sz="1200" b="0" i="0" u="none" strike="noStrike" cap="none" dirty="0">
+                          <a:solidFill>
+                            <a:srgbClr val="000000"/>
+                          </a:solidFill>
+                          <a:latin typeface="+mj-ea"/>
+                          <a:ea typeface="Arial"/>
+                          <a:cs typeface="Arial"/>
+                          <a:sym typeface="Arial"/>
+                        </a:rPr>
+                        <a:t> 성공 상품</a:t>
+                      </a:r>
+                    </a:p>
+                    <a:p>
+                      <a:pPr algn="l" latinLnBrk="1">
+                        <a:lnSpc>
+                          <a:spcPts val="1300"/>
+                        </a:lnSpc>
+                      </a:pPr>
+                      <a:endParaRPr lang="ko-KR" altLang="en-US" sz="1200" dirty="0">
+                        <a:latin typeface="+mj-ea"/>
+                        <a:ea typeface="+mj-ea"/>
+                      </a:endParaRPr>
+                    </a:p>
+                  </a:txBody>
+                  <a:tcPr marL="121920" marR="121920" marT="60960" marB="60960"/>
+                </a:tc>
+                <a:extLst>
+                  <a:ext uri="{0D108BD9-81ED-4DB2-BD59-A6C34878D82A}">
+                    <a16:rowId xmlns:a16="http://schemas.microsoft.com/office/drawing/2014/main" val="10003"/>
+                  </a:ext>
+                </a:extLst>
+              </a:tr>
+              <a:tr h="620107">
+                <a:tc>
+                  <a:txBody>
+                    <a:bodyPr/>
+                    <a:lstStyle/>
+                    <a:p>
+                      <a:pPr algn="ctr" latinLnBrk="1"/>
+                      <a:r>
+                        <a:rPr lang="en-US" altLang="ko-KR" sz="1300" dirty="0">
+                          <a:latin typeface="+mj-ea"/>
+                          <a:ea typeface="+mj-ea"/>
+                        </a:rPr>
+                        <a:t>4</a:t>
+                      </a:r>
+                      <a:endParaRPr lang="ko-KR" altLang="en-US" sz="1300" dirty="0">
+                        <a:latin typeface="+mj-ea"/>
+                        <a:ea typeface="+mj-ea"/>
+                      </a:endParaRPr>
+                    </a:p>
+                  </a:txBody>
+                  <a:tcPr marL="121920" marR="121920" marT="60960" marB="60960" anchor="ctr"/>
+                </a:tc>
+                <a:tc>
+                  <a:txBody>
+                    <a:bodyPr/>
+                    <a:lstStyle/>
+                    <a:p>
+                      <a:pPr algn="l" latinLnBrk="1">
+                        <a:lnSpc>
+                          <a:spcPts val="1300"/>
+                        </a:lnSpc>
+                      </a:pPr>
+                      <a:endParaRPr lang="ko-KR" altLang="en-US" sz="1200" dirty="0">
+                        <a:latin typeface="+mj-ea"/>
+                        <a:ea typeface="+mj-ea"/>
+                      </a:endParaRPr>
+                    </a:p>
+                  </a:txBody>
+                  <a:tcPr marL="121920" marR="121920" marT="60960" marB="60960"/>
+                </a:tc>
+                <a:extLst>
+                  <a:ext uri="{0D108BD9-81ED-4DB2-BD59-A6C34878D82A}">
+                    <a16:rowId xmlns:a16="http://schemas.microsoft.com/office/drawing/2014/main" val="10004"/>
+                  </a:ext>
+                </a:extLst>
+              </a:tr>
+              <a:tr h="620107">
+                <a:tc>
+                  <a:txBody>
+                    <a:bodyPr/>
+                    <a:lstStyle/>
+                    <a:p>
+                      <a:pPr algn="ctr" latinLnBrk="1"/>
+                      <a:r>
+                        <a:rPr lang="en-US" altLang="ko-KR" sz="1300" dirty="0">
+                          <a:latin typeface="+mj-ea"/>
+                          <a:ea typeface="+mj-ea"/>
+                        </a:rPr>
+                        <a:t>5</a:t>
+                      </a:r>
+                      <a:endParaRPr lang="ko-KR" altLang="en-US" sz="1300" dirty="0">
+                        <a:latin typeface="+mj-ea"/>
+                        <a:ea typeface="+mj-ea"/>
+                      </a:endParaRPr>
+                    </a:p>
+                  </a:txBody>
+                  <a:tcPr marL="121920" marR="121920" marT="60960" marB="60960" anchor="ctr"/>
+                </a:tc>
+                <a:tc>
+                  <a:txBody>
+                    <a:bodyPr/>
+                    <a:lstStyle/>
+                    <a:p>
+                      <a:pPr algn="l" latinLnBrk="1">
+                        <a:lnSpc>
+                          <a:spcPts val="1300"/>
+                        </a:lnSpc>
+                      </a:pPr>
+                      <a:endParaRPr lang="ko-KR" altLang="en-US" sz="1200" dirty="0">
+                        <a:latin typeface="+mj-ea"/>
+                        <a:ea typeface="+mj-ea"/>
+                      </a:endParaRPr>
+                    </a:p>
+                  </a:txBody>
+                  <a:tcPr marL="121920" marR="121920" marT="60960" marB="60960"/>
+                </a:tc>
+                <a:extLst>
+                  <a:ext uri="{0D108BD9-81ED-4DB2-BD59-A6C34878D82A}">
+                    <a16:rowId xmlns:a16="http://schemas.microsoft.com/office/drawing/2014/main" val="10005"/>
+                  </a:ext>
+                </a:extLst>
+              </a:tr>
+            </a:tbl>
+          </a:graphicData>
+        </a:graphic>
+      </p:graphicFrame>
+      <p:sp>
+        <p:nvSpPr>
+          <p:cNvPr id="3" name="직사각형 2">
+            <a:extLst>
+              <a:ext uri="{FF2B5EF4-FFF2-40B4-BE49-F238E27FC236}">
+                <a16:creationId xmlns:a16="http://schemas.microsoft.com/office/drawing/2014/main" id="{7C9E9366-B86C-4147-AAEA-0E8C98D7DA95}"/>
+              </a:ext>
+            </a:extLst>
+          </p:cNvPr>
+          <p:cNvSpPr/>
+          <p:nvPr/>
+        </p:nvSpPr>
+        <p:spPr>
+          <a:xfrm>
+            <a:off x="1497106" y="1649506"/>
+            <a:ext cx="6831106" cy="4399977"/>
+          </a:xfrm>
+          <a:prstGeom prst="rect">
+            <a:avLst/>
+          </a:prstGeom>
+          <a:noFill/>
+          <a:ln>
+            <a:solidFill>
+              <a:schemeClr val="tx1"/>
+            </a:solidFill>
+          </a:ln>
+        </p:spPr>
+        <p:style>
+          <a:lnRef idx="2">
+            <a:schemeClr val="accent1">
+              <a:shade val="50000"/>
+            </a:schemeClr>
+          </a:lnRef>
+          <a:fillRef idx="1">
+            <a:schemeClr val="accent1"/>
+          </a:fillRef>
+          <a:effectRef idx="0">
+            <a:schemeClr val="accent1"/>
+          </a:effectRef>
+          <a:fontRef idx="minor">
+            <a:schemeClr val="lt1"/>
+          </a:fontRef>
+        </p:style>
+        <p:txBody>
+          <a:bodyPr rtlCol="0" anchor="ctr"/>
+          <a:lstStyle/>
+          <a:p>
+            <a:pPr algn="ctr"/>
+            <a:endParaRPr lang="ko-KR" altLang="en-US"/>
+          </a:p>
+        </p:txBody>
+      </p:sp>
+      <p:sp>
+        <p:nvSpPr>
+          <p:cNvPr id="7" name="직사각형 6">
+            <a:extLst>
+              <a:ext uri="{FF2B5EF4-FFF2-40B4-BE49-F238E27FC236}">
+                <a16:creationId xmlns:a16="http://schemas.microsoft.com/office/drawing/2014/main" id="{DA06AE45-F21F-4390-88D7-43E648964D4B}"/>
+              </a:ext>
+            </a:extLst>
+          </p:cNvPr>
+          <p:cNvSpPr/>
+          <p:nvPr/>
+        </p:nvSpPr>
+        <p:spPr>
+          <a:xfrm>
+            <a:off x="1695118" y="1749982"/>
+            <a:ext cx="6408976" cy="4166724"/>
+          </a:xfrm>
+          <a:prstGeom prst="rect">
+            <a:avLst/>
+          </a:prstGeom>
+          <a:noFill/>
+          <a:ln>
+            <a:solidFill>
+              <a:schemeClr val="tx1"/>
+            </a:solidFill>
+          </a:ln>
+        </p:spPr>
+        <p:style>
+          <a:lnRef idx="2">
+            <a:schemeClr val="accent1">
+              <a:shade val="50000"/>
+            </a:schemeClr>
+          </a:lnRef>
+          <a:fillRef idx="1">
+            <a:schemeClr val="accent1"/>
+          </a:fillRef>
+          <a:effectRef idx="0">
+            <a:schemeClr val="accent1"/>
+          </a:effectRef>
+          <a:fontRef idx="minor">
+            <a:schemeClr val="lt1"/>
+          </a:fontRef>
+        </p:style>
+        <p:txBody>
+          <a:bodyPr rtlCol="0" anchor="ctr"/>
+          <a:lstStyle/>
+          <a:p>
+            <a:pPr marL="342900" indent="-342900" algn="ctr">
+              <a:buAutoNum type="arabicPeriod"/>
+            </a:pPr>
+            <a:r>
+              <a:rPr lang="ko-KR" altLang="en-US" dirty="0">
+                <a:solidFill>
+                  <a:schemeClr val="tx1"/>
+                </a:solidFill>
+              </a:rPr>
+              <a:t>회원가입 폼</a:t>
+            </a:r>
+            <a:endParaRPr lang="en-US" altLang="ko-KR" dirty="0">
+              <a:solidFill>
+                <a:schemeClr val="tx1"/>
+              </a:solidFill>
+            </a:endParaRPr>
+          </a:p>
+          <a:p>
+            <a:pPr marL="342900" indent="-342900" algn="ctr">
+              <a:buAutoNum type="arabicPeriod"/>
+            </a:pPr>
+            <a:endParaRPr lang="en-US" altLang="ko-KR" dirty="0">
+              <a:solidFill>
+                <a:schemeClr val="tx1"/>
+              </a:solidFill>
+            </a:endParaRPr>
+          </a:p>
+          <a:p>
+            <a:r>
+              <a:rPr lang="ko-KR" altLang="en-US" dirty="0">
+                <a:solidFill>
+                  <a:schemeClr val="tx1"/>
+                </a:solidFill>
+              </a:rPr>
+              <a:t>이메일 입력 </a:t>
+            </a:r>
+            <a:r>
+              <a:rPr lang="en-US" altLang="ko-KR" dirty="0">
+                <a:solidFill>
+                  <a:schemeClr val="tx1"/>
+                </a:solidFill>
+              </a:rPr>
+              <a:t>[                        ]</a:t>
+            </a:r>
+          </a:p>
+          <a:p>
+            <a:pPr marL="342900" indent="-342900">
+              <a:buAutoNum type="arabicPeriod"/>
+            </a:pPr>
+            <a:endParaRPr lang="en-US" altLang="ko-KR" dirty="0">
+              <a:solidFill>
+                <a:schemeClr val="tx1"/>
+              </a:solidFill>
+            </a:endParaRPr>
+          </a:p>
+          <a:p>
+            <a:r>
+              <a:rPr lang="ko-KR" altLang="en-US" dirty="0">
+                <a:solidFill>
+                  <a:schemeClr val="tx1"/>
+                </a:solidFill>
+              </a:rPr>
+              <a:t>이름 입력 </a:t>
+            </a:r>
+            <a:r>
+              <a:rPr lang="en-US" altLang="ko-KR" dirty="0">
+                <a:solidFill>
+                  <a:schemeClr val="tx1"/>
+                </a:solidFill>
+              </a:rPr>
+              <a:t>[               ]</a:t>
+            </a:r>
+          </a:p>
+          <a:p>
+            <a:pPr algn="ctr"/>
+            <a:endParaRPr lang="en-US" altLang="ko-KR" dirty="0">
+              <a:solidFill>
+                <a:schemeClr val="tx1"/>
+              </a:solidFill>
+            </a:endParaRPr>
+          </a:p>
+          <a:p>
+            <a:r>
+              <a:rPr lang="ko-KR" altLang="en-US" dirty="0">
+                <a:solidFill>
+                  <a:schemeClr val="tx1"/>
+                </a:solidFill>
+              </a:rPr>
+              <a:t>비밀번호 입력 </a:t>
+            </a:r>
+            <a:r>
+              <a:rPr lang="en-US" altLang="ko-KR" dirty="0">
+                <a:solidFill>
+                  <a:schemeClr val="tx1"/>
+                </a:solidFill>
+              </a:rPr>
+              <a:t>[                  ]</a:t>
+            </a:r>
+          </a:p>
+          <a:p>
+            <a:endParaRPr lang="en-US" altLang="ko-KR" dirty="0">
+              <a:solidFill>
+                <a:schemeClr val="tx1"/>
+              </a:solidFill>
+            </a:endParaRPr>
+          </a:p>
+          <a:p>
+            <a:r>
+              <a:rPr lang="ko-KR" altLang="en-US" dirty="0">
+                <a:solidFill>
+                  <a:schemeClr val="tx1"/>
+                </a:solidFill>
+              </a:rPr>
+              <a:t>비밀번호 확인 </a:t>
+            </a:r>
+            <a:r>
+              <a:rPr lang="en-US" altLang="ko-KR" dirty="0">
+                <a:solidFill>
+                  <a:schemeClr val="tx1"/>
+                </a:solidFill>
+              </a:rPr>
+              <a:t>[		    ]</a:t>
+            </a:r>
+          </a:p>
+          <a:p>
+            <a:pPr marL="342900" indent="-342900" algn="ctr">
+              <a:buAutoNum type="arabicPeriod"/>
+            </a:pPr>
+            <a:endParaRPr lang="en-US" altLang="ko-KR" dirty="0">
+              <a:solidFill>
+                <a:schemeClr val="tx1"/>
+              </a:solidFill>
+            </a:endParaRPr>
+          </a:p>
+          <a:p>
+            <a:r>
+              <a:rPr lang="ko-KR" altLang="en-US" dirty="0">
+                <a:solidFill>
+                  <a:schemeClr val="tx1"/>
+                </a:solidFill>
+              </a:rPr>
+              <a:t>관심 카테고리 설정 </a:t>
+            </a:r>
+            <a:r>
+              <a:rPr lang="en-US" altLang="ko-KR" dirty="0">
+                <a:solidFill>
+                  <a:schemeClr val="tx1"/>
+                </a:solidFill>
+              </a:rPr>
+              <a:t>[               ]</a:t>
+            </a:r>
+          </a:p>
+          <a:p>
+            <a:pPr marL="342900" indent="-342900" algn="ctr">
+              <a:buAutoNum type="arabicPeriod"/>
+            </a:pPr>
+            <a:endParaRPr lang="en-US" altLang="ko-KR" dirty="0">
+              <a:solidFill>
+                <a:schemeClr val="tx1"/>
+              </a:solidFill>
+            </a:endParaRPr>
+          </a:p>
+          <a:p>
+            <a:pPr marL="342900" indent="-342900" algn="ctr">
+              <a:buAutoNum type="arabicPeriod"/>
+            </a:pPr>
+            <a:endParaRPr lang="en-US" altLang="ko-KR" dirty="0">
+              <a:solidFill>
+                <a:schemeClr val="tx1"/>
+              </a:solidFill>
+            </a:endParaRPr>
+          </a:p>
+          <a:p>
+            <a:pPr marL="342900" indent="-342900" algn="ctr">
+              <a:buAutoNum type="arabicPeriod"/>
+            </a:pPr>
+            <a:endParaRPr lang="en-US" altLang="ko-KR" dirty="0">
+              <a:solidFill>
+                <a:schemeClr val="tx1"/>
+              </a:solidFill>
+            </a:endParaRPr>
+          </a:p>
+          <a:p>
+            <a:pPr algn="ctr"/>
+            <a:r>
+              <a:rPr lang="en-US" altLang="ko-KR" dirty="0">
+                <a:solidFill>
+                  <a:schemeClr val="tx1"/>
+                </a:solidFill>
+              </a:rPr>
+              <a:t>[</a:t>
+            </a:r>
+            <a:r>
+              <a:rPr lang="ko-KR" altLang="en-US" dirty="0">
+                <a:solidFill>
+                  <a:schemeClr val="tx1"/>
+                </a:solidFill>
+              </a:rPr>
+              <a:t>회원 가입</a:t>
+            </a:r>
+            <a:r>
+              <a:rPr lang="en-US" altLang="ko-KR" dirty="0">
+                <a:solidFill>
+                  <a:schemeClr val="tx1"/>
+                </a:solidFill>
+              </a:rPr>
+              <a:t>]</a:t>
+            </a:r>
+            <a:endParaRPr lang="ko-KR" altLang="en-US" dirty="0">
+              <a:solidFill>
+                <a:schemeClr val="tx1"/>
+              </a:solidFill>
+            </a:endParaRPr>
+          </a:p>
+        </p:txBody>
+      </p:sp>
+    </p:spTree>
+    <p:extLst>
+      <p:ext uri="{BB962C8B-B14F-4D97-AF65-F5344CB8AC3E}">
+        <p14:creationId xmlns:p14="http://schemas.microsoft.com/office/powerpoint/2010/main" val="3247373224"/>
+      </p:ext>
+    </p:extLst>
+  </p:cSld>
+  <p:clrMapOvr>
+    <a:masterClrMapping/>
+  </p:clrMapOvr>
 </p:sld>
 </file>
 

--- a/0 발표용 파워포인트/project06 - 파워포인트 종합 - 형준.pptx
+++ b/0 발표용 파워포인트/project06 - 파워포인트 종합 - 형준.pptx
@@ -5,7 +5,7 @@
     <p:sldMasterId id="2147483648" r:id="rId1"/>
   </p:sldMasterIdLst>
   <p:notesMasterIdLst>
-    <p:notesMasterId r:id="rId26"/>
+    <p:notesMasterId r:id="rId27"/>
   </p:notesMasterIdLst>
   <p:sldIdLst>
     <p:sldId id="256" r:id="rId2"/>
@@ -28,10 +28,11 @@
     <p:sldId id="274" r:id="rId19"/>
     <p:sldId id="275" r:id="rId20"/>
     <p:sldId id="276" r:id="rId21"/>
-    <p:sldId id="277" r:id="rId22"/>
-    <p:sldId id="278" r:id="rId23"/>
-    <p:sldId id="279" r:id="rId24"/>
-    <p:sldId id="280" r:id="rId25"/>
+    <p:sldId id="281" r:id="rId22"/>
+    <p:sldId id="277" r:id="rId23"/>
+    <p:sldId id="278" r:id="rId24"/>
+    <p:sldId id="279" r:id="rId25"/>
+    <p:sldId id="280" r:id="rId26"/>
   </p:sldIdLst>
   <p:sldSz cx="12192000" cy="6858000"/>
   <p:notesSz cx="6858000" cy="9144000"/>
@@ -4426,7 +4427,7 @@
                 <a:gridCol w="2688299">
                   <a:extLst>
                     <a:ext uri="{9D8B030D-6E8A-4147-A177-3AD203B41FA5}">
-                      <a16:colId xmlns="" xmlns:a16="http://schemas.microsoft.com/office/drawing/2014/main" val="20000"/>
+                      <a16:colId xmlns:a16="http://schemas.microsoft.com/office/drawing/2014/main" xmlns="" val="20000"/>
                     </a:ext>
                   </a:extLst>
                 </a:gridCol>
@@ -4458,7 +4459,7 @@
                 </a:tc>
                 <a:extLst>
                   <a:ext uri="{0D108BD9-81ED-4DB2-BD59-A6C34878D82A}">
-                    <a16:rowId xmlns="" xmlns:a16="http://schemas.microsoft.com/office/drawing/2014/main" val="10000"/>
+                    <a16:rowId xmlns:a16="http://schemas.microsoft.com/office/drawing/2014/main" xmlns="" val="10000"/>
                   </a:ext>
                 </a:extLst>
               </a:tr>
@@ -4479,7 +4480,7 @@
                 </a:tc>
                 <a:extLst>
                   <a:ext uri="{0D108BD9-81ED-4DB2-BD59-A6C34878D82A}">
-                    <a16:rowId xmlns="" xmlns:a16="http://schemas.microsoft.com/office/drawing/2014/main" val="10001"/>
+                    <a16:rowId xmlns:a16="http://schemas.microsoft.com/office/drawing/2014/main" xmlns="" val="10001"/>
                   </a:ext>
                 </a:extLst>
               </a:tr>
@@ -4501,7 +4502,9 @@
           <a:prstGeom prst="rect">
             <a:avLst/>
           </a:prstGeom>
-          <a:noFill/>
+          <a:solidFill>
+            <a:schemeClr val="bg1"/>
+          </a:solidFill>
           <a:ln w="9525">
             <a:solidFill>
               <a:schemeClr val="tx1"/>
@@ -4561,14 +4564,14 @@
                 <a:gridCol w="280507">
                   <a:extLst>
                     <a:ext uri="{9D8B030D-6E8A-4147-A177-3AD203B41FA5}">
-                      <a16:colId xmlns="" xmlns:a16="http://schemas.microsoft.com/office/drawing/2014/main" val="20000"/>
+                      <a16:colId xmlns:a16="http://schemas.microsoft.com/office/drawing/2014/main" xmlns="" val="20000"/>
                     </a:ext>
                   </a:extLst>
                 </a:gridCol>
                 <a:gridCol w="2407792">
                   <a:extLst>
                     <a:ext uri="{9D8B030D-6E8A-4147-A177-3AD203B41FA5}">
-                      <a16:colId xmlns="" xmlns:a16="http://schemas.microsoft.com/office/drawing/2014/main" val="20001"/>
+                      <a16:colId xmlns:a16="http://schemas.microsoft.com/office/drawing/2014/main" xmlns="" val="20001"/>
                     </a:ext>
                   </a:extLst>
                 </a:gridCol>
@@ -4622,7 +4625,7 @@
                 </a:tc>
                 <a:extLst>
                   <a:ext uri="{0D108BD9-81ED-4DB2-BD59-A6C34878D82A}">
-                    <a16:rowId xmlns="" xmlns:a16="http://schemas.microsoft.com/office/drawing/2014/main" val="10000"/>
+                    <a16:rowId xmlns:a16="http://schemas.microsoft.com/office/drawing/2014/main" xmlns="" val="10000"/>
                   </a:ext>
                 </a:extLst>
               </a:tr>
@@ -4741,7 +4744,7 @@
                 </a:tc>
                 <a:extLst>
                   <a:ext uri="{0D108BD9-81ED-4DB2-BD59-A6C34878D82A}">
-                    <a16:rowId xmlns="" xmlns:a16="http://schemas.microsoft.com/office/drawing/2014/main" val="10001"/>
+                    <a16:rowId xmlns:a16="http://schemas.microsoft.com/office/drawing/2014/main" xmlns="" val="10001"/>
                   </a:ext>
                 </a:extLst>
               </a:tr>
@@ -4865,7 +4868,7 @@
                 </a:tc>
                 <a:extLst>
                   <a:ext uri="{0D108BD9-81ED-4DB2-BD59-A6C34878D82A}">
-                    <a16:rowId xmlns="" xmlns:a16="http://schemas.microsoft.com/office/drawing/2014/main" val="10002"/>
+                    <a16:rowId xmlns:a16="http://schemas.microsoft.com/office/drawing/2014/main" xmlns="" val="10002"/>
                   </a:ext>
                 </a:extLst>
               </a:tr>
@@ -4998,7 +5001,7 @@
                 </a:tc>
                 <a:extLst>
                   <a:ext uri="{0D108BD9-81ED-4DB2-BD59-A6C34878D82A}">
-                    <a16:rowId xmlns="" xmlns:a16="http://schemas.microsoft.com/office/drawing/2014/main" val="10003"/>
+                    <a16:rowId xmlns:a16="http://schemas.microsoft.com/office/drawing/2014/main" xmlns="" val="10003"/>
                   </a:ext>
                 </a:extLst>
               </a:tr>
@@ -5044,7 +5047,7 @@
                 </a:tc>
                 <a:extLst>
                   <a:ext uri="{0D108BD9-81ED-4DB2-BD59-A6C34878D82A}">
-                    <a16:rowId xmlns="" xmlns:a16="http://schemas.microsoft.com/office/drawing/2014/main" val="10004"/>
+                    <a16:rowId xmlns:a16="http://schemas.microsoft.com/office/drawing/2014/main" xmlns="" val="10004"/>
                   </a:ext>
                 </a:extLst>
               </a:tr>
@@ -5090,7 +5093,7 @@
                 </a:tc>
                 <a:extLst>
                   <a:ext uri="{0D108BD9-81ED-4DB2-BD59-A6C34878D82A}">
-                    <a16:rowId xmlns="" xmlns:a16="http://schemas.microsoft.com/office/drawing/2014/main" val="10005"/>
+                    <a16:rowId xmlns:a16="http://schemas.microsoft.com/office/drawing/2014/main" xmlns="" val="10005"/>
                   </a:ext>
                 </a:extLst>
               </a:tr>
@@ -6796,7 +6799,7 @@
                 <a:gridCol w="2688299">
                   <a:extLst>
                     <a:ext uri="{9D8B030D-6E8A-4147-A177-3AD203B41FA5}">
-                      <a16:colId xmlns="" xmlns:a16="http://schemas.microsoft.com/office/drawing/2014/main" val="20000"/>
+                      <a16:colId xmlns:a16="http://schemas.microsoft.com/office/drawing/2014/main" xmlns="" val="20000"/>
                     </a:ext>
                   </a:extLst>
                 </a:gridCol>
@@ -6828,7 +6831,7 @@
                 </a:tc>
                 <a:extLst>
                   <a:ext uri="{0D108BD9-81ED-4DB2-BD59-A6C34878D82A}">
-                    <a16:rowId xmlns="" xmlns:a16="http://schemas.microsoft.com/office/drawing/2014/main" val="10000"/>
+                    <a16:rowId xmlns:a16="http://schemas.microsoft.com/office/drawing/2014/main" xmlns="" val="10000"/>
                   </a:ext>
                 </a:extLst>
               </a:tr>
@@ -6849,7 +6852,7 @@
                 </a:tc>
                 <a:extLst>
                   <a:ext uri="{0D108BD9-81ED-4DB2-BD59-A6C34878D82A}">
-                    <a16:rowId xmlns="" xmlns:a16="http://schemas.microsoft.com/office/drawing/2014/main" val="10001"/>
+                    <a16:rowId xmlns:a16="http://schemas.microsoft.com/office/drawing/2014/main" xmlns="" val="10001"/>
                   </a:ext>
                 </a:extLst>
               </a:tr>
@@ -6871,7 +6874,9 @@
           <a:prstGeom prst="rect">
             <a:avLst/>
           </a:prstGeom>
-          <a:noFill/>
+          <a:solidFill>
+            <a:schemeClr val="bg1"/>
+          </a:solidFill>
           <a:ln w="9525">
             <a:solidFill>
               <a:schemeClr val="tx1"/>
@@ -6931,14 +6936,14 @@
                 <a:gridCol w="280507">
                   <a:extLst>
                     <a:ext uri="{9D8B030D-6E8A-4147-A177-3AD203B41FA5}">
-                      <a16:colId xmlns="" xmlns:a16="http://schemas.microsoft.com/office/drawing/2014/main" val="20000"/>
+                      <a16:colId xmlns:a16="http://schemas.microsoft.com/office/drawing/2014/main" xmlns="" val="20000"/>
                     </a:ext>
                   </a:extLst>
                 </a:gridCol>
                 <a:gridCol w="2407792">
                   <a:extLst>
                     <a:ext uri="{9D8B030D-6E8A-4147-A177-3AD203B41FA5}">
-                      <a16:colId xmlns="" xmlns:a16="http://schemas.microsoft.com/office/drawing/2014/main" val="20001"/>
+                      <a16:colId xmlns:a16="http://schemas.microsoft.com/office/drawing/2014/main" xmlns="" val="20001"/>
                     </a:ext>
                   </a:extLst>
                 </a:gridCol>
@@ -6992,7 +6997,7 @@
                 </a:tc>
                 <a:extLst>
                   <a:ext uri="{0D108BD9-81ED-4DB2-BD59-A6C34878D82A}">
-                    <a16:rowId xmlns="" xmlns:a16="http://schemas.microsoft.com/office/drawing/2014/main" val="10000"/>
+                    <a16:rowId xmlns:a16="http://schemas.microsoft.com/office/drawing/2014/main" xmlns="" val="10000"/>
                   </a:ext>
                 </a:extLst>
               </a:tr>
@@ -7111,7 +7116,7 @@
                 </a:tc>
                 <a:extLst>
                   <a:ext uri="{0D108BD9-81ED-4DB2-BD59-A6C34878D82A}">
-                    <a16:rowId xmlns="" xmlns:a16="http://schemas.microsoft.com/office/drawing/2014/main" val="10001"/>
+                    <a16:rowId xmlns:a16="http://schemas.microsoft.com/office/drawing/2014/main" xmlns="" val="10001"/>
                   </a:ext>
                 </a:extLst>
               </a:tr>
@@ -7235,7 +7240,7 @@
                 </a:tc>
                 <a:extLst>
                   <a:ext uri="{0D108BD9-81ED-4DB2-BD59-A6C34878D82A}">
-                    <a16:rowId xmlns="" xmlns:a16="http://schemas.microsoft.com/office/drawing/2014/main" val="10002"/>
+                    <a16:rowId xmlns:a16="http://schemas.microsoft.com/office/drawing/2014/main" xmlns="" val="10002"/>
                   </a:ext>
                 </a:extLst>
               </a:tr>
@@ -7407,7 +7412,7 @@
                 </a:tc>
                 <a:extLst>
                   <a:ext uri="{0D108BD9-81ED-4DB2-BD59-A6C34878D82A}">
-                    <a16:rowId xmlns="" xmlns:a16="http://schemas.microsoft.com/office/drawing/2014/main" val="10003"/>
+                    <a16:rowId xmlns:a16="http://schemas.microsoft.com/office/drawing/2014/main" xmlns="" val="10003"/>
                   </a:ext>
                 </a:extLst>
               </a:tr>
@@ -7453,7 +7458,7 @@
                 </a:tc>
                 <a:extLst>
                   <a:ext uri="{0D108BD9-81ED-4DB2-BD59-A6C34878D82A}">
-                    <a16:rowId xmlns="" xmlns:a16="http://schemas.microsoft.com/office/drawing/2014/main" val="10004"/>
+                    <a16:rowId xmlns:a16="http://schemas.microsoft.com/office/drawing/2014/main" xmlns="" val="10004"/>
                   </a:ext>
                 </a:extLst>
               </a:tr>
@@ -7499,7 +7504,7 @@
                 </a:tc>
                 <a:extLst>
                   <a:ext uri="{0D108BD9-81ED-4DB2-BD59-A6C34878D82A}">
-                    <a16:rowId xmlns="" xmlns:a16="http://schemas.microsoft.com/office/drawing/2014/main" val="10005"/>
+                    <a16:rowId xmlns:a16="http://schemas.microsoft.com/office/drawing/2014/main" xmlns="" val="10005"/>
                   </a:ext>
                 </a:extLst>
               </a:tr>
@@ -9014,7 +9019,7 @@
                 <a:gridCol w="2688299">
                   <a:extLst>
                     <a:ext uri="{9D8B030D-6E8A-4147-A177-3AD203B41FA5}">
-                      <a16:colId xmlns="" xmlns:a16="http://schemas.microsoft.com/office/drawing/2014/main" val="20000"/>
+                      <a16:colId xmlns:a16="http://schemas.microsoft.com/office/drawing/2014/main" xmlns="" val="20000"/>
                     </a:ext>
                   </a:extLst>
                 </a:gridCol>
@@ -9046,7 +9051,7 @@
                 </a:tc>
                 <a:extLst>
                   <a:ext uri="{0D108BD9-81ED-4DB2-BD59-A6C34878D82A}">
-                    <a16:rowId xmlns="" xmlns:a16="http://schemas.microsoft.com/office/drawing/2014/main" val="10000"/>
+                    <a16:rowId xmlns:a16="http://schemas.microsoft.com/office/drawing/2014/main" xmlns="" val="10000"/>
                   </a:ext>
                 </a:extLst>
               </a:tr>
@@ -9067,7 +9072,7 @@
                 </a:tc>
                 <a:extLst>
                   <a:ext uri="{0D108BD9-81ED-4DB2-BD59-A6C34878D82A}">
-                    <a16:rowId xmlns="" xmlns:a16="http://schemas.microsoft.com/office/drawing/2014/main" val="10001"/>
+                    <a16:rowId xmlns:a16="http://schemas.microsoft.com/office/drawing/2014/main" xmlns="" val="10001"/>
                   </a:ext>
                 </a:extLst>
               </a:tr>
@@ -9089,7 +9094,9 @@
           <a:prstGeom prst="rect">
             <a:avLst/>
           </a:prstGeom>
-          <a:noFill/>
+          <a:solidFill>
+            <a:schemeClr val="bg1"/>
+          </a:solidFill>
           <a:ln w="9525">
             <a:solidFill>
               <a:schemeClr val="tx1"/>
@@ -9149,14 +9156,14 @@
                 <a:gridCol w="280507">
                   <a:extLst>
                     <a:ext uri="{9D8B030D-6E8A-4147-A177-3AD203B41FA5}">
-                      <a16:colId xmlns="" xmlns:a16="http://schemas.microsoft.com/office/drawing/2014/main" val="20000"/>
+                      <a16:colId xmlns:a16="http://schemas.microsoft.com/office/drawing/2014/main" xmlns="" val="20000"/>
                     </a:ext>
                   </a:extLst>
                 </a:gridCol>
                 <a:gridCol w="2407792">
                   <a:extLst>
                     <a:ext uri="{9D8B030D-6E8A-4147-A177-3AD203B41FA5}">
-                      <a16:colId xmlns="" xmlns:a16="http://schemas.microsoft.com/office/drawing/2014/main" val="20001"/>
+                      <a16:colId xmlns:a16="http://schemas.microsoft.com/office/drawing/2014/main" xmlns="" val="20001"/>
                     </a:ext>
                   </a:extLst>
                 </a:gridCol>
@@ -9210,7 +9217,7 @@
                 </a:tc>
                 <a:extLst>
                   <a:ext uri="{0D108BD9-81ED-4DB2-BD59-A6C34878D82A}">
-                    <a16:rowId xmlns="" xmlns:a16="http://schemas.microsoft.com/office/drawing/2014/main" val="10000"/>
+                    <a16:rowId xmlns:a16="http://schemas.microsoft.com/office/drawing/2014/main" xmlns="" val="10000"/>
                   </a:ext>
                 </a:extLst>
               </a:tr>
@@ -9329,7 +9336,7 @@
                 </a:tc>
                 <a:extLst>
                   <a:ext uri="{0D108BD9-81ED-4DB2-BD59-A6C34878D82A}">
-                    <a16:rowId xmlns="" xmlns:a16="http://schemas.microsoft.com/office/drawing/2014/main" val="10001"/>
+                    <a16:rowId xmlns:a16="http://schemas.microsoft.com/office/drawing/2014/main" xmlns="" val="10001"/>
                   </a:ext>
                 </a:extLst>
               </a:tr>
@@ -9453,7 +9460,7 @@
                 </a:tc>
                 <a:extLst>
                   <a:ext uri="{0D108BD9-81ED-4DB2-BD59-A6C34878D82A}">
-                    <a16:rowId xmlns="" xmlns:a16="http://schemas.microsoft.com/office/drawing/2014/main" val="10002"/>
+                    <a16:rowId xmlns:a16="http://schemas.microsoft.com/office/drawing/2014/main" xmlns="" val="10002"/>
                   </a:ext>
                 </a:extLst>
               </a:tr>
@@ -9610,7 +9617,7 @@
                 </a:tc>
                 <a:extLst>
                   <a:ext uri="{0D108BD9-81ED-4DB2-BD59-A6C34878D82A}">
-                    <a16:rowId xmlns="" xmlns:a16="http://schemas.microsoft.com/office/drawing/2014/main" val="10003"/>
+                    <a16:rowId xmlns:a16="http://schemas.microsoft.com/office/drawing/2014/main" xmlns="" val="10003"/>
                   </a:ext>
                 </a:extLst>
               </a:tr>
@@ -9656,7 +9663,7 @@
                 </a:tc>
                 <a:extLst>
                   <a:ext uri="{0D108BD9-81ED-4DB2-BD59-A6C34878D82A}">
-                    <a16:rowId xmlns="" xmlns:a16="http://schemas.microsoft.com/office/drawing/2014/main" val="10004"/>
+                    <a16:rowId xmlns:a16="http://schemas.microsoft.com/office/drawing/2014/main" xmlns="" val="10004"/>
                   </a:ext>
                 </a:extLst>
               </a:tr>
@@ -9702,7 +9709,7 @@
                 </a:tc>
                 <a:extLst>
                   <a:ext uri="{0D108BD9-81ED-4DB2-BD59-A6C34878D82A}">
-                    <a16:rowId xmlns="" xmlns:a16="http://schemas.microsoft.com/office/drawing/2014/main" val="10005"/>
+                    <a16:rowId xmlns:a16="http://schemas.microsoft.com/office/drawing/2014/main" xmlns="" val="10005"/>
                   </a:ext>
                 </a:extLst>
               </a:tr>
@@ -11392,7 +11399,7 @@
                 <a:gridCol w="2688299">
                   <a:extLst>
                     <a:ext uri="{9D8B030D-6E8A-4147-A177-3AD203B41FA5}">
-                      <a16:colId xmlns="" xmlns:a16="http://schemas.microsoft.com/office/drawing/2014/main" val="20000"/>
+                      <a16:colId xmlns:a16="http://schemas.microsoft.com/office/drawing/2014/main" xmlns="" val="20000"/>
                     </a:ext>
                   </a:extLst>
                 </a:gridCol>
@@ -11424,7 +11431,7 @@
                 </a:tc>
                 <a:extLst>
                   <a:ext uri="{0D108BD9-81ED-4DB2-BD59-A6C34878D82A}">
-                    <a16:rowId xmlns="" xmlns:a16="http://schemas.microsoft.com/office/drawing/2014/main" val="10000"/>
+                    <a16:rowId xmlns:a16="http://schemas.microsoft.com/office/drawing/2014/main" xmlns="" val="10000"/>
                   </a:ext>
                 </a:extLst>
               </a:tr>
@@ -11445,7 +11452,7 @@
                 </a:tc>
                 <a:extLst>
                   <a:ext uri="{0D108BD9-81ED-4DB2-BD59-A6C34878D82A}">
-                    <a16:rowId xmlns="" xmlns:a16="http://schemas.microsoft.com/office/drawing/2014/main" val="10001"/>
+                    <a16:rowId xmlns:a16="http://schemas.microsoft.com/office/drawing/2014/main" xmlns="" val="10001"/>
                   </a:ext>
                 </a:extLst>
               </a:tr>
@@ -11467,7 +11474,9 @@
           <a:prstGeom prst="rect">
             <a:avLst/>
           </a:prstGeom>
-          <a:noFill/>
+          <a:solidFill>
+            <a:schemeClr val="bg1"/>
+          </a:solidFill>
           <a:ln w="9525">
             <a:solidFill>
               <a:schemeClr val="tx1"/>
@@ -11527,14 +11536,14 @@
                 <a:gridCol w="280507">
                   <a:extLst>
                     <a:ext uri="{9D8B030D-6E8A-4147-A177-3AD203B41FA5}">
-                      <a16:colId xmlns="" xmlns:a16="http://schemas.microsoft.com/office/drawing/2014/main" val="20000"/>
+                      <a16:colId xmlns:a16="http://schemas.microsoft.com/office/drawing/2014/main" xmlns="" val="20000"/>
                     </a:ext>
                   </a:extLst>
                 </a:gridCol>
                 <a:gridCol w="2407792">
                   <a:extLst>
                     <a:ext uri="{9D8B030D-6E8A-4147-A177-3AD203B41FA5}">
-                      <a16:colId xmlns="" xmlns:a16="http://schemas.microsoft.com/office/drawing/2014/main" val="20001"/>
+                      <a16:colId xmlns:a16="http://schemas.microsoft.com/office/drawing/2014/main" xmlns="" val="20001"/>
                     </a:ext>
                   </a:extLst>
                 </a:gridCol>
@@ -11588,7 +11597,7 @@
                 </a:tc>
                 <a:extLst>
                   <a:ext uri="{0D108BD9-81ED-4DB2-BD59-A6C34878D82A}">
-                    <a16:rowId xmlns="" xmlns:a16="http://schemas.microsoft.com/office/drawing/2014/main" val="10000"/>
+                    <a16:rowId xmlns:a16="http://schemas.microsoft.com/office/drawing/2014/main" xmlns="" val="10000"/>
                   </a:ext>
                 </a:extLst>
               </a:tr>
@@ -11707,7 +11716,7 @@
                 </a:tc>
                 <a:extLst>
                   <a:ext uri="{0D108BD9-81ED-4DB2-BD59-A6C34878D82A}">
-                    <a16:rowId xmlns="" xmlns:a16="http://schemas.microsoft.com/office/drawing/2014/main" val="10001"/>
+                    <a16:rowId xmlns:a16="http://schemas.microsoft.com/office/drawing/2014/main" xmlns="" val="10001"/>
                   </a:ext>
                 </a:extLst>
               </a:tr>
@@ -11831,7 +11840,7 @@
                 </a:tc>
                 <a:extLst>
                   <a:ext uri="{0D108BD9-81ED-4DB2-BD59-A6C34878D82A}">
-                    <a16:rowId xmlns="" xmlns:a16="http://schemas.microsoft.com/office/drawing/2014/main" val="10002"/>
+                    <a16:rowId xmlns:a16="http://schemas.microsoft.com/office/drawing/2014/main" xmlns="" val="10002"/>
                   </a:ext>
                 </a:extLst>
               </a:tr>
@@ -12022,7 +12031,7 @@
                 </a:tc>
                 <a:extLst>
                   <a:ext uri="{0D108BD9-81ED-4DB2-BD59-A6C34878D82A}">
-                    <a16:rowId xmlns="" xmlns:a16="http://schemas.microsoft.com/office/drawing/2014/main" val="10003"/>
+                    <a16:rowId xmlns:a16="http://schemas.microsoft.com/office/drawing/2014/main" xmlns="" val="10003"/>
                   </a:ext>
                 </a:extLst>
               </a:tr>
@@ -12068,7 +12077,7 @@
                 </a:tc>
                 <a:extLst>
                   <a:ext uri="{0D108BD9-81ED-4DB2-BD59-A6C34878D82A}">
-                    <a16:rowId xmlns="" xmlns:a16="http://schemas.microsoft.com/office/drawing/2014/main" val="10004"/>
+                    <a16:rowId xmlns:a16="http://schemas.microsoft.com/office/drawing/2014/main" xmlns="" val="10004"/>
                   </a:ext>
                 </a:extLst>
               </a:tr>
@@ -12114,7 +12123,7 @@
                 </a:tc>
                 <a:extLst>
                   <a:ext uri="{0D108BD9-81ED-4DB2-BD59-A6C34878D82A}">
-                    <a16:rowId xmlns="" xmlns:a16="http://schemas.microsoft.com/office/drawing/2014/main" val="10005"/>
+                    <a16:rowId xmlns:a16="http://schemas.microsoft.com/office/drawing/2014/main" xmlns="" val="10005"/>
                   </a:ext>
                 </a:extLst>
               </a:tr>
@@ -13656,7 +13665,7 @@
                 <a:gridCol w="2688299">
                   <a:extLst>
                     <a:ext uri="{9D8B030D-6E8A-4147-A177-3AD203B41FA5}">
-                      <a16:colId xmlns="" xmlns:a16="http://schemas.microsoft.com/office/drawing/2014/main" val="20000"/>
+                      <a16:colId xmlns:a16="http://schemas.microsoft.com/office/drawing/2014/main" xmlns="" val="20000"/>
                     </a:ext>
                   </a:extLst>
                 </a:gridCol>
@@ -13688,7 +13697,7 @@
                 </a:tc>
                 <a:extLst>
                   <a:ext uri="{0D108BD9-81ED-4DB2-BD59-A6C34878D82A}">
-                    <a16:rowId xmlns="" xmlns:a16="http://schemas.microsoft.com/office/drawing/2014/main" val="10000"/>
+                    <a16:rowId xmlns:a16="http://schemas.microsoft.com/office/drawing/2014/main" xmlns="" val="10000"/>
                   </a:ext>
                 </a:extLst>
               </a:tr>
@@ -13709,7 +13718,7 @@
                 </a:tc>
                 <a:extLst>
                   <a:ext uri="{0D108BD9-81ED-4DB2-BD59-A6C34878D82A}">
-                    <a16:rowId xmlns="" xmlns:a16="http://schemas.microsoft.com/office/drawing/2014/main" val="10001"/>
+                    <a16:rowId xmlns:a16="http://schemas.microsoft.com/office/drawing/2014/main" xmlns="" val="10001"/>
                   </a:ext>
                 </a:extLst>
               </a:tr>
@@ -13731,7 +13740,9 @@
           <a:prstGeom prst="rect">
             <a:avLst/>
           </a:prstGeom>
-          <a:noFill/>
+          <a:solidFill>
+            <a:schemeClr val="bg1"/>
+          </a:solidFill>
           <a:ln w="9525">
             <a:solidFill>
               <a:schemeClr val="tx1"/>
@@ -13791,14 +13802,14 @@
                 <a:gridCol w="280507">
                   <a:extLst>
                     <a:ext uri="{9D8B030D-6E8A-4147-A177-3AD203B41FA5}">
-                      <a16:colId xmlns="" xmlns:a16="http://schemas.microsoft.com/office/drawing/2014/main" val="20000"/>
+                      <a16:colId xmlns:a16="http://schemas.microsoft.com/office/drawing/2014/main" xmlns="" val="20000"/>
                     </a:ext>
                   </a:extLst>
                 </a:gridCol>
                 <a:gridCol w="2407792">
                   <a:extLst>
                     <a:ext uri="{9D8B030D-6E8A-4147-A177-3AD203B41FA5}">
-                      <a16:colId xmlns="" xmlns:a16="http://schemas.microsoft.com/office/drawing/2014/main" val="20001"/>
+                      <a16:colId xmlns:a16="http://schemas.microsoft.com/office/drawing/2014/main" xmlns="" val="20001"/>
                     </a:ext>
                   </a:extLst>
                 </a:gridCol>
@@ -13852,7 +13863,7 @@
                 </a:tc>
                 <a:extLst>
                   <a:ext uri="{0D108BD9-81ED-4DB2-BD59-A6C34878D82A}">
-                    <a16:rowId xmlns="" xmlns:a16="http://schemas.microsoft.com/office/drawing/2014/main" val="10000"/>
+                    <a16:rowId xmlns:a16="http://schemas.microsoft.com/office/drawing/2014/main" xmlns="" val="10000"/>
                   </a:ext>
                 </a:extLst>
               </a:tr>
@@ -13971,7 +13982,7 @@
                 </a:tc>
                 <a:extLst>
                   <a:ext uri="{0D108BD9-81ED-4DB2-BD59-A6C34878D82A}">
-                    <a16:rowId xmlns="" xmlns:a16="http://schemas.microsoft.com/office/drawing/2014/main" val="10001"/>
+                    <a16:rowId xmlns:a16="http://schemas.microsoft.com/office/drawing/2014/main" xmlns="" val="10001"/>
                   </a:ext>
                 </a:extLst>
               </a:tr>
@@ -14095,7 +14106,7 @@
                 </a:tc>
                 <a:extLst>
                   <a:ext uri="{0D108BD9-81ED-4DB2-BD59-A6C34878D82A}">
-                    <a16:rowId xmlns="" xmlns:a16="http://schemas.microsoft.com/office/drawing/2014/main" val="10002"/>
+                    <a16:rowId xmlns:a16="http://schemas.microsoft.com/office/drawing/2014/main" xmlns="" val="10002"/>
                   </a:ext>
                 </a:extLst>
               </a:tr>
@@ -14217,7 +14228,7 @@
                 </a:tc>
                 <a:extLst>
                   <a:ext uri="{0D108BD9-81ED-4DB2-BD59-A6C34878D82A}">
-                    <a16:rowId xmlns="" xmlns:a16="http://schemas.microsoft.com/office/drawing/2014/main" val="10003"/>
+                    <a16:rowId xmlns:a16="http://schemas.microsoft.com/office/drawing/2014/main" xmlns="" val="10003"/>
                   </a:ext>
                 </a:extLst>
               </a:tr>
@@ -14263,7 +14274,7 @@
                 </a:tc>
                 <a:extLst>
                   <a:ext uri="{0D108BD9-81ED-4DB2-BD59-A6C34878D82A}">
-                    <a16:rowId xmlns="" xmlns:a16="http://schemas.microsoft.com/office/drawing/2014/main" val="10004"/>
+                    <a16:rowId xmlns:a16="http://schemas.microsoft.com/office/drawing/2014/main" xmlns="" val="10004"/>
                   </a:ext>
                 </a:extLst>
               </a:tr>
@@ -14309,7 +14320,7 @@
                 </a:tc>
                 <a:extLst>
                   <a:ext uri="{0D108BD9-81ED-4DB2-BD59-A6C34878D82A}">
-                    <a16:rowId xmlns="" xmlns:a16="http://schemas.microsoft.com/office/drawing/2014/main" val="10005"/>
+                    <a16:rowId xmlns:a16="http://schemas.microsoft.com/office/drawing/2014/main" xmlns="" val="10005"/>
                   </a:ext>
                 </a:extLst>
               </a:tr>
@@ -15951,7 +15962,7 @@
                 <a:gridCol w="2688299">
                   <a:extLst>
                     <a:ext uri="{9D8B030D-6E8A-4147-A177-3AD203B41FA5}">
-                      <a16:colId xmlns="" xmlns:a16="http://schemas.microsoft.com/office/drawing/2014/main" val="20000"/>
+                      <a16:colId xmlns:a16="http://schemas.microsoft.com/office/drawing/2014/main" xmlns="" val="20000"/>
                     </a:ext>
                   </a:extLst>
                 </a:gridCol>
@@ -15983,7 +15994,7 @@
                 </a:tc>
                 <a:extLst>
                   <a:ext uri="{0D108BD9-81ED-4DB2-BD59-A6C34878D82A}">
-                    <a16:rowId xmlns="" xmlns:a16="http://schemas.microsoft.com/office/drawing/2014/main" val="10000"/>
+                    <a16:rowId xmlns:a16="http://schemas.microsoft.com/office/drawing/2014/main" xmlns="" val="10000"/>
                   </a:ext>
                 </a:extLst>
               </a:tr>
@@ -16004,7 +16015,7 @@
                 </a:tc>
                 <a:extLst>
                   <a:ext uri="{0D108BD9-81ED-4DB2-BD59-A6C34878D82A}">
-                    <a16:rowId xmlns="" xmlns:a16="http://schemas.microsoft.com/office/drawing/2014/main" val="10001"/>
+                    <a16:rowId xmlns:a16="http://schemas.microsoft.com/office/drawing/2014/main" xmlns="" val="10001"/>
                   </a:ext>
                 </a:extLst>
               </a:tr>
@@ -16026,7 +16037,9 @@
           <a:prstGeom prst="rect">
             <a:avLst/>
           </a:prstGeom>
-          <a:noFill/>
+          <a:solidFill>
+            <a:schemeClr val="bg1"/>
+          </a:solidFill>
           <a:ln w="9525">
             <a:solidFill>
               <a:schemeClr val="tx1"/>
@@ -16086,14 +16099,14 @@
                 <a:gridCol w="280507">
                   <a:extLst>
                     <a:ext uri="{9D8B030D-6E8A-4147-A177-3AD203B41FA5}">
-                      <a16:colId xmlns="" xmlns:a16="http://schemas.microsoft.com/office/drawing/2014/main" val="20000"/>
+                      <a16:colId xmlns:a16="http://schemas.microsoft.com/office/drawing/2014/main" xmlns="" val="20000"/>
                     </a:ext>
                   </a:extLst>
                 </a:gridCol>
                 <a:gridCol w="2407792">
                   <a:extLst>
                     <a:ext uri="{9D8B030D-6E8A-4147-A177-3AD203B41FA5}">
-                      <a16:colId xmlns="" xmlns:a16="http://schemas.microsoft.com/office/drawing/2014/main" val="20001"/>
+                      <a16:colId xmlns:a16="http://schemas.microsoft.com/office/drawing/2014/main" xmlns="" val="20001"/>
                     </a:ext>
                   </a:extLst>
                 </a:gridCol>
@@ -16147,7 +16160,7 @@
                 </a:tc>
                 <a:extLst>
                   <a:ext uri="{0D108BD9-81ED-4DB2-BD59-A6C34878D82A}">
-                    <a16:rowId xmlns="" xmlns:a16="http://schemas.microsoft.com/office/drawing/2014/main" val="10000"/>
+                    <a16:rowId xmlns:a16="http://schemas.microsoft.com/office/drawing/2014/main" xmlns="" val="10000"/>
                   </a:ext>
                 </a:extLst>
               </a:tr>
@@ -16266,7 +16279,7 @@
                 </a:tc>
                 <a:extLst>
                   <a:ext uri="{0D108BD9-81ED-4DB2-BD59-A6C34878D82A}">
-                    <a16:rowId xmlns="" xmlns:a16="http://schemas.microsoft.com/office/drawing/2014/main" val="10001"/>
+                    <a16:rowId xmlns:a16="http://schemas.microsoft.com/office/drawing/2014/main" xmlns="" val="10001"/>
                   </a:ext>
                 </a:extLst>
               </a:tr>
@@ -16390,7 +16403,7 @@
                 </a:tc>
                 <a:extLst>
                   <a:ext uri="{0D108BD9-81ED-4DB2-BD59-A6C34878D82A}">
-                    <a16:rowId xmlns="" xmlns:a16="http://schemas.microsoft.com/office/drawing/2014/main" val="10002"/>
+                    <a16:rowId xmlns:a16="http://schemas.microsoft.com/office/drawing/2014/main" xmlns="" val="10002"/>
                   </a:ext>
                 </a:extLst>
               </a:tr>
@@ -16512,7 +16525,7 @@
                 </a:tc>
                 <a:extLst>
                   <a:ext uri="{0D108BD9-81ED-4DB2-BD59-A6C34878D82A}">
-                    <a16:rowId xmlns="" xmlns:a16="http://schemas.microsoft.com/office/drawing/2014/main" val="10003"/>
+                    <a16:rowId xmlns:a16="http://schemas.microsoft.com/office/drawing/2014/main" xmlns="" val="10003"/>
                   </a:ext>
                 </a:extLst>
               </a:tr>
@@ -16558,7 +16571,7 @@
                 </a:tc>
                 <a:extLst>
                   <a:ext uri="{0D108BD9-81ED-4DB2-BD59-A6C34878D82A}">
-                    <a16:rowId xmlns="" xmlns:a16="http://schemas.microsoft.com/office/drawing/2014/main" val="10004"/>
+                    <a16:rowId xmlns:a16="http://schemas.microsoft.com/office/drawing/2014/main" xmlns="" val="10004"/>
                   </a:ext>
                 </a:extLst>
               </a:tr>
@@ -16604,7 +16617,7 @@
                 </a:tc>
                 <a:extLst>
                   <a:ext uri="{0D108BD9-81ED-4DB2-BD59-A6C34878D82A}">
-                    <a16:rowId xmlns="" xmlns:a16="http://schemas.microsoft.com/office/drawing/2014/main" val="10005"/>
+                    <a16:rowId xmlns:a16="http://schemas.microsoft.com/office/drawing/2014/main" xmlns="" val="10005"/>
                   </a:ext>
                 </a:extLst>
               </a:tr>
@@ -18153,7 +18166,7 @@
                 <a:gridCol w="2688299">
                   <a:extLst>
                     <a:ext uri="{9D8B030D-6E8A-4147-A177-3AD203B41FA5}">
-                      <a16:colId xmlns="" xmlns:a16="http://schemas.microsoft.com/office/drawing/2014/main" val="20000"/>
+                      <a16:colId xmlns:a16="http://schemas.microsoft.com/office/drawing/2014/main" xmlns="" val="20000"/>
                     </a:ext>
                   </a:extLst>
                 </a:gridCol>
@@ -18185,7 +18198,7 @@
                 </a:tc>
                 <a:extLst>
                   <a:ext uri="{0D108BD9-81ED-4DB2-BD59-A6C34878D82A}">
-                    <a16:rowId xmlns="" xmlns:a16="http://schemas.microsoft.com/office/drawing/2014/main" val="10000"/>
+                    <a16:rowId xmlns:a16="http://schemas.microsoft.com/office/drawing/2014/main" xmlns="" val="10000"/>
                   </a:ext>
                 </a:extLst>
               </a:tr>
@@ -18206,7 +18219,7 @@
                 </a:tc>
                 <a:extLst>
                   <a:ext uri="{0D108BD9-81ED-4DB2-BD59-A6C34878D82A}">
-                    <a16:rowId xmlns="" xmlns:a16="http://schemas.microsoft.com/office/drawing/2014/main" val="10001"/>
+                    <a16:rowId xmlns:a16="http://schemas.microsoft.com/office/drawing/2014/main" xmlns="" val="10001"/>
                   </a:ext>
                 </a:extLst>
               </a:tr>
@@ -18284,14 +18297,14 @@
                 <a:gridCol w="280507">
                   <a:extLst>
                     <a:ext uri="{9D8B030D-6E8A-4147-A177-3AD203B41FA5}">
-                      <a16:colId xmlns="" xmlns:a16="http://schemas.microsoft.com/office/drawing/2014/main" val="20000"/>
+                      <a16:colId xmlns:a16="http://schemas.microsoft.com/office/drawing/2014/main" xmlns="" val="20000"/>
                     </a:ext>
                   </a:extLst>
                 </a:gridCol>
                 <a:gridCol w="2407792">
                   <a:extLst>
                     <a:ext uri="{9D8B030D-6E8A-4147-A177-3AD203B41FA5}">
-                      <a16:colId xmlns="" xmlns:a16="http://schemas.microsoft.com/office/drawing/2014/main" val="20001"/>
+                      <a16:colId xmlns:a16="http://schemas.microsoft.com/office/drawing/2014/main" xmlns="" val="20001"/>
                     </a:ext>
                   </a:extLst>
                 </a:gridCol>
@@ -18345,7 +18358,7 @@
                 </a:tc>
                 <a:extLst>
                   <a:ext uri="{0D108BD9-81ED-4DB2-BD59-A6C34878D82A}">
-                    <a16:rowId xmlns="" xmlns:a16="http://schemas.microsoft.com/office/drawing/2014/main" val="10000"/>
+                    <a16:rowId xmlns:a16="http://schemas.microsoft.com/office/drawing/2014/main" xmlns="" val="10000"/>
                   </a:ext>
                 </a:extLst>
               </a:tr>
@@ -18517,7 +18530,7 @@
                 </a:tc>
                 <a:extLst>
                   <a:ext uri="{0D108BD9-81ED-4DB2-BD59-A6C34878D82A}">
-                    <a16:rowId xmlns="" xmlns:a16="http://schemas.microsoft.com/office/drawing/2014/main" val="10001"/>
+                    <a16:rowId xmlns:a16="http://schemas.microsoft.com/office/drawing/2014/main" xmlns="" val="10001"/>
                   </a:ext>
                 </a:extLst>
               </a:tr>
@@ -18568,7 +18581,7 @@
                 </a:tc>
                 <a:extLst>
                   <a:ext uri="{0D108BD9-81ED-4DB2-BD59-A6C34878D82A}">
-                    <a16:rowId xmlns="" xmlns:a16="http://schemas.microsoft.com/office/drawing/2014/main" val="10002"/>
+                    <a16:rowId xmlns:a16="http://schemas.microsoft.com/office/drawing/2014/main" xmlns="" val="10002"/>
                   </a:ext>
                 </a:extLst>
               </a:tr>
@@ -18614,7 +18627,7 @@
                 </a:tc>
                 <a:extLst>
                   <a:ext uri="{0D108BD9-81ED-4DB2-BD59-A6C34878D82A}">
-                    <a16:rowId xmlns="" xmlns:a16="http://schemas.microsoft.com/office/drawing/2014/main" val="10003"/>
+                    <a16:rowId xmlns:a16="http://schemas.microsoft.com/office/drawing/2014/main" xmlns="" val="10003"/>
                   </a:ext>
                 </a:extLst>
               </a:tr>
@@ -18660,7 +18673,7 @@
                 </a:tc>
                 <a:extLst>
                   <a:ext uri="{0D108BD9-81ED-4DB2-BD59-A6C34878D82A}">
-                    <a16:rowId xmlns="" xmlns:a16="http://schemas.microsoft.com/office/drawing/2014/main" val="10004"/>
+                    <a16:rowId xmlns:a16="http://schemas.microsoft.com/office/drawing/2014/main" xmlns="" val="10004"/>
                   </a:ext>
                 </a:extLst>
               </a:tr>
@@ -18706,7 +18719,7 @@
                 </a:tc>
                 <a:extLst>
                   <a:ext uri="{0D108BD9-81ED-4DB2-BD59-A6C34878D82A}">
-                    <a16:rowId xmlns="" xmlns:a16="http://schemas.microsoft.com/office/drawing/2014/main" val="10005"/>
+                    <a16:rowId xmlns:a16="http://schemas.microsoft.com/office/drawing/2014/main" xmlns="" val="10005"/>
                   </a:ext>
                 </a:extLst>
               </a:tr>
@@ -18719,7 +18732,7 @@
           <p:cNvPr id="3" name="직사각형 2">
             <a:extLst>
               <a:ext uri="{FF2B5EF4-FFF2-40B4-BE49-F238E27FC236}">
-                <a16:creationId xmlns="" xmlns:a16="http://schemas.microsoft.com/office/drawing/2014/main" id="{7C9E9366-B86C-4147-AAEA-0E8C98D7DA95}"/>
+                <a16:creationId xmlns:a16="http://schemas.microsoft.com/office/drawing/2014/main" xmlns="" id="{7C9E9366-B86C-4147-AAEA-0E8C98D7DA95}"/>
               </a:ext>
             </a:extLst>
           </p:cNvPr>
@@ -18771,7 +18784,7 @@
           <p:cNvPr id="7" name="직사각형 6">
             <a:extLst>
               <a:ext uri="{FF2B5EF4-FFF2-40B4-BE49-F238E27FC236}">
-                <a16:creationId xmlns="" xmlns:a16="http://schemas.microsoft.com/office/drawing/2014/main" id="{DA06AE45-F21F-4390-88D7-43E648964D4B}"/>
+                <a16:creationId xmlns:a16="http://schemas.microsoft.com/office/drawing/2014/main" xmlns="" id="{DA06AE45-F21F-4390-88D7-43E648964D4B}"/>
               </a:ext>
             </a:extLst>
           </p:cNvPr>
@@ -18786,7 +18799,9 @@
           <a:prstGeom prst="rect">
             <a:avLst/>
           </a:prstGeom>
-          <a:noFill/>
+          <a:solidFill>
+            <a:schemeClr val="bg1"/>
+          </a:solidFill>
           <a:ln>
             <a:solidFill>
               <a:schemeClr val="tx1"/>
@@ -20038,7 +20053,7 @@
                 <a:gridCol w="2688299">
                   <a:extLst>
                     <a:ext uri="{9D8B030D-6E8A-4147-A177-3AD203B41FA5}">
-                      <a16:colId xmlns="" xmlns:a16="http://schemas.microsoft.com/office/drawing/2014/main" val="20000"/>
+                      <a16:colId xmlns:a16="http://schemas.microsoft.com/office/drawing/2014/main" xmlns="" val="20000"/>
                     </a:ext>
                   </a:extLst>
                 </a:gridCol>
@@ -20070,7 +20085,7 @@
                 </a:tc>
                 <a:extLst>
                   <a:ext uri="{0D108BD9-81ED-4DB2-BD59-A6C34878D82A}">
-                    <a16:rowId xmlns="" xmlns:a16="http://schemas.microsoft.com/office/drawing/2014/main" val="10000"/>
+                    <a16:rowId xmlns:a16="http://schemas.microsoft.com/office/drawing/2014/main" xmlns="" val="10000"/>
                   </a:ext>
                 </a:extLst>
               </a:tr>
@@ -20091,7 +20106,7 @@
                 </a:tc>
                 <a:extLst>
                   <a:ext uri="{0D108BD9-81ED-4DB2-BD59-A6C34878D82A}">
-                    <a16:rowId xmlns="" xmlns:a16="http://schemas.microsoft.com/office/drawing/2014/main" val="10001"/>
+                    <a16:rowId xmlns:a16="http://schemas.microsoft.com/office/drawing/2014/main" xmlns="" val="10001"/>
                   </a:ext>
                 </a:extLst>
               </a:tr>
@@ -20167,14 +20182,14 @@
                 <a:gridCol w="280507">
                   <a:extLst>
                     <a:ext uri="{9D8B030D-6E8A-4147-A177-3AD203B41FA5}">
-                      <a16:colId xmlns="" xmlns:a16="http://schemas.microsoft.com/office/drawing/2014/main" val="20000"/>
+                      <a16:colId xmlns:a16="http://schemas.microsoft.com/office/drawing/2014/main" xmlns="" val="20000"/>
                     </a:ext>
                   </a:extLst>
                 </a:gridCol>
                 <a:gridCol w="2407792">
                   <a:extLst>
                     <a:ext uri="{9D8B030D-6E8A-4147-A177-3AD203B41FA5}">
-                      <a16:colId xmlns="" xmlns:a16="http://schemas.microsoft.com/office/drawing/2014/main" val="20001"/>
+                      <a16:colId xmlns:a16="http://schemas.microsoft.com/office/drawing/2014/main" xmlns="" val="20001"/>
                     </a:ext>
                   </a:extLst>
                 </a:gridCol>
@@ -20228,7 +20243,7 @@
                 </a:tc>
                 <a:extLst>
                   <a:ext uri="{0D108BD9-81ED-4DB2-BD59-A6C34878D82A}">
-                    <a16:rowId xmlns="" xmlns:a16="http://schemas.microsoft.com/office/drawing/2014/main" val="10000"/>
+                    <a16:rowId xmlns:a16="http://schemas.microsoft.com/office/drawing/2014/main" xmlns="" val="10000"/>
                   </a:ext>
                 </a:extLst>
               </a:tr>
@@ -20400,7 +20415,7 @@
                 </a:tc>
                 <a:extLst>
                   <a:ext uri="{0D108BD9-81ED-4DB2-BD59-A6C34878D82A}">
-                    <a16:rowId xmlns="" xmlns:a16="http://schemas.microsoft.com/office/drawing/2014/main" val="10001"/>
+                    <a16:rowId xmlns:a16="http://schemas.microsoft.com/office/drawing/2014/main" xmlns="" val="10001"/>
                   </a:ext>
                 </a:extLst>
               </a:tr>
@@ -20451,7 +20466,7 @@
                 </a:tc>
                 <a:extLst>
                   <a:ext uri="{0D108BD9-81ED-4DB2-BD59-A6C34878D82A}">
-                    <a16:rowId xmlns="" xmlns:a16="http://schemas.microsoft.com/office/drawing/2014/main" val="10002"/>
+                    <a16:rowId xmlns:a16="http://schemas.microsoft.com/office/drawing/2014/main" xmlns="" val="10002"/>
                   </a:ext>
                 </a:extLst>
               </a:tr>
@@ -20497,7 +20512,7 @@
                 </a:tc>
                 <a:extLst>
                   <a:ext uri="{0D108BD9-81ED-4DB2-BD59-A6C34878D82A}">
-                    <a16:rowId xmlns="" xmlns:a16="http://schemas.microsoft.com/office/drawing/2014/main" val="10003"/>
+                    <a16:rowId xmlns:a16="http://schemas.microsoft.com/office/drawing/2014/main" xmlns="" val="10003"/>
                   </a:ext>
                 </a:extLst>
               </a:tr>
@@ -20543,7 +20558,7 @@
                 </a:tc>
                 <a:extLst>
                   <a:ext uri="{0D108BD9-81ED-4DB2-BD59-A6C34878D82A}">
-                    <a16:rowId xmlns="" xmlns:a16="http://schemas.microsoft.com/office/drawing/2014/main" val="10004"/>
+                    <a16:rowId xmlns:a16="http://schemas.microsoft.com/office/drawing/2014/main" xmlns="" val="10004"/>
                   </a:ext>
                 </a:extLst>
               </a:tr>
@@ -20589,7 +20604,7 @@
                 </a:tc>
                 <a:extLst>
                   <a:ext uri="{0D108BD9-81ED-4DB2-BD59-A6C34878D82A}">
-                    <a16:rowId xmlns="" xmlns:a16="http://schemas.microsoft.com/office/drawing/2014/main" val="10005"/>
+                    <a16:rowId xmlns:a16="http://schemas.microsoft.com/office/drawing/2014/main" xmlns="" val="10005"/>
                   </a:ext>
                 </a:extLst>
               </a:tr>
@@ -20602,7 +20617,7 @@
           <p:cNvPr id="3" name="직사각형 2">
             <a:extLst>
               <a:ext uri="{FF2B5EF4-FFF2-40B4-BE49-F238E27FC236}">
-                <a16:creationId xmlns="" xmlns:a16="http://schemas.microsoft.com/office/drawing/2014/main" id="{7C9E9366-B86C-4147-AAEA-0E8C98D7DA95}"/>
+                <a16:creationId xmlns:a16="http://schemas.microsoft.com/office/drawing/2014/main" xmlns="" id="{7C9E9366-B86C-4147-AAEA-0E8C98D7DA95}"/>
               </a:ext>
             </a:extLst>
           </p:cNvPr>
@@ -20617,7 +20632,9 @@
           <a:prstGeom prst="rect">
             <a:avLst/>
           </a:prstGeom>
-          <a:noFill/>
+          <a:solidFill>
+            <a:schemeClr val="bg1"/>
+          </a:solidFill>
           <a:ln>
             <a:solidFill>
               <a:schemeClr val="tx1"/>
@@ -20654,7 +20671,7 @@
           <p:cNvPr id="7" name="직사각형 6">
             <a:extLst>
               <a:ext uri="{FF2B5EF4-FFF2-40B4-BE49-F238E27FC236}">
-                <a16:creationId xmlns="" xmlns:a16="http://schemas.microsoft.com/office/drawing/2014/main" id="{DA06AE45-F21F-4390-88D7-43E648964D4B}"/>
+                <a16:creationId xmlns:a16="http://schemas.microsoft.com/office/drawing/2014/main" xmlns="" id="{DA06AE45-F21F-4390-88D7-43E648964D4B}"/>
               </a:ext>
             </a:extLst>
           </p:cNvPr>
@@ -20718,7 +20735,7 @@
           <p:cNvPr id="15" name="직사각형 14">
             <a:extLst>
               <a:ext uri="{FF2B5EF4-FFF2-40B4-BE49-F238E27FC236}">
-                <a16:creationId xmlns="" xmlns:a16="http://schemas.microsoft.com/office/drawing/2014/main" id="{DA06AE45-F21F-4390-88D7-43E648964D4B}"/>
+                <a16:creationId xmlns:a16="http://schemas.microsoft.com/office/drawing/2014/main" xmlns="" id="{DA06AE45-F21F-4390-88D7-43E648964D4B}"/>
               </a:ext>
             </a:extLst>
           </p:cNvPr>
@@ -20816,7 +20833,7 @@
           <p:cNvPr id="20" name="직사각형 19">
             <a:extLst>
               <a:ext uri="{FF2B5EF4-FFF2-40B4-BE49-F238E27FC236}">
-                <a16:creationId xmlns="" xmlns:a16="http://schemas.microsoft.com/office/drawing/2014/main" id="{DA06AE45-F21F-4390-88D7-43E648964D4B}"/>
+                <a16:creationId xmlns:a16="http://schemas.microsoft.com/office/drawing/2014/main" xmlns="" id="{DA06AE45-F21F-4390-88D7-43E648964D4B}"/>
               </a:ext>
             </a:extLst>
           </p:cNvPr>
@@ -21942,7 +21959,7 @@
                 <a:gridCol w="2688299">
                   <a:extLst>
                     <a:ext uri="{9D8B030D-6E8A-4147-A177-3AD203B41FA5}">
-                      <a16:colId xmlns="" xmlns:a16="http://schemas.microsoft.com/office/drawing/2014/main" val="20000"/>
+                      <a16:colId xmlns:a16="http://schemas.microsoft.com/office/drawing/2014/main" xmlns="" val="20000"/>
                     </a:ext>
                   </a:extLst>
                 </a:gridCol>
@@ -21974,7 +21991,7 @@
                 </a:tc>
                 <a:extLst>
                   <a:ext uri="{0D108BD9-81ED-4DB2-BD59-A6C34878D82A}">
-                    <a16:rowId xmlns="" xmlns:a16="http://schemas.microsoft.com/office/drawing/2014/main" val="10000"/>
+                    <a16:rowId xmlns:a16="http://schemas.microsoft.com/office/drawing/2014/main" xmlns="" val="10000"/>
                   </a:ext>
                 </a:extLst>
               </a:tr>
@@ -21995,7 +22012,7 @@
                 </a:tc>
                 <a:extLst>
                   <a:ext uri="{0D108BD9-81ED-4DB2-BD59-A6C34878D82A}">
-                    <a16:rowId xmlns="" xmlns:a16="http://schemas.microsoft.com/office/drawing/2014/main" val="10001"/>
+                    <a16:rowId xmlns:a16="http://schemas.microsoft.com/office/drawing/2014/main" xmlns="" val="10001"/>
                   </a:ext>
                 </a:extLst>
               </a:tr>
@@ -22071,14 +22088,14 @@
                 <a:gridCol w="280507">
                   <a:extLst>
                     <a:ext uri="{9D8B030D-6E8A-4147-A177-3AD203B41FA5}">
-                      <a16:colId xmlns="" xmlns:a16="http://schemas.microsoft.com/office/drawing/2014/main" val="20000"/>
+                      <a16:colId xmlns:a16="http://schemas.microsoft.com/office/drawing/2014/main" xmlns="" val="20000"/>
                     </a:ext>
                   </a:extLst>
                 </a:gridCol>
                 <a:gridCol w="2407792">
                   <a:extLst>
                     <a:ext uri="{9D8B030D-6E8A-4147-A177-3AD203B41FA5}">
-                      <a16:colId xmlns="" xmlns:a16="http://schemas.microsoft.com/office/drawing/2014/main" val="20001"/>
+                      <a16:colId xmlns:a16="http://schemas.microsoft.com/office/drawing/2014/main" xmlns="" val="20001"/>
                     </a:ext>
                   </a:extLst>
                 </a:gridCol>
@@ -22132,7 +22149,7 @@
                 </a:tc>
                 <a:extLst>
                   <a:ext uri="{0D108BD9-81ED-4DB2-BD59-A6C34878D82A}">
-                    <a16:rowId xmlns="" xmlns:a16="http://schemas.microsoft.com/office/drawing/2014/main" val="10000"/>
+                    <a16:rowId xmlns:a16="http://schemas.microsoft.com/office/drawing/2014/main" xmlns="" val="10000"/>
                   </a:ext>
                 </a:extLst>
               </a:tr>
@@ -22220,7 +22237,7 @@
                 </a:tc>
                 <a:extLst>
                   <a:ext uri="{0D108BD9-81ED-4DB2-BD59-A6C34878D82A}">
-                    <a16:rowId xmlns="" xmlns:a16="http://schemas.microsoft.com/office/drawing/2014/main" val="10001"/>
+                    <a16:rowId xmlns:a16="http://schemas.microsoft.com/office/drawing/2014/main" xmlns="" val="10001"/>
                   </a:ext>
                 </a:extLst>
               </a:tr>
@@ -22271,7 +22288,7 @@
                 </a:tc>
                 <a:extLst>
                   <a:ext uri="{0D108BD9-81ED-4DB2-BD59-A6C34878D82A}">
-                    <a16:rowId xmlns="" xmlns:a16="http://schemas.microsoft.com/office/drawing/2014/main" val="10002"/>
+                    <a16:rowId xmlns:a16="http://schemas.microsoft.com/office/drawing/2014/main" xmlns="" val="10002"/>
                   </a:ext>
                 </a:extLst>
               </a:tr>
@@ -22317,7 +22334,7 @@
                 </a:tc>
                 <a:extLst>
                   <a:ext uri="{0D108BD9-81ED-4DB2-BD59-A6C34878D82A}">
-                    <a16:rowId xmlns="" xmlns:a16="http://schemas.microsoft.com/office/drawing/2014/main" val="10003"/>
+                    <a16:rowId xmlns:a16="http://schemas.microsoft.com/office/drawing/2014/main" xmlns="" val="10003"/>
                   </a:ext>
                 </a:extLst>
               </a:tr>
@@ -22363,7 +22380,7 @@
                 </a:tc>
                 <a:extLst>
                   <a:ext uri="{0D108BD9-81ED-4DB2-BD59-A6C34878D82A}">
-                    <a16:rowId xmlns="" xmlns:a16="http://schemas.microsoft.com/office/drawing/2014/main" val="10004"/>
+                    <a16:rowId xmlns:a16="http://schemas.microsoft.com/office/drawing/2014/main" xmlns="" val="10004"/>
                   </a:ext>
                 </a:extLst>
               </a:tr>
@@ -22409,7 +22426,7 @@
                 </a:tc>
                 <a:extLst>
                   <a:ext uri="{0D108BD9-81ED-4DB2-BD59-A6C34878D82A}">
-                    <a16:rowId xmlns="" xmlns:a16="http://schemas.microsoft.com/office/drawing/2014/main" val="10005"/>
+                    <a16:rowId xmlns:a16="http://schemas.microsoft.com/office/drawing/2014/main" xmlns="" val="10005"/>
                   </a:ext>
                 </a:extLst>
               </a:tr>
@@ -22422,7 +22439,7 @@
           <p:cNvPr id="3" name="직사각형 2">
             <a:extLst>
               <a:ext uri="{FF2B5EF4-FFF2-40B4-BE49-F238E27FC236}">
-                <a16:creationId xmlns="" xmlns:a16="http://schemas.microsoft.com/office/drawing/2014/main" id="{7C9E9366-B86C-4147-AAEA-0E8C98D7DA95}"/>
+                <a16:creationId xmlns:a16="http://schemas.microsoft.com/office/drawing/2014/main" xmlns="" id="{7C9E9366-B86C-4147-AAEA-0E8C98D7DA95}"/>
               </a:ext>
             </a:extLst>
           </p:cNvPr>
@@ -22437,7 +22454,9 @@
           <a:prstGeom prst="rect">
             <a:avLst/>
           </a:prstGeom>
-          <a:noFill/>
+          <a:solidFill>
+            <a:schemeClr val="bg1"/>
+          </a:solidFill>
           <a:ln>
             <a:solidFill>
               <a:schemeClr val="tx1"/>
@@ -22474,7 +22493,7 @@
           <p:cNvPr id="7" name="직사각형 6">
             <a:extLst>
               <a:ext uri="{FF2B5EF4-FFF2-40B4-BE49-F238E27FC236}">
-                <a16:creationId xmlns="" xmlns:a16="http://schemas.microsoft.com/office/drawing/2014/main" id="{DA06AE45-F21F-4390-88D7-43E648964D4B}"/>
+                <a16:creationId xmlns:a16="http://schemas.microsoft.com/office/drawing/2014/main" xmlns="" id="{DA06AE45-F21F-4390-88D7-43E648964D4B}"/>
               </a:ext>
             </a:extLst>
           </p:cNvPr>
@@ -22580,7 +22599,7 @@
           <p:cNvPr id="20" name="직사각형 19">
             <a:extLst>
               <a:ext uri="{FF2B5EF4-FFF2-40B4-BE49-F238E27FC236}">
-                <a16:creationId xmlns="" xmlns:a16="http://schemas.microsoft.com/office/drawing/2014/main" id="{DA06AE45-F21F-4390-88D7-43E648964D4B}"/>
+                <a16:creationId xmlns:a16="http://schemas.microsoft.com/office/drawing/2014/main" xmlns="" id="{DA06AE45-F21F-4390-88D7-43E648964D4B}"/>
               </a:ext>
             </a:extLst>
           </p:cNvPr>
@@ -23668,7 +23687,7 @@
                 <a:gridCol w="2688299">
                   <a:extLst>
                     <a:ext uri="{9D8B030D-6E8A-4147-A177-3AD203B41FA5}">
-                      <a16:colId xmlns="" xmlns:a16="http://schemas.microsoft.com/office/drawing/2014/main" val="20000"/>
+                      <a16:colId xmlns:a16="http://schemas.microsoft.com/office/drawing/2014/main" xmlns="" val="20000"/>
                     </a:ext>
                   </a:extLst>
                 </a:gridCol>
@@ -23700,7 +23719,7 @@
                 </a:tc>
                 <a:extLst>
                   <a:ext uri="{0D108BD9-81ED-4DB2-BD59-A6C34878D82A}">
-                    <a16:rowId xmlns="" xmlns:a16="http://schemas.microsoft.com/office/drawing/2014/main" val="10000"/>
+                    <a16:rowId xmlns:a16="http://schemas.microsoft.com/office/drawing/2014/main" xmlns="" val="10000"/>
                   </a:ext>
                 </a:extLst>
               </a:tr>
@@ -23721,7 +23740,7 @@
                 </a:tc>
                 <a:extLst>
                   <a:ext uri="{0D108BD9-81ED-4DB2-BD59-A6C34878D82A}">
-                    <a16:rowId xmlns="" xmlns:a16="http://schemas.microsoft.com/office/drawing/2014/main" val="10001"/>
+                    <a16:rowId xmlns:a16="http://schemas.microsoft.com/office/drawing/2014/main" xmlns="" val="10001"/>
                   </a:ext>
                 </a:extLst>
               </a:tr>
@@ -23797,14 +23816,14 @@
                 <a:gridCol w="280507">
                   <a:extLst>
                     <a:ext uri="{9D8B030D-6E8A-4147-A177-3AD203B41FA5}">
-                      <a16:colId xmlns="" xmlns:a16="http://schemas.microsoft.com/office/drawing/2014/main" val="20000"/>
+                      <a16:colId xmlns:a16="http://schemas.microsoft.com/office/drawing/2014/main" xmlns="" val="20000"/>
                     </a:ext>
                   </a:extLst>
                 </a:gridCol>
                 <a:gridCol w="2407792">
                   <a:extLst>
                     <a:ext uri="{9D8B030D-6E8A-4147-A177-3AD203B41FA5}">
-                      <a16:colId xmlns="" xmlns:a16="http://schemas.microsoft.com/office/drawing/2014/main" val="20001"/>
+                      <a16:colId xmlns:a16="http://schemas.microsoft.com/office/drawing/2014/main" xmlns="" val="20001"/>
                     </a:ext>
                   </a:extLst>
                 </a:gridCol>
@@ -23858,7 +23877,7 @@
                 </a:tc>
                 <a:extLst>
                   <a:ext uri="{0D108BD9-81ED-4DB2-BD59-A6C34878D82A}">
-                    <a16:rowId xmlns="" xmlns:a16="http://schemas.microsoft.com/office/drawing/2014/main" val="10000"/>
+                    <a16:rowId xmlns:a16="http://schemas.microsoft.com/office/drawing/2014/main" xmlns="" val="10000"/>
                   </a:ext>
                 </a:extLst>
               </a:tr>
@@ -23960,7 +23979,7 @@
                 </a:tc>
                 <a:extLst>
                   <a:ext uri="{0D108BD9-81ED-4DB2-BD59-A6C34878D82A}">
-                    <a16:rowId xmlns="" xmlns:a16="http://schemas.microsoft.com/office/drawing/2014/main" val="10001"/>
+                    <a16:rowId xmlns:a16="http://schemas.microsoft.com/office/drawing/2014/main" xmlns="" val="10001"/>
                   </a:ext>
                 </a:extLst>
               </a:tr>
@@ -24011,7 +24030,7 @@
                 </a:tc>
                 <a:extLst>
                   <a:ext uri="{0D108BD9-81ED-4DB2-BD59-A6C34878D82A}">
-                    <a16:rowId xmlns="" xmlns:a16="http://schemas.microsoft.com/office/drawing/2014/main" val="10002"/>
+                    <a16:rowId xmlns:a16="http://schemas.microsoft.com/office/drawing/2014/main" xmlns="" val="10002"/>
                   </a:ext>
                 </a:extLst>
               </a:tr>
@@ -24057,7 +24076,7 @@
                 </a:tc>
                 <a:extLst>
                   <a:ext uri="{0D108BD9-81ED-4DB2-BD59-A6C34878D82A}">
-                    <a16:rowId xmlns="" xmlns:a16="http://schemas.microsoft.com/office/drawing/2014/main" val="10003"/>
+                    <a16:rowId xmlns:a16="http://schemas.microsoft.com/office/drawing/2014/main" xmlns="" val="10003"/>
                   </a:ext>
                 </a:extLst>
               </a:tr>
@@ -24103,7 +24122,7 @@
                 </a:tc>
                 <a:extLst>
                   <a:ext uri="{0D108BD9-81ED-4DB2-BD59-A6C34878D82A}">
-                    <a16:rowId xmlns="" xmlns:a16="http://schemas.microsoft.com/office/drawing/2014/main" val="10004"/>
+                    <a16:rowId xmlns:a16="http://schemas.microsoft.com/office/drawing/2014/main" xmlns="" val="10004"/>
                   </a:ext>
                 </a:extLst>
               </a:tr>
@@ -24149,7 +24168,7 @@
                 </a:tc>
                 <a:extLst>
                   <a:ext uri="{0D108BD9-81ED-4DB2-BD59-A6C34878D82A}">
-                    <a16:rowId xmlns="" xmlns:a16="http://schemas.microsoft.com/office/drawing/2014/main" val="10005"/>
+                    <a16:rowId xmlns:a16="http://schemas.microsoft.com/office/drawing/2014/main" xmlns="" val="10005"/>
                   </a:ext>
                 </a:extLst>
               </a:tr>
@@ -24162,7 +24181,7 @@
           <p:cNvPr id="3" name="직사각형 2">
             <a:extLst>
               <a:ext uri="{FF2B5EF4-FFF2-40B4-BE49-F238E27FC236}">
-                <a16:creationId xmlns="" xmlns:a16="http://schemas.microsoft.com/office/drawing/2014/main" id="{7C9E9366-B86C-4147-AAEA-0E8C98D7DA95}"/>
+                <a16:creationId xmlns:a16="http://schemas.microsoft.com/office/drawing/2014/main" xmlns="" id="{7C9E9366-B86C-4147-AAEA-0E8C98D7DA95}"/>
               </a:ext>
             </a:extLst>
           </p:cNvPr>
@@ -24177,7 +24196,9 @@
           <a:prstGeom prst="rect">
             <a:avLst/>
           </a:prstGeom>
-          <a:noFill/>
+          <a:solidFill>
+            <a:schemeClr val="bg1"/>
+          </a:solidFill>
           <a:ln>
             <a:solidFill>
               <a:schemeClr val="tx1"/>
@@ -24214,7 +24235,7 @@
           <p:cNvPr id="7" name="직사각형 6">
             <a:extLst>
               <a:ext uri="{FF2B5EF4-FFF2-40B4-BE49-F238E27FC236}">
-                <a16:creationId xmlns="" xmlns:a16="http://schemas.microsoft.com/office/drawing/2014/main" id="{DA06AE45-F21F-4390-88D7-43E648964D4B}"/>
+                <a16:creationId xmlns:a16="http://schemas.microsoft.com/office/drawing/2014/main" xmlns="" id="{DA06AE45-F21F-4390-88D7-43E648964D4B}"/>
               </a:ext>
             </a:extLst>
           </p:cNvPr>
@@ -24336,7 +24357,7 @@
           <p:cNvPr id="20" name="직사각형 19">
             <a:extLst>
               <a:ext uri="{FF2B5EF4-FFF2-40B4-BE49-F238E27FC236}">
-                <a16:creationId xmlns="" xmlns:a16="http://schemas.microsoft.com/office/drawing/2014/main" id="{DA06AE45-F21F-4390-88D7-43E648964D4B}"/>
+                <a16:creationId xmlns:a16="http://schemas.microsoft.com/office/drawing/2014/main" xmlns="" id="{DA06AE45-F21F-4390-88D7-43E648964D4B}"/>
               </a:ext>
             </a:extLst>
           </p:cNvPr>
@@ -25361,7 +25382,7 @@
                 <a:gridCol w="2688299">
                   <a:extLst>
                     <a:ext uri="{9D8B030D-6E8A-4147-A177-3AD203B41FA5}">
-                      <a16:colId xmlns="" xmlns:a16="http://schemas.microsoft.com/office/drawing/2014/main" val="20000"/>
+                      <a16:colId xmlns:a16="http://schemas.microsoft.com/office/drawing/2014/main" xmlns="" val="20000"/>
                     </a:ext>
                   </a:extLst>
                 </a:gridCol>
@@ -25393,7 +25414,7 @@
                 </a:tc>
                 <a:extLst>
                   <a:ext uri="{0D108BD9-81ED-4DB2-BD59-A6C34878D82A}">
-                    <a16:rowId xmlns="" xmlns:a16="http://schemas.microsoft.com/office/drawing/2014/main" val="10000"/>
+                    <a16:rowId xmlns:a16="http://schemas.microsoft.com/office/drawing/2014/main" xmlns="" val="10000"/>
                   </a:ext>
                 </a:extLst>
               </a:tr>
@@ -25414,7 +25435,7 @@
                 </a:tc>
                 <a:extLst>
                   <a:ext uri="{0D108BD9-81ED-4DB2-BD59-A6C34878D82A}">
-                    <a16:rowId xmlns="" xmlns:a16="http://schemas.microsoft.com/office/drawing/2014/main" val="10001"/>
+                    <a16:rowId xmlns:a16="http://schemas.microsoft.com/office/drawing/2014/main" xmlns="" val="10001"/>
                   </a:ext>
                 </a:extLst>
               </a:tr>
@@ -25436,7 +25457,9 @@
           <a:prstGeom prst="rect">
             <a:avLst/>
           </a:prstGeom>
-          <a:noFill/>
+          <a:solidFill>
+            <a:schemeClr val="bg1"/>
+          </a:solidFill>
           <a:ln w="9525">
             <a:solidFill>
               <a:schemeClr val="tx1"/>
@@ -25496,14 +25519,14 @@
                 <a:gridCol w="280507">
                   <a:extLst>
                     <a:ext uri="{9D8B030D-6E8A-4147-A177-3AD203B41FA5}">
-                      <a16:colId xmlns="" xmlns:a16="http://schemas.microsoft.com/office/drawing/2014/main" val="20000"/>
+                      <a16:colId xmlns:a16="http://schemas.microsoft.com/office/drawing/2014/main" xmlns="" val="20000"/>
                     </a:ext>
                   </a:extLst>
                 </a:gridCol>
                 <a:gridCol w="2407792">
                   <a:extLst>
                     <a:ext uri="{9D8B030D-6E8A-4147-A177-3AD203B41FA5}">
-                      <a16:colId xmlns="" xmlns:a16="http://schemas.microsoft.com/office/drawing/2014/main" val="20001"/>
+                      <a16:colId xmlns:a16="http://schemas.microsoft.com/office/drawing/2014/main" xmlns="" val="20001"/>
                     </a:ext>
                   </a:extLst>
                 </a:gridCol>
@@ -25557,7 +25580,7 @@
                 </a:tc>
                 <a:extLst>
                   <a:ext uri="{0D108BD9-81ED-4DB2-BD59-A6C34878D82A}">
-                    <a16:rowId xmlns="" xmlns:a16="http://schemas.microsoft.com/office/drawing/2014/main" val="10000"/>
+                    <a16:rowId xmlns:a16="http://schemas.microsoft.com/office/drawing/2014/main" xmlns="" val="10000"/>
                   </a:ext>
                 </a:extLst>
               </a:tr>
@@ -25765,7 +25788,7 @@
                 </a:tc>
                 <a:extLst>
                   <a:ext uri="{0D108BD9-81ED-4DB2-BD59-A6C34878D82A}">
-                    <a16:rowId xmlns="" xmlns:a16="http://schemas.microsoft.com/office/drawing/2014/main" val="10001"/>
+                    <a16:rowId xmlns:a16="http://schemas.microsoft.com/office/drawing/2014/main" xmlns="" val="10001"/>
                   </a:ext>
                 </a:extLst>
               </a:tr>
@@ -25895,7 +25918,7 @@
                 </a:tc>
                 <a:extLst>
                   <a:ext uri="{0D108BD9-81ED-4DB2-BD59-A6C34878D82A}">
-                    <a16:rowId xmlns="" xmlns:a16="http://schemas.microsoft.com/office/drawing/2014/main" val="10002"/>
+                    <a16:rowId xmlns:a16="http://schemas.microsoft.com/office/drawing/2014/main" xmlns="" val="10002"/>
                   </a:ext>
                 </a:extLst>
               </a:tr>
@@ -26096,7 +26119,7 @@
                 </a:tc>
                 <a:extLst>
                   <a:ext uri="{0D108BD9-81ED-4DB2-BD59-A6C34878D82A}">
-                    <a16:rowId xmlns="" xmlns:a16="http://schemas.microsoft.com/office/drawing/2014/main" val="10003"/>
+                    <a16:rowId xmlns:a16="http://schemas.microsoft.com/office/drawing/2014/main" xmlns="" val="10003"/>
                   </a:ext>
                 </a:extLst>
               </a:tr>
@@ -26142,7 +26165,7 @@
                 </a:tc>
                 <a:extLst>
                   <a:ext uri="{0D108BD9-81ED-4DB2-BD59-A6C34878D82A}">
-                    <a16:rowId xmlns="" xmlns:a16="http://schemas.microsoft.com/office/drawing/2014/main" val="10004"/>
+                    <a16:rowId xmlns:a16="http://schemas.microsoft.com/office/drawing/2014/main" xmlns="" val="10004"/>
                   </a:ext>
                 </a:extLst>
               </a:tr>
@@ -26188,7 +26211,7 @@
                 </a:tc>
                 <a:extLst>
                   <a:ext uri="{0D108BD9-81ED-4DB2-BD59-A6C34878D82A}">
-                    <a16:rowId xmlns="" xmlns:a16="http://schemas.microsoft.com/office/drawing/2014/main" val="10005"/>
+                    <a16:rowId xmlns:a16="http://schemas.microsoft.com/office/drawing/2014/main" xmlns="" val="10005"/>
                   </a:ext>
                 </a:extLst>
               </a:tr>
@@ -26201,7 +26224,7 @@
           <p:cNvPr id="3" name="직사각형 2">
             <a:extLst>
               <a:ext uri="{FF2B5EF4-FFF2-40B4-BE49-F238E27FC236}">
-                <a16:creationId xmlns="" xmlns:a16="http://schemas.microsoft.com/office/drawing/2014/main" id="{7C9E9366-B86C-4147-AAEA-0E8C98D7DA95}"/>
+                <a16:creationId xmlns:a16="http://schemas.microsoft.com/office/drawing/2014/main" xmlns="" id="{7C9E9366-B86C-4147-AAEA-0E8C98D7DA95}"/>
               </a:ext>
             </a:extLst>
           </p:cNvPr>
@@ -26253,7 +26276,7 @@
           <p:cNvPr id="7" name="직사각형 6">
             <a:extLst>
               <a:ext uri="{FF2B5EF4-FFF2-40B4-BE49-F238E27FC236}">
-                <a16:creationId xmlns="" xmlns:a16="http://schemas.microsoft.com/office/drawing/2014/main" id="{DA06AE45-F21F-4390-88D7-43E648964D4B}"/>
+                <a16:creationId xmlns:a16="http://schemas.microsoft.com/office/drawing/2014/main" xmlns="" id="{DA06AE45-F21F-4390-88D7-43E648964D4B}"/>
               </a:ext>
             </a:extLst>
           </p:cNvPr>
@@ -26320,7 +26343,7 @@
           <p:cNvPr id="8" name="직사각형 7">
             <a:extLst>
               <a:ext uri="{FF2B5EF4-FFF2-40B4-BE49-F238E27FC236}">
-                <a16:creationId xmlns="" xmlns:a16="http://schemas.microsoft.com/office/drawing/2014/main" id="{5680EFB1-35EB-44AB-BD93-A7F972038C3F}"/>
+                <a16:creationId xmlns:a16="http://schemas.microsoft.com/office/drawing/2014/main" xmlns="" id="{5680EFB1-35EB-44AB-BD93-A7F972038C3F}"/>
               </a:ext>
             </a:extLst>
           </p:cNvPr>
@@ -26395,7 +26418,7 @@
           <p:cNvPr id="16" name="직사각형 15">
             <a:extLst>
               <a:ext uri="{FF2B5EF4-FFF2-40B4-BE49-F238E27FC236}">
-                <a16:creationId xmlns="" xmlns:a16="http://schemas.microsoft.com/office/drawing/2014/main" id="{029E53B2-7F53-473E-AF6D-1A4175F70FEE}"/>
+                <a16:creationId xmlns:a16="http://schemas.microsoft.com/office/drawing/2014/main" xmlns="" id="{029E53B2-7F53-473E-AF6D-1A4175F70FEE}"/>
               </a:ext>
             </a:extLst>
           </p:cNvPr>
@@ -27432,7 +27455,7 @@
                 <a:gridCol w="2688299">
                   <a:extLst>
                     <a:ext uri="{9D8B030D-6E8A-4147-A177-3AD203B41FA5}">
-                      <a16:colId xmlns="" xmlns:a16="http://schemas.microsoft.com/office/drawing/2014/main" val="20000"/>
+                      <a16:colId xmlns:a16="http://schemas.microsoft.com/office/drawing/2014/main" xmlns="" val="20000"/>
                     </a:ext>
                   </a:extLst>
                 </a:gridCol>
@@ -27464,7 +27487,7 @@
                 </a:tc>
                 <a:extLst>
                   <a:ext uri="{0D108BD9-81ED-4DB2-BD59-A6C34878D82A}">
-                    <a16:rowId xmlns="" xmlns:a16="http://schemas.microsoft.com/office/drawing/2014/main" val="10000"/>
+                    <a16:rowId xmlns:a16="http://schemas.microsoft.com/office/drawing/2014/main" xmlns="" val="10000"/>
                   </a:ext>
                 </a:extLst>
               </a:tr>
@@ -27485,7 +27508,7 @@
                 </a:tc>
                 <a:extLst>
                   <a:ext uri="{0D108BD9-81ED-4DB2-BD59-A6C34878D82A}">
-                    <a16:rowId xmlns="" xmlns:a16="http://schemas.microsoft.com/office/drawing/2014/main" val="10001"/>
+                    <a16:rowId xmlns:a16="http://schemas.microsoft.com/office/drawing/2014/main" xmlns="" val="10001"/>
                   </a:ext>
                 </a:extLst>
               </a:tr>
@@ -27563,14 +27586,14 @@
                 <a:gridCol w="280507">
                   <a:extLst>
                     <a:ext uri="{9D8B030D-6E8A-4147-A177-3AD203B41FA5}">
-                      <a16:colId xmlns="" xmlns:a16="http://schemas.microsoft.com/office/drawing/2014/main" val="20000"/>
+                      <a16:colId xmlns:a16="http://schemas.microsoft.com/office/drawing/2014/main" xmlns="" val="20000"/>
                     </a:ext>
                   </a:extLst>
                 </a:gridCol>
                 <a:gridCol w="2407792">
                   <a:extLst>
                     <a:ext uri="{9D8B030D-6E8A-4147-A177-3AD203B41FA5}">
-                      <a16:colId xmlns="" xmlns:a16="http://schemas.microsoft.com/office/drawing/2014/main" val="20001"/>
+                      <a16:colId xmlns:a16="http://schemas.microsoft.com/office/drawing/2014/main" xmlns="" val="20001"/>
                     </a:ext>
                   </a:extLst>
                 </a:gridCol>
@@ -27624,7 +27647,7 @@
                 </a:tc>
                 <a:extLst>
                   <a:ext uri="{0D108BD9-81ED-4DB2-BD59-A6C34878D82A}">
-                    <a16:rowId xmlns="" xmlns:a16="http://schemas.microsoft.com/office/drawing/2014/main" val="10000"/>
+                    <a16:rowId xmlns:a16="http://schemas.microsoft.com/office/drawing/2014/main" xmlns="" val="10000"/>
                   </a:ext>
                 </a:extLst>
               </a:tr>
@@ -27784,7 +27807,7 @@
                 </a:tc>
                 <a:extLst>
                   <a:ext uri="{0D108BD9-81ED-4DB2-BD59-A6C34878D82A}">
-                    <a16:rowId xmlns="" xmlns:a16="http://schemas.microsoft.com/office/drawing/2014/main" val="10001"/>
+                    <a16:rowId xmlns:a16="http://schemas.microsoft.com/office/drawing/2014/main" xmlns="" val="10001"/>
                   </a:ext>
                 </a:extLst>
               </a:tr>
@@ -27914,7 +27937,7 @@
                 </a:tc>
                 <a:extLst>
                   <a:ext uri="{0D108BD9-81ED-4DB2-BD59-A6C34878D82A}">
-                    <a16:rowId xmlns="" xmlns:a16="http://schemas.microsoft.com/office/drawing/2014/main" val="10002"/>
+                    <a16:rowId xmlns:a16="http://schemas.microsoft.com/office/drawing/2014/main" xmlns="" val="10002"/>
                   </a:ext>
                 </a:extLst>
               </a:tr>
@@ -28115,7 +28138,7 @@
                 </a:tc>
                 <a:extLst>
                   <a:ext uri="{0D108BD9-81ED-4DB2-BD59-A6C34878D82A}">
-                    <a16:rowId xmlns="" xmlns:a16="http://schemas.microsoft.com/office/drawing/2014/main" val="10003"/>
+                    <a16:rowId xmlns:a16="http://schemas.microsoft.com/office/drawing/2014/main" xmlns="" val="10003"/>
                   </a:ext>
                 </a:extLst>
               </a:tr>
@@ -28161,7 +28184,7 @@
                 </a:tc>
                 <a:extLst>
                   <a:ext uri="{0D108BD9-81ED-4DB2-BD59-A6C34878D82A}">
-                    <a16:rowId xmlns="" xmlns:a16="http://schemas.microsoft.com/office/drawing/2014/main" val="10004"/>
+                    <a16:rowId xmlns:a16="http://schemas.microsoft.com/office/drawing/2014/main" xmlns="" val="10004"/>
                   </a:ext>
                 </a:extLst>
               </a:tr>
@@ -28207,7 +28230,7 @@
                 </a:tc>
                 <a:extLst>
                   <a:ext uri="{0D108BD9-81ED-4DB2-BD59-A6C34878D82A}">
-                    <a16:rowId xmlns="" xmlns:a16="http://schemas.microsoft.com/office/drawing/2014/main" val="10005"/>
+                    <a16:rowId xmlns:a16="http://schemas.microsoft.com/office/drawing/2014/main" xmlns="" val="10005"/>
                   </a:ext>
                 </a:extLst>
               </a:tr>
@@ -28220,7 +28243,7 @@
           <p:cNvPr id="3" name="직사각형 2">
             <a:extLst>
               <a:ext uri="{FF2B5EF4-FFF2-40B4-BE49-F238E27FC236}">
-                <a16:creationId xmlns="" xmlns:a16="http://schemas.microsoft.com/office/drawing/2014/main" id="{7C9E9366-B86C-4147-AAEA-0E8C98D7DA95}"/>
+                <a16:creationId xmlns:a16="http://schemas.microsoft.com/office/drawing/2014/main" xmlns="" id="{7C9E9366-B86C-4147-AAEA-0E8C98D7DA95}"/>
               </a:ext>
             </a:extLst>
           </p:cNvPr>
@@ -28235,7 +28258,9 @@
           <a:prstGeom prst="rect">
             <a:avLst/>
           </a:prstGeom>
-          <a:noFill/>
+          <a:solidFill>
+            <a:schemeClr val="bg1"/>
+          </a:solidFill>
           <a:ln>
             <a:solidFill>
               <a:schemeClr val="tx1"/>
@@ -28272,7 +28297,7 @@
           <p:cNvPr id="7" name="직사각형 6">
             <a:extLst>
               <a:ext uri="{FF2B5EF4-FFF2-40B4-BE49-F238E27FC236}">
-                <a16:creationId xmlns="" xmlns:a16="http://schemas.microsoft.com/office/drawing/2014/main" id="{DA06AE45-F21F-4390-88D7-43E648964D4B}"/>
+                <a16:creationId xmlns:a16="http://schemas.microsoft.com/office/drawing/2014/main" xmlns="" id="{DA06AE45-F21F-4390-88D7-43E648964D4B}"/>
               </a:ext>
             </a:extLst>
           </p:cNvPr>
@@ -28344,7 +28369,7 @@
           <p:cNvPr id="8" name="직사각형 7">
             <a:extLst>
               <a:ext uri="{FF2B5EF4-FFF2-40B4-BE49-F238E27FC236}">
-                <a16:creationId xmlns="" xmlns:a16="http://schemas.microsoft.com/office/drawing/2014/main" id="{5680EFB1-35EB-44AB-BD93-A7F972038C3F}"/>
+                <a16:creationId xmlns:a16="http://schemas.microsoft.com/office/drawing/2014/main" xmlns="" id="{5680EFB1-35EB-44AB-BD93-A7F972038C3F}"/>
               </a:ext>
             </a:extLst>
           </p:cNvPr>
@@ -28401,15 +28426,7 @@
                   <a:schemeClr val="tx1"/>
                 </a:solidFill>
               </a:rPr>
-              <a:t>슬라이드</a:t>
-            </a:r>
-            <a:r>
-              <a:rPr lang="ko-KR" altLang="en-US" dirty="0" smtClean="0">
-                <a:solidFill>
-                  <a:schemeClr val="tx1"/>
-                </a:solidFill>
-              </a:rPr>
-              <a:t> </a:t>
+              <a:t>슬라이드 </a:t>
             </a:r>
             <a:r>
               <a:rPr lang="ko-KR" altLang="en-US" dirty="0">
@@ -28427,7 +28444,7 @@
           <p:cNvPr id="16" name="직사각형 15">
             <a:extLst>
               <a:ext uri="{FF2B5EF4-FFF2-40B4-BE49-F238E27FC236}">
-                <a16:creationId xmlns="" xmlns:a16="http://schemas.microsoft.com/office/drawing/2014/main" id="{029E53B2-7F53-473E-AF6D-1A4175F70FEE}"/>
+                <a16:creationId xmlns:a16="http://schemas.microsoft.com/office/drawing/2014/main" xmlns="" id="{029E53B2-7F53-473E-AF6D-1A4175F70FEE}"/>
               </a:ext>
             </a:extLst>
           </p:cNvPr>
@@ -29378,7 +29395,7 @@
               <a:t>- </a:t>
             </a:r>
             <a:r>
-              <a:rPr lang="ko-KR" altLang="en-US" sz="2400" b="1" dirty="0">
+              <a:rPr lang="ko-KR" altLang="en-US" sz="2400" b="1" dirty="0" err="1">
                 <a:solidFill>
                   <a:schemeClr val="tx1">
                     <a:lumMod val="75000"/>
@@ -29404,7 +29421,7 @@
               <a:t> </a:t>
             </a:r>
             <a:r>
-              <a:rPr lang="en-US" altLang="ko-KR" sz="2400" b="1" dirty="0">
+              <a:rPr lang="en-US" altLang="ko-KR" sz="2400" b="1" dirty="0" smtClean="0">
                 <a:solidFill>
                   <a:schemeClr val="tx1">
                     <a:lumMod val="75000"/>
@@ -29417,7 +29434,7 @@
               <a:t>– </a:t>
             </a:r>
             <a:r>
-              <a:rPr lang="ko-KR" altLang="en-US" sz="2400" b="1" dirty="0">
+              <a:rPr lang="ko-KR" altLang="en-US" sz="2400" b="1" dirty="0" err="1" smtClean="0">
                 <a:solidFill>
                   <a:schemeClr val="tx1">
                     <a:lumMod val="75000"/>
@@ -29427,8 +29444,31 @@
                 <a:latin typeface="+mj-ea"/>
                 <a:ea typeface="+mj-ea"/>
               </a:rPr>
-              <a:t>회원가입 페이지</a:t>
-            </a:r>
+              <a:t>메인페이지</a:t>
+            </a:r>
+            <a:r>
+              <a:rPr lang="en-US" altLang="ko-KR" sz="2400" b="1" dirty="0" smtClean="0">
+                <a:solidFill>
+                  <a:schemeClr val="tx1">
+                    <a:lumMod val="75000"/>
+                    <a:lumOff val="25000"/>
+                  </a:schemeClr>
+                </a:solidFill>
+                <a:latin typeface="+mj-ea"/>
+                <a:ea typeface="+mj-ea"/>
+              </a:rPr>
+              <a:t>(Drawer menu)</a:t>
+            </a:r>
+            <a:endParaRPr lang="ko-KR" altLang="en-US" sz="2400" b="1" dirty="0">
+              <a:solidFill>
+                <a:schemeClr val="tx1">
+                  <a:lumMod val="75000"/>
+                  <a:lumOff val="25000"/>
+                </a:schemeClr>
+              </a:solidFill>
+              <a:latin typeface="+mj-ea"/>
+              <a:ea typeface="+mj-ea"/>
+            </a:endParaRPr>
           </a:p>
         </p:txBody>
       </p:sp>
@@ -29454,7 +29494,7 @@
                 <a:gridCol w="2688299">
                   <a:extLst>
                     <a:ext uri="{9D8B030D-6E8A-4147-A177-3AD203B41FA5}">
-                      <a16:colId xmlns="" xmlns:a16="http://schemas.microsoft.com/office/drawing/2014/main" val="20000"/>
+                      <a16:colId xmlns:a16="http://schemas.microsoft.com/office/drawing/2014/main" xmlns="" val="20000"/>
                     </a:ext>
                   </a:extLst>
                 </a:gridCol>
@@ -29486,7 +29526,7 @@
                 </a:tc>
                 <a:extLst>
                   <a:ext uri="{0D108BD9-81ED-4DB2-BD59-A6C34878D82A}">
-                    <a16:rowId xmlns="" xmlns:a16="http://schemas.microsoft.com/office/drawing/2014/main" val="10000"/>
+                    <a16:rowId xmlns:a16="http://schemas.microsoft.com/office/drawing/2014/main" xmlns="" val="10000"/>
                   </a:ext>
                 </a:extLst>
               </a:tr>
@@ -29507,7 +29547,7 @@
                 </a:tc>
                 <a:extLst>
                   <a:ext uri="{0D108BD9-81ED-4DB2-BD59-A6C34878D82A}">
-                    <a16:rowId xmlns="" xmlns:a16="http://schemas.microsoft.com/office/drawing/2014/main" val="10001"/>
+                    <a16:rowId xmlns:a16="http://schemas.microsoft.com/office/drawing/2014/main" xmlns="" val="10001"/>
                   </a:ext>
                 </a:extLst>
               </a:tr>
@@ -29570,12 +29610,16 @@
             <a:graphicFrameLocks noGrp="1"/>
           </p:cNvGraphicFramePr>
           <p:nvPr>
-            <p:extLst/>
+            <p:extLst>
+              <p:ext uri="{D42A27DB-BD31-4B8C-83A1-F6EECF244321}">
+                <p14:modId xmlns:p14="http://schemas.microsoft.com/office/powerpoint/2010/main" val="2758002163"/>
+              </p:ext>
+            </p:extLst>
           </p:nvPr>
         </p:nvGraphicFramePr>
         <p:xfrm>
           <a:off x="9168341" y="2479152"/>
-          <a:ext cx="2688299" cy="3570331"/>
+          <a:ext cx="2688299" cy="3601963"/>
         </p:xfrm>
         <a:graphic>
           <a:graphicData uri="http://schemas.openxmlformats.org/drawingml/2006/table">
@@ -29585,14 +29629,14 @@
                 <a:gridCol w="280507">
                   <a:extLst>
                     <a:ext uri="{9D8B030D-6E8A-4147-A177-3AD203B41FA5}">
-                      <a16:colId xmlns="" xmlns:a16="http://schemas.microsoft.com/office/drawing/2014/main" val="20000"/>
+                      <a16:colId xmlns:a16="http://schemas.microsoft.com/office/drawing/2014/main" xmlns="" val="20000"/>
                     </a:ext>
                   </a:extLst>
                 </a:gridCol>
                 <a:gridCol w="2407792">
                   <a:extLst>
                     <a:ext uri="{9D8B030D-6E8A-4147-A177-3AD203B41FA5}">
-                      <a16:colId xmlns="" xmlns:a16="http://schemas.microsoft.com/office/drawing/2014/main" val="20001"/>
+                      <a16:colId xmlns:a16="http://schemas.microsoft.com/office/drawing/2014/main" xmlns="" val="20001"/>
                     </a:ext>
                   </a:extLst>
                 </a:gridCol>
@@ -29646,7 +29690,7 @@
                 </a:tc>
                 <a:extLst>
                   <a:ext uri="{0D108BD9-81ED-4DB2-BD59-A6C34878D82A}">
-                    <a16:rowId xmlns="" xmlns:a16="http://schemas.microsoft.com/office/drawing/2014/main" val="10000"/>
+                    <a16:rowId xmlns:a16="http://schemas.microsoft.com/office/drawing/2014/main" xmlns="" val="10000"/>
                   </a:ext>
                 </a:extLst>
               </a:tr>
@@ -29663,6 +29707,144 @@
                           <a:ea typeface="+mj-ea"/>
                         </a:rPr>
                         <a:t>1</a:t>
+                      </a:r>
+                      <a:endParaRPr lang="ko-KR" altLang="en-US" sz="1300" dirty="0">
+                        <a:latin typeface="+mj-ea"/>
+                        <a:ea typeface="+mj-ea"/>
+                      </a:endParaRPr>
+                    </a:p>
+                  </a:txBody>
+                  <a:tcPr marL="121920" marR="121920" marT="60960" marB="60960" anchor="ctr"/>
+                </a:tc>
+                <a:tc>
+                  <a:txBody>
+                    <a:bodyPr/>
+                    <a:lstStyle/>
+                    <a:p>
+                      <a:pPr marL="228600" indent="-228600" algn="l" latinLnBrk="1">
+                        <a:lnSpc>
+                          <a:spcPts val="1300"/>
+                        </a:lnSpc>
+                        <a:buAutoNum type="arabicPeriod"/>
+                      </a:pPr>
+                      <a:r>
+                        <a:rPr lang="ko-KR" altLang="en-US" sz="1200" b="1" dirty="0" smtClean="0">
+                          <a:latin typeface="+mj-ea"/>
+                          <a:ea typeface="+mj-ea"/>
+                        </a:rPr>
+                        <a:t>프로필 정보</a:t>
+                      </a:r>
+                      <a:endParaRPr lang="en-US" altLang="ko-KR" sz="1200" b="1" dirty="0" smtClean="0">
+                        <a:latin typeface="+mj-ea"/>
+                        <a:ea typeface="+mj-ea"/>
+                      </a:endParaRPr>
+                    </a:p>
+                    <a:p>
+                      <a:pPr marL="0" indent="0" algn="l" latinLnBrk="1">
+                        <a:lnSpc>
+                          <a:spcPts val="1300"/>
+                        </a:lnSpc>
+                        <a:buNone/>
+                      </a:pPr>
+                      <a:r>
+                        <a:rPr lang="en-US" altLang="ko-KR" sz="1200" b="0" i="0" u="none" strike="noStrike" cap="none" dirty="0" smtClean="0">
+                          <a:solidFill>
+                            <a:srgbClr val="000000"/>
+                          </a:solidFill>
+                          <a:latin typeface="+mj-ea"/>
+                          <a:ea typeface="Arial"/>
+                          <a:cs typeface="Arial"/>
+                          <a:sym typeface="Arial"/>
+                        </a:rPr>
+                        <a:t>- </a:t>
+                      </a:r>
+                      <a:r>
+                        <a:rPr lang="ko-KR" altLang="en-US" sz="1200" b="0" i="0" u="none" strike="noStrike" cap="none" dirty="0" smtClean="0">
+                          <a:solidFill>
+                            <a:srgbClr val="000000"/>
+                          </a:solidFill>
+                          <a:latin typeface="+mj-ea"/>
+                          <a:ea typeface="Arial"/>
+                          <a:cs typeface="Arial"/>
+                          <a:sym typeface="Arial"/>
+                        </a:rPr>
+                        <a:t>프로필정보가 표시되며</a:t>
+                      </a:r>
+                      <a:r>
+                        <a:rPr lang="en-US" altLang="ko-KR" sz="1200" b="0" i="0" u="none" strike="noStrike" cap="none" dirty="0" smtClean="0">
+                          <a:solidFill>
+                            <a:srgbClr val="000000"/>
+                          </a:solidFill>
+                          <a:latin typeface="+mj-ea"/>
+                          <a:ea typeface="Arial"/>
+                          <a:cs typeface="Arial"/>
+                          <a:sym typeface="Arial"/>
+                        </a:rPr>
+                        <a:t>, </a:t>
+                      </a:r>
+                      <a:r>
+                        <a:rPr lang="ko-KR" altLang="en-US" sz="1200" b="0" i="0" u="none" strike="noStrike" cap="none" dirty="0" smtClean="0">
+                          <a:solidFill>
+                            <a:srgbClr val="000000"/>
+                          </a:solidFill>
+                          <a:latin typeface="+mj-ea"/>
+                          <a:ea typeface="Arial"/>
+                          <a:cs typeface="Arial"/>
+                          <a:sym typeface="Arial"/>
+                        </a:rPr>
+                        <a:t>비 로그인 시 로그인하기 메뉴가 표시됨</a:t>
+                      </a:r>
+                      <a:r>
+                        <a:rPr lang="en-US" altLang="ko-KR" sz="1200" b="0" i="0" u="none" strike="noStrike" cap="none" dirty="0" smtClean="0">
+                          <a:solidFill>
+                            <a:srgbClr val="000000"/>
+                          </a:solidFill>
+                          <a:latin typeface="+mj-ea"/>
+                          <a:ea typeface="Arial"/>
+                          <a:cs typeface="Arial"/>
+                          <a:sym typeface="Arial"/>
+                        </a:rPr>
+                        <a:t>, </a:t>
+                      </a:r>
+                      <a:r>
+                        <a:rPr lang="ko-KR" altLang="en-US" sz="1200" b="0" i="0" u="none" strike="noStrike" cap="none" dirty="0" smtClean="0">
+                          <a:solidFill>
+                            <a:srgbClr val="000000"/>
+                          </a:solidFill>
+                          <a:latin typeface="+mj-ea"/>
+                          <a:ea typeface="Arial"/>
+                          <a:cs typeface="Arial"/>
+                          <a:sym typeface="Arial"/>
+                        </a:rPr>
+                        <a:t>로그인 이후에 클릭 시 마이 페이지로 이동</a:t>
+                      </a:r>
+                      <a:endParaRPr lang="en-US" altLang="ko-KR" sz="1200" b="1" dirty="0">
+                        <a:latin typeface="+mj-ea"/>
+                        <a:ea typeface="+mj-ea"/>
+                      </a:endParaRPr>
+                    </a:p>
+                  </a:txBody>
+                  <a:tcPr marL="121920" marR="121920" marT="60960" marB="60960"/>
+                </a:tc>
+                <a:extLst>
+                  <a:ext uri="{0D108BD9-81ED-4DB2-BD59-A6C34878D82A}">
+                    <a16:rowId xmlns:a16="http://schemas.microsoft.com/office/drawing/2014/main" xmlns="" val="10001"/>
+                  </a:ext>
+                </a:extLst>
+              </a:tr>
+              <a:tr h="620107">
+                <a:tc>
+                  <a:txBody>
+                    <a:bodyPr/>
+                    <a:lstStyle/>
+                    <a:p>
+                      <a:pPr algn="ctr" latinLnBrk="1"/>
+                      <a:r>
+                        <a:rPr lang="en-US" altLang="ko-KR" sz="1300" dirty="0">
+                          <a:latin typeface="+mj-ea"/>
+                          <a:ea typeface="+mj-ea"/>
+                        </a:rPr>
+                        <a:t>2</a:t>
                       </a:r>
                       <a:endParaRPr lang="ko-KR" altLang="en-US" sz="1300" dirty="0">
                         <a:latin typeface="+mj-ea"/>
@@ -29683,15 +29865,37 @@
                         </a:lnSpc>
                       </a:pPr>
                       <a:r>
-                        <a:rPr lang="ko-KR" altLang="en-US" sz="1200" b="1" dirty="0">
+                        <a:rPr lang="en-US" altLang="ko-KR" sz="1200" b="1" i="0" u="none" strike="noStrike" cap="none" dirty="0" smtClean="0">
+                          <a:solidFill>
+                            <a:srgbClr val="000000"/>
+                          </a:solidFill>
                           <a:latin typeface="+mj-ea"/>
-                          <a:ea typeface="+mj-ea"/>
-                        </a:rPr>
-                        <a:t>회원가입 폼</a:t>
-                      </a:r>
-                      <a:endParaRPr lang="en-US" altLang="ko-KR" sz="1200" b="1" dirty="0">
+                          <a:ea typeface="Arial"/>
+                          <a:cs typeface="Arial"/>
+                          <a:sym typeface="Arial"/>
+                        </a:rPr>
+                        <a:t>2. </a:t>
+                      </a:r>
+                      <a:r>
+                        <a:rPr lang="ko-KR" altLang="en-US" sz="1200" b="1" i="0" u="none" strike="noStrike" cap="none" dirty="0" smtClean="0">
+                          <a:solidFill>
+                            <a:srgbClr val="000000"/>
+                          </a:solidFill>
+                          <a:latin typeface="+mj-ea"/>
+                          <a:ea typeface="Arial"/>
+                          <a:cs typeface="Arial"/>
+                          <a:sym typeface="Arial"/>
+                        </a:rPr>
+                        <a:t>프로젝트 오픈 신청</a:t>
+                      </a:r>
+                      <a:endParaRPr lang="en-US" altLang="ko-KR" sz="1200" b="1" i="0" u="none" strike="noStrike" cap="none" dirty="0" smtClean="0">
+                        <a:solidFill>
+                          <a:srgbClr val="000000"/>
+                        </a:solidFill>
                         <a:latin typeface="+mj-ea"/>
-                        <a:ea typeface="+mj-ea"/>
+                        <a:ea typeface="Arial"/>
+                        <a:cs typeface="Arial"/>
+                        <a:sym typeface="Arial"/>
                       </a:endParaRPr>
                     </a:p>
                     <a:p>
@@ -29701,7 +29905,7 @@
                         </a:lnSpc>
                       </a:pPr>
                       <a:r>
-                        <a:rPr lang="en-US" altLang="ko-KR" sz="1200" b="0" i="0" u="none" strike="noStrike" cap="none" dirty="0">
+                        <a:rPr lang="en-US" altLang="ko-KR" sz="1200" b="0" i="0" u="none" strike="noStrike" cap="none" dirty="0" smtClean="0">
                           <a:solidFill>
                             <a:srgbClr val="000000"/>
                           </a:solidFill>
@@ -29713,7 +29917,7 @@
                         <a:t>- </a:t>
                       </a:r>
                       <a:r>
-                        <a:rPr lang="ko-KR" altLang="en-US" sz="1200" b="0" i="0" u="none" strike="noStrike" cap="none" dirty="0">
+                        <a:rPr lang="ko-KR" altLang="en-US" sz="1200" b="0" i="0" u="none" strike="noStrike" cap="none" dirty="0" smtClean="0">
                           <a:solidFill>
                             <a:srgbClr val="000000"/>
                           </a:solidFill>
@@ -29722,10 +29926,10 @@
                           <a:cs typeface="Arial"/>
                           <a:sym typeface="Arial"/>
                         </a:rPr>
-                        <a:t>이메일</a:t>
-                      </a:r>
-                      <a:r>
-                        <a:rPr lang="en-US" altLang="ko-KR" sz="1200" b="0" i="0" u="none" strike="noStrike" cap="none" dirty="0">
+                        <a:t>프로젝트 오픈 신청 메뉴로 이동하며</a:t>
+                      </a:r>
+                      <a:r>
+                        <a:rPr lang="en-US" altLang="ko-KR" sz="1200" b="0" i="0" u="none" strike="noStrike" cap="none" dirty="0" smtClean="0">
                           <a:solidFill>
                             <a:srgbClr val="000000"/>
                           </a:solidFill>
@@ -29737,7 +29941,7 @@
                         <a:t>, </a:t>
                       </a:r>
                       <a:r>
-                        <a:rPr lang="ko-KR" altLang="en-US" sz="1200" b="0" i="0" u="none" strike="noStrike" cap="none" dirty="0">
+                        <a:rPr lang="ko-KR" altLang="en-US" sz="1200" b="0" i="0" u="none" strike="noStrike" cap="none" dirty="0" smtClean="0">
                           <a:solidFill>
                             <a:srgbClr val="000000"/>
                           </a:solidFill>
@@ -29746,10 +29950,10 @@
                           <a:cs typeface="Arial"/>
                           <a:sym typeface="Arial"/>
                         </a:rPr>
-                        <a:t>이름</a:t>
-                      </a:r>
-                      <a:r>
-                        <a:rPr lang="en-US" altLang="ko-KR" sz="1200" b="0" i="0" u="none" strike="noStrike" cap="none" dirty="0">
+                        <a:t>메이커 등록이전에는 메이커 등록 페이지로 이동</a:t>
+                      </a:r>
+                      <a:r>
+                        <a:rPr lang="en-US" altLang="ko-KR" sz="1200" b="0" i="0" u="none" strike="noStrike" cap="none" dirty="0" smtClean="0">
                           <a:solidFill>
                             <a:srgbClr val="000000"/>
                           </a:solidFill>
@@ -29758,59 +29962,16 @@
                           <a:cs typeface="Arial"/>
                           <a:sym typeface="Arial"/>
                         </a:rPr>
-                        <a:t>, </a:t>
-                      </a:r>
-                      <a:r>
-                        <a:rPr lang="ko-KR" altLang="en-US" sz="1200" b="0" i="0" u="none" strike="noStrike" cap="none" dirty="0">
-                          <a:solidFill>
-                            <a:srgbClr val="000000"/>
-                          </a:solidFill>
-                          <a:latin typeface="+mj-ea"/>
-                          <a:ea typeface="Arial"/>
-                          <a:cs typeface="Arial"/>
-                          <a:sym typeface="Arial"/>
-                        </a:rPr>
-                        <a:t>비밀번호</a:t>
-                      </a:r>
-                      <a:r>
-                        <a:rPr lang="en-US" altLang="ko-KR" sz="1200" b="0" i="0" u="none" strike="noStrike" cap="none" dirty="0">
-                          <a:solidFill>
-                            <a:srgbClr val="000000"/>
-                          </a:solidFill>
-                          <a:latin typeface="+mj-ea"/>
-                          <a:ea typeface="Arial"/>
-                          <a:cs typeface="Arial"/>
-                          <a:sym typeface="Arial"/>
-                        </a:rPr>
-                        <a:t>, </a:t>
-                      </a:r>
-                      <a:r>
-                        <a:rPr lang="ko-KR" altLang="en-US" sz="1200" b="0" i="0" u="none" strike="noStrike" cap="none" dirty="0">
-                          <a:solidFill>
-                            <a:srgbClr val="000000"/>
-                          </a:solidFill>
-                          <a:latin typeface="+mj-ea"/>
-                          <a:ea typeface="Arial"/>
-                          <a:cs typeface="Arial"/>
-                          <a:sym typeface="Arial"/>
-                        </a:rPr>
-                        <a:t>관심 카테고리를 입력하여 회원 가입</a:t>
-                      </a:r>
-                      <a:r>
-                        <a:rPr lang="en-US" altLang="ko-KR" sz="1200" b="0" i="0" u="none" strike="noStrike" cap="none" dirty="0">
-                          <a:solidFill>
-                            <a:srgbClr val="000000"/>
-                          </a:solidFill>
-                          <a:latin typeface="+mj-ea"/>
-                          <a:ea typeface="Arial"/>
-                          <a:cs typeface="Arial"/>
-                          <a:sym typeface="Arial"/>
-                        </a:rPr>
                         <a:t>.</a:t>
                       </a:r>
-                      <a:endParaRPr lang="ko-KR" altLang="en-US" sz="1200" dirty="0">
+                      <a:endParaRPr lang="ko-KR" altLang="en-US" sz="1200" b="0" i="0" u="none" strike="noStrike" cap="none" dirty="0">
+                        <a:solidFill>
+                          <a:srgbClr val="000000"/>
+                        </a:solidFill>
                         <a:latin typeface="+mj-ea"/>
-                        <a:ea typeface="+mj-ea"/>
+                        <a:ea typeface="Arial"/>
+                        <a:cs typeface="Arial"/>
+                        <a:sym typeface="Arial"/>
                       </a:endParaRPr>
                     </a:p>
                   </a:txBody>
@@ -29818,7 +29979,7 @@
                 </a:tc>
                 <a:extLst>
                   <a:ext uri="{0D108BD9-81ED-4DB2-BD59-A6C34878D82A}">
-                    <a16:rowId xmlns="" xmlns:a16="http://schemas.microsoft.com/office/drawing/2014/main" val="10001"/>
+                    <a16:rowId xmlns:a16="http://schemas.microsoft.com/office/drawing/2014/main" xmlns="" val="10002"/>
                   </a:ext>
                 </a:extLst>
               </a:tr>
@@ -29834,7 +29995,7 @@
                           <a:latin typeface="+mj-ea"/>
                           <a:ea typeface="+mj-ea"/>
                         </a:rPr>
-                        <a:t>2</a:t>
+                        <a:t>3</a:t>
                       </a:r>
                       <a:endParaRPr lang="ko-KR" altLang="en-US" sz="1300" dirty="0">
                         <a:latin typeface="+mj-ea"/>
@@ -29854,7 +30015,55 @@
                           <a:spcPts val="1300"/>
                         </a:lnSpc>
                       </a:pPr>
-                      <a:endParaRPr lang="ko-KR" altLang="en-US" sz="1200" b="0" i="0" u="none" strike="noStrike" cap="none" dirty="0">
+                      <a:r>
+                        <a:rPr lang="en-US" altLang="ko-KR" sz="1200" b="1" i="0" u="none" strike="noStrike" cap="none" dirty="0" smtClean="0">
+                          <a:solidFill>
+                            <a:srgbClr val="000000"/>
+                          </a:solidFill>
+                          <a:latin typeface="+mj-ea"/>
+                          <a:ea typeface="Arial"/>
+                          <a:cs typeface="Arial"/>
+                          <a:sym typeface="Arial"/>
+                        </a:rPr>
+                        <a:t>3. </a:t>
+                      </a:r>
+                      <a:r>
+                        <a:rPr lang="ko-KR" altLang="en-US" sz="1200" b="1" i="0" u="none" strike="noStrike" cap="none" dirty="0" err="1" smtClean="0">
+                          <a:solidFill>
+                            <a:srgbClr val="000000"/>
+                          </a:solidFill>
+                          <a:latin typeface="+mj-ea"/>
+                          <a:ea typeface="Arial"/>
+                          <a:cs typeface="Arial"/>
+                          <a:sym typeface="Arial"/>
+                        </a:rPr>
+                        <a:t>펀딩하기</a:t>
+                      </a:r>
+                      <a:r>
+                        <a:rPr lang="en-US" altLang="ko-KR" sz="1200" b="1" i="0" u="none" strike="noStrike" cap="none" dirty="0" smtClean="0">
+                          <a:solidFill>
+                            <a:srgbClr val="000000"/>
+                          </a:solidFill>
+                          <a:latin typeface="+mj-ea"/>
+                          <a:ea typeface="Arial"/>
+                          <a:cs typeface="Arial"/>
+                          <a:sym typeface="Arial"/>
+                        </a:rPr>
+                        <a:t>, </a:t>
+                      </a:r>
+                      <a:r>
+                        <a:rPr lang="ko-KR" altLang="en-US" sz="1200" b="1" i="0" u="none" strike="noStrike" cap="none" dirty="0" smtClean="0">
+                          <a:solidFill>
+                            <a:srgbClr val="000000"/>
+                          </a:solidFill>
+                          <a:latin typeface="+mj-ea"/>
+                          <a:ea typeface="Arial"/>
+                          <a:cs typeface="Arial"/>
+                          <a:sym typeface="Arial"/>
+                        </a:rPr>
+                        <a:t>스토어 이동</a:t>
+                      </a:r>
+                      <a:endParaRPr lang="en-US" altLang="ko-KR" sz="1200" b="1" i="0" u="none" strike="noStrike" cap="none" dirty="0" smtClean="0">
                         <a:solidFill>
                           <a:srgbClr val="000000"/>
                         </a:solidFill>
@@ -29864,12 +30073,131 @@
                         <a:sym typeface="Arial"/>
                       </a:endParaRPr>
                     </a:p>
+                    <a:p>
+                      <a:pPr algn="l" latinLnBrk="1">
+                        <a:lnSpc>
+                          <a:spcPts val="1300"/>
+                        </a:lnSpc>
+                      </a:pPr>
+                      <a:r>
+                        <a:rPr lang="en-US" altLang="ko-KR" sz="1200" b="0" i="0" u="none" strike="noStrike" cap="none" dirty="0" smtClean="0">
+                          <a:solidFill>
+                            <a:srgbClr val="000000"/>
+                          </a:solidFill>
+                          <a:latin typeface="+mj-ea"/>
+                          <a:ea typeface="Arial"/>
+                          <a:cs typeface="Arial"/>
+                          <a:sym typeface="Arial"/>
+                        </a:rPr>
+                        <a:t>-</a:t>
+                      </a:r>
+                      <a:r>
+                        <a:rPr lang="ko-KR" altLang="en-US" sz="1200" b="0" i="0" u="none" strike="noStrike" cap="none" dirty="0" err="1" smtClean="0">
+                          <a:solidFill>
+                            <a:srgbClr val="000000"/>
+                          </a:solidFill>
+                          <a:latin typeface="+mj-ea"/>
+                          <a:ea typeface="Arial"/>
+                          <a:cs typeface="Arial"/>
+                          <a:sym typeface="Arial"/>
+                        </a:rPr>
+                        <a:t>펀딩하기</a:t>
+                      </a:r>
+                      <a:r>
+                        <a:rPr lang="ko-KR" altLang="en-US" sz="1200" b="0" i="0" u="none" strike="noStrike" cap="none" dirty="0" smtClean="0">
+                          <a:solidFill>
+                            <a:srgbClr val="000000"/>
+                          </a:solidFill>
+                          <a:latin typeface="+mj-ea"/>
+                          <a:ea typeface="Arial"/>
+                          <a:cs typeface="Arial"/>
+                          <a:sym typeface="Arial"/>
+                        </a:rPr>
+                        <a:t> 또는 스토어로 이동하는 버튼</a:t>
+                      </a:r>
+                      <a:r>
+                        <a:rPr lang="en-US" altLang="ko-KR" sz="1200" b="0" i="0" u="none" strike="noStrike" cap="none" dirty="0" smtClean="0">
+                          <a:solidFill>
+                            <a:srgbClr val="000000"/>
+                          </a:solidFill>
+                          <a:latin typeface="+mj-ea"/>
+                          <a:ea typeface="Arial"/>
+                          <a:cs typeface="Arial"/>
+                          <a:sym typeface="Arial"/>
+                        </a:rPr>
+                        <a:t>, </a:t>
+                      </a:r>
+                      <a:r>
+                        <a:rPr lang="ko-KR" altLang="en-US" sz="1200" b="0" i="0" u="none" strike="noStrike" cap="none" dirty="0" smtClean="0">
+                          <a:solidFill>
+                            <a:srgbClr val="000000"/>
+                          </a:solidFill>
+                          <a:latin typeface="+mj-ea"/>
+                          <a:ea typeface="Arial"/>
+                          <a:cs typeface="Arial"/>
+                          <a:sym typeface="Arial"/>
+                        </a:rPr>
+                        <a:t>공지사항 </a:t>
+                      </a:r>
+                      <a:r>
+                        <a:rPr lang="en-US" altLang="ko-KR" sz="1200" b="0" i="0" u="none" strike="noStrike" cap="none" dirty="0" smtClean="0">
+                          <a:solidFill>
+                            <a:srgbClr val="000000"/>
+                          </a:solidFill>
+                          <a:latin typeface="+mj-ea"/>
+                          <a:ea typeface="Arial"/>
+                          <a:cs typeface="Arial"/>
+                          <a:sym typeface="Arial"/>
+                        </a:rPr>
+                        <a:t>FAQ,</a:t>
+                      </a:r>
+                      <a:r>
+                        <a:rPr lang="en-US" altLang="ko-KR" sz="1200" b="0" i="0" u="none" strike="noStrike" cap="none" baseline="0" dirty="0" smtClean="0">
+                          <a:solidFill>
+                            <a:srgbClr val="000000"/>
+                          </a:solidFill>
+                          <a:latin typeface="+mj-ea"/>
+                          <a:ea typeface="Arial"/>
+                          <a:cs typeface="Arial"/>
+                          <a:sym typeface="Arial"/>
+                        </a:rPr>
+                        <a:t> </a:t>
+                      </a:r>
+                      <a:r>
+                        <a:rPr lang="en-US" altLang="ko-KR" sz="1200" b="0" i="0" u="none" strike="noStrike" cap="none" baseline="0" dirty="0" err="1" smtClean="0">
+                          <a:solidFill>
+                            <a:srgbClr val="000000"/>
+                          </a:solidFill>
+                          <a:latin typeface="+mj-ea"/>
+                          <a:ea typeface="Arial"/>
+                          <a:cs typeface="Arial"/>
+                          <a:sym typeface="Arial"/>
+                        </a:rPr>
+                        <a:t>QnA</a:t>
+                      </a:r>
+                      <a:r>
+                        <a:rPr lang="ko-KR" altLang="en-US" sz="1200" b="0" i="0" u="none" strike="noStrike" cap="none" baseline="0" dirty="0" smtClean="0">
+                          <a:solidFill>
+                            <a:srgbClr val="000000"/>
+                          </a:solidFill>
+                          <a:latin typeface="+mj-ea"/>
+                          <a:ea typeface="Arial"/>
+                          <a:cs typeface="Arial"/>
+                          <a:sym typeface="Arial"/>
+                        </a:rPr>
+                        <a:t>로 이동하는 버튼</a:t>
+                      </a:r>
+                      <a:endParaRPr lang="ko-KR" altLang="en-US" sz="1200" dirty="0">
+                        <a:latin typeface="+mj-ea"/>
+                        <a:ea typeface="+mj-ea"/>
+                      </a:endParaRPr>
+                    </a:p>
                   </a:txBody>
                   <a:tcPr marL="121920" marR="121920" marT="60960" marB="60960"/>
                 </a:tc>
                 <a:extLst>
                   <a:ext uri="{0D108BD9-81ED-4DB2-BD59-A6C34878D82A}">
-                    <a16:rowId xmlns="" xmlns:a16="http://schemas.microsoft.com/office/drawing/2014/main" val="10002"/>
+                    <a16:rowId xmlns:a16="http://schemas.microsoft.com/office/drawing/2014/main" xmlns="" val="10003"/>
                   </a:ext>
                 </a:extLst>
               </a:tr>
@@ -29885,7 +30213,7 @@
                           <a:latin typeface="+mj-ea"/>
                           <a:ea typeface="+mj-ea"/>
                         </a:rPr>
-                        <a:t>3</a:t>
+                        <a:t>4</a:t>
                       </a:r>
                       <a:endParaRPr lang="ko-KR" altLang="en-US" sz="1300" dirty="0">
                         <a:latin typeface="+mj-ea"/>
@@ -29915,99 +30243,7 @@
                 </a:tc>
                 <a:extLst>
                   <a:ext uri="{0D108BD9-81ED-4DB2-BD59-A6C34878D82A}">
-                    <a16:rowId xmlns="" xmlns:a16="http://schemas.microsoft.com/office/drawing/2014/main" val="10003"/>
-                  </a:ext>
-                </a:extLst>
-              </a:tr>
-              <a:tr h="620107">
-                <a:tc>
-                  <a:txBody>
-                    <a:bodyPr/>
-                    <a:lstStyle/>
-                    <a:p>
-                      <a:pPr algn="ctr" latinLnBrk="1"/>
-                      <a:r>
-                        <a:rPr lang="en-US" altLang="ko-KR" sz="1300" dirty="0">
-                          <a:latin typeface="+mj-ea"/>
-                          <a:ea typeface="+mj-ea"/>
-                        </a:rPr>
-                        <a:t>4</a:t>
-                      </a:r>
-                      <a:endParaRPr lang="ko-KR" altLang="en-US" sz="1300" dirty="0">
-                        <a:latin typeface="+mj-ea"/>
-                        <a:ea typeface="+mj-ea"/>
-                      </a:endParaRPr>
-                    </a:p>
-                  </a:txBody>
-                  <a:tcPr marL="121920" marR="121920" marT="60960" marB="60960" anchor="ctr"/>
-                </a:tc>
-                <a:tc>
-                  <a:txBody>
-                    <a:bodyPr/>
-                    <a:lstStyle/>
-                    <a:p>
-                      <a:pPr algn="l" latinLnBrk="1">
-                        <a:lnSpc>
-                          <a:spcPts val="1300"/>
-                        </a:lnSpc>
-                      </a:pPr>
-                      <a:endParaRPr lang="ko-KR" altLang="en-US" sz="1200" dirty="0">
-                        <a:latin typeface="+mj-ea"/>
-                        <a:ea typeface="+mj-ea"/>
-                      </a:endParaRPr>
-                    </a:p>
-                  </a:txBody>
-                  <a:tcPr marL="121920" marR="121920" marT="60960" marB="60960"/>
-                </a:tc>
-                <a:extLst>
-                  <a:ext uri="{0D108BD9-81ED-4DB2-BD59-A6C34878D82A}">
-                    <a16:rowId xmlns="" xmlns:a16="http://schemas.microsoft.com/office/drawing/2014/main" val="10004"/>
-                  </a:ext>
-                </a:extLst>
-              </a:tr>
-              <a:tr h="620107">
-                <a:tc>
-                  <a:txBody>
-                    <a:bodyPr/>
-                    <a:lstStyle/>
-                    <a:p>
-                      <a:pPr algn="ctr" latinLnBrk="1"/>
-                      <a:r>
-                        <a:rPr lang="en-US" altLang="ko-KR" sz="1300" dirty="0">
-                          <a:latin typeface="+mj-ea"/>
-                          <a:ea typeface="+mj-ea"/>
-                        </a:rPr>
-                        <a:t>5</a:t>
-                      </a:r>
-                      <a:endParaRPr lang="ko-KR" altLang="en-US" sz="1300" dirty="0">
-                        <a:latin typeface="+mj-ea"/>
-                        <a:ea typeface="+mj-ea"/>
-                      </a:endParaRPr>
-                    </a:p>
-                  </a:txBody>
-                  <a:tcPr marL="121920" marR="121920" marT="60960" marB="60960" anchor="ctr"/>
-                </a:tc>
-                <a:tc>
-                  <a:txBody>
-                    <a:bodyPr/>
-                    <a:lstStyle/>
-                    <a:p>
-                      <a:pPr algn="l" latinLnBrk="1">
-                        <a:lnSpc>
-                          <a:spcPts val="1300"/>
-                        </a:lnSpc>
-                      </a:pPr>
-                      <a:endParaRPr lang="ko-KR" altLang="en-US" sz="1200" dirty="0">
-                        <a:latin typeface="+mj-ea"/>
-                        <a:ea typeface="+mj-ea"/>
-                      </a:endParaRPr>
-                    </a:p>
-                  </a:txBody>
-                  <a:tcPr marL="121920" marR="121920" marT="60960" marB="60960"/>
-                </a:tc>
-                <a:extLst>
-                  <a:ext uri="{0D108BD9-81ED-4DB2-BD59-A6C34878D82A}">
-                    <a16:rowId xmlns="" xmlns:a16="http://schemas.microsoft.com/office/drawing/2014/main" val="10005"/>
+                    <a16:rowId xmlns:a16="http://schemas.microsoft.com/office/drawing/2014/main" xmlns="" val="10004"/>
                   </a:ext>
                 </a:extLst>
               </a:tr>
@@ -30020,7 +30256,7 @@
           <p:cNvPr id="3" name="직사각형 2">
             <a:extLst>
               <a:ext uri="{FF2B5EF4-FFF2-40B4-BE49-F238E27FC236}">
-                <a16:creationId xmlns="" xmlns:a16="http://schemas.microsoft.com/office/drawing/2014/main" id="{7C9E9366-B86C-4147-AAEA-0E8C98D7DA95}"/>
+                <a16:creationId xmlns:a16="http://schemas.microsoft.com/office/drawing/2014/main" xmlns="" id="{7C9E9366-B86C-4147-AAEA-0E8C98D7DA95}"/>
               </a:ext>
             </a:extLst>
           </p:cNvPr>
@@ -30029,8 +30265,8 @@
         </p:nvSpPr>
         <p:spPr>
           <a:xfrm>
-            <a:off x="1497106" y="1649506"/>
-            <a:ext cx="6831106" cy="4399977"/>
+            <a:off x="3371059" y="1649506"/>
+            <a:ext cx="3074894" cy="4399977"/>
           </a:xfrm>
           <a:prstGeom prst="rect">
             <a:avLst/>
@@ -30072,7 +30308,7 @@
           <p:cNvPr id="7" name="직사각형 6">
             <a:extLst>
               <a:ext uri="{FF2B5EF4-FFF2-40B4-BE49-F238E27FC236}">
-                <a16:creationId xmlns="" xmlns:a16="http://schemas.microsoft.com/office/drawing/2014/main" id="{DA06AE45-F21F-4390-88D7-43E648964D4B}"/>
+                <a16:creationId xmlns:a16="http://schemas.microsoft.com/office/drawing/2014/main" xmlns="" id="{DA06AE45-F21F-4390-88D7-43E648964D4B}"/>
               </a:ext>
             </a:extLst>
           </p:cNvPr>
@@ -30081,8 +30317,8 @@
         </p:nvSpPr>
         <p:spPr>
           <a:xfrm>
-            <a:off x="3004632" y="1749982"/>
-            <a:ext cx="3813860" cy="4166724"/>
+            <a:off x="3591650" y="1749982"/>
+            <a:ext cx="2617238" cy="446371"/>
           </a:xfrm>
           <a:prstGeom prst="rect">
             <a:avLst/>
@@ -30114,231 +30350,471 @@
           <a:bodyPr rtlCol="0" anchor="ctr"/>
           <a:lstStyle/>
           <a:p>
-            <a:pPr marL="342900" indent="-342900" algn="ctr">
-              <a:buAutoNum type="arabicPeriod"/>
-            </a:pPr>
+            <a:pPr algn="ctr"/>
+            <a:r>
+              <a:rPr lang="en-US" altLang="ko-KR" dirty="0">
+                <a:solidFill>
+                  <a:schemeClr val="tx1"/>
+                </a:solidFill>
+              </a:rPr>
+              <a:t>1. </a:t>
+            </a:r>
+            <a:r>
+              <a:rPr lang="ko-KR" altLang="en-US" dirty="0" err="1" smtClean="0">
+                <a:solidFill>
+                  <a:schemeClr val="tx1"/>
+                </a:solidFill>
+              </a:rPr>
+              <a:t>상단바</a:t>
+            </a:r>
+            <a:endParaRPr lang="ko-KR" altLang="en-US" dirty="0">
+              <a:solidFill>
+                <a:schemeClr val="tx1"/>
+              </a:solidFill>
+            </a:endParaRPr>
+          </a:p>
+        </p:txBody>
+      </p:sp>
+      <p:sp>
+        <p:nvSpPr>
+          <p:cNvPr id="8" name="직사각형 7">
+            <a:extLst>
+              <a:ext uri="{FF2B5EF4-FFF2-40B4-BE49-F238E27FC236}">
+                <a16:creationId xmlns:a16="http://schemas.microsoft.com/office/drawing/2014/main" xmlns="" id="{5680EFB1-35EB-44AB-BD93-A7F972038C3F}"/>
+              </a:ext>
+            </a:extLst>
+          </p:cNvPr>
+          <p:cNvSpPr/>
+          <p:nvPr/>
+        </p:nvSpPr>
+        <p:spPr>
+          <a:xfrm>
+            <a:off x="3602940" y="2377197"/>
+            <a:ext cx="2617238" cy="1264961"/>
+          </a:xfrm>
+          <a:prstGeom prst="rect">
+            <a:avLst/>
+          </a:prstGeom>
+          <a:noFill/>
+          <a:ln>
+            <a:solidFill>
+              <a:schemeClr val="tx1"/>
+            </a:solidFill>
+          </a:ln>
+        </p:spPr>
+        <p:style>
+          <a:lnRef idx="2">
+            <a:schemeClr val="accent1">
+              <a:shade val="50000"/>
+            </a:schemeClr>
+          </a:lnRef>
+          <a:fillRef idx="1">
+            <a:schemeClr val="accent1"/>
+          </a:fillRef>
+          <a:effectRef idx="0">
+            <a:schemeClr val="accent1"/>
+          </a:effectRef>
+          <a:fontRef idx="minor">
+            <a:schemeClr val="lt1"/>
+          </a:fontRef>
+        </p:style>
+        <p:txBody>
+          <a:bodyPr rtlCol="0" anchor="ctr"/>
+          <a:lstStyle/>
+          <a:p>
+            <a:pPr algn="ctr"/>
+            <a:r>
+              <a:rPr lang="en-US" altLang="ko-KR" dirty="0">
+                <a:solidFill>
+                  <a:schemeClr val="tx1"/>
+                </a:solidFill>
+              </a:rPr>
+              <a:t>2. </a:t>
+            </a:r>
+            <a:r>
+              <a:rPr lang="ko-KR" altLang="en-US" dirty="0" smtClean="0">
+                <a:solidFill>
+                  <a:schemeClr val="tx1"/>
+                </a:solidFill>
+              </a:rPr>
+              <a:t>슬라이드 </a:t>
+            </a:r>
             <a:r>
               <a:rPr lang="ko-KR" altLang="en-US" dirty="0">
                 <a:solidFill>
                   <a:schemeClr val="tx1"/>
                 </a:solidFill>
               </a:rPr>
-              <a:t>회원가입 폼</a:t>
-            </a:r>
-            <a:endParaRPr lang="en-US" altLang="ko-KR" dirty="0">
+              <a:t>형식 배너</a:t>
+            </a:r>
+          </a:p>
+        </p:txBody>
+      </p:sp>
+      <p:sp>
+        <p:nvSpPr>
+          <p:cNvPr id="16" name="직사각형 15">
+            <a:extLst>
+              <a:ext uri="{FF2B5EF4-FFF2-40B4-BE49-F238E27FC236}">
+                <a16:creationId xmlns:a16="http://schemas.microsoft.com/office/drawing/2014/main" xmlns="" id="{029E53B2-7F53-473E-AF6D-1A4175F70FEE}"/>
+              </a:ext>
+            </a:extLst>
+          </p:cNvPr>
+          <p:cNvSpPr/>
+          <p:nvPr/>
+        </p:nvSpPr>
+        <p:spPr>
+          <a:xfrm>
+            <a:off x="3615991" y="3816530"/>
+            <a:ext cx="2604185" cy="1264961"/>
+          </a:xfrm>
+          <a:prstGeom prst="rect">
+            <a:avLst/>
+          </a:prstGeom>
+          <a:noFill/>
+          <a:ln>
+            <a:solidFill>
+              <a:schemeClr val="tx1"/>
+            </a:solidFill>
+          </a:ln>
+        </p:spPr>
+        <p:style>
+          <a:lnRef idx="2">
+            <a:schemeClr val="accent1">
+              <a:shade val="50000"/>
+            </a:schemeClr>
+          </a:lnRef>
+          <a:fillRef idx="1">
+            <a:schemeClr val="accent1"/>
+          </a:fillRef>
+          <a:effectRef idx="0">
+            <a:schemeClr val="accent1"/>
+          </a:effectRef>
+          <a:fontRef idx="minor">
+            <a:schemeClr val="lt1"/>
+          </a:fontRef>
+        </p:style>
+        <p:txBody>
+          <a:bodyPr rtlCol="0" anchor="ctr"/>
+          <a:lstStyle/>
+          <a:p>
+            <a:pPr algn="ctr"/>
+            <a:r>
+              <a:rPr lang="en-US" altLang="ko-KR" dirty="0">
+                <a:solidFill>
+                  <a:schemeClr val="tx1"/>
+                </a:solidFill>
+              </a:rPr>
+              <a:t>3. </a:t>
+            </a:r>
+            <a:r>
+              <a:rPr lang="ko-KR" altLang="en-US" dirty="0">
+                <a:solidFill>
+                  <a:schemeClr val="tx1"/>
+                </a:solidFill>
+              </a:rPr>
+              <a:t>추천 프로젝트 리스트</a:t>
+            </a:r>
+          </a:p>
+        </p:txBody>
+      </p:sp>
+      <p:sp>
+        <p:nvSpPr>
+          <p:cNvPr id="9" name="직사각형 8"/>
+          <p:cNvSpPr/>
+          <p:nvPr/>
+        </p:nvSpPr>
+        <p:spPr>
+          <a:xfrm>
+            <a:off x="3371059" y="1649506"/>
+            <a:ext cx="2137919" cy="4399977"/>
+          </a:xfrm>
+          <a:prstGeom prst="rect">
+            <a:avLst/>
+          </a:prstGeom>
+          <a:solidFill>
+            <a:schemeClr val="bg1"/>
+          </a:solidFill>
+          <a:ln>
+            <a:solidFill>
+              <a:schemeClr val="tx1"/>
+            </a:solidFill>
+          </a:ln>
+        </p:spPr>
+        <p:style>
+          <a:lnRef idx="2">
+            <a:schemeClr val="accent1">
+              <a:shade val="50000"/>
+            </a:schemeClr>
+          </a:lnRef>
+          <a:fillRef idx="1">
+            <a:schemeClr val="accent1"/>
+          </a:fillRef>
+          <a:effectRef idx="0">
+            <a:schemeClr val="accent1"/>
+          </a:effectRef>
+          <a:fontRef idx="minor">
+            <a:schemeClr val="lt1"/>
+          </a:fontRef>
+        </p:style>
+        <p:txBody>
+          <a:bodyPr rtlCol="0" anchor="ctr"/>
+          <a:lstStyle/>
+          <a:p>
+            <a:pPr algn="ctr"/>
+            <a:endParaRPr lang="ko-KR" altLang="en-US"/>
+          </a:p>
+        </p:txBody>
+      </p:sp>
+      <p:sp>
+        <p:nvSpPr>
+          <p:cNvPr id="10" name="직사각형 9"/>
+          <p:cNvSpPr/>
+          <p:nvPr/>
+        </p:nvSpPr>
+        <p:spPr>
+          <a:xfrm>
+            <a:off x="3465689" y="1862667"/>
+            <a:ext cx="1919111" cy="880533"/>
+          </a:xfrm>
+          <a:prstGeom prst="rect">
+            <a:avLst/>
+          </a:prstGeom>
+          <a:noFill/>
+          <a:ln>
+            <a:solidFill>
+              <a:schemeClr val="tx1"/>
+            </a:solidFill>
+          </a:ln>
+        </p:spPr>
+        <p:style>
+          <a:lnRef idx="2">
+            <a:schemeClr val="accent1">
+              <a:shade val="50000"/>
+            </a:schemeClr>
+          </a:lnRef>
+          <a:fillRef idx="1">
+            <a:schemeClr val="accent1"/>
+          </a:fillRef>
+          <a:effectRef idx="0">
+            <a:schemeClr val="accent1"/>
+          </a:effectRef>
+          <a:fontRef idx="minor">
+            <a:schemeClr val="lt1"/>
+          </a:fontRef>
+        </p:style>
+        <p:txBody>
+          <a:bodyPr rtlCol="0" anchor="ctr"/>
+          <a:lstStyle/>
+          <a:p>
+            <a:pPr algn="ctr"/>
+            <a:r>
+              <a:rPr lang="en-US" altLang="ko-KR" sz="1100" dirty="0" smtClean="0">
+                <a:solidFill>
+                  <a:schemeClr val="tx1"/>
+                </a:solidFill>
+              </a:rPr>
+              <a:t>1. </a:t>
+            </a:r>
+            <a:r>
+              <a:rPr lang="ko-KR" altLang="en-US" sz="1100" dirty="0" smtClean="0">
+                <a:solidFill>
+                  <a:schemeClr val="tx1"/>
+                </a:solidFill>
+              </a:rPr>
+              <a:t>프로필 정보</a:t>
+            </a:r>
+            <a:endParaRPr lang="ko-KR" altLang="en-US" sz="1100" dirty="0">
               <a:solidFill>
                 <a:schemeClr val="tx1"/>
               </a:solidFill>
             </a:endParaRPr>
           </a:p>
+        </p:txBody>
+      </p:sp>
+      <p:sp>
+        <p:nvSpPr>
+          <p:cNvPr id="20" name="직사각형 19"/>
+          <p:cNvSpPr/>
+          <p:nvPr/>
+        </p:nvSpPr>
+        <p:spPr>
+          <a:xfrm>
+            <a:off x="3465689" y="2935222"/>
+            <a:ext cx="1919111" cy="880533"/>
+          </a:xfrm>
+          <a:prstGeom prst="rect">
+            <a:avLst/>
+          </a:prstGeom>
+          <a:noFill/>
+          <a:ln>
+            <a:solidFill>
+              <a:schemeClr val="tx1"/>
+            </a:solidFill>
+          </a:ln>
+        </p:spPr>
+        <p:style>
+          <a:lnRef idx="2">
+            <a:schemeClr val="accent1">
+              <a:shade val="50000"/>
+            </a:schemeClr>
+          </a:lnRef>
+          <a:fillRef idx="1">
+            <a:schemeClr val="accent1"/>
+          </a:fillRef>
+          <a:effectRef idx="0">
+            <a:schemeClr val="accent1"/>
+          </a:effectRef>
+          <a:fontRef idx="minor">
+            <a:schemeClr val="lt1"/>
+          </a:fontRef>
+        </p:style>
+        <p:txBody>
+          <a:bodyPr rtlCol="0" anchor="ctr"/>
+          <a:lstStyle/>
           <a:p>
-            <a:pPr marL="342900" indent="-342900" algn="ctr">
-              <a:buAutoNum type="arabicPeriod"/>
-            </a:pPr>
-            <a:endParaRPr lang="en-US" altLang="ko-KR" dirty="0">
+            <a:pPr algn="ctr"/>
+            <a:r>
+              <a:rPr lang="en-US" altLang="ko-KR" sz="1200" dirty="0" smtClean="0">
+                <a:solidFill>
+                  <a:schemeClr val="tx1"/>
+                </a:solidFill>
+              </a:rPr>
+              <a:t>2. </a:t>
+            </a:r>
+            <a:r>
+              <a:rPr lang="ko-KR" altLang="en-US" sz="1200" dirty="0" smtClean="0">
+                <a:solidFill>
+                  <a:schemeClr val="tx1"/>
+                </a:solidFill>
+              </a:rPr>
+              <a:t>프로젝트 오픈 신청</a:t>
+            </a:r>
+            <a:endParaRPr lang="ko-KR" altLang="en-US" sz="1200" dirty="0">
               <a:solidFill>
                 <a:schemeClr val="tx1"/>
               </a:solidFill>
             </a:endParaRPr>
           </a:p>
+        </p:txBody>
+      </p:sp>
+      <p:sp>
+        <p:nvSpPr>
+          <p:cNvPr id="21" name="직사각형 20"/>
+          <p:cNvSpPr/>
+          <p:nvPr/>
+        </p:nvSpPr>
+        <p:spPr>
+          <a:xfrm>
+            <a:off x="3465689" y="3986768"/>
+            <a:ext cx="1919111" cy="1928610"/>
+          </a:xfrm>
+          <a:prstGeom prst="rect">
+            <a:avLst/>
+          </a:prstGeom>
+          <a:noFill/>
+          <a:ln>
+            <a:solidFill>
+              <a:schemeClr val="tx1"/>
+            </a:solidFill>
+          </a:ln>
+        </p:spPr>
+        <p:style>
+          <a:lnRef idx="2">
+            <a:schemeClr val="accent1">
+              <a:shade val="50000"/>
+            </a:schemeClr>
+          </a:lnRef>
+          <a:fillRef idx="1">
+            <a:schemeClr val="accent1"/>
+          </a:fillRef>
+          <a:effectRef idx="0">
+            <a:schemeClr val="accent1"/>
+          </a:effectRef>
+          <a:fontRef idx="minor">
+            <a:schemeClr val="lt1"/>
+          </a:fontRef>
+        </p:style>
+        <p:txBody>
+          <a:bodyPr rtlCol="0" anchor="ctr"/>
+          <a:lstStyle/>
           <a:p>
-            <a:r>
-              <a:rPr lang="ko-KR" altLang="en-US" dirty="0">
+            <a:pPr algn="ctr"/>
+            <a:r>
+              <a:rPr lang="en-US" altLang="ko-KR" sz="1200" dirty="0" smtClean="0">
                 <a:solidFill>
                   <a:schemeClr val="tx1"/>
                 </a:solidFill>
               </a:rPr>
-              <a:t>이메일 입력 </a:t>
-            </a:r>
-            <a:r>
-              <a:rPr lang="en-US" altLang="ko-KR" dirty="0">
+              <a:t>3. </a:t>
+            </a:r>
+            <a:r>
+              <a:rPr lang="ko-KR" altLang="en-US" sz="1200" dirty="0" err="1" smtClean="0">
                 <a:solidFill>
                   <a:schemeClr val="tx1"/>
                 </a:solidFill>
               </a:rPr>
-              <a:t>[                        ]</a:t>
-            </a:r>
-          </a:p>
-          <a:p>
-            <a:pPr marL="342900" indent="-342900">
-              <a:buAutoNum type="arabicPeriod"/>
-            </a:pPr>
-            <a:endParaRPr lang="en-US" altLang="ko-KR" dirty="0">
-              <a:solidFill>
-                <a:schemeClr val="tx1"/>
-              </a:solidFill>
-            </a:endParaRPr>
-          </a:p>
-          <a:p>
-            <a:r>
-              <a:rPr lang="ko-KR" altLang="en-US" dirty="0">
+              <a:t>펀딩하기</a:t>
+            </a:r>
+            <a:r>
+              <a:rPr lang="en-US" altLang="ko-KR" sz="1200" dirty="0" smtClean="0">
                 <a:solidFill>
                   <a:schemeClr val="tx1"/>
                 </a:solidFill>
               </a:rPr>
-              <a:t>이름 입력 </a:t>
-            </a:r>
-            <a:r>
-              <a:rPr lang="en-US" altLang="ko-KR" dirty="0">
+              <a:t>, </a:t>
+            </a:r>
+            <a:r>
+              <a:rPr lang="ko-KR" altLang="en-US" sz="1200" dirty="0" smtClean="0">
                 <a:solidFill>
                   <a:schemeClr val="tx1"/>
                 </a:solidFill>
               </a:rPr>
-              <a:t>[               ]</a:t>
-            </a:r>
-          </a:p>
-          <a:p>
-            <a:pPr algn="ctr"/>
-            <a:endParaRPr lang="en-US" altLang="ko-KR" dirty="0">
-              <a:solidFill>
-                <a:schemeClr val="tx1"/>
-              </a:solidFill>
-            </a:endParaRPr>
-          </a:p>
-          <a:p>
-            <a:r>
-              <a:rPr lang="ko-KR" altLang="en-US" dirty="0">
+              <a:t>스토어로 이동</a:t>
+            </a:r>
+            <a:r>
+              <a:rPr lang="en-US" altLang="ko-KR" sz="1200" dirty="0" smtClean="0">
                 <a:solidFill>
                   <a:schemeClr val="tx1"/>
                 </a:solidFill>
               </a:rPr>
-              <a:t>비밀번호 입력 </a:t>
-            </a:r>
-            <a:r>
-              <a:rPr lang="en-US" altLang="ko-KR" dirty="0">
+              <a:t>,</a:t>
+            </a:r>
+          </a:p>
+          <a:p>
+            <a:pPr algn="ctr"/>
+            <a:r>
+              <a:rPr lang="ko-KR" altLang="en-US" sz="1200" dirty="0" smtClean="0">
                 <a:solidFill>
                   <a:schemeClr val="tx1"/>
                 </a:solidFill>
               </a:rPr>
-              <a:t>[                  ]</a:t>
-            </a:r>
-          </a:p>
-          <a:p>
-            <a:endParaRPr lang="en-US" altLang="ko-KR" dirty="0">
-              <a:solidFill>
-                <a:schemeClr val="tx1"/>
-              </a:solidFill>
-            </a:endParaRPr>
-          </a:p>
-          <a:p>
-            <a:r>
-              <a:rPr lang="ko-KR" altLang="en-US" dirty="0">
+              <a:t>공지사항</a:t>
+            </a:r>
+            <a:r>
+              <a:rPr lang="en-US" altLang="ko-KR" sz="1200" dirty="0" smtClean="0">
                 <a:solidFill>
                   <a:schemeClr val="tx1"/>
                 </a:solidFill>
               </a:rPr>
-              <a:t>비밀번호 확인 </a:t>
-            </a:r>
-            <a:r>
-              <a:rPr lang="en-US" altLang="ko-KR" dirty="0">
+              <a:t>, FAQ, </a:t>
+            </a:r>
+            <a:r>
+              <a:rPr lang="en-US" altLang="ko-KR" sz="1200" dirty="0" err="1" smtClean="0">
                 <a:solidFill>
                   <a:schemeClr val="tx1"/>
                 </a:solidFill>
               </a:rPr>
-              <a:t>[		    </a:t>
-            </a:r>
-            <a:r>
-              <a:rPr lang="en-US" altLang="ko-KR" dirty="0" smtClean="0">
+              <a:t>QnA</a:t>
+            </a:r>
+            <a:r>
+              <a:rPr lang="ko-KR" altLang="en-US" sz="1200" dirty="0" smtClean="0">
                 <a:solidFill>
                   <a:schemeClr val="tx1"/>
                 </a:solidFill>
               </a:rPr>
-              <a:t>]</a:t>
-            </a:r>
-          </a:p>
-          <a:p>
-            <a:endParaRPr lang="en-US" altLang="ko-KR" dirty="0">
-              <a:solidFill>
-                <a:schemeClr val="tx1"/>
-              </a:solidFill>
-            </a:endParaRPr>
-          </a:p>
-          <a:p>
-            <a:r>
-              <a:rPr lang="ko-KR" altLang="en-US" dirty="0" smtClean="0">
-                <a:solidFill>
-                  <a:schemeClr val="tx1"/>
-                </a:solidFill>
-              </a:rPr>
-              <a:t>휴대폰번호 </a:t>
-            </a:r>
-            <a:r>
-              <a:rPr lang="en-US" altLang="ko-KR" dirty="0" smtClean="0">
-                <a:solidFill>
-                  <a:schemeClr val="tx1"/>
-                </a:solidFill>
-              </a:rPr>
-              <a:t>[                        ]</a:t>
-            </a:r>
-            <a:endParaRPr lang="en-US" altLang="ko-KR" dirty="0">
-              <a:solidFill>
-                <a:schemeClr val="tx1"/>
-              </a:solidFill>
-            </a:endParaRPr>
-          </a:p>
-          <a:p>
-            <a:pPr marL="342900" indent="-342900" algn="ctr">
-              <a:buAutoNum type="arabicPeriod"/>
-            </a:pPr>
-            <a:endParaRPr lang="en-US" altLang="ko-KR" dirty="0">
-              <a:solidFill>
-                <a:schemeClr val="tx1"/>
-              </a:solidFill>
-            </a:endParaRPr>
-          </a:p>
-          <a:p>
-            <a:r>
-              <a:rPr lang="ko-KR" altLang="en-US" dirty="0">
-                <a:solidFill>
-                  <a:schemeClr val="tx1"/>
-                </a:solidFill>
-              </a:rPr>
-              <a:t>관심 카테고리 설정 </a:t>
-            </a:r>
-            <a:r>
-              <a:rPr lang="en-US" altLang="ko-KR" dirty="0">
-                <a:solidFill>
-                  <a:schemeClr val="tx1"/>
-                </a:solidFill>
-              </a:rPr>
-              <a:t>[               ]</a:t>
-            </a:r>
-          </a:p>
-          <a:p>
-            <a:pPr algn="ctr"/>
-            <a:endParaRPr lang="en-US" altLang="ko-KR" dirty="0">
-              <a:solidFill>
-                <a:schemeClr val="tx1"/>
-              </a:solidFill>
-            </a:endParaRPr>
-          </a:p>
-          <a:p>
-            <a:pPr algn="ctr"/>
-            <a:r>
-              <a:rPr lang="en-US" altLang="ko-KR" dirty="0">
-                <a:solidFill>
-                  <a:schemeClr val="tx1"/>
-                </a:solidFill>
-              </a:rPr>
-              <a:t>[</a:t>
-            </a:r>
-            <a:r>
-              <a:rPr lang="ko-KR" altLang="en-US" dirty="0">
-                <a:solidFill>
-                  <a:schemeClr val="tx1"/>
-                </a:solidFill>
-              </a:rPr>
-              <a:t>회원 가입</a:t>
-            </a:r>
-            <a:r>
-              <a:rPr lang="en-US" altLang="ko-KR" dirty="0">
-                <a:solidFill>
-                  <a:schemeClr val="tx1"/>
-                </a:solidFill>
-              </a:rPr>
-              <a:t>]</a:t>
-            </a:r>
-            <a:endParaRPr lang="ko-KR" altLang="en-US" dirty="0">
+              <a:t>로 이동</a:t>
+            </a:r>
+            <a:endParaRPr lang="ko-KR" altLang="en-US" sz="1200" dirty="0">
               <a:solidFill>
                 <a:schemeClr val="tx1"/>
               </a:solidFill>
@@ -30349,7 +30825,7 @@
     </p:spTree>
     <p:extLst>
       <p:ext uri="{BB962C8B-B14F-4D97-AF65-F5344CB8AC3E}">
-        <p14:creationId xmlns:p14="http://schemas.microsoft.com/office/powerpoint/2010/main" val="2655876572"/>
+        <p14:creationId xmlns:p14="http://schemas.microsoft.com/office/powerpoint/2010/main" val="3772883485"/>
       </p:ext>
     </p:extLst>
   </p:cSld>
@@ -30488,10 +30964,6 @@
           <a:lstStyle/>
           <a:p>
             <a:pPr algn="ctr"/>
-            <a:r>
-              <a:rPr lang="ko-KR" altLang="en-US" sz="2400" smtClean="0"/>
-              <a:t>ㅇ</a:t>
-            </a:r>
             <a:endParaRPr lang="ko-KR" altLang="en-US" sz="2400" dirty="0"/>
           </a:p>
         </p:txBody>
@@ -31278,19 +31750,6 @@
               <a:t>– </a:t>
             </a:r>
             <a:r>
-              <a:rPr lang="ko-KR" altLang="en-US" sz="2400" b="1" dirty="0" smtClean="0">
-                <a:solidFill>
-                  <a:schemeClr val="tx1">
-                    <a:lumMod val="75000"/>
-                    <a:lumOff val="25000"/>
-                  </a:schemeClr>
-                </a:solidFill>
-                <a:latin typeface="+mj-ea"/>
-                <a:ea typeface="+mj-ea"/>
-              </a:rPr>
-              <a:t>로그</a:t>
-            </a:r>
-            <a:r>
               <a:rPr lang="ko-KR" altLang="en-US" sz="2400" b="1" dirty="0">
                 <a:solidFill>
                   <a:schemeClr val="tx1">
@@ -31301,33 +31760,7 @@
                 <a:latin typeface="+mj-ea"/>
                 <a:ea typeface="+mj-ea"/>
               </a:rPr>
-              <a:t>인</a:t>
-            </a:r>
-            <a:r>
-              <a:rPr lang="ko-KR" altLang="en-US" sz="2400" b="1" dirty="0" smtClean="0">
-                <a:solidFill>
-                  <a:schemeClr val="tx1">
-                    <a:lumMod val="75000"/>
-                    <a:lumOff val="25000"/>
-                  </a:schemeClr>
-                </a:solidFill>
-                <a:latin typeface="+mj-ea"/>
-                <a:ea typeface="+mj-ea"/>
-              </a:rPr>
-              <a:t> </a:t>
-            </a:r>
-            <a:r>
-              <a:rPr lang="ko-KR" altLang="en-US" sz="2400" b="1" dirty="0">
-                <a:solidFill>
-                  <a:schemeClr val="tx1">
-                    <a:lumMod val="75000"/>
-                    <a:lumOff val="25000"/>
-                  </a:schemeClr>
-                </a:solidFill>
-                <a:latin typeface="+mj-ea"/>
-                <a:ea typeface="+mj-ea"/>
-              </a:rPr>
-              <a:t>페이지</a:t>
+              <a:t>회원가입 페이지</a:t>
             </a:r>
           </a:p>
         </p:txBody>
@@ -31354,7 +31787,7 @@
                 <a:gridCol w="2688299">
                   <a:extLst>
                     <a:ext uri="{9D8B030D-6E8A-4147-A177-3AD203B41FA5}">
-                      <a16:colId xmlns="" xmlns:a16="http://schemas.microsoft.com/office/drawing/2014/main" val="20000"/>
+                      <a16:colId xmlns:a16="http://schemas.microsoft.com/office/drawing/2014/main" xmlns="" val="20000"/>
                     </a:ext>
                   </a:extLst>
                 </a:gridCol>
@@ -31386,7 +31819,7 @@
                 </a:tc>
                 <a:extLst>
                   <a:ext uri="{0D108BD9-81ED-4DB2-BD59-A6C34878D82A}">
-                    <a16:rowId xmlns="" xmlns:a16="http://schemas.microsoft.com/office/drawing/2014/main" val="10000"/>
+                    <a16:rowId xmlns:a16="http://schemas.microsoft.com/office/drawing/2014/main" xmlns="" val="10000"/>
                   </a:ext>
                 </a:extLst>
               </a:tr>
@@ -31407,7 +31840,7 @@
                 </a:tc>
                 <a:extLst>
                   <a:ext uri="{0D108BD9-81ED-4DB2-BD59-A6C34878D82A}">
-                    <a16:rowId xmlns="" xmlns:a16="http://schemas.microsoft.com/office/drawing/2014/main" val="10001"/>
+                    <a16:rowId xmlns:a16="http://schemas.microsoft.com/office/drawing/2014/main" xmlns="" val="10001"/>
                   </a:ext>
                 </a:extLst>
               </a:tr>
@@ -31475,7 +31908,7 @@
         </p:nvGraphicFramePr>
         <p:xfrm>
           <a:off x="9168341" y="2479152"/>
-          <a:ext cx="2688299" cy="3897644"/>
+          <a:ext cx="2688299" cy="3570331"/>
         </p:xfrm>
         <a:graphic>
           <a:graphicData uri="http://schemas.openxmlformats.org/drawingml/2006/table">
@@ -31485,14 +31918,14 @@
                 <a:gridCol w="280507">
                   <a:extLst>
                     <a:ext uri="{9D8B030D-6E8A-4147-A177-3AD203B41FA5}">
-                      <a16:colId xmlns="" xmlns:a16="http://schemas.microsoft.com/office/drawing/2014/main" val="20000"/>
+                      <a16:colId xmlns:a16="http://schemas.microsoft.com/office/drawing/2014/main" xmlns="" val="20000"/>
                     </a:ext>
                   </a:extLst>
                 </a:gridCol>
                 <a:gridCol w="2407792">
                   <a:extLst>
                     <a:ext uri="{9D8B030D-6E8A-4147-A177-3AD203B41FA5}">
-                      <a16:colId xmlns="" xmlns:a16="http://schemas.microsoft.com/office/drawing/2014/main" val="20001"/>
+                      <a16:colId xmlns:a16="http://schemas.microsoft.com/office/drawing/2014/main" xmlns="" val="20001"/>
                     </a:ext>
                   </a:extLst>
                 </a:gridCol>
@@ -31546,7 +31979,7 @@
                 </a:tc>
                 <a:extLst>
                   <a:ext uri="{0D108BD9-81ED-4DB2-BD59-A6C34878D82A}">
-                    <a16:rowId xmlns="" xmlns:a16="http://schemas.microsoft.com/office/drawing/2014/main" val="10000"/>
+                    <a16:rowId xmlns:a16="http://schemas.microsoft.com/office/drawing/2014/main" xmlns="" val="10000"/>
                   </a:ext>
                 </a:extLst>
               </a:tr>
@@ -31583,13 +32016,13 @@
                         </a:lnSpc>
                       </a:pPr>
                       <a:r>
-                        <a:rPr lang="ko-KR" altLang="en-US" sz="1200" b="1" dirty="0" smtClean="0">
+                        <a:rPr lang="ko-KR" altLang="en-US" sz="1200" b="1" dirty="0">
                           <a:latin typeface="+mj-ea"/>
                           <a:ea typeface="+mj-ea"/>
                         </a:rPr>
-                        <a:t>로그인</a:t>
-                      </a:r>
-                      <a:endParaRPr lang="en-US" altLang="ko-KR" sz="1200" b="1" dirty="0" smtClean="0">
+                        <a:t>회원가입 폼</a:t>
+                      </a:r>
+                      <a:endParaRPr lang="en-US" altLang="ko-KR" sz="1200" b="1" dirty="0">
                         <a:latin typeface="+mj-ea"/>
                         <a:ea typeface="+mj-ea"/>
                       </a:endParaRPr>
@@ -31601,7 +32034,7 @@
                         </a:lnSpc>
                       </a:pPr>
                       <a:r>
-                        <a:rPr lang="en-US" altLang="ko-KR" sz="1200" b="0" i="0" u="none" strike="noStrike" cap="none" dirty="0" smtClean="0">
+                        <a:rPr lang="en-US" altLang="ko-KR" sz="1200" b="0" i="0" u="none" strike="noStrike" cap="none" dirty="0">
                           <a:solidFill>
                             <a:srgbClr val="000000"/>
                           </a:solidFill>
@@ -31613,7 +32046,7 @@
                         <a:t>- </a:t>
                       </a:r>
                       <a:r>
-                        <a:rPr lang="ko-KR" altLang="en-US" sz="1200" b="0" i="0" u="none" strike="noStrike" cap="none" dirty="0" smtClean="0">
+                        <a:rPr lang="ko-KR" altLang="en-US" sz="1200" b="0" i="0" u="none" strike="noStrike" cap="none" dirty="0">
                           <a:solidFill>
                             <a:srgbClr val="000000"/>
                           </a:solidFill>
@@ -31622,10 +32055,10 @@
                           <a:cs typeface="Arial"/>
                           <a:sym typeface="Arial"/>
                         </a:rPr>
-                        <a:t>아이디</a:t>
-                      </a:r>
-                      <a:r>
-                        <a:rPr lang="en-US" altLang="ko-KR" sz="1200" b="0" i="0" u="none" strike="noStrike" cap="none" dirty="0" smtClean="0">
+                        <a:t>이메일</a:t>
+                      </a:r>
+                      <a:r>
+                        <a:rPr lang="en-US" altLang="ko-KR" sz="1200" b="0" i="0" u="none" strike="noStrike" cap="none" dirty="0">
                           <a:solidFill>
                             <a:srgbClr val="000000"/>
                           </a:solidFill>
@@ -31634,10 +32067,10 @@
                           <a:cs typeface="Arial"/>
                           <a:sym typeface="Arial"/>
                         </a:rPr>
-                        <a:t>(</a:t>
-                      </a:r>
-                      <a:r>
-                        <a:rPr lang="ko-KR" altLang="en-US" sz="1200" b="0" i="0" u="none" strike="noStrike" cap="none" dirty="0" smtClean="0">
+                        <a:t>, </a:t>
+                      </a:r>
+                      <a:r>
+                        <a:rPr lang="ko-KR" altLang="en-US" sz="1200" b="0" i="0" u="none" strike="noStrike" cap="none" dirty="0">
                           <a:solidFill>
                             <a:srgbClr val="000000"/>
                           </a:solidFill>
@@ -31646,10 +32079,10 @@
                           <a:cs typeface="Arial"/>
                           <a:sym typeface="Arial"/>
                         </a:rPr>
-                        <a:t>가입 시 사용한 </a:t>
-                      </a:r>
-                      <a:r>
-                        <a:rPr lang="ko-KR" altLang="en-US" sz="1200" b="0" i="0" u="none" strike="noStrike" cap="none" dirty="0" err="1" smtClean="0">
+                        <a:t>이름</a:t>
+                      </a:r>
+                      <a:r>
+                        <a:rPr lang="en-US" altLang="ko-KR" sz="1200" b="0" i="0" u="none" strike="noStrike" cap="none" dirty="0">
                           <a:solidFill>
                             <a:srgbClr val="000000"/>
                           </a:solidFill>
@@ -31658,10 +32091,10 @@
                           <a:cs typeface="Arial"/>
                           <a:sym typeface="Arial"/>
                         </a:rPr>
-                        <a:t>이메일</a:t>
-                      </a:r>
-                      <a:r>
-                        <a:rPr lang="en-US" altLang="ko-KR" sz="1200" b="0" i="0" u="none" strike="noStrike" cap="none" dirty="0" smtClean="0">
+                        <a:t>, </a:t>
+                      </a:r>
+                      <a:r>
+                        <a:rPr lang="ko-KR" altLang="en-US" sz="1200" b="0" i="0" u="none" strike="noStrike" cap="none" dirty="0">
                           <a:solidFill>
                             <a:srgbClr val="000000"/>
                           </a:solidFill>
@@ -31670,10 +32103,10 @@
                           <a:cs typeface="Arial"/>
                           <a:sym typeface="Arial"/>
                         </a:rPr>
-                        <a:t>)</a:t>
-                      </a:r>
-                      <a:r>
-                        <a:rPr lang="ko-KR" altLang="en-US" sz="1200" b="0" i="0" u="none" strike="noStrike" cap="none" dirty="0" smtClean="0">
+                        <a:t>비밀번호</a:t>
+                      </a:r>
+                      <a:r>
+                        <a:rPr lang="en-US" altLang="ko-KR" sz="1200" b="0" i="0" u="none" strike="noStrike" cap="none" dirty="0">
                           <a:solidFill>
                             <a:srgbClr val="000000"/>
                           </a:solidFill>
@@ -31682,10 +32115,10 @@
                           <a:cs typeface="Arial"/>
                           <a:sym typeface="Arial"/>
                         </a:rPr>
-                        <a:t>와 비밀번호를 입력하여 로그인</a:t>
-                      </a:r>
-                      <a:r>
-                        <a:rPr lang="en-US" altLang="ko-KR" sz="1200" b="0" i="0" u="none" strike="noStrike" cap="none" dirty="0" smtClean="0">
+                        <a:t>, </a:t>
+                      </a:r>
+                      <a:r>
+                        <a:rPr lang="ko-KR" altLang="en-US" sz="1200" b="0" i="0" u="none" strike="noStrike" cap="none" dirty="0">
                           <a:solidFill>
                             <a:srgbClr val="000000"/>
                           </a:solidFill>
@@ -31694,10 +32127,10 @@
                           <a:cs typeface="Arial"/>
                           <a:sym typeface="Arial"/>
                         </a:rPr>
-                        <a:t>, </a:t>
-                      </a:r>
-                      <a:r>
-                        <a:rPr lang="ko-KR" altLang="en-US" sz="1200" b="0" i="0" u="none" strike="noStrike" cap="none" dirty="0" smtClean="0">
+                        <a:t>관심 카테고리를 입력하여 회원 가입</a:t>
+                      </a:r>
+                      <a:r>
+                        <a:rPr lang="en-US" altLang="ko-KR" sz="1200" b="0" i="0" u="none" strike="noStrike" cap="none" dirty="0">
                           <a:solidFill>
                             <a:srgbClr val="000000"/>
                           </a:solidFill>
@@ -31706,7 +32139,7 @@
                           <a:cs typeface="Arial"/>
                           <a:sym typeface="Arial"/>
                         </a:rPr>
-                        <a:t>비밀번호 찾기 버튼을 눌러 찾기 페이지로 이동</a:t>
+                        <a:t>.</a:t>
                       </a:r>
                       <a:endParaRPr lang="ko-KR" altLang="en-US" sz="1200" dirty="0">
                         <a:latin typeface="+mj-ea"/>
@@ -31718,7 +32151,7 @@
                 </a:tc>
                 <a:extLst>
                   <a:ext uri="{0D108BD9-81ED-4DB2-BD59-A6C34878D82A}">
-                    <a16:rowId xmlns="" xmlns:a16="http://schemas.microsoft.com/office/drawing/2014/main" val="10001"/>
+                    <a16:rowId xmlns:a16="http://schemas.microsoft.com/office/drawing/2014/main" xmlns="" val="10001"/>
                   </a:ext>
                 </a:extLst>
               </a:tr>
@@ -31769,7 +32202,7 @@
                 </a:tc>
                 <a:extLst>
                   <a:ext uri="{0D108BD9-81ED-4DB2-BD59-A6C34878D82A}">
-                    <a16:rowId xmlns="" xmlns:a16="http://schemas.microsoft.com/office/drawing/2014/main" val="10002"/>
+                    <a16:rowId xmlns:a16="http://schemas.microsoft.com/office/drawing/2014/main" xmlns="" val="10002"/>
                   </a:ext>
                 </a:extLst>
               </a:tr>
@@ -31815,7 +32248,7 @@
                 </a:tc>
                 <a:extLst>
                   <a:ext uri="{0D108BD9-81ED-4DB2-BD59-A6C34878D82A}">
-                    <a16:rowId xmlns="" xmlns:a16="http://schemas.microsoft.com/office/drawing/2014/main" val="10003"/>
+                    <a16:rowId xmlns:a16="http://schemas.microsoft.com/office/drawing/2014/main" xmlns="" val="10003"/>
                   </a:ext>
                 </a:extLst>
               </a:tr>
@@ -31861,7 +32294,7 @@
                 </a:tc>
                 <a:extLst>
                   <a:ext uri="{0D108BD9-81ED-4DB2-BD59-A6C34878D82A}">
-                    <a16:rowId xmlns="" xmlns:a16="http://schemas.microsoft.com/office/drawing/2014/main" val="10004"/>
+                    <a16:rowId xmlns:a16="http://schemas.microsoft.com/office/drawing/2014/main" xmlns="" val="10004"/>
                   </a:ext>
                 </a:extLst>
               </a:tr>
@@ -31907,7 +32340,7 @@
                 </a:tc>
                 <a:extLst>
                   <a:ext uri="{0D108BD9-81ED-4DB2-BD59-A6C34878D82A}">
-                    <a16:rowId xmlns="" xmlns:a16="http://schemas.microsoft.com/office/drawing/2014/main" val="10005"/>
+                    <a16:rowId xmlns:a16="http://schemas.microsoft.com/office/drawing/2014/main" xmlns="" val="10005"/>
                   </a:ext>
                 </a:extLst>
               </a:tr>
@@ -31920,7 +32353,7 @@
           <p:cNvPr id="3" name="직사각형 2">
             <a:extLst>
               <a:ext uri="{FF2B5EF4-FFF2-40B4-BE49-F238E27FC236}">
-                <a16:creationId xmlns="" xmlns:a16="http://schemas.microsoft.com/office/drawing/2014/main" id="{7C9E9366-B86C-4147-AAEA-0E8C98D7DA95}"/>
+                <a16:creationId xmlns:a16="http://schemas.microsoft.com/office/drawing/2014/main" xmlns="" id="{7C9E9366-B86C-4147-AAEA-0E8C98D7DA95}"/>
               </a:ext>
             </a:extLst>
           </p:cNvPr>
@@ -31929,8 +32362,8 @@
         </p:nvSpPr>
         <p:spPr>
           <a:xfrm>
-            <a:off x="3285065" y="1649506"/>
-            <a:ext cx="2991555" cy="4399977"/>
+            <a:off x="1497106" y="1649506"/>
+            <a:ext cx="6831106" cy="4399977"/>
           </a:xfrm>
           <a:prstGeom prst="rect">
             <a:avLst/>
@@ -31972,7 +32405,7 @@
           <p:cNvPr id="7" name="직사각형 6">
             <a:extLst>
               <a:ext uri="{FF2B5EF4-FFF2-40B4-BE49-F238E27FC236}">
-                <a16:creationId xmlns="" xmlns:a16="http://schemas.microsoft.com/office/drawing/2014/main" id="{DA06AE45-F21F-4390-88D7-43E648964D4B}"/>
+                <a16:creationId xmlns:a16="http://schemas.microsoft.com/office/drawing/2014/main" xmlns="" id="{DA06AE45-F21F-4390-88D7-43E648964D4B}"/>
               </a:ext>
             </a:extLst>
           </p:cNvPr>
@@ -31981,13 +32414,15 @@
         </p:nvSpPr>
         <p:spPr>
           <a:xfrm>
-            <a:off x="3705383" y="2637488"/>
-            <a:ext cx="2188260" cy="394907"/>
+            <a:off x="3004632" y="1749982"/>
+            <a:ext cx="3813860" cy="4166724"/>
           </a:xfrm>
           <a:prstGeom prst="rect">
             <a:avLst/>
           </a:prstGeom>
-          <a:noFill/>
+          <a:solidFill>
+            <a:schemeClr val="bg1"/>
+          </a:solidFill>
           <a:ln>
             <a:solidFill>
               <a:schemeClr val="tx1"/>
@@ -32014,14 +32449,229 @@
           <a:bodyPr rtlCol="0" anchor="ctr"/>
           <a:lstStyle/>
           <a:p>
+            <a:pPr marL="342900" indent="-342900" algn="ctr">
+              <a:buAutoNum type="arabicPeriod"/>
+            </a:pPr>
+            <a:r>
+              <a:rPr lang="ko-KR" altLang="en-US" dirty="0">
+                <a:solidFill>
+                  <a:schemeClr val="tx1"/>
+                </a:solidFill>
+              </a:rPr>
+              <a:t>회원가입 폼</a:t>
+            </a:r>
+            <a:endParaRPr lang="en-US" altLang="ko-KR" dirty="0">
+              <a:solidFill>
+                <a:schemeClr val="tx1"/>
+              </a:solidFill>
+            </a:endParaRPr>
+          </a:p>
+          <a:p>
+            <a:pPr marL="342900" indent="-342900" algn="ctr">
+              <a:buAutoNum type="arabicPeriod"/>
+            </a:pPr>
+            <a:endParaRPr lang="en-US" altLang="ko-KR" dirty="0">
+              <a:solidFill>
+                <a:schemeClr val="tx1"/>
+              </a:solidFill>
+            </a:endParaRPr>
+          </a:p>
+          <a:p>
+            <a:r>
+              <a:rPr lang="ko-KR" altLang="en-US" dirty="0">
+                <a:solidFill>
+                  <a:schemeClr val="tx1"/>
+                </a:solidFill>
+              </a:rPr>
+              <a:t>이메일 입력 </a:t>
+            </a:r>
+            <a:r>
+              <a:rPr lang="en-US" altLang="ko-KR" dirty="0">
+                <a:solidFill>
+                  <a:schemeClr val="tx1"/>
+                </a:solidFill>
+              </a:rPr>
+              <a:t>[                        ]</a:t>
+            </a:r>
+          </a:p>
+          <a:p>
+            <a:pPr marL="342900" indent="-342900">
+              <a:buAutoNum type="arabicPeriod"/>
+            </a:pPr>
+            <a:endParaRPr lang="en-US" altLang="ko-KR" dirty="0">
+              <a:solidFill>
+                <a:schemeClr val="tx1"/>
+              </a:solidFill>
+            </a:endParaRPr>
+          </a:p>
+          <a:p>
+            <a:r>
+              <a:rPr lang="ko-KR" altLang="en-US" dirty="0">
+                <a:solidFill>
+                  <a:schemeClr val="tx1"/>
+                </a:solidFill>
+              </a:rPr>
+              <a:t>이름 입력 </a:t>
+            </a:r>
+            <a:r>
+              <a:rPr lang="en-US" altLang="ko-KR" dirty="0">
+                <a:solidFill>
+                  <a:schemeClr val="tx1"/>
+                </a:solidFill>
+              </a:rPr>
+              <a:t>[               ]</a:t>
+            </a:r>
+          </a:p>
+          <a:p>
             <a:pPr algn="ctr"/>
+            <a:endParaRPr lang="en-US" altLang="ko-KR" dirty="0">
+              <a:solidFill>
+                <a:schemeClr val="tx1"/>
+              </a:solidFill>
+            </a:endParaRPr>
+          </a:p>
+          <a:p>
+            <a:r>
+              <a:rPr lang="ko-KR" altLang="en-US" dirty="0">
+                <a:solidFill>
+                  <a:schemeClr val="tx1"/>
+                </a:solidFill>
+              </a:rPr>
+              <a:t>비밀번호 입력 </a:t>
+            </a:r>
+            <a:r>
+              <a:rPr lang="en-US" altLang="ko-KR" dirty="0">
+                <a:solidFill>
+                  <a:schemeClr val="tx1"/>
+                </a:solidFill>
+              </a:rPr>
+              <a:t>[                  ]</a:t>
+            </a:r>
+          </a:p>
+          <a:p>
+            <a:endParaRPr lang="en-US" altLang="ko-KR" dirty="0">
+              <a:solidFill>
+                <a:schemeClr val="tx1"/>
+              </a:solidFill>
+            </a:endParaRPr>
+          </a:p>
+          <a:p>
+            <a:r>
+              <a:rPr lang="ko-KR" altLang="en-US" dirty="0">
+                <a:solidFill>
+                  <a:schemeClr val="tx1"/>
+                </a:solidFill>
+              </a:rPr>
+              <a:t>비밀번호 확인 </a:t>
+            </a:r>
+            <a:r>
+              <a:rPr lang="en-US" altLang="ko-KR" dirty="0">
+                <a:solidFill>
+                  <a:schemeClr val="tx1"/>
+                </a:solidFill>
+              </a:rPr>
+              <a:t>[		    </a:t>
+            </a:r>
+            <a:r>
+              <a:rPr lang="en-US" altLang="ko-KR" dirty="0" smtClean="0">
+                <a:solidFill>
+                  <a:schemeClr val="tx1"/>
+                </a:solidFill>
+              </a:rPr>
+              <a:t>]</a:t>
+            </a:r>
+          </a:p>
+          <a:p>
+            <a:endParaRPr lang="en-US" altLang="ko-KR" dirty="0">
+              <a:solidFill>
+                <a:schemeClr val="tx1"/>
+              </a:solidFill>
+            </a:endParaRPr>
+          </a:p>
+          <a:p>
             <a:r>
               <a:rPr lang="ko-KR" altLang="en-US" dirty="0" smtClean="0">
                 <a:solidFill>
                   <a:schemeClr val="tx1"/>
                 </a:solidFill>
               </a:rPr>
-              <a:t>아이디 입력</a:t>
+              <a:t>휴대폰번호 </a:t>
+            </a:r>
+            <a:r>
+              <a:rPr lang="en-US" altLang="ko-KR" dirty="0" smtClean="0">
+                <a:solidFill>
+                  <a:schemeClr val="tx1"/>
+                </a:solidFill>
+              </a:rPr>
+              <a:t>[                        ]</a:t>
+            </a:r>
+            <a:endParaRPr lang="en-US" altLang="ko-KR" dirty="0">
+              <a:solidFill>
+                <a:schemeClr val="tx1"/>
+              </a:solidFill>
+            </a:endParaRPr>
+          </a:p>
+          <a:p>
+            <a:pPr marL="342900" indent="-342900" algn="ctr">
+              <a:buAutoNum type="arabicPeriod"/>
+            </a:pPr>
+            <a:endParaRPr lang="en-US" altLang="ko-KR" dirty="0">
+              <a:solidFill>
+                <a:schemeClr val="tx1"/>
+              </a:solidFill>
+            </a:endParaRPr>
+          </a:p>
+          <a:p>
+            <a:r>
+              <a:rPr lang="ko-KR" altLang="en-US" dirty="0">
+                <a:solidFill>
+                  <a:schemeClr val="tx1"/>
+                </a:solidFill>
+              </a:rPr>
+              <a:t>관심 카테고리 설정 </a:t>
+            </a:r>
+            <a:r>
+              <a:rPr lang="en-US" altLang="ko-KR" dirty="0">
+                <a:solidFill>
+                  <a:schemeClr val="tx1"/>
+                </a:solidFill>
+              </a:rPr>
+              <a:t>[               ]</a:t>
+            </a:r>
+          </a:p>
+          <a:p>
+            <a:pPr algn="ctr"/>
+            <a:endParaRPr lang="en-US" altLang="ko-KR" dirty="0">
+              <a:solidFill>
+                <a:schemeClr val="tx1"/>
+              </a:solidFill>
+            </a:endParaRPr>
+          </a:p>
+          <a:p>
+            <a:pPr algn="ctr"/>
+            <a:r>
+              <a:rPr lang="en-US" altLang="ko-KR" dirty="0">
+                <a:solidFill>
+                  <a:schemeClr val="tx1"/>
+                </a:solidFill>
+              </a:rPr>
+              <a:t>[</a:t>
+            </a:r>
+            <a:r>
+              <a:rPr lang="ko-KR" altLang="en-US" dirty="0">
+                <a:solidFill>
+                  <a:schemeClr val="tx1"/>
+                </a:solidFill>
+              </a:rPr>
+              <a:t>회원 가입</a:t>
+            </a:r>
+            <a:r>
+              <a:rPr lang="en-US" altLang="ko-KR" dirty="0">
+                <a:solidFill>
+                  <a:schemeClr val="tx1"/>
+                </a:solidFill>
+              </a:rPr>
+              <a:t>]</a:t>
             </a:r>
             <a:endParaRPr lang="ko-KR" altLang="en-US" dirty="0">
               <a:solidFill>
@@ -32031,210 +32681,10 @@
           </a:p>
         </p:txBody>
       </p:sp>
-      <p:sp>
-        <p:nvSpPr>
-          <p:cNvPr id="15" name="직사각형 14">
-            <a:extLst>
-              <a:ext uri="{FF2B5EF4-FFF2-40B4-BE49-F238E27FC236}">
-                <a16:creationId xmlns="" xmlns:a16="http://schemas.microsoft.com/office/drawing/2014/main" id="{DA06AE45-F21F-4390-88D7-43E648964D4B}"/>
-              </a:ext>
-            </a:extLst>
-          </p:cNvPr>
-          <p:cNvSpPr/>
-          <p:nvPr/>
-        </p:nvSpPr>
-        <p:spPr>
-          <a:xfrm>
-            <a:off x="3705383" y="3330866"/>
-            <a:ext cx="2188260" cy="394907"/>
-          </a:xfrm>
-          <a:prstGeom prst="rect">
-            <a:avLst/>
-          </a:prstGeom>
-          <a:noFill/>
-          <a:ln>
-            <a:solidFill>
-              <a:schemeClr val="tx1"/>
-            </a:solidFill>
-          </a:ln>
-        </p:spPr>
-        <p:style>
-          <a:lnRef idx="2">
-            <a:schemeClr val="accent1">
-              <a:shade val="50000"/>
-            </a:schemeClr>
-          </a:lnRef>
-          <a:fillRef idx="1">
-            <a:schemeClr val="accent1"/>
-          </a:fillRef>
-          <a:effectRef idx="0">
-            <a:schemeClr val="accent1"/>
-          </a:effectRef>
-          <a:fontRef idx="minor">
-            <a:schemeClr val="lt1"/>
-          </a:fontRef>
-        </p:style>
-        <p:txBody>
-          <a:bodyPr rtlCol="0" anchor="ctr"/>
-          <a:lstStyle/>
-          <a:p>
-            <a:pPr algn="ctr"/>
-            <a:r>
-              <a:rPr lang="ko-KR" altLang="en-US" dirty="0" smtClean="0">
-                <a:solidFill>
-                  <a:schemeClr val="tx1"/>
-                </a:solidFill>
-              </a:rPr>
-              <a:t>비밀번호 입력</a:t>
-            </a:r>
-            <a:endParaRPr lang="ko-KR" altLang="en-US" dirty="0">
-              <a:solidFill>
-                <a:schemeClr val="tx1"/>
-              </a:solidFill>
-            </a:endParaRPr>
-          </a:p>
-        </p:txBody>
-      </p:sp>
-      <p:sp>
-        <p:nvSpPr>
-          <p:cNvPr id="8" name="TextBox 7"/>
-          <p:cNvSpPr txBox="1"/>
-          <p:nvPr/>
-        </p:nvSpPr>
-        <p:spPr>
-          <a:xfrm>
-            <a:off x="3705383" y="1958831"/>
-            <a:ext cx="1735860" cy="369332"/>
-          </a:xfrm>
-          <a:prstGeom prst="rect">
-            <a:avLst/>
-          </a:prstGeom>
-          <a:noFill/>
-        </p:spPr>
-        <p:txBody>
-          <a:bodyPr wrap="square" rtlCol="0">
-            <a:spAutoFit/>
-          </a:bodyPr>
-          <a:lstStyle/>
-          <a:p>
-            <a:r>
-              <a:rPr lang="en-US" altLang="ko-KR" dirty="0" smtClean="0"/>
-              <a:t>1. </a:t>
-            </a:r>
-            <a:r>
-              <a:rPr lang="ko-KR" altLang="en-US" dirty="0" smtClean="0"/>
-              <a:t>로그인</a:t>
-            </a:r>
-            <a:endParaRPr lang="ko-KR" altLang="en-US" dirty="0"/>
-          </a:p>
-        </p:txBody>
-      </p:sp>
-      <p:sp>
-        <p:nvSpPr>
-          <p:cNvPr id="20" name="직사각형 19">
-            <a:extLst>
-              <a:ext uri="{FF2B5EF4-FFF2-40B4-BE49-F238E27FC236}">
-                <a16:creationId xmlns="" xmlns:a16="http://schemas.microsoft.com/office/drawing/2014/main" id="{DA06AE45-F21F-4390-88D7-43E648964D4B}"/>
-              </a:ext>
-            </a:extLst>
-          </p:cNvPr>
-          <p:cNvSpPr/>
-          <p:nvPr/>
-        </p:nvSpPr>
-        <p:spPr>
-          <a:xfrm>
-            <a:off x="3736669" y="4413719"/>
-            <a:ext cx="2188260" cy="394907"/>
-          </a:xfrm>
-          <a:prstGeom prst="rect">
-            <a:avLst/>
-          </a:prstGeom>
-          <a:noFill/>
-          <a:ln>
-            <a:solidFill>
-              <a:schemeClr val="tx1"/>
-            </a:solidFill>
-          </a:ln>
-        </p:spPr>
-        <p:style>
-          <a:lnRef idx="2">
-            <a:schemeClr val="accent1">
-              <a:shade val="50000"/>
-            </a:schemeClr>
-          </a:lnRef>
-          <a:fillRef idx="1">
-            <a:schemeClr val="accent1"/>
-          </a:fillRef>
-          <a:effectRef idx="0">
-            <a:schemeClr val="accent1"/>
-          </a:effectRef>
-          <a:fontRef idx="minor">
-            <a:schemeClr val="lt1"/>
-          </a:fontRef>
-        </p:style>
-        <p:txBody>
-          <a:bodyPr rtlCol="0" anchor="ctr"/>
-          <a:lstStyle/>
-          <a:p>
-            <a:pPr algn="ctr"/>
-            <a:r>
-              <a:rPr lang="ko-KR" altLang="en-US" dirty="0" smtClean="0">
-                <a:solidFill>
-                  <a:schemeClr val="tx1"/>
-                </a:solidFill>
-              </a:rPr>
-              <a:t>로그인</a:t>
-            </a:r>
-            <a:endParaRPr lang="ko-KR" altLang="en-US" dirty="0">
-              <a:solidFill>
-                <a:schemeClr val="tx1"/>
-              </a:solidFill>
-            </a:endParaRPr>
-          </a:p>
-        </p:txBody>
-      </p:sp>
-      <p:sp>
-        <p:nvSpPr>
-          <p:cNvPr id="10" name="TextBox 9"/>
-          <p:cNvSpPr txBox="1"/>
-          <p:nvPr/>
-        </p:nvSpPr>
-        <p:spPr>
-          <a:xfrm>
-            <a:off x="3705383" y="3917795"/>
-            <a:ext cx="3155200" cy="369332"/>
-          </a:xfrm>
-          <a:prstGeom prst="rect">
-            <a:avLst/>
-          </a:prstGeom>
-          <a:noFill/>
-        </p:spPr>
-        <p:txBody>
-          <a:bodyPr wrap="square" rtlCol="0">
-            <a:spAutoFit/>
-          </a:bodyPr>
-          <a:lstStyle/>
-          <a:p>
-            <a:r>
-              <a:rPr lang="ko-KR" altLang="en-US" dirty="0" smtClean="0"/>
-              <a:t>아이디</a:t>
-            </a:r>
-            <a:r>
-              <a:rPr lang="en-US" altLang="ko-KR" dirty="0" smtClean="0"/>
-              <a:t>/</a:t>
-            </a:r>
-            <a:r>
-              <a:rPr lang="ko-KR" altLang="en-US" dirty="0" smtClean="0"/>
-              <a:t>비밀번호 찾기</a:t>
-            </a:r>
-            <a:endParaRPr lang="ko-KR" altLang="en-US" dirty="0"/>
-          </a:p>
-        </p:txBody>
-      </p:sp>
     </p:spTree>
     <p:extLst>
       <p:ext uri="{BB962C8B-B14F-4D97-AF65-F5344CB8AC3E}">
-        <p14:creationId xmlns:p14="http://schemas.microsoft.com/office/powerpoint/2010/main" val="3400534212"/>
+        <p14:creationId xmlns:p14="http://schemas.microsoft.com/office/powerpoint/2010/main" val="2655876572"/>
       </p:ext>
     </p:extLst>
   </p:cSld>
@@ -33041,7 +33491,7 @@
         <p:spPr>
           <a:xfrm>
             <a:off x="1121067" y="522708"/>
-            <a:ext cx="9975911" cy="646331"/>
+            <a:ext cx="8789911" cy="646331"/>
           </a:xfrm>
           <a:prstGeom prst="rect">
             <a:avLst/>
@@ -33173,10 +33623,10 @@
                 <a:latin typeface="+mj-ea"/>
                 <a:ea typeface="+mj-ea"/>
               </a:rPr>
-              <a:t>아이디</a:t>
-            </a:r>
-            <a:r>
-              <a:rPr lang="en-US" altLang="ko-KR" sz="2400" b="1" dirty="0" smtClean="0">
+              <a:t>로그</a:t>
+            </a:r>
+            <a:r>
+              <a:rPr lang="ko-KR" altLang="en-US" sz="2400" b="1" dirty="0">
                 <a:solidFill>
                   <a:schemeClr val="tx1">
                     <a:lumMod val="75000"/>
@@ -33186,7 +33636,7 @@
                 <a:latin typeface="+mj-ea"/>
                 <a:ea typeface="+mj-ea"/>
               </a:rPr>
-              <a:t>/</a:t>
+              <a:t>인</a:t>
             </a:r>
             <a:r>
               <a:rPr lang="ko-KR" altLang="en-US" sz="2400" b="1" dirty="0" smtClean="0">
@@ -33199,10 +33649,10 @@
                 <a:latin typeface="+mj-ea"/>
                 <a:ea typeface="+mj-ea"/>
               </a:rPr>
-              <a:t>비밀번호 찾기 페이지</a:t>
-            </a:r>
-            <a:r>
-              <a:rPr lang="en-US" altLang="ko-KR" sz="2400" b="1" dirty="0" smtClean="0">
+              <a:t> </a:t>
+            </a:r>
+            <a:r>
+              <a:rPr lang="ko-KR" altLang="en-US" sz="2400" b="1" dirty="0">
                 <a:solidFill>
                   <a:schemeClr val="tx1">
                     <a:lumMod val="75000"/>
@@ -33212,44 +33662,8 @@
                 <a:latin typeface="+mj-ea"/>
                 <a:ea typeface="+mj-ea"/>
               </a:rPr>
-              <a:t>(</a:t>
-            </a:r>
-            <a:r>
-              <a:rPr lang="ko-KR" altLang="en-US" sz="2400" b="1" dirty="0" smtClean="0">
-                <a:solidFill>
-                  <a:schemeClr val="tx1">
-                    <a:lumMod val="75000"/>
-                    <a:lumOff val="25000"/>
-                  </a:schemeClr>
-                </a:solidFill>
-                <a:latin typeface="+mj-ea"/>
-                <a:ea typeface="+mj-ea"/>
-              </a:rPr>
-              <a:t>아이디 찾기</a:t>
-            </a:r>
-            <a:r>
-              <a:rPr lang="en-US" altLang="ko-KR" sz="2400" b="1" dirty="0" smtClean="0">
-                <a:solidFill>
-                  <a:schemeClr val="tx1">
-                    <a:lumMod val="75000"/>
-                    <a:lumOff val="25000"/>
-                  </a:schemeClr>
-                </a:solidFill>
-                <a:latin typeface="+mj-ea"/>
-                <a:ea typeface="+mj-ea"/>
-              </a:rPr>
-              <a:t>)</a:t>
-            </a:r>
-            <a:endParaRPr lang="ko-KR" altLang="en-US" sz="2400" b="1" dirty="0">
-              <a:solidFill>
-                <a:schemeClr val="tx1">
-                  <a:lumMod val="75000"/>
-                  <a:lumOff val="25000"/>
-                </a:schemeClr>
-              </a:solidFill>
-              <a:latin typeface="+mj-ea"/>
-              <a:ea typeface="+mj-ea"/>
-            </a:endParaRPr>
+              <a:t>페이지</a:t>
+            </a:r>
           </a:p>
         </p:txBody>
       </p:sp>
@@ -33259,7 +33673,9 @@
           <p:cNvGraphicFramePr>
             <a:graphicFrameLocks noGrp="1"/>
           </p:cNvGraphicFramePr>
-          <p:nvPr/>
+          <p:nvPr>
+            <p:extLst/>
+          </p:nvPr>
         </p:nvGraphicFramePr>
         <p:xfrm>
           <a:off x="9168341" y="1433634"/>
@@ -33273,7 +33689,7 @@
                 <a:gridCol w="2688299">
                   <a:extLst>
                     <a:ext uri="{9D8B030D-6E8A-4147-A177-3AD203B41FA5}">
-                      <a16:colId xmlns="" xmlns:a16="http://schemas.microsoft.com/office/drawing/2014/main" val="20000"/>
+                      <a16:colId xmlns:a16="http://schemas.microsoft.com/office/drawing/2014/main" xmlns="" val="20000"/>
                     </a:ext>
                   </a:extLst>
                 </a:gridCol>
@@ -33305,7 +33721,7 @@
                 </a:tc>
                 <a:extLst>
                   <a:ext uri="{0D108BD9-81ED-4DB2-BD59-A6C34878D82A}">
-                    <a16:rowId xmlns="" xmlns:a16="http://schemas.microsoft.com/office/drawing/2014/main" val="10000"/>
+                    <a16:rowId xmlns:a16="http://schemas.microsoft.com/office/drawing/2014/main" xmlns="" val="10000"/>
                   </a:ext>
                 </a:extLst>
               </a:tr>
@@ -33326,7 +33742,7 @@
                 </a:tc>
                 <a:extLst>
                   <a:ext uri="{0D108BD9-81ED-4DB2-BD59-A6C34878D82A}">
-                    <a16:rowId xmlns="" xmlns:a16="http://schemas.microsoft.com/office/drawing/2014/main" val="10001"/>
+                    <a16:rowId xmlns:a16="http://schemas.microsoft.com/office/drawing/2014/main" xmlns="" val="10001"/>
                   </a:ext>
                 </a:extLst>
               </a:tr>
@@ -33394,7 +33810,7 @@
         </p:nvGraphicFramePr>
         <p:xfrm>
           <a:off x="9168341" y="2479152"/>
-          <a:ext cx="2688299" cy="3570331"/>
+          <a:ext cx="2688299" cy="3897644"/>
         </p:xfrm>
         <a:graphic>
           <a:graphicData uri="http://schemas.openxmlformats.org/drawingml/2006/table">
@@ -33404,14 +33820,14 @@
                 <a:gridCol w="280507">
                   <a:extLst>
                     <a:ext uri="{9D8B030D-6E8A-4147-A177-3AD203B41FA5}">
-                      <a16:colId xmlns="" xmlns:a16="http://schemas.microsoft.com/office/drawing/2014/main" val="20000"/>
+                      <a16:colId xmlns:a16="http://schemas.microsoft.com/office/drawing/2014/main" xmlns="" val="20000"/>
                     </a:ext>
                   </a:extLst>
                 </a:gridCol>
                 <a:gridCol w="2407792">
                   <a:extLst>
                     <a:ext uri="{9D8B030D-6E8A-4147-A177-3AD203B41FA5}">
-                      <a16:colId xmlns="" xmlns:a16="http://schemas.microsoft.com/office/drawing/2014/main" val="20001"/>
+                      <a16:colId xmlns:a16="http://schemas.microsoft.com/office/drawing/2014/main" xmlns="" val="20001"/>
                     </a:ext>
                   </a:extLst>
                 </a:gridCol>
@@ -33465,7 +33881,7 @@
                 </a:tc>
                 <a:extLst>
                   <a:ext uri="{0D108BD9-81ED-4DB2-BD59-A6C34878D82A}">
-                    <a16:rowId xmlns="" xmlns:a16="http://schemas.microsoft.com/office/drawing/2014/main" val="10000"/>
+                    <a16:rowId xmlns:a16="http://schemas.microsoft.com/office/drawing/2014/main" xmlns="" val="10000"/>
                   </a:ext>
                 </a:extLst>
               </a:tr>
@@ -33506,7 +33922,7 @@
                           <a:latin typeface="+mj-ea"/>
                           <a:ea typeface="+mj-ea"/>
                         </a:rPr>
-                        <a:t>아이디 찾기</a:t>
+                        <a:t>로그인</a:t>
                       </a:r>
                       <a:endParaRPr lang="en-US" altLang="ko-KR" sz="1200" b="1" dirty="0" smtClean="0">
                         <a:latin typeface="+mj-ea"/>
@@ -33541,7 +33957,91 @@
                           <a:cs typeface="Arial"/>
                           <a:sym typeface="Arial"/>
                         </a:rPr>
-                        <a:t>가입 시 입력한 휴대폰 번호 사용하여 아이디 찾기</a:t>
+                        <a:t>아이디</a:t>
+                      </a:r>
+                      <a:r>
+                        <a:rPr lang="en-US" altLang="ko-KR" sz="1200" b="0" i="0" u="none" strike="noStrike" cap="none" dirty="0" smtClean="0">
+                          <a:solidFill>
+                            <a:srgbClr val="000000"/>
+                          </a:solidFill>
+                          <a:latin typeface="+mj-ea"/>
+                          <a:ea typeface="Arial"/>
+                          <a:cs typeface="Arial"/>
+                          <a:sym typeface="Arial"/>
+                        </a:rPr>
+                        <a:t>(</a:t>
+                      </a:r>
+                      <a:r>
+                        <a:rPr lang="ko-KR" altLang="en-US" sz="1200" b="0" i="0" u="none" strike="noStrike" cap="none" dirty="0" smtClean="0">
+                          <a:solidFill>
+                            <a:srgbClr val="000000"/>
+                          </a:solidFill>
+                          <a:latin typeface="+mj-ea"/>
+                          <a:ea typeface="Arial"/>
+                          <a:cs typeface="Arial"/>
+                          <a:sym typeface="Arial"/>
+                        </a:rPr>
+                        <a:t>가입 시 사용한 </a:t>
+                      </a:r>
+                      <a:r>
+                        <a:rPr lang="ko-KR" altLang="en-US" sz="1200" b="0" i="0" u="none" strike="noStrike" cap="none" dirty="0" err="1" smtClean="0">
+                          <a:solidFill>
+                            <a:srgbClr val="000000"/>
+                          </a:solidFill>
+                          <a:latin typeface="+mj-ea"/>
+                          <a:ea typeface="Arial"/>
+                          <a:cs typeface="Arial"/>
+                          <a:sym typeface="Arial"/>
+                        </a:rPr>
+                        <a:t>이메일</a:t>
+                      </a:r>
+                      <a:r>
+                        <a:rPr lang="en-US" altLang="ko-KR" sz="1200" b="0" i="0" u="none" strike="noStrike" cap="none" dirty="0" smtClean="0">
+                          <a:solidFill>
+                            <a:srgbClr val="000000"/>
+                          </a:solidFill>
+                          <a:latin typeface="+mj-ea"/>
+                          <a:ea typeface="Arial"/>
+                          <a:cs typeface="Arial"/>
+                          <a:sym typeface="Arial"/>
+                        </a:rPr>
+                        <a:t>)</a:t>
+                      </a:r>
+                      <a:r>
+                        <a:rPr lang="ko-KR" altLang="en-US" sz="1200" b="0" i="0" u="none" strike="noStrike" cap="none" dirty="0" smtClean="0">
+                          <a:solidFill>
+                            <a:srgbClr val="000000"/>
+                          </a:solidFill>
+                          <a:latin typeface="+mj-ea"/>
+                          <a:ea typeface="Arial"/>
+                          <a:cs typeface="Arial"/>
+                          <a:sym typeface="Arial"/>
+                        </a:rPr>
+                        <a:t>와 비밀번호를 입력하여 로그인</a:t>
+                      </a:r>
+                      <a:r>
+                        <a:rPr lang="en-US" altLang="ko-KR" sz="1200" b="0" i="0" u="none" strike="noStrike" cap="none" dirty="0" smtClean="0">
+                          <a:solidFill>
+                            <a:srgbClr val="000000"/>
+                          </a:solidFill>
+                          <a:latin typeface="+mj-ea"/>
+                          <a:ea typeface="Arial"/>
+                          <a:cs typeface="Arial"/>
+                          <a:sym typeface="Arial"/>
+                        </a:rPr>
+                        <a:t>, </a:t>
+                      </a:r>
+                      <a:r>
+                        <a:rPr lang="ko-KR" altLang="en-US" sz="1200" b="0" i="0" u="none" strike="noStrike" cap="none" dirty="0" smtClean="0">
+                          <a:solidFill>
+                            <a:srgbClr val="000000"/>
+                          </a:solidFill>
+                          <a:latin typeface="+mj-ea"/>
+                          <a:ea typeface="Arial"/>
+                          <a:cs typeface="Arial"/>
+                          <a:sym typeface="Arial"/>
+                        </a:rPr>
+                        <a:t>비밀번호 찾기 버튼을 눌러 찾기 페이지로 이동</a:t>
                       </a:r>
                       <a:endParaRPr lang="ko-KR" altLang="en-US" sz="1200" dirty="0">
                         <a:latin typeface="+mj-ea"/>
@@ -33553,7 +34053,7 @@
                 </a:tc>
                 <a:extLst>
                   <a:ext uri="{0D108BD9-81ED-4DB2-BD59-A6C34878D82A}">
-                    <a16:rowId xmlns="" xmlns:a16="http://schemas.microsoft.com/office/drawing/2014/main" val="10001"/>
+                    <a16:rowId xmlns:a16="http://schemas.microsoft.com/office/drawing/2014/main" xmlns="" val="10001"/>
                   </a:ext>
                 </a:extLst>
               </a:tr>
@@ -33604,7 +34104,7 @@
                 </a:tc>
                 <a:extLst>
                   <a:ext uri="{0D108BD9-81ED-4DB2-BD59-A6C34878D82A}">
-                    <a16:rowId xmlns="" xmlns:a16="http://schemas.microsoft.com/office/drawing/2014/main" val="10002"/>
+                    <a16:rowId xmlns:a16="http://schemas.microsoft.com/office/drawing/2014/main" xmlns="" val="10002"/>
                   </a:ext>
                 </a:extLst>
               </a:tr>
@@ -33650,7 +34150,7 @@
                 </a:tc>
                 <a:extLst>
                   <a:ext uri="{0D108BD9-81ED-4DB2-BD59-A6C34878D82A}">
-                    <a16:rowId xmlns="" xmlns:a16="http://schemas.microsoft.com/office/drawing/2014/main" val="10003"/>
+                    <a16:rowId xmlns:a16="http://schemas.microsoft.com/office/drawing/2014/main" xmlns="" val="10003"/>
                   </a:ext>
                 </a:extLst>
               </a:tr>
@@ -33696,7 +34196,7 @@
                 </a:tc>
                 <a:extLst>
                   <a:ext uri="{0D108BD9-81ED-4DB2-BD59-A6C34878D82A}">
-                    <a16:rowId xmlns="" xmlns:a16="http://schemas.microsoft.com/office/drawing/2014/main" val="10004"/>
+                    <a16:rowId xmlns:a16="http://schemas.microsoft.com/office/drawing/2014/main" xmlns="" val="10004"/>
                   </a:ext>
                 </a:extLst>
               </a:tr>
@@ -33742,7 +34242,7 @@
                 </a:tc>
                 <a:extLst>
                   <a:ext uri="{0D108BD9-81ED-4DB2-BD59-A6C34878D82A}">
-                    <a16:rowId xmlns="" xmlns:a16="http://schemas.microsoft.com/office/drawing/2014/main" val="10005"/>
+                    <a16:rowId xmlns:a16="http://schemas.microsoft.com/office/drawing/2014/main" xmlns="" val="10005"/>
                   </a:ext>
                 </a:extLst>
               </a:tr>
@@ -33755,7 +34255,7 @@
           <p:cNvPr id="3" name="직사각형 2">
             <a:extLst>
               <a:ext uri="{FF2B5EF4-FFF2-40B4-BE49-F238E27FC236}">
-                <a16:creationId xmlns="" xmlns:a16="http://schemas.microsoft.com/office/drawing/2014/main" id="{7C9E9366-B86C-4147-AAEA-0E8C98D7DA95}"/>
+                <a16:creationId xmlns:a16="http://schemas.microsoft.com/office/drawing/2014/main" xmlns="" id="{7C9E9366-B86C-4147-AAEA-0E8C98D7DA95}"/>
               </a:ext>
             </a:extLst>
           </p:cNvPr>
@@ -33764,13 +34264,15 @@
         </p:nvSpPr>
         <p:spPr>
           <a:xfrm>
-            <a:off x="3623733" y="1649506"/>
-            <a:ext cx="3081867" cy="4399977"/>
+            <a:off x="3285065" y="1649506"/>
+            <a:ext cx="2991555" cy="4399977"/>
           </a:xfrm>
           <a:prstGeom prst="rect">
             <a:avLst/>
           </a:prstGeom>
-          <a:noFill/>
+          <a:solidFill>
+            <a:schemeClr val="bg1"/>
+          </a:solidFill>
           <a:ln>
             <a:solidFill>
               <a:schemeClr val="tx1"/>
@@ -33807,7 +34309,7 @@
           <p:cNvPr id="7" name="직사각형 6">
             <a:extLst>
               <a:ext uri="{FF2B5EF4-FFF2-40B4-BE49-F238E27FC236}">
-                <a16:creationId xmlns="" xmlns:a16="http://schemas.microsoft.com/office/drawing/2014/main" id="{DA06AE45-F21F-4390-88D7-43E648964D4B}"/>
+                <a16:creationId xmlns:a16="http://schemas.microsoft.com/office/drawing/2014/main" xmlns="" id="{DA06AE45-F21F-4390-88D7-43E648964D4B}"/>
               </a:ext>
             </a:extLst>
           </p:cNvPr>
@@ -33816,113 +34318,7 @@
         </p:nvSpPr>
         <p:spPr>
           <a:xfrm>
-            <a:off x="3838271" y="2606208"/>
-            <a:ext cx="2539107" cy="394907"/>
-          </a:xfrm>
-          <a:prstGeom prst="rect">
-            <a:avLst/>
-          </a:prstGeom>
-          <a:noFill/>
-          <a:ln>
-            <a:solidFill>
-              <a:schemeClr val="tx1"/>
-            </a:solidFill>
-          </a:ln>
-        </p:spPr>
-        <p:style>
-          <a:lnRef idx="2">
-            <a:schemeClr val="accent1">
-              <a:shade val="50000"/>
-            </a:schemeClr>
-          </a:lnRef>
-          <a:fillRef idx="1">
-            <a:schemeClr val="accent1"/>
-          </a:fillRef>
-          <a:effectRef idx="0">
-            <a:schemeClr val="accent1"/>
-          </a:effectRef>
-          <a:fontRef idx="minor">
-            <a:schemeClr val="lt1"/>
-          </a:fontRef>
-        </p:style>
-        <p:txBody>
-          <a:bodyPr rtlCol="0" anchor="ctr"/>
-          <a:lstStyle/>
-          <a:p>
-            <a:pPr algn="ctr"/>
-            <a:r>
-              <a:rPr lang="ko-KR" altLang="en-US" sz="1200" dirty="0" smtClean="0">
-                <a:solidFill>
-                  <a:schemeClr val="tx1"/>
-                </a:solidFill>
-              </a:rPr>
-              <a:t>가입 시 등록한 휴대폰 번호 입력</a:t>
-            </a:r>
-            <a:endParaRPr lang="ko-KR" altLang="en-US" sz="1200" dirty="0">
-              <a:solidFill>
-                <a:schemeClr val="tx1"/>
-              </a:solidFill>
-            </a:endParaRPr>
-          </a:p>
-        </p:txBody>
-      </p:sp>
-      <p:sp>
-        <p:nvSpPr>
-          <p:cNvPr id="8" name="TextBox 7"/>
-          <p:cNvSpPr txBox="1"/>
-          <p:nvPr/>
-        </p:nvSpPr>
-        <p:spPr>
-          <a:xfrm>
-            <a:off x="3806984" y="1958831"/>
-            <a:ext cx="3045371" cy="369332"/>
-          </a:xfrm>
-          <a:prstGeom prst="rect">
-            <a:avLst/>
-          </a:prstGeom>
-          <a:noFill/>
-        </p:spPr>
-        <p:txBody>
-          <a:bodyPr wrap="square" rtlCol="0">
-            <a:spAutoFit/>
-          </a:bodyPr>
-          <a:lstStyle/>
-          <a:p>
-            <a:r>
-              <a:rPr lang="ko-KR" altLang="en-US" dirty="0" err="1" smtClean="0"/>
-              <a:t>아이디찾기</a:t>
-            </a:r>
-            <a:r>
-              <a:rPr lang="ko-KR" altLang="en-US" dirty="0" smtClean="0"/>
-              <a:t> </a:t>
-            </a:r>
-            <a:r>
-              <a:rPr lang="en-US" altLang="ko-KR" dirty="0" smtClean="0"/>
-              <a:t>| </a:t>
-            </a:r>
-            <a:r>
-              <a:rPr lang="ko-KR" altLang="en-US" dirty="0" err="1" smtClean="0"/>
-              <a:t>비밀번호찾기</a:t>
-            </a:r>
-            <a:endParaRPr lang="ko-KR" altLang="en-US" dirty="0"/>
-          </a:p>
-        </p:txBody>
-      </p:sp>
-      <p:sp>
-        <p:nvSpPr>
-          <p:cNvPr id="20" name="직사각형 19">
-            <a:extLst>
-              <a:ext uri="{FF2B5EF4-FFF2-40B4-BE49-F238E27FC236}">
-                <a16:creationId xmlns="" xmlns:a16="http://schemas.microsoft.com/office/drawing/2014/main" id="{DA06AE45-F21F-4390-88D7-43E648964D4B}"/>
-              </a:ext>
-            </a:extLst>
-          </p:cNvPr>
-          <p:cNvSpPr/>
-          <p:nvPr/>
-        </p:nvSpPr>
-        <p:spPr>
-          <a:xfrm>
-            <a:off x="3838271" y="3228385"/>
+            <a:off x="3705383" y="2637488"/>
             <a:ext cx="2188260" cy="394907"/>
           </a:xfrm>
           <a:prstGeom prst="rect">
@@ -33962,7 +34358,7 @@
                   <a:schemeClr val="tx1"/>
                 </a:solidFill>
               </a:rPr>
-              <a:t>확인</a:t>
+              <a:t>아이디 입력</a:t>
             </a:r>
             <a:endParaRPr lang="ko-KR" altLang="en-US" dirty="0">
               <a:solidFill>
@@ -33972,10 +34368,210 @@
           </a:p>
         </p:txBody>
       </p:sp>
+      <p:sp>
+        <p:nvSpPr>
+          <p:cNvPr id="15" name="직사각형 14">
+            <a:extLst>
+              <a:ext uri="{FF2B5EF4-FFF2-40B4-BE49-F238E27FC236}">
+                <a16:creationId xmlns:a16="http://schemas.microsoft.com/office/drawing/2014/main" xmlns="" id="{DA06AE45-F21F-4390-88D7-43E648964D4B}"/>
+              </a:ext>
+            </a:extLst>
+          </p:cNvPr>
+          <p:cNvSpPr/>
+          <p:nvPr/>
+        </p:nvSpPr>
+        <p:spPr>
+          <a:xfrm>
+            <a:off x="3705383" y="3330866"/>
+            <a:ext cx="2188260" cy="394907"/>
+          </a:xfrm>
+          <a:prstGeom prst="rect">
+            <a:avLst/>
+          </a:prstGeom>
+          <a:noFill/>
+          <a:ln>
+            <a:solidFill>
+              <a:schemeClr val="tx1"/>
+            </a:solidFill>
+          </a:ln>
+        </p:spPr>
+        <p:style>
+          <a:lnRef idx="2">
+            <a:schemeClr val="accent1">
+              <a:shade val="50000"/>
+            </a:schemeClr>
+          </a:lnRef>
+          <a:fillRef idx="1">
+            <a:schemeClr val="accent1"/>
+          </a:fillRef>
+          <a:effectRef idx="0">
+            <a:schemeClr val="accent1"/>
+          </a:effectRef>
+          <a:fontRef idx="minor">
+            <a:schemeClr val="lt1"/>
+          </a:fontRef>
+        </p:style>
+        <p:txBody>
+          <a:bodyPr rtlCol="0" anchor="ctr"/>
+          <a:lstStyle/>
+          <a:p>
+            <a:pPr algn="ctr"/>
+            <a:r>
+              <a:rPr lang="ko-KR" altLang="en-US" dirty="0" smtClean="0">
+                <a:solidFill>
+                  <a:schemeClr val="tx1"/>
+                </a:solidFill>
+              </a:rPr>
+              <a:t>비밀번호 입력</a:t>
+            </a:r>
+            <a:endParaRPr lang="ko-KR" altLang="en-US" dirty="0">
+              <a:solidFill>
+                <a:schemeClr val="tx1"/>
+              </a:solidFill>
+            </a:endParaRPr>
+          </a:p>
+        </p:txBody>
+      </p:sp>
+      <p:sp>
+        <p:nvSpPr>
+          <p:cNvPr id="8" name="TextBox 7"/>
+          <p:cNvSpPr txBox="1"/>
+          <p:nvPr/>
+        </p:nvSpPr>
+        <p:spPr>
+          <a:xfrm>
+            <a:off x="3705383" y="1958831"/>
+            <a:ext cx="1735860" cy="369332"/>
+          </a:xfrm>
+          <a:prstGeom prst="rect">
+            <a:avLst/>
+          </a:prstGeom>
+          <a:noFill/>
+        </p:spPr>
+        <p:txBody>
+          <a:bodyPr wrap="square" rtlCol="0">
+            <a:spAutoFit/>
+          </a:bodyPr>
+          <a:lstStyle/>
+          <a:p>
+            <a:r>
+              <a:rPr lang="en-US" altLang="ko-KR" dirty="0" smtClean="0"/>
+              <a:t>1. </a:t>
+            </a:r>
+            <a:r>
+              <a:rPr lang="ko-KR" altLang="en-US" dirty="0" smtClean="0"/>
+              <a:t>로그인</a:t>
+            </a:r>
+            <a:endParaRPr lang="ko-KR" altLang="en-US" dirty="0"/>
+          </a:p>
+        </p:txBody>
+      </p:sp>
+      <p:sp>
+        <p:nvSpPr>
+          <p:cNvPr id="20" name="직사각형 19">
+            <a:extLst>
+              <a:ext uri="{FF2B5EF4-FFF2-40B4-BE49-F238E27FC236}">
+                <a16:creationId xmlns:a16="http://schemas.microsoft.com/office/drawing/2014/main" xmlns="" id="{DA06AE45-F21F-4390-88D7-43E648964D4B}"/>
+              </a:ext>
+            </a:extLst>
+          </p:cNvPr>
+          <p:cNvSpPr/>
+          <p:nvPr/>
+        </p:nvSpPr>
+        <p:spPr>
+          <a:xfrm>
+            <a:off x="3736669" y="4413719"/>
+            <a:ext cx="2188260" cy="394907"/>
+          </a:xfrm>
+          <a:prstGeom prst="rect">
+            <a:avLst/>
+          </a:prstGeom>
+          <a:noFill/>
+          <a:ln>
+            <a:solidFill>
+              <a:schemeClr val="tx1"/>
+            </a:solidFill>
+          </a:ln>
+        </p:spPr>
+        <p:style>
+          <a:lnRef idx="2">
+            <a:schemeClr val="accent1">
+              <a:shade val="50000"/>
+            </a:schemeClr>
+          </a:lnRef>
+          <a:fillRef idx="1">
+            <a:schemeClr val="accent1"/>
+          </a:fillRef>
+          <a:effectRef idx="0">
+            <a:schemeClr val="accent1"/>
+          </a:effectRef>
+          <a:fontRef idx="minor">
+            <a:schemeClr val="lt1"/>
+          </a:fontRef>
+        </p:style>
+        <p:txBody>
+          <a:bodyPr rtlCol="0" anchor="ctr"/>
+          <a:lstStyle/>
+          <a:p>
+            <a:pPr algn="ctr"/>
+            <a:r>
+              <a:rPr lang="ko-KR" altLang="en-US" dirty="0" smtClean="0">
+                <a:solidFill>
+                  <a:schemeClr val="tx1"/>
+                </a:solidFill>
+              </a:rPr>
+              <a:t>로그인</a:t>
+            </a:r>
+            <a:endParaRPr lang="ko-KR" altLang="en-US" dirty="0">
+              <a:solidFill>
+                <a:schemeClr val="tx1"/>
+              </a:solidFill>
+            </a:endParaRPr>
+          </a:p>
+        </p:txBody>
+      </p:sp>
+      <p:sp>
+        <p:nvSpPr>
+          <p:cNvPr id="10" name="TextBox 9"/>
+          <p:cNvSpPr txBox="1"/>
+          <p:nvPr/>
+        </p:nvSpPr>
+        <p:spPr>
+          <a:xfrm>
+            <a:off x="3705383" y="3917795"/>
+            <a:ext cx="3155200" cy="369332"/>
+          </a:xfrm>
+          <a:prstGeom prst="rect">
+            <a:avLst/>
+          </a:prstGeom>
+          <a:noFill/>
+        </p:spPr>
+        <p:txBody>
+          <a:bodyPr wrap="square" rtlCol="0">
+            <a:spAutoFit/>
+          </a:bodyPr>
+          <a:lstStyle/>
+          <a:p>
+            <a:r>
+              <a:rPr lang="ko-KR" altLang="en-US" dirty="0" smtClean="0"/>
+              <a:t>아이디</a:t>
+            </a:r>
+            <a:r>
+              <a:rPr lang="en-US" altLang="ko-KR" dirty="0" smtClean="0"/>
+              <a:t>/</a:t>
+            </a:r>
+            <a:r>
+              <a:rPr lang="ko-KR" altLang="en-US" dirty="0" smtClean="0"/>
+              <a:t>비밀번호 찾기</a:t>
+            </a:r>
+            <a:endParaRPr lang="ko-KR" altLang="en-US" dirty="0"/>
+          </a:p>
+        </p:txBody>
+      </p:sp>
     </p:spTree>
     <p:extLst>
       <p:ext uri="{BB962C8B-B14F-4D97-AF65-F5344CB8AC3E}">
-        <p14:creationId xmlns:p14="http://schemas.microsoft.com/office/powerpoint/2010/main" val="232623079"/>
+        <p14:creationId xmlns:p14="http://schemas.microsoft.com/office/powerpoint/2010/main" val="3400534212"/>
       </p:ext>
     </p:extLst>
   </p:cSld>
@@ -34966,7 +35562,7 @@
                 <a:latin typeface="+mj-ea"/>
                 <a:ea typeface="+mj-ea"/>
               </a:rPr>
-              <a:t>비밀번호 찾기</a:t>
+              <a:t>아이디 찾기</a:t>
             </a:r>
             <a:r>
               <a:rPr lang="en-US" altLang="ko-KR" sz="2400" b="1" dirty="0" smtClean="0">
@@ -35014,7 +35610,7 @@
                 <a:gridCol w="2688299">
                   <a:extLst>
                     <a:ext uri="{9D8B030D-6E8A-4147-A177-3AD203B41FA5}">
-                      <a16:colId xmlns="" xmlns:a16="http://schemas.microsoft.com/office/drawing/2014/main" val="20000"/>
+                      <a16:colId xmlns:a16="http://schemas.microsoft.com/office/drawing/2014/main" xmlns="" val="20000"/>
                     </a:ext>
                   </a:extLst>
                 </a:gridCol>
@@ -35046,7 +35642,7 @@
                 </a:tc>
                 <a:extLst>
                   <a:ext uri="{0D108BD9-81ED-4DB2-BD59-A6C34878D82A}">
-                    <a16:rowId xmlns="" xmlns:a16="http://schemas.microsoft.com/office/drawing/2014/main" val="10000"/>
+                    <a16:rowId xmlns:a16="http://schemas.microsoft.com/office/drawing/2014/main" xmlns="" val="10000"/>
                   </a:ext>
                 </a:extLst>
               </a:tr>
@@ -35067,7 +35663,1750 @@
                 </a:tc>
                 <a:extLst>
                   <a:ext uri="{0D108BD9-81ED-4DB2-BD59-A6C34878D82A}">
-                    <a16:rowId xmlns="" xmlns:a16="http://schemas.microsoft.com/office/drawing/2014/main" val="10001"/>
+                    <a16:rowId xmlns:a16="http://schemas.microsoft.com/office/drawing/2014/main" xmlns="" val="10001"/>
+                  </a:ext>
+                </a:extLst>
+              </a:tr>
+            </a:tbl>
+          </a:graphicData>
+        </a:graphic>
+      </p:graphicFrame>
+      <p:sp>
+        <p:nvSpPr>
+          <p:cNvPr id="19" name="직사각형 18"/>
+          <p:cNvSpPr/>
+          <p:nvPr/>
+        </p:nvSpPr>
+        <p:spPr>
+          <a:xfrm>
+            <a:off x="1081171" y="1433634"/>
+            <a:ext cx="7895148" cy="4875687"/>
+          </a:xfrm>
+          <a:prstGeom prst="rect">
+            <a:avLst/>
+          </a:prstGeom>
+          <a:noFill/>
+          <a:ln w="9525">
+            <a:solidFill>
+              <a:schemeClr val="tx1"/>
+            </a:solidFill>
+          </a:ln>
+        </p:spPr>
+        <p:style>
+          <a:lnRef idx="2">
+            <a:schemeClr val="accent1">
+              <a:shade val="50000"/>
+            </a:schemeClr>
+          </a:lnRef>
+          <a:fillRef idx="1">
+            <a:schemeClr val="accent1"/>
+          </a:fillRef>
+          <a:effectRef idx="0">
+            <a:schemeClr val="accent1"/>
+          </a:effectRef>
+          <a:fontRef idx="minor">
+            <a:schemeClr val="lt1"/>
+          </a:fontRef>
+        </p:style>
+        <p:txBody>
+          <a:bodyPr rtlCol="0" anchor="ctr"/>
+          <a:lstStyle/>
+          <a:p>
+            <a:pPr algn="ctr"/>
+            <a:endParaRPr lang="ko-KR" altLang="en-US" sz="2400">
+              <a:noFill/>
+            </a:endParaRPr>
+          </a:p>
+        </p:txBody>
+      </p:sp>
+      <p:graphicFrame>
+        <p:nvGraphicFramePr>
+          <p:cNvPr id="6" name="표 5"/>
+          <p:cNvGraphicFramePr>
+            <a:graphicFrameLocks noGrp="1"/>
+          </p:cNvGraphicFramePr>
+          <p:nvPr>
+            <p:extLst/>
+          </p:nvPr>
+        </p:nvGraphicFramePr>
+        <p:xfrm>
+          <a:off x="9168341" y="2479152"/>
+          <a:ext cx="2688299" cy="3570331"/>
+        </p:xfrm>
+        <a:graphic>
+          <a:graphicData uri="http://schemas.openxmlformats.org/drawingml/2006/table">
+            <a:tbl>
+              <a:tblPr firstRow="1" bandRow="1"/>
+              <a:tblGrid>
+                <a:gridCol w="280507">
+                  <a:extLst>
+                    <a:ext uri="{9D8B030D-6E8A-4147-A177-3AD203B41FA5}">
+                      <a16:colId xmlns:a16="http://schemas.microsoft.com/office/drawing/2014/main" xmlns="" val="20000"/>
+                    </a:ext>
+                  </a:extLst>
+                </a:gridCol>
+                <a:gridCol w="2407792">
+                  <a:extLst>
+                    <a:ext uri="{9D8B030D-6E8A-4147-A177-3AD203B41FA5}">
+                      <a16:colId xmlns:a16="http://schemas.microsoft.com/office/drawing/2014/main" xmlns="" val="20001"/>
+                    </a:ext>
+                  </a:extLst>
+                </a:gridCol>
+              </a:tblGrid>
+              <a:tr h="469796">
+                <a:tc>
+                  <a:txBody>
+                    <a:bodyPr/>
+                    <a:lstStyle/>
+                    <a:p>
+                      <a:pPr algn="ctr" latinLnBrk="1"/>
+                      <a:r>
+                        <a:rPr lang="en-US" altLang="ko-KR" sz="1200" b="1" dirty="0">
+                          <a:latin typeface="+mj-ea"/>
+                          <a:ea typeface="+mj-ea"/>
+                        </a:rPr>
+                        <a:t>#</a:t>
+                      </a:r>
+                      <a:endParaRPr lang="ko-KR" altLang="en-US" sz="1200" b="1" dirty="0">
+                        <a:latin typeface="+mj-ea"/>
+                        <a:ea typeface="+mj-ea"/>
+                      </a:endParaRPr>
+                    </a:p>
+                  </a:txBody>
+                  <a:tcPr marL="121920" marR="121920" marT="60960" marB="60960" anchor="ctr">
+                    <a:solidFill>
+                      <a:srgbClr val="FF9E00"/>
+                    </a:solidFill>
+                  </a:tcPr>
+                </a:tc>
+                <a:tc>
+                  <a:txBody>
+                    <a:bodyPr/>
+                    <a:lstStyle/>
+                    <a:p>
+                      <a:pPr algn="ctr" latinLnBrk="1"/>
+                      <a:r>
+                        <a:rPr lang="ko-KR" altLang="en-US" sz="1200" b="1" dirty="0">
+                          <a:latin typeface="+mj-ea"/>
+                          <a:ea typeface="+mj-ea"/>
+                        </a:rPr>
+                        <a:t>기능</a:t>
+                      </a:r>
+                    </a:p>
+                  </a:txBody>
+                  <a:tcPr marL="121920" marR="121920" marT="60960" marB="60960" anchor="ctr">
+                    <a:solidFill>
+                      <a:srgbClr val="FF9E00"/>
+                    </a:solidFill>
+                  </a:tcPr>
+                </a:tc>
+                <a:extLst>
+                  <a:ext uri="{0D108BD9-81ED-4DB2-BD59-A6C34878D82A}">
+                    <a16:rowId xmlns:a16="http://schemas.microsoft.com/office/drawing/2014/main" xmlns="" val="10000"/>
+                  </a:ext>
+                </a:extLst>
+              </a:tr>
+              <a:tr h="620107">
+                <a:tc>
+                  <a:txBody>
+                    <a:bodyPr/>
+                    <a:lstStyle/>
+                    <a:p>
+                      <a:pPr algn="ctr" latinLnBrk="1"/>
+                      <a:r>
+                        <a:rPr lang="en-US" altLang="ko-KR" sz="1300" dirty="0">
+                          <a:latin typeface="+mj-ea"/>
+                          <a:ea typeface="+mj-ea"/>
+                        </a:rPr>
+                        <a:t>1</a:t>
+                      </a:r>
+                      <a:endParaRPr lang="ko-KR" altLang="en-US" sz="1300" dirty="0">
+                        <a:latin typeface="+mj-ea"/>
+                        <a:ea typeface="+mj-ea"/>
+                      </a:endParaRPr>
+                    </a:p>
+                  </a:txBody>
+                  <a:tcPr marL="121920" marR="121920" marT="60960" marB="60960" anchor="ctr"/>
+                </a:tc>
+                <a:tc>
+                  <a:txBody>
+                    <a:bodyPr/>
+                    <a:lstStyle/>
+                    <a:p>
+                      <a:pPr algn="l" latinLnBrk="1">
+                        <a:lnSpc>
+                          <a:spcPts val="1300"/>
+                        </a:lnSpc>
+                      </a:pPr>
+                      <a:r>
+                        <a:rPr lang="ko-KR" altLang="en-US" sz="1200" b="1" dirty="0" smtClean="0">
+                          <a:latin typeface="+mj-ea"/>
+                          <a:ea typeface="+mj-ea"/>
+                        </a:rPr>
+                        <a:t>아이디 찾기</a:t>
+                      </a:r>
+                      <a:endParaRPr lang="en-US" altLang="ko-KR" sz="1200" b="1" dirty="0" smtClean="0">
+                        <a:latin typeface="+mj-ea"/>
+                        <a:ea typeface="+mj-ea"/>
+                      </a:endParaRPr>
+                    </a:p>
+                    <a:p>
+                      <a:pPr algn="l" latinLnBrk="1">
+                        <a:lnSpc>
+                          <a:spcPts val="1300"/>
+                        </a:lnSpc>
+                      </a:pPr>
+                      <a:r>
+                        <a:rPr lang="en-US" altLang="ko-KR" sz="1200" b="0" i="0" u="none" strike="noStrike" cap="none" dirty="0" smtClean="0">
+                          <a:solidFill>
+                            <a:srgbClr val="000000"/>
+                          </a:solidFill>
+                          <a:latin typeface="+mj-ea"/>
+                          <a:ea typeface="Arial"/>
+                          <a:cs typeface="Arial"/>
+                          <a:sym typeface="Arial"/>
+                        </a:rPr>
+                        <a:t>- </a:t>
+                      </a:r>
+                      <a:r>
+                        <a:rPr lang="ko-KR" altLang="en-US" sz="1200" b="0" i="0" u="none" strike="noStrike" cap="none" dirty="0" smtClean="0">
+                          <a:solidFill>
+                            <a:srgbClr val="000000"/>
+                          </a:solidFill>
+                          <a:latin typeface="+mj-ea"/>
+                          <a:ea typeface="Arial"/>
+                          <a:cs typeface="Arial"/>
+                          <a:sym typeface="Arial"/>
+                        </a:rPr>
+                        <a:t>가입 시 입력한 휴대폰 번호 사용하여 아이디 찾기</a:t>
+                      </a:r>
+                      <a:endParaRPr lang="ko-KR" altLang="en-US" sz="1200" dirty="0">
+                        <a:latin typeface="+mj-ea"/>
+                        <a:ea typeface="+mj-ea"/>
+                      </a:endParaRPr>
+                    </a:p>
+                  </a:txBody>
+                  <a:tcPr marL="121920" marR="121920" marT="60960" marB="60960"/>
+                </a:tc>
+                <a:extLst>
+                  <a:ext uri="{0D108BD9-81ED-4DB2-BD59-A6C34878D82A}">
+                    <a16:rowId xmlns:a16="http://schemas.microsoft.com/office/drawing/2014/main" xmlns="" val="10001"/>
+                  </a:ext>
+                </a:extLst>
+              </a:tr>
+              <a:tr h="620107">
+                <a:tc>
+                  <a:txBody>
+                    <a:bodyPr/>
+                    <a:lstStyle/>
+                    <a:p>
+                      <a:pPr algn="ctr" latinLnBrk="1"/>
+                      <a:r>
+                        <a:rPr lang="en-US" altLang="ko-KR" sz="1300" dirty="0">
+                          <a:latin typeface="+mj-ea"/>
+                          <a:ea typeface="+mj-ea"/>
+                        </a:rPr>
+                        <a:t>2</a:t>
+                      </a:r>
+                      <a:endParaRPr lang="ko-KR" altLang="en-US" sz="1300" dirty="0">
+                        <a:latin typeface="+mj-ea"/>
+                        <a:ea typeface="+mj-ea"/>
+                      </a:endParaRPr>
+                    </a:p>
+                  </a:txBody>
+                  <a:tcPr marL="121920" marR="121920" marT="60960" marB="60960" anchor="ctr"/>
+                </a:tc>
+                <a:tc>
+                  <a:txBody>
+                    <a:bodyPr/>
+                    <a:lstStyle/>
+                    <a:p>
+                      <a:pPr algn="l" latinLnBrk="1">
+                        <a:lnSpc>
+                          <a:spcPts val="1300"/>
+                        </a:lnSpc>
+                      </a:pPr>
+                      <a:endParaRPr lang="ko-KR" altLang="en-US" sz="1200" b="0" i="0" u="none" strike="noStrike" cap="none" dirty="0">
+                        <a:solidFill>
+                          <a:srgbClr val="000000"/>
+                        </a:solidFill>
+                        <a:latin typeface="+mj-ea"/>
+                        <a:ea typeface="Arial"/>
+                        <a:cs typeface="Arial"/>
+                        <a:sym typeface="Arial"/>
+                      </a:endParaRPr>
+                    </a:p>
+                  </a:txBody>
+                  <a:tcPr marL="121920" marR="121920" marT="60960" marB="60960"/>
+                </a:tc>
+                <a:extLst>
+                  <a:ext uri="{0D108BD9-81ED-4DB2-BD59-A6C34878D82A}">
+                    <a16:rowId xmlns:a16="http://schemas.microsoft.com/office/drawing/2014/main" xmlns="" val="10002"/>
+                  </a:ext>
+                </a:extLst>
+              </a:tr>
+              <a:tr h="620107">
+                <a:tc>
+                  <a:txBody>
+                    <a:bodyPr/>
+                    <a:lstStyle/>
+                    <a:p>
+                      <a:pPr algn="ctr" latinLnBrk="1"/>
+                      <a:r>
+                        <a:rPr lang="en-US" altLang="ko-KR" sz="1300" dirty="0">
+                          <a:latin typeface="+mj-ea"/>
+                          <a:ea typeface="+mj-ea"/>
+                        </a:rPr>
+                        <a:t>3</a:t>
+                      </a:r>
+                      <a:endParaRPr lang="ko-KR" altLang="en-US" sz="1300" dirty="0">
+                        <a:latin typeface="+mj-ea"/>
+                        <a:ea typeface="+mj-ea"/>
+                      </a:endParaRPr>
+                    </a:p>
+                  </a:txBody>
+                  <a:tcPr marL="121920" marR="121920" marT="60960" marB="60960" anchor="ctr"/>
+                </a:tc>
+                <a:tc>
+                  <a:txBody>
+                    <a:bodyPr/>
+                    <a:lstStyle/>
+                    <a:p>
+                      <a:pPr algn="l" latinLnBrk="1">
+                        <a:lnSpc>
+                          <a:spcPts val="1300"/>
+                        </a:lnSpc>
+                      </a:pPr>
+                      <a:endParaRPr lang="ko-KR" altLang="en-US" sz="1200" dirty="0">
+                        <a:latin typeface="+mj-ea"/>
+                        <a:ea typeface="+mj-ea"/>
+                      </a:endParaRPr>
+                    </a:p>
+                  </a:txBody>
+                  <a:tcPr marL="121920" marR="121920" marT="60960" marB="60960"/>
+                </a:tc>
+                <a:extLst>
+                  <a:ext uri="{0D108BD9-81ED-4DB2-BD59-A6C34878D82A}">
+                    <a16:rowId xmlns:a16="http://schemas.microsoft.com/office/drawing/2014/main" xmlns="" val="10003"/>
+                  </a:ext>
+                </a:extLst>
+              </a:tr>
+              <a:tr h="620107">
+                <a:tc>
+                  <a:txBody>
+                    <a:bodyPr/>
+                    <a:lstStyle/>
+                    <a:p>
+                      <a:pPr algn="ctr" latinLnBrk="1"/>
+                      <a:r>
+                        <a:rPr lang="en-US" altLang="ko-KR" sz="1300" dirty="0">
+                          <a:latin typeface="+mj-ea"/>
+                          <a:ea typeface="+mj-ea"/>
+                        </a:rPr>
+                        <a:t>4</a:t>
+                      </a:r>
+                      <a:endParaRPr lang="ko-KR" altLang="en-US" sz="1300" dirty="0">
+                        <a:latin typeface="+mj-ea"/>
+                        <a:ea typeface="+mj-ea"/>
+                      </a:endParaRPr>
+                    </a:p>
+                  </a:txBody>
+                  <a:tcPr marL="121920" marR="121920" marT="60960" marB="60960" anchor="ctr"/>
+                </a:tc>
+                <a:tc>
+                  <a:txBody>
+                    <a:bodyPr/>
+                    <a:lstStyle/>
+                    <a:p>
+                      <a:pPr algn="l" latinLnBrk="1">
+                        <a:lnSpc>
+                          <a:spcPts val="1300"/>
+                        </a:lnSpc>
+                      </a:pPr>
+                      <a:endParaRPr lang="ko-KR" altLang="en-US" sz="1200" dirty="0">
+                        <a:latin typeface="+mj-ea"/>
+                        <a:ea typeface="+mj-ea"/>
+                      </a:endParaRPr>
+                    </a:p>
+                  </a:txBody>
+                  <a:tcPr marL="121920" marR="121920" marT="60960" marB="60960"/>
+                </a:tc>
+                <a:extLst>
+                  <a:ext uri="{0D108BD9-81ED-4DB2-BD59-A6C34878D82A}">
+                    <a16:rowId xmlns:a16="http://schemas.microsoft.com/office/drawing/2014/main" xmlns="" val="10004"/>
+                  </a:ext>
+                </a:extLst>
+              </a:tr>
+              <a:tr h="620107">
+                <a:tc>
+                  <a:txBody>
+                    <a:bodyPr/>
+                    <a:lstStyle/>
+                    <a:p>
+                      <a:pPr algn="ctr" latinLnBrk="1"/>
+                      <a:r>
+                        <a:rPr lang="en-US" altLang="ko-KR" sz="1300" dirty="0">
+                          <a:latin typeface="+mj-ea"/>
+                          <a:ea typeface="+mj-ea"/>
+                        </a:rPr>
+                        <a:t>5</a:t>
+                      </a:r>
+                      <a:endParaRPr lang="ko-KR" altLang="en-US" sz="1300" dirty="0">
+                        <a:latin typeface="+mj-ea"/>
+                        <a:ea typeface="+mj-ea"/>
+                      </a:endParaRPr>
+                    </a:p>
+                  </a:txBody>
+                  <a:tcPr marL="121920" marR="121920" marT="60960" marB="60960" anchor="ctr"/>
+                </a:tc>
+                <a:tc>
+                  <a:txBody>
+                    <a:bodyPr/>
+                    <a:lstStyle/>
+                    <a:p>
+                      <a:pPr algn="l" latinLnBrk="1">
+                        <a:lnSpc>
+                          <a:spcPts val="1300"/>
+                        </a:lnSpc>
+                      </a:pPr>
+                      <a:endParaRPr lang="ko-KR" altLang="en-US" sz="1200" dirty="0">
+                        <a:latin typeface="+mj-ea"/>
+                        <a:ea typeface="+mj-ea"/>
+                      </a:endParaRPr>
+                    </a:p>
+                  </a:txBody>
+                  <a:tcPr marL="121920" marR="121920" marT="60960" marB="60960"/>
+                </a:tc>
+                <a:extLst>
+                  <a:ext uri="{0D108BD9-81ED-4DB2-BD59-A6C34878D82A}">
+                    <a16:rowId xmlns:a16="http://schemas.microsoft.com/office/drawing/2014/main" xmlns="" val="10005"/>
+                  </a:ext>
+                </a:extLst>
+              </a:tr>
+            </a:tbl>
+          </a:graphicData>
+        </a:graphic>
+      </p:graphicFrame>
+      <p:sp>
+        <p:nvSpPr>
+          <p:cNvPr id="3" name="직사각형 2">
+            <a:extLst>
+              <a:ext uri="{FF2B5EF4-FFF2-40B4-BE49-F238E27FC236}">
+                <a16:creationId xmlns:a16="http://schemas.microsoft.com/office/drawing/2014/main" xmlns="" id="{7C9E9366-B86C-4147-AAEA-0E8C98D7DA95}"/>
+              </a:ext>
+            </a:extLst>
+          </p:cNvPr>
+          <p:cNvSpPr/>
+          <p:nvPr/>
+        </p:nvSpPr>
+        <p:spPr>
+          <a:xfrm>
+            <a:off x="3623733" y="1649506"/>
+            <a:ext cx="3081867" cy="4399977"/>
+          </a:xfrm>
+          <a:prstGeom prst="rect">
+            <a:avLst/>
+          </a:prstGeom>
+          <a:solidFill>
+            <a:schemeClr val="bg1"/>
+          </a:solidFill>
+          <a:ln>
+            <a:solidFill>
+              <a:schemeClr val="tx1"/>
+            </a:solidFill>
+          </a:ln>
+        </p:spPr>
+        <p:style>
+          <a:lnRef idx="2">
+            <a:schemeClr val="accent1">
+              <a:shade val="50000"/>
+            </a:schemeClr>
+          </a:lnRef>
+          <a:fillRef idx="1">
+            <a:schemeClr val="accent1"/>
+          </a:fillRef>
+          <a:effectRef idx="0">
+            <a:schemeClr val="accent1"/>
+          </a:effectRef>
+          <a:fontRef idx="minor">
+            <a:schemeClr val="lt1"/>
+          </a:fontRef>
+        </p:style>
+        <p:txBody>
+          <a:bodyPr rtlCol="0" anchor="ctr"/>
+          <a:lstStyle/>
+          <a:p>
+            <a:pPr algn="ctr"/>
+            <a:endParaRPr lang="ko-KR" altLang="en-US"/>
+          </a:p>
+        </p:txBody>
+      </p:sp>
+      <p:sp>
+        <p:nvSpPr>
+          <p:cNvPr id="7" name="직사각형 6">
+            <a:extLst>
+              <a:ext uri="{FF2B5EF4-FFF2-40B4-BE49-F238E27FC236}">
+                <a16:creationId xmlns:a16="http://schemas.microsoft.com/office/drawing/2014/main" xmlns="" id="{DA06AE45-F21F-4390-88D7-43E648964D4B}"/>
+              </a:ext>
+            </a:extLst>
+          </p:cNvPr>
+          <p:cNvSpPr/>
+          <p:nvPr/>
+        </p:nvSpPr>
+        <p:spPr>
+          <a:xfrm>
+            <a:off x="3838271" y="2606208"/>
+            <a:ext cx="2539107" cy="394907"/>
+          </a:xfrm>
+          <a:prstGeom prst="rect">
+            <a:avLst/>
+          </a:prstGeom>
+          <a:noFill/>
+          <a:ln>
+            <a:solidFill>
+              <a:schemeClr val="tx1"/>
+            </a:solidFill>
+          </a:ln>
+        </p:spPr>
+        <p:style>
+          <a:lnRef idx="2">
+            <a:schemeClr val="accent1">
+              <a:shade val="50000"/>
+            </a:schemeClr>
+          </a:lnRef>
+          <a:fillRef idx="1">
+            <a:schemeClr val="accent1"/>
+          </a:fillRef>
+          <a:effectRef idx="0">
+            <a:schemeClr val="accent1"/>
+          </a:effectRef>
+          <a:fontRef idx="minor">
+            <a:schemeClr val="lt1"/>
+          </a:fontRef>
+        </p:style>
+        <p:txBody>
+          <a:bodyPr rtlCol="0" anchor="ctr"/>
+          <a:lstStyle/>
+          <a:p>
+            <a:pPr algn="ctr"/>
+            <a:r>
+              <a:rPr lang="ko-KR" altLang="en-US" sz="1200" dirty="0" smtClean="0">
+                <a:solidFill>
+                  <a:schemeClr val="tx1"/>
+                </a:solidFill>
+              </a:rPr>
+              <a:t>가입 시 등록한 휴대폰 번호 입력</a:t>
+            </a:r>
+            <a:endParaRPr lang="ko-KR" altLang="en-US" sz="1200" dirty="0">
+              <a:solidFill>
+                <a:schemeClr val="tx1"/>
+              </a:solidFill>
+            </a:endParaRPr>
+          </a:p>
+        </p:txBody>
+      </p:sp>
+      <p:sp>
+        <p:nvSpPr>
+          <p:cNvPr id="8" name="TextBox 7"/>
+          <p:cNvSpPr txBox="1"/>
+          <p:nvPr/>
+        </p:nvSpPr>
+        <p:spPr>
+          <a:xfrm>
+            <a:off x="3806984" y="1958831"/>
+            <a:ext cx="3045371" cy="369332"/>
+          </a:xfrm>
+          <a:prstGeom prst="rect">
+            <a:avLst/>
+          </a:prstGeom>
+          <a:noFill/>
+        </p:spPr>
+        <p:txBody>
+          <a:bodyPr wrap="square" rtlCol="0">
+            <a:spAutoFit/>
+          </a:bodyPr>
+          <a:lstStyle/>
+          <a:p>
+            <a:r>
+              <a:rPr lang="ko-KR" altLang="en-US" dirty="0" err="1" smtClean="0"/>
+              <a:t>아이디찾기</a:t>
+            </a:r>
+            <a:r>
+              <a:rPr lang="ko-KR" altLang="en-US" dirty="0" smtClean="0"/>
+              <a:t> </a:t>
+            </a:r>
+            <a:r>
+              <a:rPr lang="en-US" altLang="ko-KR" dirty="0" smtClean="0"/>
+              <a:t>| </a:t>
+            </a:r>
+            <a:r>
+              <a:rPr lang="ko-KR" altLang="en-US" dirty="0" err="1" smtClean="0"/>
+              <a:t>비밀번호찾기</a:t>
+            </a:r>
+            <a:endParaRPr lang="ko-KR" altLang="en-US" dirty="0"/>
+          </a:p>
+        </p:txBody>
+      </p:sp>
+      <p:sp>
+        <p:nvSpPr>
+          <p:cNvPr id="20" name="직사각형 19">
+            <a:extLst>
+              <a:ext uri="{FF2B5EF4-FFF2-40B4-BE49-F238E27FC236}">
+                <a16:creationId xmlns:a16="http://schemas.microsoft.com/office/drawing/2014/main" xmlns="" id="{DA06AE45-F21F-4390-88D7-43E648964D4B}"/>
+              </a:ext>
+            </a:extLst>
+          </p:cNvPr>
+          <p:cNvSpPr/>
+          <p:nvPr/>
+        </p:nvSpPr>
+        <p:spPr>
+          <a:xfrm>
+            <a:off x="3838271" y="3228385"/>
+            <a:ext cx="2188260" cy="394907"/>
+          </a:xfrm>
+          <a:prstGeom prst="rect">
+            <a:avLst/>
+          </a:prstGeom>
+          <a:noFill/>
+          <a:ln>
+            <a:solidFill>
+              <a:schemeClr val="tx1"/>
+            </a:solidFill>
+          </a:ln>
+        </p:spPr>
+        <p:style>
+          <a:lnRef idx="2">
+            <a:schemeClr val="accent1">
+              <a:shade val="50000"/>
+            </a:schemeClr>
+          </a:lnRef>
+          <a:fillRef idx="1">
+            <a:schemeClr val="accent1"/>
+          </a:fillRef>
+          <a:effectRef idx="0">
+            <a:schemeClr val="accent1"/>
+          </a:effectRef>
+          <a:fontRef idx="minor">
+            <a:schemeClr val="lt1"/>
+          </a:fontRef>
+        </p:style>
+        <p:txBody>
+          <a:bodyPr rtlCol="0" anchor="ctr"/>
+          <a:lstStyle/>
+          <a:p>
+            <a:pPr algn="ctr"/>
+            <a:r>
+              <a:rPr lang="ko-KR" altLang="en-US" dirty="0" smtClean="0">
+                <a:solidFill>
+                  <a:schemeClr val="tx1"/>
+                </a:solidFill>
+              </a:rPr>
+              <a:t>확인</a:t>
+            </a:r>
+            <a:endParaRPr lang="ko-KR" altLang="en-US" dirty="0">
+              <a:solidFill>
+                <a:schemeClr val="tx1"/>
+              </a:solidFill>
+            </a:endParaRPr>
+          </a:p>
+        </p:txBody>
+      </p:sp>
+    </p:spTree>
+    <p:extLst>
+      <p:ext uri="{BB962C8B-B14F-4D97-AF65-F5344CB8AC3E}">
+        <p14:creationId xmlns:p14="http://schemas.microsoft.com/office/powerpoint/2010/main" val="232623079"/>
+      </p:ext>
+    </p:extLst>
+  </p:cSld>
+  <p:clrMapOvr>
+    <a:masterClrMapping/>
+  </p:clrMapOvr>
+</p:sld>
+</file>
+
+<file path=ppt/slides/slide25.xml><?xml version="1.0" encoding="utf-8"?>
+<p:sld xmlns:a="http://schemas.openxmlformats.org/drawingml/2006/main" xmlns:r="http://schemas.openxmlformats.org/officeDocument/2006/relationships" xmlns:p="http://schemas.openxmlformats.org/presentationml/2006/main">
+  <p:cSld>
+    <p:spTree>
+      <p:nvGrpSpPr>
+        <p:cNvPr id="1" name=""/>
+        <p:cNvGrpSpPr/>
+        <p:nvPr/>
+      </p:nvGrpSpPr>
+      <p:grpSpPr>
+        <a:xfrm>
+          <a:off x="0" y="0"/>
+          <a:ext cx="0" cy="0"/>
+          <a:chOff x="0" y="0"/>
+          <a:chExt cx="0" cy="0"/>
+        </a:xfrm>
+      </p:grpSpPr>
+      <p:sp>
+        <p:nvSpPr>
+          <p:cNvPr id="18" name="직사각형 17"/>
+          <p:cNvSpPr/>
+          <p:nvPr/>
+        </p:nvSpPr>
+        <p:spPr>
+          <a:xfrm rot="21409477">
+            <a:off x="832974" y="128931"/>
+            <a:ext cx="9282799" cy="6218171"/>
+          </a:xfrm>
+          <a:prstGeom prst="rect">
+            <a:avLst/>
+          </a:prstGeom>
+          <a:solidFill>
+            <a:schemeClr val="bg1">
+              <a:lumMod val="95000"/>
+            </a:schemeClr>
+          </a:solidFill>
+          <a:ln>
+            <a:noFill/>
+          </a:ln>
+        </p:spPr>
+        <p:style>
+          <a:lnRef idx="2">
+            <a:schemeClr val="accent1">
+              <a:shade val="50000"/>
+            </a:schemeClr>
+          </a:lnRef>
+          <a:fillRef idx="1">
+            <a:schemeClr val="accent1"/>
+          </a:fillRef>
+          <a:effectRef idx="0">
+            <a:schemeClr val="accent1"/>
+          </a:effectRef>
+          <a:fontRef idx="minor">
+            <a:schemeClr val="lt1"/>
+          </a:fontRef>
+        </p:style>
+        <p:txBody>
+          <a:bodyPr lIns="91440" tIns="45720" rIns="91440" bIns="45720" rtlCol="0" anchor="ctr"/>
+          <a:lstStyle/>
+          <a:p>
+            <a:pPr algn="ctr"/>
+            <a:endParaRPr lang="ko-KR" altLang="en-US" sz="2400"/>
+          </a:p>
+        </p:txBody>
+      </p:sp>
+      <p:sp>
+        <p:nvSpPr>
+          <p:cNvPr id="5" name="직사각형 4"/>
+          <p:cNvSpPr/>
+          <p:nvPr/>
+        </p:nvSpPr>
+        <p:spPr>
+          <a:xfrm>
+            <a:off x="526742" y="260649"/>
+            <a:ext cx="11425909" cy="6392929"/>
+          </a:xfrm>
+          <a:prstGeom prst="rect">
+            <a:avLst/>
+          </a:prstGeom>
+          <a:gradFill flip="none" rotWithShape="1">
+            <a:gsLst>
+              <a:gs pos="100000">
+                <a:schemeClr val="bg1">
+                  <a:shade val="67500"/>
+                  <a:satMod val="115000"/>
+                </a:schemeClr>
+              </a:gs>
+              <a:gs pos="64000">
+                <a:schemeClr val="bg1">
+                  <a:shade val="100000"/>
+                  <a:satMod val="115000"/>
+                </a:schemeClr>
+              </a:gs>
+            </a:gsLst>
+            <a:lin ang="10800000" scaled="1"/>
+            <a:tileRect/>
+          </a:gradFill>
+          <a:ln>
+            <a:noFill/>
+          </a:ln>
+          <a:effectLst>
+            <a:outerShdw blurRad="228600" dist="76200" dir="16200000" rotWithShape="0">
+              <a:prstClr val="black">
+                <a:alpha val="40000"/>
+              </a:prstClr>
+            </a:outerShdw>
+          </a:effectLst>
+        </p:spPr>
+        <p:style>
+          <a:lnRef idx="2">
+            <a:schemeClr val="accent1">
+              <a:shade val="50000"/>
+            </a:schemeClr>
+          </a:lnRef>
+          <a:fillRef idx="1">
+            <a:schemeClr val="accent1"/>
+          </a:fillRef>
+          <a:effectRef idx="0">
+            <a:schemeClr val="accent1"/>
+          </a:effectRef>
+          <a:fontRef idx="minor">
+            <a:schemeClr val="lt1"/>
+          </a:fontRef>
+        </p:style>
+        <p:txBody>
+          <a:bodyPr lIns="91440" tIns="45720" rIns="91440" bIns="45720" rtlCol="0" anchor="ctr"/>
+          <a:lstStyle/>
+          <a:p>
+            <a:pPr algn="ctr"/>
+            <a:r>
+              <a:rPr lang="ko-KR" altLang="en-US" sz="2400" smtClean="0"/>
+              <a:t>ㅇ</a:t>
+            </a:r>
+            <a:endParaRPr lang="ko-KR" altLang="en-US" sz="2400" dirty="0"/>
+          </a:p>
+        </p:txBody>
+      </p:sp>
+      <p:grpSp>
+        <p:nvGrpSpPr>
+          <p:cNvPr id="2" name="그룹 1"/>
+          <p:cNvGrpSpPr/>
+          <p:nvPr/>
+        </p:nvGrpSpPr>
+        <p:grpSpPr>
+          <a:xfrm>
+            <a:off x="143104" y="68627"/>
+            <a:ext cx="768321" cy="6704028"/>
+            <a:chOff x="586490" y="739768"/>
+            <a:chExt cx="1017302" cy="5420168"/>
+          </a:xfrm>
+        </p:grpSpPr>
+        <p:sp>
+          <p:nvSpPr>
+            <p:cNvPr id="39" name="자유형 38"/>
+            <p:cNvSpPr/>
+            <p:nvPr/>
+          </p:nvSpPr>
+          <p:spPr>
+            <a:xfrm rot="10800000">
+              <a:off x="586490" y="1041378"/>
+              <a:ext cx="1017302" cy="4991063"/>
+            </a:xfrm>
+            <a:custGeom>
+              <a:avLst/>
+              <a:gdLst>
+                <a:gd name="connsiteX0" fmla="*/ 194310 w 388620"/>
+                <a:gd name="connsiteY0" fmla="*/ 0 h 2927235"/>
+                <a:gd name="connsiteX1" fmla="*/ 388620 w 388620"/>
+                <a:gd name="connsiteY1" fmla="*/ 194310 h 2927235"/>
+                <a:gd name="connsiteX2" fmla="*/ 388620 w 388620"/>
+                <a:gd name="connsiteY2" fmla="*/ 2927235 h 2927235"/>
+                <a:gd name="connsiteX3" fmla="*/ 379599 w 388620"/>
+                <a:gd name="connsiteY3" fmla="*/ 2898175 h 2927235"/>
+                <a:gd name="connsiteX4" fmla="*/ 194310 w 388620"/>
+                <a:gd name="connsiteY4" fmla="*/ 2775357 h 2927235"/>
+                <a:gd name="connsiteX5" fmla="*/ 9021 w 388620"/>
+                <a:gd name="connsiteY5" fmla="*/ 2898175 h 2927235"/>
+                <a:gd name="connsiteX6" fmla="*/ 0 w 388620"/>
+                <a:gd name="connsiteY6" fmla="*/ 2927235 h 2927235"/>
+                <a:gd name="connsiteX7" fmla="*/ 0 w 388620"/>
+                <a:gd name="connsiteY7" fmla="*/ 194310 h 2927235"/>
+                <a:gd name="connsiteX8" fmla="*/ 194310 w 388620"/>
+                <a:gd name="connsiteY8" fmla="*/ 0 h 2927235"/>
+              </a:gdLst>
+              <a:ahLst/>
+              <a:cxnLst>
+                <a:cxn ang="0">
+                  <a:pos x="connsiteX0" y="connsiteY0"/>
+                </a:cxn>
+                <a:cxn ang="0">
+                  <a:pos x="connsiteX1" y="connsiteY1"/>
+                </a:cxn>
+                <a:cxn ang="0">
+                  <a:pos x="connsiteX2" y="connsiteY2"/>
+                </a:cxn>
+                <a:cxn ang="0">
+                  <a:pos x="connsiteX3" y="connsiteY3"/>
+                </a:cxn>
+                <a:cxn ang="0">
+                  <a:pos x="connsiteX4" y="connsiteY4"/>
+                </a:cxn>
+                <a:cxn ang="0">
+                  <a:pos x="connsiteX5" y="connsiteY5"/>
+                </a:cxn>
+                <a:cxn ang="0">
+                  <a:pos x="connsiteX6" y="connsiteY6"/>
+                </a:cxn>
+                <a:cxn ang="0">
+                  <a:pos x="connsiteX7" y="connsiteY7"/>
+                </a:cxn>
+                <a:cxn ang="0">
+                  <a:pos x="connsiteX8" y="connsiteY8"/>
+                </a:cxn>
+              </a:cxnLst>
+              <a:rect l="l" t="t" r="r" b="b"/>
+              <a:pathLst>
+                <a:path w="388620" h="2927235">
+                  <a:moveTo>
+                    <a:pt x="194310" y="0"/>
+                  </a:moveTo>
+                  <a:cubicBezTo>
+                    <a:pt x="301624" y="0"/>
+                    <a:pt x="388620" y="86996"/>
+                    <a:pt x="388620" y="194310"/>
+                  </a:cubicBezTo>
+                  <a:lnTo>
+                    <a:pt x="388620" y="2927235"/>
+                  </a:lnTo>
+                  <a:lnTo>
+                    <a:pt x="379599" y="2898175"/>
+                  </a:lnTo>
+                  <a:cubicBezTo>
+                    <a:pt x="349072" y="2826000"/>
+                    <a:pt x="277605" y="2775357"/>
+                    <a:pt x="194310" y="2775357"/>
+                  </a:cubicBezTo>
+                  <a:cubicBezTo>
+                    <a:pt x="111015" y="2775357"/>
+                    <a:pt x="39548" y="2826000"/>
+                    <a:pt x="9021" y="2898175"/>
+                  </a:cubicBezTo>
+                  <a:lnTo>
+                    <a:pt x="0" y="2927235"/>
+                  </a:lnTo>
+                  <a:lnTo>
+                    <a:pt x="0" y="194310"/>
+                  </a:lnTo>
+                  <a:cubicBezTo>
+                    <a:pt x="0" y="86996"/>
+                    <a:pt x="86996" y="0"/>
+                    <a:pt x="194310" y="0"/>
+                  </a:cubicBezTo>
+                  <a:close/>
+                </a:path>
+              </a:pathLst>
+            </a:custGeom>
+            <a:gradFill flip="none" rotWithShape="1">
+              <a:gsLst>
+                <a:gs pos="0">
+                  <a:schemeClr val="bg1">
+                    <a:shade val="67500"/>
+                    <a:satMod val="115000"/>
+                  </a:schemeClr>
+                </a:gs>
+                <a:gs pos="100000">
+                  <a:schemeClr val="bg1">
+                    <a:shade val="100000"/>
+                    <a:satMod val="115000"/>
+                  </a:schemeClr>
+                </a:gs>
+              </a:gsLst>
+              <a:lin ang="10800000" scaled="1"/>
+              <a:tileRect/>
+            </a:gradFill>
+            <a:ln>
+              <a:noFill/>
+            </a:ln>
+            <a:effectLst>
+              <a:outerShdw blurRad="88900" dist="139700" dir="5400000" sx="98000" sy="98000" algn="t" rotWithShape="0">
+                <a:prstClr val="black">
+                  <a:alpha val="40000"/>
+                </a:prstClr>
+              </a:outerShdw>
+            </a:effectLst>
+          </p:spPr>
+          <p:style>
+            <a:lnRef idx="2">
+              <a:schemeClr val="accent1">
+                <a:shade val="50000"/>
+              </a:schemeClr>
+            </a:lnRef>
+            <a:fillRef idx="1">
+              <a:schemeClr val="accent1"/>
+            </a:fillRef>
+            <a:effectRef idx="0">
+              <a:schemeClr val="accent1"/>
+            </a:effectRef>
+            <a:fontRef idx="minor">
+              <a:schemeClr val="lt1"/>
+            </a:fontRef>
+          </p:style>
+          <p:txBody>
+            <a:bodyPr rtlCol="0" anchor="ctr"/>
+            <a:lstStyle/>
+            <a:p>
+              <a:pPr algn="ctr"/>
+              <a:endParaRPr lang="ko-KR" altLang="en-US" sz="2400"/>
+            </a:p>
+          </p:txBody>
+        </p:sp>
+        <p:sp>
+          <p:nvSpPr>
+            <p:cNvPr id="40" name="자유형 39"/>
+            <p:cNvSpPr/>
+            <p:nvPr/>
+          </p:nvSpPr>
+          <p:spPr>
+            <a:xfrm rot="10800000">
+              <a:off x="754421" y="2816677"/>
+              <a:ext cx="681439" cy="3343259"/>
+            </a:xfrm>
+            <a:custGeom>
+              <a:avLst/>
+              <a:gdLst>
+                <a:gd name="connsiteX0" fmla="*/ 194310 w 388620"/>
+                <a:gd name="connsiteY0" fmla="*/ 0 h 2927235"/>
+                <a:gd name="connsiteX1" fmla="*/ 388620 w 388620"/>
+                <a:gd name="connsiteY1" fmla="*/ 194310 h 2927235"/>
+                <a:gd name="connsiteX2" fmla="*/ 388620 w 388620"/>
+                <a:gd name="connsiteY2" fmla="*/ 2927235 h 2927235"/>
+                <a:gd name="connsiteX3" fmla="*/ 379599 w 388620"/>
+                <a:gd name="connsiteY3" fmla="*/ 2898175 h 2927235"/>
+                <a:gd name="connsiteX4" fmla="*/ 194310 w 388620"/>
+                <a:gd name="connsiteY4" fmla="*/ 2775357 h 2927235"/>
+                <a:gd name="connsiteX5" fmla="*/ 9021 w 388620"/>
+                <a:gd name="connsiteY5" fmla="*/ 2898175 h 2927235"/>
+                <a:gd name="connsiteX6" fmla="*/ 0 w 388620"/>
+                <a:gd name="connsiteY6" fmla="*/ 2927235 h 2927235"/>
+                <a:gd name="connsiteX7" fmla="*/ 0 w 388620"/>
+                <a:gd name="connsiteY7" fmla="*/ 194310 h 2927235"/>
+                <a:gd name="connsiteX8" fmla="*/ 194310 w 388620"/>
+                <a:gd name="connsiteY8" fmla="*/ 0 h 2927235"/>
+              </a:gdLst>
+              <a:ahLst/>
+              <a:cxnLst>
+                <a:cxn ang="0">
+                  <a:pos x="connsiteX0" y="connsiteY0"/>
+                </a:cxn>
+                <a:cxn ang="0">
+                  <a:pos x="connsiteX1" y="connsiteY1"/>
+                </a:cxn>
+                <a:cxn ang="0">
+                  <a:pos x="connsiteX2" y="connsiteY2"/>
+                </a:cxn>
+                <a:cxn ang="0">
+                  <a:pos x="connsiteX3" y="connsiteY3"/>
+                </a:cxn>
+                <a:cxn ang="0">
+                  <a:pos x="connsiteX4" y="connsiteY4"/>
+                </a:cxn>
+                <a:cxn ang="0">
+                  <a:pos x="connsiteX5" y="connsiteY5"/>
+                </a:cxn>
+                <a:cxn ang="0">
+                  <a:pos x="connsiteX6" y="connsiteY6"/>
+                </a:cxn>
+                <a:cxn ang="0">
+                  <a:pos x="connsiteX7" y="connsiteY7"/>
+                </a:cxn>
+                <a:cxn ang="0">
+                  <a:pos x="connsiteX8" y="connsiteY8"/>
+                </a:cxn>
+              </a:cxnLst>
+              <a:rect l="l" t="t" r="r" b="b"/>
+              <a:pathLst>
+                <a:path w="388620" h="2927235">
+                  <a:moveTo>
+                    <a:pt x="194310" y="0"/>
+                  </a:moveTo>
+                  <a:cubicBezTo>
+                    <a:pt x="301624" y="0"/>
+                    <a:pt x="388620" y="86996"/>
+                    <a:pt x="388620" y="194310"/>
+                  </a:cubicBezTo>
+                  <a:lnTo>
+                    <a:pt x="388620" y="2927235"/>
+                  </a:lnTo>
+                  <a:lnTo>
+                    <a:pt x="379599" y="2898175"/>
+                  </a:lnTo>
+                  <a:cubicBezTo>
+                    <a:pt x="349072" y="2826000"/>
+                    <a:pt x="277605" y="2775357"/>
+                    <a:pt x="194310" y="2775357"/>
+                  </a:cubicBezTo>
+                  <a:cubicBezTo>
+                    <a:pt x="111015" y="2775357"/>
+                    <a:pt x="39548" y="2826000"/>
+                    <a:pt x="9021" y="2898175"/>
+                  </a:cubicBezTo>
+                  <a:lnTo>
+                    <a:pt x="0" y="2927235"/>
+                  </a:lnTo>
+                  <a:lnTo>
+                    <a:pt x="0" y="194310"/>
+                  </a:lnTo>
+                  <a:cubicBezTo>
+                    <a:pt x="0" y="86996"/>
+                    <a:pt x="86996" y="0"/>
+                    <a:pt x="194310" y="0"/>
+                  </a:cubicBezTo>
+                  <a:close/>
+                </a:path>
+              </a:pathLst>
+            </a:custGeom>
+            <a:gradFill flip="none" rotWithShape="1">
+              <a:gsLst>
+                <a:gs pos="0">
+                  <a:schemeClr val="bg1">
+                    <a:shade val="67500"/>
+                    <a:satMod val="115000"/>
+                  </a:schemeClr>
+                </a:gs>
+                <a:gs pos="100000">
+                  <a:schemeClr val="bg1">
+                    <a:shade val="100000"/>
+                    <a:satMod val="115000"/>
+                  </a:schemeClr>
+                </a:gs>
+              </a:gsLst>
+              <a:lin ang="10800000" scaled="1"/>
+              <a:tileRect/>
+            </a:gradFill>
+            <a:ln>
+              <a:noFill/>
+            </a:ln>
+            <a:effectLst>
+              <a:outerShdw blurRad="88900" dist="139700" dir="5400000" sx="98000" sy="98000" algn="t" rotWithShape="0">
+                <a:prstClr val="black">
+                  <a:alpha val="40000"/>
+                </a:prstClr>
+              </a:outerShdw>
+            </a:effectLst>
+          </p:spPr>
+          <p:style>
+            <a:lnRef idx="2">
+              <a:schemeClr val="accent1">
+                <a:shade val="50000"/>
+              </a:schemeClr>
+            </a:lnRef>
+            <a:fillRef idx="1">
+              <a:schemeClr val="accent1"/>
+            </a:fillRef>
+            <a:effectRef idx="0">
+              <a:schemeClr val="accent1"/>
+            </a:effectRef>
+            <a:fontRef idx="minor">
+              <a:schemeClr val="lt1"/>
+            </a:fontRef>
+          </p:style>
+          <p:txBody>
+            <a:bodyPr rtlCol="0" anchor="ctr"/>
+            <a:lstStyle/>
+            <a:p>
+              <a:pPr algn="ctr"/>
+              <a:endParaRPr lang="ko-KR" altLang="en-US" sz="2400"/>
+            </a:p>
+          </p:txBody>
+        </p:sp>
+        <p:sp>
+          <p:nvSpPr>
+            <p:cNvPr id="41" name="자유형 40"/>
+            <p:cNvSpPr/>
+            <p:nvPr/>
+          </p:nvSpPr>
+          <p:spPr>
+            <a:xfrm>
+              <a:off x="754421" y="2614644"/>
+              <a:ext cx="681439" cy="3343259"/>
+            </a:xfrm>
+            <a:custGeom>
+              <a:avLst/>
+              <a:gdLst>
+                <a:gd name="connsiteX0" fmla="*/ 194310 w 388620"/>
+                <a:gd name="connsiteY0" fmla="*/ 0 h 2927235"/>
+                <a:gd name="connsiteX1" fmla="*/ 388620 w 388620"/>
+                <a:gd name="connsiteY1" fmla="*/ 194310 h 2927235"/>
+                <a:gd name="connsiteX2" fmla="*/ 388620 w 388620"/>
+                <a:gd name="connsiteY2" fmla="*/ 2927235 h 2927235"/>
+                <a:gd name="connsiteX3" fmla="*/ 379599 w 388620"/>
+                <a:gd name="connsiteY3" fmla="*/ 2898175 h 2927235"/>
+                <a:gd name="connsiteX4" fmla="*/ 194310 w 388620"/>
+                <a:gd name="connsiteY4" fmla="*/ 2775357 h 2927235"/>
+                <a:gd name="connsiteX5" fmla="*/ 9021 w 388620"/>
+                <a:gd name="connsiteY5" fmla="*/ 2898175 h 2927235"/>
+                <a:gd name="connsiteX6" fmla="*/ 0 w 388620"/>
+                <a:gd name="connsiteY6" fmla="*/ 2927235 h 2927235"/>
+                <a:gd name="connsiteX7" fmla="*/ 0 w 388620"/>
+                <a:gd name="connsiteY7" fmla="*/ 194310 h 2927235"/>
+                <a:gd name="connsiteX8" fmla="*/ 194310 w 388620"/>
+                <a:gd name="connsiteY8" fmla="*/ 0 h 2927235"/>
+              </a:gdLst>
+              <a:ahLst/>
+              <a:cxnLst>
+                <a:cxn ang="0">
+                  <a:pos x="connsiteX0" y="connsiteY0"/>
+                </a:cxn>
+                <a:cxn ang="0">
+                  <a:pos x="connsiteX1" y="connsiteY1"/>
+                </a:cxn>
+                <a:cxn ang="0">
+                  <a:pos x="connsiteX2" y="connsiteY2"/>
+                </a:cxn>
+                <a:cxn ang="0">
+                  <a:pos x="connsiteX3" y="connsiteY3"/>
+                </a:cxn>
+                <a:cxn ang="0">
+                  <a:pos x="connsiteX4" y="connsiteY4"/>
+                </a:cxn>
+                <a:cxn ang="0">
+                  <a:pos x="connsiteX5" y="connsiteY5"/>
+                </a:cxn>
+                <a:cxn ang="0">
+                  <a:pos x="connsiteX6" y="connsiteY6"/>
+                </a:cxn>
+                <a:cxn ang="0">
+                  <a:pos x="connsiteX7" y="connsiteY7"/>
+                </a:cxn>
+                <a:cxn ang="0">
+                  <a:pos x="connsiteX8" y="connsiteY8"/>
+                </a:cxn>
+              </a:cxnLst>
+              <a:rect l="l" t="t" r="r" b="b"/>
+              <a:pathLst>
+                <a:path w="388620" h="2927235">
+                  <a:moveTo>
+                    <a:pt x="194310" y="0"/>
+                  </a:moveTo>
+                  <a:cubicBezTo>
+                    <a:pt x="301624" y="0"/>
+                    <a:pt x="388620" y="86996"/>
+                    <a:pt x="388620" y="194310"/>
+                  </a:cubicBezTo>
+                  <a:lnTo>
+                    <a:pt x="388620" y="2927235"/>
+                  </a:lnTo>
+                  <a:lnTo>
+                    <a:pt x="379599" y="2898175"/>
+                  </a:lnTo>
+                  <a:cubicBezTo>
+                    <a:pt x="349072" y="2826000"/>
+                    <a:pt x="277605" y="2775357"/>
+                    <a:pt x="194310" y="2775357"/>
+                  </a:cubicBezTo>
+                  <a:cubicBezTo>
+                    <a:pt x="111015" y="2775357"/>
+                    <a:pt x="39548" y="2826000"/>
+                    <a:pt x="9021" y="2898175"/>
+                  </a:cubicBezTo>
+                  <a:lnTo>
+                    <a:pt x="0" y="2927235"/>
+                  </a:lnTo>
+                  <a:lnTo>
+                    <a:pt x="0" y="194310"/>
+                  </a:lnTo>
+                  <a:cubicBezTo>
+                    <a:pt x="0" y="86996"/>
+                    <a:pt x="86996" y="0"/>
+                    <a:pt x="194310" y="0"/>
+                  </a:cubicBezTo>
+                  <a:close/>
+                </a:path>
+              </a:pathLst>
+            </a:custGeom>
+            <a:gradFill flip="none" rotWithShape="1">
+              <a:gsLst>
+                <a:gs pos="0">
+                  <a:schemeClr val="bg1">
+                    <a:shade val="67500"/>
+                    <a:satMod val="115000"/>
+                  </a:schemeClr>
+                </a:gs>
+                <a:gs pos="100000">
+                  <a:schemeClr val="bg1">
+                    <a:shade val="100000"/>
+                    <a:satMod val="115000"/>
+                  </a:schemeClr>
+                </a:gs>
+              </a:gsLst>
+              <a:lin ang="10800000" scaled="1"/>
+              <a:tileRect/>
+            </a:gradFill>
+            <a:ln>
+              <a:noFill/>
+            </a:ln>
+            <a:effectLst>
+              <a:outerShdw blurRad="88900" dist="139700" dir="5400000" sx="98000" sy="98000" algn="t" rotWithShape="0">
+                <a:prstClr val="black">
+                  <a:alpha val="40000"/>
+                </a:prstClr>
+              </a:outerShdw>
+            </a:effectLst>
+          </p:spPr>
+          <p:style>
+            <a:lnRef idx="2">
+              <a:schemeClr val="accent1">
+                <a:shade val="50000"/>
+              </a:schemeClr>
+            </a:lnRef>
+            <a:fillRef idx="1">
+              <a:schemeClr val="accent1"/>
+            </a:fillRef>
+            <a:effectRef idx="0">
+              <a:schemeClr val="accent1"/>
+            </a:effectRef>
+            <a:fontRef idx="minor">
+              <a:schemeClr val="lt1"/>
+            </a:fontRef>
+          </p:style>
+          <p:txBody>
+            <a:bodyPr rtlCol="0" anchor="ctr"/>
+            <a:lstStyle/>
+            <a:p>
+              <a:pPr algn="ctr"/>
+              <a:endParaRPr lang="ko-KR" altLang="en-US" sz="2400"/>
+            </a:p>
+          </p:txBody>
+        </p:sp>
+        <p:sp>
+          <p:nvSpPr>
+            <p:cNvPr id="42" name="자유형 41"/>
+            <p:cNvSpPr/>
+            <p:nvPr/>
+          </p:nvSpPr>
+          <p:spPr>
+            <a:xfrm>
+              <a:off x="586490" y="739768"/>
+              <a:ext cx="1017302" cy="4991063"/>
+            </a:xfrm>
+            <a:custGeom>
+              <a:avLst/>
+              <a:gdLst>
+                <a:gd name="connsiteX0" fmla="*/ 194310 w 388620"/>
+                <a:gd name="connsiteY0" fmla="*/ 0 h 2927235"/>
+                <a:gd name="connsiteX1" fmla="*/ 388620 w 388620"/>
+                <a:gd name="connsiteY1" fmla="*/ 194310 h 2927235"/>
+                <a:gd name="connsiteX2" fmla="*/ 388620 w 388620"/>
+                <a:gd name="connsiteY2" fmla="*/ 2927235 h 2927235"/>
+                <a:gd name="connsiteX3" fmla="*/ 379599 w 388620"/>
+                <a:gd name="connsiteY3" fmla="*/ 2898175 h 2927235"/>
+                <a:gd name="connsiteX4" fmla="*/ 194310 w 388620"/>
+                <a:gd name="connsiteY4" fmla="*/ 2775357 h 2927235"/>
+                <a:gd name="connsiteX5" fmla="*/ 9021 w 388620"/>
+                <a:gd name="connsiteY5" fmla="*/ 2898175 h 2927235"/>
+                <a:gd name="connsiteX6" fmla="*/ 0 w 388620"/>
+                <a:gd name="connsiteY6" fmla="*/ 2927235 h 2927235"/>
+                <a:gd name="connsiteX7" fmla="*/ 0 w 388620"/>
+                <a:gd name="connsiteY7" fmla="*/ 194310 h 2927235"/>
+                <a:gd name="connsiteX8" fmla="*/ 194310 w 388620"/>
+                <a:gd name="connsiteY8" fmla="*/ 0 h 2927235"/>
+              </a:gdLst>
+              <a:ahLst/>
+              <a:cxnLst>
+                <a:cxn ang="0">
+                  <a:pos x="connsiteX0" y="connsiteY0"/>
+                </a:cxn>
+                <a:cxn ang="0">
+                  <a:pos x="connsiteX1" y="connsiteY1"/>
+                </a:cxn>
+                <a:cxn ang="0">
+                  <a:pos x="connsiteX2" y="connsiteY2"/>
+                </a:cxn>
+                <a:cxn ang="0">
+                  <a:pos x="connsiteX3" y="connsiteY3"/>
+                </a:cxn>
+                <a:cxn ang="0">
+                  <a:pos x="connsiteX4" y="connsiteY4"/>
+                </a:cxn>
+                <a:cxn ang="0">
+                  <a:pos x="connsiteX5" y="connsiteY5"/>
+                </a:cxn>
+                <a:cxn ang="0">
+                  <a:pos x="connsiteX6" y="connsiteY6"/>
+                </a:cxn>
+                <a:cxn ang="0">
+                  <a:pos x="connsiteX7" y="connsiteY7"/>
+                </a:cxn>
+                <a:cxn ang="0">
+                  <a:pos x="connsiteX8" y="connsiteY8"/>
+                </a:cxn>
+              </a:cxnLst>
+              <a:rect l="l" t="t" r="r" b="b"/>
+              <a:pathLst>
+                <a:path w="388620" h="2927235">
+                  <a:moveTo>
+                    <a:pt x="194310" y="0"/>
+                  </a:moveTo>
+                  <a:cubicBezTo>
+                    <a:pt x="301624" y="0"/>
+                    <a:pt x="388620" y="86996"/>
+                    <a:pt x="388620" y="194310"/>
+                  </a:cubicBezTo>
+                  <a:lnTo>
+                    <a:pt x="388620" y="2927235"/>
+                  </a:lnTo>
+                  <a:lnTo>
+                    <a:pt x="379599" y="2898175"/>
+                  </a:lnTo>
+                  <a:cubicBezTo>
+                    <a:pt x="349072" y="2826000"/>
+                    <a:pt x="277605" y="2775357"/>
+                    <a:pt x="194310" y="2775357"/>
+                  </a:cubicBezTo>
+                  <a:cubicBezTo>
+                    <a:pt x="111015" y="2775357"/>
+                    <a:pt x="39548" y="2826000"/>
+                    <a:pt x="9021" y="2898175"/>
+                  </a:cubicBezTo>
+                  <a:lnTo>
+                    <a:pt x="0" y="2927235"/>
+                  </a:lnTo>
+                  <a:lnTo>
+                    <a:pt x="0" y="194310"/>
+                  </a:lnTo>
+                  <a:cubicBezTo>
+                    <a:pt x="0" y="86996"/>
+                    <a:pt x="86996" y="0"/>
+                    <a:pt x="194310" y="0"/>
+                  </a:cubicBezTo>
+                  <a:close/>
+                </a:path>
+              </a:pathLst>
+            </a:custGeom>
+            <a:gradFill flip="none" rotWithShape="1">
+              <a:gsLst>
+                <a:gs pos="0">
+                  <a:schemeClr val="bg1">
+                    <a:shade val="67500"/>
+                    <a:satMod val="115000"/>
+                  </a:schemeClr>
+                </a:gs>
+                <a:gs pos="100000">
+                  <a:schemeClr val="bg1">
+                    <a:shade val="100000"/>
+                    <a:satMod val="115000"/>
+                  </a:schemeClr>
+                </a:gs>
+              </a:gsLst>
+              <a:lin ang="10800000" scaled="1"/>
+              <a:tileRect/>
+            </a:gradFill>
+            <a:ln>
+              <a:noFill/>
+            </a:ln>
+            <a:effectLst>
+              <a:outerShdw blurRad="88900" dist="139700" dir="5400000" sx="98000" sy="98000" algn="t" rotWithShape="0">
+                <a:prstClr val="black">
+                  <a:alpha val="40000"/>
+                </a:prstClr>
+              </a:outerShdw>
+            </a:effectLst>
+          </p:spPr>
+          <p:style>
+            <a:lnRef idx="2">
+              <a:schemeClr val="accent1">
+                <a:shade val="50000"/>
+              </a:schemeClr>
+            </a:lnRef>
+            <a:fillRef idx="1">
+              <a:schemeClr val="accent1"/>
+            </a:fillRef>
+            <a:effectRef idx="0">
+              <a:schemeClr val="accent1"/>
+            </a:effectRef>
+            <a:fontRef idx="minor">
+              <a:schemeClr val="lt1"/>
+            </a:fontRef>
+          </p:style>
+          <p:txBody>
+            <a:bodyPr rtlCol="0" anchor="ctr"/>
+            <a:lstStyle/>
+            <a:p>
+              <a:pPr algn="ctr"/>
+              <a:endParaRPr lang="ko-KR" altLang="en-US" sz="2400"/>
+            </a:p>
+          </p:txBody>
+        </p:sp>
+      </p:grpSp>
+      <p:sp>
+        <p:nvSpPr>
+          <p:cNvPr id="43" name="직사각형 42"/>
+          <p:cNvSpPr/>
+          <p:nvPr/>
+        </p:nvSpPr>
+        <p:spPr>
+          <a:xfrm>
+            <a:off x="1121067" y="522708"/>
+            <a:ext cx="9975911" cy="646331"/>
+          </a:xfrm>
+          <a:prstGeom prst="rect">
+            <a:avLst/>
+          </a:prstGeom>
+        </p:spPr>
+        <p:txBody>
+          <a:bodyPr wrap="square" lIns="91440" tIns="45720" rIns="91440" bIns="45720">
+            <a:spAutoFit/>
+          </a:bodyPr>
+          <a:lstStyle/>
+          <a:p>
+            <a:pPr>
+              <a:lnSpc>
+                <a:spcPct val="150000"/>
+              </a:lnSpc>
+            </a:pPr>
+            <a:r>
+              <a:rPr lang="en-US" altLang="ko-KR" sz="2400" b="1" dirty="0">
+                <a:solidFill>
+                  <a:schemeClr val="tx1">
+                    <a:lumMod val="75000"/>
+                    <a:lumOff val="25000"/>
+                  </a:schemeClr>
+                </a:solidFill>
+                <a:latin typeface="+mj-ea"/>
+                <a:ea typeface="+mj-ea"/>
+              </a:rPr>
+              <a:t>[ </a:t>
+            </a:r>
+            <a:r>
+              <a:rPr lang="ko-KR" altLang="en-US" sz="2400" b="1" dirty="0">
+                <a:solidFill>
+                  <a:schemeClr val="tx1">
+                    <a:lumMod val="75000"/>
+                    <a:lumOff val="25000"/>
+                  </a:schemeClr>
+                </a:solidFill>
+                <a:latin typeface="+mj-ea"/>
+                <a:ea typeface="+mj-ea"/>
+              </a:rPr>
+              <a:t>화면설계 </a:t>
+            </a:r>
+            <a:r>
+              <a:rPr lang="en-US" altLang="ko-KR" sz="2400" b="1" dirty="0">
+                <a:solidFill>
+                  <a:schemeClr val="tx1">
+                    <a:lumMod val="75000"/>
+                    <a:lumOff val="25000"/>
+                  </a:schemeClr>
+                </a:solidFill>
+                <a:latin typeface="+mj-ea"/>
+                <a:ea typeface="+mj-ea"/>
+              </a:rPr>
+              <a:t>] </a:t>
+            </a:r>
+            <a:r>
+              <a:rPr lang="ko-KR" altLang="en-US" sz="2400" b="1" dirty="0">
+                <a:solidFill>
+                  <a:schemeClr val="tx1">
+                    <a:lumMod val="75000"/>
+                    <a:lumOff val="25000"/>
+                  </a:schemeClr>
+                </a:solidFill>
+                <a:latin typeface="+mj-ea"/>
+                <a:ea typeface="+mj-ea"/>
+              </a:rPr>
+              <a:t>사용자 </a:t>
+            </a:r>
+            <a:r>
+              <a:rPr lang="en-US" altLang="ko-KR" sz="2400" b="1" dirty="0">
+                <a:solidFill>
+                  <a:schemeClr val="tx1">
+                    <a:lumMod val="75000"/>
+                    <a:lumOff val="25000"/>
+                  </a:schemeClr>
+                </a:solidFill>
+                <a:latin typeface="+mj-ea"/>
+                <a:ea typeface="+mj-ea"/>
+              </a:rPr>
+              <a:t>- </a:t>
+            </a:r>
+            <a:r>
+              <a:rPr lang="ko-KR" altLang="en-US" sz="2400" b="1" dirty="0">
+                <a:solidFill>
+                  <a:schemeClr val="tx1">
+                    <a:lumMod val="75000"/>
+                    <a:lumOff val="25000"/>
+                  </a:schemeClr>
+                </a:solidFill>
+                <a:latin typeface="+mj-ea"/>
+                <a:ea typeface="+mj-ea"/>
+              </a:rPr>
+              <a:t>앱</a:t>
+            </a:r>
+            <a:r>
+              <a:rPr lang="ko-KR" altLang="en-US" sz="2400" b="1" dirty="0" smtClean="0">
+                <a:solidFill>
+                  <a:schemeClr val="tx1">
+                    <a:lumMod val="75000"/>
+                    <a:lumOff val="25000"/>
+                  </a:schemeClr>
+                </a:solidFill>
+                <a:latin typeface="+mj-ea"/>
+                <a:ea typeface="+mj-ea"/>
+              </a:rPr>
+              <a:t> </a:t>
+            </a:r>
+            <a:r>
+              <a:rPr lang="en-US" altLang="ko-KR" sz="2400" b="1" dirty="0">
+                <a:solidFill>
+                  <a:schemeClr val="tx1">
+                    <a:lumMod val="75000"/>
+                    <a:lumOff val="25000"/>
+                  </a:schemeClr>
+                </a:solidFill>
+                <a:latin typeface="+mj-ea"/>
+                <a:ea typeface="+mj-ea"/>
+              </a:rPr>
+              <a:t>– </a:t>
+            </a:r>
+            <a:r>
+              <a:rPr lang="ko-KR" altLang="en-US" sz="2400" b="1" dirty="0" smtClean="0">
+                <a:solidFill>
+                  <a:schemeClr val="tx1">
+                    <a:lumMod val="75000"/>
+                    <a:lumOff val="25000"/>
+                  </a:schemeClr>
+                </a:solidFill>
+                <a:latin typeface="+mj-ea"/>
+                <a:ea typeface="+mj-ea"/>
+              </a:rPr>
+              <a:t>아이디</a:t>
+            </a:r>
+            <a:r>
+              <a:rPr lang="en-US" altLang="ko-KR" sz="2400" b="1" dirty="0" smtClean="0">
+                <a:solidFill>
+                  <a:schemeClr val="tx1">
+                    <a:lumMod val="75000"/>
+                    <a:lumOff val="25000"/>
+                  </a:schemeClr>
+                </a:solidFill>
+                <a:latin typeface="+mj-ea"/>
+                <a:ea typeface="+mj-ea"/>
+              </a:rPr>
+              <a:t>/</a:t>
+            </a:r>
+            <a:r>
+              <a:rPr lang="ko-KR" altLang="en-US" sz="2400" b="1" dirty="0" smtClean="0">
+                <a:solidFill>
+                  <a:schemeClr val="tx1">
+                    <a:lumMod val="75000"/>
+                    <a:lumOff val="25000"/>
+                  </a:schemeClr>
+                </a:solidFill>
+                <a:latin typeface="+mj-ea"/>
+                <a:ea typeface="+mj-ea"/>
+              </a:rPr>
+              <a:t>비밀번호 찾기 페이지</a:t>
+            </a:r>
+            <a:r>
+              <a:rPr lang="en-US" altLang="ko-KR" sz="2400" b="1" dirty="0" smtClean="0">
+                <a:solidFill>
+                  <a:schemeClr val="tx1">
+                    <a:lumMod val="75000"/>
+                    <a:lumOff val="25000"/>
+                  </a:schemeClr>
+                </a:solidFill>
+                <a:latin typeface="+mj-ea"/>
+                <a:ea typeface="+mj-ea"/>
+              </a:rPr>
+              <a:t>(</a:t>
+            </a:r>
+            <a:r>
+              <a:rPr lang="ko-KR" altLang="en-US" sz="2400" b="1" dirty="0" smtClean="0">
+                <a:solidFill>
+                  <a:schemeClr val="tx1">
+                    <a:lumMod val="75000"/>
+                    <a:lumOff val="25000"/>
+                  </a:schemeClr>
+                </a:solidFill>
+                <a:latin typeface="+mj-ea"/>
+                <a:ea typeface="+mj-ea"/>
+              </a:rPr>
+              <a:t>비밀번호 찾기</a:t>
+            </a:r>
+            <a:r>
+              <a:rPr lang="en-US" altLang="ko-KR" sz="2400" b="1" dirty="0" smtClean="0">
+                <a:solidFill>
+                  <a:schemeClr val="tx1">
+                    <a:lumMod val="75000"/>
+                    <a:lumOff val="25000"/>
+                  </a:schemeClr>
+                </a:solidFill>
+                <a:latin typeface="+mj-ea"/>
+                <a:ea typeface="+mj-ea"/>
+              </a:rPr>
+              <a:t>)</a:t>
+            </a:r>
+            <a:endParaRPr lang="ko-KR" altLang="en-US" sz="2400" b="1" dirty="0">
+              <a:solidFill>
+                <a:schemeClr val="tx1">
+                  <a:lumMod val="75000"/>
+                  <a:lumOff val="25000"/>
+                </a:schemeClr>
+              </a:solidFill>
+              <a:latin typeface="+mj-ea"/>
+              <a:ea typeface="+mj-ea"/>
+            </a:endParaRPr>
+          </a:p>
+        </p:txBody>
+      </p:sp>
+      <p:graphicFrame>
+        <p:nvGraphicFramePr>
+          <p:cNvPr id="4" name="표 3"/>
+          <p:cNvGraphicFramePr>
+            <a:graphicFrameLocks noGrp="1"/>
+          </p:cNvGraphicFramePr>
+          <p:nvPr/>
+        </p:nvGraphicFramePr>
+        <p:xfrm>
+          <a:off x="9168341" y="1433634"/>
+          <a:ext cx="2688299" cy="915066"/>
+        </p:xfrm>
+        <a:graphic>
+          <a:graphicData uri="http://schemas.openxmlformats.org/drawingml/2006/table">
+            <a:tbl>
+              <a:tblPr firstRow="1" bandRow="1"/>
+              <a:tblGrid>
+                <a:gridCol w="2688299">
+                  <a:extLst>
+                    <a:ext uri="{9D8B030D-6E8A-4147-A177-3AD203B41FA5}">
+                      <a16:colId xmlns:a16="http://schemas.microsoft.com/office/drawing/2014/main" xmlns="" val="20000"/>
+                    </a:ext>
+                  </a:extLst>
+                </a:gridCol>
+              </a:tblGrid>
+              <a:tr h="424495">
+                <a:tc>
+                  <a:txBody>
+                    <a:bodyPr/>
+                    <a:lstStyle/>
+                    <a:p>
+                      <a:pPr algn="ctr" latinLnBrk="1"/>
+                      <a:r>
+                        <a:rPr lang="ko-KR" altLang="en-US" sz="1200" b="1" dirty="0">
+                          <a:solidFill>
+                            <a:schemeClr val="tx1"/>
+                          </a:solidFill>
+                          <a:latin typeface="+mj-ea"/>
+                          <a:ea typeface="+mj-ea"/>
+                        </a:rPr>
+                        <a:t>화면코드</a:t>
+                      </a:r>
+                    </a:p>
+                  </a:txBody>
+                  <a:tcPr marL="121920" marR="121920" marT="60960" marB="60960" anchor="ctr">
+                    <a:solidFill>
+                      <a:srgbClr val="FF9E00"/>
+                    </a:solidFill>
+                  </a:tcPr>
+                </a:tc>
+                <a:extLst>
+                  <a:ext uri="{0D108BD9-81ED-4DB2-BD59-A6C34878D82A}">
+                    <a16:rowId xmlns:a16="http://schemas.microsoft.com/office/drawing/2014/main" xmlns="" val="10000"/>
+                  </a:ext>
+                </a:extLst>
+              </a:tr>
+              <a:tr h="490571">
+                <a:tc>
+                  <a:txBody>
+                    <a:bodyPr/>
+                    <a:lstStyle/>
+                    <a:p>
+                      <a:pPr algn="ctr" latinLnBrk="1"/>
+                      <a:endParaRPr lang="ko-KR" altLang="en-US" sz="1500" dirty="0">
+                        <a:latin typeface="+mj-ea"/>
+                        <a:ea typeface="+mj-ea"/>
+                      </a:endParaRPr>
+                    </a:p>
+                  </a:txBody>
+                  <a:tcPr marL="121920" marR="121920" marT="60960" marB="60960" anchor="ctr"/>
+                </a:tc>
+                <a:extLst>
+                  <a:ext uri="{0D108BD9-81ED-4DB2-BD59-A6C34878D82A}">
+                    <a16:rowId xmlns:a16="http://schemas.microsoft.com/office/drawing/2014/main" xmlns="" val="10001"/>
                   </a:ext>
                 </a:extLst>
               </a:tr>
@@ -35145,14 +37484,14 @@
                 <a:gridCol w="280507">
                   <a:extLst>
                     <a:ext uri="{9D8B030D-6E8A-4147-A177-3AD203B41FA5}">
-                      <a16:colId xmlns="" xmlns:a16="http://schemas.microsoft.com/office/drawing/2014/main" val="20000"/>
+                      <a16:colId xmlns:a16="http://schemas.microsoft.com/office/drawing/2014/main" xmlns="" val="20000"/>
                     </a:ext>
                   </a:extLst>
                 </a:gridCol>
                 <a:gridCol w="2407792">
                   <a:extLst>
                     <a:ext uri="{9D8B030D-6E8A-4147-A177-3AD203B41FA5}">
-                      <a16:colId xmlns="" xmlns:a16="http://schemas.microsoft.com/office/drawing/2014/main" val="20001"/>
+                      <a16:colId xmlns:a16="http://schemas.microsoft.com/office/drawing/2014/main" xmlns="" val="20001"/>
                     </a:ext>
                   </a:extLst>
                 </a:gridCol>
@@ -35206,7 +37545,7 @@
                 </a:tc>
                 <a:extLst>
                   <a:ext uri="{0D108BD9-81ED-4DB2-BD59-A6C34878D82A}">
-                    <a16:rowId xmlns="" xmlns:a16="http://schemas.microsoft.com/office/drawing/2014/main" val="10000"/>
+                    <a16:rowId xmlns:a16="http://schemas.microsoft.com/office/drawing/2014/main" xmlns="" val="10000"/>
                   </a:ext>
                 </a:extLst>
               </a:tr>
@@ -35308,7 +37647,7 @@
                 </a:tc>
                 <a:extLst>
                   <a:ext uri="{0D108BD9-81ED-4DB2-BD59-A6C34878D82A}">
-                    <a16:rowId xmlns="" xmlns:a16="http://schemas.microsoft.com/office/drawing/2014/main" val="10001"/>
+                    <a16:rowId xmlns:a16="http://schemas.microsoft.com/office/drawing/2014/main" xmlns="" val="10001"/>
                   </a:ext>
                 </a:extLst>
               </a:tr>
@@ -35359,7 +37698,7 @@
                 </a:tc>
                 <a:extLst>
                   <a:ext uri="{0D108BD9-81ED-4DB2-BD59-A6C34878D82A}">
-                    <a16:rowId xmlns="" xmlns:a16="http://schemas.microsoft.com/office/drawing/2014/main" val="10002"/>
+                    <a16:rowId xmlns:a16="http://schemas.microsoft.com/office/drawing/2014/main" xmlns="" val="10002"/>
                   </a:ext>
                 </a:extLst>
               </a:tr>
@@ -35405,7 +37744,7 @@
                 </a:tc>
                 <a:extLst>
                   <a:ext uri="{0D108BD9-81ED-4DB2-BD59-A6C34878D82A}">
-                    <a16:rowId xmlns="" xmlns:a16="http://schemas.microsoft.com/office/drawing/2014/main" val="10003"/>
+                    <a16:rowId xmlns:a16="http://schemas.microsoft.com/office/drawing/2014/main" xmlns="" val="10003"/>
                   </a:ext>
                 </a:extLst>
               </a:tr>
@@ -35451,7 +37790,7 @@
                 </a:tc>
                 <a:extLst>
                   <a:ext uri="{0D108BD9-81ED-4DB2-BD59-A6C34878D82A}">
-                    <a16:rowId xmlns="" xmlns:a16="http://schemas.microsoft.com/office/drawing/2014/main" val="10004"/>
+                    <a16:rowId xmlns:a16="http://schemas.microsoft.com/office/drawing/2014/main" xmlns="" val="10004"/>
                   </a:ext>
                 </a:extLst>
               </a:tr>
@@ -35497,7 +37836,7 @@
                 </a:tc>
                 <a:extLst>
                   <a:ext uri="{0D108BD9-81ED-4DB2-BD59-A6C34878D82A}">
-                    <a16:rowId xmlns="" xmlns:a16="http://schemas.microsoft.com/office/drawing/2014/main" val="10005"/>
+                    <a16:rowId xmlns:a16="http://schemas.microsoft.com/office/drawing/2014/main" xmlns="" val="10005"/>
                   </a:ext>
                 </a:extLst>
               </a:tr>
@@ -35510,7 +37849,7 @@
           <p:cNvPr id="3" name="직사각형 2">
             <a:extLst>
               <a:ext uri="{FF2B5EF4-FFF2-40B4-BE49-F238E27FC236}">
-                <a16:creationId xmlns="" xmlns:a16="http://schemas.microsoft.com/office/drawing/2014/main" id="{7C9E9366-B86C-4147-AAEA-0E8C98D7DA95}"/>
+                <a16:creationId xmlns:a16="http://schemas.microsoft.com/office/drawing/2014/main" xmlns="" id="{7C9E9366-B86C-4147-AAEA-0E8C98D7DA95}"/>
               </a:ext>
             </a:extLst>
           </p:cNvPr>
@@ -35525,7 +37864,9 @@
           <a:prstGeom prst="rect">
             <a:avLst/>
           </a:prstGeom>
-          <a:noFill/>
+          <a:solidFill>
+            <a:schemeClr val="bg1"/>
+          </a:solidFill>
           <a:ln>
             <a:solidFill>
               <a:schemeClr val="tx1"/>
@@ -35562,7 +37903,7 @@
           <p:cNvPr id="7" name="직사각형 6">
             <a:extLst>
               <a:ext uri="{FF2B5EF4-FFF2-40B4-BE49-F238E27FC236}">
-                <a16:creationId xmlns="" xmlns:a16="http://schemas.microsoft.com/office/drawing/2014/main" id="{DA06AE45-F21F-4390-88D7-43E648964D4B}"/>
+                <a16:creationId xmlns:a16="http://schemas.microsoft.com/office/drawing/2014/main" xmlns="" id="{DA06AE45-F21F-4390-88D7-43E648964D4B}"/>
               </a:ext>
             </a:extLst>
           </p:cNvPr>
@@ -35684,7 +38025,7 @@
           <p:cNvPr id="20" name="직사각형 19">
             <a:extLst>
               <a:ext uri="{FF2B5EF4-FFF2-40B4-BE49-F238E27FC236}">
-                <a16:creationId xmlns="" xmlns:a16="http://schemas.microsoft.com/office/drawing/2014/main" id="{DA06AE45-F21F-4390-88D7-43E648964D4B}"/>
+                <a16:creationId xmlns:a16="http://schemas.microsoft.com/office/drawing/2014/main" xmlns="" id="{DA06AE45-F21F-4390-88D7-43E648964D4B}"/>
               </a:ext>
             </a:extLst>
           </p:cNvPr>
@@ -36699,7 +39040,7 @@
                 <a:gridCol w="2688299">
                   <a:extLst>
                     <a:ext uri="{9D8B030D-6E8A-4147-A177-3AD203B41FA5}">
-                      <a16:colId xmlns="" xmlns:a16="http://schemas.microsoft.com/office/drawing/2014/main" val="20000"/>
+                      <a16:colId xmlns:a16="http://schemas.microsoft.com/office/drawing/2014/main" xmlns="" val="20000"/>
                     </a:ext>
                   </a:extLst>
                 </a:gridCol>
@@ -36731,7 +39072,7 @@
                 </a:tc>
                 <a:extLst>
                   <a:ext uri="{0D108BD9-81ED-4DB2-BD59-A6C34878D82A}">
-                    <a16:rowId xmlns="" xmlns:a16="http://schemas.microsoft.com/office/drawing/2014/main" val="10000"/>
+                    <a16:rowId xmlns:a16="http://schemas.microsoft.com/office/drawing/2014/main" xmlns="" val="10000"/>
                   </a:ext>
                 </a:extLst>
               </a:tr>
@@ -36752,7 +39093,7 @@
                 </a:tc>
                 <a:extLst>
                   <a:ext uri="{0D108BD9-81ED-4DB2-BD59-A6C34878D82A}">
-                    <a16:rowId xmlns="" xmlns:a16="http://schemas.microsoft.com/office/drawing/2014/main" val="10001"/>
+                    <a16:rowId xmlns:a16="http://schemas.microsoft.com/office/drawing/2014/main" xmlns="" val="10001"/>
                   </a:ext>
                 </a:extLst>
               </a:tr>
@@ -36774,7 +39115,9 @@
           <a:prstGeom prst="rect">
             <a:avLst/>
           </a:prstGeom>
-          <a:noFill/>
+          <a:solidFill>
+            <a:schemeClr val="bg1"/>
+          </a:solidFill>
           <a:ln w="9525">
             <a:solidFill>
               <a:schemeClr val="tx1"/>
@@ -36834,14 +39177,14 @@
                 <a:gridCol w="280507">
                   <a:extLst>
                     <a:ext uri="{9D8B030D-6E8A-4147-A177-3AD203B41FA5}">
-                      <a16:colId xmlns="" xmlns:a16="http://schemas.microsoft.com/office/drawing/2014/main" val="20000"/>
+                      <a16:colId xmlns:a16="http://schemas.microsoft.com/office/drawing/2014/main" xmlns="" val="20000"/>
                     </a:ext>
                   </a:extLst>
                 </a:gridCol>
                 <a:gridCol w="2407792">
                   <a:extLst>
                     <a:ext uri="{9D8B030D-6E8A-4147-A177-3AD203B41FA5}">
-                      <a16:colId xmlns="" xmlns:a16="http://schemas.microsoft.com/office/drawing/2014/main" val="20001"/>
+                      <a16:colId xmlns:a16="http://schemas.microsoft.com/office/drawing/2014/main" xmlns="" val="20001"/>
                     </a:ext>
                   </a:extLst>
                 </a:gridCol>
@@ -36895,7 +39238,7 @@
                 </a:tc>
                 <a:extLst>
                   <a:ext uri="{0D108BD9-81ED-4DB2-BD59-A6C34878D82A}">
-                    <a16:rowId xmlns="" xmlns:a16="http://schemas.microsoft.com/office/drawing/2014/main" val="10000"/>
+                    <a16:rowId xmlns:a16="http://schemas.microsoft.com/office/drawing/2014/main" xmlns="" val="10000"/>
                   </a:ext>
                 </a:extLst>
               </a:tr>
@@ -37067,7 +39410,7 @@
                 </a:tc>
                 <a:extLst>
                   <a:ext uri="{0D108BD9-81ED-4DB2-BD59-A6C34878D82A}">
-                    <a16:rowId xmlns="" xmlns:a16="http://schemas.microsoft.com/office/drawing/2014/main" val="10001"/>
+                    <a16:rowId xmlns:a16="http://schemas.microsoft.com/office/drawing/2014/main" xmlns="" val="10001"/>
                   </a:ext>
                 </a:extLst>
               </a:tr>
@@ -37118,7 +39461,7 @@
                 </a:tc>
                 <a:extLst>
                   <a:ext uri="{0D108BD9-81ED-4DB2-BD59-A6C34878D82A}">
-                    <a16:rowId xmlns="" xmlns:a16="http://schemas.microsoft.com/office/drawing/2014/main" val="10002"/>
+                    <a16:rowId xmlns:a16="http://schemas.microsoft.com/office/drawing/2014/main" xmlns="" val="10002"/>
                   </a:ext>
                 </a:extLst>
               </a:tr>
@@ -37164,7 +39507,7 @@
                 </a:tc>
                 <a:extLst>
                   <a:ext uri="{0D108BD9-81ED-4DB2-BD59-A6C34878D82A}">
-                    <a16:rowId xmlns="" xmlns:a16="http://schemas.microsoft.com/office/drawing/2014/main" val="10003"/>
+                    <a16:rowId xmlns:a16="http://schemas.microsoft.com/office/drawing/2014/main" xmlns="" val="10003"/>
                   </a:ext>
                 </a:extLst>
               </a:tr>
@@ -37210,7 +39553,7 @@
                 </a:tc>
                 <a:extLst>
                   <a:ext uri="{0D108BD9-81ED-4DB2-BD59-A6C34878D82A}">
-                    <a16:rowId xmlns="" xmlns:a16="http://schemas.microsoft.com/office/drawing/2014/main" val="10004"/>
+                    <a16:rowId xmlns:a16="http://schemas.microsoft.com/office/drawing/2014/main" xmlns="" val="10004"/>
                   </a:ext>
                 </a:extLst>
               </a:tr>
@@ -37256,7 +39599,7 @@
                 </a:tc>
                 <a:extLst>
                   <a:ext uri="{0D108BD9-81ED-4DB2-BD59-A6C34878D82A}">
-                    <a16:rowId xmlns="" xmlns:a16="http://schemas.microsoft.com/office/drawing/2014/main" val="10005"/>
+                    <a16:rowId xmlns:a16="http://schemas.microsoft.com/office/drawing/2014/main" xmlns="" val="10005"/>
                   </a:ext>
                 </a:extLst>
               </a:tr>
@@ -37269,7 +39612,7 @@
           <p:cNvPr id="3" name="직사각형 2">
             <a:extLst>
               <a:ext uri="{FF2B5EF4-FFF2-40B4-BE49-F238E27FC236}">
-                <a16:creationId xmlns="" xmlns:a16="http://schemas.microsoft.com/office/drawing/2014/main" id="{7C9E9366-B86C-4147-AAEA-0E8C98D7DA95}"/>
+                <a16:creationId xmlns:a16="http://schemas.microsoft.com/office/drawing/2014/main" xmlns="" id="{7C9E9366-B86C-4147-AAEA-0E8C98D7DA95}"/>
               </a:ext>
             </a:extLst>
           </p:cNvPr>
@@ -37321,7 +39664,7 @@
           <p:cNvPr id="7" name="직사각형 6">
             <a:extLst>
               <a:ext uri="{FF2B5EF4-FFF2-40B4-BE49-F238E27FC236}">
-                <a16:creationId xmlns="" xmlns:a16="http://schemas.microsoft.com/office/drawing/2014/main" id="{DA06AE45-F21F-4390-88D7-43E648964D4B}"/>
+                <a16:creationId xmlns:a16="http://schemas.microsoft.com/office/drawing/2014/main" xmlns="" id="{DA06AE45-F21F-4390-88D7-43E648964D4B}"/>
               </a:ext>
             </a:extLst>
           </p:cNvPr>
@@ -38594,7 +40937,7 @@
                 <a:gridCol w="2688299">
                   <a:extLst>
                     <a:ext uri="{9D8B030D-6E8A-4147-A177-3AD203B41FA5}">
-                      <a16:colId xmlns="" xmlns:a16="http://schemas.microsoft.com/office/drawing/2014/main" val="20000"/>
+                      <a16:colId xmlns:a16="http://schemas.microsoft.com/office/drawing/2014/main" xmlns="" val="20000"/>
                     </a:ext>
                   </a:extLst>
                 </a:gridCol>
@@ -38626,7 +40969,7 @@
                 </a:tc>
                 <a:extLst>
                   <a:ext uri="{0D108BD9-81ED-4DB2-BD59-A6C34878D82A}">
-                    <a16:rowId xmlns="" xmlns:a16="http://schemas.microsoft.com/office/drawing/2014/main" val="10000"/>
+                    <a16:rowId xmlns:a16="http://schemas.microsoft.com/office/drawing/2014/main" xmlns="" val="10000"/>
                   </a:ext>
                 </a:extLst>
               </a:tr>
@@ -38647,7 +40990,7 @@
                 </a:tc>
                 <a:extLst>
                   <a:ext uri="{0D108BD9-81ED-4DB2-BD59-A6C34878D82A}">
-                    <a16:rowId xmlns="" xmlns:a16="http://schemas.microsoft.com/office/drawing/2014/main" val="10001"/>
+                    <a16:rowId xmlns:a16="http://schemas.microsoft.com/office/drawing/2014/main" xmlns="" val="10001"/>
                   </a:ext>
                 </a:extLst>
               </a:tr>
@@ -38669,7 +41012,9 @@
           <a:prstGeom prst="rect">
             <a:avLst/>
           </a:prstGeom>
-          <a:noFill/>
+          <a:solidFill>
+            <a:schemeClr val="bg1"/>
+          </a:solidFill>
           <a:ln w="9525">
             <a:solidFill>
               <a:schemeClr val="tx1"/>
@@ -38729,14 +41074,14 @@
                 <a:gridCol w="280507">
                   <a:extLst>
                     <a:ext uri="{9D8B030D-6E8A-4147-A177-3AD203B41FA5}">
-                      <a16:colId xmlns="" xmlns:a16="http://schemas.microsoft.com/office/drawing/2014/main" val="20000"/>
+                      <a16:colId xmlns:a16="http://schemas.microsoft.com/office/drawing/2014/main" xmlns="" val="20000"/>
                     </a:ext>
                   </a:extLst>
                 </a:gridCol>
                 <a:gridCol w="2407792">
                   <a:extLst>
                     <a:ext uri="{9D8B030D-6E8A-4147-A177-3AD203B41FA5}">
-                      <a16:colId xmlns="" xmlns:a16="http://schemas.microsoft.com/office/drawing/2014/main" val="20001"/>
+                      <a16:colId xmlns:a16="http://schemas.microsoft.com/office/drawing/2014/main" xmlns="" val="20001"/>
                     </a:ext>
                   </a:extLst>
                 </a:gridCol>
@@ -38790,7 +41135,7 @@
                 </a:tc>
                 <a:extLst>
                   <a:ext uri="{0D108BD9-81ED-4DB2-BD59-A6C34878D82A}">
-                    <a16:rowId xmlns="" xmlns:a16="http://schemas.microsoft.com/office/drawing/2014/main" val="10000"/>
+                    <a16:rowId xmlns:a16="http://schemas.microsoft.com/office/drawing/2014/main" xmlns="" val="10000"/>
                   </a:ext>
                 </a:extLst>
               </a:tr>
@@ -38962,7 +41307,7 @@
                 </a:tc>
                 <a:extLst>
                   <a:ext uri="{0D108BD9-81ED-4DB2-BD59-A6C34878D82A}">
-                    <a16:rowId xmlns="" xmlns:a16="http://schemas.microsoft.com/office/drawing/2014/main" val="10001"/>
+                    <a16:rowId xmlns:a16="http://schemas.microsoft.com/office/drawing/2014/main" xmlns="" val="10001"/>
                   </a:ext>
                 </a:extLst>
               </a:tr>
@@ -39013,7 +41358,7 @@
                 </a:tc>
                 <a:extLst>
                   <a:ext uri="{0D108BD9-81ED-4DB2-BD59-A6C34878D82A}">
-                    <a16:rowId xmlns="" xmlns:a16="http://schemas.microsoft.com/office/drawing/2014/main" val="10002"/>
+                    <a16:rowId xmlns:a16="http://schemas.microsoft.com/office/drawing/2014/main" xmlns="" val="10002"/>
                   </a:ext>
                 </a:extLst>
               </a:tr>
@@ -39059,7 +41404,7 @@
                 </a:tc>
                 <a:extLst>
                   <a:ext uri="{0D108BD9-81ED-4DB2-BD59-A6C34878D82A}">
-                    <a16:rowId xmlns="" xmlns:a16="http://schemas.microsoft.com/office/drawing/2014/main" val="10003"/>
+                    <a16:rowId xmlns:a16="http://schemas.microsoft.com/office/drawing/2014/main" xmlns="" val="10003"/>
                   </a:ext>
                 </a:extLst>
               </a:tr>
@@ -39105,7 +41450,7 @@
                 </a:tc>
                 <a:extLst>
                   <a:ext uri="{0D108BD9-81ED-4DB2-BD59-A6C34878D82A}">
-                    <a16:rowId xmlns="" xmlns:a16="http://schemas.microsoft.com/office/drawing/2014/main" val="10004"/>
+                    <a16:rowId xmlns:a16="http://schemas.microsoft.com/office/drawing/2014/main" xmlns="" val="10004"/>
                   </a:ext>
                 </a:extLst>
               </a:tr>
@@ -39151,7 +41496,7 @@
                 </a:tc>
                 <a:extLst>
                   <a:ext uri="{0D108BD9-81ED-4DB2-BD59-A6C34878D82A}">
-                    <a16:rowId xmlns="" xmlns:a16="http://schemas.microsoft.com/office/drawing/2014/main" val="10005"/>
+                    <a16:rowId xmlns:a16="http://schemas.microsoft.com/office/drawing/2014/main" xmlns="" val="10005"/>
                   </a:ext>
                 </a:extLst>
               </a:tr>
@@ -39164,7 +41509,7 @@
           <p:cNvPr id="3" name="직사각형 2">
             <a:extLst>
               <a:ext uri="{FF2B5EF4-FFF2-40B4-BE49-F238E27FC236}">
-                <a16:creationId xmlns="" xmlns:a16="http://schemas.microsoft.com/office/drawing/2014/main" id="{7C9E9366-B86C-4147-AAEA-0E8C98D7DA95}"/>
+                <a16:creationId xmlns:a16="http://schemas.microsoft.com/office/drawing/2014/main" xmlns="" id="{7C9E9366-B86C-4147-AAEA-0E8C98D7DA95}"/>
               </a:ext>
             </a:extLst>
           </p:cNvPr>
@@ -39216,7 +41561,7 @@
           <p:cNvPr id="7" name="직사각형 6">
             <a:extLst>
               <a:ext uri="{FF2B5EF4-FFF2-40B4-BE49-F238E27FC236}">
-                <a16:creationId xmlns="" xmlns:a16="http://schemas.microsoft.com/office/drawing/2014/main" id="{DA06AE45-F21F-4390-88D7-43E648964D4B}"/>
+                <a16:creationId xmlns:a16="http://schemas.microsoft.com/office/drawing/2014/main" xmlns="" id="{DA06AE45-F21F-4390-88D7-43E648964D4B}"/>
               </a:ext>
             </a:extLst>
           </p:cNvPr>
@@ -39280,7 +41625,7 @@
           <p:cNvPr id="15" name="직사각형 14">
             <a:extLst>
               <a:ext uri="{FF2B5EF4-FFF2-40B4-BE49-F238E27FC236}">
-                <a16:creationId xmlns="" xmlns:a16="http://schemas.microsoft.com/office/drawing/2014/main" id="{DA06AE45-F21F-4390-88D7-43E648964D4B}"/>
+                <a16:creationId xmlns:a16="http://schemas.microsoft.com/office/drawing/2014/main" xmlns="" id="{DA06AE45-F21F-4390-88D7-43E648964D4B}"/>
               </a:ext>
             </a:extLst>
           </p:cNvPr>
@@ -39378,7 +41723,7 @@
           <p:cNvPr id="20" name="직사각형 19">
             <a:extLst>
               <a:ext uri="{FF2B5EF4-FFF2-40B4-BE49-F238E27FC236}">
-                <a16:creationId xmlns="" xmlns:a16="http://schemas.microsoft.com/office/drawing/2014/main" id="{DA06AE45-F21F-4390-88D7-43E648964D4B}"/>
+                <a16:creationId xmlns:a16="http://schemas.microsoft.com/office/drawing/2014/main" xmlns="" id="{DA06AE45-F21F-4390-88D7-43E648964D4B}"/>
               </a:ext>
             </a:extLst>
           </p:cNvPr>
@@ -40504,7 +42849,7 @@
                 <a:gridCol w="2688299">
                   <a:extLst>
                     <a:ext uri="{9D8B030D-6E8A-4147-A177-3AD203B41FA5}">
-                      <a16:colId xmlns="" xmlns:a16="http://schemas.microsoft.com/office/drawing/2014/main" val="20000"/>
+                      <a16:colId xmlns:a16="http://schemas.microsoft.com/office/drawing/2014/main" xmlns="" val="20000"/>
                     </a:ext>
                   </a:extLst>
                 </a:gridCol>
@@ -40536,7 +42881,7 @@
                 </a:tc>
                 <a:extLst>
                   <a:ext uri="{0D108BD9-81ED-4DB2-BD59-A6C34878D82A}">
-                    <a16:rowId xmlns="" xmlns:a16="http://schemas.microsoft.com/office/drawing/2014/main" val="10000"/>
+                    <a16:rowId xmlns:a16="http://schemas.microsoft.com/office/drawing/2014/main" xmlns="" val="10000"/>
                   </a:ext>
                 </a:extLst>
               </a:tr>
@@ -40557,7 +42902,7 @@
                 </a:tc>
                 <a:extLst>
                   <a:ext uri="{0D108BD9-81ED-4DB2-BD59-A6C34878D82A}">
-                    <a16:rowId xmlns="" xmlns:a16="http://schemas.microsoft.com/office/drawing/2014/main" val="10001"/>
+                    <a16:rowId xmlns:a16="http://schemas.microsoft.com/office/drawing/2014/main" xmlns="" val="10001"/>
                   </a:ext>
                 </a:extLst>
               </a:tr>
@@ -40579,7 +42924,9 @@
           <a:prstGeom prst="rect">
             <a:avLst/>
           </a:prstGeom>
-          <a:noFill/>
+          <a:solidFill>
+            <a:schemeClr val="bg1"/>
+          </a:solidFill>
           <a:ln w="9525">
             <a:solidFill>
               <a:schemeClr val="tx1"/>
@@ -40639,14 +42986,14 @@
                 <a:gridCol w="280507">
                   <a:extLst>
                     <a:ext uri="{9D8B030D-6E8A-4147-A177-3AD203B41FA5}">
-                      <a16:colId xmlns="" xmlns:a16="http://schemas.microsoft.com/office/drawing/2014/main" val="20000"/>
+                      <a16:colId xmlns:a16="http://schemas.microsoft.com/office/drawing/2014/main" xmlns="" val="20000"/>
                     </a:ext>
                   </a:extLst>
                 </a:gridCol>
                 <a:gridCol w="2407792">
                   <a:extLst>
                     <a:ext uri="{9D8B030D-6E8A-4147-A177-3AD203B41FA5}">
-                      <a16:colId xmlns="" xmlns:a16="http://schemas.microsoft.com/office/drawing/2014/main" val="20001"/>
+                      <a16:colId xmlns:a16="http://schemas.microsoft.com/office/drawing/2014/main" xmlns="" val="20001"/>
                     </a:ext>
                   </a:extLst>
                 </a:gridCol>
@@ -40700,7 +43047,7 @@
                 </a:tc>
                 <a:extLst>
                   <a:ext uri="{0D108BD9-81ED-4DB2-BD59-A6C34878D82A}">
-                    <a16:rowId xmlns="" xmlns:a16="http://schemas.microsoft.com/office/drawing/2014/main" val="10000"/>
+                    <a16:rowId xmlns:a16="http://schemas.microsoft.com/office/drawing/2014/main" xmlns="" val="10000"/>
                   </a:ext>
                 </a:extLst>
               </a:tr>
@@ -40788,7 +43135,7 @@
                 </a:tc>
                 <a:extLst>
                   <a:ext uri="{0D108BD9-81ED-4DB2-BD59-A6C34878D82A}">
-                    <a16:rowId xmlns="" xmlns:a16="http://schemas.microsoft.com/office/drawing/2014/main" val="10001"/>
+                    <a16:rowId xmlns:a16="http://schemas.microsoft.com/office/drawing/2014/main" xmlns="" val="10001"/>
                   </a:ext>
                 </a:extLst>
               </a:tr>
@@ -40839,7 +43186,7 @@
                 </a:tc>
                 <a:extLst>
                   <a:ext uri="{0D108BD9-81ED-4DB2-BD59-A6C34878D82A}">
-                    <a16:rowId xmlns="" xmlns:a16="http://schemas.microsoft.com/office/drawing/2014/main" val="10002"/>
+                    <a16:rowId xmlns:a16="http://schemas.microsoft.com/office/drawing/2014/main" xmlns="" val="10002"/>
                   </a:ext>
                 </a:extLst>
               </a:tr>
@@ -40885,7 +43232,7 @@
                 </a:tc>
                 <a:extLst>
                   <a:ext uri="{0D108BD9-81ED-4DB2-BD59-A6C34878D82A}">
-                    <a16:rowId xmlns="" xmlns:a16="http://schemas.microsoft.com/office/drawing/2014/main" val="10003"/>
+                    <a16:rowId xmlns:a16="http://schemas.microsoft.com/office/drawing/2014/main" xmlns="" val="10003"/>
                   </a:ext>
                 </a:extLst>
               </a:tr>
@@ -40931,7 +43278,7 @@
                 </a:tc>
                 <a:extLst>
                   <a:ext uri="{0D108BD9-81ED-4DB2-BD59-A6C34878D82A}">
-                    <a16:rowId xmlns="" xmlns:a16="http://schemas.microsoft.com/office/drawing/2014/main" val="10004"/>
+                    <a16:rowId xmlns:a16="http://schemas.microsoft.com/office/drawing/2014/main" xmlns="" val="10004"/>
                   </a:ext>
                 </a:extLst>
               </a:tr>
@@ -40977,7 +43324,7 @@
                 </a:tc>
                 <a:extLst>
                   <a:ext uri="{0D108BD9-81ED-4DB2-BD59-A6C34878D82A}">
-                    <a16:rowId xmlns="" xmlns:a16="http://schemas.microsoft.com/office/drawing/2014/main" val="10005"/>
+                    <a16:rowId xmlns:a16="http://schemas.microsoft.com/office/drawing/2014/main" xmlns="" val="10005"/>
                   </a:ext>
                 </a:extLst>
               </a:tr>
@@ -40990,7 +43337,7 @@
           <p:cNvPr id="3" name="직사각형 2">
             <a:extLst>
               <a:ext uri="{FF2B5EF4-FFF2-40B4-BE49-F238E27FC236}">
-                <a16:creationId xmlns="" xmlns:a16="http://schemas.microsoft.com/office/drawing/2014/main" id="{7C9E9366-B86C-4147-AAEA-0E8C98D7DA95}"/>
+                <a16:creationId xmlns:a16="http://schemas.microsoft.com/office/drawing/2014/main" xmlns="" id="{7C9E9366-B86C-4147-AAEA-0E8C98D7DA95}"/>
               </a:ext>
             </a:extLst>
           </p:cNvPr>
@@ -41042,7 +43389,7 @@
           <p:cNvPr id="7" name="직사각형 6">
             <a:extLst>
               <a:ext uri="{FF2B5EF4-FFF2-40B4-BE49-F238E27FC236}">
-                <a16:creationId xmlns="" xmlns:a16="http://schemas.microsoft.com/office/drawing/2014/main" id="{DA06AE45-F21F-4390-88D7-43E648964D4B}"/>
+                <a16:creationId xmlns:a16="http://schemas.microsoft.com/office/drawing/2014/main" xmlns="" id="{DA06AE45-F21F-4390-88D7-43E648964D4B}"/>
               </a:ext>
             </a:extLst>
           </p:cNvPr>
@@ -41148,7 +43495,7 @@
           <p:cNvPr id="20" name="직사각형 19">
             <a:extLst>
               <a:ext uri="{FF2B5EF4-FFF2-40B4-BE49-F238E27FC236}">
-                <a16:creationId xmlns="" xmlns:a16="http://schemas.microsoft.com/office/drawing/2014/main" id="{DA06AE45-F21F-4390-88D7-43E648964D4B}"/>
+                <a16:creationId xmlns:a16="http://schemas.microsoft.com/office/drawing/2014/main" xmlns="" id="{DA06AE45-F21F-4390-88D7-43E648964D4B}"/>
               </a:ext>
             </a:extLst>
           </p:cNvPr>
@@ -42236,7 +44583,7 @@
                 <a:gridCol w="2688299">
                   <a:extLst>
                     <a:ext uri="{9D8B030D-6E8A-4147-A177-3AD203B41FA5}">
-                      <a16:colId xmlns="" xmlns:a16="http://schemas.microsoft.com/office/drawing/2014/main" val="20000"/>
+                      <a16:colId xmlns:a16="http://schemas.microsoft.com/office/drawing/2014/main" xmlns="" val="20000"/>
                     </a:ext>
                   </a:extLst>
                 </a:gridCol>
@@ -42268,7 +44615,7 @@
                 </a:tc>
                 <a:extLst>
                   <a:ext uri="{0D108BD9-81ED-4DB2-BD59-A6C34878D82A}">
-                    <a16:rowId xmlns="" xmlns:a16="http://schemas.microsoft.com/office/drawing/2014/main" val="10000"/>
+                    <a16:rowId xmlns:a16="http://schemas.microsoft.com/office/drawing/2014/main" xmlns="" val="10000"/>
                   </a:ext>
                 </a:extLst>
               </a:tr>
@@ -42289,7 +44636,7 @@
                 </a:tc>
                 <a:extLst>
                   <a:ext uri="{0D108BD9-81ED-4DB2-BD59-A6C34878D82A}">
-                    <a16:rowId xmlns="" xmlns:a16="http://schemas.microsoft.com/office/drawing/2014/main" val="10001"/>
+                    <a16:rowId xmlns:a16="http://schemas.microsoft.com/office/drawing/2014/main" xmlns="" val="10001"/>
                   </a:ext>
                 </a:extLst>
               </a:tr>
@@ -42311,7 +44658,9 @@
           <a:prstGeom prst="rect">
             <a:avLst/>
           </a:prstGeom>
-          <a:noFill/>
+          <a:solidFill>
+            <a:schemeClr val="bg1"/>
+          </a:solidFill>
           <a:ln w="9525">
             <a:solidFill>
               <a:schemeClr val="tx1"/>
@@ -42371,14 +44720,14 @@
                 <a:gridCol w="280507">
                   <a:extLst>
                     <a:ext uri="{9D8B030D-6E8A-4147-A177-3AD203B41FA5}">
-                      <a16:colId xmlns="" xmlns:a16="http://schemas.microsoft.com/office/drawing/2014/main" val="20000"/>
+                      <a16:colId xmlns:a16="http://schemas.microsoft.com/office/drawing/2014/main" xmlns="" val="20000"/>
                     </a:ext>
                   </a:extLst>
                 </a:gridCol>
                 <a:gridCol w="2407792">
                   <a:extLst>
                     <a:ext uri="{9D8B030D-6E8A-4147-A177-3AD203B41FA5}">
-                      <a16:colId xmlns="" xmlns:a16="http://schemas.microsoft.com/office/drawing/2014/main" val="20001"/>
+                      <a16:colId xmlns:a16="http://schemas.microsoft.com/office/drawing/2014/main" xmlns="" val="20001"/>
                     </a:ext>
                   </a:extLst>
                 </a:gridCol>
@@ -42432,7 +44781,7 @@
                 </a:tc>
                 <a:extLst>
                   <a:ext uri="{0D108BD9-81ED-4DB2-BD59-A6C34878D82A}">
-                    <a16:rowId xmlns="" xmlns:a16="http://schemas.microsoft.com/office/drawing/2014/main" val="10000"/>
+                    <a16:rowId xmlns:a16="http://schemas.microsoft.com/office/drawing/2014/main" xmlns="" val="10000"/>
                   </a:ext>
                 </a:extLst>
               </a:tr>
@@ -42534,7 +44883,7 @@
                 </a:tc>
                 <a:extLst>
                   <a:ext uri="{0D108BD9-81ED-4DB2-BD59-A6C34878D82A}">
-                    <a16:rowId xmlns="" xmlns:a16="http://schemas.microsoft.com/office/drawing/2014/main" val="10001"/>
+                    <a16:rowId xmlns:a16="http://schemas.microsoft.com/office/drawing/2014/main" xmlns="" val="10001"/>
                   </a:ext>
                 </a:extLst>
               </a:tr>
@@ -42585,7 +44934,7 @@
                 </a:tc>
                 <a:extLst>
                   <a:ext uri="{0D108BD9-81ED-4DB2-BD59-A6C34878D82A}">
-                    <a16:rowId xmlns="" xmlns:a16="http://schemas.microsoft.com/office/drawing/2014/main" val="10002"/>
+                    <a16:rowId xmlns:a16="http://schemas.microsoft.com/office/drawing/2014/main" xmlns="" val="10002"/>
                   </a:ext>
                 </a:extLst>
               </a:tr>
@@ -42631,7 +44980,7 @@
                 </a:tc>
                 <a:extLst>
                   <a:ext uri="{0D108BD9-81ED-4DB2-BD59-A6C34878D82A}">
-                    <a16:rowId xmlns="" xmlns:a16="http://schemas.microsoft.com/office/drawing/2014/main" val="10003"/>
+                    <a16:rowId xmlns:a16="http://schemas.microsoft.com/office/drawing/2014/main" xmlns="" val="10003"/>
                   </a:ext>
                 </a:extLst>
               </a:tr>
@@ -42677,7 +45026,7 @@
                 </a:tc>
                 <a:extLst>
                   <a:ext uri="{0D108BD9-81ED-4DB2-BD59-A6C34878D82A}">
-                    <a16:rowId xmlns="" xmlns:a16="http://schemas.microsoft.com/office/drawing/2014/main" val="10004"/>
+                    <a16:rowId xmlns:a16="http://schemas.microsoft.com/office/drawing/2014/main" xmlns="" val="10004"/>
                   </a:ext>
                 </a:extLst>
               </a:tr>
@@ -42723,7 +45072,7 @@
                 </a:tc>
                 <a:extLst>
                   <a:ext uri="{0D108BD9-81ED-4DB2-BD59-A6C34878D82A}">
-                    <a16:rowId xmlns="" xmlns:a16="http://schemas.microsoft.com/office/drawing/2014/main" val="10005"/>
+                    <a16:rowId xmlns:a16="http://schemas.microsoft.com/office/drawing/2014/main" xmlns="" val="10005"/>
                   </a:ext>
                 </a:extLst>
               </a:tr>
@@ -42736,7 +45085,7 @@
           <p:cNvPr id="3" name="직사각형 2">
             <a:extLst>
               <a:ext uri="{FF2B5EF4-FFF2-40B4-BE49-F238E27FC236}">
-                <a16:creationId xmlns="" xmlns:a16="http://schemas.microsoft.com/office/drawing/2014/main" id="{7C9E9366-B86C-4147-AAEA-0E8C98D7DA95}"/>
+                <a16:creationId xmlns:a16="http://schemas.microsoft.com/office/drawing/2014/main" xmlns="" id="{7C9E9366-B86C-4147-AAEA-0E8C98D7DA95}"/>
               </a:ext>
             </a:extLst>
           </p:cNvPr>
@@ -42788,7 +45137,7 @@
           <p:cNvPr id="7" name="직사각형 6">
             <a:extLst>
               <a:ext uri="{FF2B5EF4-FFF2-40B4-BE49-F238E27FC236}">
-                <a16:creationId xmlns="" xmlns:a16="http://schemas.microsoft.com/office/drawing/2014/main" id="{DA06AE45-F21F-4390-88D7-43E648964D4B}"/>
+                <a16:creationId xmlns:a16="http://schemas.microsoft.com/office/drawing/2014/main" xmlns="" id="{DA06AE45-F21F-4390-88D7-43E648964D4B}"/>
               </a:ext>
             </a:extLst>
           </p:cNvPr>
@@ -42910,7 +45259,7 @@
           <p:cNvPr id="20" name="직사각형 19">
             <a:extLst>
               <a:ext uri="{FF2B5EF4-FFF2-40B4-BE49-F238E27FC236}">
-                <a16:creationId xmlns="" xmlns:a16="http://schemas.microsoft.com/office/drawing/2014/main" id="{DA06AE45-F21F-4390-88D7-43E648964D4B}"/>
+                <a16:creationId xmlns:a16="http://schemas.microsoft.com/office/drawing/2014/main" xmlns="" id="{DA06AE45-F21F-4390-88D7-43E648964D4B}"/>
               </a:ext>
             </a:extLst>
           </p:cNvPr>
@@ -43958,7 +46307,7 @@
                 <a:gridCol w="2688299">
                   <a:extLst>
                     <a:ext uri="{9D8B030D-6E8A-4147-A177-3AD203B41FA5}">
-                      <a16:colId xmlns="" xmlns:a16="http://schemas.microsoft.com/office/drawing/2014/main" val="20000"/>
+                      <a16:colId xmlns:a16="http://schemas.microsoft.com/office/drawing/2014/main" xmlns="" val="20000"/>
                     </a:ext>
                   </a:extLst>
                 </a:gridCol>
@@ -43990,7 +46339,7 @@
                 </a:tc>
                 <a:extLst>
                   <a:ext uri="{0D108BD9-81ED-4DB2-BD59-A6C34878D82A}">
-                    <a16:rowId xmlns="" xmlns:a16="http://schemas.microsoft.com/office/drawing/2014/main" val="10000"/>
+                    <a16:rowId xmlns:a16="http://schemas.microsoft.com/office/drawing/2014/main" xmlns="" val="10000"/>
                   </a:ext>
                 </a:extLst>
               </a:tr>
@@ -44011,7 +46360,7 @@
                 </a:tc>
                 <a:extLst>
                   <a:ext uri="{0D108BD9-81ED-4DB2-BD59-A6C34878D82A}">
-                    <a16:rowId xmlns="" xmlns:a16="http://schemas.microsoft.com/office/drawing/2014/main" val="10001"/>
+                    <a16:rowId xmlns:a16="http://schemas.microsoft.com/office/drawing/2014/main" xmlns="" val="10001"/>
                   </a:ext>
                 </a:extLst>
               </a:tr>
@@ -44033,7 +46382,9 @@
           <a:prstGeom prst="rect">
             <a:avLst/>
           </a:prstGeom>
-          <a:noFill/>
+          <a:solidFill>
+            <a:schemeClr val="bg1"/>
+          </a:solidFill>
           <a:ln w="9525">
             <a:solidFill>
               <a:schemeClr val="tx1"/>
@@ -44093,14 +46444,14 @@
                 <a:gridCol w="280507">
                   <a:extLst>
                     <a:ext uri="{9D8B030D-6E8A-4147-A177-3AD203B41FA5}">
-                      <a16:colId xmlns="" xmlns:a16="http://schemas.microsoft.com/office/drawing/2014/main" val="20000"/>
+                      <a16:colId xmlns:a16="http://schemas.microsoft.com/office/drawing/2014/main" xmlns="" val="20000"/>
                     </a:ext>
                   </a:extLst>
                 </a:gridCol>
                 <a:gridCol w="2407792">
                   <a:extLst>
                     <a:ext uri="{9D8B030D-6E8A-4147-A177-3AD203B41FA5}">
-                      <a16:colId xmlns="" xmlns:a16="http://schemas.microsoft.com/office/drawing/2014/main" val="20001"/>
+                      <a16:colId xmlns:a16="http://schemas.microsoft.com/office/drawing/2014/main" xmlns="" val="20001"/>
                     </a:ext>
                   </a:extLst>
                 </a:gridCol>
@@ -44154,7 +46505,7 @@
                 </a:tc>
                 <a:extLst>
                   <a:ext uri="{0D108BD9-81ED-4DB2-BD59-A6C34878D82A}">
-                    <a16:rowId xmlns="" xmlns:a16="http://schemas.microsoft.com/office/drawing/2014/main" val="10000"/>
+                    <a16:rowId xmlns:a16="http://schemas.microsoft.com/office/drawing/2014/main" xmlns="" val="10000"/>
                   </a:ext>
                 </a:extLst>
               </a:tr>
@@ -44273,7 +46624,7 @@
                 </a:tc>
                 <a:extLst>
                   <a:ext uri="{0D108BD9-81ED-4DB2-BD59-A6C34878D82A}">
-                    <a16:rowId xmlns="" xmlns:a16="http://schemas.microsoft.com/office/drawing/2014/main" val="10001"/>
+                    <a16:rowId xmlns:a16="http://schemas.microsoft.com/office/drawing/2014/main" xmlns="" val="10001"/>
                   </a:ext>
                 </a:extLst>
               </a:tr>
@@ -44397,7 +46748,7 @@
                 </a:tc>
                 <a:extLst>
                   <a:ext uri="{0D108BD9-81ED-4DB2-BD59-A6C34878D82A}">
-                    <a16:rowId xmlns="" xmlns:a16="http://schemas.microsoft.com/office/drawing/2014/main" val="10002"/>
+                    <a16:rowId xmlns:a16="http://schemas.microsoft.com/office/drawing/2014/main" xmlns="" val="10002"/>
                   </a:ext>
                 </a:extLst>
               </a:tr>
@@ -44553,7 +46904,7 @@
                 </a:tc>
                 <a:extLst>
                   <a:ext uri="{0D108BD9-81ED-4DB2-BD59-A6C34878D82A}">
-                    <a16:rowId xmlns="" xmlns:a16="http://schemas.microsoft.com/office/drawing/2014/main" val="10003"/>
+                    <a16:rowId xmlns:a16="http://schemas.microsoft.com/office/drawing/2014/main" xmlns="" val="10003"/>
                   </a:ext>
                 </a:extLst>
               </a:tr>
@@ -44599,7 +46950,7 @@
                 </a:tc>
                 <a:extLst>
                   <a:ext uri="{0D108BD9-81ED-4DB2-BD59-A6C34878D82A}">
-                    <a16:rowId xmlns="" xmlns:a16="http://schemas.microsoft.com/office/drawing/2014/main" val="10004"/>
+                    <a16:rowId xmlns:a16="http://schemas.microsoft.com/office/drawing/2014/main" xmlns="" val="10004"/>
                   </a:ext>
                 </a:extLst>
               </a:tr>
@@ -44645,7 +46996,7 @@
                 </a:tc>
                 <a:extLst>
                   <a:ext uri="{0D108BD9-81ED-4DB2-BD59-A6C34878D82A}">
-                    <a16:rowId xmlns="" xmlns:a16="http://schemas.microsoft.com/office/drawing/2014/main" val="10005"/>
+                    <a16:rowId xmlns:a16="http://schemas.microsoft.com/office/drawing/2014/main" xmlns="" val="10005"/>
                   </a:ext>
                 </a:extLst>
               </a:tr>
@@ -46132,7 +48483,7 @@
                 <a:gridCol w="2688299">
                   <a:extLst>
                     <a:ext uri="{9D8B030D-6E8A-4147-A177-3AD203B41FA5}">
-                      <a16:colId xmlns="" xmlns:a16="http://schemas.microsoft.com/office/drawing/2014/main" val="20000"/>
+                      <a16:colId xmlns:a16="http://schemas.microsoft.com/office/drawing/2014/main" xmlns="" val="20000"/>
                     </a:ext>
                   </a:extLst>
                 </a:gridCol>
@@ -46164,7 +48515,7 @@
                 </a:tc>
                 <a:extLst>
                   <a:ext uri="{0D108BD9-81ED-4DB2-BD59-A6C34878D82A}">
-                    <a16:rowId xmlns="" xmlns:a16="http://schemas.microsoft.com/office/drawing/2014/main" val="10000"/>
+                    <a16:rowId xmlns:a16="http://schemas.microsoft.com/office/drawing/2014/main" xmlns="" val="10000"/>
                   </a:ext>
                 </a:extLst>
               </a:tr>
@@ -46185,7 +48536,7 @@
                 </a:tc>
                 <a:extLst>
                   <a:ext uri="{0D108BD9-81ED-4DB2-BD59-A6C34878D82A}">
-                    <a16:rowId xmlns="" xmlns:a16="http://schemas.microsoft.com/office/drawing/2014/main" val="10001"/>
+                    <a16:rowId xmlns:a16="http://schemas.microsoft.com/office/drawing/2014/main" xmlns="" val="10001"/>
                   </a:ext>
                 </a:extLst>
               </a:tr>
@@ -46207,7 +48558,9 @@
           <a:prstGeom prst="rect">
             <a:avLst/>
           </a:prstGeom>
-          <a:noFill/>
+          <a:solidFill>
+            <a:schemeClr val="bg1"/>
+          </a:solidFill>
           <a:ln w="9525">
             <a:solidFill>
               <a:schemeClr val="tx1"/>
@@ -46267,14 +48620,14 @@
                 <a:gridCol w="280507">
                   <a:extLst>
                     <a:ext uri="{9D8B030D-6E8A-4147-A177-3AD203B41FA5}">
-                      <a16:colId xmlns="" xmlns:a16="http://schemas.microsoft.com/office/drawing/2014/main" val="20000"/>
+                      <a16:colId xmlns:a16="http://schemas.microsoft.com/office/drawing/2014/main" xmlns="" val="20000"/>
                     </a:ext>
                   </a:extLst>
                 </a:gridCol>
                 <a:gridCol w="2407792">
                   <a:extLst>
                     <a:ext uri="{9D8B030D-6E8A-4147-A177-3AD203B41FA5}">
-                      <a16:colId xmlns="" xmlns:a16="http://schemas.microsoft.com/office/drawing/2014/main" val="20001"/>
+                      <a16:colId xmlns:a16="http://schemas.microsoft.com/office/drawing/2014/main" xmlns="" val="20001"/>
                     </a:ext>
                   </a:extLst>
                 </a:gridCol>
@@ -46328,7 +48681,7 @@
                 </a:tc>
                 <a:extLst>
                   <a:ext uri="{0D108BD9-81ED-4DB2-BD59-A6C34878D82A}">
-                    <a16:rowId xmlns="" xmlns:a16="http://schemas.microsoft.com/office/drawing/2014/main" val="10000"/>
+                    <a16:rowId xmlns:a16="http://schemas.microsoft.com/office/drawing/2014/main" xmlns="" val="10000"/>
                   </a:ext>
                 </a:extLst>
               </a:tr>
@@ -46447,7 +48800,7 @@
                 </a:tc>
                 <a:extLst>
                   <a:ext uri="{0D108BD9-81ED-4DB2-BD59-A6C34878D82A}">
-                    <a16:rowId xmlns="" xmlns:a16="http://schemas.microsoft.com/office/drawing/2014/main" val="10001"/>
+                    <a16:rowId xmlns:a16="http://schemas.microsoft.com/office/drawing/2014/main" xmlns="" val="10001"/>
                   </a:ext>
                 </a:extLst>
               </a:tr>
@@ -46571,7 +48924,7 @@
                 </a:tc>
                 <a:extLst>
                   <a:ext uri="{0D108BD9-81ED-4DB2-BD59-A6C34878D82A}">
-                    <a16:rowId xmlns="" xmlns:a16="http://schemas.microsoft.com/office/drawing/2014/main" val="10002"/>
+                    <a16:rowId xmlns:a16="http://schemas.microsoft.com/office/drawing/2014/main" xmlns="" val="10002"/>
                   </a:ext>
                 </a:extLst>
               </a:tr>
@@ -46704,7 +49057,7 @@
                 </a:tc>
                 <a:extLst>
                   <a:ext uri="{0D108BD9-81ED-4DB2-BD59-A6C34878D82A}">
-                    <a16:rowId xmlns="" xmlns:a16="http://schemas.microsoft.com/office/drawing/2014/main" val="10003"/>
+                    <a16:rowId xmlns:a16="http://schemas.microsoft.com/office/drawing/2014/main" xmlns="" val="10003"/>
                   </a:ext>
                 </a:extLst>
               </a:tr>
@@ -46750,7 +49103,7 @@
                 </a:tc>
                 <a:extLst>
                   <a:ext uri="{0D108BD9-81ED-4DB2-BD59-A6C34878D82A}">
-                    <a16:rowId xmlns="" xmlns:a16="http://schemas.microsoft.com/office/drawing/2014/main" val="10004"/>
+                    <a16:rowId xmlns:a16="http://schemas.microsoft.com/office/drawing/2014/main" xmlns="" val="10004"/>
                   </a:ext>
                 </a:extLst>
               </a:tr>
@@ -46796,7 +49149,7 @@
                 </a:tc>
                 <a:extLst>
                   <a:ext uri="{0D108BD9-81ED-4DB2-BD59-A6C34878D82A}">
-                    <a16:rowId xmlns="" xmlns:a16="http://schemas.microsoft.com/office/drawing/2014/main" val="10005"/>
+                    <a16:rowId xmlns:a16="http://schemas.microsoft.com/office/drawing/2014/main" xmlns="" val="10005"/>
                   </a:ext>
                 </a:extLst>
               </a:tr>
@@ -48542,7 +50895,7 @@
                 <a:gridCol w="2688299">
                   <a:extLst>
                     <a:ext uri="{9D8B030D-6E8A-4147-A177-3AD203B41FA5}">
-                      <a16:colId xmlns="" xmlns:a16="http://schemas.microsoft.com/office/drawing/2014/main" val="20000"/>
+                      <a16:colId xmlns:a16="http://schemas.microsoft.com/office/drawing/2014/main" xmlns="" val="20000"/>
                     </a:ext>
                   </a:extLst>
                 </a:gridCol>
@@ -48574,7 +50927,7 @@
                 </a:tc>
                 <a:extLst>
                   <a:ext uri="{0D108BD9-81ED-4DB2-BD59-A6C34878D82A}">
-                    <a16:rowId xmlns="" xmlns:a16="http://schemas.microsoft.com/office/drawing/2014/main" val="10000"/>
+                    <a16:rowId xmlns:a16="http://schemas.microsoft.com/office/drawing/2014/main" xmlns="" val="10000"/>
                   </a:ext>
                 </a:extLst>
               </a:tr>
@@ -48595,7 +50948,7 @@
                 </a:tc>
                 <a:extLst>
                   <a:ext uri="{0D108BD9-81ED-4DB2-BD59-A6C34878D82A}">
-                    <a16:rowId xmlns="" xmlns:a16="http://schemas.microsoft.com/office/drawing/2014/main" val="10001"/>
+                    <a16:rowId xmlns:a16="http://schemas.microsoft.com/office/drawing/2014/main" xmlns="" val="10001"/>
                   </a:ext>
                 </a:extLst>
               </a:tr>
@@ -48617,7 +50970,9 @@
           <a:prstGeom prst="rect">
             <a:avLst/>
           </a:prstGeom>
-          <a:noFill/>
+          <a:solidFill>
+            <a:schemeClr val="bg1"/>
+          </a:solidFill>
           <a:ln w="9525">
             <a:solidFill>
               <a:schemeClr val="tx1"/>
@@ -48677,14 +51032,14 @@
                 <a:gridCol w="280507">
                   <a:extLst>
                     <a:ext uri="{9D8B030D-6E8A-4147-A177-3AD203B41FA5}">
-                      <a16:colId xmlns="" xmlns:a16="http://schemas.microsoft.com/office/drawing/2014/main" val="20000"/>
+                      <a16:colId xmlns:a16="http://schemas.microsoft.com/office/drawing/2014/main" xmlns="" val="20000"/>
                     </a:ext>
                   </a:extLst>
                 </a:gridCol>
                 <a:gridCol w="2407792">
                   <a:extLst>
                     <a:ext uri="{9D8B030D-6E8A-4147-A177-3AD203B41FA5}">
-                      <a16:colId xmlns="" xmlns:a16="http://schemas.microsoft.com/office/drawing/2014/main" val="20001"/>
+                      <a16:colId xmlns:a16="http://schemas.microsoft.com/office/drawing/2014/main" xmlns="" val="20001"/>
                     </a:ext>
                   </a:extLst>
                 </a:gridCol>
@@ -48738,7 +51093,7 @@
                 </a:tc>
                 <a:extLst>
                   <a:ext uri="{0D108BD9-81ED-4DB2-BD59-A6C34878D82A}">
-                    <a16:rowId xmlns="" xmlns:a16="http://schemas.microsoft.com/office/drawing/2014/main" val="10000"/>
+                    <a16:rowId xmlns:a16="http://schemas.microsoft.com/office/drawing/2014/main" xmlns="" val="10000"/>
                   </a:ext>
                 </a:extLst>
               </a:tr>
@@ -48857,7 +51212,7 @@
                 </a:tc>
                 <a:extLst>
                   <a:ext uri="{0D108BD9-81ED-4DB2-BD59-A6C34878D82A}">
-                    <a16:rowId xmlns="" xmlns:a16="http://schemas.microsoft.com/office/drawing/2014/main" val="10001"/>
+                    <a16:rowId xmlns:a16="http://schemas.microsoft.com/office/drawing/2014/main" xmlns="" val="10001"/>
                   </a:ext>
                 </a:extLst>
               </a:tr>
@@ -48981,7 +51336,7 @@
                 </a:tc>
                 <a:extLst>
                   <a:ext uri="{0D108BD9-81ED-4DB2-BD59-A6C34878D82A}">
-                    <a16:rowId xmlns="" xmlns:a16="http://schemas.microsoft.com/office/drawing/2014/main" val="10002"/>
+                    <a16:rowId xmlns:a16="http://schemas.microsoft.com/office/drawing/2014/main" xmlns="" val="10002"/>
                   </a:ext>
                 </a:extLst>
               </a:tr>
@@ -49229,7 +51584,7 @@
                 </a:tc>
                 <a:extLst>
                   <a:ext uri="{0D108BD9-81ED-4DB2-BD59-A6C34878D82A}">
-                    <a16:rowId xmlns="" xmlns:a16="http://schemas.microsoft.com/office/drawing/2014/main" val="10003"/>
+                    <a16:rowId xmlns:a16="http://schemas.microsoft.com/office/drawing/2014/main" xmlns="" val="10003"/>
                   </a:ext>
                 </a:extLst>
               </a:tr>
@@ -49275,7 +51630,7 @@
                 </a:tc>
                 <a:extLst>
                   <a:ext uri="{0D108BD9-81ED-4DB2-BD59-A6C34878D82A}">
-                    <a16:rowId xmlns="" xmlns:a16="http://schemas.microsoft.com/office/drawing/2014/main" val="10004"/>
+                    <a16:rowId xmlns:a16="http://schemas.microsoft.com/office/drawing/2014/main" xmlns="" val="10004"/>
                   </a:ext>
                 </a:extLst>
               </a:tr>
@@ -49321,7 +51676,7 @@
                 </a:tc>
                 <a:extLst>
                   <a:ext uri="{0D108BD9-81ED-4DB2-BD59-A6C34878D82A}">
-                    <a16:rowId xmlns="" xmlns:a16="http://schemas.microsoft.com/office/drawing/2014/main" val="10005"/>
+                    <a16:rowId xmlns:a16="http://schemas.microsoft.com/office/drawing/2014/main" xmlns="" val="10005"/>
                   </a:ext>
                 </a:extLst>
               </a:tr>

--- a/0 발표용 파워포인트/project06 - 파워포인트 종합 - 형준.pptx
+++ b/0 발표용 파워포인트/project06 - 파워포인트 종합 - 형준.pptx
@@ -245,7 +245,7 @@
             <a:fld id="{EFE7F2A0-C7D9-4DBD-AE3B-C1A712DCE501}" type="datetimeFigureOut">
               <a:rPr lang="ko-KR" altLang="en-US" smtClean="0"/>
               <a:pPr/>
-              <a:t>2020-06-04</a:t>
+              <a:t>2020-06-05</a:t>
             </a:fld>
             <a:endParaRPr lang="ko-KR" altLang="en-US"/>
           </a:p>
@@ -643,7 +643,7 @@
             <a:fld id="{272C3D53-FEDF-49EC-8F65-FFFC138B637E}" type="datetimeFigureOut">
               <a:rPr lang="ko-KR" altLang="en-US" smtClean="0"/>
               <a:pPr/>
-              <a:t>2020-06-04</a:t>
+              <a:t>2020-06-05</a:t>
             </a:fld>
             <a:endParaRPr lang="ko-KR" altLang="en-US"/>
           </a:p>
@@ -813,7 +813,7 @@
             <a:fld id="{272C3D53-FEDF-49EC-8F65-FFFC138B637E}" type="datetimeFigureOut">
               <a:rPr lang="ko-KR" altLang="en-US" smtClean="0"/>
               <a:pPr/>
-              <a:t>2020-06-04</a:t>
+              <a:t>2020-06-05</a:t>
             </a:fld>
             <a:endParaRPr lang="ko-KR" altLang="en-US"/>
           </a:p>
@@ -993,7 +993,7 @@
             <a:fld id="{272C3D53-FEDF-49EC-8F65-FFFC138B637E}" type="datetimeFigureOut">
               <a:rPr lang="ko-KR" altLang="en-US" smtClean="0"/>
               <a:pPr/>
-              <a:t>2020-06-04</a:t>
+              <a:t>2020-06-05</a:t>
             </a:fld>
             <a:endParaRPr lang="ko-KR" altLang="en-US"/>
           </a:p>
@@ -1163,7 +1163,7 @@
             <a:fld id="{272C3D53-FEDF-49EC-8F65-FFFC138B637E}" type="datetimeFigureOut">
               <a:rPr lang="ko-KR" altLang="en-US" smtClean="0"/>
               <a:pPr/>
-              <a:t>2020-06-04</a:t>
+              <a:t>2020-06-05</a:t>
             </a:fld>
             <a:endParaRPr lang="ko-KR" altLang="en-US"/>
           </a:p>
@@ -1410,7 +1410,7 @@
             <a:fld id="{272C3D53-FEDF-49EC-8F65-FFFC138B637E}" type="datetimeFigureOut">
               <a:rPr lang="ko-KR" altLang="en-US" smtClean="0"/>
               <a:pPr/>
-              <a:t>2020-06-04</a:t>
+              <a:t>2020-06-05</a:t>
             </a:fld>
             <a:endParaRPr lang="ko-KR" altLang="en-US"/>
           </a:p>
@@ -1641,7 +1641,7 @@
             <a:fld id="{272C3D53-FEDF-49EC-8F65-FFFC138B637E}" type="datetimeFigureOut">
               <a:rPr lang="ko-KR" altLang="en-US" smtClean="0"/>
               <a:pPr/>
-              <a:t>2020-06-04</a:t>
+              <a:t>2020-06-05</a:t>
             </a:fld>
             <a:endParaRPr lang="ko-KR" altLang="en-US"/>
           </a:p>
@@ -2007,7 +2007,7 @@
             <a:fld id="{272C3D53-FEDF-49EC-8F65-FFFC138B637E}" type="datetimeFigureOut">
               <a:rPr lang="ko-KR" altLang="en-US" smtClean="0"/>
               <a:pPr/>
-              <a:t>2020-06-04</a:t>
+              <a:t>2020-06-05</a:t>
             </a:fld>
             <a:endParaRPr lang="ko-KR" altLang="en-US"/>
           </a:p>
@@ -2126,7 +2126,7 @@
             <a:fld id="{272C3D53-FEDF-49EC-8F65-FFFC138B637E}" type="datetimeFigureOut">
               <a:rPr lang="ko-KR" altLang="en-US" smtClean="0"/>
               <a:pPr/>
-              <a:t>2020-06-04</a:t>
+              <a:t>2020-06-05</a:t>
             </a:fld>
             <a:endParaRPr lang="ko-KR" altLang="en-US"/>
           </a:p>
@@ -2223,7 +2223,7 @@
             <a:fld id="{272C3D53-FEDF-49EC-8F65-FFFC138B637E}" type="datetimeFigureOut">
               <a:rPr lang="ko-KR" altLang="en-US" smtClean="0"/>
               <a:pPr/>
-              <a:t>2020-06-04</a:t>
+              <a:t>2020-06-05</a:t>
             </a:fld>
             <a:endParaRPr lang="ko-KR" altLang="en-US"/>
           </a:p>
@@ -2500,7 +2500,7 @@
             <a:fld id="{272C3D53-FEDF-49EC-8F65-FFFC138B637E}" type="datetimeFigureOut">
               <a:rPr lang="ko-KR" altLang="en-US" smtClean="0"/>
               <a:pPr/>
-              <a:t>2020-06-04</a:t>
+              <a:t>2020-06-05</a:t>
             </a:fld>
             <a:endParaRPr lang="ko-KR" altLang="en-US"/>
           </a:p>
@@ -2754,7 +2754,7 @@
             <a:fld id="{272C3D53-FEDF-49EC-8F65-FFFC138B637E}" type="datetimeFigureOut">
               <a:rPr lang="ko-KR" altLang="en-US" smtClean="0"/>
               <a:pPr/>
-              <a:t>2020-06-04</a:t>
+              <a:t>2020-06-05</a:t>
             </a:fld>
             <a:endParaRPr lang="ko-KR" altLang="en-US"/>
           </a:p>
@@ -2970,7 +2970,7 @@
             <a:fld id="{272C3D53-FEDF-49EC-8F65-FFFC138B637E}" type="datetimeFigureOut">
               <a:rPr lang="ko-KR" altLang="en-US" smtClean="0"/>
               <a:pPr/>
-              <a:t>2020-06-04</a:t>
+              <a:t>2020-06-05</a:t>
             </a:fld>
             <a:endParaRPr lang="ko-KR" altLang="en-US"/>
           </a:p>
@@ -4215,7 +4215,7 @@
                 <a:gridCol w="6714727">
                   <a:extLst>
                     <a:ext uri="{9D8B030D-6E8A-4147-A177-3AD203B41FA5}">
-                      <a16:colId xmlns:a16="http://schemas.microsoft.com/office/drawing/2014/main" val="20000"/>
+                      <a16:colId xmlns:a16="http://schemas.microsoft.com/office/drawing/2014/main" xmlns="" val="20000"/>
                     </a:ext>
                   </a:extLst>
                 </a:gridCol>
@@ -4247,7 +4247,7 @@
                 </a:tc>
                 <a:extLst>
                   <a:ext uri="{0D108BD9-81ED-4DB2-BD59-A6C34878D82A}">
-                    <a16:rowId xmlns:a16="http://schemas.microsoft.com/office/drawing/2014/main" val="10000"/>
+                    <a16:rowId xmlns:a16="http://schemas.microsoft.com/office/drawing/2014/main" xmlns="" val="10000"/>
                   </a:ext>
                 </a:extLst>
               </a:tr>
@@ -4271,7 +4271,7 @@
                 </a:tc>
                 <a:extLst>
                   <a:ext uri="{0D108BD9-81ED-4DB2-BD59-A6C34878D82A}">
-                    <a16:rowId xmlns:a16="http://schemas.microsoft.com/office/drawing/2014/main" val="10001"/>
+                    <a16:rowId xmlns:a16="http://schemas.microsoft.com/office/drawing/2014/main" xmlns="" val="10001"/>
                   </a:ext>
                 </a:extLst>
               </a:tr>
@@ -5102,7 +5102,7 @@
                 <a:gridCol w="2688299">
                   <a:extLst>
                     <a:ext uri="{9D8B030D-6E8A-4147-A177-3AD203B41FA5}">
-                      <a16:colId xmlns:a16="http://schemas.microsoft.com/office/drawing/2014/main" val="20000"/>
+                      <a16:colId xmlns:a16="http://schemas.microsoft.com/office/drawing/2014/main" xmlns="" val="20000"/>
                     </a:ext>
                   </a:extLst>
                 </a:gridCol>
@@ -5134,7 +5134,7 @@
                 </a:tc>
                 <a:extLst>
                   <a:ext uri="{0D108BD9-81ED-4DB2-BD59-A6C34878D82A}">
-                    <a16:rowId xmlns:a16="http://schemas.microsoft.com/office/drawing/2014/main" val="10000"/>
+                    <a16:rowId xmlns:a16="http://schemas.microsoft.com/office/drawing/2014/main" xmlns="" val="10000"/>
                   </a:ext>
                 </a:extLst>
               </a:tr>
@@ -5162,7 +5162,7 @@
                 </a:tc>
                 <a:extLst>
                   <a:ext uri="{0D108BD9-81ED-4DB2-BD59-A6C34878D82A}">
-                    <a16:rowId xmlns:a16="http://schemas.microsoft.com/office/drawing/2014/main" val="10001"/>
+                    <a16:rowId xmlns:a16="http://schemas.microsoft.com/office/drawing/2014/main" xmlns="" val="10001"/>
                   </a:ext>
                 </a:extLst>
               </a:tr>
@@ -5246,14 +5246,14 @@
                 <a:gridCol w="280507">
                   <a:extLst>
                     <a:ext uri="{9D8B030D-6E8A-4147-A177-3AD203B41FA5}">
-                      <a16:colId xmlns:a16="http://schemas.microsoft.com/office/drawing/2014/main" val="20000"/>
+                      <a16:colId xmlns:a16="http://schemas.microsoft.com/office/drawing/2014/main" xmlns="" val="20000"/>
                     </a:ext>
                   </a:extLst>
                 </a:gridCol>
                 <a:gridCol w="2407792">
                   <a:extLst>
                     <a:ext uri="{9D8B030D-6E8A-4147-A177-3AD203B41FA5}">
-                      <a16:colId xmlns:a16="http://schemas.microsoft.com/office/drawing/2014/main" val="20001"/>
+                      <a16:colId xmlns:a16="http://schemas.microsoft.com/office/drawing/2014/main" xmlns="" val="20001"/>
                     </a:ext>
                   </a:extLst>
                 </a:gridCol>
@@ -5307,7 +5307,7 @@
                 </a:tc>
                 <a:extLst>
                   <a:ext uri="{0D108BD9-81ED-4DB2-BD59-A6C34878D82A}">
-                    <a16:rowId xmlns:a16="http://schemas.microsoft.com/office/drawing/2014/main" val="10000"/>
+                    <a16:rowId xmlns:a16="http://schemas.microsoft.com/office/drawing/2014/main" xmlns="" val="10000"/>
                   </a:ext>
                 </a:extLst>
               </a:tr>
@@ -5479,7 +5479,7 @@
                 </a:tc>
                 <a:extLst>
                   <a:ext uri="{0D108BD9-81ED-4DB2-BD59-A6C34878D82A}">
-                    <a16:rowId xmlns:a16="http://schemas.microsoft.com/office/drawing/2014/main" val="10001"/>
+                    <a16:rowId xmlns:a16="http://schemas.microsoft.com/office/drawing/2014/main" xmlns="" val="10001"/>
                   </a:ext>
                 </a:extLst>
               </a:tr>
@@ -5530,7 +5530,7 @@
                 </a:tc>
                 <a:extLst>
                   <a:ext uri="{0D108BD9-81ED-4DB2-BD59-A6C34878D82A}">
-                    <a16:rowId xmlns:a16="http://schemas.microsoft.com/office/drawing/2014/main" val="10002"/>
+                    <a16:rowId xmlns:a16="http://schemas.microsoft.com/office/drawing/2014/main" xmlns="" val="10002"/>
                   </a:ext>
                 </a:extLst>
               </a:tr>
@@ -5576,7 +5576,7 @@
                 </a:tc>
                 <a:extLst>
                   <a:ext uri="{0D108BD9-81ED-4DB2-BD59-A6C34878D82A}">
-                    <a16:rowId xmlns:a16="http://schemas.microsoft.com/office/drawing/2014/main" val="10003"/>
+                    <a16:rowId xmlns:a16="http://schemas.microsoft.com/office/drawing/2014/main" xmlns="" val="10003"/>
                   </a:ext>
                 </a:extLst>
               </a:tr>
@@ -5622,7 +5622,7 @@
                 </a:tc>
                 <a:extLst>
                   <a:ext uri="{0D108BD9-81ED-4DB2-BD59-A6C34878D82A}">
-                    <a16:rowId xmlns:a16="http://schemas.microsoft.com/office/drawing/2014/main" val="10004"/>
+                    <a16:rowId xmlns:a16="http://schemas.microsoft.com/office/drawing/2014/main" xmlns="" val="10004"/>
                   </a:ext>
                 </a:extLst>
               </a:tr>
@@ -5668,7 +5668,7 @@
                 </a:tc>
                 <a:extLst>
                   <a:ext uri="{0D108BD9-81ED-4DB2-BD59-A6C34878D82A}">
-                    <a16:rowId xmlns:a16="http://schemas.microsoft.com/office/drawing/2014/main" val="10005"/>
+                    <a16:rowId xmlns:a16="http://schemas.microsoft.com/office/drawing/2014/main" xmlns="" val="10005"/>
                   </a:ext>
                 </a:extLst>
               </a:tr>
@@ -5681,7 +5681,7 @@
           <p:cNvPr id="3" name="직사각형 2">
             <a:extLst>
               <a:ext uri="{FF2B5EF4-FFF2-40B4-BE49-F238E27FC236}">
-                <a16:creationId xmlns:a16="http://schemas.microsoft.com/office/drawing/2014/main" id="{7C9E9366-B86C-4147-AAEA-0E8C98D7DA95}"/>
+                <a16:creationId xmlns:a16="http://schemas.microsoft.com/office/drawing/2014/main" xmlns="" id="{7C9E9366-B86C-4147-AAEA-0E8C98D7DA95}"/>
               </a:ext>
             </a:extLst>
           </p:cNvPr>
@@ -5733,7 +5733,7 @@
           <p:cNvPr id="7" name="직사각형 6">
             <a:extLst>
               <a:ext uri="{FF2B5EF4-FFF2-40B4-BE49-F238E27FC236}">
-                <a16:creationId xmlns:a16="http://schemas.microsoft.com/office/drawing/2014/main" id="{DA06AE45-F21F-4390-88D7-43E648964D4B}"/>
+                <a16:creationId xmlns:a16="http://schemas.microsoft.com/office/drawing/2014/main" xmlns="" id="{DA06AE45-F21F-4390-88D7-43E648964D4B}"/>
               </a:ext>
             </a:extLst>
           </p:cNvPr>
@@ -5971,7 +5971,7 @@
           <p:cNvPr id="17" name="직사각형 16">
             <a:extLst>
               <a:ext uri="{FF2B5EF4-FFF2-40B4-BE49-F238E27FC236}">
-                <a16:creationId xmlns:a16="http://schemas.microsoft.com/office/drawing/2014/main" id="{B7BBD8C3-F0E8-4C1C-942C-48D296A16E6D}"/>
+                <a16:creationId xmlns:a16="http://schemas.microsoft.com/office/drawing/2014/main" xmlns="" id="{B7BBD8C3-F0E8-4C1C-942C-48D296A16E6D}"/>
               </a:ext>
             </a:extLst>
           </p:cNvPr>
@@ -6084,7 +6084,7 @@
           <p:cNvPr id="20" name="그림 19">
             <a:extLst>
               <a:ext uri="{FF2B5EF4-FFF2-40B4-BE49-F238E27FC236}">
-                <a16:creationId xmlns:a16="http://schemas.microsoft.com/office/drawing/2014/main" id="{99ADACC4-2056-4928-8823-92A4546B8DB6}"/>
+                <a16:creationId xmlns:a16="http://schemas.microsoft.com/office/drawing/2014/main" xmlns="" id="{99ADACC4-2056-4928-8823-92A4546B8DB6}"/>
               </a:ext>
             </a:extLst>
           </p:cNvPr>
@@ -6940,7 +6940,7 @@
                 <a:gridCol w="3893302">
                   <a:extLst>
                     <a:ext uri="{9D8B030D-6E8A-4147-A177-3AD203B41FA5}">
-                      <a16:colId xmlns:a16="http://schemas.microsoft.com/office/drawing/2014/main" val="20000"/>
+                      <a16:colId xmlns:a16="http://schemas.microsoft.com/office/drawing/2014/main" xmlns="" val="20000"/>
                     </a:ext>
                   </a:extLst>
                 </a:gridCol>
@@ -6989,7 +6989,7 @@
                 </a:tc>
                 <a:extLst>
                   <a:ext uri="{0D108BD9-81ED-4DB2-BD59-A6C34878D82A}">
-                    <a16:rowId xmlns:a16="http://schemas.microsoft.com/office/drawing/2014/main" val="10000"/>
+                    <a16:rowId xmlns:a16="http://schemas.microsoft.com/office/drawing/2014/main" xmlns="" val="10000"/>
                   </a:ext>
                 </a:extLst>
               </a:tr>
@@ -7013,7 +7013,7 @@
                 </a:tc>
                 <a:extLst>
                   <a:ext uri="{0D108BD9-81ED-4DB2-BD59-A6C34878D82A}">
-                    <a16:rowId xmlns:a16="http://schemas.microsoft.com/office/drawing/2014/main" val="10001"/>
+                    <a16:rowId xmlns:a16="http://schemas.microsoft.com/office/drawing/2014/main" xmlns="" val="10001"/>
                   </a:ext>
                 </a:extLst>
               </a:tr>
@@ -7716,7 +7716,7 @@
                 <a:gridCol w="5070845">
                   <a:extLst>
                     <a:ext uri="{9D8B030D-6E8A-4147-A177-3AD203B41FA5}">
-                      <a16:colId xmlns:a16="http://schemas.microsoft.com/office/drawing/2014/main" val="20000"/>
+                      <a16:colId xmlns:a16="http://schemas.microsoft.com/office/drawing/2014/main" xmlns="" val="20000"/>
                     </a:ext>
                   </a:extLst>
                 </a:gridCol>
@@ -7748,7 +7748,7 @@
                 </a:tc>
                 <a:extLst>
                   <a:ext uri="{0D108BD9-81ED-4DB2-BD59-A6C34878D82A}">
-                    <a16:rowId xmlns:a16="http://schemas.microsoft.com/office/drawing/2014/main" val="10000"/>
+                    <a16:rowId xmlns:a16="http://schemas.microsoft.com/office/drawing/2014/main" xmlns="" val="10000"/>
                   </a:ext>
                 </a:extLst>
               </a:tr>
@@ -7772,7 +7772,7 @@
                 </a:tc>
                 <a:extLst>
                   <a:ext uri="{0D108BD9-81ED-4DB2-BD59-A6C34878D82A}">
-                    <a16:rowId xmlns:a16="http://schemas.microsoft.com/office/drawing/2014/main" val="10001"/>
+                    <a16:rowId xmlns:a16="http://schemas.microsoft.com/office/drawing/2014/main" xmlns="" val="10001"/>
                   </a:ext>
                 </a:extLst>
               </a:tr>
@@ -8607,7 +8607,7 @@
                 <a:gridCol w="4042115">
                   <a:extLst>
                     <a:ext uri="{9D8B030D-6E8A-4147-A177-3AD203B41FA5}">
-                      <a16:colId xmlns:a16="http://schemas.microsoft.com/office/drawing/2014/main" val="20000"/>
+                      <a16:colId xmlns:a16="http://schemas.microsoft.com/office/drawing/2014/main" xmlns="" val="20000"/>
                     </a:ext>
                   </a:extLst>
                 </a:gridCol>
@@ -8656,7 +8656,7 @@
                 </a:tc>
                 <a:extLst>
                   <a:ext uri="{0D108BD9-81ED-4DB2-BD59-A6C34878D82A}">
-                    <a16:rowId xmlns:a16="http://schemas.microsoft.com/office/drawing/2014/main" val="10000"/>
+                    <a16:rowId xmlns:a16="http://schemas.microsoft.com/office/drawing/2014/main" xmlns="" val="10000"/>
                   </a:ext>
                 </a:extLst>
               </a:tr>
@@ -8680,7 +8680,7 @@
                 </a:tc>
                 <a:extLst>
                   <a:ext uri="{0D108BD9-81ED-4DB2-BD59-A6C34878D82A}">
-                    <a16:rowId xmlns:a16="http://schemas.microsoft.com/office/drawing/2014/main" val="10001"/>
+                    <a16:rowId xmlns:a16="http://schemas.microsoft.com/office/drawing/2014/main" xmlns="" val="10001"/>
                   </a:ext>
                 </a:extLst>
               </a:tr>
@@ -8744,7 +8744,7 @@
                 <a:gridCol w="4042115">
                   <a:extLst>
                     <a:ext uri="{9D8B030D-6E8A-4147-A177-3AD203B41FA5}">
-                      <a16:colId xmlns:a16="http://schemas.microsoft.com/office/drawing/2014/main" val="20000"/>
+                      <a16:colId xmlns:a16="http://schemas.microsoft.com/office/drawing/2014/main" xmlns="" val="20000"/>
                     </a:ext>
                   </a:extLst>
                 </a:gridCol>
@@ -8776,7 +8776,7 @@
                 </a:tc>
                 <a:extLst>
                   <a:ext uri="{0D108BD9-81ED-4DB2-BD59-A6C34878D82A}">
-                    <a16:rowId xmlns:a16="http://schemas.microsoft.com/office/drawing/2014/main" val="10000"/>
+                    <a16:rowId xmlns:a16="http://schemas.microsoft.com/office/drawing/2014/main" xmlns="" val="10000"/>
                   </a:ext>
                 </a:extLst>
               </a:tr>
@@ -8800,7 +8800,7 @@
                 </a:tc>
                 <a:extLst>
                   <a:ext uri="{0D108BD9-81ED-4DB2-BD59-A6C34878D82A}">
-                    <a16:rowId xmlns:a16="http://schemas.microsoft.com/office/drawing/2014/main" val="10001"/>
+                    <a16:rowId xmlns:a16="http://schemas.microsoft.com/office/drawing/2014/main" xmlns="" val="10001"/>
                   </a:ext>
                 </a:extLst>
               </a:tr>
@@ -9635,7 +9635,7 @@
                 <a:gridCol w="2688299">
                   <a:extLst>
                     <a:ext uri="{9D8B030D-6E8A-4147-A177-3AD203B41FA5}">
-                      <a16:colId xmlns:a16="http://schemas.microsoft.com/office/drawing/2014/main" val="20000"/>
+                      <a16:colId xmlns:a16="http://schemas.microsoft.com/office/drawing/2014/main" xmlns="" val="20000"/>
                     </a:ext>
                   </a:extLst>
                 </a:gridCol>
@@ -9667,7 +9667,7 @@
                 </a:tc>
                 <a:extLst>
                   <a:ext uri="{0D108BD9-81ED-4DB2-BD59-A6C34878D82A}">
-                    <a16:rowId xmlns:a16="http://schemas.microsoft.com/office/drawing/2014/main" val="10000"/>
+                    <a16:rowId xmlns:a16="http://schemas.microsoft.com/office/drawing/2014/main" xmlns="" val="10000"/>
                   </a:ext>
                 </a:extLst>
               </a:tr>
@@ -9695,7 +9695,7 @@
                 </a:tc>
                 <a:extLst>
                   <a:ext uri="{0D108BD9-81ED-4DB2-BD59-A6C34878D82A}">
-                    <a16:rowId xmlns:a16="http://schemas.microsoft.com/office/drawing/2014/main" val="10001"/>
+                    <a16:rowId xmlns:a16="http://schemas.microsoft.com/office/drawing/2014/main" xmlns="" val="10001"/>
                   </a:ext>
                 </a:extLst>
               </a:tr>
@@ -9779,14 +9779,14 @@
                 <a:gridCol w="280507">
                   <a:extLst>
                     <a:ext uri="{9D8B030D-6E8A-4147-A177-3AD203B41FA5}">
-                      <a16:colId xmlns:a16="http://schemas.microsoft.com/office/drawing/2014/main" val="20000"/>
+                      <a16:colId xmlns:a16="http://schemas.microsoft.com/office/drawing/2014/main" xmlns="" val="20000"/>
                     </a:ext>
                   </a:extLst>
                 </a:gridCol>
                 <a:gridCol w="2407792">
                   <a:extLst>
                     <a:ext uri="{9D8B030D-6E8A-4147-A177-3AD203B41FA5}">
-                      <a16:colId xmlns:a16="http://schemas.microsoft.com/office/drawing/2014/main" val="20001"/>
+                      <a16:colId xmlns:a16="http://schemas.microsoft.com/office/drawing/2014/main" xmlns="" val="20001"/>
                     </a:ext>
                   </a:extLst>
                 </a:gridCol>
@@ -9840,7 +9840,7 @@
                 </a:tc>
                 <a:extLst>
                   <a:ext uri="{0D108BD9-81ED-4DB2-BD59-A6C34878D82A}">
-                    <a16:rowId xmlns:a16="http://schemas.microsoft.com/office/drawing/2014/main" val="10000"/>
+                    <a16:rowId xmlns:a16="http://schemas.microsoft.com/office/drawing/2014/main" xmlns="" val="10000"/>
                   </a:ext>
                 </a:extLst>
               </a:tr>
@@ -10036,7 +10036,7 @@
                 </a:tc>
                 <a:extLst>
                   <a:ext uri="{0D108BD9-81ED-4DB2-BD59-A6C34878D82A}">
-                    <a16:rowId xmlns:a16="http://schemas.microsoft.com/office/drawing/2014/main" val="10001"/>
+                    <a16:rowId xmlns:a16="http://schemas.microsoft.com/office/drawing/2014/main" xmlns="" val="10001"/>
                   </a:ext>
                 </a:extLst>
               </a:tr>
@@ -10087,7 +10087,7 @@
                 </a:tc>
                 <a:extLst>
                   <a:ext uri="{0D108BD9-81ED-4DB2-BD59-A6C34878D82A}">
-                    <a16:rowId xmlns:a16="http://schemas.microsoft.com/office/drawing/2014/main" val="10002"/>
+                    <a16:rowId xmlns:a16="http://schemas.microsoft.com/office/drawing/2014/main" xmlns="" val="10002"/>
                   </a:ext>
                 </a:extLst>
               </a:tr>
@@ -10133,7 +10133,7 @@
                 </a:tc>
                 <a:extLst>
                   <a:ext uri="{0D108BD9-81ED-4DB2-BD59-A6C34878D82A}">
-                    <a16:rowId xmlns:a16="http://schemas.microsoft.com/office/drawing/2014/main" val="10003"/>
+                    <a16:rowId xmlns:a16="http://schemas.microsoft.com/office/drawing/2014/main" xmlns="" val="10003"/>
                   </a:ext>
                 </a:extLst>
               </a:tr>
@@ -10179,7 +10179,7 @@
                 </a:tc>
                 <a:extLst>
                   <a:ext uri="{0D108BD9-81ED-4DB2-BD59-A6C34878D82A}">
-                    <a16:rowId xmlns:a16="http://schemas.microsoft.com/office/drawing/2014/main" val="10004"/>
+                    <a16:rowId xmlns:a16="http://schemas.microsoft.com/office/drawing/2014/main" xmlns="" val="10004"/>
                   </a:ext>
                 </a:extLst>
               </a:tr>
@@ -10225,7 +10225,7 @@
                 </a:tc>
                 <a:extLst>
                   <a:ext uri="{0D108BD9-81ED-4DB2-BD59-A6C34878D82A}">
-                    <a16:rowId xmlns:a16="http://schemas.microsoft.com/office/drawing/2014/main" val="10005"/>
+                    <a16:rowId xmlns:a16="http://schemas.microsoft.com/office/drawing/2014/main" xmlns="" val="10005"/>
                   </a:ext>
                 </a:extLst>
               </a:tr>
@@ -10238,7 +10238,7 @@
           <p:cNvPr id="3" name="직사각형 2">
             <a:extLst>
               <a:ext uri="{FF2B5EF4-FFF2-40B4-BE49-F238E27FC236}">
-                <a16:creationId xmlns:a16="http://schemas.microsoft.com/office/drawing/2014/main" id="{7C9E9366-B86C-4147-AAEA-0E8C98D7DA95}"/>
+                <a16:creationId xmlns:a16="http://schemas.microsoft.com/office/drawing/2014/main" xmlns="" id="{7C9E9366-B86C-4147-AAEA-0E8C98D7DA95}"/>
               </a:ext>
             </a:extLst>
           </p:cNvPr>
@@ -10290,7 +10290,7 @@
           <p:cNvPr id="7" name="직사각형 6">
             <a:extLst>
               <a:ext uri="{FF2B5EF4-FFF2-40B4-BE49-F238E27FC236}">
-                <a16:creationId xmlns:a16="http://schemas.microsoft.com/office/drawing/2014/main" id="{DA06AE45-F21F-4390-88D7-43E648964D4B}"/>
+                <a16:creationId xmlns:a16="http://schemas.microsoft.com/office/drawing/2014/main" xmlns="" id="{DA06AE45-F21F-4390-88D7-43E648964D4B}"/>
               </a:ext>
             </a:extLst>
           </p:cNvPr>
@@ -10349,7 +10349,7 @@
           <p:cNvPr id="15" name="직사각형 14">
             <a:extLst>
               <a:ext uri="{FF2B5EF4-FFF2-40B4-BE49-F238E27FC236}">
-                <a16:creationId xmlns:a16="http://schemas.microsoft.com/office/drawing/2014/main" id="{DA06AE45-F21F-4390-88D7-43E648964D4B}"/>
+                <a16:creationId xmlns:a16="http://schemas.microsoft.com/office/drawing/2014/main" xmlns="" id="{DA06AE45-F21F-4390-88D7-43E648964D4B}"/>
               </a:ext>
             </a:extLst>
           </p:cNvPr>
@@ -10441,7 +10441,7 @@
           <p:cNvPr id="20" name="직사각형 19">
             <a:extLst>
               <a:ext uri="{FF2B5EF4-FFF2-40B4-BE49-F238E27FC236}">
-                <a16:creationId xmlns:a16="http://schemas.microsoft.com/office/drawing/2014/main" id="{DA06AE45-F21F-4390-88D7-43E648964D4B}"/>
+                <a16:creationId xmlns:a16="http://schemas.microsoft.com/office/drawing/2014/main" xmlns="" id="{DA06AE45-F21F-4390-88D7-43E648964D4B}"/>
               </a:ext>
             </a:extLst>
           </p:cNvPr>
@@ -10537,7 +10537,7 @@
           <p:cNvPr id="21" name="직사각형 20">
             <a:extLst>
               <a:ext uri="{FF2B5EF4-FFF2-40B4-BE49-F238E27FC236}">
-                <a16:creationId xmlns:a16="http://schemas.microsoft.com/office/drawing/2014/main" id="{521578B3-9B87-4D48-AA48-338BCD4E5A0C}"/>
+                <a16:creationId xmlns:a16="http://schemas.microsoft.com/office/drawing/2014/main" xmlns="" id="{521578B3-9B87-4D48-AA48-338BCD4E5A0C}"/>
               </a:ext>
             </a:extLst>
           </p:cNvPr>
@@ -10650,7 +10650,7 @@
           <p:cNvPr id="22" name="그림 21">
             <a:extLst>
               <a:ext uri="{FF2B5EF4-FFF2-40B4-BE49-F238E27FC236}">
-                <a16:creationId xmlns:a16="http://schemas.microsoft.com/office/drawing/2014/main" id="{C6ACB435-C1F8-4C81-8C24-C566ABCE267B}"/>
+                <a16:creationId xmlns:a16="http://schemas.microsoft.com/office/drawing/2014/main" xmlns="" id="{C6ACB435-C1F8-4C81-8C24-C566ABCE267B}"/>
               </a:ext>
             </a:extLst>
           </p:cNvPr>
@@ -11421,7 +11421,7 @@
                 <a:gridCol w="3830835">
                   <a:extLst>
                     <a:ext uri="{9D8B030D-6E8A-4147-A177-3AD203B41FA5}">
-                      <a16:colId xmlns:a16="http://schemas.microsoft.com/office/drawing/2014/main" val="20000"/>
+                      <a16:colId xmlns:a16="http://schemas.microsoft.com/office/drawing/2014/main" xmlns="" val="20000"/>
                     </a:ext>
                   </a:extLst>
                 </a:gridCol>
@@ -11470,7 +11470,7 @@
                 </a:tc>
                 <a:extLst>
                   <a:ext uri="{0D108BD9-81ED-4DB2-BD59-A6C34878D82A}">
-                    <a16:rowId xmlns:a16="http://schemas.microsoft.com/office/drawing/2014/main" val="10000"/>
+                    <a16:rowId xmlns:a16="http://schemas.microsoft.com/office/drawing/2014/main" xmlns="" val="10000"/>
                   </a:ext>
                 </a:extLst>
               </a:tr>
@@ -11504,7 +11504,7 @@
                 </a:tc>
                 <a:extLst>
                   <a:ext uri="{0D108BD9-81ED-4DB2-BD59-A6C34878D82A}">
-                    <a16:rowId xmlns:a16="http://schemas.microsoft.com/office/drawing/2014/main" val="10001"/>
+                    <a16:rowId xmlns:a16="http://schemas.microsoft.com/office/drawing/2014/main" xmlns="" val="10001"/>
                   </a:ext>
                 </a:extLst>
               </a:tr>
@@ -12253,7 +12253,7 @@
                 <a:gridCol w="4647864">
                   <a:extLst>
                     <a:ext uri="{9D8B030D-6E8A-4147-A177-3AD203B41FA5}">
-                      <a16:colId xmlns:a16="http://schemas.microsoft.com/office/drawing/2014/main" val="20000"/>
+                      <a16:colId xmlns:a16="http://schemas.microsoft.com/office/drawing/2014/main" xmlns="" val="20000"/>
                     </a:ext>
                   </a:extLst>
                 </a:gridCol>
@@ -12285,7 +12285,7 @@
                 </a:tc>
                 <a:extLst>
                   <a:ext uri="{0D108BD9-81ED-4DB2-BD59-A6C34878D82A}">
-                    <a16:rowId xmlns:a16="http://schemas.microsoft.com/office/drawing/2014/main" val="10000"/>
+                    <a16:rowId xmlns:a16="http://schemas.microsoft.com/office/drawing/2014/main" xmlns="" val="10000"/>
                   </a:ext>
                 </a:extLst>
               </a:tr>
@@ -12309,7 +12309,7 @@
                 </a:tc>
                 <a:extLst>
                   <a:ext uri="{0D108BD9-81ED-4DB2-BD59-A6C34878D82A}">
-                    <a16:rowId xmlns:a16="http://schemas.microsoft.com/office/drawing/2014/main" val="10001"/>
+                    <a16:rowId xmlns:a16="http://schemas.microsoft.com/office/drawing/2014/main" xmlns="" val="10001"/>
                   </a:ext>
                 </a:extLst>
               </a:tr>
@@ -13144,7 +13144,7 @@
                 <a:gridCol w="2688299">
                   <a:extLst>
                     <a:ext uri="{9D8B030D-6E8A-4147-A177-3AD203B41FA5}">
-                      <a16:colId xmlns:a16="http://schemas.microsoft.com/office/drawing/2014/main" val="20000"/>
+                      <a16:colId xmlns:a16="http://schemas.microsoft.com/office/drawing/2014/main" xmlns="" val="20000"/>
                     </a:ext>
                   </a:extLst>
                 </a:gridCol>
@@ -13176,7 +13176,7 @@
                 </a:tc>
                 <a:extLst>
                   <a:ext uri="{0D108BD9-81ED-4DB2-BD59-A6C34878D82A}">
-                    <a16:rowId xmlns:a16="http://schemas.microsoft.com/office/drawing/2014/main" val="10000"/>
+                    <a16:rowId xmlns:a16="http://schemas.microsoft.com/office/drawing/2014/main" xmlns="" val="10000"/>
                   </a:ext>
                 </a:extLst>
               </a:tr>
@@ -13204,7 +13204,7 @@
                 </a:tc>
                 <a:extLst>
                   <a:ext uri="{0D108BD9-81ED-4DB2-BD59-A6C34878D82A}">
-                    <a16:rowId xmlns:a16="http://schemas.microsoft.com/office/drawing/2014/main" val="10001"/>
+                    <a16:rowId xmlns:a16="http://schemas.microsoft.com/office/drawing/2014/main" xmlns="" val="10001"/>
                   </a:ext>
                 </a:extLst>
               </a:tr>
@@ -13288,14 +13288,14 @@
                 <a:gridCol w="280507">
                   <a:extLst>
                     <a:ext uri="{9D8B030D-6E8A-4147-A177-3AD203B41FA5}">
-                      <a16:colId xmlns:a16="http://schemas.microsoft.com/office/drawing/2014/main" val="20000"/>
+                      <a16:colId xmlns:a16="http://schemas.microsoft.com/office/drawing/2014/main" xmlns="" val="20000"/>
                     </a:ext>
                   </a:extLst>
                 </a:gridCol>
                 <a:gridCol w="2407792">
                   <a:extLst>
                     <a:ext uri="{9D8B030D-6E8A-4147-A177-3AD203B41FA5}">
-                      <a16:colId xmlns:a16="http://schemas.microsoft.com/office/drawing/2014/main" val="20001"/>
+                      <a16:colId xmlns:a16="http://schemas.microsoft.com/office/drawing/2014/main" xmlns="" val="20001"/>
                     </a:ext>
                   </a:extLst>
                 </a:gridCol>
@@ -13349,7 +13349,7 @@
                 </a:tc>
                 <a:extLst>
                   <a:ext uri="{0D108BD9-81ED-4DB2-BD59-A6C34878D82A}">
-                    <a16:rowId xmlns:a16="http://schemas.microsoft.com/office/drawing/2014/main" val="10000"/>
+                    <a16:rowId xmlns:a16="http://schemas.microsoft.com/office/drawing/2014/main" xmlns="" val="10000"/>
                   </a:ext>
                 </a:extLst>
               </a:tr>
@@ -13461,7 +13461,7 @@
                 </a:tc>
                 <a:extLst>
                   <a:ext uri="{0D108BD9-81ED-4DB2-BD59-A6C34878D82A}">
-                    <a16:rowId xmlns:a16="http://schemas.microsoft.com/office/drawing/2014/main" val="10001"/>
+                    <a16:rowId xmlns:a16="http://schemas.microsoft.com/office/drawing/2014/main" xmlns="" val="10001"/>
                   </a:ext>
                 </a:extLst>
               </a:tr>
@@ -13512,7 +13512,7 @@
                 </a:tc>
                 <a:extLst>
                   <a:ext uri="{0D108BD9-81ED-4DB2-BD59-A6C34878D82A}">
-                    <a16:rowId xmlns:a16="http://schemas.microsoft.com/office/drawing/2014/main" val="10002"/>
+                    <a16:rowId xmlns:a16="http://schemas.microsoft.com/office/drawing/2014/main" xmlns="" val="10002"/>
                   </a:ext>
                 </a:extLst>
               </a:tr>
@@ -13558,7 +13558,7 @@
                 </a:tc>
                 <a:extLst>
                   <a:ext uri="{0D108BD9-81ED-4DB2-BD59-A6C34878D82A}">
-                    <a16:rowId xmlns:a16="http://schemas.microsoft.com/office/drawing/2014/main" val="10003"/>
+                    <a16:rowId xmlns:a16="http://schemas.microsoft.com/office/drawing/2014/main" xmlns="" val="10003"/>
                   </a:ext>
                 </a:extLst>
               </a:tr>
@@ -13604,7 +13604,7 @@
                 </a:tc>
                 <a:extLst>
                   <a:ext uri="{0D108BD9-81ED-4DB2-BD59-A6C34878D82A}">
-                    <a16:rowId xmlns:a16="http://schemas.microsoft.com/office/drawing/2014/main" val="10004"/>
+                    <a16:rowId xmlns:a16="http://schemas.microsoft.com/office/drawing/2014/main" xmlns="" val="10004"/>
                   </a:ext>
                 </a:extLst>
               </a:tr>
@@ -13650,7 +13650,7 @@
                 </a:tc>
                 <a:extLst>
                   <a:ext uri="{0D108BD9-81ED-4DB2-BD59-A6C34878D82A}">
-                    <a16:rowId xmlns:a16="http://schemas.microsoft.com/office/drawing/2014/main" val="10005"/>
+                    <a16:rowId xmlns:a16="http://schemas.microsoft.com/office/drawing/2014/main" xmlns="" val="10005"/>
                   </a:ext>
                 </a:extLst>
               </a:tr>
@@ -13663,7 +13663,7 @@
           <p:cNvPr id="3" name="직사각형 2">
             <a:extLst>
               <a:ext uri="{FF2B5EF4-FFF2-40B4-BE49-F238E27FC236}">
-                <a16:creationId xmlns:a16="http://schemas.microsoft.com/office/drawing/2014/main" id="{7C9E9366-B86C-4147-AAEA-0E8C98D7DA95}"/>
+                <a16:creationId xmlns:a16="http://schemas.microsoft.com/office/drawing/2014/main" xmlns="" id="{7C9E9366-B86C-4147-AAEA-0E8C98D7DA95}"/>
               </a:ext>
             </a:extLst>
           </p:cNvPr>
@@ -13715,7 +13715,7 @@
           <p:cNvPr id="7" name="직사각형 6">
             <a:extLst>
               <a:ext uri="{FF2B5EF4-FFF2-40B4-BE49-F238E27FC236}">
-                <a16:creationId xmlns:a16="http://schemas.microsoft.com/office/drawing/2014/main" id="{DA06AE45-F21F-4390-88D7-43E648964D4B}"/>
+                <a16:creationId xmlns:a16="http://schemas.microsoft.com/office/drawing/2014/main" xmlns="" id="{DA06AE45-F21F-4390-88D7-43E648964D4B}"/>
               </a:ext>
             </a:extLst>
           </p:cNvPr>
@@ -13832,7 +13832,7 @@
           <p:cNvPr id="20" name="직사각형 19">
             <a:extLst>
               <a:ext uri="{FF2B5EF4-FFF2-40B4-BE49-F238E27FC236}">
-                <a16:creationId xmlns:a16="http://schemas.microsoft.com/office/drawing/2014/main" id="{DA06AE45-F21F-4390-88D7-43E648964D4B}"/>
+                <a16:creationId xmlns:a16="http://schemas.microsoft.com/office/drawing/2014/main" xmlns="" id="{DA06AE45-F21F-4390-88D7-43E648964D4B}"/>
               </a:ext>
             </a:extLst>
           </p:cNvPr>
@@ -13891,7 +13891,7 @@
           <p:cNvPr id="17" name="직사각형 16">
             <a:extLst>
               <a:ext uri="{FF2B5EF4-FFF2-40B4-BE49-F238E27FC236}">
-                <a16:creationId xmlns:a16="http://schemas.microsoft.com/office/drawing/2014/main" id="{0EBAA98D-DF29-4F0F-A529-A835ED2E76A4}"/>
+                <a16:creationId xmlns:a16="http://schemas.microsoft.com/office/drawing/2014/main" xmlns="" id="{0EBAA98D-DF29-4F0F-A529-A835ED2E76A4}"/>
               </a:ext>
             </a:extLst>
           </p:cNvPr>
@@ -14030,7 +14030,7 @@
           <p:cNvPr id="21" name="그림 20">
             <a:extLst>
               <a:ext uri="{FF2B5EF4-FFF2-40B4-BE49-F238E27FC236}">
-                <a16:creationId xmlns:a16="http://schemas.microsoft.com/office/drawing/2014/main" id="{A4907B24-C12F-4C0C-AED0-50987989BC89}"/>
+                <a16:creationId xmlns:a16="http://schemas.microsoft.com/office/drawing/2014/main" xmlns="" id="{A4907B24-C12F-4C0C-AED0-50987989BC89}"/>
               </a:ext>
             </a:extLst>
           </p:cNvPr>
@@ -14888,7 +14888,7 @@
                 <a:gridCol w="2688299">
                   <a:extLst>
                     <a:ext uri="{9D8B030D-6E8A-4147-A177-3AD203B41FA5}">
-                      <a16:colId xmlns:a16="http://schemas.microsoft.com/office/drawing/2014/main" val="20000"/>
+                      <a16:colId xmlns:a16="http://schemas.microsoft.com/office/drawing/2014/main" xmlns="" val="20000"/>
                     </a:ext>
                   </a:extLst>
                 </a:gridCol>
@@ -14920,7 +14920,7 @@
                 </a:tc>
                 <a:extLst>
                   <a:ext uri="{0D108BD9-81ED-4DB2-BD59-A6C34878D82A}">
-                    <a16:rowId xmlns:a16="http://schemas.microsoft.com/office/drawing/2014/main" val="10000"/>
+                    <a16:rowId xmlns:a16="http://schemas.microsoft.com/office/drawing/2014/main" xmlns="" val="10000"/>
                   </a:ext>
                 </a:extLst>
               </a:tr>
@@ -14972,7 +14972,7 @@
                 </a:tc>
                 <a:extLst>
                   <a:ext uri="{0D108BD9-81ED-4DB2-BD59-A6C34878D82A}">
-                    <a16:rowId xmlns:a16="http://schemas.microsoft.com/office/drawing/2014/main" val="10001"/>
+                    <a16:rowId xmlns:a16="http://schemas.microsoft.com/office/drawing/2014/main" xmlns="" val="10001"/>
                   </a:ext>
                 </a:extLst>
               </a:tr>
@@ -15056,14 +15056,14 @@
                 <a:gridCol w="280507">
                   <a:extLst>
                     <a:ext uri="{9D8B030D-6E8A-4147-A177-3AD203B41FA5}">
-                      <a16:colId xmlns:a16="http://schemas.microsoft.com/office/drawing/2014/main" val="20000"/>
+                      <a16:colId xmlns:a16="http://schemas.microsoft.com/office/drawing/2014/main" xmlns="" val="20000"/>
                     </a:ext>
                   </a:extLst>
                 </a:gridCol>
                 <a:gridCol w="2407792">
                   <a:extLst>
                     <a:ext uri="{9D8B030D-6E8A-4147-A177-3AD203B41FA5}">
-                      <a16:colId xmlns:a16="http://schemas.microsoft.com/office/drawing/2014/main" val="20001"/>
+                      <a16:colId xmlns:a16="http://schemas.microsoft.com/office/drawing/2014/main" xmlns="" val="20001"/>
                     </a:ext>
                   </a:extLst>
                 </a:gridCol>
@@ -15117,7 +15117,7 @@
                 </a:tc>
                 <a:extLst>
                   <a:ext uri="{0D108BD9-81ED-4DB2-BD59-A6C34878D82A}">
-                    <a16:rowId xmlns:a16="http://schemas.microsoft.com/office/drawing/2014/main" val="10000"/>
+                    <a16:rowId xmlns:a16="http://schemas.microsoft.com/office/drawing/2014/main" xmlns="" val="10000"/>
                   </a:ext>
                 </a:extLst>
               </a:tr>
@@ -15219,7 +15219,7 @@
                 </a:tc>
                 <a:extLst>
                   <a:ext uri="{0D108BD9-81ED-4DB2-BD59-A6C34878D82A}">
-                    <a16:rowId xmlns:a16="http://schemas.microsoft.com/office/drawing/2014/main" val="10001"/>
+                    <a16:rowId xmlns:a16="http://schemas.microsoft.com/office/drawing/2014/main" xmlns="" val="10001"/>
                   </a:ext>
                 </a:extLst>
               </a:tr>
@@ -15270,7 +15270,7 @@
                 </a:tc>
                 <a:extLst>
                   <a:ext uri="{0D108BD9-81ED-4DB2-BD59-A6C34878D82A}">
-                    <a16:rowId xmlns:a16="http://schemas.microsoft.com/office/drawing/2014/main" val="10002"/>
+                    <a16:rowId xmlns:a16="http://schemas.microsoft.com/office/drawing/2014/main" xmlns="" val="10002"/>
                   </a:ext>
                 </a:extLst>
               </a:tr>
@@ -15316,7 +15316,7 @@
                 </a:tc>
                 <a:extLst>
                   <a:ext uri="{0D108BD9-81ED-4DB2-BD59-A6C34878D82A}">
-                    <a16:rowId xmlns:a16="http://schemas.microsoft.com/office/drawing/2014/main" val="10003"/>
+                    <a16:rowId xmlns:a16="http://schemas.microsoft.com/office/drawing/2014/main" xmlns="" val="10003"/>
                   </a:ext>
                 </a:extLst>
               </a:tr>
@@ -15362,7 +15362,7 @@
                 </a:tc>
                 <a:extLst>
                   <a:ext uri="{0D108BD9-81ED-4DB2-BD59-A6C34878D82A}">
-                    <a16:rowId xmlns:a16="http://schemas.microsoft.com/office/drawing/2014/main" val="10004"/>
+                    <a16:rowId xmlns:a16="http://schemas.microsoft.com/office/drawing/2014/main" xmlns="" val="10004"/>
                   </a:ext>
                 </a:extLst>
               </a:tr>
@@ -15408,7 +15408,7 @@
                 </a:tc>
                 <a:extLst>
                   <a:ext uri="{0D108BD9-81ED-4DB2-BD59-A6C34878D82A}">
-                    <a16:rowId xmlns:a16="http://schemas.microsoft.com/office/drawing/2014/main" val="10005"/>
+                    <a16:rowId xmlns:a16="http://schemas.microsoft.com/office/drawing/2014/main" xmlns="" val="10005"/>
                   </a:ext>
                 </a:extLst>
               </a:tr>
@@ -15421,7 +15421,7 @@
           <p:cNvPr id="3" name="직사각형 2">
             <a:extLst>
               <a:ext uri="{FF2B5EF4-FFF2-40B4-BE49-F238E27FC236}">
-                <a16:creationId xmlns:a16="http://schemas.microsoft.com/office/drawing/2014/main" id="{7C9E9366-B86C-4147-AAEA-0E8C98D7DA95}"/>
+                <a16:creationId xmlns:a16="http://schemas.microsoft.com/office/drawing/2014/main" xmlns="" id="{7C9E9366-B86C-4147-AAEA-0E8C98D7DA95}"/>
               </a:ext>
             </a:extLst>
           </p:cNvPr>
@@ -15473,7 +15473,7 @@
           <p:cNvPr id="7" name="직사각형 6">
             <a:extLst>
               <a:ext uri="{FF2B5EF4-FFF2-40B4-BE49-F238E27FC236}">
-                <a16:creationId xmlns:a16="http://schemas.microsoft.com/office/drawing/2014/main" id="{DA06AE45-F21F-4390-88D7-43E648964D4B}"/>
+                <a16:creationId xmlns:a16="http://schemas.microsoft.com/office/drawing/2014/main" xmlns="" id="{DA06AE45-F21F-4390-88D7-43E648964D4B}"/>
               </a:ext>
             </a:extLst>
           </p:cNvPr>
@@ -15590,7 +15590,7 @@
           <p:cNvPr id="20" name="직사각형 19">
             <a:extLst>
               <a:ext uri="{FF2B5EF4-FFF2-40B4-BE49-F238E27FC236}">
-                <a16:creationId xmlns:a16="http://schemas.microsoft.com/office/drawing/2014/main" id="{DA06AE45-F21F-4390-88D7-43E648964D4B}"/>
+                <a16:creationId xmlns:a16="http://schemas.microsoft.com/office/drawing/2014/main" xmlns="" id="{DA06AE45-F21F-4390-88D7-43E648964D4B}"/>
               </a:ext>
             </a:extLst>
           </p:cNvPr>
@@ -15649,7 +15649,7 @@
           <p:cNvPr id="17" name="직사각형 16">
             <a:extLst>
               <a:ext uri="{FF2B5EF4-FFF2-40B4-BE49-F238E27FC236}">
-                <a16:creationId xmlns:a16="http://schemas.microsoft.com/office/drawing/2014/main" id="{DF16F67D-C475-4BC3-8967-27B77B9E9807}"/>
+                <a16:creationId xmlns:a16="http://schemas.microsoft.com/office/drawing/2014/main" xmlns="" id="{DF16F67D-C475-4BC3-8967-27B77B9E9807}"/>
               </a:ext>
             </a:extLst>
           </p:cNvPr>
@@ -15814,7 +15814,7 @@
           <p:cNvPr id="21" name="그림 20">
             <a:extLst>
               <a:ext uri="{FF2B5EF4-FFF2-40B4-BE49-F238E27FC236}">
-                <a16:creationId xmlns:a16="http://schemas.microsoft.com/office/drawing/2014/main" id="{45D5577E-45C2-4C80-87F1-68F9E9632C46}"/>
+                <a16:creationId xmlns:a16="http://schemas.microsoft.com/office/drawing/2014/main" xmlns="" id="{45D5577E-45C2-4C80-87F1-68F9E9632C46}"/>
               </a:ext>
             </a:extLst>
           </p:cNvPr>
@@ -16775,7 +16775,7 @@
                 <a:gridCol w="2688299">
                   <a:extLst>
                     <a:ext uri="{9D8B030D-6E8A-4147-A177-3AD203B41FA5}">
-                      <a16:colId xmlns:a16="http://schemas.microsoft.com/office/drawing/2014/main" val="20000"/>
+                      <a16:colId xmlns:a16="http://schemas.microsoft.com/office/drawing/2014/main" xmlns="" val="20000"/>
                     </a:ext>
                   </a:extLst>
                 </a:gridCol>
@@ -16807,7 +16807,7 @@
                 </a:tc>
                 <a:extLst>
                   <a:ext uri="{0D108BD9-81ED-4DB2-BD59-A6C34878D82A}">
-                    <a16:rowId xmlns:a16="http://schemas.microsoft.com/office/drawing/2014/main" val="10000"/>
+                    <a16:rowId xmlns:a16="http://schemas.microsoft.com/office/drawing/2014/main" xmlns="" val="10000"/>
                   </a:ext>
                 </a:extLst>
               </a:tr>
@@ -16835,7 +16835,7 @@
                 </a:tc>
                 <a:extLst>
                   <a:ext uri="{0D108BD9-81ED-4DB2-BD59-A6C34878D82A}">
-                    <a16:rowId xmlns:a16="http://schemas.microsoft.com/office/drawing/2014/main" val="10001"/>
+                    <a16:rowId xmlns:a16="http://schemas.microsoft.com/office/drawing/2014/main" xmlns="" val="10001"/>
                   </a:ext>
                 </a:extLst>
               </a:tr>
@@ -16919,14 +16919,14 @@
                 <a:gridCol w="280507">
                   <a:extLst>
                     <a:ext uri="{9D8B030D-6E8A-4147-A177-3AD203B41FA5}">
-                      <a16:colId xmlns:a16="http://schemas.microsoft.com/office/drawing/2014/main" val="20000"/>
+                      <a16:colId xmlns:a16="http://schemas.microsoft.com/office/drawing/2014/main" xmlns="" val="20000"/>
                     </a:ext>
                   </a:extLst>
                 </a:gridCol>
                 <a:gridCol w="2407792">
                   <a:extLst>
                     <a:ext uri="{9D8B030D-6E8A-4147-A177-3AD203B41FA5}">
-                      <a16:colId xmlns:a16="http://schemas.microsoft.com/office/drawing/2014/main" val="20001"/>
+                      <a16:colId xmlns:a16="http://schemas.microsoft.com/office/drawing/2014/main" xmlns="" val="20001"/>
                     </a:ext>
                   </a:extLst>
                 </a:gridCol>
@@ -16980,7 +16980,7 @@
                 </a:tc>
                 <a:extLst>
                   <a:ext uri="{0D108BD9-81ED-4DB2-BD59-A6C34878D82A}">
-                    <a16:rowId xmlns:a16="http://schemas.microsoft.com/office/drawing/2014/main" val="10000"/>
+                    <a16:rowId xmlns:a16="http://schemas.microsoft.com/office/drawing/2014/main" xmlns="" val="10000"/>
                   </a:ext>
                 </a:extLst>
               </a:tr>
@@ -17212,7 +17212,7 @@
                 </a:tc>
                 <a:extLst>
                   <a:ext uri="{0D108BD9-81ED-4DB2-BD59-A6C34878D82A}">
-                    <a16:rowId xmlns:a16="http://schemas.microsoft.com/office/drawing/2014/main" val="10001"/>
+                    <a16:rowId xmlns:a16="http://schemas.microsoft.com/office/drawing/2014/main" xmlns="" val="10001"/>
                   </a:ext>
                 </a:extLst>
               </a:tr>
@@ -17330,7 +17330,7 @@
                 </a:tc>
                 <a:extLst>
                   <a:ext uri="{0D108BD9-81ED-4DB2-BD59-A6C34878D82A}">
-                    <a16:rowId xmlns:a16="http://schemas.microsoft.com/office/drawing/2014/main" val="10002"/>
+                    <a16:rowId xmlns:a16="http://schemas.microsoft.com/office/drawing/2014/main" xmlns="" val="10002"/>
                   </a:ext>
                 </a:extLst>
               </a:tr>
@@ -17531,7 +17531,7 @@
                 </a:tc>
                 <a:extLst>
                   <a:ext uri="{0D108BD9-81ED-4DB2-BD59-A6C34878D82A}">
-                    <a16:rowId xmlns:a16="http://schemas.microsoft.com/office/drawing/2014/main" val="10003"/>
+                    <a16:rowId xmlns:a16="http://schemas.microsoft.com/office/drawing/2014/main" xmlns="" val="10003"/>
                   </a:ext>
                 </a:extLst>
               </a:tr>
@@ -17544,7 +17544,7 @@
           <p:cNvPr id="3" name="직사각형 2">
             <a:extLst>
               <a:ext uri="{FF2B5EF4-FFF2-40B4-BE49-F238E27FC236}">
-                <a16:creationId xmlns:a16="http://schemas.microsoft.com/office/drawing/2014/main" id="{7C9E9366-B86C-4147-AAEA-0E8C98D7DA95}"/>
+                <a16:creationId xmlns:a16="http://schemas.microsoft.com/office/drawing/2014/main" xmlns="" id="{7C9E9366-B86C-4147-AAEA-0E8C98D7DA95}"/>
               </a:ext>
             </a:extLst>
           </p:cNvPr>
@@ -17596,7 +17596,7 @@
           <p:cNvPr id="7" name="직사각형 6">
             <a:extLst>
               <a:ext uri="{FF2B5EF4-FFF2-40B4-BE49-F238E27FC236}">
-                <a16:creationId xmlns:a16="http://schemas.microsoft.com/office/drawing/2014/main" id="{DA06AE45-F21F-4390-88D7-43E648964D4B}"/>
+                <a16:creationId xmlns:a16="http://schemas.microsoft.com/office/drawing/2014/main" xmlns="" id="{DA06AE45-F21F-4390-88D7-43E648964D4B}"/>
               </a:ext>
             </a:extLst>
           </p:cNvPr>
@@ -17663,7 +17663,7 @@
           <p:cNvPr id="8" name="직사각형 7">
             <a:extLst>
               <a:ext uri="{FF2B5EF4-FFF2-40B4-BE49-F238E27FC236}">
-                <a16:creationId xmlns:a16="http://schemas.microsoft.com/office/drawing/2014/main" id="{5680EFB1-35EB-44AB-BD93-A7F972038C3F}"/>
+                <a16:creationId xmlns:a16="http://schemas.microsoft.com/office/drawing/2014/main" xmlns="" id="{5680EFB1-35EB-44AB-BD93-A7F972038C3F}"/>
               </a:ext>
             </a:extLst>
           </p:cNvPr>
@@ -17730,7 +17730,7 @@
           <p:cNvPr id="16" name="직사각형 15">
             <a:extLst>
               <a:ext uri="{FF2B5EF4-FFF2-40B4-BE49-F238E27FC236}">
-                <a16:creationId xmlns:a16="http://schemas.microsoft.com/office/drawing/2014/main" id="{029E53B2-7F53-473E-AF6D-1A4175F70FEE}"/>
+                <a16:creationId xmlns:a16="http://schemas.microsoft.com/office/drawing/2014/main" xmlns="" id="{029E53B2-7F53-473E-AF6D-1A4175F70FEE}"/>
               </a:ext>
             </a:extLst>
           </p:cNvPr>
@@ -17797,7 +17797,7 @@
           <p:cNvPr id="17" name="그림 16">
             <a:extLst>
               <a:ext uri="{FF2B5EF4-FFF2-40B4-BE49-F238E27FC236}">
-                <a16:creationId xmlns:a16="http://schemas.microsoft.com/office/drawing/2014/main" id="{1C9E681F-3A8E-484C-AD76-4BD556599AD7}"/>
+                <a16:creationId xmlns:a16="http://schemas.microsoft.com/office/drawing/2014/main" xmlns="" id="{1C9E681F-3A8E-484C-AD76-4BD556599AD7}"/>
               </a:ext>
             </a:extLst>
           </p:cNvPr>
@@ -18590,7 +18590,7 @@
                 <a:gridCol w="3802144">
                   <a:extLst>
                     <a:ext uri="{9D8B030D-6E8A-4147-A177-3AD203B41FA5}">
-                      <a16:colId xmlns:a16="http://schemas.microsoft.com/office/drawing/2014/main" val="20000"/>
+                      <a16:colId xmlns:a16="http://schemas.microsoft.com/office/drawing/2014/main" xmlns="" val="20000"/>
                     </a:ext>
                   </a:extLst>
                 </a:gridCol>
@@ -18639,7 +18639,7 @@
                 </a:tc>
                 <a:extLst>
                   <a:ext uri="{0D108BD9-81ED-4DB2-BD59-A6C34878D82A}">
-                    <a16:rowId xmlns:a16="http://schemas.microsoft.com/office/drawing/2014/main" val="10000"/>
+                    <a16:rowId xmlns:a16="http://schemas.microsoft.com/office/drawing/2014/main" xmlns="" val="10000"/>
                   </a:ext>
                 </a:extLst>
               </a:tr>
@@ -18663,7 +18663,7 @@
                 </a:tc>
                 <a:extLst>
                   <a:ext uri="{0D108BD9-81ED-4DB2-BD59-A6C34878D82A}">
-                    <a16:rowId xmlns:a16="http://schemas.microsoft.com/office/drawing/2014/main" val="10001"/>
+                    <a16:rowId xmlns:a16="http://schemas.microsoft.com/office/drawing/2014/main" xmlns="" val="10001"/>
                   </a:ext>
                 </a:extLst>
               </a:tr>
@@ -19348,7 +19348,7 @@
                 <a:gridCol w="3523469">
                   <a:extLst>
                     <a:ext uri="{9D8B030D-6E8A-4147-A177-3AD203B41FA5}">
-                      <a16:colId xmlns:a16="http://schemas.microsoft.com/office/drawing/2014/main" val="20000"/>
+                      <a16:colId xmlns:a16="http://schemas.microsoft.com/office/drawing/2014/main" xmlns="" val="20000"/>
                     </a:ext>
                   </a:extLst>
                 </a:gridCol>
@@ -19380,7 +19380,7 @@
                 </a:tc>
                 <a:extLst>
                   <a:ext uri="{0D108BD9-81ED-4DB2-BD59-A6C34878D82A}">
-                    <a16:rowId xmlns:a16="http://schemas.microsoft.com/office/drawing/2014/main" val="10000"/>
+                    <a16:rowId xmlns:a16="http://schemas.microsoft.com/office/drawing/2014/main" xmlns="" val="10000"/>
                   </a:ext>
                 </a:extLst>
               </a:tr>
@@ -19404,7 +19404,7 @@
                 </a:tc>
                 <a:extLst>
                   <a:ext uri="{0D108BD9-81ED-4DB2-BD59-A6C34878D82A}">
-                    <a16:rowId xmlns:a16="http://schemas.microsoft.com/office/drawing/2014/main" val="10001"/>
+                    <a16:rowId xmlns:a16="http://schemas.microsoft.com/office/drawing/2014/main" xmlns="" val="10001"/>
                   </a:ext>
                 </a:extLst>
               </a:tr>
@@ -20235,7 +20235,7 @@
                 <a:gridCol w="2688299">
                   <a:extLst>
                     <a:ext uri="{9D8B030D-6E8A-4147-A177-3AD203B41FA5}">
-                      <a16:colId xmlns:a16="http://schemas.microsoft.com/office/drawing/2014/main" val="20000"/>
+                      <a16:colId xmlns:a16="http://schemas.microsoft.com/office/drawing/2014/main" xmlns="" val="20000"/>
                     </a:ext>
                   </a:extLst>
                 </a:gridCol>
@@ -20267,7 +20267,7 @@
                 </a:tc>
                 <a:extLst>
                   <a:ext uri="{0D108BD9-81ED-4DB2-BD59-A6C34878D82A}">
-                    <a16:rowId xmlns:a16="http://schemas.microsoft.com/office/drawing/2014/main" val="10000"/>
+                    <a16:rowId xmlns:a16="http://schemas.microsoft.com/office/drawing/2014/main" xmlns="" val="10000"/>
                   </a:ext>
                 </a:extLst>
               </a:tr>
@@ -20319,7 +20319,7 @@
                 </a:tc>
                 <a:extLst>
                   <a:ext uri="{0D108BD9-81ED-4DB2-BD59-A6C34878D82A}">
-                    <a16:rowId xmlns:a16="http://schemas.microsoft.com/office/drawing/2014/main" val="10001"/>
+                    <a16:rowId xmlns:a16="http://schemas.microsoft.com/office/drawing/2014/main" xmlns="" val="10001"/>
                   </a:ext>
                 </a:extLst>
               </a:tr>
@@ -20395,14 +20395,14 @@
                 <a:gridCol w="280507">
                   <a:extLst>
                     <a:ext uri="{9D8B030D-6E8A-4147-A177-3AD203B41FA5}">
-                      <a16:colId xmlns:a16="http://schemas.microsoft.com/office/drawing/2014/main" val="20000"/>
+                      <a16:colId xmlns:a16="http://schemas.microsoft.com/office/drawing/2014/main" xmlns="" val="20000"/>
                     </a:ext>
                   </a:extLst>
                 </a:gridCol>
                 <a:gridCol w="2407792">
                   <a:extLst>
                     <a:ext uri="{9D8B030D-6E8A-4147-A177-3AD203B41FA5}">
-                      <a16:colId xmlns:a16="http://schemas.microsoft.com/office/drawing/2014/main" val="20001"/>
+                      <a16:colId xmlns:a16="http://schemas.microsoft.com/office/drawing/2014/main" xmlns="" val="20001"/>
                     </a:ext>
                   </a:extLst>
                 </a:gridCol>
@@ -20456,7 +20456,7 @@
                 </a:tc>
                 <a:extLst>
                   <a:ext uri="{0D108BD9-81ED-4DB2-BD59-A6C34878D82A}">
-                    <a16:rowId xmlns:a16="http://schemas.microsoft.com/office/drawing/2014/main" val="10000"/>
+                    <a16:rowId xmlns:a16="http://schemas.microsoft.com/office/drawing/2014/main" xmlns="" val="10000"/>
                   </a:ext>
                 </a:extLst>
               </a:tr>
@@ -20616,7 +20616,7 @@
                 </a:tc>
                 <a:extLst>
                   <a:ext uri="{0D108BD9-81ED-4DB2-BD59-A6C34878D82A}">
-                    <a16:rowId xmlns:a16="http://schemas.microsoft.com/office/drawing/2014/main" val="10001"/>
+                    <a16:rowId xmlns:a16="http://schemas.microsoft.com/office/drawing/2014/main" xmlns="" val="10001"/>
                   </a:ext>
                 </a:extLst>
               </a:tr>
@@ -20734,7 +20734,7 @@
                 </a:tc>
                 <a:extLst>
                   <a:ext uri="{0D108BD9-81ED-4DB2-BD59-A6C34878D82A}">
-                    <a16:rowId xmlns:a16="http://schemas.microsoft.com/office/drawing/2014/main" val="10002"/>
+                    <a16:rowId xmlns:a16="http://schemas.microsoft.com/office/drawing/2014/main" xmlns="" val="10002"/>
                   </a:ext>
                 </a:extLst>
               </a:tr>
@@ -20935,7 +20935,7 @@
                 </a:tc>
                 <a:extLst>
                   <a:ext uri="{0D108BD9-81ED-4DB2-BD59-A6C34878D82A}">
-                    <a16:rowId xmlns:a16="http://schemas.microsoft.com/office/drawing/2014/main" val="10003"/>
+                    <a16:rowId xmlns:a16="http://schemas.microsoft.com/office/drawing/2014/main" xmlns="" val="10003"/>
                   </a:ext>
                 </a:extLst>
               </a:tr>
@@ -20981,7 +20981,7 @@
                 </a:tc>
                 <a:extLst>
                   <a:ext uri="{0D108BD9-81ED-4DB2-BD59-A6C34878D82A}">
-                    <a16:rowId xmlns:a16="http://schemas.microsoft.com/office/drawing/2014/main" val="10004"/>
+                    <a16:rowId xmlns:a16="http://schemas.microsoft.com/office/drawing/2014/main" xmlns="" val="10004"/>
                   </a:ext>
                 </a:extLst>
               </a:tr>
@@ -21027,7 +21027,7 @@
                 </a:tc>
                 <a:extLst>
                   <a:ext uri="{0D108BD9-81ED-4DB2-BD59-A6C34878D82A}">
-                    <a16:rowId xmlns:a16="http://schemas.microsoft.com/office/drawing/2014/main" val="10005"/>
+                    <a16:rowId xmlns:a16="http://schemas.microsoft.com/office/drawing/2014/main" xmlns="" val="10005"/>
                   </a:ext>
                 </a:extLst>
               </a:tr>
@@ -21040,7 +21040,7 @@
           <p:cNvPr id="3" name="직사각형 2">
             <a:extLst>
               <a:ext uri="{FF2B5EF4-FFF2-40B4-BE49-F238E27FC236}">
-                <a16:creationId xmlns:a16="http://schemas.microsoft.com/office/drawing/2014/main" id="{7C9E9366-B86C-4147-AAEA-0E8C98D7DA95}"/>
+                <a16:creationId xmlns:a16="http://schemas.microsoft.com/office/drawing/2014/main" xmlns="" id="{7C9E9366-B86C-4147-AAEA-0E8C98D7DA95}"/>
               </a:ext>
             </a:extLst>
           </p:cNvPr>
@@ -21094,7 +21094,7 @@
           <p:cNvPr id="7" name="직사각형 6">
             <a:extLst>
               <a:ext uri="{FF2B5EF4-FFF2-40B4-BE49-F238E27FC236}">
-                <a16:creationId xmlns:a16="http://schemas.microsoft.com/office/drawing/2014/main" id="{DA06AE45-F21F-4390-88D7-43E648964D4B}"/>
+                <a16:creationId xmlns:a16="http://schemas.microsoft.com/office/drawing/2014/main" xmlns="" id="{DA06AE45-F21F-4390-88D7-43E648964D4B}"/>
               </a:ext>
             </a:extLst>
           </p:cNvPr>
@@ -21166,7 +21166,7 @@
           <p:cNvPr id="8" name="직사각형 7">
             <a:extLst>
               <a:ext uri="{FF2B5EF4-FFF2-40B4-BE49-F238E27FC236}">
-                <a16:creationId xmlns:a16="http://schemas.microsoft.com/office/drawing/2014/main" id="{5680EFB1-35EB-44AB-BD93-A7F972038C3F}"/>
+                <a16:creationId xmlns:a16="http://schemas.microsoft.com/office/drawing/2014/main" xmlns="" id="{5680EFB1-35EB-44AB-BD93-A7F972038C3F}"/>
               </a:ext>
             </a:extLst>
           </p:cNvPr>
@@ -21233,7 +21233,7 @@
           <p:cNvPr id="16" name="직사각형 15">
             <a:extLst>
               <a:ext uri="{FF2B5EF4-FFF2-40B4-BE49-F238E27FC236}">
-                <a16:creationId xmlns:a16="http://schemas.microsoft.com/office/drawing/2014/main" id="{029E53B2-7F53-473E-AF6D-1A4175F70FEE}"/>
+                <a16:creationId xmlns:a16="http://schemas.microsoft.com/office/drawing/2014/main" xmlns="" id="{029E53B2-7F53-473E-AF6D-1A4175F70FEE}"/>
               </a:ext>
             </a:extLst>
           </p:cNvPr>
@@ -21300,7 +21300,7 @@
           <p:cNvPr id="20" name="직사각형 19">
             <a:extLst>
               <a:ext uri="{FF2B5EF4-FFF2-40B4-BE49-F238E27FC236}">
-                <a16:creationId xmlns:a16="http://schemas.microsoft.com/office/drawing/2014/main" id="{05B48ABB-BAE8-4A68-AC7E-978A306CAA93}"/>
+                <a16:creationId xmlns:a16="http://schemas.microsoft.com/office/drawing/2014/main" xmlns="" id="{05B48ABB-BAE8-4A68-AC7E-978A306CAA93}"/>
               </a:ext>
             </a:extLst>
           </p:cNvPr>
@@ -21413,7 +21413,7 @@
           <p:cNvPr id="22" name="Picture 2">
             <a:extLst>
               <a:ext uri="{FF2B5EF4-FFF2-40B4-BE49-F238E27FC236}">
-                <a16:creationId xmlns:a16="http://schemas.microsoft.com/office/drawing/2014/main" id="{0739B760-6A7F-41DA-995A-7545E23B3BDB}"/>
+                <a16:creationId xmlns:a16="http://schemas.microsoft.com/office/drawing/2014/main" xmlns="" id="{0739B760-6A7F-41DA-995A-7545E23B3BDB}"/>
               </a:ext>
             </a:extLst>
           </p:cNvPr>
@@ -22164,7 +22164,7 @@
                 <a:gridCol w="4446971">
                   <a:extLst>
                     <a:ext uri="{9D8B030D-6E8A-4147-A177-3AD203B41FA5}">
-                      <a16:colId xmlns:a16="http://schemas.microsoft.com/office/drawing/2014/main" val="20000"/>
+                      <a16:colId xmlns:a16="http://schemas.microsoft.com/office/drawing/2014/main" xmlns="" val="20000"/>
                     </a:ext>
                   </a:extLst>
                 </a:gridCol>
@@ -22213,7 +22213,7 @@
                 </a:tc>
                 <a:extLst>
                   <a:ext uri="{0D108BD9-81ED-4DB2-BD59-A6C34878D82A}">
-                    <a16:rowId xmlns:a16="http://schemas.microsoft.com/office/drawing/2014/main" val="10000"/>
+                    <a16:rowId xmlns:a16="http://schemas.microsoft.com/office/drawing/2014/main" xmlns="" val="10000"/>
                   </a:ext>
                 </a:extLst>
               </a:tr>
@@ -22237,7 +22237,7 @@
                 </a:tc>
                 <a:extLst>
                   <a:ext uri="{0D108BD9-81ED-4DB2-BD59-A6C34878D82A}">
-                    <a16:rowId xmlns:a16="http://schemas.microsoft.com/office/drawing/2014/main" val="10001"/>
+                    <a16:rowId xmlns:a16="http://schemas.microsoft.com/office/drawing/2014/main" xmlns="" val="10001"/>
                   </a:ext>
                 </a:extLst>
               </a:tr>
@@ -22990,7 +22990,7 @@
                 <a:gridCol w="8953831">
                   <a:extLst>
                     <a:ext uri="{9D8B030D-6E8A-4147-A177-3AD203B41FA5}">
-                      <a16:colId xmlns:a16="http://schemas.microsoft.com/office/drawing/2014/main" val="20000"/>
+                      <a16:colId xmlns:a16="http://schemas.microsoft.com/office/drawing/2014/main" xmlns="" val="20000"/>
                     </a:ext>
                   </a:extLst>
                 </a:gridCol>
@@ -23022,7 +23022,7 @@
                 </a:tc>
                 <a:extLst>
                   <a:ext uri="{0D108BD9-81ED-4DB2-BD59-A6C34878D82A}">
-                    <a16:rowId xmlns:a16="http://schemas.microsoft.com/office/drawing/2014/main" val="10000"/>
+                    <a16:rowId xmlns:a16="http://schemas.microsoft.com/office/drawing/2014/main" xmlns="" val="10000"/>
                   </a:ext>
                 </a:extLst>
               </a:tr>
@@ -23046,7 +23046,7 @@
                 </a:tc>
                 <a:extLst>
                   <a:ext uri="{0D108BD9-81ED-4DB2-BD59-A6C34878D82A}">
-                    <a16:rowId xmlns:a16="http://schemas.microsoft.com/office/drawing/2014/main" val="10001"/>
+                    <a16:rowId xmlns:a16="http://schemas.microsoft.com/office/drawing/2014/main" xmlns="" val="10001"/>
                   </a:ext>
                 </a:extLst>
               </a:tr>
@@ -23881,7 +23881,7 @@
                 <a:gridCol w="2688299">
                   <a:extLst>
                     <a:ext uri="{9D8B030D-6E8A-4147-A177-3AD203B41FA5}">
-                      <a16:colId xmlns:a16="http://schemas.microsoft.com/office/drawing/2014/main" val="20000"/>
+                      <a16:colId xmlns:a16="http://schemas.microsoft.com/office/drawing/2014/main" xmlns="" val="20000"/>
                     </a:ext>
                   </a:extLst>
                 </a:gridCol>
@@ -23913,7 +23913,7 @@
                 </a:tc>
                 <a:extLst>
                   <a:ext uri="{0D108BD9-81ED-4DB2-BD59-A6C34878D82A}">
-                    <a16:rowId xmlns:a16="http://schemas.microsoft.com/office/drawing/2014/main" val="10000"/>
+                    <a16:rowId xmlns:a16="http://schemas.microsoft.com/office/drawing/2014/main" xmlns="" val="10000"/>
                   </a:ext>
                 </a:extLst>
               </a:tr>
@@ -23976,7 +23976,7 @@
                 </a:tc>
                 <a:extLst>
                   <a:ext uri="{0D108BD9-81ED-4DB2-BD59-A6C34878D82A}">
-                    <a16:rowId xmlns:a16="http://schemas.microsoft.com/office/drawing/2014/main" val="10001"/>
+                    <a16:rowId xmlns:a16="http://schemas.microsoft.com/office/drawing/2014/main" xmlns="" val="10001"/>
                   </a:ext>
                 </a:extLst>
               </a:tr>
@@ -24052,14 +24052,14 @@
                 <a:gridCol w="280507">
                   <a:extLst>
                     <a:ext uri="{9D8B030D-6E8A-4147-A177-3AD203B41FA5}">
-                      <a16:colId xmlns:a16="http://schemas.microsoft.com/office/drawing/2014/main" val="20000"/>
+                      <a16:colId xmlns:a16="http://schemas.microsoft.com/office/drawing/2014/main" xmlns="" val="20000"/>
                     </a:ext>
                   </a:extLst>
                 </a:gridCol>
                 <a:gridCol w="2407792">
                   <a:extLst>
                     <a:ext uri="{9D8B030D-6E8A-4147-A177-3AD203B41FA5}">
-                      <a16:colId xmlns:a16="http://schemas.microsoft.com/office/drawing/2014/main" val="20001"/>
+                      <a16:colId xmlns:a16="http://schemas.microsoft.com/office/drawing/2014/main" xmlns="" val="20001"/>
                     </a:ext>
                   </a:extLst>
                 </a:gridCol>
@@ -24113,7 +24113,7 @@
                 </a:tc>
                 <a:extLst>
                   <a:ext uri="{0D108BD9-81ED-4DB2-BD59-A6C34878D82A}">
-                    <a16:rowId xmlns:a16="http://schemas.microsoft.com/office/drawing/2014/main" val="10000"/>
+                    <a16:rowId xmlns:a16="http://schemas.microsoft.com/office/drawing/2014/main" xmlns="" val="10000"/>
                   </a:ext>
                 </a:extLst>
               </a:tr>
@@ -24285,7 +24285,7 @@
                 </a:tc>
                 <a:extLst>
                   <a:ext uri="{0D108BD9-81ED-4DB2-BD59-A6C34878D82A}">
-                    <a16:rowId xmlns:a16="http://schemas.microsoft.com/office/drawing/2014/main" val="10001"/>
+                    <a16:rowId xmlns:a16="http://schemas.microsoft.com/office/drawing/2014/main" xmlns="" val="10001"/>
                   </a:ext>
                 </a:extLst>
               </a:tr>
@@ -24336,7 +24336,7 @@
                 </a:tc>
                 <a:extLst>
                   <a:ext uri="{0D108BD9-81ED-4DB2-BD59-A6C34878D82A}">
-                    <a16:rowId xmlns:a16="http://schemas.microsoft.com/office/drawing/2014/main" val="10002"/>
+                    <a16:rowId xmlns:a16="http://schemas.microsoft.com/office/drawing/2014/main" xmlns="" val="10002"/>
                   </a:ext>
                 </a:extLst>
               </a:tr>
@@ -24382,7 +24382,7 @@
                 </a:tc>
                 <a:extLst>
                   <a:ext uri="{0D108BD9-81ED-4DB2-BD59-A6C34878D82A}">
-                    <a16:rowId xmlns:a16="http://schemas.microsoft.com/office/drawing/2014/main" val="10003"/>
+                    <a16:rowId xmlns:a16="http://schemas.microsoft.com/office/drawing/2014/main" xmlns="" val="10003"/>
                   </a:ext>
                 </a:extLst>
               </a:tr>
@@ -24428,7 +24428,7 @@
                 </a:tc>
                 <a:extLst>
                   <a:ext uri="{0D108BD9-81ED-4DB2-BD59-A6C34878D82A}">
-                    <a16:rowId xmlns:a16="http://schemas.microsoft.com/office/drawing/2014/main" val="10004"/>
+                    <a16:rowId xmlns:a16="http://schemas.microsoft.com/office/drawing/2014/main" xmlns="" val="10004"/>
                   </a:ext>
                 </a:extLst>
               </a:tr>
@@ -24474,7 +24474,7 @@
                 </a:tc>
                 <a:extLst>
                   <a:ext uri="{0D108BD9-81ED-4DB2-BD59-A6C34878D82A}">
-                    <a16:rowId xmlns:a16="http://schemas.microsoft.com/office/drawing/2014/main" val="10005"/>
+                    <a16:rowId xmlns:a16="http://schemas.microsoft.com/office/drawing/2014/main" xmlns="" val="10005"/>
                   </a:ext>
                 </a:extLst>
               </a:tr>
@@ -24487,7 +24487,7 @@
           <p:cNvPr id="3" name="직사각형 2">
             <a:extLst>
               <a:ext uri="{FF2B5EF4-FFF2-40B4-BE49-F238E27FC236}">
-                <a16:creationId xmlns:a16="http://schemas.microsoft.com/office/drawing/2014/main" id="{7C9E9366-B86C-4147-AAEA-0E8C98D7DA95}"/>
+                <a16:creationId xmlns:a16="http://schemas.microsoft.com/office/drawing/2014/main" xmlns="" id="{7C9E9366-B86C-4147-AAEA-0E8C98D7DA95}"/>
               </a:ext>
             </a:extLst>
           </p:cNvPr>
@@ -24541,7 +24541,7 @@
           <p:cNvPr id="7" name="직사각형 6">
             <a:extLst>
               <a:ext uri="{FF2B5EF4-FFF2-40B4-BE49-F238E27FC236}">
-                <a16:creationId xmlns:a16="http://schemas.microsoft.com/office/drawing/2014/main" id="{DA06AE45-F21F-4390-88D7-43E648964D4B}"/>
+                <a16:creationId xmlns:a16="http://schemas.microsoft.com/office/drawing/2014/main" xmlns="" id="{DA06AE45-F21F-4390-88D7-43E648964D4B}"/>
               </a:ext>
             </a:extLst>
           </p:cNvPr>
@@ -24600,7 +24600,7 @@
           <p:cNvPr id="15" name="직사각형 14">
             <a:extLst>
               <a:ext uri="{FF2B5EF4-FFF2-40B4-BE49-F238E27FC236}">
-                <a16:creationId xmlns:a16="http://schemas.microsoft.com/office/drawing/2014/main" id="{DA06AE45-F21F-4390-88D7-43E648964D4B}"/>
+                <a16:creationId xmlns:a16="http://schemas.microsoft.com/office/drawing/2014/main" xmlns="" id="{DA06AE45-F21F-4390-88D7-43E648964D4B}"/>
               </a:ext>
             </a:extLst>
           </p:cNvPr>
@@ -24692,7 +24692,7 @@
           <p:cNvPr id="20" name="직사각형 19">
             <a:extLst>
               <a:ext uri="{FF2B5EF4-FFF2-40B4-BE49-F238E27FC236}">
-                <a16:creationId xmlns:a16="http://schemas.microsoft.com/office/drawing/2014/main" id="{DA06AE45-F21F-4390-88D7-43E648964D4B}"/>
+                <a16:creationId xmlns:a16="http://schemas.microsoft.com/office/drawing/2014/main" xmlns="" id="{DA06AE45-F21F-4390-88D7-43E648964D4B}"/>
               </a:ext>
             </a:extLst>
           </p:cNvPr>
@@ -24788,7 +24788,7 @@
           <p:cNvPr id="21" name="직사각형 20">
             <a:extLst>
               <a:ext uri="{FF2B5EF4-FFF2-40B4-BE49-F238E27FC236}">
-                <a16:creationId xmlns:a16="http://schemas.microsoft.com/office/drawing/2014/main" id="{CAAA2E95-238B-4DBC-8C5A-5AAB9DBB0576}"/>
+                <a16:creationId xmlns:a16="http://schemas.microsoft.com/office/drawing/2014/main" xmlns="" id="{CAAA2E95-238B-4DBC-8C5A-5AAB9DBB0576}"/>
               </a:ext>
             </a:extLst>
           </p:cNvPr>
@@ -24901,7 +24901,7 @@
           <p:cNvPr id="22" name="Picture 2">
             <a:extLst>
               <a:ext uri="{FF2B5EF4-FFF2-40B4-BE49-F238E27FC236}">
-                <a16:creationId xmlns:a16="http://schemas.microsoft.com/office/drawing/2014/main" id="{8F2B17F5-0F2E-4447-9A47-71EEFEDEA730}"/>
+                <a16:creationId xmlns:a16="http://schemas.microsoft.com/office/drawing/2014/main" xmlns="" id="{8F2B17F5-0F2E-4447-9A47-71EEFEDEA730}"/>
               </a:ext>
             </a:extLst>
           </p:cNvPr>
@@ -25613,7 +25613,7 @@
                 <a:gridCol w="3885568">
                   <a:extLst>
                     <a:ext uri="{9D8B030D-6E8A-4147-A177-3AD203B41FA5}">
-                      <a16:colId xmlns:a16="http://schemas.microsoft.com/office/drawing/2014/main" val="20000"/>
+                      <a16:colId xmlns:a16="http://schemas.microsoft.com/office/drawing/2014/main" xmlns="" val="20000"/>
                     </a:ext>
                   </a:extLst>
                 </a:gridCol>
@@ -25662,7 +25662,7 @@
                 </a:tc>
                 <a:extLst>
                   <a:ext uri="{0D108BD9-81ED-4DB2-BD59-A6C34878D82A}">
-                    <a16:rowId xmlns:a16="http://schemas.microsoft.com/office/drawing/2014/main" val="10000"/>
+                    <a16:rowId xmlns:a16="http://schemas.microsoft.com/office/drawing/2014/main" xmlns="" val="10000"/>
                   </a:ext>
                 </a:extLst>
               </a:tr>
@@ -25686,7 +25686,7 @@
                 </a:tc>
                 <a:extLst>
                   <a:ext uri="{0D108BD9-81ED-4DB2-BD59-A6C34878D82A}">
-                    <a16:rowId xmlns:a16="http://schemas.microsoft.com/office/drawing/2014/main" val="10001"/>
+                    <a16:rowId xmlns:a16="http://schemas.microsoft.com/office/drawing/2014/main" xmlns="" val="10001"/>
                   </a:ext>
                 </a:extLst>
               </a:tr>
@@ -25787,7 +25787,7 @@
                 <a:gridCol w="4351234">
                   <a:extLst>
                     <a:ext uri="{9D8B030D-6E8A-4147-A177-3AD203B41FA5}">
-                      <a16:colId xmlns:a16="http://schemas.microsoft.com/office/drawing/2014/main" val="20000"/>
+                      <a16:colId xmlns:a16="http://schemas.microsoft.com/office/drawing/2014/main" xmlns="" val="20000"/>
                     </a:ext>
                   </a:extLst>
                 </a:gridCol>
@@ -25819,7 +25819,7 @@
                 </a:tc>
                 <a:extLst>
                   <a:ext uri="{0D108BD9-81ED-4DB2-BD59-A6C34878D82A}">
-                    <a16:rowId xmlns:a16="http://schemas.microsoft.com/office/drawing/2014/main" val="10000"/>
+                    <a16:rowId xmlns:a16="http://schemas.microsoft.com/office/drawing/2014/main" xmlns="" val="10000"/>
                   </a:ext>
                 </a:extLst>
               </a:tr>
@@ -25843,7 +25843,7 @@
                 </a:tc>
                 <a:extLst>
                   <a:ext uri="{0D108BD9-81ED-4DB2-BD59-A6C34878D82A}">
-                    <a16:rowId xmlns:a16="http://schemas.microsoft.com/office/drawing/2014/main" val="10001"/>
+                    <a16:rowId xmlns:a16="http://schemas.microsoft.com/office/drawing/2014/main" xmlns="" val="10001"/>
                   </a:ext>
                 </a:extLst>
               </a:tr>
@@ -26674,7 +26674,7 @@
                 <a:gridCol w="2688299">
                   <a:extLst>
                     <a:ext uri="{9D8B030D-6E8A-4147-A177-3AD203B41FA5}">
-                      <a16:colId xmlns:a16="http://schemas.microsoft.com/office/drawing/2014/main" val="20000"/>
+                      <a16:colId xmlns:a16="http://schemas.microsoft.com/office/drawing/2014/main" xmlns="" val="20000"/>
                     </a:ext>
                   </a:extLst>
                 </a:gridCol>
@@ -26706,7 +26706,7 @@
                 </a:tc>
                 <a:extLst>
                   <a:ext uri="{0D108BD9-81ED-4DB2-BD59-A6C34878D82A}">
-                    <a16:rowId xmlns:a16="http://schemas.microsoft.com/office/drawing/2014/main" val="10000"/>
+                    <a16:rowId xmlns:a16="http://schemas.microsoft.com/office/drawing/2014/main" xmlns="" val="10000"/>
                   </a:ext>
                 </a:extLst>
               </a:tr>
@@ -26769,7 +26769,7 @@
                 </a:tc>
                 <a:extLst>
                   <a:ext uri="{0D108BD9-81ED-4DB2-BD59-A6C34878D82A}">
-                    <a16:rowId xmlns:a16="http://schemas.microsoft.com/office/drawing/2014/main" val="10001"/>
+                    <a16:rowId xmlns:a16="http://schemas.microsoft.com/office/drawing/2014/main" xmlns="" val="10001"/>
                   </a:ext>
                 </a:extLst>
               </a:tr>
@@ -26845,14 +26845,14 @@
                 <a:gridCol w="280507">
                   <a:extLst>
                     <a:ext uri="{9D8B030D-6E8A-4147-A177-3AD203B41FA5}">
-                      <a16:colId xmlns:a16="http://schemas.microsoft.com/office/drawing/2014/main" val="20000"/>
+                      <a16:colId xmlns:a16="http://schemas.microsoft.com/office/drawing/2014/main" xmlns="" val="20000"/>
                     </a:ext>
                   </a:extLst>
                 </a:gridCol>
                 <a:gridCol w="2407792">
                   <a:extLst>
                     <a:ext uri="{9D8B030D-6E8A-4147-A177-3AD203B41FA5}">
-                      <a16:colId xmlns:a16="http://schemas.microsoft.com/office/drawing/2014/main" val="20001"/>
+                      <a16:colId xmlns:a16="http://schemas.microsoft.com/office/drawing/2014/main" xmlns="" val="20001"/>
                     </a:ext>
                   </a:extLst>
                 </a:gridCol>
@@ -26906,7 +26906,7 @@
                 </a:tc>
                 <a:extLst>
                   <a:ext uri="{0D108BD9-81ED-4DB2-BD59-A6C34878D82A}">
-                    <a16:rowId xmlns:a16="http://schemas.microsoft.com/office/drawing/2014/main" val="10000"/>
+                    <a16:rowId xmlns:a16="http://schemas.microsoft.com/office/drawing/2014/main" xmlns="" val="10000"/>
                   </a:ext>
                 </a:extLst>
               </a:tr>
@@ -27078,7 +27078,7 @@
                 </a:tc>
                 <a:extLst>
                   <a:ext uri="{0D108BD9-81ED-4DB2-BD59-A6C34878D82A}">
-                    <a16:rowId xmlns:a16="http://schemas.microsoft.com/office/drawing/2014/main" val="10001"/>
+                    <a16:rowId xmlns:a16="http://schemas.microsoft.com/office/drawing/2014/main" xmlns="" val="10001"/>
                   </a:ext>
                 </a:extLst>
               </a:tr>
@@ -27129,7 +27129,7 @@
                 </a:tc>
                 <a:extLst>
                   <a:ext uri="{0D108BD9-81ED-4DB2-BD59-A6C34878D82A}">
-                    <a16:rowId xmlns:a16="http://schemas.microsoft.com/office/drawing/2014/main" val="10002"/>
+                    <a16:rowId xmlns:a16="http://schemas.microsoft.com/office/drawing/2014/main" xmlns="" val="10002"/>
                   </a:ext>
                 </a:extLst>
               </a:tr>
@@ -27175,7 +27175,7 @@
                 </a:tc>
                 <a:extLst>
                   <a:ext uri="{0D108BD9-81ED-4DB2-BD59-A6C34878D82A}">
-                    <a16:rowId xmlns:a16="http://schemas.microsoft.com/office/drawing/2014/main" val="10003"/>
+                    <a16:rowId xmlns:a16="http://schemas.microsoft.com/office/drawing/2014/main" xmlns="" val="10003"/>
                   </a:ext>
                 </a:extLst>
               </a:tr>
@@ -27221,7 +27221,7 @@
                 </a:tc>
                 <a:extLst>
                   <a:ext uri="{0D108BD9-81ED-4DB2-BD59-A6C34878D82A}">
-                    <a16:rowId xmlns:a16="http://schemas.microsoft.com/office/drawing/2014/main" val="10004"/>
+                    <a16:rowId xmlns:a16="http://schemas.microsoft.com/office/drawing/2014/main" xmlns="" val="10004"/>
                   </a:ext>
                 </a:extLst>
               </a:tr>
@@ -27267,7 +27267,7 @@
                 </a:tc>
                 <a:extLst>
                   <a:ext uri="{0D108BD9-81ED-4DB2-BD59-A6C34878D82A}">
-                    <a16:rowId xmlns:a16="http://schemas.microsoft.com/office/drawing/2014/main" val="10005"/>
+                    <a16:rowId xmlns:a16="http://schemas.microsoft.com/office/drawing/2014/main" xmlns="" val="10005"/>
                   </a:ext>
                 </a:extLst>
               </a:tr>
@@ -27280,7 +27280,7 @@
           <p:cNvPr id="3" name="직사각형 2">
             <a:extLst>
               <a:ext uri="{FF2B5EF4-FFF2-40B4-BE49-F238E27FC236}">
-                <a16:creationId xmlns:a16="http://schemas.microsoft.com/office/drawing/2014/main" id="{7C9E9366-B86C-4147-AAEA-0E8C98D7DA95}"/>
+                <a16:creationId xmlns:a16="http://schemas.microsoft.com/office/drawing/2014/main" xmlns="" id="{7C9E9366-B86C-4147-AAEA-0E8C98D7DA95}"/>
               </a:ext>
             </a:extLst>
           </p:cNvPr>
@@ -27332,7 +27332,7 @@
           <p:cNvPr id="7" name="직사각형 6">
             <a:extLst>
               <a:ext uri="{FF2B5EF4-FFF2-40B4-BE49-F238E27FC236}">
-                <a16:creationId xmlns:a16="http://schemas.microsoft.com/office/drawing/2014/main" id="{DA06AE45-F21F-4390-88D7-43E648964D4B}"/>
+                <a16:creationId xmlns:a16="http://schemas.microsoft.com/office/drawing/2014/main" xmlns="" id="{DA06AE45-F21F-4390-88D7-43E648964D4B}"/>
               </a:ext>
             </a:extLst>
           </p:cNvPr>
@@ -27575,7 +27575,7 @@
           <p:cNvPr id="15" name="직사각형 14">
             <a:extLst>
               <a:ext uri="{FF2B5EF4-FFF2-40B4-BE49-F238E27FC236}">
-                <a16:creationId xmlns:a16="http://schemas.microsoft.com/office/drawing/2014/main" id="{FDBC5D4C-8CF3-4443-896A-E9BD5F7B01AF}"/>
+                <a16:creationId xmlns:a16="http://schemas.microsoft.com/office/drawing/2014/main" xmlns="" id="{FDBC5D4C-8CF3-4443-896A-E9BD5F7B01AF}"/>
               </a:ext>
             </a:extLst>
           </p:cNvPr>
@@ -27688,7 +27688,7 @@
           <p:cNvPr id="16" name="Picture 2">
             <a:extLst>
               <a:ext uri="{FF2B5EF4-FFF2-40B4-BE49-F238E27FC236}">
-                <a16:creationId xmlns:a16="http://schemas.microsoft.com/office/drawing/2014/main" id="{B0ADA1D2-6D90-4AAB-B801-22EB70DBDAB9}"/>
+                <a16:creationId xmlns:a16="http://schemas.microsoft.com/office/drawing/2014/main" xmlns="" id="{B0ADA1D2-6D90-4AAB-B801-22EB70DBDAB9}"/>
               </a:ext>
             </a:extLst>
           </p:cNvPr>
@@ -28403,7 +28403,7 @@
                 <a:gridCol w="3936369">
                   <a:extLst>
                     <a:ext uri="{9D8B030D-6E8A-4147-A177-3AD203B41FA5}">
-                      <a16:colId xmlns:a16="http://schemas.microsoft.com/office/drawing/2014/main" val="20000"/>
+                      <a16:colId xmlns:a16="http://schemas.microsoft.com/office/drawing/2014/main" xmlns="" val="20000"/>
                     </a:ext>
                   </a:extLst>
                 </a:gridCol>
@@ -28452,7 +28452,7 @@
                 </a:tc>
                 <a:extLst>
                   <a:ext uri="{0D108BD9-81ED-4DB2-BD59-A6C34878D82A}">
-                    <a16:rowId xmlns:a16="http://schemas.microsoft.com/office/drawing/2014/main" val="10000"/>
+                    <a16:rowId xmlns:a16="http://schemas.microsoft.com/office/drawing/2014/main" xmlns="" val="10000"/>
                   </a:ext>
                 </a:extLst>
               </a:tr>
@@ -28476,7 +28476,7 @@
                 </a:tc>
                 <a:extLst>
                   <a:ext uri="{0D108BD9-81ED-4DB2-BD59-A6C34878D82A}">
-                    <a16:rowId xmlns:a16="http://schemas.microsoft.com/office/drawing/2014/main" val="10001"/>
+                    <a16:rowId xmlns:a16="http://schemas.microsoft.com/office/drawing/2014/main" xmlns="" val="10001"/>
                   </a:ext>
                 </a:extLst>
               </a:tr>
@@ -28540,7 +28540,7 @@
                 <a:gridCol w="4291969">
                   <a:extLst>
                     <a:ext uri="{9D8B030D-6E8A-4147-A177-3AD203B41FA5}">
-                      <a16:colId xmlns:a16="http://schemas.microsoft.com/office/drawing/2014/main" val="20000"/>
+                      <a16:colId xmlns:a16="http://schemas.microsoft.com/office/drawing/2014/main" xmlns="" val="20000"/>
                     </a:ext>
                   </a:extLst>
                 </a:gridCol>
@@ -28572,7 +28572,7 @@
                 </a:tc>
                 <a:extLst>
                   <a:ext uri="{0D108BD9-81ED-4DB2-BD59-A6C34878D82A}">
-                    <a16:rowId xmlns:a16="http://schemas.microsoft.com/office/drawing/2014/main" val="10000"/>
+                    <a16:rowId xmlns:a16="http://schemas.microsoft.com/office/drawing/2014/main" xmlns="" val="10000"/>
                   </a:ext>
                 </a:extLst>
               </a:tr>
@@ -28596,7 +28596,7 @@
                 </a:tc>
                 <a:extLst>
                   <a:ext uri="{0D108BD9-81ED-4DB2-BD59-A6C34878D82A}">
-                    <a16:rowId xmlns:a16="http://schemas.microsoft.com/office/drawing/2014/main" val="10001"/>
+                    <a16:rowId xmlns:a16="http://schemas.microsoft.com/office/drawing/2014/main" xmlns="" val="10001"/>
                   </a:ext>
                 </a:extLst>
               </a:tr>
@@ -29431,7 +29431,7 @@
                 <a:gridCol w="2688299">
                   <a:extLst>
                     <a:ext uri="{9D8B030D-6E8A-4147-A177-3AD203B41FA5}">
-                      <a16:colId xmlns:a16="http://schemas.microsoft.com/office/drawing/2014/main" val="20000"/>
+                      <a16:colId xmlns:a16="http://schemas.microsoft.com/office/drawing/2014/main" xmlns="" val="20000"/>
                     </a:ext>
                   </a:extLst>
                 </a:gridCol>
@@ -29463,7 +29463,7 @@
                 </a:tc>
                 <a:extLst>
                   <a:ext uri="{0D108BD9-81ED-4DB2-BD59-A6C34878D82A}">
-                    <a16:rowId xmlns:a16="http://schemas.microsoft.com/office/drawing/2014/main" val="10000"/>
+                    <a16:rowId xmlns:a16="http://schemas.microsoft.com/office/drawing/2014/main" xmlns="" val="10000"/>
                   </a:ext>
                 </a:extLst>
               </a:tr>
@@ -29526,7 +29526,7 @@
                 </a:tc>
                 <a:extLst>
                   <a:ext uri="{0D108BD9-81ED-4DB2-BD59-A6C34878D82A}">
-                    <a16:rowId xmlns:a16="http://schemas.microsoft.com/office/drawing/2014/main" val="10001"/>
+                    <a16:rowId xmlns:a16="http://schemas.microsoft.com/office/drawing/2014/main" xmlns="" val="10001"/>
                   </a:ext>
                 </a:extLst>
               </a:tr>
@@ -29608,14 +29608,14 @@
                 <a:gridCol w="280507">
                   <a:extLst>
                     <a:ext uri="{9D8B030D-6E8A-4147-A177-3AD203B41FA5}">
-                      <a16:colId xmlns:a16="http://schemas.microsoft.com/office/drawing/2014/main" val="20000"/>
+                      <a16:colId xmlns:a16="http://schemas.microsoft.com/office/drawing/2014/main" xmlns="" val="20000"/>
                     </a:ext>
                   </a:extLst>
                 </a:gridCol>
                 <a:gridCol w="2407792">
                   <a:extLst>
                     <a:ext uri="{9D8B030D-6E8A-4147-A177-3AD203B41FA5}">
-                      <a16:colId xmlns:a16="http://schemas.microsoft.com/office/drawing/2014/main" val="20001"/>
+                      <a16:colId xmlns:a16="http://schemas.microsoft.com/office/drawing/2014/main" xmlns="" val="20001"/>
                     </a:ext>
                   </a:extLst>
                 </a:gridCol>
@@ -29669,7 +29669,7 @@
                 </a:tc>
                 <a:extLst>
                   <a:ext uri="{0D108BD9-81ED-4DB2-BD59-A6C34878D82A}">
-                    <a16:rowId xmlns:a16="http://schemas.microsoft.com/office/drawing/2014/main" val="10000"/>
+                    <a16:rowId xmlns:a16="http://schemas.microsoft.com/office/drawing/2014/main" xmlns="" val="10000"/>
                   </a:ext>
                 </a:extLst>
               </a:tr>
@@ -29781,7 +29781,7 @@
                 </a:tc>
                 <a:extLst>
                   <a:ext uri="{0D108BD9-81ED-4DB2-BD59-A6C34878D82A}">
-                    <a16:rowId xmlns:a16="http://schemas.microsoft.com/office/drawing/2014/main" val="10001"/>
+                    <a16:rowId xmlns:a16="http://schemas.microsoft.com/office/drawing/2014/main" xmlns="" val="10001"/>
                   </a:ext>
                 </a:extLst>
               </a:tr>
@@ -29832,7 +29832,7 @@
                 </a:tc>
                 <a:extLst>
                   <a:ext uri="{0D108BD9-81ED-4DB2-BD59-A6C34878D82A}">
-                    <a16:rowId xmlns:a16="http://schemas.microsoft.com/office/drawing/2014/main" val="10002"/>
+                    <a16:rowId xmlns:a16="http://schemas.microsoft.com/office/drawing/2014/main" xmlns="" val="10002"/>
                   </a:ext>
                 </a:extLst>
               </a:tr>
@@ -29878,7 +29878,7 @@
                 </a:tc>
                 <a:extLst>
                   <a:ext uri="{0D108BD9-81ED-4DB2-BD59-A6C34878D82A}">
-                    <a16:rowId xmlns:a16="http://schemas.microsoft.com/office/drawing/2014/main" val="10003"/>
+                    <a16:rowId xmlns:a16="http://schemas.microsoft.com/office/drawing/2014/main" xmlns="" val="10003"/>
                   </a:ext>
                 </a:extLst>
               </a:tr>
@@ -29924,7 +29924,7 @@
                 </a:tc>
                 <a:extLst>
                   <a:ext uri="{0D108BD9-81ED-4DB2-BD59-A6C34878D82A}">
-                    <a16:rowId xmlns:a16="http://schemas.microsoft.com/office/drawing/2014/main" val="10004"/>
+                    <a16:rowId xmlns:a16="http://schemas.microsoft.com/office/drawing/2014/main" xmlns="" val="10004"/>
                   </a:ext>
                 </a:extLst>
               </a:tr>
@@ -29970,7 +29970,7 @@
                 </a:tc>
                 <a:extLst>
                   <a:ext uri="{0D108BD9-81ED-4DB2-BD59-A6C34878D82A}">
-                    <a16:rowId xmlns:a16="http://schemas.microsoft.com/office/drawing/2014/main" val="10005"/>
+                    <a16:rowId xmlns:a16="http://schemas.microsoft.com/office/drawing/2014/main" xmlns="" val="10005"/>
                   </a:ext>
                 </a:extLst>
               </a:tr>
@@ -29983,7 +29983,7 @@
           <p:cNvPr id="3" name="직사각형 2">
             <a:extLst>
               <a:ext uri="{FF2B5EF4-FFF2-40B4-BE49-F238E27FC236}">
-                <a16:creationId xmlns:a16="http://schemas.microsoft.com/office/drawing/2014/main" id="{7C9E9366-B86C-4147-AAEA-0E8C98D7DA95}"/>
+                <a16:creationId xmlns:a16="http://schemas.microsoft.com/office/drawing/2014/main" xmlns="" id="{7C9E9366-B86C-4147-AAEA-0E8C98D7DA95}"/>
               </a:ext>
             </a:extLst>
           </p:cNvPr>
@@ -30037,7 +30037,7 @@
           <p:cNvPr id="7" name="직사각형 6">
             <a:extLst>
               <a:ext uri="{FF2B5EF4-FFF2-40B4-BE49-F238E27FC236}">
-                <a16:creationId xmlns:a16="http://schemas.microsoft.com/office/drawing/2014/main" id="{DA06AE45-F21F-4390-88D7-43E648964D4B}"/>
+                <a16:creationId xmlns:a16="http://schemas.microsoft.com/office/drawing/2014/main" xmlns="" id="{DA06AE45-F21F-4390-88D7-43E648964D4B}"/>
               </a:ext>
             </a:extLst>
           </p:cNvPr>
@@ -30154,7 +30154,7 @@
           <p:cNvPr id="20" name="직사각형 19">
             <a:extLst>
               <a:ext uri="{FF2B5EF4-FFF2-40B4-BE49-F238E27FC236}">
-                <a16:creationId xmlns:a16="http://schemas.microsoft.com/office/drawing/2014/main" id="{DA06AE45-F21F-4390-88D7-43E648964D4B}"/>
+                <a16:creationId xmlns:a16="http://schemas.microsoft.com/office/drawing/2014/main" xmlns="" id="{DA06AE45-F21F-4390-88D7-43E648964D4B}"/>
               </a:ext>
             </a:extLst>
           </p:cNvPr>
@@ -30213,7 +30213,7 @@
           <p:cNvPr id="17" name="직사각형 16">
             <a:extLst>
               <a:ext uri="{FF2B5EF4-FFF2-40B4-BE49-F238E27FC236}">
-                <a16:creationId xmlns:a16="http://schemas.microsoft.com/office/drawing/2014/main" id="{FB882CFC-4B27-4627-BEC5-F59AD0CDB8FA}"/>
+                <a16:creationId xmlns:a16="http://schemas.microsoft.com/office/drawing/2014/main" xmlns="" id="{FB882CFC-4B27-4627-BEC5-F59AD0CDB8FA}"/>
               </a:ext>
             </a:extLst>
           </p:cNvPr>
@@ -30378,7 +30378,7 @@
           <p:cNvPr id="21" name="Picture 2">
             <a:extLst>
               <a:ext uri="{FF2B5EF4-FFF2-40B4-BE49-F238E27FC236}">
-                <a16:creationId xmlns:a16="http://schemas.microsoft.com/office/drawing/2014/main" id="{E338911B-AD12-4BE6-AD74-535D1DF2EE6A}"/>
+                <a16:creationId xmlns:a16="http://schemas.microsoft.com/office/drawing/2014/main" xmlns="" id="{E338911B-AD12-4BE6-AD74-535D1DF2EE6A}"/>
               </a:ext>
             </a:extLst>
           </p:cNvPr>
@@ -32019,7 +32019,7 @@
                 <a:gridCol w="3921808">
                   <a:extLst>
                     <a:ext uri="{9D8B030D-6E8A-4147-A177-3AD203B41FA5}">
-                      <a16:colId xmlns:a16="http://schemas.microsoft.com/office/drawing/2014/main" val="20000"/>
+                      <a16:colId xmlns:a16="http://schemas.microsoft.com/office/drawing/2014/main" xmlns="" val="20000"/>
                     </a:ext>
                   </a:extLst>
                 </a:gridCol>
@@ -32068,7 +32068,7 @@
                 </a:tc>
                 <a:extLst>
                   <a:ext uri="{0D108BD9-81ED-4DB2-BD59-A6C34878D82A}">
-                    <a16:rowId xmlns:a16="http://schemas.microsoft.com/office/drawing/2014/main" val="10000"/>
+                    <a16:rowId xmlns:a16="http://schemas.microsoft.com/office/drawing/2014/main" xmlns="" val="10000"/>
                   </a:ext>
                 </a:extLst>
               </a:tr>
@@ -32092,7 +32092,7 @@
                 </a:tc>
                 <a:extLst>
                   <a:ext uri="{0D108BD9-81ED-4DB2-BD59-A6C34878D82A}">
-                    <a16:rowId xmlns:a16="http://schemas.microsoft.com/office/drawing/2014/main" val="10001"/>
+                    <a16:rowId xmlns:a16="http://schemas.microsoft.com/office/drawing/2014/main" xmlns="" val="10001"/>
                   </a:ext>
                 </a:extLst>
               </a:tr>
@@ -32156,7 +32156,7 @@
                 <a:gridCol w="4511596">
                   <a:extLst>
                     <a:ext uri="{9D8B030D-6E8A-4147-A177-3AD203B41FA5}">
-                      <a16:colId xmlns:a16="http://schemas.microsoft.com/office/drawing/2014/main" val="20000"/>
+                      <a16:colId xmlns:a16="http://schemas.microsoft.com/office/drawing/2014/main" xmlns="" val="20000"/>
                     </a:ext>
                   </a:extLst>
                 </a:gridCol>
@@ -32188,7 +32188,7 @@
                 </a:tc>
                 <a:extLst>
                   <a:ext uri="{0D108BD9-81ED-4DB2-BD59-A6C34878D82A}">
-                    <a16:rowId xmlns:a16="http://schemas.microsoft.com/office/drawing/2014/main" val="10000"/>
+                    <a16:rowId xmlns:a16="http://schemas.microsoft.com/office/drawing/2014/main" xmlns="" val="10000"/>
                   </a:ext>
                 </a:extLst>
               </a:tr>
@@ -32212,7 +32212,7 @@
                 </a:tc>
                 <a:extLst>
                   <a:ext uri="{0D108BD9-81ED-4DB2-BD59-A6C34878D82A}">
-                    <a16:rowId xmlns:a16="http://schemas.microsoft.com/office/drawing/2014/main" val="10001"/>
+                    <a16:rowId xmlns:a16="http://schemas.microsoft.com/office/drawing/2014/main" xmlns="" val="10001"/>
                   </a:ext>
                 </a:extLst>
               </a:tr>
@@ -32905,7 +32905,7 @@
                 <a:gridCol w="4027641">
                   <a:extLst>
                     <a:ext uri="{9D8B030D-6E8A-4147-A177-3AD203B41FA5}">
-                      <a16:colId xmlns:a16="http://schemas.microsoft.com/office/drawing/2014/main" val="20000"/>
+                      <a16:colId xmlns:a16="http://schemas.microsoft.com/office/drawing/2014/main" xmlns="" val="20000"/>
                     </a:ext>
                   </a:extLst>
                 </a:gridCol>
@@ -32954,7 +32954,7 @@
                 </a:tc>
                 <a:extLst>
                   <a:ext uri="{0D108BD9-81ED-4DB2-BD59-A6C34878D82A}">
-                    <a16:rowId xmlns:a16="http://schemas.microsoft.com/office/drawing/2014/main" val="10000"/>
+                    <a16:rowId xmlns:a16="http://schemas.microsoft.com/office/drawing/2014/main" xmlns="" val="10000"/>
                   </a:ext>
                 </a:extLst>
               </a:tr>
@@ -32978,7 +32978,7 @@
                 </a:tc>
                 <a:extLst>
                   <a:ext uri="{0D108BD9-81ED-4DB2-BD59-A6C34878D82A}">
-                    <a16:rowId xmlns:a16="http://schemas.microsoft.com/office/drawing/2014/main" val="10001"/>
+                    <a16:rowId xmlns:a16="http://schemas.microsoft.com/office/drawing/2014/main" xmlns="" val="10001"/>
                   </a:ext>
                 </a:extLst>
               </a:tr>
@@ -33113,7 +33113,7 @@
                 <a:gridCol w="4099608">
                   <a:extLst>
                     <a:ext uri="{9D8B030D-6E8A-4147-A177-3AD203B41FA5}">
-                      <a16:colId xmlns:a16="http://schemas.microsoft.com/office/drawing/2014/main" val="20000"/>
+                      <a16:colId xmlns:a16="http://schemas.microsoft.com/office/drawing/2014/main" xmlns="" val="20000"/>
                     </a:ext>
                   </a:extLst>
                 </a:gridCol>
@@ -33145,7 +33145,7 @@
                 </a:tc>
                 <a:extLst>
                   <a:ext uri="{0D108BD9-81ED-4DB2-BD59-A6C34878D82A}">
-                    <a16:rowId xmlns:a16="http://schemas.microsoft.com/office/drawing/2014/main" val="10000"/>
+                    <a16:rowId xmlns:a16="http://schemas.microsoft.com/office/drawing/2014/main" xmlns="" val="10000"/>
                   </a:ext>
                 </a:extLst>
               </a:tr>
@@ -33169,7 +33169,7 @@
                 </a:tc>
                 <a:extLst>
                   <a:ext uri="{0D108BD9-81ED-4DB2-BD59-A6C34878D82A}">
-                    <a16:rowId xmlns:a16="http://schemas.microsoft.com/office/drawing/2014/main" val="10001"/>
+                    <a16:rowId xmlns:a16="http://schemas.microsoft.com/office/drawing/2014/main" xmlns="" val="10001"/>
                   </a:ext>
                 </a:extLst>
               </a:tr>
@@ -33999,7 +33999,7 @@
                 <a:gridCol w="4123511">
                   <a:extLst>
                     <a:ext uri="{9D8B030D-6E8A-4147-A177-3AD203B41FA5}">
-                      <a16:colId xmlns:a16="http://schemas.microsoft.com/office/drawing/2014/main" val="20000"/>
+                      <a16:colId xmlns:a16="http://schemas.microsoft.com/office/drawing/2014/main" xmlns="" val="20000"/>
                     </a:ext>
                   </a:extLst>
                 </a:gridCol>
@@ -34048,7 +34048,7 @@
                 </a:tc>
                 <a:extLst>
                   <a:ext uri="{0D108BD9-81ED-4DB2-BD59-A6C34878D82A}">
-                    <a16:rowId xmlns:a16="http://schemas.microsoft.com/office/drawing/2014/main" val="10000"/>
+                    <a16:rowId xmlns:a16="http://schemas.microsoft.com/office/drawing/2014/main" xmlns="" val="10000"/>
                   </a:ext>
                 </a:extLst>
               </a:tr>
@@ -34072,7 +34072,7 @@
                 </a:tc>
                 <a:extLst>
                   <a:ext uri="{0D108BD9-81ED-4DB2-BD59-A6C34878D82A}">
-                    <a16:rowId xmlns:a16="http://schemas.microsoft.com/office/drawing/2014/main" val="10001"/>
+                    <a16:rowId xmlns:a16="http://schemas.microsoft.com/office/drawing/2014/main" xmlns="" val="10001"/>
                   </a:ext>
                 </a:extLst>
               </a:tr>
@@ -34318,7 +34318,7 @@
                 <a:gridCol w="4844671">
                   <a:extLst>
                     <a:ext uri="{9D8B030D-6E8A-4147-A177-3AD203B41FA5}">
-                      <a16:colId xmlns:a16="http://schemas.microsoft.com/office/drawing/2014/main" val="20000"/>
+                      <a16:colId xmlns:a16="http://schemas.microsoft.com/office/drawing/2014/main" xmlns="" val="20000"/>
                     </a:ext>
                   </a:extLst>
                 </a:gridCol>
@@ -34350,7 +34350,7 @@
                 </a:tc>
                 <a:extLst>
                   <a:ext uri="{0D108BD9-81ED-4DB2-BD59-A6C34878D82A}">
-                    <a16:rowId xmlns:a16="http://schemas.microsoft.com/office/drawing/2014/main" val="10000"/>
+                    <a16:rowId xmlns:a16="http://schemas.microsoft.com/office/drawing/2014/main" xmlns="" val="10000"/>
                   </a:ext>
                 </a:extLst>
               </a:tr>
@@ -34374,7 +34374,7 @@
                 </a:tc>
                 <a:extLst>
                   <a:ext uri="{0D108BD9-81ED-4DB2-BD59-A6C34878D82A}">
-                    <a16:rowId xmlns:a16="http://schemas.microsoft.com/office/drawing/2014/main" val="10001"/>
+                    <a16:rowId xmlns:a16="http://schemas.microsoft.com/office/drawing/2014/main" xmlns="" val="10001"/>
                   </a:ext>
                 </a:extLst>
               </a:tr>
@@ -35090,7 +35090,7 @@
                 <a:gridCol w="3989541">
                   <a:extLst>
                     <a:ext uri="{9D8B030D-6E8A-4147-A177-3AD203B41FA5}">
-                      <a16:colId xmlns:a16="http://schemas.microsoft.com/office/drawing/2014/main" val="20000"/>
+                      <a16:colId xmlns:a16="http://schemas.microsoft.com/office/drawing/2014/main" xmlns="" val="20000"/>
                     </a:ext>
                   </a:extLst>
                 </a:gridCol>
@@ -35139,7 +35139,7 @@
                 </a:tc>
                 <a:extLst>
                   <a:ext uri="{0D108BD9-81ED-4DB2-BD59-A6C34878D82A}">
-                    <a16:rowId xmlns:a16="http://schemas.microsoft.com/office/drawing/2014/main" val="10000"/>
+                    <a16:rowId xmlns:a16="http://schemas.microsoft.com/office/drawing/2014/main" xmlns="" val="10000"/>
                   </a:ext>
                 </a:extLst>
               </a:tr>
@@ -35163,7 +35163,7 @@
                 </a:tc>
                 <a:extLst>
                   <a:ext uri="{0D108BD9-81ED-4DB2-BD59-A6C34878D82A}">
-                    <a16:rowId xmlns:a16="http://schemas.microsoft.com/office/drawing/2014/main" val="10001"/>
+                    <a16:rowId xmlns:a16="http://schemas.microsoft.com/office/drawing/2014/main" xmlns="" val="10001"/>
                   </a:ext>
                 </a:extLst>
               </a:tr>
@@ -35293,7 +35293,7 @@
                 <a:gridCol w="4336674">
                   <a:extLst>
                     <a:ext uri="{9D8B030D-6E8A-4147-A177-3AD203B41FA5}">
-                      <a16:colId xmlns:a16="http://schemas.microsoft.com/office/drawing/2014/main" val="20000"/>
+                      <a16:colId xmlns:a16="http://schemas.microsoft.com/office/drawing/2014/main" xmlns="" val="20000"/>
                     </a:ext>
                   </a:extLst>
                 </a:gridCol>
@@ -35325,7 +35325,7 @@
                 </a:tc>
                 <a:extLst>
                   <a:ext uri="{0D108BD9-81ED-4DB2-BD59-A6C34878D82A}">
-                    <a16:rowId xmlns:a16="http://schemas.microsoft.com/office/drawing/2014/main" val="10000"/>
+                    <a16:rowId xmlns:a16="http://schemas.microsoft.com/office/drawing/2014/main" xmlns="" val="10000"/>
                   </a:ext>
                 </a:extLst>
               </a:tr>
@@ -35349,7 +35349,7 @@
                 </a:tc>
                 <a:extLst>
                   <a:ext uri="{0D108BD9-81ED-4DB2-BD59-A6C34878D82A}">
-                    <a16:rowId xmlns:a16="http://schemas.microsoft.com/office/drawing/2014/main" val="10001"/>
+                    <a16:rowId xmlns:a16="http://schemas.microsoft.com/office/drawing/2014/main" xmlns="" val="10001"/>
                   </a:ext>
                 </a:extLst>
               </a:tr>
@@ -36088,7 +36088,7 @@
                 <a:gridCol w="3989541">
                   <a:extLst>
                     <a:ext uri="{9D8B030D-6E8A-4147-A177-3AD203B41FA5}">
-                      <a16:colId xmlns:a16="http://schemas.microsoft.com/office/drawing/2014/main" val="20000"/>
+                      <a16:colId xmlns:a16="http://schemas.microsoft.com/office/drawing/2014/main" xmlns="" val="20000"/>
                     </a:ext>
                   </a:extLst>
                 </a:gridCol>
@@ -36137,7 +36137,7 @@
                 </a:tc>
                 <a:extLst>
                   <a:ext uri="{0D108BD9-81ED-4DB2-BD59-A6C34878D82A}">
-                    <a16:rowId xmlns:a16="http://schemas.microsoft.com/office/drawing/2014/main" val="10000"/>
+                    <a16:rowId xmlns:a16="http://schemas.microsoft.com/office/drawing/2014/main" xmlns="" val="10000"/>
                   </a:ext>
                 </a:extLst>
               </a:tr>
@@ -36161,7 +36161,7 @@
                 </a:tc>
                 <a:extLst>
                   <a:ext uri="{0D108BD9-81ED-4DB2-BD59-A6C34878D82A}">
-                    <a16:rowId xmlns:a16="http://schemas.microsoft.com/office/drawing/2014/main" val="10001"/>
+                    <a16:rowId xmlns:a16="http://schemas.microsoft.com/office/drawing/2014/main" xmlns="" val="10001"/>
                   </a:ext>
                 </a:extLst>
               </a:tr>
@@ -36225,7 +36225,7 @@
                 <a:gridCol w="4972144">
                   <a:extLst>
                     <a:ext uri="{9D8B030D-6E8A-4147-A177-3AD203B41FA5}">
-                      <a16:colId xmlns:a16="http://schemas.microsoft.com/office/drawing/2014/main" val="20000"/>
+                      <a16:colId xmlns:a16="http://schemas.microsoft.com/office/drawing/2014/main" xmlns="" val="20000"/>
                     </a:ext>
                   </a:extLst>
                 </a:gridCol>
@@ -36257,7 +36257,7 @@
                 </a:tc>
                 <a:extLst>
                   <a:ext uri="{0D108BD9-81ED-4DB2-BD59-A6C34878D82A}">
-                    <a16:rowId xmlns:a16="http://schemas.microsoft.com/office/drawing/2014/main" val="10000"/>
+                    <a16:rowId xmlns:a16="http://schemas.microsoft.com/office/drawing/2014/main" xmlns="" val="10000"/>
                   </a:ext>
                 </a:extLst>
               </a:tr>
@@ -36281,7 +36281,7 @@
                 </a:tc>
                 <a:extLst>
                   <a:ext uri="{0D108BD9-81ED-4DB2-BD59-A6C34878D82A}">
-                    <a16:rowId xmlns:a16="http://schemas.microsoft.com/office/drawing/2014/main" val="10001"/>
+                    <a16:rowId xmlns:a16="http://schemas.microsoft.com/office/drawing/2014/main" xmlns="" val="10001"/>
                   </a:ext>
                 </a:extLst>
               </a:tr>
@@ -36816,7 +36816,13 @@
           <p:cNvGraphicFramePr>
             <a:graphicFrameLocks noGrp="1"/>
           </p:cNvGraphicFramePr>
-          <p:nvPr/>
+          <p:nvPr>
+            <p:extLst>
+              <p:ext uri="{D42A27DB-BD31-4B8C-83A1-F6EECF244321}">
+                <p14:modId xmlns:p14="http://schemas.microsoft.com/office/powerpoint/2010/main" val="1868478840"/>
+              </p:ext>
+            </p:extLst>
+          </p:nvPr>
         </p:nvGraphicFramePr>
         <p:xfrm>
           <a:off x="842102" y="1402352"/>
@@ -36830,28 +36836,28 @@
                 <a:gridCol w="1953852">
                   <a:extLst>
                     <a:ext uri="{9D8B030D-6E8A-4147-A177-3AD203B41FA5}">
-                      <a16:colId xmlns:a16="http://schemas.microsoft.com/office/drawing/2014/main" val="20001"/>
+                      <a16:colId xmlns:a16="http://schemas.microsoft.com/office/drawing/2014/main" xmlns="" val="20001"/>
                     </a:ext>
                   </a:extLst>
                 </a:gridCol>
                 <a:gridCol w="3006969">
                   <a:extLst>
                     <a:ext uri="{9D8B030D-6E8A-4147-A177-3AD203B41FA5}">
-                      <a16:colId xmlns:a16="http://schemas.microsoft.com/office/drawing/2014/main" val="20002"/>
+                      <a16:colId xmlns:a16="http://schemas.microsoft.com/office/drawing/2014/main" xmlns="" val="20002"/>
                     </a:ext>
                   </a:extLst>
                 </a:gridCol>
                 <a:gridCol w="2913367">
                   <a:extLst>
                     <a:ext uri="{9D8B030D-6E8A-4147-A177-3AD203B41FA5}">
-                      <a16:colId xmlns:a16="http://schemas.microsoft.com/office/drawing/2014/main" val="20003"/>
+                      <a16:colId xmlns:a16="http://schemas.microsoft.com/office/drawing/2014/main" xmlns="" val="20003"/>
                     </a:ext>
                   </a:extLst>
                 </a:gridCol>
                 <a:gridCol w="2832632">
                   <a:extLst>
                     <a:ext uri="{9D8B030D-6E8A-4147-A177-3AD203B41FA5}">
-                      <a16:colId xmlns:a16="http://schemas.microsoft.com/office/drawing/2014/main" val="410757781"/>
+                      <a16:colId xmlns:a16="http://schemas.microsoft.com/office/drawing/2014/main" xmlns="" val="410757781"/>
                     </a:ext>
                   </a:extLst>
                 </a:gridCol>
@@ -36983,7 +36989,7 @@
                 </a:tc>
                 <a:extLst>
                   <a:ext uri="{0D108BD9-81ED-4DB2-BD59-A6C34878D82A}">
-                    <a16:rowId xmlns:a16="http://schemas.microsoft.com/office/drawing/2014/main" val="10000"/>
+                    <a16:rowId xmlns:a16="http://schemas.microsoft.com/office/drawing/2014/main" xmlns="" val="10000"/>
                   </a:ext>
                 </a:extLst>
               </a:tr>
@@ -37562,7 +37568,7 @@
                 </a:tc>
                 <a:extLst>
                   <a:ext uri="{0D108BD9-81ED-4DB2-BD59-A6C34878D82A}">
-                    <a16:rowId xmlns:a16="http://schemas.microsoft.com/office/drawing/2014/main" val="10001"/>
+                    <a16:rowId xmlns:a16="http://schemas.microsoft.com/office/drawing/2014/main" xmlns="" val="10001"/>
                   </a:ext>
                 </a:extLst>
               </a:tr>
@@ -37851,7 +37857,7 @@
                         <a:t>5. </a:t>
                       </a:r>
                       <a:r>
-                        <a:rPr lang="ko-KR" altLang="en-US" sz="1200" b="1" i="0" u="none" strike="noStrike" dirty="0">
+                        <a:rPr lang="ko-KR" altLang="en-US" sz="1200" b="1" i="0" u="none" strike="noStrike" dirty="0" smtClean="0">
                           <a:solidFill>
                             <a:srgbClr val="000000"/>
                           </a:solidFill>
@@ -37859,10 +37865,10 @@
                           <a:latin typeface="나눔바른고딕" pitchFamily="50" charset="-127"/>
                           <a:ea typeface="나눔바른고딕" pitchFamily="50" charset="-127"/>
                         </a:rPr>
-                        <a:t>같은 </a:t>
+                        <a:t>알림 내용이 업데이트된 경우 </a:t>
                       </a:r>
                       <a:r>
-                        <a:rPr lang="ko-KR" altLang="en-US" sz="1200" b="1" i="0" u="none" strike="noStrike" dirty="0" err="1">
+                        <a:rPr lang="ko-KR" altLang="en-US" sz="1200" b="1" i="0" u="none" strike="noStrike" dirty="0" err="1" smtClean="0">
                           <a:solidFill>
                             <a:srgbClr val="000000"/>
                           </a:solidFill>
@@ -37870,7 +37876,29 @@
                           <a:latin typeface="나눔바른고딕" pitchFamily="50" charset="-127"/>
                           <a:ea typeface="나눔바른고딕" pitchFamily="50" charset="-127"/>
                         </a:rPr>
-                        <a:t>알림창에</a:t>
+                        <a:t>알림메시지가</a:t>
+                      </a:r>
+                      <a:r>
+                        <a:rPr lang="ko-KR" altLang="en-US" sz="1200" b="1" i="0" u="none" strike="noStrike" dirty="0" smtClean="0">
+                          <a:solidFill>
+                            <a:srgbClr val="000000"/>
+                          </a:solidFill>
+                          <a:effectLst/>
+                          <a:latin typeface="나눔바른고딕" pitchFamily="50" charset="-127"/>
+                          <a:ea typeface="나눔바른고딕" pitchFamily="50" charset="-127"/>
+                        </a:rPr>
+                        <a:t> </a:t>
+                      </a:r>
+                      <a:r>
+                        <a:rPr lang="ko-KR" altLang="en-US" sz="1200" b="1" i="0" u="none" strike="noStrike" smtClean="0">
+                          <a:solidFill>
+                            <a:srgbClr val="000000"/>
+                          </a:solidFill>
+                          <a:effectLst/>
+                          <a:latin typeface="나눔바른고딕" pitchFamily="50" charset="-127"/>
+                          <a:ea typeface="나눔바른고딕" pitchFamily="50" charset="-127"/>
+                        </a:rPr>
+                        <a:t>뜨고 추가된 </a:t>
                       </a:r>
                       <a:r>
                         <a:rPr lang="ko-KR" altLang="en-US" sz="1200" b="1" i="0" u="none" strike="noStrike" dirty="0">
@@ -37881,7 +37909,29 @@
                           <a:latin typeface="나눔바른고딕" pitchFamily="50" charset="-127"/>
                           <a:ea typeface="나눔바른고딕" pitchFamily="50" charset="-127"/>
                         </a:rPr>
-                        <a:t> 추가된 알림 내용이 누적되도록 소켓 통신을 이용해 구현 예정</a:t>
+                        <a:t>알림 내용이 누적되도록 소켓 통신을 </a:t>
+                      </a:r>
+                      <a:r>
+                        <a:rPr lang="ko-KR" altLang="en-US" sz="1200" b="1" i="0" u="none" strike="noStrike">
+                          <a:solidFill>
+                            <a:srgbClr val="000000"/>
+                          </a:solidFill>
+                          <a:effectLst/>
+                          <a:latin typeface="나눔바른고딕" pitchFamily="50" charset="-127"/>
+                          <a:ea typeface="나눔바른고딕" pitchFamily="50" charset="-127"/>
+                        </a:rPr>
+                        <a:t>이용해 </a:t>
+                      </a:r>
+                      <a:r>
+                        <a:rPr lang="ko-KR" altLang="en-US" sz="1200" b="1" i="0" u="none" strike="noStrike" smtClean="0">
+                          <a:solidFill>
+                            <a:srgbClr val="000000"/>
+                          </a:solidFill>
+                          <a:effectLst/>
+                          <a:latin typeface="나눔바른고딕" pitchFamily="50" charset="-127"/>
+                          <a:ea typeface="나눔바른고딕" pitchFamily="50" charset="-127"/>
+                        </a:rPr>
+                        <a:t>구현</a:t>
                       </a:r>
                       <a:endParaRPr lang="en-US" altLang="ko-KR" sz="1200" b="1" i="0" u="none" strike="noStrike" dirty="0">
                         <a:solidFill>
@@ -37901,7 +37951,7 @@
                 </a:tc>
                 <a:extLst>
                   <a:ext uri="{0D108BD9-81ED-4DB2-BD59-A6C34878D82A}">
-                    <a16:rowId xmlns:a16="http://schemas.microsoft.com/office/drawing/2014/main" val="1659143481"/>
+                    <a16:rowId xmlns:a16="http://schemas.microsoft.com/office/drawing/2014/main" xmlns="" val="1659143481"/>
                   </a:ext>
                 </a:extLst>
               </a:tr>
@@ -38443,28 +38493,28 @@
                 <a:gridCol w="1953852">
                   <a:extLst>
                     <a:ext uri="{9D8B030D-6E8A-4147-A177-3AD203B41FA5}">
-                      <a16:colId xmlns:a16="http://schemas.microsoft.com/office/drawing/2014/main" val="20001"/>
+                      <a16:colId xmlns:a16="http://schemas.microsoft.com/office/drawing/2014/main" xmlns="" val="20001"/>
                     </a:ext>
                   </a:extLst>
                 </a:gridCol>
                 <a:gridCol w="3006969">
                   <a:extLst>
                     <a:ext uri="{9D8B030D-6E8A-4147-A177-3AD203B41FA5}">
-                      <a16:colId xmlns:a16="http://schemas.microsoft.com/office/drawing/2014/main" val="20002"/>
+                      <a16:colId xmlns:a16="http://schemas.microsoft.com/office/drawing/2014/main" xmlns="" val="20002"/>
                     </a:ext>
                   </a:extLst>
                 </a:gridCol>
                 <a:gridCol w="2913367">
                   <a:extLst>
                     <a:ext uri="{9D8B030D-6E8A-4147-A177-3AD203B41FA5}">
-                      <a16:colId xmlns:a16="http://schemas.microsoft.com/office/drawing/2014/main" val="20003"/>
+                      <a16:colId xmlns:a16="http://schemas.microsoft.com/office/drawing/2014/main" xmlns="" val="20003"/>
                     </a:ext>
                   </a:extLst>
                 </a:gridCol>
                 <a:gridCol w="2832632">
                   <a:extLst>
                     <a:ext uri="{9D8B030D-6E8A-4147-A177-3AD203B41FA5}">
-                      <a16:colId xmlns:a16="http://schemas.microsoft.com/office/drawing/2014/main" val="410757781"/>
+                      <a16:colId xmlns:a16="http://schemas.microsoft.com/office/drawing/2014/main" xmlns="" val="410757781"/>
                     </a:ext>
                   </a:extLst>
                 </a:gridCol>
@@ -38596,7 +38646,7 @@
                 </a:tc>
                 <a:extLst>
                   <a:ext uri="{0D108BD9-81ED-4DB2-BD59-A6C34878D82A}">
-                    <a16:rowId xmlns:a16="http://schemas.microsoft.com/office/drawing/2014/main" val="10000"/>
+                    <a16:rowId xmlns:a16="http://schemas.microsoft.com/office/drawing/2014/main" xmlns="" val="10000"/>
                   </a:ext>
                 </a:extLst>
               </a:tr>
@@ -39026,7 +39076,7 @@
                 </a:tc>
                 <a:extLst>
                   <a:ext uri="{0D108BD9-81ED-4DB2-BD59-A6C34878D82A}">
-                    <a16:rowId xmlns:a16="http://schemas.microsoft.com/office/drawing/2014/main" val="10001"/>
+                    <a16:rowId xmlns:a16="http://schemas.microsoft.com/office/drawing/2014/main" xmlns="" val="10001"/>
                   </a:ext>
                 </a:extLst>
               </a:tr>
@@ -39568,28 +39618,28 @@
                 <a:gridCol w="1953852">
                   <a:extLst>
                     <a:ext uri="{9D8B030D-6E8A-4147-A177-3AD203B41FA5}">
-                      <a16:colId xmlns:a16="http://schemas.microsoft.com/office/drawing/2014/main" val="20001"/>
+                      <a16:colId xmlns:a16="http://schemas.microsoft.com/office/drawing/2014/main" xmlns="" val="20001"/>
                     </a:ext>
                   </a:extLst>
                 </a:gridCol>
                 <a:gridCol w="3006969">
                   <a:extLst>
                     <a:ext uri="{9D8B030D-6E8A-4147-A177-3AD203B41FA5}">
-                      <a16:colId xmlns:a16="http://schemas.microsoft.com/office/drawing/2014/main" val="20002"/>
+                      <a16:colId xmlns:a16="http://schemas.microsoft.com/office/drawing/2014/main" xmlns="" val="20002"/>
                     </a:ext>
                   </a:extLst>
                 </a:gridCol>
                 <a:gridCol w="2913367">
                   <a:extLst>
                     <a:ext uri="{9D8B030D-6E8A-4147-A177-3AD203B41FA5}">
-                      <a16:colId xmlns:a16="http://schemas.microsoft.com/office/drawing/2014/main" val="20003"/>
+                      <a16:colId xmlns:a16="http://schemas.microsoft.com/office/drawing/2014/main" xmlns="" val="20003"/>
                     </a:ext>
                   </a:extLst>
                 </a:gridCol>
                 <a:gridCol w="2832632">
                   <a:extLst>
                     <a:ext uri="{9D8B030D-6E8A-4147-A177-3AD203B41FA5}">
-                      <a16:colId xmlns:a16="http://schemas.microsoft.com/office/drawing/2014/main" val="410757781"/>
+                      <a16:colId xmlns:a16="http://schemas.microsoft.com/office/drawing/2014/main" xmlns="" val="410757781"/>
                     </a:ext>
                   </a:extLst>
                 </a:gridCol>
@@ -39721,7 +39771,7 @@
                 </a:tc>
                 <a:extLst>
                   <a:ext uri="{0D108BD9-81ED-4DB2-BD59-A6C34878D82A}">
-                    <a16:rowId xmlns:a16="http://schemas.microsoft.com/office/drawing/2014/main" val="10000"/>
+                    <a16:rowId xmlns:a16="http://schemas.microsoft.com/office/drawing/2014/main" xmlns="" val="10000"/>
                   </a:ext>
                 </a:extLst>
               </a:tr>
@@ -40220,7 +40270,7 @@
                 </a:tc>
                 <a:extLst>
                   <a:ext uri="{0D108BD9-81ED-4DB2-BD59-A6C34878D82A}">
-                    <a16:rowId xmlns:a16="http://schemas.microsoft.com/office/drawing/2014/main" val="10001"/>
+                    <a16:rowId xmlns:a16="http://schemas.microsoft.com/office/drawing/2014/main" xmlns="" val="10001"/>
                   </a:ext>
                 </a:extLst>
               </a:tr>
@@ -40995,7 +41045,7 @@
                 <a:gridCol w="4113048">
                   <a:extLst>
                     <a:ext uri="{9D8B030D-6E8A-4147-A177-3AD203B41FA5}">
-                      <a16:colId xmlns:a16="http://schemas.microsoft.com/office/drawing/2014/main" val="20000"/>
+                      <a16:colId xmlns:a16="http://schemas.microsoft.com/office/drawing/2014/main" xmlns="" val="20000"/>
                     </a:ext>
                   </a:extLst>
                 </a:gridCol>
@@ -41044,7 +41094,7 @@
                 </a:tc>
                 <a:extLst>
                   <a:ext uri="{0D108BD9-81ED-4DB2-BD59-A6C34878D82A}">
-                    <a16:rowId xmlns:a16="http://schemas.microsoft.com/office/drawing/2014/main" val="10000"/>
+                    <a16:rowId xmlns:a16="http://schemas.microsoft.com/office/drawing/2014/main" xmlns="" val="10000"/>
                   </a:ext>
                 </a:extLst>
               </a:tr>
@@ -41068,7 +41118,7 @@
                 </a:tc>
                 <a:extLst>
                   <a:ext uri="{0D108BD9-81ED-4DB2-BD59-A6C34878D82A}">
-                    <a16:rowId xmlns:a16="http://schemas.microsoft.com/office/drawing/2014/main" val="10001"/>
+                    <a16:rowId xmlns:a16="http://schemas.microsoft.com/office/drawing/2014/main" xmlns="" val="10001"/>
                   </a:ext>
                 </a:extLst>
               </a:tr>
@@ -41102,7 +41152,7 @@
                 <a:gridCol w="4456028">
                   <a:extLst>
                     <a:ext uri="{9D8B030D-6E8A-4147-A177-3AD203B41FA5}">
-                      <a16:colId xmlns:a16="http://schemas.microsoft.com/office/drawing/2014/main" val="20000"/>
+                      <a16:colId xmlns:a16="http://schemas.microsoft.com/office/drawing/2014/main" xmlns="" val="20000"/>
                     </a:ext>
                   </a:extLst>
                 </a:gridCol>
@@ -41134,7 +41184,7 @@
                 </a:tc>
                 <a:extLst>
                   <a:ext uri="{0D108BD9-81ED-4DB2-BD59-A6C34878D82A}">
-                    <a16:rowId xmlns:a16="http://schemas.microsoft.com/office/drawing/2014/main" val="10000"/>
+                    <a16:rowId xmlns:a16="http://schemas.microsoft.com/office/drawing/2014/main" xmlns="" val="10000"/>
                   </a:ext>
                 </a:extLst>
               </a:tr>
@@ -41158,7 +41208,7 @@
                 </a:tc>
                 <a:extLst>
                   <a:ext uri="{0D108BD9-81ED-4DB2-BD59-A6C34878D82A}">
-                    <a16:rowId xmlns:a16="http://schemas.microsoft.com/office/drawing/2014/main" val="10001"/>
+                    <a16:rowId xmlns:a16="http://schemas.microsoft.com/office/drawing/2014/main" xmlns="" val="10001"/>
                   </a:ext>
                 </a:extLst>
               </a:tr>
@@ -41982,7 +42032,7 @@
                 <a:gridCol w="4979588">
                   <a:extLst>
                     <a:ext uri="{9D8B030D-6E8A-4147-A177-3AD203B41FA5}">
-                      <a16:colId xmlns:a16="http://schemas.microsoft.com/office/drawing/2014/main" val="20000"/>
+                      <a16:colId xmlns:a16="http://schemas.microsoft.com/office/drawing/2014/main" xmlns="" val="20000"/>
                     </a:ext>
                   </a:extLst>
                 </a:gridCol>
@@ -42031,7 +42081,7 @@
                 </a:tc>
                 <a:extLst>
                   <a:ext uri="{0D108BD9-81ED-4DB2-BD59-A6C34878D82A}">
-                    <a16:rowId xmlns:a16="http://schemas.microsoft.com/office/drawing/2014/main" val="10000"/>
+                    <a16:rowId xmlns:a16="http://schemas.microsoft.com/office/drawing/2014/main" xmlns="" val="10000"/>
                   </a:ext>
                 </a:extLst>
               </a:tr>
@@ -42055,7 +42105,7 @@
                 </a:tc>
                 <a:extLst>
                   <a:ext uri="{0D108BD9-81ED-4DB2-BD59-A6C34878D82A}">
-                    <a16:rowId xmlns:a16="http://schemas.microsoft.com/office/drawing/2014/main" val="10001"/>
+                    <a16:rowId xmlns:a16="http://schemas.microsoft.com/office/drawing/2014/main" xmlns="" val="10001"/>
                   </a:ext>
                 </a:extLst>
               </a:tr>
@@ -42802,7 +42852,7 @@
                 <a:gridCol w="8744703">
                   <a:extLst>
                     <a:ext uri="{9D8B030D-6E8A-4147-A177-3AD203B41FA5}">
-                      <a16:colId xmlns:a16="http://schemas.microsoft.com/office/drawing/2014/main" val="20000"/>
+                      <a16:colId xmlns:a16="http://schemas.microsoft.com/office/drawing/2014/main" xmlns="" val="20000"/>
                     </a:ext>
                   </a:extLst>
                 </a:gridCol>
@@ -42834,7 +42884,7 @@
                 </a:tc>
                 <a:extLst>
                   <a:ext uri="{0D108BD9-81ED-4DB2-BD59-A6C34878D82A}">
-                    <a16:rowId xmlns:a16="http://schemas.microsoft.com/office/drawing/2014/main" val="10000"/>
+                    <a16:rowId xmlns:a16="http://schemas.microsoft.com/office/drawing/2014/main" xmlns="" val="10000"/>
                   </a:ext>
                 </a:extLst>
               </a:tr>
@@ -42858,7 +42908,7 @@
                 </a:tc>
                 <a:extLst>
                   <a:ext uri="{0D108BD9-81ED-4DB2-BD59-A6C34878D82A}">
-                    <a16:rowId xmlns:a16="http://schemas.microsoft.com/office/drawing/2014/main" val="10001"/>
+                    <a16:rowId xmlns:a16="http://schemas.microsoft.com/office/drawing/2014/main" xmlns="" val="10001"/>
                   </a:ext>
                 </a:extLst>
               </a:tr>
@@ -43746,7 +43796,7 @@
                 <a:gridCol w="8703603">
                   <a:extLst>
                     <a:ext uri="{9D8B030D-6E8A-4147-A177-3AD203B41FA5}">
-                      <a16:colId xmlns:a16="http://schemas.microsoft.com/office/drawing/2014/main" val="20000"/>
+                      <a16:colId xmlns:a16="http://schemas.microsoft.com/office/drawing/2014/main" xmlns="" val="20000"/>
                     </a:ext>
                   </a:extLst>
                 </a:gridCol>
@@ -43778,7 +43828,7 @@
                 </a:tc>
                 <a:extLst>
                   <a:ext uri="{0D108BD9-81ED-4DB2-BD59-A6C34878D82A}">
-                    <a16:rowId xmlns:a16="http://schemas.microsoft.com/office/drawing/2014/main" val="10000"/>
+                    <a16:rowId xmlns:a16="http://schemas.microsoft.com/office/drawing/2014/main" xmlns="" val="10000"/>
                   </a:ext>
                 </a:extLst>
               </a:tr>
@@ -43802,7 +43852,7 @@
                 </a:tc>
                 <a:extLst>
                   <a:ext uri="{0D108BD9-81ED-4DB2-BD59-A6C34878D82A}">
-                    <a16:rowId xmlns:a16="http://schemas.microsoft.com/office/drawing/2014/main" val="10001"/>
+                    <a16:rowId xmlns:a16="http://schemas.microsoft.com/office/drawing/2014/main" xmlns="" val="10001"/>
                   </a:ext>
                 </a:extLst>
               </a:tr>
@@ -44430,7 +44480,7 @@
                 <a:gridCol w="3165932">
                   <a:extLst>
                     <a:ext uri="{9D8B030D-6E8A-4147-A177-3AD203B41FA5}">
-                      <a16:colId xmlns:a16="http://schemas.microsoft.com/office/drawing/2014/main" val="20000"/>
+                      <a16:colId xmlns:a16="http://schemas.microsoft.com/office/drawing/2014/main" xmlns="" val="20000"/>
                     </a:ext>
                   </a:extLst>
                 </a:gridCol>
@@ -44479,7 +44529,7 @@
                 </a:tc>
                 <a:extLst>
                   <a:ext uri="{0D108BD9-81ED-4DB2-BD59-A6C34878D82A}">
-                    <a16:rowId xmlns:a16="http://schemas.microsoft.com/office/drawing/2014/main" val="10000"/>
+                    <a16:rowId xmlns:a16="http://schemas.microsoft.com/office/drawing/2014/main" xmlns="" val="10000"/>
                   </a:ext>
                 </a:extLst>
               </a:tr>
@@ -44503,7 +44553,7 @@
                 </a:tc>
                 <a:extLst>
                   <a:ext uri="{0D108BD9-81ED-4DB2-BD59-A6C34878D82A}">
-                    <a16:rowId xmlns:a16="http://schemas.microsoft.com/office/drawing/2014/main" val="10001"/>
+                    <a16:rowId xmlns:a16="http://schemas.microsoft.com/office/drawing/2014/main" xmlns="" val="10001"/>
                   </a:ext>
                 </a:extLst>
               </a:tr>
@@ -45369,7 +45419,7 @@
                 <a:gridCol w="3877132">
                   <a:extLst>
                     <a:ext uri="{9D8B030D-6E8A-4147-A177-3AD203B41FA5}">
-                      <a16:colId xmlns:a16="http://schemas.microsoft.com/office/drawing/2014/main" val="20000"/>
+                      <a16:colId xmlns:a16="http://schemas.microsoft.com/office/drawing/2014/main" xmlns="" val="20000"/>
                     </a:ext>
                   </a:extLst>
                 </a:gridCol>
@@ -45418,7 +45468,7 @@
                 </a:tc>
                 <a:extLst>
                   <a:ext uri="{0D108BD9-81ED-4DB2-BD59-A6C34878D82A}">
-                    <a16:rowId xmlns:a16="http://schemas.microsoft.com/office/drawing/2014/main" val="10000"/>
+                    <a16:rowId xmlns:a16="http://schemas.microsoft.com/office/drawing/2014/main" xmlns="" val="10000"/>
                   </a:ext>
                 </a:extLst>
               </a:tr>
@@ -45442,7 +45492,7 @@
                 </a:tc>
                 <a:extLst>
                   <a:ext uri="{0D108BD9-81ED-4DB2-BD59-A6C34878D82A}">
-                    <a16:rowId xmlns:a16="http://schemas.microsoft.com/office/drawing/2014/main" val="10001"/>
+                    <a16:rowId xmlns:a16="http://schemas.microsoft.com/office/drawing/2014/main" xmlns="" val="10001"/>
                   </a:ext>
                 </a:extLst>
               </a:tr>
